--- a/PROYECTO-MACHINE-LEARNING.pptx
+++ b/PROYECTO-MACHINE-LEARNING.pptx
@@ -115,6 +115,11 @@
       </a:defRPr>
     </a:lvl9pPr>
   </p:defaultTextStyle>
+  <p:extLst>
+    <p:ext uri="{EFAFB233-063F-42B5-8137-9DF3F51BA10A}">
+      <p15:sldGuideLst xmlns:p15="http://schemas.microsoft.com/office/powerpoint/2012/main"/>
+    </p:ext>
+  </p:extLst>
 </p:presentation>
 </file>
 
@@ -175,7 +180,7 @@
           <a:noFill/>
           <a:extLst>
             <a:ext uri="{909E8E84-426E-40dd-AFC4-6F175D3DCCD1}">
-              <a14:hiddenFill xmlns:a14="http://schemas.microsoft.com/office/drawing/2010/main" xmlns="">
+              <a14:hiddenFill xmlns="" xmlns:a14="http://schemas.microsoft.com/office/drawing/2010/main">
                 <a:solidFill>
                   <a:srgbClr val="FFFFFF"/>
                 </a:solidFill>
@@ -234,7 +239,7 @@
             </a:ln>
             <a:extLst>
               <a:ext uri="{91240B29-F687-4f45-9708-019B960494DF}">
-                <a14:hiddenLine xmlns:a14="http://schemas.microsoft.com/office/drawing/2010/main" xmlns="" w="9525">
+                <a14:hiddenLine xmlns="" xmlns:a14="http://schemas.microsoft.com/office/drawing/2010/main" w="9525">
                   <a:solidFill>
                     <a:srgbClr val="000000"/>
                   </a:solidFill>
@@ -324,7 +329,7 @@
             </a:ln>
             <a:extLst>
               <a:ext uri="{91240B29-F687-4f45-9708-019B960494DF}">
-                <a14:hiddenLine xmlns:a14="http://schemas.microsoft.com/office/drawing/2010/main" xmlns="" w="9525">
+                <a14:hiddenLine xmlns="" xmlns:a14="http://schemas.microsoft.com/office/drawing/2010/main" w="9525">
                   <a:solidFill>
                     <a:srgbClr val="000000"/>
                   </a:solidFill>
@@ -414,7 +419,7 @@
             </a:ln>
             <a:extLst>
               <a:ext uri="{91240B29-F687-4f45-9708-019B960494DF}">
-                <a14:hiddenLine xmlns:a14="http://schemas.microsoft.com/office/drawing/2010/main" xmlns="" w="9525">
+                <a14:hiddenLine xmlns="" xmlns:a14="http://schemas.microsoft.com/office/drawing/2010/main" w="9525">
                   <a:solidFill>
                     <a:srgbClr val="000000"/>
                   </a:solidFill>
@@ -448,7 +453,7 @@
             </a:ln>
             <a:extLst>
               <a:ext uri="{91240B29-F687-4f45-9708-019B960494DF}">
-                <a14:hiddenLine xmlns:a14="http://schemas.microsoft.com/office/drawing/2010/main" xmlns="" w="9525">
+                <a14:hiddenLine xmlns="" xmlns:a14="http://schemas.microsoft.com/office/drawing/2010/main" w="9525">
                   <a:solidFill>
                     <a:srgbClr val="000000"/>
                   </a:solidFill>
@@ -538,7 +543,7 @@
             </a:ln>
             <a:extLst>
               <a:ext uri="{91240B29-F687-4f45-9708-019B960494DF}">
-                <a14:hiddenLine xmlns:a14="http://schemas.microsoft.com/office/drawing/2010/main" xmlns="" w="9525">
+                <a14:hiddenLine xmlns="" xmlns:a14="http://schemas.microsoft.com/office/drawing/2010/main" w="9525">
                   <a:solidFill>
                     <a:srgbClr val="000000"/>
                   </a:solidFill>
@@ -600,7 +605,7 @@
             </a:ln>
             <a:extLst>
               <a:ext uri="{91240B29-F687-4f45-9708-019B960494DF}">
-                <a14:hiddenLine xmlns:a14="http://schemas.microsoft.com/office/drawing/2010/main" xmlns="" w="9525">
+                <a14:hiddenLine xmlns="" xmlns:a14="http://schemas.microsoft.com/office/drawing/2010/main" w="9525">
                   <a:solidFill>
                     <a:srgbClr val="000000"/>
                   </a:solidFill>
@@ -662,7 +667,7 @@
             </a:ln>
             <a:extLst>
               <a:ext uri="{91240B29-F687-4f45-9708-019B960494DF}">
-                <a14:hiddenLine xmlns:a14="http://schemas.microsoft.com/office/drawing/2010/main" xmlns="" w="9525">
+                <a14:hiddenLine xmlns="" xmlns:a14="http://schemas.microsoft.com/office/drawing/2010/main" w="9525">
                   <a:solidFill>
                     <a:srgbClr val="000000"/>
                   </a:solidFill>
@@ -752,7 +757,7 @@
             </a:ln>
             <a:extLst>
               <a:ext uri="{91240B29-F687-4f45-9708-019B960494DF}">
-                <a14:hiddenLine xmlns:a14="http://schemas.microsoft.com/office/drawing/2010/main" xmlns="" w="9525">
+                <a14:hiddenLine xmlns="" xmlns:a14="http://schemas.microsoft.com/office/drawing/2010/main" w="9525">
                   <a:solidFill>
                     <a:srgbClr val="000000"/>
                   </a:solidFill>
@@ -814,7 +819,7 @@
             </a:ln>
             <a:extLst>
               <a:ext uri="{91240B29-F687-4f45-9708-019B960494DF}">
-                <a14:hiddenLine xmlns:a14="http://schemas.microsoft.com/office/drawing/2010/main" xmlns="" w="9525">
+                <a14:hiddenLine xmlns="" xmlns:a14="http://schemas.microsoft.com/office/drawing/2010/main" w="9525">
                   <a:solidFill>
                     <a:srgbClr val="000000"/>
                   </a:solidFill>
@@ -876,7 +881,7 @@
             </a:ln>
             <a:extLst>
               <a:ext uri="{91240B29-F687-4f45-9708-019B960494DF}">
-                <a14:hiddenLine xmlns:a14="http://schemas.microsoft.com/office/drawing/2010/main" xmlns="" w="9525">
+                <a14:hiddenLine xmlns="" xmlns:a14="http://schemas.microsoft.com/office/drawing/2010/main" w="9525">
                   <a:solidFill>
                     <a:srgbClr val="000000"/>
                   </a:solidFill>
@@ -966,7 +971,7 @@
             </a:ln>
             <a:extLst>
               <a:ext uri="{91240B29-F687-4f45-9708-019B960494DF}">
-                <a14:hiddenLine xmlns:a14="http://schemas.microsoft.com/office/drawing/2010/main" xmlns="" w="9525">
+                <a14:hiddenLine xmlns="" xmlns:a14="http://schemas.microsoft.com/office/drawing/2010/main" w="9525">
                   <a:solidFill>
                     <a:srgbClr val="000000"/>
                   </a:solidFill>
@@ -1056,7 +1061,7 @@
             </a:ln>
             <a:extLst>
               <a:ext uri="{91240B29-F687-4f45-9708-019B960494DF}">
-                <a14:hiddenLine xmlns:a14="http://schemas.microsoft.com/office/drawing/2010/main" xmlns="" w="9525">
+                <a14:hiddenLine xmlns="" xmlns:a14="http://schemas.microsoft.com/office/drawing/2010/main" w="9525">
                   <a:solidFill>
                     <a:srgbClr val="000000"/>
                   </a:solidFill>
@@ -1118,7 +1123,7 @@
             </a:ln>
             <a:extLst>
               <a:ext uri="{91240B29-F687-4f45-9708-019B960494DF}">
-                <a14:hiddenLine xmlns:a14="http://schemas.microsoft.com/office/drawing/2010/main" xmlns="" w="9525">
+                <a14:hiddenLine xmlns="" xmlns:a14="http://schemas.microsoft.com/office/drawing/2010/main" w="9525">
                   <a:solidFill>
                     <a:srgbClr val="000000"/>
                   </a:solidFill>
@@ -1228,7 +1233,7 @@
             </a:ln>
             <a:extLst>
               <a:ext uri="{91240B29-F687-4f45-9708-019B960494DF}">
-                <a14:hiddenLine xmlns:a14="http://schemas.microsoft.com/office/drawing/2010/main" xmlns="" w="9525">
+                <a14:hiddenLine xmlns="" xmlns:a14="http://schemas.microsoft.com/office/drawing/2010/main" w="9525">
                   <a:solidFill>
                     <a:srgbClr val="000000"/>
                   </a:solidFill>
@@ -1290,7 +1295,7 @@
             </a:ln>
             <a:extLst>
               <a:ext uri="{91240B29-F687-4f45-9708-019B960494DF}">
-                <a14:hiddenLine xmlns:a14="http://schemas.microsoft.com/office/drawing/2010/main" xmlns="" w="9525">
+                <a14:hiddenLine xmlns="" xmlns:a14="http://schemas.microsoft.com/office/drawing/2010/main" w="9525">
                   <a:solidFill>
                     <a:srgbClr val="000000"/>
                   </a:solidFill>
@@ -1380,7 +1385,7 @@
             </a:ln>
             <a:extLst>
               <a:ext uri="{91240B29-F687-4f45-9708-019B960494DF}">
-                <a14:hiddenLine xmlns:a14="http://schemas.microsoft.com/office/drawing/2010/main" xmlns="" w="9525">
+                <a14:hiddenLine xmlns="" xmlns:a14="http://schemas.microsoft.com/office/drawing/2010/main" w="9525">
                   <a:solidFill>
                     <a:srgbClr val="000000"/>
                   </a:solidFill>
@@ -1470,7 +1475,7 @@
             </a:ln>
             <a:extLst>
               <a:ext uri="{91240B29-F687-4f45-9708-019B960494DF}">
-                <a14:hiddenLine xmlns:a14="http://schemas.microsoft.com/office/drawing/2010/main" xmlns="" w="9525">
+                <a14:hiddenLine xmlns="" xmlns:a14="http://schemas.microsoft.com/office/drawing/2010/main" w="9525">
                   <a:solidFill>
                     <a:srgbClr val="000000"/>
                   </a:solidFill>
@@ -1532,7 +1537,7 @@
             </a:ln>
             <a:extLst>
               <a:ext uri="{91240B29-F687-4f45-9708-019B960494DF}">
-                <a14:hiddenLine xmlns:a14="http://schemas.microsoft.com/office/drawing/2010/main" xmlns="" w="9525">
+                <a14:hiddenLine xmlns="" xmlns:a14="http://schemas.microsoft.com/office/drawing/2010/main" w="9525">
                   <a:solidFill>
                     <a:srgbClr val="000000"/>
                   </a:solidFill>
@@ -1622,7 +1627,7 @@
             </a:ln>
             <a:extLst>
               <a:ext uri="{91240B29-F687-4f45-9708-019B960494DF}">
-                <a14:hiddenLine xmlns:a14="http://schemas.microsoft.com/office/drawing/2010/main" xmlns="" w="9525">
+                <a14:hiddenLine xmlns="" xmlns:a14="http://schemas.microsoft.com/office/drawing/2010/main" w="9525">
                   <a:solidFill>
                     <a:srgbClr val="000000"/>
                   </a:solidFill>
@@ -1712,7 +1717,7 @@
             </a:ln>
             <a:extLst>
               <a:ext uri="{91240B29-F687-4f45-9708-019B960494DF}">
-                <a14:hiddenLine xmlns:a14="http://schemas.microsoft.com/office/drawing/2010/main" xmlns="" w="9525">
+                <a14:hiddenLine xmlns="" xmlns:a14="http://schemas.microsoft.com/office/drawing/2010/main" w="9525">
                   <a:solidFill>
                     <a:srgbClr val="000000"/>
                   </a:solidFill>
@@ -1768,7 +1773,7 @@
             </a:ln>
             <a:extLst>
               <a:ext uri="{91240B29-F687-4f45-9708-019B960494DF}">
-                <a14:hiddenLine xmlns:a14="http://schemas.microsoft.com/office/drawing/2010/main" xmlns="" w="9525">
+                <a14:hiddenLine xmlns="" xmlns:a14="http://schemas.microsoft.com/office/drawing/2010/main" w="9525">
                   <a:solidFill>
                     <a:srgbClr val="000000"/>
                   </a:solidFill>
@@ -1858,7 +1863,7 @@
             </a:ln>
             <a:extLst>
               <a:ext uri="{91240B29-F687-4f45-9708-019B960494DF}">
-                <a14:hiddenLine xmlns:a14="http://schemas.microsoft.com/office/drawing/2010/main" xmlns="" w="9525">
+                <a14:hiddenLine xmlns="" xmlns:a14="http://schemas.microsoft.com/office/drawing/2010/main" w="9525">
                   <a:solidFill>
                     <a:srgbClr val="000000"/>
                   </a:solidFill>
@@ -1914,7 +1919,7 @@
             </a:ln>
             <a:extLst>
               <a:ext uri="{91240B29-F687-4f45-9708-019B960494DF}">
-                <a14:hiddenLine xmlns:a14="http://schemas.microsoft.com/office/drawing/2010/main" xmlns="" w="9525">
+                <a14:hiddenLine xmlns="" xmlns:a14="http://schemas.microsoft.com/office/drawing/2010/main" w="9525">
                   <a:solidFill>
                     <a:srgbClr val="000000"/>
                   </a:solidFill>
@@ -2004,7 +2009,7 @@
             </a:ln>
             <a:extLst>
               <a:ext uri="{91240B29-F687-4f45-9708-019B960494DF}">
-                <a14:hiddenLine xmlns:a14="http://schemas.microsoft.com/office/drawing/2010/main" xmlns="" w="9525">
+                <a14:hiddenLine xmlns="" xmlns:a14="http://schemas.microsoft.com/office/drawing/2010/main" w="9525">
                   <a:solidFill>
                     <a:srgbClr val="000000"/>
                   </a:solidFill>
@@ -2072,7 +2077,7 @@
             </a:ln>
             <a:extLst>
               <a:ext uri="{91240B29-F687-4f45-9708-019B960494DF}">
-                <a14:hiddenLine xmlns:a14="http://schemas.microsoft.com/office/drawing/2010/main" xmlns="" w="9525">
+                <a14:hiddenLine xmlns="" xmlns:a14="http://schemas.microsoft.com/office/drawing/2010/main" w="9525">
                   <a:solidFill>
                     <a:srgbClr val="000000"/>
                   </a:solidFill>
@@ -2162,7 +2167,7 @@
             </a:ln>
             <a:extLst>
               <a:ext uri="{91240B29-F687-4f45-9708-019B960494DF}">
-                <a14:hiddenLine xmlns:a14="http://schemas.microsoft.com/office/drawing/2010/main" xmlns="" w="9525">
+                <a14:hiddenLine xmlns="" xmlns:a14="http://schemas.microsoft.com/office/drawing/2010/main" w="9525">
                   <a:solidFill>
                     <a:srgbClr val="000000"/>
                   </a:solidFill>
@@ -2230,7 +2235,7 @@
             </a:ln>
             <a:extLst>
               <a:ext uri="{91240B29-F687-4f45-9708-019B960494DF}">
-                <a14:hiddenLine xmlns:a14="http://schemas.microsoft.com/office/drawing/2010/main" xmlns="" w="9525">
+                <a14:hiddenLine xmlns="" xmlns:a14="http://schemas.microsoft.com/office/drawing/2010/main" w="9525">
                   <a:solidFill>
                     <a:srgbClr val="000000"/>
                   </a:solidFill>
@@ -2320,7 +2325,7 @@
             </a:ln>
             <a:extLst>
               <a:ext uri="{91240B29-F687-4f45-9708-019B960494DF}">
-                <a14:hiddenLine xmlns:a14="http://schemas.microsoft.com/office/drawing/2010/main" xmlns="" w="9525">
+                <a14:hiddenLine xmlns="" xmlns:a14="http://schemas.microsoft.com/office/drawing/2010/main" w="9525">
                   <a:solidFill>
                     <a:srgbClr val="000000"/>
                   </a:solidFill>
@@ -2354,7 +2359,7 @@
             </a:ln>
             <a:extLst>
               <a:ext uri="{91240B29-F687-4f45-9708-019B960494DF}">
-                <a14:hiddenLine xmlns:a14="http://schemas.microsoft.com/office/drawing/2010/main" xmlns="" w="9525">
+                <a14:hiddenLine xmlns="" xmlns:a14="http://schemas.microsoft.com/office/drawing/2010/main" w="9525">
                   <a:solidFill>
                     <a:srgbClr val="000000"/>
                   </a:solidFill>
@@ -2444,7 +2449,7 @@
             </a:ln>
             <a:extLst>
               <a:ext uri="{91240B29-F687-4f45-9708-019B960494DF}">
-                <a14:hiddenLine xmlns:a14="http://schemas.microsoft.com/office/drawing/2010/main" xmlns="" w="9525">
+                <a14:hiddenLine xmlns="" xmlns:a14="http://schemas.microsoft.com/office/drawing/2010/main" w="9525">
                   <a:solidFill>
                     <a:srgbClr val="000000"/>
                   </a:solidFill>
@@ -2506,7 +2511,7 @@
             </a:ln>
             <a:extLst>
               <a:ext uri="{91240B29-F687-4f45-9708-019B960494DF}">
-                <a14:hiddenLine xmlns:a14="http://schemas.microsoft.com/office/drawing/2010/main" xmlns="" w="9525">
+                <a14:hiddenLine xmlns="" xmlns:a14="http://schemas.microsoft.com/office/drawing/2010/main" w="9525">
                   <a:solidFill>
                     <a:srgbClr val="000000"/>
                   </a:solidFill>
@@ -2568,7 +2573,7 @@
             </a:ln>
             <a:extLst>
               <a:ext uri="{91240B29-F687-4f45-9708-019B960494DF}">
-                <a14:hiddenLine xmlns:a14="http://schemas.microsoft.com/office/drawing/2010/main" xmlns="" w="9525">
+                <a14:hiddenLine xmlns="" xmlns:a14="http://schemas.microsoft.com/office/drawing/2010/main" w="9525">
                   <a:solidFill>
                     <a:srgbClr val="000000"/>
                   </a:solidFill>
@@ -2658,7 +2663,7 @@
             </a:ln>
             <a:extLst>
               <a:ext uri="{91240B29-F687-4f45-9708-019B960494DF}">
-                <a14:hiddenLine xmlns:a14="http://schemas.microsoft.com/office/drawing/2010/main" xmlns="" w="9525">
+                <a14:hiddenLine xmlns="" xmlns:a14="http://schemas.microsoft.com/office/drawing/2010/main" w="9525">
                   <a:solidFill>
                     <a:srgbClr val="000000"/>
                   </a:solidFill>
@@ -2726,7 +2731,7 @@
             </a:ln>
             <a:extLst>
               <a:ext uri="{91240B29-F687-4f45-9708-019B960494DF}">
-                <a14:hiddenLine xmlns:a14="http://schemas.microsoft.com/office/drawing/2010/main" xmlns="" w="9525">
+                <a14:hiddenLine xmlns="" xmlns:a14="http://schemas.microsoft.com/office/drawing/2010/main" w="9525">
                   <a:solidFill>
                     <a:srgbClr val="000000"/>
                   </a:solidFill>
@@ -2788,7 +2793,7 @@
             </a:ln>
             <a:extLst>
               <a:ext uri="{91240B29-F687-4f45-9708-019B960494DF}">
-                <a14:hiddenLine xmlns:a14="http://schemas.microsoft.com/office/drawing/2010/main" xmlns="" w="9525">
+                <a14:hiddenLine xmlns="" xmlns:a14="http://schemas.microsoft.com/office/drawing/2010/main" w="9525">
                   <a:solidFill>
                     <a:srgbClr val="000000"/>
                   </a:solidFill>
@@ -2878,7 +2883,7 @@
             </a:ln>
             <a:extLst>
               <a:ext uri="{91240B29-F687-4f45-9708-019B960494DF}">
-                <a14:hiddenLine xmlns:a14="http://schemas.microsoft.com/office/drawing/2010/main" xmlns="" w="9525">
+                <a14:hiddenLine xmlns="" xmlns:a14="http://schemas.microsoft.com/office/drawing/2010/main" w="9525">
                   <a:solidFill>
                     <a:srgbClr val="000000"/>
                   </a:solidFill>
@@ -2940,7 +2945,7 @@
             </a:ln>
             <a:extLst>
               <a:ext uri="{91240B29-F687-4f45-9708-019B960494DF}">
-                <a14:hiddenLine xmlns:a14="http://schemas.microsoft.com/office/drawing/2010/main" xmlns="" w="9525">
+                <a14:hiddenLine xmlns="" xmlns:a14="http://schemas.microsoft.com/office/drawing/2010/main" w="9525">
                   <a:solidFill>
                     <a:srgbClr val="000000"/>
                   </a:solidFill>
@@ -3030,7 +3035,7 @@
             </a:ln>
             <a:extLst>
               <a:ext uri="{91240B29-F687-4f45-9708-019B960494DF}">
-                <a14:hiddenLine xmlns:a14="http://schemas.microsoft.com/office/drawing/2010/main" xmlns="" w="9525">
+                <a14:hiddenLine xmlns="" xmlns:a14="http://schemas.microsoft.com/office/drawing/2010/main" w="9525">
                   <a:solidFill>
                     <a:srgbClr val="000000"/>
                   </a:solidFill>
@@ -3092,7 +3097,7 @@
             </a:ln>
             <a:extLst>
               <a:ext uri="{91240B29-F687-4f45-9708-019B960494DF}">
-                <a14:hiddenLine xmlns:a14="http://schemas.microsoft.com/office/drawing/2010/main" xmlns="" w="9525">
+                <a14:hiddenLine xmlns="" xmlns:a14="http://schemas.microsoft.com/office/drawing/2010/main" w="9525">
                   <a:solidFill>
                     <a:srgbClr val="000000"/>
                   </a:solidFill>
@@ -3182,7 +3187,7 @@
             </a:ln>
             <a:extLst>
               <a:ext uri="{91240B29-F687-4f45-9708-019B960494DF}">
-                <a14:hiddenLine xmlns:a14="http://schemas.microsoft.com/office/drawing/2010/main" xmlns="" w="9525">
+                <a14:hiddenLine xmlns="" xmlns:a14="http://schemas.microsoft.com/office/drawing/2010/main" w="9525">
                   <a:solidFill>
                     <a:srgbClr val="000000"/>
                   </a:solidFill>
@@ -3216,7 +3221,7 @@
             </a:ln>
             <a:extLst>
               <a:ext uri="{91240B29-F687-4f45-9708-019B960494DF}">
-                <a14:hiddenLine xmlns:a14="http://schemas.microsoft.com/office/drawing/2010/main" xmlns="" w="9525">
+                <a14:hiddenLine xmlns="" xmlns:a14="http://schemas.microsoft.com/office/drawing/2010/main" w="9525">
                   <a:solidFill>
                     <a:srgbClr val="000000"/>
                   </a:solidFill>
@@ -3281,7 +3286,7 @@
             </a:ln>
             <a:extLst>
               <a:ext uri="{91240B29-F687-4f45-9708-019B960494DF}">
-                <a14:hiddenLine xmlns:a14="http://schemas.microsoft.com/office/drawing/2010/main" xmlns="" w="9525">
+                <a14:hiddenLine xmlns="" xmlns:a14="http://schemas.microsoft.com/office/drawing/2010/main" w="9525">
                   <a:solidFill>
                     <a:srgbClr val="000000"/>
                   </a:solidFill>
@@ -3371,7 +3376,7 @@
             </a:ln>
             <a:extLst>
               <a:ext uri="{91240B29-F687-4f45-9708-019B960494DF}">
-                <a14:hiddenLine xmlns:a14="http://schemas.microsoft.com/office/drawing/2010/main" xmlns="" w="9525">
+                <a14:hiddenLine xmlns="" xmlns:a14="http://schemas.microsoft.com/office/drawing/2010/main" w="9525">
                   <a:solidFill>
                     <a:srgbClr val="000000"/>
                   </a:solidFill>
@@ -3433,7 +3438,7 @@
             </a:ln>
             <a:extLst>
               <a:ext uri="{91240B29-F687-4f45-9708-019B960494DF}">
-                <a14:hiddenLine xmlns:a14="http://schemas.microsoft.com/office/drawing/2010/main" xmlns="" w="9525">
+                <a14:hiddenLine xmlns="" xmlns:a14="http://schemas.microsoft.com/office/drawing/2010/main" w="9525">
                   <a:solidFill>
                     <a:srgbClr val="000000"/>
                   </a:solidFill>
@@ -3523,7 +3528,7 @@
             </a:ln>
             <a:extLst>
               <a:ext uri="{91240B29-F687-4f45-9708-019B960494DF}">
-                <a14:hiddenLine xmlns:a14="http://schemas.microsoft.com/office/drawing/2010/main" xmlns="" w="9525">
+                <a14:hiddenLine xmlns="" xmlns:a14="http://schemas.microsoft.com/office/drawing/2010/main" w="9525">
                   <a:solidFill>
                     <a:srgbClr val="000000"/>
                   </a:solidFill>
@@ -3613,7 +3618,7 @@
             </a:ln>
             <a:extLst>
               <a:ext uri="{91240B29-F687-4f45-9708-019B960494DF}">
-                <a14:hiddenLine xmlns:a14="http://schemas.microsoft.com/office/drawing/2010/main" xmlns="" w="9525">
+                <a14:hiddenLine xmlns="" xmlns:a14="http://schemas.microsoft.com/office/drawing/2010/main" w="9525">
                   <a:solidFill>
                     <a:srgbClr val="000000"/>
                   </a:solidFill>
@@ -3678,7 +3683,7 @@
             </a:ln>
             <a:extLst>
               <a:ext uri="{91240B29-F687-4f45-9708-019B960494DF}">
-                <a14:hiddenLine xmlns:a14="http://schemas.microsoft.com/office/drawing/2010/main" xmlns="" w="9525">
+                <a14:hiddenLine xmlns="" xmlns:a14="http://schemas.microsoft.com/office/drawing/2010/main" w="9525">
                   <a:solidFill>
                     <a:srgbClr val="000000"/>
                   </a:solidFill>
@@ -3740,7 +3745,7 @@
             </a:ln>
             <a:extLst>
               <a:ext uri="{91240B29-F687-4f45-9708-019B960494DF}">
-                <a14:hiddenLine xmlns:a14="http://schemas.microsoft.com/office/drawing/2010/main" xmlns="" w="9525">
+                <a14:hiddenLine xmlns="" xmlns:a14="http://schemas.microsoft.com/office/drawing/2010/main" w="9525">
                   <a:solidFill>
                     <a:srgbClr val="000000"/>
                   </a:solidFill>
@@ -3830,7 +3835,7 @@
             </a:ln>
             <a:extLst>
               <a:ext uri="{91240B29-F687-4f45-9708-019B960494DF}">
-                <a14:hiddenLine xmlns:a14="http://schemas.microsoft.com/office/drawing/2010/main" xmlns="" w="9525">
+                <a14:hiddenLine xmlns="" xmlns:a14="http://schemas.microsoft.com/office/drawing/2010/main" w="9525">
                   <a:solidFill>
                     <a:srgbClr val="000000"/>
                   </a:solidFill>
@@ -3920,7 +3925,7 @@
             </a:ln>
             <a:extLst>
               <a:ext uri="{91240B29-F687-4f45-9708-019B960494DF}">
-                <a14:hiddenLine xmlns:a14="http://schemas.microsoft.com/office/drawing/2010/main" xmlns="" w="9525">
+                <a14:hiddenLine xmlns="" xmlns:a14="http://schemas.microsoft.com/office/drawing/2010/main" w="9525">
                   <a:solidFill>
                     <a:srgbClr val="000000"/>
                   </a:solidFill>
@@ -3982,7 +3987,7 @@
             </a:ln>
             <a:extLst>
               <a:ext uri="{91240B29-F687-4f45-9708-019B960494DF}">
-                <a14:hiddenLine xmlns:a14="http://schemas.microsoft.com/office/drawing/2010/main" xmlns="" w="9525">
+                <a14:hiddenLine xmlns="" xmlns:a14="http://schemas.microsoft.com/office/drawing/2010/main" w="9525">
                   <a:solidFill>
                     <a:srgbClr val="000000"/>
                   </a:solidFill>
@@ -4102,7 +4107,7 @@
             </a:ln>
             <a:extLst>
               <a:ext uri="{91240B29-F687-4f45-9708-019B960494DF}">
-                <a14:hiddenLine xmlns:a14="http://schemas.microsoft.com/office/drawing/2010/main" xmlns="" w="9525">
+                <a14:hiddenLine xmlns="" xmlns:a14="http://schemas.microsoft.com/office/drawing/2010/main" w="9525">
                   <a:solidFill>
                     <a:srgbClr val="000000"/>
                   </a:solidFill>
@@ -4170,7 +4175,7 @@
             </a:ln>
             <a:extLst>
               <a:ext uri="{91240B29-F687-4f45-9708-019B960494DF}">
-                <a14:hiddenLine xmlns:a14="http://schemas.microsoft.com/office/drawing/2010/main" xmlns="" w="9525">
+                <a14:hiddenLine xmlns="" xmlns:a14="http://schemas.microsoft.com/office/drawing/2010/main" w="9525">
                   <a:solidFill>
                     <a:srgbClr val="000000"/>
                   </a:solidFill>
@@ -4260,7 +4265,7 @@
             </a:ln>
             <a:extLst>
               <a:ext uri="{91240B29-F687-4f45-9708-019B960494DF}">
-                <a14:hiddenLine xmlns:a14="http://schemas.microsoft.com/office/drawing/2010/main" xmlns="" w="9525">
+                <a14:hiddenLine xmlns="" xmlns:a14="http://schemas.microsoft.com/office/drawing/2010/main" w="9525">
                   <a:solidFill>
                     <a:srgbClr val="000000"/>
                   </a:solidFill>
@@ -4400,7 +4405,7 @@
           <a:p>
             <a:fld id="{B17FED09-996A-4092-B0CE-C688A8E76C69}" type="datetimeFigureOut">
               <a:rPr lang="es-ES" smtClean="0"/>
-              <a:t>01/02/2024</a:t>
+              <a:t>03/02/2024</a:t>
             </a:fld>
             <a:endParaRPr lang="es-ES"/>
           </a:p>
@@ -4667,7 +4672,7 @@
           <a:p>
             <a:fld id="{B17FED09-996A-4092-B0CE-C688A8E76C69}" type="datetimeFigureOut">
               <a:rPr lang="es-ES" smtClean="0"/>
-              <a:t>01/02/2024</a:t>
+              <a:t>03/02/2024</a:t>
             </a:fld>
             <a:endParaRPr lang="es-ES"/>
           </a:p>
@@ -4863,7 +4868,7 @@
           <a:p>
             <a:fld id="{B17FED09-996A-4092-B0CE-C688A8E76C69}" type="datetimeFigureOut">
               <a:rPr lang="es-ES" smtClean="0"/>
-              <a:t>01/02/2024</a:t>
+              <a:t>03/02/2024</a:t>
             </a:fld>
             <a:endParaRPr lang="es-ES"/>
           </a:p>
@@ -5126,7 +5131,7 @@
           <a:p>
             <a:fld id="{B17FED09-996A-4092-B0CE-C688A8E76C69}" type="datetimeFigureOut">
               <a:rPr lang="es-ES" smtClean="0"/>
-              <a:t>01/02/2024</a:t>
+              <a:t>03/02/2024</a:t>
             </a:fld>
             <a:endParaRPr lang="es-ES"/>
           </a:p>
@@ -5560,7 +5565,7 @@
           <a:p>
             <a:fld id="{B17FED09-996A-4092-B0CE-C688A8E76C69}" type="datetimeFigureOut">
               <a:rPr lang="es-ES" smtClean="0"/>
-              <a:t>01/02/2024</a:t>
+              <a:t>03/02/2024</a:t>
             </a:fld>
             <a:endParaRPr lang="es-ES"/>
           </a:p>
@@ -6106,7 +6111,7 @@
           <a:p>
             <a:fld id="{B17FED09-996A-4092-B0CE-C688A8E76C69}" type="datetimeFigureOut">
               <a:rPr lang="es-ES" smtClean="0"/>
-              <a:t>01/02/2024</a:t>
+              <a:t>03/02/2024</a:t>
             </a:fld>
             <a:endParaRPr lang="es-ES"/>
           </a:p>
@@ -6826,7 +6831,7 @@
           <a:p>
             <a:fld id="{B17FED09-996A-4092-B0CE-C688A8E76C69}" type="datetimeFigureOut">
               <a:rPr lang="es-ES" smtClean="0"/>
-              <a:t>01/02/2024</a:t>
+              <a:t>03/02/2024</a:t>
             </a:fld>
             <a:endParaRPr lang="es-ES"/>
           </a:p>
@@ -6996,7 +7001,7 @@
           <a:p>
             <a:fld id="{B17FED09-996A-4092-B0CE-C688A8E76C69}" type="datetimeFigureOut">
               <a:rPr lang="es-ES" smtClean="0"/>
-              <a:t>01/02/2024</a:t>
+              <a:t>03/02/2024</a:t>
             </a:fld>
             <a:endParaRPr lang="es-ES"/>
           </a:p>
@@ -7176,7 +7181,7 @@
           <a:p>
             <a:fld id="{B17FED09-996A-4092-B0CE-C688A8E76C69}" type="datetimeFigureOut">
               <a:rPr lang="es-ES" smtClean="0"/>
-              <a:t>01/02/2024</a:t>
+              <a:t>03/02/2024</a:t>
             </a:fld>
             <a:endParaRPr lang="es-ES"/>
           </a:p>
@@ -7346,7 +7351,7 @@
           <a:p>
             <a:fld id="{B17FED09-996A-4092-B0CE-C688A8E76C69}" type="datetimeFigureOut">
               <a:rPr lang="es-ES" smtClean="0"/>
-              <a:t>01/02/2024</a:t>
+              <a:t>03/02/2024</a:t>
             </a:fld>
             <a:endParaRPr lang="es-ES"/>
           </a:p>
@@ -7596,7 +7601,7 @@
           <a:p>
             <a:fld id="{B17FED09-996A-4092-B0CE-C688A8E76C69}" type="datetimeFigureOut">
               <a:rPr lang="es-ES" smtClean="0"/>
-              <a:t>01/02/2024</a:t>
+              <a:t>03/02/2024</a:t>
             </a:fld>
             <a:endParaRPr lang="es-ES"/>
           </a:p>
@@ -7828,7 +7833,7 @@
           <a:p>
             <a:fld id="{B17FED09-996A-4092-B0CE-C688A8E76C69}" type="datetimeFigureOut">
               <a:rPr lang="es-ES" smtClean="0"/>
-              <a:t>01/02/2024</a:t>
+              <a:t>03/02/2024</a:t>
             </a:fld>
             <a:endParaRPr lang="es-ES"/>
           </a:p>
@@ -8209,7 +8214,7 @@
           <a:p>
             <a:fld id="{B17FED09-996A-4092-B0CE-C688A8E76C69}" type="datetimeFigureOut">
               <a:rPr lang="es-ES" smtClean="0"/>
-              <a:t>01/02/2024</a:t>
+              <a:t>03/02/2024</a:t>
             </a:fld>
             <a:endParaRPr lang="es-ES"/>
           </a:p>
@@ -8327,7 +8332,7 @@
           <a:p>
             <a:fld id="{B17FED09-996A-4092-B0CE-C688A8E76C69}" type="datetimeFigureOut">
               <a:rPr lang="es-ES" smtClean="0"/>
-              <a:t>01/02/2024</a:t>
+              <a:t>03/02/2024</a:t>
             </a:fld>
             <a:endParaRPr lang="es-ES"/>
           </a:p>
@@ -8422,7 +8427,7 @@
           <a:p>
             <a:fld id="{B17FED09-996A-4092-B0CE-C688A8E76C69}" type="datetimeFigureOut">
               <a:rPr lang="es-ES" smtClean="0"/>
-              <a:t>01/02/2024</a:t>
+              <a:t>03/02/2024</a:t>
             </a:fld>
             <a:endParaRPr lang="es-ES"/>
           </a:p>
@@ -8671,7 +8676,7 @@
           <a:p>
             <a:fld id="{B17FED09-996A-4092-B0CE-C688A8E76C69}" type="datetimeFigureOut">
               <a:rPr lang="es-ES" smtClean="0"/>
-              <a:t>01/02/2024</a:t>
+              <a:t>03/02/2024</a:t>
             </a:fld>
             <a:endParaRPr lang="es-ES"/>
           </a:p>
@@ -8951,7 +8956,7 @@
           <a:p>
             <a:fld id="{B17FED09-996A-4092-B0CE-C688A8E76C69}" type="datetimeFigureOut">
               <a:rPr lang="es-ES" smtClean="0"/>
-              <a:t>01/02/2024</a:t>
+              <a:t>03/02/2024</a:t>
             </a:fld>
             <a:endParaRPr lang="es-ES"/>
           </a:p>
@@ -9074,7 +9079,7 @@
           <a:noFill/>
           <a:extLst>
             <a:ext uri="{909E8E84-426E-40dd-AFC4-6F175D3DCCD1}">
-              <a14:hiddenFill xmlns:a14="http://schemas.microsoft.com/office/drawing/2010/main" xmlns="">
+              <a14:hiddenFill xmlns="" xmlns:a14="http://schemas.microsoft.com/office/drawing/2010/main">
                 <a:solidFill>
                   <a:srgbClr val="FFFFFF"/>
                 </a:solidFill>
@@ -9148,7 +9153,7 @@
               </a:ln>
               <a:extLst>
                 <a:ext uri="{91240B29-F687-4f45-9708-019B960494DF}">
-                  <a14:hiddenLine xmlns:a14="http://schemas.microsoft.com/office/drawing/2010/main" xmlns="" w="9525">
+                  <a14:hiddenLine xmlns="" xmlns:a14="http://schemas.microsoft.com/office/drawing/2010/main" w="9525">
                     <a:solidFill>
                       <a:srgbClr val="000000"/>
                     </a:solidFill>
@@ -9238,7 +9243,7 @@
               </a:ln>
               <a:extLst>
                 <a:ext uri="{91240B29-F687-4f45-9708-019B960494DF}">
-                  <a14:hiddenLine xmlns:a14="http://schemas.microsoft.com/office/drawing/2010/main" xmlns="" w="9525">
+                  <a14:hiddenLine xmlns="" xmlns:a14="http://schemas.microsoft.com/office/drawing/2010/main" w="9525">
                     <a:solidFill>
                       <a:srgbClr val="000000"/>
                     </a:solidFill>
@@ -9328,7 +9333,7 @@
               </a:ln>
               <a:extLst>
                 <a:ext uri="{91240B29-F687-4f45-9708-019B960494DF}">
-                  <a14:hiddenLine xmlns:a14="http://schemas.microsoft.com/office/drawing/2010/main" xmlns="" w="9525">
+                  <a14:hiddenLine xmlns="" xmlns:a14="http://schemas.microsoft.com/office/drawing/2010/main" w="9525">
                     <a:solidFill>
                       <a:srgbClr val="000000"/>
                     </a:solidFill>
@@ -9390,7 +9395,7 @@
               </a:ln>
               <a:extLst>
                 <a:ext uri="{91240B29-F687-4f45-9708-019B960494DF}">
-                  <a14:hiddenLine xmlns:a14="http://schemas.microsoft.com/office/drawing/2010/main" xmlns="" w="9525">
+                  <a14:hiddenLine xmlns="" xmlns:a14="http://schemas.microsoft.com/office/drawing/2010/main" w="9525">
                     <a:solidFill>
                       <a:srgbClr val="000000"/>
                     </a:solidFill>
@@ -9480,7 +9485,7 @@
               </a:ln>
               <a:extLst>
                 <a:ext uri="{91240B29-F687-4f45-9708-019B960494DF}">
-                  <a14:hiddenLine xmlns:a14="http://schemas.microsoft.com/office/drawing/2010/main" xmlns="" w="9525">
+                  <a14:hiddenLine xmlns="" xmlns:a14="http://schemas.microsoft.com/office/drawing/2010/main" w="9525">
                     <a:solidFill>
                       <a:srgbClr val="000000"/>
                     </a:solidFill>
@@ -9542,7 +9547,7 @@
               </a:ln>
               <a:extLst>
                 <a:ext uri="{91240B29-F687-4f45-9708-019B960494DF}">
-                  <a14:hiddenLine xmlns:a14="http://schemas.microsoft.com/office/drawing/2010/main" xmlns="" w="9525">
+                  <a14:hiddenLine xmlns="" xmlns:a14="http://schemas.microsoft.com/office/drawing/2010/main" w="9525">
                     <a:solidFill>
                       <a:srgbClr val="000000"/>
                     </a:solidFill>
@@ -9604,7 +9609,7 @@
               </a:ln>
               <a:extLst>
                 <a:ext uri="{91240B29-F687-4f45-9708-019B960494DF}">
-                  <a14:hiddenLine xmlns:a14="http://schemas.microsoft.com/office/drawing/2010/main" xmlns="" w="9525">
+                  <a14:hiddenLine xmlns="" xmlns:a14="http://schemas.microsoft.com/office/drawing/2010/main" w="9525">
                     <a:solidFill>
                       <a:srgbClr val="000000"/>
                     </a:solidFill>
@@ -9694,7 +9699,7 @@
               </a:ln>
               <a:extLst>
                 <a:ext uri="{91240B29-F687-4f45-9708-019B960494DF}">
-                  <a14:hiddenLine xmlns:a14="http://schemas.microsoft.com/office/drawing/2010/main" xmlns="" w="9525">
+                  <a14:hiddenLine xmlns="" xmlns:a14="http://schemas.microsoft.com/office/drawing/2010/main" w="9525">
                     <a:solidFill>
                       <a:srgbClr val="000000"/>
                     </a:solidFill>
@@ -9784,7 +9789,7 @@
               </a:ln>
               <a:extLst>
                 <a:ext uri="{91240B29-F687-4f45-9708-019B960494DF}">
-                  <a14:hiddenLine xmlns:a14="http://schemas.microsoft.com/office/drawing/2010/main" xmlns="" w="9525">
+                  <a14:hiddenLine xmlns="" xmlns:a14="http://schemas.microsoft.com/office/drawing/2010/main" w="9525">
                     <a:solidFill>
                       <a:srgbClr val="000000"/>
                     </a:solidFill>
@@ -9846,7 +9851,7 @@
               </a:ln>
               <a:extLst>
                 <a:ext uri="{91240B29-F687-4f45-9708-019B960494DF}">
-                  <a14:hiddenLine xmlns:a14="http://schemas.microsoft.com/office/drawing/2010/main" xmlns="" w="9525">
+                  <a14:hiddenLine xmlns="" xmlns:a14="http://schemas.microsoft.com/office/drawing/2010/main" w="9525">
                     <a:solidFill>
                       <a:srgbClr val="000000"/>
                     </a:solidFill>
@@ -9956,7 +9961,7 @@
               </a:ln>
               <a:extLst>
                 <a:ext uri="{91240B29-F687-4f45-9708-019B960494DF}">
-                  <a14:hiddenLine xmlns:a14="http://schemas.microsoft.com/office/drawing/2010/main" xmlns="" w="9525">
+                  <a14:hiddenLine xmlns="" xmlns:a14="http://schemas.microsoft.com/office/drawing/2010/main" w="9525">
                     <a:solidFill>
                       <a:srgbClr val="000000"/>
                     </a:solidFill>
@@ -10040,7 +10045,7 @@
               </a:ln>
               <a:extLst>
                 <a:ext uri="{91240B29-F687-4f45-9708-019B960494DF}">
-                  <a14:hiddenLine xmlns:a14="http://schemas.microsoft.com/office/drawing/2010/main" xmlns="" w="9525">
+                  <a14:hiddenLine xmlns="" xmlns:a14="http://schemas.microsoft.com/office/drawing/2010/main" w="9525">
                     <a:solidFill>
                       <a:srgbClr val="000000"/>
                     </a:solidFill>
@@ -10102,7 +10107,7 @@
               </a:ln>
               <a:extLst>
                 <a:ext uri="{91240B29-F687-4f45-9708-019B960494DF}">
-                  <a14:hiddenLine xmlns:a14="http://schemas.microsoft.com/office/drawing/2010/main" xmlns="" w="9525">
+                  <a14:hiddenLine xmlns="" xmlns:a14="http://schemas.microsoft.com/office/drawing/2010/main" w="9525">
                     <a:solidFill>
                       <a:srgbClr val="000000"/>
                     </a:solidFill>
@@ -10164,7 +10169,7 @@
               </a:ln>
               <a:extLst>
                 <a:ext uri="{91240B29-F687-4f45-9708-019B960494DF}">
-                  <a14:hiddenLine xmlns:a14="http://schemas.microsoft.com/office/drawing/2010/main" xmlns="" w="9525">
+                  <a14:hiddenLine xmlns="" xmlns:a14="http://schemas.microsoft.com/office/drawing/2010/main" w="9525">
                     <a:solidFill>
                       <a:srgbClr val="000000"/>
                     </a:solidFill>
@@ -10254,7 +10259,7 @@
               </a:ln>
               <a:extLst>
                 <a:ext uri="{91240B29-F687-4f45-9708-019B960494DF}">
-                  <a14:hiddenLine xmlns:a14="http://schemas.microsoft.com/office/drawing/2010/main" xmlns="" w="9525">
+                  <a14:hiddenLine xmlns="" xmlns:a14="http://schemas.microsoft.com/office/drawing/2010/main" w="9525">
                     <a:solidFill>
                       <a:srgbClr val="000000"/>
                     </a:solidFill>
@@ -10288,7 +10293,7 @@
               </a:ln>
               <a:extLst>
                 <a:ext uri="{91240B29-F687-4f45-9708-019B960494DF}">
-                  <a14:hiddenLine xmlns:a14="http://schemas.microsoft.com/office/drawing/2010/main" xmlns="" w="9525">
+                  <a14:hiddenLine xmlns="" xmlns:a14="http://schemas.microsoft.com/office/drawing/2010/main" w="9525">
                     <a:solidFill>
                       <a:srgbClr val="000000"/>
                     </a:solidFill>
@@ -10353,7 +10358,7 @@
               </a:ln>
               <a:extLst>
                 <a:ext uri="{91240B29-F687-4f45-9708-019B960494DF}">
-                  <a14:hiddenLine xmlns:a14="http://schemas.microsoft.com/office/drawing/2010/main" xmlns="" w="9525">
+                  <a14:hiddenLine xmlns="" xmlns:a14="http://schemas.microsoft.com/office/drawing/2010/main" w="9525">
                     <a:solidFill>
                       <a:srgbClr val="000000"/>
                     </a:solidFill>
@@ -10443,7 +10448,7 @@
               </a:ln>
               <a:extLst>
                 <a:ext uri="{91240B29-F687-4f45-9708-019B960494DF}">
-                  <a14:hiddenLine xmlns:a14="http://schemas.microsoft.com/office/drawing/2010/main" xmlns="" w="9525">
+                  <a14:hiddenLine xmlns="" xmlns:a14="http://schemas.microsoft.com/office/drawing/2010/main" w="9525">
                     <a:solidFill>
                       <a:srgbClr val="000000"/>
                     </a:solidFill>
@@ -10505,7 +10510,7 @@
               </a:ln>
               <a:extLst>
                 <a:ext uri="{91240B29-F687-4f45-9708-019B960494DF}">
-                  <a14:hiddenLine xmlns:a14="http://schemas.microsoft.com/office/drawing/2010/main" xmlns="" w="9525">
+                  <a14:hiddenLine xmlns="" xmlns:a14="http://schemas.microsoft.com/office/drawing/2010/main" w="9525">
                     <a:solidFill>
                       <a:srgbClr val="000000"/>
                     </a:solidFill>
@@ -10595,7 +10600,7 @@
               </a:ln>
               <a:extLst>
                 <a:ext uri="{91240B29-F687-4f45-9708-019B960494DF}">
-                  <a14:hiddenLine xmlns:a14="http://schemas.microsoft.com/office/drawing/2010/main" xmlns="" w="9525">
+                  <a14:hiddenLine xmlns="" xmlns:a14="http://schemas.microsoft.com/office/drawing/2010/main" w="9525">
                     <a:solidFill>
                       <a:srgbClr val="000000"/>
                     </a:solidFill>
@@ -10660,7 +10665,7 @@
               </a:ln>
               <a:extLst>
                 <a:ext uri="{91240B29-F687-4f45-9708-019B960494DF}">
-                  <a14:hiddenLine xmlns:a14="http://schemas.microsoft.com/office/drawing/2010/main" xmlns="" w="9525">
+                  <a14:hiddenLine xmlns="" xmlns:a14="http://schemas.microsoft.com/office/drawing/2010/main" w="9525">
                     <a:solidFill>
                       <a:srgbClr val="000000"/>
                     </a:solidFill>
@@ -10722,7 +10727,7 @@
               </a:ln>
               <a:extLst>
                 <a:ext uri="{91240B29-F687-4f45-9708-019B960494DF}">
-                  <a14:hiddenLine xmlns:a14="http://schemas.microsoft.com/office/drawing/2010/main" xmlns="" w="9525">
+                  <a14:hiddenLine xmlns="" xmlns:a14="http://schemas.microsoft.com/office/drawing/2010/main" w="9525">
                     <a:solidFill>
                       <a:srgbClr val="000000"/>
                     </a:solidFill>
@@ -10812,7 +10817,7 @@
               </a:ln>
               <a:extLst>
                 <a:ext uri="{91240B29-F687-4f45-9708-019B960494DF}">
-                  <a14:hiddenLine xmlns:a14="http://schemas.microsoft.com/office/drawing/2010/main" xmlns="" w="9525">
+                  <a14:hiddenLine xmlns="" xmlns:a14="http://schemas.microsoft.com/office/drawing/2010/main" w="9525">
                     <a:solidFill>
                       <a:srgbClr val="000000"/>
                     </a:solidFill>
@@ -10902,7 +10907,7 @@
               </a:ln>
               <a:extLst>
                 <a:ext uri="{91240B29-F687-4f45-9708-019B960494DF}">
-                  <a14:hiddenLine xmlns:a14="http://schemas.microsoft.com/office/drawing/2010/main" xmlns="" w="9525">
+                  <a14:hiddenLine xmlns="" xmlns:a14="http://schemas.microsoft.com/office/drawing/2010/main" w="9525">
                     <a:solidFill>
                       <a:srgbClr val="000000"/>
                     </a:solidFill>
@@ -10967,7 +10972,7 @@
               </a:ln>
               <a:extLst>
                 <a:ext uri="{91240B29-F687-4f45-9708-019B960494DF}">
-                  <a14:hiddenLine xmlns:a14="http://schemas.microsoft.com/office/drawing/2010/main" xmlns="" w="9525">
+                  <a14:hiddenLine xmlns="" xmlns:a14="http://schemas.microsoft.com/office/drawing/2010/main" w="9525">
                     <a:solidFill>
                       <a:srgbClr val="000000"/>
                     </a:solidFill>
@@ -11087,7 +11092,7 @@
               </a:ln>
               <a:extLst>
                 <a:ext uri="{91240B29-F687-4f45-9708-019B960494DF}">
-                  <a14:hiddenLine xmlns:a14="http://schemas.microsoft.com/office/drawing/2010/main" xmlns="" w="9525">
+                  <a14:hiddenLine xmlns="" xmlns:a14="http://schemas.microsoft.com/office/drawing/2010/main" w="9525">
                     <a:solidFill>
                       <a:srgbClr val="000000"/>
                     </a:solidFill>
@@ -11168,7 +11173,7 @@
               </a:ln>
               <a:extLst>
                 <a:ext uri="{91240B29-F687-4f45-9708-019B960494DF}">
-                  <a14:hiddenLine xmlns:a14="http://schemas.microsoft.com/office/drawing/2010/main" xmlns="" w="9525">
+                  <a14:hiddenLine xmlns="" xmlns:a14="http://schemas.microsoft.com/office/drawing/2010/main" w="9525">
                     <a:solidFill>
                       <a:srgbClr val="000000"/>
                     </a:solidFill>
@@ -11283,7 +11288,7 @@
               </a:ln>
               <a:extLst>
                 <a:ext uri="{91240B29-F687-4f45-9708-019B960494DF}">
-                  <a14:hiddenLine xmlns:a14="http://schemas.microsoft.com/office/drawing/2010/main" xmlns="" w="9525">
+                  <a14:hiddenLine xmlns="" xmlns:a14="http://schemas.microsoft.com/office/drawing/2010/main" w="9525">
                     <a:solidFill>
                       <a:srgbClr val="000000"/>
                     </a:solidFill>
@@ -11373,7 +11378,7 @@
               </a:ln>
               <a:extLst>
                 <a:ext uri="{91240B29-F687-4f45-9708-019B960494DF}">
-                  <a14:hiddenLine xmlns:a14="http://schemas.microsoft.com/office/drawing/2010/main" xmlns="" w="9525">
+                  <a14:hiddenLine xmlns="" xmlns:a14="http://schemas.microsoft.com/office/drawing/2010/main" w="9525">
                     <a:solidFill>
                       <a:srgbClr val="000000"/>
                     </a:solidFill>
@@ -11438,7 +11443,7 @@
               </a:ln>
               <a:extLst>
                 <a:ext uri="{91240B29-F687-4f45-9708-019B960494DF}">
-                  <a14:hiddenLine xmlns:a14="http://schemas.microsoft.com/office/drawing/2010/main" xmlns="" w="9525">
+                  <a14:hiddenLine xmlns="" xmlns:a14="http://schemas.microsoft.com/office/drawing/2010/main" w="9525">
                     <a:solidFill>
                       <a:srgbClr val="000000"/>
                     </a:solidFill>
@@ -11528,7 +11533,7 @@
               </a:ln>
               <a:extLst>
                 <a:ext uri="{91240B29-F687-4f45-9708-019B960494DF}">
-                  <a14:hiddenLine xmlns:a14="http://schemas.microsoft.com/office/drawing/2010/main" xmlns="" w="9525">
+                  <a14:hiddenLine xmlns="" xmlns:a14="http://schemas.microsoft.com/office/drawing/2010/main" w="9525">
                     <a:solidFill>
                       <a:srgbClr val="000000"/>
                     </a:solidFill>
@@ -11596,7 +11601,7 @@
               </a:ln>
               <a:extLst>
                 <a:ext uri="{91240B29-F687-4f45-9708-019B960494DF}">
-                  <a14:hiddenLine xmlns:a14="http://schemas.microsoft.com/office/drawing/2010/main" xmlns="" w="9525">
+                  <a14:hiddenLine xmlns="" xmlns:a14="http://schemas.microsoft.com/office/drawing/2010/main" w="9525">
                     <a:solidFill>
                       <a:srgbClr val="000000"/>
                     </a:solidFill>
@@ -11686,7 +11691,7 @@
               </a:ln>
               <a:extLst>
                 <a:ext uri="{91240B29-F687-4f45-9708-019B960494DF}">
-                  <a14:hiddenLine xmlns:a14="http://schemas.microsoft.com/office/drawing/2010/main" xmlns="" w="9525">
+                  <a14:hiddenLine xmlns="" xmlns:a14="http://schemas.microsoft.com/office/drawing/2010/main" w="9525">
                     <a:solidFill>
                       <a:srgbClr val="000000"/>
                     </a:solidFill>
@@ -11754,7 +11759,7 @@
               </a:ln>
               <a:extLst>
                 <a:ext uri="{91240B29-F687-4f45-9708-019B960494DF}">
-                  <a14:hiddenLine xmlns:a14="http://schemas.microsoft.com/office/drawing/2010/main" xmlns="" w="9525">
+                  <a14:hiddenLine xmlns="" xmlns:a14="http://schemas.microsoft.com/office/drawing/2010/main" w="9525">
                     <a:solidFill>
                       <a:srgbClr val="000000"/>
                     </a:solidFill>
@@ -11844,7 +11849,7 @@
               </a:ln>
               <a:extLst>
                 <a:ext uri="{91240B29-F687-4f45-9708-019B960494DF}">
-                  <a14:hiddenLine xmlns:a14="http://schemas.microsoft.com/office/drawing/2010/main" xmlns="" w="9525">
+                  <a14:hiddenLine xmlns="" xmlns:a14="http://schemas.microsoft.com/office/drawing/2010/main" w="9525">
                     <a:solidFill>
                       <a:srgbClr val="000000"/>
                     </a:solidFill>
@@ -11878,7 +11883,7 @@
               </a:ln>
               <a:extLst>
                 <a:ext uri="{91240B29-F687-4f45-9708-019B960494DF}">
-                  <a14:hiddenLine xmlns:a14="http://schemas.microsoft.com/office/drawing/2010/main" xmlns="" w="9525">
+                  <a14:hiddenLine xmlns="" xmlns:a14="http://schemas.microsoft.com/office/drawing/2010/main" w="9525">
                     <a:solidFill>
                       <a:srgbClr val="000000"/>
                     </a:solidFill>
@@ -12018,7 +12023,7 @@
           <a:p>
             <a:fld id="{B17FED09-996A-4092-B0CE-C688A8E76C69}" type="datetimeFigureOut">
               <a:rPr lang="es-ES" smtClean="0"/>
-              <a:t>01/02/2024</a:t>
+              <a:t>03/02/2024</a:t>
             </a:fld>
             <a:endParaRPr lang="es-ES"/>
           </a:p>
@@ -12598,7 +12603,7 @@
           <a:p>
             <a:r>
               <a:rPr lang="es-PE" sz="2000" dirty="0"/>
-              <a:t>-SERRATO CHERRES, ARTHUR</a:t>
+              <a:t>-SERRATO CHERRES, ARTHUR GIUSEPPE</a:t>
             </a:r>
           </a:p>
           <a:p>

--- a/PROYECTO-MACHINE-LEARNING.pptx
+++ b/PROYECTO-MACHINE-LEARNING.pptx
@@ -180,7 +180,7 @@
           <a:noFill/>
           <a:extLst>
             <a:ext uri="{909E8E84-426E-40dd-AFC4-6F175D3DCCD1}">
-              <a14:hiddenFill xmlns="" xmlns:a14="http://schemas.microsoft.com/office/drawing/2010/main">
+              <a14:hiddenFill xmlns:a14="http://schemas.microsoft.com/office/drawing/2010/main" xmlns="">
                 <a:solidFill>
                   <a:srgbClr val="FFFFFF"/>
                 </a:solidFill>
@@ -239,7 +239,7 @@
             </a:ln>
             <a:extLst>
               <a:ext uri="{91240B29-F687-4f45-9708-019B960494DF}">
-                <a14:hiddenLine xmlns="" xmlns:a14="http://schemas.microsoft.com/office/drawing/2010/main" w="9525">
+                <a14:hiddenLine xmlns:a14="http://schemas.microsoft.com/office/drawing/2010/main" xmlns="" w="9525">
                   <a:solidFill>
                     <a:srgbClr val="000000"/>
                   </a:solidFill>
@@ -329,7 +329,7 @@
             </a:ln>
             <a:extLst>
               <a:ext uri="{91240B29-F687-4f45-9708-019B960494DF}">
-                <a14:hiddenLine xmlns="" xmlns:a14="http://schemas.microsoft.com/office/drawing/2010/main" w="9525">
+                <a14:hiddenLine xmlns:a14="http://schemas.microsoft.com/office/drawing/2010/main" xmlns="" w="9525">
                   <a:solidFill>
                     <a:srgbClr val="000000"/>
                   </a:solidFill>
@@ -419,7 +419,7 @@
             </a:ln>
             <a:extLst>
               <a:ext uri="{91240B29-F687-4f45-9708-019B960494DF}">
-                <a14:hiddenLine xmlns="" xmlns:a14="http://schemas.microsoft.com/office/drawing/2010/main" w="9525">
+                <a14:hiddenLine xmlns:a14="http://schemas.microsoft.com/office/drawing/2010/main" xmlns="" w="9525">
                   <a:solidFill>
                     <a:srgbClr val="000000"/>
                   </a:solidFill>
@@ -453,7 +453,7 @@
             </a:ln>
             <a:extLst>
               <a:ext uri="{91240B29-F687-4f45-9708-019B960494DF}">
-                <a14:hiddenLine xmlns="" xmlns:a14="http://schemas.microsoft.com/office/drawing/2010/main" w="9525">
+                <a14:hiddenLine xmlns:a14="http://schemas.microsoft.com/office/drawing/2010/main" xmlns="" w="9525">
                   <a:solidFill>
                     <a:srgbClr val="000000"/>
                   </a:solidFill>
@@ -543,7 +543,7 @@
             </a:ln>
             <a:extLst>
               <a:ext uri="{91240B29-F687-4f45-9708-019B960494DF}">
-                <a14:hiddenLine xmlns="" xmlns:a14="http://schemas.microsoft.com/office/drawing/2010/main" w="9525">
+                <a14:hiddenLine xmlns:a14="http://schemas.microsoft.com/office/drawing/2010/main" xmlns="" w="9525">
                   <a:solidFill>
                     <a:srgbClr val="000000"/>
                   </a:solidFill>
@@ -605,7 +605,7 @@
             </a:ln>
             <a:extLst>
               <a:ext uri="{91240B29-F687-4f45-9708-019B960494DF}">
-                <a14:hiddenLine xmlns="" xmlns:a14="http://schemas.microsoft.com/office/drawing/2010/main" w="9525">
+                <a14:hiddenLine xmlns:a14="http://schemas.microsoft.com/office/drawing/2010/main" xmlns="" w="9525">
                   <a:solidFill>
                     <a:srgbClr val="000000"/>
                   </a:solidFill>
@@ -667,7 +667,7 @@
             </a:ln>
             <a:extLst>
               <a:ext uri="{91240B29-F687-4f45-9708-019B960494DF}">
-                <a14:hiddenLine xmlns="" xmlns:a14="http://schemas.microsoft.com/office/drawing/2010/main" w="9525">
+                <a14:hiddenLine xmlns:a14="http://schemas.microsoft.com/office/drawing/2010/main" xmlns="" w="9525">
                   <a:solidFill>
                     <a:srgbClr val="000000"/>
                   </a:solidFill>
@@ -757,7 +757,7 @@
             </a:ln>
             <a:extLst>
               <a:ext uri="{91240B29-F687-4f45-9708-019B960494DF}">
-                <a14:hiddenLine xmlns="" xmlns:a14="http://schemas.microsoft.com/office/drawing/2010/main" w="9525">
+                <a14:hiddenLine xmlns:a14="http://schemas.microsoft.com/office/drawing/2010/main" xmlns="" w="9525">
                   <a:solidFill>
                     <a:srgbClr val="000000"/>
                   </a:solidFill>
@@ -819,7 +819,7 @@
             </a:ln>
             <a:extLst>
               <a:ext uri="{91240B29-F687-4f45-9708-019B960494DF}">
-                <a14:hiddenLine xmlns="" xmlns:a14="http://schemas.microsoft.com/office/drawing/2010/main" w="9525">
+                <a14:hiddenLine xmlns:a14="http://schemas.microsoft.com/office/drawing/2010/main" xmlns="" w="9525">
                   <a:solidFill>
                     <a:srgbClr val="000000"/>
                   </a:solidFill>
@@ -881,7 +881,7 @@
             </a:ln>
             <a:extLst>
               <a:ext uri="{91240B29-F687-4f45-9708-019B960494DF}">
-                <a14:hiddenLine xmlns="" xmlns:a14="http://schemas.microsoft.com/office/drawing/2010/main" w="9525">
+                <a14:hiddenLine xmlns:a14="http://schemas.microsoft.com/office/drawing/2010/main" xmlns="" w="9525">
                   <a:solidFill>
                     <a:srgbClr val="000000"/>
                   </a:solidFill>
@@ -971,7 +971,7 @@
             </a:ln>
             <a:extLst>
               <a:ext uri="{91240B29-F687-4f45-9708-019B960494DF}">
-                <a14:hiddenLine xmlns="" xmlns:a14="http://schemas.microsoft.com/office/drawing/2010/main" w="9525">
+                <a14:hiddenLine xmlns:a14="http://schemas.microsoft.com/office/drawing/2010/main" xmlns="" w="9525">
                   <a:solidFill>
                     <a:srgbClr val="000000"/>
                   </a:solidFill>
@@ -1061,7 +1061,7 @@
             </a:ln>
             <a:extLst>
               <a:ext uri="{91240B29-F687-4f45-9708-019B960494DF}">
-                <a14:hiddenLine xmlns="" xmlns:a14="http://schemas.microsoft.com/office/drawing/2010/main" w="9525">
+                <a14:hiddenLine xmlns:a14="http://schemas.microsoft.com/office/drawing/2010/main" xmlns="" w="9525">
                   <a:solidFill>
                     <a:srgbClr val="000000"/>
                   </a:solidFill>
@@ -1123,7 +1123,7 @@
             </a:ln>
             <a:extLst>
               <a:ext uri="{91240B29-F687-4f45-9708-019B960494DF}">
-                <a14:hiddenLine xmlns="" xmlns:a14="http://schemas.microsoft.com/office/drawing/2010/main" w="9525">
+                <a14:hiddenLine xmlns:a14="http://schemas.microsoft.com/office/drawing/2010/main" xmlns="" w="9525">
                   <a:solidFill>
                     <a:srgbClr val="000000"/>
                   </a:solidFill>
@@ -1233,7 +1233,7 @@
             </a:ln>
             <a:extLst>
               <a:ext uri="{91240B29-F687-4f45-9708-019B960494DF}">
-                <a14:hiddenLine xmlns="" xmlns:a14="http://schemas.microsoft.com/office/drawing/2010/main" w="9525">
+                <a14:hiddenLine xmlns:a14="http://schemas.microsoft.com/office/drawing/2010/main" xmlns="" w="9525">
                   <a:solidFill>
                     <a:srgbClr val="000000"/>
                   </a:solidFill>
@@ -1295,7 +1295,7 @@
             </a:ln>
             <a:extLst>
               <a:ext uri="{91240B29-F687-4f45-9708-019B960494DF}">
-                <a14:hiddenLine xmlns="" xmlns:a14="http://schemas.microsoft.com/office/drawing/2010/main" w="9525">
+                <a14:hiddenLine xmlns:a14="http://schemas.microsoft.com/office/drawing/2010/main" xmlns="" w="9525">
                   <a:solidFill>
                     <a:srgbClr val="000000"/>
                   </a:solidFill>
@@ -1385,7 +1385,7 @@
             </a:ln>
             <a:extLst>
               <a:ext uri="{91240B29-F687-4f45-9708-019B960494DF}">
-                <a14:hiddenLine xmlns="" xmlns:a14="http://schemas.microsoft.com/office/drawing/2010/main" w="9525">
+                <a14:hiddenLine xmlns:a14="http://schemas.microsoft.com/office/drawing/2010/main" xmlns="" w="9525">
                   <a:solidFill>
                     <a:srgbClr val="000000"/>
                   </a:solidFill>
@@ -1475,7 +1475,7 @@
             </a:ln>
             <a:extLst>
               <a:ext uri="{91240B29-F687-4f45-9708-019B960494DF}">
-                <a14:hiddenLine xmlns="" xmlns:a14="http://schemas.microsoft.com/office/drawing/2010/main" w="9525">
+                <a14:hiddenLine xmlns:a14="http://schemas.microsoft.com/office/drawing/2010/main" xmlns="" w="9525">
                   <a:solidFill>
                     <a:srgbClr val="000000"/>
                   </a:solidFill>
@@ -1537,7 +1537,7 @@
             </a:ln>
             <a:extLst>
               <a:ext uri="{91240B29-F687-4f45-9708-019B960494DF}">
-                <a14:hiddenLine xmlns="" xmlns:a14="http://schemas.microsoft.com/office/drawing/2010/main" w="9525">
+                <a14:hiddenLine xmlns:a14="http://schemas.microsoft.com/office/drawing/2010/main" xmlns="" w="9525">
                   <a:solidFill>
                     <a:srgbClr val="000000"/>
                   </a:solidFill>
@@ -1627,7 +1627,7 @@
             </a:ln>
             <a:extLst>
               <a:ext uri="{91240B29-F687-4f45-9708-019B960494DF}">
-                <a14:hiddenLine xmlns="" xmlns:a14="http://schemas.microsoft.com/office/drawing/2010/main" w="9525">
+                <a14:hiddenLine xmlns:a14="http://schemas.microsoft.com/office/drawing/2010/main" xmlns="" w="9525">
                   <a:solidFill>
                     <a:srgbClr val="000000"/>
                   </a:solidFill>
@@ -1717,7 +1717,7 @@
             </a:ln>
             <a:extLst>
               <a:ext uri="{91240B29-F687-4f45-9708-019B960494DF}">
-                <a14:hiddenLine xmlns="" xmlns:a14="http://schemas.microsoft.com/office/drawing/2010/main" w="9525">
+                <a14:hiddenLine xmlns:a14="http://schemas.microsoft.com/office/drawing/2010/main" xmlns="" w="9525">
                   <a:solidFill>
                     <a:srgbClr val="000000"/>
                   </a:solidFill>
@@ -1773,7 +1773,7 @@
             </a:ln>
             <a:extLst>
               <a:ext uri="{91240B29-F687-4f45-9708-019B960494DF}">
-                <a14:hiddenLine xmlns="" xmlns:a14="http://schemas.microsoft.com/office/drawing/2010/main" w="9525">
+                <a14:hiddenLine xmlns:a14="http://schemas.microsoft.com/office/drawing/2010/main" xmlns="" w="9525">
                   <a:solidFill>
                     <a:srgbClr val="000000"/>
                   </a:solidFill>
@@ -1863,7 +1863,7 @@
             </a:ln>
             <a:extLst>
               <a:ext uri="{91240B29-F687-4f45-9708-019B960494DF}">
-                <a14:hiddenLine xmlns="" xmlns:a14="http://schemas.microsoft.com/office/drawing/2010/main" w="9525">
+                <a14:hiddenLine xmlns:a14="http://schemas.microsoft.com/office/drawing/2010/main" xmlns="" w="9525">
                   <a:solidFill>
                     <a:srgbClr val="000000"/>
                   </a:solidFill>
@@ -1919,7 +1919,7 @@
             </a:ln>
             <a:extLst>
               <a:ext uri="{91240B29-F687-4f45-9708-019B960494DF}">
-                <a14:hiddenLine xmlns="" xmlns:a14="http://schemas.microsoft.com/office/drawing/2010/main" w="9525">
+                <a14:hiddenLine xmlns:a14="http://schemas.microsoft.com/office/drawing/2010/main" xmlns="" w="9525">
                   <a:solidFill>
                     <a:srgbClr val="000000"/>
                   </a:solidFill>
@@ -2009,7 +2009,7 @@
             </a:ln>
             <a:extLst>
               <a:ext uri="{91240B29-F687-4f45-9708-019B960494DF}">
-                <a14:hiddenLine xmlns="" xmlns:a14="http://schemas.microsoft.com/office/drawing/2010/main" w="9525">
+                <a14:hiddenLine xmlns:a14="http://schemas.microsoft.com/office/drawing/2010/main" xmlns="" w="9525">
                   <a:solidFill>
                     <a:srgbClr val="000000"/>
                   </a:solidFill>
@@ -2077,7 +2077,7 @@
             </a:ln>
             <a:extLst>
               <a:ext uri="{91240B29-F687-4f45-9708-019B960494DF}">
-                <a14:hiddenLine xmlns="" xmlns:a14="http://schemas.microsoft.com/office/drawing/2010/main" w="9525">
+                <a14:hiddenLine xmlns:a14="http://schemas.microsoft.com/office/drawing/2010/main" xmlns="" w="9525">
                   <a:solidFill>
                     <a:srgbClr val="000000"/>
                   </a:solidFill>
@@ -2167,7 +2167,7 @@
             </a:ln>
             <a:extLst>
               <a:ext uri="{91240B29-F687-4f45-9708-019B960494DF}">
-                <a14:hiddenLine xmlns="" xmlns:a14="http://schemas.microsoft.com/office/drawing/2010/main" w="9525">
+                <a14:hiddenLine xmlns:a14="http://schemas.microsoft.com/office/drawing/2010/main" xmlns="" w="9525">
                   <a:solidFill>
                     <a:srgbClr val="000000"/>
                   </a:solidFill>
@@ -2235,7 +2235,7 @@
             </a:ln>
             <a:extLst>
               <a:ext uri="{91240B29-F687-4f45-9708-019B960494DF}">
-                <a14:hiddenLine xmlns="" xmlns:a14="http://schemas.microsoft.com/office/drawing/2010/main" w="9525">
+                <a14:hiddenLine xmlns:a14="http://schemas.microsoft.com/office/drawing/2010/main" xmlns="" w="9525">
                   <a:solidFill>
                     <a:srgbClr val="000000"/>
                   </a:solidFill>
@@ -2325,7 +2325,7 @@
             </a:ln>
             <a:extLst>
               <a:ext uri="{91240B29-F687-4f45-9708-019B960494DF}">
-                <a14:hiddenLine xmlns="" xmlns:a14="http://schemas.microsoft.com/office/drawing/2010/main" w="9525">
+                <a14:hiddenLine xmlns:a14="http://schemas.microsoft.com/office/drawing/2010/main" xmlns="" w="9525">
                   <a:solidFill>
                     <a:srgbClr val="000000"/>
                   </a:solidFill>
@@ -2359,7 +2359,7 @@
             </a:ln>
             <a:extLst>
               <a:ext uri="{91240B29-F687-4f45-9708-019B960494DF}">
-                <a14:hiddenLine xmlns="" xmlns:a14="http://schemas.microsoft.com/office/drawing/2010/main" w="9525">
+                <a14:hiddenLine xmlns:a14="http://schemas.microsoft.com/office/drawing/2010/main" xmlns="" w="9525">
                   <a:solidFill>
                     <a:srgbClr val="000000"/>
                   </a:solidFill>
@@ -2449,7 +2449,7 @@
             </a:ln>
             <a:extLst>
               <a:ext uri="{91240B29-F687-4f45-9708-019B960494DF}">
-                <a14:hiddenLine xmlns="" xmlns:a14="http://schemas.microsoft.com/office/drawing/2010/main" w="9525">
+                <a14:hiddenLine xmlns:a14="http://schemas.microsoft.com/office/drawing/2010/main" xmlns="" w="9525">
                   <a:solidFill>
                     <a:srgbClr val="000000"/>
                   </a:solidFill>
@@ -2511,7 +2511,7 @@
             </a:ln>
             <a:extLst>
               <a:ext uri="{91240B29-F687-4f45-9708-019B960494DF}">
-                <a14:hiddenLine xmlns="" xmlns:a14="http://schemas.microsoft.com/office/drawing/2010/main" w="9525">
+                <a14:hiddenLine xmlns:a14="http://schemas.microsoft.com/office/drawing/2010/main" xmlns="" w="9525">
                   <a:solidFill>
                     <a:srgbClr val="000000"/>
                   </a:solidFill>
@@ -2573,7 +2573,7 @@
             </a:ln>
             <a:extLst>
               <a:ext uri="{91240B29-F687-4f45-9708-019B960494DF}">
-                <a14:hiddenLine xmlns="" xmlns:a14="http://schemas.microsoft.com/office/drawing/2010/main" w="9525">
+                <a14:hiddenLine xmlns:a14="http://schemas.microsoft.com/office/drawing/2010/main" xmlns="" w="9525">
                   <a:solidFill>
                     <a:srgbClr val="000000"/>
                   </a:solidFill>
@@ -2663,7 +2663,7 @@
             </a:ln>
             <a:extLst>
               <a:ext uri="{91240B29-F687-4f45-9708-019B960494DF}">
-                <a14:hiddenLine xmlns="" xmlns:a14="http://schemas.microsoft.com/office/drawing/2010/main" w="9525">
+                <a14:hiddenLine xmlns:a14="http://schemas.microsoft.com/office/drawing/2010/main" xmlns="" w="9525">
                   <a:solidFill>
                     <a:srgbClr val="000000"/>
                   </a:solidFill>
@@ -2731,7 +2731,7 @@
             </a:ln>
             <a:extLst>
               <a:ext uri="{91240B29-F687-4f45-9708-019B960494DF}">
-                <a14:hiddenLine xmlns="" xmlns:a14="http://schemas.microsoft.com/office/drawing/2010/main" w="9525">
+                <a14:hiddenLine xmlns:a14="http://schemas.microsoft.com/office/drawing/2010/main" xmlns="" w="9525">
                   <a:solidFill>
                     <a:srgbClr val="000000"/>
                   </a:solidFill>
@@ -2793,7 +2793,7 @@
             </a:ln>
             <a:extLst>
               <a:ext uri="{91240B29-F687-4f45-9708-019B960494DF}">
-                <a14:hiddenLine xmlns="" xmlns:a14="http://schemas.microsoft.com/office/drawing/2010/main" w="9525">
+                <a14:hiddenLine xmlns:a14="http://schemas.microsoft.com/office/drawing/2010/main" xmlns="" w="9525">
                   <a:solidFill>
                     <a:srgbClr val="000000"/>
                   </a:solidFill>
@@ -2883,7 +2883,7 @@
             </a:ln>
             <a:extLst>
               <a:ext uri="{91240B29-F687-4f45-9708-019B960494DF}">
-                <a14:hiddenLine xmlns="" xmlns:a14="http://schemas.microsoft.com/office/drawing/2010/main" w="9525">
+                <a14:hiddenLine xmlns:a14="http://schemas.microsoft.com/office/drawing/2010/main" xmlns="" w="9525">
                   <a:solidFill>
                     <a:srgbClr val="000000"/>
                   </a:solidFill>
@@ -2945,7 +2945,7 @@
             </a:ln>
             <a:extLst>
               <a:ext uri="{91240B29-F687-4f45-9708-019B960494DF}">
-                <a14:hiddenLine xmlns="" xmlns:a14="http://schemas.microsoft.com/office/drawing/2010/main" w="9525">
+                <a14:hiddenLine xmlns:a14="http://schemas.microsoft.com/office/drawing/2010/main" xmlns="" w="9525">
                   <a:solidFill>
                     <a:srgbClr val="000000"/>
                   </a:solidFill>
@@ -3035,7 +3035,7 @@
             </a:ln>
             <a:extLst>
               <a:ext uri="{91240B29-F687-4f45-9708-019B960494DF}">
-                <a14:hiddenLine xmlns="" xmlns:a14="http://schemas.microsoft.com/office/drawing/2010/main" w="9525">
+                <a14:hiddenLine xmlns:a14="http://schemas.microsoft.com/office/drawing/2010/main" xmlns="" w="9525">
                   <a:solidFill>
                     <a:srgbClr val="000000"/>
                   </a:solidFill>
@@ -3097,7 +3097,7 @@
             </a:ln>
             <a:extLst>
               <a:ext uri="{91240B29-F687-4f45-9708-019B960494DF}">
-                <a14:hiddenLine xmlns="" xmlns:a14="http://schemas.microsoft.com/office/drawing/2010/main" w="9525">
+                <a14:hiddenLine xmlns:a14="http://schemas.microsoft.com/office/drawing/2010/main" xmlns="" w="9525">
                   <a:solidFill>
                     <a:srgbClr val="000000"/>
                   </a:solidFill>
@@ -3187,7 +3187,7 @@
             </a:ln>
             <a:extLst>
               <a:ext uri="{91240B29-F687-4f45-9708-019B960494DF}">
-                <a14:hiddenLine xmlns="" xmlns:a14="http://schemas.microsoft.com/office/drawing/2010/main" w="9525">
+                <a14:hiddenLine xmlns:a14="http://schemas.microsoft.com/office/drawing/2010/main" xmlns="" w="9525">
                   <a:solidFill>
                     <a:srgbClr val="000000"/>
                   </a:solidFill>
@@ -3221,7 +3221,7 @@
             </a:ln>
             <a:extLst>
               <a:ext uri="{91240B29-F687-4f45-9708-019B960494DF}">
-                <a14:hiddenLine xmlns="" xmlns:a14="http://schemas.microsoft.com/office/drawing/2010/main" w="9525">
+                <a14:hiddenLine xmlns:a14="http://schemas.microsoft.com/office/drawing/2010/main" xmlns="" w="9525">
                   <a:solidFill>
                     <a:srgbClr val="000000"/>
                   </a:solidFill>
@@ -3286,7 +3286,7 @@
             </a:ln>
             <a:extLst>
               <a:ext uri="{91240B29-F687-4f45-9708-019B960494DF}">
-                <a14:hiddenLine xmlns="" xmlns:a14="http://schemas.microsoft.com/office/drawing/2010/main" w="9525">
+                <a14:hiddenLine xmlns:a14="http://schemas.microsoft.com/office/drawing/2010/main" xmlns="" w="9525">
                   <a:solidFill>
                     <a:srgbClr val="000000"/>
                   </a:solidFill>
@@ -3376,7 +3376,7 @@
             </a:ln>
             <a:extLst>
               <a:ext uri="{91240B29-F687-4f45-9708-019B960494DF}">
-                <a14:hiddenLine xmlns="" xmlns:a14="http://schemas.microsoft.com/office/drawing/2010/main" w="9525">
+                <a14:hiddenLine xmlns:a14="http://schemas.microsoft.com/office/drawing/2010/main" xmlns="" w="9525">
                   <a:solidFill>
                     <a:srgbClr val="000000"/>
                   </a:solidFill>
@@ -3438,7 +3438,7 @@
             </a:ln>
             <a:extLst>
               <a:ext uri="{91240B29-F687-4f45-9708-019B960494DF}">
-                <a14:hiddenLine xmlns="" xmlns:a14="http://schemas.microsoft.com/office/drawing/2010/main" w="9525">
+                <a14:hiddenLine xmlns:a14="http://schemas.microsoft.com/office/drawing/2010/main" xmlns="" w="9525">
                   <a:solidFill>
                     <a:srgbClr val="000000"/>
                   </a:solidFill>
@@ -3528,7 +3528,7 @@
             </a:ln>
             <a:extLst>
               <a:ext uri="{91240B29-F687-4f45-9708-019B960494DF}">
-                <a14:hiddenLine xmlns="" xmlns:a14="http://schemas.microsoft.com/office/drawing/2010/main" w="9525">
+                <a14:hiddenLine xmlns:a14="http://schemas.microsoft.com/office/drawing/2010/main" xmlns="" w="9525">
                   <a:solidFill>
                     <a:srgbClr val="000000"/>
                   </a:solidFill>
@@ -3618,7 +3618,7 @@
             </a:ln>
             <a:extLst>
               <a:ext uri="{91240B29-F687-4f45-9708-019B960494DF}">
-                <a14:hiddenLine xmlns="" xmlns:a14="http://schemas.microsoft.com/office/drawing/2010/main" w="9525">
+                <a14:hiddenLine xmlns:a14="http://schemas.microsoft.com/office/drawing/2010/main" xmlns="" w="9525">
                   <a:solidFill>
                     <a:srgbClr val="000000"/>
                   </a:solidFill>
@@ -3683,7 +3683,7 @@
             </a:ln>
             <a:extLst>
               <a:ext uri="{91240B29-F687-4f45-9708-019B960494DF}">
-                <a14:hiddenLine xmlns="" xmlns:a14="http://schemas.microsoft.com/office/drawing/2010/main" w="9525">
+                <a14:hiddenLine xmlns:a14="http://schemas.microsoft.com/office/drawing/2010/main" xmlns="" w="9525">
                   <a:solidFill>
                     <a:srgbClr val="000000"/>
                   </a:solidFill>
@@ -3745,7 +3745,7 @@
             </a:ln>
             <a:extLst>
               <a:ext uri="{91240B29-F687-4f45-9708-019B960494DF}">
-                <a14:hiddenLine xmlns="" xmlns:a14="http://schemas.microsoft.com/office/drawing/2010/main" w="9525">
+                <a14:hiddenLine xmlns:a14="http://schemas.microsoft.com/office/drawing/2010/main" xmlns="" w="9525">
                   <a:solidFill>
                     <a:srgbClr val="000000"/>
                   </a:solidFill>
@@ -3835,7 +3835,7 @@
             </a:ln>
             <a:extLst>
               <a:ext uri="{91240B29-F687-4f45-9708-019B960494DF}">
-                <a14:hiddenLine xmlns="" xmlns:a14="http://schemas.microsoft.com/office/drawing/2010/main" w="9525">
+                <a14:hiddenLine xmlns:a14="http://schemas.microsoft.com/office/drawing/2010/main" xmlns="" w="9525">
                   <a:solidFill>
                     <a:srgbClr val="000000"/>
                   </a:solidFill>
@@ -3925,7 +3925,7 @@
             </a:ln>
             <a:extLst>
               <a:ext uri="{91240B29-F687-4f45-9708-019B960494DF}">
-                <a14:hiddenLine xmlns="" xmlns:a14="http://schemas.microsoft.com/office/drawing/2010/main" w="9525">
+                <a14:hiddenLine xmlns:a14="http://schemas.microsoft.com/office/drawing/2010/main" xmlns="" w="9525">
                   <a:solidFill>
                     <a:srgbClr val="000000"/>
                   </a:solidFill>
@@ -3987,7 +3987,7 @@
             </a:ln>
             <a:extLst>
               <a:ext uri="{91240B29-F687-4f45-9708-019B960494DF}">
-                <a14:hiddenLine xmlns="" xmlns:a14="http://schemas.microsoft.com/office/drawing/2010/main" w="9525">
+                <a14:hiddenLine xmlns:a14="http://schemas.microsoft.com/office/drawing/2010/main" xmlns="" w="9525">
                   <a:solidFill>
                     <a:srgbClr val="000000"/>
                   </a:solidFill>
@@ -4107,7 +4107,7 @@
             </a:ln>
             <a:extLst>
               <a:ext uri="{91240B29-F687-4f45-9708-019B960494DF}">
-                <a14:hiddenLine xmlns="" xmlns:a14="http://schemas.microsoft.com/office/drawing/2010/main" w="9525">
+                <a14:hiddenLine xmlns:a14="http://schemas.microsoft.com/office/drawing/2010/main" xmlns="" w="9525">
                   <a:solidFill>
                     <a:srgbClr val="000000"/>
                   </a:solidFill>
@@ -4175,7 +4175,7 @@
             </a:ln>
             <a:extLst>
               <a:ext uri="{91240B29-F687-4f45-9708-019B960494DF}">
-                <a14:hiddenLine xmlns="" xmlns:a14="http://schemas.microsoft.com/office/drawing/2010/main" w="9525">
+                <a14:hiddenLine xmlns:a14="http://schemas.microsoft.com/office/drawing/2010/main" xmlns="" w="9525">
                   <a:solidFill>
                     <a:srgbClr val="000000"/>
                   </a:solidFill>
@@ -4265,7 +4265,7 @@
             </a:ln>
             <a:extLst>
               <a:ext uri="{91240B29-F687-4f45-9708-019B960494DF}">
-                <a14:hiddenLine xmlns="" xmlns:a14="http://schemas.microsoft.com/office/drawing/2010/main" w="9525">
+                <a14:hiddenLine xmlns:a14="http://schemas.microsoft.com/office/drawing/2010/main" xmlns="" w="9525">
                   <a:solidFill>
                     <a:srgbClr val="000000"/>
                   </a:solidFill>
@@ -4405,7 +4405,7 @@
           <a:p>
             <a:fld id="{B17FED09-996A-4092-B0CE-C688A8E76C69}" type="datetimeFigureOut">
               <a:rPr lang="es-ES" smtClean="0"/>
-              <a:t>03/02/2024</a:t>
+              <a:t>06/02/2024</a:t>
             </a:fld>
             <a:endParaRPr lang="es-ES"/>
           </a:p>
@@ -4672,7 +4672,7 @@
           <a:p>
             <a:fld id="{B17FED09-996A-4092-B0CE-C688A8E76C69}" type="datetimeFigureOut">
               <a:rPr lang="es-ES" smtClean="0"/>
-              <a:t>03/02/2024</a:t>
+              <a:t>06/02/2024</a:t>
             </a:fld>
             <a:endParaRPr lang="es-ES"/>
           </a:p>
@@ -4868,7 +4868,7 @@
           <a:p>
             <a:fld id="{B17FED09-996A-4092-B0CE-C688A8E76C69}" type="datetimeFigureOut">
               <a:rPr lang="es-ES" smtClean="0"/>
-              <a:t>03/02/2024</a:t>
+              <a:t>06/02/2024</a:t>
             </a:fld>
             <a:endParaRPr lang="es-ES"/>
           </a:p>
@@ -5131,7 +5131,7 @@
           <a:p>
             <a:fld id="{B17FED09-996A-4092-B0CE-C688A8E76C69}" type="datetimeFigureOut">
               <a:rPr lang="es-ES" smtClean="0"/>
-              <a:t>03/02/2024</a:t>
+              <a:t>06/02/2024</a:t>
             </a:fld>
             <a:endParaRPr lang="es-ES"/>
           </a:p>
@@ -5565,7 +5565,7 @@
           <a:p>
             <a:fld id="{B17FED09-996A-4092-B0CE-C688A8E76C69}" type="datetimeFigureOut">
               <a:rPr lang="es-ES" smtClean="0"/>
-              <a:t>03/02/2024</a:t>
+              <a:t>06/02/2024</a:t>
             </a:fld>
             <a:endParaRPr lang="es-ES"/>
           </a:p>
@@ -6111,7 +6111,7 @@
           <a:p>
             <a:fld id="{B17FED09-996A-4092-B0CE-C688A8E76C69}" type="datetimeFigureOut">
               <a:rPr lang="es-ES" smtClean="0"/>
-              <a:t>03/02/2024</a:t>
+              <a:t>06/02/2024</a:t>
             </a:fld>
             <a:endParaRPr lang="es-ES"/>
           </a:p>
@@ -6831,7 +6831,7 @@
           <a:p>
             <a:fld id="{B17FED09-996A-4092-B0CE-C688A8E76C69}" type="datetimeFigureOut">
               <a:rPr lang="es-ES" smtClean="0"/>
-              <a:t>03/02/2024</a:t>
+              <a:t>06/02/2024</a:t>
             </a:fld>
             <a:endParaRPr lang="es-ES"/>
           </a:p>
@@ -7001,7 +7001,7 @@
           <a:p>
             <a:fld id="{B17FED09-996A-4092-B0CE-C688A8E76C69}" type="datetimeFigureOut">
               <a:rPr lang="es-ES" smtClean="0"/>
-              <a:t>03/02/2024</a:t>
+              <a:t>06/02/2024</a:t>
             </a:fld>
             <a:endParaRPr lang="es-ES"/>
           </a:p>
@@ -7181,7 +7181,7 @@
           <a:p>
             <a:fld id="{B17FED09-996A-4092-B0CE-C688A8E76C69}" type="datetimeFigureOut">
               <a:rPr lang="es-ES" smtClean="0"/>
-              <a:t>03/02/2024</a:t>
+              <a:t>06/02/2024</a:t>
             </a:fld>
             <a:endParaRPr lang="es-ES"/>
           </a:p>
@@ -7351,7 +7351,7 @@
           <a:p>
             <a:fld id="{B17FED09-996A-4092-B0CE-C688A8E76C69}" type="datetimeFigureOut">
               <a:rPr lang="es-ES" smtClean="0"/>
-              <a:t>03/02/2024</a:t>
+              <a:t>06/02/2024</a:t>
             </a:fld>
             <a:endParaRPr lang="es-ES"/>
           </a:p>
@@ -7601,7 +7601,7 @@
           <a:p>
             <a:fld id="{B17FED09-996A-4092-B0CE-C688A8E76C69}" type="datetimeFigureOut">
               <a:rPr lang="es-ES" smtClean="0"/>
-              <a:t>03/02/2024</a:t>
+              <a:t>06/02/2024</a:t>
             </a:fld>
             <a:endParaRPr lang="es-ES"/>
           </a:p>
@@ -7833,7 +7833,7 @@
           <a:p>
             <a:fld id="{B17FED09-996A-4092-B0CE-C688A8E76C69}" type="datetimeFigureOut">
               <a:rPr lang="es-ES" smtClean="0"/>
-              <a:t>03/02/2024</a:t>
+              <a:t>06/02/2024</a:t>
             </a:fld>
             <a:endParaRPr lang="es-ES"/>
           </a:p>
@@ -8214,7 +8214,7 @@
           <a:p>
             <a:fld id="{B17FED09-996A-4092-B0CE-C688A8E76C69}" type="datetimeFigureOut">
               <a:rPr lang="es-ES" smtClean="0"/>
-              <a:t>03/02/2024</a:t>
+              <a:t>06/02/2024</a:t>
             </a:fld>
             <a:endParaRPr lang="es-ES"/>
           </a:p>
@@ -8332,7 +8332,7 @@
           <a:p>
             <a:fld id="{B17FED09-996A-4092-B0CE-C688A8E76C69}" type="datetimeFigureOut">
               <a:rPr lang="es-ES" smtClean="0"/>
-              <a:t>03/02/2024</a:t>
+              <a:t>06/02/2024</a:t>
             </a:fld>
             <a:endParaRPr lang="es-ES"/>
           </a:p>
@@ -8427,7 +8427,7 @@
           <a:p>
             <a:fld id="{B17FED09-996A-4092-B0CE-C688A8E76C69}" type="datetimeFigureOut">
               <a:rPr lang="es-ES" smtClean="0"/>
-              <a:t>03/02/2024</a:t>
+              <a:t>06/02/2024</a:t>
             </a:fld>
             <a:endParaRPr lang="es-ES"/>
           </a:p>
@@ -8676,7 +8676,7 @@
           <a:p>
             <a:fld id="{B17FED09-996A-4092-B0CE-C688A8E76C69}" type="datetimeFigureOut">
               <a:rPr lang="es-ES" smtClean="0"/>
-              <a:t>03/02/2024</a:t>
+              <a:t>06/02/2024</a:t>
             </a:fld>
             <a:endParaRPr lang="es-ES"/>
           </a:p>
@@ -8956,7 +8956,7 @@
           <a:p>
             <a:fld id="{B17FED09-996A-4092-B0CE-C688A8E76C69}" type="datetimeFigureOut">
               <a:rPr lang="es-ES" smtClean="0"/>
-              <a:t>03/02/2024</a:t>
+              <a:t>06/02/2024</a:t>
             </a:fld>
             <a:endParaRPr lang="es-ES"/>
           </a:p>
@@ -9079,7 +9079,7 @@
           <a:noFill/>
           <a:extLst>
             <a:ext uri="{909E8E84-426E-40dd-AFC4-6F175D3DCCD1}">
-              <a14:hiddenFill xmlns="" xmlns:a14="http://schemas.microsoft.com/office/drawing/2010/main">
+              <a14:hiddenFill xmlns:a14="http://schemas.microsoft.com/office/drawing/2010/main" xmlns="">
                 <a:solidFill>
                   <a:srgbClr val="FFFFFF"/>
                 </a:solidFill>
@@ -9153,7 +9153,7 @@
               </a:ln>
               <a:extLst>
                 <a:ext uri="{91240B29-F687-4f45-9708-019B960494DF}">
-                  <a14:hiddenLine xmlns="" xmlns:a14="http://schemas.microsoft.com/office/drawing/2010/main" w="9525">
+                  <a14:hiddenLine xmlns:a14="http://schemas.microsoft.com/office/drawing/2010/main" xmlns="" w="9525">
                     <a:solidFill>
                       <a:srgbClr val="000000"/>
                     </a:solidFill>
@@ -9243,7 +9243,7 @@
               </a:ln>
               <a:extLst>
                 <a:ext uri="{91240B29-F687-4f45-9708-019B960494DF}">
-                  <a14:hiddenLine xmlns="" xmlns:a14="http://schemas.microsoft.com/office/drawing/2010/main" w="9525">
+                  <a14:hiddenLine xmlns:a14="http://schemas.microsoft.com/office/drawing/2010/main" xmlns="" w="9525">
                     <a:solidFill>
                       <a:srgbClr val="000000"/>
                     </a:solidFill>
@@ -9333,7 +9333,7 @@
               </a:ln>
               <a:extLst>
                 <a:ext uri="{91240B29-F687-4f45-9708-019B960494DF}">
-                  <a14:hiddenLine xmlns="" xmlns:a14="http://schemas.microsoft.com/office/drawing/2010/main" w="9525">
+                  <a14:hiddenLine xmlns:a14="http://schemas.microsoft.com/office/drawing/2010/main" xmlns="" w="9525">
                     <a:solidFill>
                       <a:srgbClr val="000000"/>
                     </a:solidFill>
@@ -9395,7 +9395,7 @@
               </a:ln>
               <a:extLst>
                 <a:ext uri="{91240B29-F687-4f45-9708-019B960494DF}">
-                  <a14:hiddenLine xmlns="" xmlns:a14="http://schemas.microsoft.com/office/drawing/2010/main" w="9525">
+                  <a14:hiddenLine xmlns:a14="http://schemas.microsoft.com/office/drawing/2010/main" xmlns="" w="9525">
                     <a:solidFill>
                       <a:srgbClr val="000000"/>
                     </a:solidFill>
@@ -9485,7 +9485,7 @@
               </a:ln>
               <a:extLst>
                 <a:ext uri="{91240B29-F687-4f45-9708-019B960494DF}">
-                  <a14:hiddenLine xmlns="" xmlns:a14="http://schemas.microsoft.com/office/drawing/2010/main" w="9525">
+                  <a14:hiddenLine xmlns:a14="http://schemas.microsoft.com/office/drawing/2010/main" xmlns="" w="9525">
                     <a:solidFill>
                       <a:srgbClr val="000000"/>
                     </a:solidFill>
@@ -9547,7 +9547,7 @@
               </a:ln>
               <a:extLst>
                 <a:ext uri="{91240B29-F687-4f45-9708-019B960494DF}">
-                  <a14:hiddenLine xmlns="" xmlns:a14="http://schemas.microsoft.com/office/drawing/2010/main" w="9525">
+                  <a14:hiddenLine xmlns:a14="http://schemas.microsoft.com/office/drawing/2010/main" xmlns="" w="9525">
                     <a:solidFill>
                       <a:srgbClr val="000000"/>
                     </a:solidFill>
@@ -9609,7 +9609,7 @@
               </a:ln>
               <a:extLst>
                 <a:ext uri="{91240B29-F687-4f45-9708-019B960494DF}">
-                  <a14:hiddenLine xmlns="" xmlns:a14="http://schemas.microsoft.com/office/drawing/2010/main" w="9525">
+                  <a14:hiddenLine xmlns:a14="http://schemas.microsoft.com/office/drawing/2010/main" xmlns="" w="9525">
                     <a:solidFill>
                       <a:srgbClr val="000000"/>
                     </a:solidFill>
@@ -9699,7 +9699,7 @@
               </a:ln>
               <a:extLst>
                 <a:ext uri="{91240B29-F687-4f45-9708-019B960494DF}">
-                  <a14:hiddenLine xmlns="" xmlns:a14="http://schemas.microsoft.com/office/drawing/2010/main" w="9525">
+                  <a14:hiddenLine xmlns:a14="http://schemas.microsoft.com/office/drawing/2010/main" xmlns="" w="9525">
                     <a:solidFill>
                       <a:srgbClr val="000000"/>
                     </a:solidFill>
@@ -9789,7 +9789,7 @@
               </a:ln>
               <a:extLst>
                 <a:ext uri="{91240B29-F687-4f45-9708-019B960494DF}">
-                  <a14:hiddenLine xmlns="" xmlns:a14="http://schemas.microsoft.com/office/drawing/2010/main" w="9525">
+                  <a14:hiddenLine xmlns:a14="http://schemas.microsoft.com/office/drawing/2010/main" xmlns="" w="9525">
                     <a:solidFill>
                       <a:srgbClr val="000000"/>
                     </a:solidFill>
@@ -9851,7 +9851,7 @@
               </a:ln>
               <a:extLst>
                 <a:ext uri="{91240B29-F687-4f45-9708-019B960494DF}">
-                  <a14:hiddenLine xmlns="" xmlns:a14="http://schemas.microsoft.com/office/drawing/2010/main" w="9525">
+                  <a14:hiddenLine xmlns:a14="http://schemas.microsoft.com/office/drawing/2010/main" xmlns="" w="9525">
                     <a:solidFill>
                       <a:srgbClr val="000000"/>
                     </a:solidFill>
@@ -9961,7 +9961,7 @@
               </a:ln>
               <a:extLst>
                 <a:ext uri="{91240B29-F687-4f45-9708-019B960494DF}">
-                  <a14:hiddenLine xmlns="" xmlns:a14="http://schemas.microsoft.com/office/drawing/2010/main" w="9525">
+                  <a14:hiddenLine xmlns:a14="http://schemas.microsoft.com/office/drawing/2010/main" xmlns="" w="9525">
                     <a:solidFill>
                       <a:srgbClr val="000000"/>
                     </a:solidFill>
@@ -10045,7 +10045,7 @@
               </a:ln>
               <a:extLst>
                 <a:ext uri="{91240B29-F687-4f45-9708-019B960494DF}">
-                  <a14:hiddenLine xmlns="" xmlns:a14="http://schemas.microsoft.com/office/drawing/2010/main" w="9525">
+                  <a14:hiddenLine xmlns:a14="http://schemas.microsoft.com/office/drawing/2010/main" xmlns="" w="9525">
                     <a:solidFill>
                       <a:srgbClr val="000000"/>
                     </a:solidFill>
@@ -10107,7 +10107,7 @@
               </a:ln>
               <a:extLst>
                 <a:ext uri="{91240B29-F687-4f45-9708-019B960494DF}">
-                  <a14:hiddenLine xmlns="" xmlns:a14="http://schemas.microsoft.com/office/drawing/2010/main" w="9525">
+                  <a14:hiddenLine xmlns:a14="http://schemas.microsoft.com/office/drawing/2010/main" xmlns="" w="9525">
                     <a:solidFill>
                       <a:srgbClr val="000000"/>
                     </a:solidFill>
@@ -10169,7 +10169,7 @@
               </a:ln>
               <a:extLst>
                 <a:ext uri="{91240B29-F687-4f45-9708-019B960494DF}">
-                  <a14:hiddenLine xmlns="" xmlns:a14="http://schemas.microsoft.com/office/drawing/2010/main" w="9525">
+                  <a14:hiddenLine xmlns:a14="http://schemas.microsoft.com/office/drawing/2010/main" xmlns="" w="9525">
                     <a:solidFill>
                       <a:srgbClr val="000000"/>
                     </a:solidFill>
@@ -10259,7 +10259,7 @@
               </a:ln>
               <a:extLst>
                 <a:ext uri="{91240B29-F687-4f45-9708-019B960494DF}">
-                  <a14:hiddenLine xmlns="" xmlns:a14="http://schemas.microsoft.com/office/drawing/2010/main" w="9525">
+                  <a14:hiddenLine xmlns:a14="http://schemas.microsoft.com/office/drawing/2010/main" xmlns="" w="9525">
                     <a:solidFill>
                       <a:srgbClr val="000000"/>
                     </a:solidFill>
@@ -10293,7 +10293,7 @@
               </a:ln>
               <a:extLst>
                 <a:ext uri="{91240B29-F687-4f45-9708-019B960494DF}">
-                  <a14:hiddenLine xmlns="" xmlns:a14="http://schemas.microsoft.com/office/drawing/2010/main" w="9525">
+                  <a14:hiddenLine xmlns:a14="http://schemas.microsoft.com/office/drawing/2010/main" xmlns="" w="9525">
                     <a:solidFill>
                       <a:srgbClr val="000000"/>
                     </a:solidFill>
@@ -10358,7 +10358,7 @@
               </a:ln>
               <a:extLst>
                 <a:ext uri="{91240B29-F687-4f45-9708-019B960494DF}">
-                  <a14:hiddenLine xmlns="" xmlns:a14="http://schemas.microsoft.com/office/drawing/2010/main" w="9525">
+                  <a14:hiddenLine xmlns:a14="http://schemas.microsoft.com/office/drawing/2010/main" xmlns="" w="9525">
                     <a:solidFill>
                       <a:srgbClr val="000000"/>
                     </a:solidFill>
@@ -10448,7 +10448,7 @@
               </a:ln>
               <a:extLst>
                 <a:ext uri="{91240B29-F687-4f45-9708-019B960494DF}">
-                  <a14:hiddenLine xmlns="" xmlns:a14="http://schemas.microsoft.com/office/drawing/2010/main" w="9525">
+                  <a14:hiddenLine xmlns:a14="http://schemas.microsoft.com/office/drawing/2010/main" xmlns="" w="9525">
                     <a:solidFill>
                       <a:srgbClr val="000000"/>
                     </a:solidFill>
@@ -10510,7 +10510,7 @@
               </a:ln>
               <a:extLst>
                 <a:ext uri="{91240B29-F687-4f45-9708-019B960494DF}">
-                  <a14:hiddenLine xmlns="" xmlns:a14="http://schemas.microsoft.com/office/drawing/2010/main" w="9525">
+                  <a14:hiddenLine xmlns:a14="http://schemas.microsoft.com/office/drawing/2010/main" xmlns="" w="9525">
                     <a:solidFill>
                       <a:srgbClr val="000000"/>
                     </a:solidFill>
@@ -10600,7 +10600,7 @@
               </a:ln>
               <a:extLst>
                 <a:ext uri="{91240B29-F687-4f45-9708-019B960494DF}">
-                  <a14:hiddenLine xmlns="" xmlns:a14="http://schemas.microsoft.com/office/drawing/2010/main" w="9525">
+                  <a14:hiddenLine xmlns:a14="http://schemas.microsoft.com/office/drawing/2010/main" xmlns="" w="9525">
                     <a:solidFill>
                       <a:srgbClr val="000000"/>
                     </a:solidFill>
@@ -10665,7 +10665,7 @@
               </a:ln>
               <a:extLst>
                 <a:ext uri="{91240B29-F687-4f45-9708-019B960494DF}">
-                  <a14:hiddenLine xmlns="" xmlns:a14="http://schemas.microsoft.com/office/drawing/2010/main" w="9525">
+                  <a14:hiddenLine xmlns:a14="http://schemas.microsoft.com/office/drawing/2010/main" xmlns="" w="9525">
                     <a:solidFill>
                       <a:srgbClr val="000000"/>
                     </a:solidFill>
@@ -10727,7 +10727,7 @@
               </a:ln>
               <a:extLst>
                 <a:ext uri="{91240B29-F687-4f45-9708-019B960494DF}">
-                  <a14:hiddenLine xmlns="" xmlns:a14="http://schemas.microsoft.com/office/drawing/2010/main" w="9525">
+                  <a14:hiddenLine xmlns:a14="http://schemas.microsoft.com/office/drawing/2010/main" xmlns="" w="9525">
                     <a:solidFill>
                       <a:srgbClr val="000000"/>
                     </a:solidFill>
@@ -10817,7 +10817,7 @@
               </a:ln>
               <a:extLst>
                 <a:ext uri="{91240B29-F687-4f45-9708-019B960494DF}">
-                  <a14:hiddenLine xmlns="" xmlns:a14="http://schemas.microsoft.com/office/drawing/2010/main" w="9525">
+                  <a14:hiddenLine xmlns:a14="http://schemas.microsoft.com/office/drawing/2010/main" xmlns="" w="9525">
                     <a:solidFill>
                       <a:srgbClr val="000000"/>
                     </a:solidFill>
@@ -10907,7 +10907,7 @@
               </a:ln>
               <a:extLst>
                 <a:ext uri="{91240B29-F687-4f45-9708-019B960494DF}">
-                  <a14:hiddenLine xmlns="" xmlns:a14="http://schemas.microsoft.com/office/drawing/2010/main" w="9525">
+                  <a14:hiddenLine xmlns:a14="http://schemas.microsoft.com/office/drawing/2010/main" xmlns="" w="9525">
                     <a:solidFill>
                       <a:srgbClr val="000000"/>
                     </a:solidFill>
@@ -10972,7 +10972,7 @@
               </a:ln>
               <a:extLst>
                 <a:ext uri="{91240B29-F687-4f45-9708-019B960494DF}">
-                  <a14:hiddenLine xmlns="" xmlns:a14="http://schemas.microsoft.com/office/drawing/2010/main" w="9525">
+                  <a14:hiddenLine xmlns:a14="http://schemas.microsoft.com/office/drawing/2010/main" xmlns="" w="9525">
                     <a:solidFill>
                       <a:srgbClr val="000000"/>
                     </a:solidFill>
@@ -11092,7 +11092,7 @@
               </a:ln>
               <a:extLst>
                 <a:ext uri="{91240B29-F687-4f45-9708-019B960494DF}">
-                  <a14:hiddenLine xmlns="" xmlns:a14="http://schemas.microsoft.com/office/drawing/2010/main" w="9525">
+                  <a14:hiddenLine xmlns:a14="http://schemas.microsoft.com/office/drawing/2010/main" xmlns="" w="9525">
                     <a:solidFill>
                       <a:srgbClr val="000000"/>
                     </a:solidFill>
@@ -11173,7 +11173,7 @@
               </a:ln>
               <a:extLst>
                 <a:ext uri="{91240B29-F687-4f45-9708-019B960494DF}">
-                  <a14:hiddenLine xmlns="" xmlns:a14="http://schemas.microsoft.com/office/drawing/2010/main" w="9525">
+                  <a14:hiddenLine xmlns:a14="http://schemas.microsoft.com/office/drawing/2010/main" xmlns="" w="9525">
                     <a:solidFill>
                       <a:srgbClr val="000000"/>
                     </a:solidFill>
@@ -11288,7 +11288,7 @@
               </a:ln>
               <a:extLst>
                 <a:ext uri="{91240B29-F687-4f45-9708-019B960494DF}">
-                  <a14:hiddenLine xmlns="" xmlns:a14="http://schemas.microsoft.com/office/drawing/2010/main" w="9525">
+                  <a14:hiddenLine xmlns:a14="http://schemas.microsoft.com/office/drawing/2010/main" xmlns="" w="9525">
                     <a:solidFill>
                       <a:srgbClr val="000000"/>
                     </a:solidFill>
@@ -11378,7 +11378,7 @@
               </a:ln>
               <a:extLst>
                 <a:ext uri="{91240B29-F687-4f45-9708-019B960494DF}">
-                  <a14:hiddenLine xmlns="" xmlns:a14="http://schemas.microsoft.com/office/drawing/2010/main" w="9525">
+                  <a14:hiddenLine xmlns:a14="http://schemas.microsoft.com/office/drawing/2010/main" xmlns="" w="9525">
                     <a:solidFill>
                       <a:srgbClr val="000000"/>
                     </a:solidFill>
@@ -11443,7 +11443,7 @@
               </a:ln>
               <a:extLst>
                 <a:ext uri="{91240B29-F687-4f45-9708-019B960494DF}">
-                  <a14:hiddenLine xmlns="" xmlns:a14="http://schemas.microsoft.com/office/drawing/2010/main" w="9525">
+                  <a14:hiddenLine xmlns:a14="http://schemas.microsoft.com/office/drawing/2010/main" xmlns="" w="9525">
                     <a:solidFill>
                       <a:srgbClr val="000000"/>
                     </a:solidFill>
@@ -11533,7 +11533,7 @@
               </a:ln>
               <a:extLst>
                 <a:ext uri="{91240B29-F687-4f45-9708-019B960494DF}">
-                  <a14:hiddenLine xmlns="" xmlns:a14="http://schemas.microsoft.com/office/drawing/2010/main" w="9525">
+                  <a14:hiddenLine xmlns:a14="http://schemas.microsoft.com/office/drawing/2010/main" xmlns="" w="9525">
                     <a:solidFill>
                       <a:srgbClr val="000000"/>
                     </a:solidFill>
@@ -11601,7 +11601,7 @@
               </a:ln>
               <a:extLst>
                 <a:ext uri="{91240B29-F687-4f45-9708-019B960494DF}">
-                  <a14:hiddenLine xmlns="" xmlns:a14="http://schemas.microsoft.com/office/drawing/2010/main" w="9525">
+                  <a14:hiddenLine xmlns:a14="http://schemas.microsoft.com/office/drawing/2010/main" xmlns="" w="9525">
                     <a:solidFill>
                       <a:srgbClr val="000000"/>
                     </a:solidFill>
@@ -11691,7 +11691,7 @@
               </a:ln>
               <a:extLst>
                 <a:ext uri="{91240B29-F687-4f45-9708-019B960494DF}">
-                  <a14:hiddenLine xmlns="" xmlns:a14="http://schemas.microsoft.com/office/drawing/2010/main" w="9525">
+                  <a14:hiddenLine xmlns:a14="http://schemas.microsoft.com/office/drawing/2010/main" xmlns="" w="9525">
                     <a:solidFill>
                       <a:srgbClr val="000000"/>
                     </a:solidFill>
@@ -11759,7 +11759,7 @@
               </a:ln>
               <a:extLst>
                 <a:ext uri="{91240B29-F687-4f45-9708-019B960494DF}">
-                  <a14:hiddenLine xmlns="" xmlns:a14="http://schemas.microsoft.com/office/drawing/2010/main" w="9525">
+                  <a14:hiddenLine xmlns:a14="http://schemas.microsoft.com/office/drawing/2010/main" xmlns="" w="9525">
                     <a:solidFill>
                       <a:srgbClr val="000000"/>
                     </a:solidFill>
@@ -11849,7 +11849,7 @@
               </a:ln>
               <a:extLst>
                 <a:ext uri="{91240B29-F687-4f45-9708-019B960494DF}">
-                  <a14:hiddenLine xmlns="" xmlns:a14="http://schemas.microsoft.com/office/drawing/2010/main" w="9525">
+                  <a14:hiddenLine xmlns:a14="http://schemas.microsoft.com/office/drawing/2010/main" xmlns="" w="9525">
                     <a:solidFill>
                       <a:srgbClr val="000000"/>
                     </a:solidFill>
@@ -11883,7 +11883,7 @@
               </a:ln>
               <a:extLst>
                 <a:ext uri="{91240B29-F687-4f45-9708-019B960494DF}">
-                  <a14:hiddenLine xmlns="" xmlns:a14="http://schemas.microsoft.com/office/drawing/2010/main" w="9525">
+                  <a14:hiddenLine xmlns:a14="http://schemas.microsoft.com/office/drawing/2010/main" xmlns="" w="9525">
                     <a:solidFill>
                       <a:srgbClr val="000000"/>
                     </a:solidFill>
@@ -12023,7 +12023,7 @@
           <a:p>
             <a:fld id="{B17FED09-996A-4092-B0CE-C688A8E76C69}" type="datetimeFigureOut">
               <a:rPr lang="es-ES" smtClean="0"/>
-              <a:t>03/02/2024</a:t>
+              <a:t>06/02/2024</a:t>
             </a:fld>
             <a:endParaRPr lang="es-ES"/>
           </a:p>
@@ -12874,6 +12874,342 @@
           </a:p>
         </p:txBody>
       </p:sp>
+      <p:sp>
+        <p:nvSpPr>
+          <p:cNvPr id="4" name="CuadroTexto 3">
+            <a:extLst>
+              <a:ext uri="{FF2B5EF4-FFF2-40B4-BE49-F238E27FC236}">
+                <a16:creationId xmlns:a16="http://schemas.microsoft.com/office/drawing/2014/main" id="{09E3DFE9-9F20-ACBC-4D50-0D80AA959962}"/>
+              </a:ext>
+            </a:extLst>
+          </p:cNvPr>
+          <p:cNvSpPr txBox="1"/>
+          <p:nvPr/>
+        </p:nvSpPr>
+        <p:spPr>
+          <a:xfrm>
+            <a:off x="472607" y="1273190"/>
+            <a:ext cx="11246785" cy="3477875"/>
+          </a:xfrm>
+          <a:prstGeom prst="rect">
+            <a:avLst/>
+          </a:prstGeom>
+          <a:noFill/>
+        </p:spPr>
+        <p:txBody>
+          <a:bodyPr wrap="square">
+            <a:spAutoFit/>
+          </a:bodyPr>
+          <a:lstStyle/>
+          <a:p>
+            <a:pPr algn="just"/>
+            <a:r>
+              <a:rPr lang="es-ES" sz="2000" b="0" i="0" u="none" strike="noStrike" dirty="0">
+                <a:solidFill>
+                  <a:schemeClr val="bg1"/>
+                </a:solidFill>
+                <a:effectLst/>
+                <a:latin typeface="Lato" panose="020F0502020204030203" pitchFamily="34" charset="0"/>
+                <a:hlinkClick r:id="rId2">
+                  <a:extLst>
+                    <a:ext uri="{A12FA001-AC4F-418D-AE19-62706E023703}">
+                      <ahyp:hlinkClr xmlns:ahyp="http://schemas.microsoft.com/office/drawing/2018/hyperlinkcolor" val="tx"/>
+                    </a:ext>
+                  </a:extLst>
+                </a:hlinkClick>
+              </a:rPr>
+              <a:t>Siguen los malos tiempos para el PC</a:t>
+            </a:r>
+            <a:r>
+              <a:rPr lang="es-ES" sz="2000" b="0" i="0" dirty="0">
+                <a:solidFill>
+                  <a:schemeClr val="bg1"/>
+                </a:solidFill>
+                <a:effectLst/>
+                <a:latin typeface="Lato" panose="020F0502020204030203" pitchFamily="34" charset="0"/>
+              </a:rPr>
+              <a:t>, </a:t>
+            </a:r>
+            <a:r>
+              <a:rPr lang="es-ES" sz="2000" b="1" i="0" dirty="0">
+                <a:solidFill>
+                  <a:schemeClr val="bg1"/>
+                </a:solidFill>
+                <a:effectLst/>
+                <a:latin typeface="Lato" panose="020F0502020204030203" pitchFamily="34" charset="0"/>
+              </a:rPr>
+              <a:t>cuya caída en las ventas alcanzó casi el 30% —28,1 %— durante el último trimestre de 2022 en comparación con el mismo periodo del año anterior.</a:t>
+            </a:r>
+            <a:endParaRPr lang="es-ES" sz="2000" b="0" i="0" dirty="0">
+              <a:solidFill>
+                <a:schemeClr val="bg1"/>
+              </a:solidFill>
+              <a:effectLst/>
+              <a:latin typeface="Lato" panose="020F0502020204030203" pitchFamily="34" charset="0"/>
+            </a:endParaRPr>
+          </a:p>
+          <a:p>
+            <a:pPr algn="just"/>
+            <a:r>
+              <a:rPr lang="es-ES" sz="2000" b="0" i="0" dirty="0">
+                <a:solidFill>
+                  <a:schemeClr val="bg1"/>
+                </a:solidFill>
+                <a:effectLst/>
+                <a:latin typeface="Lato" panose="020F0502020204030203" pitchFamily="34" charset="0"/>
+              </a:rPr>
+              <a:t>Así lo recogen los resultados preliminares del </a:t>
+            </a:r>
+            <a:r>
+              <a:rPr lang="es-ES" sz="2000" b="0" i="0" dirty="0" err="1">
+                <a:solidFill>
+                  <a:schemeClr val="bg1"/>
+                </a:solidFill>
+                <a:effectLst/>
+                <a:latin typeface="Lato" panose="020F0502020204030203" pitchFamily="34" charset="0"/>
+              </a:rPr>
+              <a:t>Worldwide</a:t>
+            </a:r>
+            <a:r>
+              <a:rPr lang="es-ES" sz="2000" b="0" i="0" dirty="0">
+                <a:solidFill>
+                  <a:schemeClr val="bg1"/>
+                </a:solidFill>
+                <a:effectLst/>
+                <a:latin typeface="Lato" panose="020F0502020204030203" pitchFamily="34" charset="0"/>
+              </a:rPr>
+              <a:t> </a:t>
+            </a:r>
+            <a:r>
+              <a:rPr lang="es-ES" sz="2000" b="0" i="0" dirty="0" err="1">
+                <a:solidFill>
+                  <a:schemeClr val="bg1"/>
+                </a:solidFill>
+                <a:effectLst/>
+                <a:latin typeface="Lato" panose="020F0502020204030203" pitchFamily="34" charset="0"/>
+              </a:rPr>
+              <a:t>Quarterly</a:t>
+            </a:r>
+            <a:r>
+              <a:rPr lang="es-ES" sz="2000" b="0" i="0" dirty="0">
+                <a:solidFill>
+                  <a:schemeClr val="bg1"/>
+                </a:solidFill>
+                <a:effectLst/>
+                <a:latin typeface="Lato" panose="020F0502020204030203" pitchFamily="34" charset="0"/>
+              </a:rPr>
+              <a:t> Personal Computing </a:t>
+            </a:r>
+            <a:r>
+              <a:rPr lang="es-ES" sz="2000" b="0" i="0" dirty="0" err="1">
+                <a:solidFill>
+                  <a:schemeClr val="bg1"/>
+                </a:solidFill>
+                <a:effectLst/>
+                <a:latin typeface="Lato" panose="020F0502020204030203" pitchFamily="34" charset="0"/>
+              </a:rPr>
+              <a:t>Device</a:t>
+            </a:r>
+            <a:r>
+              <a:rPr lang="es-ES" sz="2000" b="0" i="0" dirty="0">
+                <a:solidFill>
+                  <a:schemeClr val="bg1"/>
+                </a:solidFill>
+                <a:effectLst/>
+                <a:latin typeface="Lato" panose="020F0502020204030203" pitchFamily="34" charset="0"/>
+              </a:rPr>
+              <a:t> </a:t>
+            </a:r>
+            <a:r>
+              <a:rPr lang="es-ES" sz="2000" b="0" i="0" dirty="0" err="1">
+                <a:solidFill>
+                  <a:schemeClr val="bg1"/>
+                </a:solidFill>
+                <a:effectLst/>
+                <a:latin typeface="Lato" panose="020F0502020204030203" pitchFamily="34" charset="0"/>
+              </a:rPr>
+              <a:t>Tracker</a:t>
+            </a:r>
+            <a:r>
+              <a:rPr lang="es-ES" sz="2000" b="0" i="0" dirty="0">
+                <a:solidFill>
+                  <a:schemeClr val="bg1"/>
+                </a:solidFill>
+                <a:effectLst/>
+                <a:latin typeface="Lato" panose="020F0502020204030203" pitchFamily="34" charset="0"/>
+              </a:rPr>
+              <a:t> de IDC, que </a:t>
+            </a:r>
+            <a:r>
+              <a:rPr lang="es-ES" sz="2000" b="1" i="0" dirty="0">
+                <a:solidFill>
+                  <a:schemeClr val="bg1"/>
+                </a:solidFill>
+                <a:effectLst/>
+                <a:latin typeface="Lato" panose="020F0502020204030203" pitchFamily="34" charset="0"/>
+              </a:rPr>
+              <a:t>constata unas ventas totales de 67,2 millones de PC</a:t>
+            </a:r>
+            <a:r>
+              <a:rPr lang="es-ES" sz="2000" b="0" i="0" dirty="0">
+                <a:solidFill>
+                  <a:schemeClr val="bg1"/>
+                </a:solidFill>
+                <a:effectLst/>
+                <a:latin typeface="Lato" panose="020F0502020204030203" pitchFamily="34" charset="0"/>
+              </a:rPr>
+              <a:t>. Según la consultora, </a:t>
+            </a:r>
+            <a:r>
+              <a:rPr lang="es-ES" sz="2000" b="1" i="0" dirty="0">
+                <a:solidFill>
+                  <a:schemeClr val="bg1"/>
+                </a:solidFill>
+                <a:effectLst/>
+                <a:latin typeface="Lato" panose="020F0502020204030203" pitchFamily="34" charset="0"/>
+              </a:rPr>
+              <a:t>estos resultados son comparables a los del cuarto trimestre de 2018, cuando el mercado se vio limitado por los problemas de suministro de Intel.</a:t>
+            </a:r>
+            <a:endParaRPr lang="es-ES" sz="2000" b="0" i="0" dirty="0">
+              <a:solidFill>
+                <a:schemeClr val="bg1"/>
+              </a:solidFill>
+              <a:effectLst/>
+              <a:latin typeface="Lato" panose="020F0502020204030203" pitchFamily="34" charset="0"/>
+            </a:endParaRPr>
+          </a:p>
+          <a:p>
+            <a:pPr algn="just"/>
+            <a:r>
+              <a:rPr lang="es-ES" sz="2000" b="1" i="0" u="none" strike="noStrike" dirty="0">
+                <a:solidFill>
+                  <a:schemeClr val="bg1"/>
+                </a:solidFill>
+                <a:effectLst/>
+                <a:latin typeface="Lato" panose="020F0502020204030203" pitchFamily="34" charset="0"/>
+                <a:hlinkClick r:id="rId3">
+                  <a:extLst>
+                    <a:ext uri="{A12FA001-AC4F-418D-AE19-62706E023703}">
+                      <ahyp:hlinkClr xmlns:ahyp="http://schemas.microsoft.com/office/drawing/2018/hyperlinkcolor" val="tx"/>
+                    </a:ext>
+                  </a:extLst>
+                </a:hlinkClick>
+              </a:rPr>
+              <a:t>IDC concluye que el auge pandémico ha terminado para el mercado de PC</a:t>
+            </a:r>
+            <a:r>
+              <a:rPr lang="es-ES" sz="2000" b="0" i="0" dirty="0">
+                <a:solidFill>
+                  <a:schemeClr val="bg1"/>
+                </a:solidFill>
+                <a:effectLst/>
+                <a:latin typeface="Lato" panose="020F0502020204030203" pitchFamily="34" charset="0"/>
+              </a:rPr>
+              <a:t>, pero a pesar de los recientes descensos, las ventas anuales para 2022 estuvieron muy por encima de los niveles prepandémicos, con 292,3 millones de unidades para todo el año. </a:t>
+            </a:r>
+            <a:r>
+              <a:rPr lang="es-ES" sz="2000" b="1" i="0" dirty="0">
+                <a:solidFill>
+                  <a:schemeClr val="bg1"/>
+                </a:solidFill>
+                <a:effectLst/>
+                <a:latin typeface="Lato" panose="020F0502020204030203" pitchFamily="34" charset="0"/>
+              </a:rPr>
+              <a:t>Sin embargo, la demanda sigue siendo motivo de preocupación, ya que la mayoría de los usuarios tienen PC relativamente nuevos y la economía mundial empeora.</a:t>
+            </a:r>
+            <a:endParaRPr lang="es-ES" sz="2000" b="0" i="0" dirty="0">
+              <a:solidFill>
+                <a:schemeClr val="bg1"/>
+              </a:solidFill>
+              <a:effectLst/>
+              <a:latin typeface="Lato" panose="020F0502020204030203" pitchFamily="34" charset="0"/>
+            </a:endParaRPr>
+          </a:p>
+        </p:txBody>
+      </p:sp>
+      <p:sp>
+        <p:nvSpPr>
+          <p:cNvPr id="6" name="CuadroTexto 5">
+            <a:extLst>
+              <a:ext uri="{FF2B5EF4-FFF2-40B4-BE49-F238E27FC236}">
+                <a16:creationId xmlns:a16="http://schemas.microsoft.com/office/drawing/2014/main" id="{B2EFE22E-A8EF-683D-61A7-5B18AC3BBFEF}"/>
+              </a:ext>
+            </a:extLst>
+          </p:cNvPr>
+          <p:cNvSpPr txBox="1"/>
+          <p:nvPr/>
+        </p:nvSpPr>
+        <p:spPr>
+          <a:xfrm>
+            <a:off x="472607" y="4751065"/>
+            <a:ext cx="11498999" cy="1938992"/>
+          </a:xfrm>
+          <a:prstGeom prst="rect">
+            <a:avLst/>
+          </a:prstGeom>
+          <a:noFill/>
+        </p:spPr>
+        <p:txBody>
+          <a:bodyPr wrap="square">
+            <a:spAutoFit/>
+          </a:bodyPr>
+          <a:lstStyle/>
+          <a:p>
+            <a:r>
+              <a:rPr lang="es-ES" sz="2000" b="0" i="0" dirty="0">
+                <a:solidFill>
+                  <a:schemeClr val="bg1"/>
+                </a:solidFill>
+                <a:effectLst/>
+                <a:latin typeface="Lato" panose="020F0502020204030203" pitchFamily="34" charset="0"/>
+              </a:rPr>
+              <a:t>La actividad del lado de la oferta muestra que muchos grandes proveedores entraron en 2023 con una perspectiva cautelosa, pero el consenso es que </a:t>
+            </a:r>
+            <a:r>
+              <a:rPr lang="es-ES" sz="2000" b="1" i="0" u="none" strike="noStrike" dirty="0">
+                <a:solidFill>
+                  <a:schemeClr val="bg1"/>
+                </a:solidFill>
+                <a:effectLst/>
+                <a:latin typeface="Lato" panose="020F0502020204030203" pitchFamily="34" charset="0"/>
+                <a:hlinkClick r:id="rId4">
+                  <a:extLst>
+                    <a:ext uri="{A12FA001-AC4F-418D-AE19-62706E023703}">
+                      <ahyp:hlinkClr xmlns:ahyp="http://schemas.microsoft.com/office/drawing/2018/hyperlinkcolor" val="tx"/>
+                    </a:ext>
+                  </a:extLst>
+                </a:hlinkClick>
+              </a:rPr>
+              <a:t>partes del mercado de PC podrían volver a crecer a finales de 2023</a:t>
+            </a:r>
+            <a:r>
+              <a:rPr lang="es-ES" sz="2000" b="1" i="0" dirty="0">
+                <a:solidFill>
+                  <a:schemeClr val="bg1"/>
+                </a:solidFill>
+                <a:effectLst/>
+                <a:latin typeface="Lato" panose="020F0502020204030203" pitchFamily="34" charset="0"/>
+              </a:rPr>
+              <a:t> y que el mercado general le seguiría en 2024.</a:t>
+            </a:r>
+            <a:r>
+              <a:rPr lang="es-ES" sz="2000" b="0" i="0" dirty="0">
+                <a:solidFill>
+                  <a:schemeClr val="bg1"/>
+                </a:solidFill>
+                <a:effectLst/>
+                <a:latin typeface="Lato" panose="020F0502020204030203" pitchFamily="34" charset="0"/>
+              </a:rPr>
+              <a:t> El segmento comercial tiene varios impulsores hacia el crecimiento, incluido el próximo final del soporte para Windows 10 y un ciclo de actualización de construcción, mientras que el mercado de consumo sigue siendo un comodín para 2023 y más allá.</a:t>
+            </a:r>
+            <a:endParaRPr lang="es-PE" sz="2000" dirty="0">
+              <a:solidFill>
+                <a:schemeClr val="bg1"/>
+              </a:solidFill>
+            </a:endParaRPr>
+          </a:p>
+        </p:txBody>
+      </p:sp>
     </p:spTree>
     <p:extLst>
       <p:ext uri="{BB962C8B-B14F-4D97-AF65-F5344CB8AC3E}">
@@ -12946,6 +13282,91 @@
             <a:r>
               <a:rPr lang="es-PE" sz="3600" b="1" dirty="0"/>
               <a:t>CASO ELEGIDO</a:t>
+            </a:r>
+          </a:p>
+        </p:txBody>
+      </p:sp>
+      <p:sp>
+        <p:nvSpPr>
+          <p:cNvPr id="3" name="CuadroTexto 2">
+            <a:extLst>
+              <a:ext uri="{FF2B5EF4-FFF2-40B4-BE49-F238E27FC236}">
+                <a16:creationId xmlns:a16="http://schemas.microsoft.com/office/drawing/2014/main" id="{B36A4BD5-3E61-B7B6-C4D5-14C3EF9B1C49}"/>
+              </a:ext>
+            </a:extLst>
+          </p:cNvPr>
+          <p:cNvSpPr txBox="1"/>
+          <p:nvPr/>
+        </p:nvSpPr>
+        <p:spPr>
+          <a:xfrm>
+            <a:off x="872197" y="2335237"/>
+            <a:ext cx="8825173" cy="1323439"/>
+          </a:xfrm>
+          <a:prstGeom prst="rect">
+            <a:avLst/>
+          </a:prstGeom>
+          <a:noFill/>
+        </p:spPr>
+        <p:txBody>
+          <a:bodyPr wrap="none" rtlCol="0">
+            <a:spAutoFit/>
+          </a:bodyPr>
+          <a:lstStyle/>
+          <a:p>
+            <a:pPr marL="285750" indent="-285750">
+              <a:buFont typeface="Arial" panose="020B0604020202020204" pitchFamily="34" charset="0"/>
+              <a:buChar char="•"/>
+            </a:pPr>
+            <a:r>
+              <a:rPr lang="es-ES" sz="2000" dirty="0">
+                <a:solidFill>
+                  <a:schemeClr val="bg1"/>
+                </a:solidFill>
+              </a:rPr>
+              <a:t>El presente caso se tomará conocer el comportamiento de la demanda de laptop </a:t>
+            </a:r>
+          </a:p>
+          <a:p>
+            <a:pPr marL="285750" indent="-285750">
+              <a:buFont typeface="Arial" panose="020B0604020202020204" pitchFamily="34" charset="0"/>
+              <a:buChar char="•"/>
+            </a:pPr>
+            <a:r>
+              <a:rPr lang="es-ES" sz="2000" dirty="0">
+                <a:solidFill>
+                  <a:schemeClr val="bg1"/>
+                </a:solidFill>
+              </a:rPr>
+              <a:t>Con la finalidad de conocer si sigue siendo rentable este negocio </a:t>
+            </a:r>
+          </a:p>
+          <a:p>
+            <a:pPr marL="285750" indent="-285750">
+              <a:buFont typeface="Arial" panose="020B0604020202020204" pitchFamily="34" charset="0"/>
+              <a:buChar char="•"/>
+            </a:pPr>
+            <a:r>
+              <a:rPr lang="es-ES" sz="2000" dirty="0">
+                <a:solidFill>
+                  <a:schemeClr val="bg1"/>
+                </a:solidFill>
+              </a:rPr>
+              <a:t>O considerar el panorama que afrontara el mercado</a:t>
+            </a:r>
+          </a:p>
+          <a:p>
+            <a:pPr marL="285750" indent="-285750">
+              <a:buFont typeface="Arial" panose="020B0604020202020204" pitchFamily="34" charset="0"/>
+              <a:buChar char="•"/>
+            </a:pPr>
+            <a:r>
+              <a:rPr lang="es-ES" sz="2000" dirty="0">
+                <a:solidFill>
+                  <a:schemeClr val="bg1"/>
+                </a:solidFill>
+              </a:rPr>
+              <a:t>El término de la pandemia a sido un efecto nada alentador a este mercado</a:t>
             </a:r>
           </a:p>
         </p:txBody>

--- a/PROYECTO-MACHINE-LEARNING.pptx
+++ b/PROYECTO-MACHINE-LEARNING.pptx
@@ -180,7 +180,7 @@
           <a:noFill/>
           <a:extLst>
             <a:ext uri="{909E8E84-426E-40dd-AFC4-6F175D3DCCD1}">
-              <a14:hiddenFill xmlns:a14="http://schemas.microsoft.com/office/drawing/2010/main" xmlns="">
+              <a14:hiddenFill xmlns="" xmlns:a14="http://schemas.microsoft.com/office/drawing/2010/main">
                 <a:solidFill>
                   <a:srgbClr val="FFFFFF"/>
                 </a:solidFill>
@@ -239,7 +239,7 @@
             </a:ln>
             <a:extLst>
               <a:ext uri="{91240B29-F687-4f45-9708-019B960494DF}">
-                <a14:hiddenLine xmlns:a14="http://schemas.microsoft.com/office/drawing/2010/main" xmlns="" w="9525">
+                <a14:hiddenLine xmlns="" xmlns:a14="http://schemas.microsoft.com/office/drawing/2010/main" w="9525">
                   <a:solidFill>
                     <a:srgbClr val="000000"/>
                   </a:solidFill>
@@ -329,7 +329,7 @@
             </a:ln>
             <a:extLst>
               <a:ext uri="{91240B29-F687-4f45-9708-019B960494DF}">
-                <a14:hiddenLine xmlns:a14="http://schemas.microsoft.com/office/drawing/2010/main" xmlns="" w="9525">
+                <a14:hiddenLine xmlns="" xmlns:a14="http://schemas.microsoft.com/office/drawing/2010/main" w="9525">
                   <a:solidFill>
                     <a:srgbClr val="000000"/>
                   </a:solidFill>
@@ -419,7 +419,7 @@
             </a:ln>
             <a:extLst>
               <a:ext uri="{91240B29-F687-4f45-9708-019B960494DF}">
-                <a14:hiddenLine xmlns:a14="http://schemas.microsoft.com/office/drawing/2010/main" xmlns="" w="9525">
+                <a14:hiddenLine xmlns="" xmlns:a14="http://schemas.microsoft.com/office/drawing/2010/main" w="9525">
                   <a:solidFill>
                     <a:srgbClr val="000000"/>
                   </a:solidFill>
@@ -453,7 +453,7 @@
             </a:ln>
             <a:extLst>
               <a:ext uri="{91240B29-F687-4f45-9708-019B960494DF}">
-                <a14:hiddenLine xmlns:a14="http://schemas.microsoft.com/office/drawing/2010/main" xmlns="" w="9525">
+                <a14:hiddenLine xmlns="" xmlns:a14="http://schemas.microsoft.com/office/drawing/2010/main" w="9525">
                   <a:solidFill>
                     <a:srgbClr val="000000"/>
                   </a:solidFill>
@@ -543,7 +543,7 @@
             </a:ln>
             <a:extLst>
               <a:ext uri="{91240B29-F687-4f45-9708-019B960494DF}">
-                <a14:hiddenLine xmlns:a14="http://schemas.microsoft.com/office/drawing/2010/main" xmlns="" w="9525">
+                <a14:hiddenLine xmlns="" xmlns:a14="http://schemas.microsoft.com/office/drawing/2010/main" w="9525">
                   <a:solidFill>
                     <a:srgbClr val="000000"/>
                   </a:solidFill>
@@ -605,7 +605,7 @@
             </a:ln>
             <a:extLst>
               <a:ext uri="{91240B29-F687-4f45-9708-019B960494DF}">
-                <a14:hiddenLine xmlns:a14="http://schemas.microsoft.com/office/drawing/2010/main" xmlns="" w="9525">
+                <a14:hiddenLine xmlns="" xmlns:a14="http://schemas.microsoft.com/office/drawing/2010/main" w="9525">
                   <a:solidFill>
                     <a:srgbClr val="000000"/>
                   </a:solidFill>
@@ -667,7 +667,7 @@
             </a:ln>
             <a:extLst>
               <a:ext uri="{91240B29-F687-4f45-9708-019B960494DF}">
-                <a14:hiddenLine xmlns:a14="http://schemas.microsoft.com/office/drawing/2010/main" xmlns="" w="9525">
+                <a14:hiddenLine xmlns="" xmlns:a14="http://schemas.microsoft.com/office/drawing/2010/main" w="9525">
                   <a:solidFill>
                     <a:srgbClr val="000000"/>
                   </a:solidFill>
@@ -757,7 +757,7 @@
             </a:ln>
             <a:extLst>
               <a:ext uri="{91240B29-F687-4f45-9708-019B960494DF}">
-                <a14:hiddenLine xmlns:a14="http://schemas.microsoft.com/office/drawing/2010/main" xmlns="" w="9525">
+                <a14:hiddenLine xmlns="" xmlns:a14="http://schemas.microsoft.com/office/drawing/2010/main" w="9525">
                   <a:solidFill>
                     <a:srgbClr val="000000"/>
                   </a:solidFill>
@@ -819,7 +819,7 @@
             </a:ln>
             <a:extLst>
               <a:ext uri="{91240B29-F687-4f45-9708-019B960494DF}">
-                <a14:hiddenLine xmlns:a14="http://schemas.microsoft.com/office/drawing/2010/main" xmlns="" w="9525">
+                <a14:hiddenLine xmlns="" xmlns:a14="http://schemas.microsoft.com/office/drawing/2010/main" w="9525">
                   <a:solidFill>
                     <a:srgbClr val="000000"/>
                   </a:solidFill>
@@ -881,7 +881,7 @@
             </a:ln>
             <a:extLst>
               <a:ext uri="{91240B29-F687-4f45-9708-019B960494DF}">
-                <a14:hiddenLine xmlns:a14="http://schemas.microsoft.com/office/drawing/2010/main" xmlns="" w="9525">
+                <a14:hiddenLine xmlns="" xmlns:a14="http://schemas.microsoft.com/office/drawing/2010/main" w="9525">
                   <a:solidFill>
                     <a:srgbClr val="000000"/>
                   </a:solidFill>
@@ -971,7 +971,7 @@
             </a:ln>
             <a:extLst>
               <a:ext uri="{91240B29-F687-4f45-9708-019B960494DF}">
-                <a14:hiddenLine xmlns:a14="http://schemas.microsoft.com/office/drawing/2010/main" xmlns="" w="9525">
+                <a14:hiddenLine xmlns="" xmlns:a14="http://schemas.microsoft.com/office/drawing/2010/main" w="9525">
                   <a:solidFill>
                     <a:srgbClr val="000000"/>
                   </a:solidFill>
@@ -1061,7 +1061,7 @@
             </a:ln>
             <a:extLst>
               <a:ext uri="{91240B29-F687-4f45-9708-019B960494DF}">
-                <a14:hiddenLine xmlns:a14="http://schemas.microsoft.com/office/drawing/2010/main" xmlns="" w="9525">
+                <a14:hiddenLine xmlns="" xmlns:a14="http://schemas.microsoft.com/office/drawing/2010/main" w="9525">
                   <a:solidFill>
                     <a:srgbClr val="000000"/>
                   </a:solidFill>
@@ -1123,7 +1123,7 @@
             </a:ln>
             <a:extLst>
               <a:ext uri="{91240B29-F687-4f45-9708-019B960494DF}">
-                <a14:hiddenLine xmlns:a14="http://schemas.microsoft.com/office/drawing/2010/main" xmlns="" w="9525">
+                <a14:hiddenLine xmlns="" xmlns:a14="http://schemas.microsoft.com/office/drawing/2010/main" w="9525">
                   <a:solidFill>
                     <a:srgbClr val="000000"/>
                   </a:solidFill>
@@ -1233,7 +1233,7 @@
             </a:ln>
             <a:extLst>
               <a:ext uri="{91240B29-F687-4f45-9708-019B960494DF}">
-                <a14:hiddenLine xmlns:a14="http://schemas.microsoft.com/office/drawing/2010/main" xmlns="" w="9525">
+                <a14:hiddenLine xmlns="" xmlns:a14="http://schemas.microsoft.com/office/drawing/2010/main" w="9525">
                   <a:solidFill>
                     <a:srgbClr val="000000"/>
                   </a:solidFill>
@@ -1295,7 +1295,7 @@
             </a:ln>
             <a:extLst>
               <a:ext uri="{91240B29-F687-4f45-9708-019B960494DF}">
-                <a14:hiddenLine xmlns:a14="http://schemas.microsoft.com/office/drawing/2010/main" xmlns="" w="9525">
+                <a14:hiddenLine xmlns="" xmlns:a14="http://schemas.microsoft.com/office/drawing/2010/main" w="9525">
                   <a:solidFill>
                     <a:srgbClr val="000000"/>
                   </a:solidFill>
@@ -1385,7 +1385,7 @@
             </a:ln>
             <a:extLst>
               <a:ext uri="{91240B29-F687-4f45-9708-019B960494DF}">
-                <a14:hiddenLine xmlns:a14="http://schemas.microsoft.com/office/drawing/2010/main" xmlns="" w="9525">
+                <a14:hiddenLine xmlns="" xmlns:a14="http://schemas.microsoft.com/office/drawing/2010/main" w="9525">
                   <a:solidFill>
                     <a:srgbClr val="000000"/>
                   </a:solidFill>
@@ -1475,7 +1475,7 @@
             </a:ln>
             <a:extLst>
               <a:ext uri="{91240B29-F687-4f45-9708-019B960494DF}">
-                <a14:hiddenLine xmlns:a14="http://schemas.microsoft.com/office/drawing/2010/main" xmlns="" w="9525">
+                <a14:hiddenLine xmlns="" xmlns:a14="http://schemas.microsoft.com/office/drawing/2010/main" w="9525">
                   <a:solidFill>
                     <a:srgbClr val="000000"/>
                   </a:solidFill>
@@ -1537,7 +1537,7 @@
             </a:ln>
             <a:extLst>
               <a:ext uri="{91240B29-F687-4f45-9708-019B960494DF}">
-                <a14:hiddenLine xmlns:a14="http://schemas.microsoft.com/office/drawing/2010/main" xmlns="" w="9525">
+                <a14:hiddenLine xmlns="" xmlns:a14="http://schemas.microsoft.com/office/drawing/2010/main" w="9525">
                   <a:solidFill>
                     <a:srgbClr val="000000"/>
                   </a:solidFill>
@@ -1627,7 +1627,7 @@
             </a:ln>
             <a:extLst>
               <a:ext uri="{91240B29-F687-4f45-9708-019B960494DF}">
-                <a14:hiddenLine xmlns:a14="http://schemas.microsoft.com/office/drawing/2010/main" xmlns="" w="9525">
+                <a14:hiddenLine xmlns="" xmlns:a14="http://schemas.microsoft.com/office/drawing/2010/main" w="9525">
                   <a:solidFill>
                     <a:srgbClr val="000000"/>
                   </a:solidFill>
@@ -1717,7 +1717,7 @@
             </a:ln>
             <a:extLst>
               <a:ext uri="{91240B29-F687-4f45-9708-019B960494DF}">
-                <a14:hiddenLine xmlns:a14="http://schemas.microsoft.com/office/drawing/2010/main" xmlns="" w="9525">
+                <a14:hiddenLine xmlns="" xmlns:a14="http://schemas.microsoft.com/office/drawing/2010/main" w="9525">
                   <a:solidFill>
                     <a:srgbClr val="000000"/>
                   </a:solidFill>
@@ -1773,7 +1773,7 @@
             </a:ln>
             <a:extLst>
               <a:ext uri="{91240B29-F687-4f45-9708-019B960494DF}">
-                <a14:hiddenLine xmlns:a14="http://schemas.microsoft.com/office/drawing/2010/main" xmlns="" w="9525">
+                <a14:hiddenLine xmlns="" xmlns:a14="http://schemas.microsoft.com/office/drawing/2010/main" w="9525">
                   <a:solidFill>
                     <a:srgbClr val="000000"/>
                   </a:solidFill>
@@ -1863,7 +1863,7 @@
             </a:ln>
             <a:extLst>
               <a:ext uri="{91240B29-F687-4f45-9708-019B960494DF}">
-                <a14:hiddenLine xmlns:a14="http://schemas.microsoft.com/office/drawing/2010/main" xmlns="" w="9525">
+                <a14:hiddenLine xmlns="" xmlns:a14="http://schemas.microsoft.com/office/drawing/2010/main" w="9525">
                   <a:solidFill>
                     <a:srgbClr val="000000"/>
                   </a:solidFill>
@@ -1919,7 +1919,7 @@
             </a:ln>
             <a:extLst>
               <a:ext uri="{91240B29-F687-4f45-9708-019B960494DF}">
-                <a14:hiddenLine xmlns:a14="http://schemas.microsoft.com/office/drawing/2010/main" xmlns="" w="9525">
+                <a14:hiddenLine xmlns="" xmlns:a14="http://schemas.microsoft.com/office/drawing/2010/main" w="9525">
                   <a:solidFill>
                     <a:srgbClr val="000000"/>
                   </a:solidFill>
@@ -2009,7 +2009,7 @@
             </a:ln>
             <a:extLst>
               <a:ext uri="{91240B29-F687-4f45-9708-019B960494DF}">
-                <a14:hiddenLine xmlns:a14="http://schemas.microsoft.com/office/drawing/2010/main" xmlns="" w="9525">
+                <a14:hiddenLine xmlns="" xmlns:a14="http://schemas.microsoft.com/office/drawing/2010/main" w="9525">
                   <a:solidFill>
                     <a:srgbClr val="000000"/>
                   </a:solidFill>
@@ -2077,7 +2077,7 @@
             </a:ln>
             <a:extLst>
               <a:ext uri="{91240B29-F687-4f45-9708-019B960494DF}">
-                <a14:hiddenLine xmlns:a14="http://schemas.microsoft.com/office/drawing/2010/main" xmlns="" w="9525">
+                <a14:hiddenLine xmlns="" xmlns:a14="http://schemas.microsoft.com/office/drawing/2010/main" w="9525">
                   <a:solidFill>
                     <a:srgbClr val="000000"/>
                   </a:solidFill>
@@ -2167,7 +2167,7 @@
             </a:ln>
             <a:extLst>
               <a:ext uri="{91240B29-F687-4f45-9708-019B960494DF}">
-                <a14:hiddenLine xmlns:a14="http://schemas.microsoft.com/office/drawing/2010/main" xmlns="" w="9525">
+                <a14:hiddenLine xmlns="" xmlns:a14="http://schemas.microsoft.com/office/drawing/2010/main" w="9525">
                   <a:solidFill>
                     <a:srgbClr val="000000"/>
                   </a:solidFill>
@@ -2235,7 +2235,7 @@
             </a:ln>
             <a:extLst>
               <a:ext uri="{91240B29-F687-4f45-9708-019B960494DF}">
-                <a14:hiddenLine xmlns:a14="http://schemas.microsoft.com/office/drawing/2010/main" xmlns="" w="9525">
+                <a14:hiddenLine xmlns="" xmlns:a14="http://schemas.microsoft.com/office/drawing/2010/main" w="9525">
                   <a:solidFill>
                     <a:srgbClr val="000000"/>
                   </a:solidFill>
@@ -2325,7 +2325,7 @@
             </a:ln>
             <a:extLst>
               <a:ext uri="{91240B29-F687-4f45-9708-019B960494DF}">
-                <a14:hiddenLine xmlns:a14="http://schemas.microsoft.com/office/drawing/2010/main" xmlns="" w="9525">
+                <a14:hiddenLine xmlns="" xmlns:a14="http://schemas.microsoft.com/office/drawing/2010/main" w="9525">
                   <a:solidFill>
                     <a:srgbClr val="000000"/>
                   </a:solidFill>
@@ -2359,7 +2359,7 @@
             </a:ln>
             <a:extLst>
               <a:ext uri="{91240B29-F687-4f45-9708-019B960494DF}">
-                <a14:hiddenLine xmlns:a14="http://schemas.microsoft.com/office/drawing/2010/main" xmlns="" w="9525">
+                <a14:hiddenLine xmlns="" xmlns:a14="http://schemas.microsoft.com/office/drawing/2010/main" w="9525">
                   <a:solidFill>
                     <a:srgbClr val="000000"/>
                   </a:solidFill>
@@ -2449,7 +2449,7 @@
             </a:ln>
             <a:extLst>
               <a:ext uri="{91240B29-F687-4f45-9708-019B960494DF}">
-                <a14:hiddenLine xmlns:a14="http://schemas.microsoft.com/office/drawing/2010/main" xmlns="" w="9525">
+                <a14:hiddenLine xmlns="" xmlns:a14="http://schemas.microsoft.com/office/drawing/2010/main" w="9525">
                   <a:solidFill>
                     <a:srgbClr val="000000"/>
                   </a:solidFill>
@@ -2511,7 +2511,7 @@
             </a:ln>
             <a:extLst>
               <a:ext uri="{91240B29-F687-4f45-9708-019B960494DF}">
-                <a14:hiddenLine xmlns:a14="http://schemas.microsoft.com/office/drawing/2010/main" xmlns="" w="9525">
+                <a14:hiddenLine xmlns="" xmlns:a14="http://schemas.microsoft.com/office/drawing/2010/main" w="9525">
                   <a:solidFill>
                     <a:srgbClr val="000000"/>
                   </a:solidFill>
@@ -2573,7 +2573,7 @@
             </a:ln>
             <a:extLst>
               <a:ext uri="{91240B29-F687-4f45-9708-019B960494DF}">
-                <a14:hiddenLine xmlns:a14="http://schemas.microsoft.com/office/drawing/2010/main" xmlns="" w="9525">
+                <a14:hiddenLine xmlns="" xmlns:a14="http://schemas.microsoft.com/office/drawing/2010/main" w="9525">
                   <a:solidFill>
                     <a:srgbClr val="000000"/>
                   </a:solidFill>
@@ -2663,7 +2663,7 @@
             </a:ln>
             <a:extLst>
               <a:ext uri="{91240B29-F687-4f45-9708-019B960494DF}">
-                <a14:hiddenLine xmlns:a14="http://schemas.microsoft.com/office/drawing/2010/main" xmlns="" w="9525">
+                <a14:hiddenLine xmlns="" xmlns:a14="http://schemas.microsoft.com/office/drawing/2010/main" w="9525">
                   <a:solidFill>
                     <a:srgbClr val="000000"/>
                   </a:solidFill>
@@ -2731,7 +2731,7 @@
             </a:ln>
             <a:extLst>
               <a:ext uri="{91240B29-F687-4f45-9708-019B960494DF}">
-                <a14:hiddenLine xmlns:a14="http://schemas.microsoft.com/office/drawing/2010/main" xmlns="" w="9525">
+                <a14:hiddenLine xmlns="" xmlns:a14="http://schemas.microsoft.com/office/drawing/2010/main" w="9525">
                   <a:solidFill>
                     <a:srgbClr val="000000"/>
                   </a:solidFill>
@@ -2793,7 +2793,7 @@
             </a:ln>
             <a:extLst>
               <a:ext uri="{91240B29-F687-4f45-9708-019B960494DF}">
-                <a14:hiddenLine xmlns:a14="http://schemas.microsoft.com/office/drawing/2010/main" xmlns="" w="9525">
+                <a14:hiddenLine xmlns="" xmlns:a14="http://schemas.microsoft.com/office/drawing/2010/main" w="9525">
                   <a:solidFill>
                     <a:srgbClr val="000000"/>
                   </a:solidFill>
@@ -2883,7 +2883,7 @@
             </a:ln>
             <a:extLst>
               <a:ext uri="{91240B29-F687-4f45-9708-019B960494DF}">
-                <a14:hiddenLine xmlns:a14="http://schemas.microsoft.com/office/drawing/2010/main" xmlns="" w="9525">
+                <a14:hiddenLine xmlns="" xmlns:a14="http://schemas.microsoft.com/office/drawing/2010/main" w="9525">
                   <a:solidFill>
                     <a:srgbClr val="000000"/>
                   </a:solidFill>
@@ -2945,7 +2945,7 @@
             </a:ln>
             <a:extLst>
               <a:ext uri="{91240B29-F687-4f45-9708-019B960494DF}">
-                <a14:hiddenLine xmlns:a14="http://schemas.microsoft.com/office/drawing/2010/main" xmlns="" w="9525">
+                <a14:hiddenLine xmlns="" xmlns:a14="http://schemas.microsoft.com/office/drawing/2010/main" w="9525">
                   <a:solidFill>
                     <a:srgbClr val="000000"/>
                   </a:solidFill>
@@ -3035,7 +3035,7 @@
             </a:ln>
             <a:extLst>
               <a:ext uri="{91240B29-F687-4f45-9708-019B960494DF}">
-                <a14:hiddenLine xmlns:a14="http://schemas.microsoft.com/office/drawing/2010/main" xmlns="" w="9525">
+                <a14:hiddenLine xmlns="" xmlns:a14="http://schemas.microsoft.com/office/drawing/2010/main" w="9525">
                   <a:solidFill>
                     <a:srgbClr val="000000"/>
                   </a:solidFill>
@@ -3097,7 +3097,7 @@
             </a:ln>
             <a:extLst>
               <a:ext uri="{91240B29-F687-4f45-9708-019B960494DF}">
-                <a14:hiddenLine xmlns:a14="http://schemas.microsoft.com/office/drawing/2010/main" xmlns="" w="9525">
+                <a14:hiddenLine xmlns="" xmlns:a14="http://schemas.microsoft.com/office/drawing/2010/main" w="9525">
                   <a:solidFill>
                     <a:srgbClr val="000000"/>
                   </a:solidFill>
@@ -3187,7 +3187,7 @@
             </a:ln>
             <a:extLst>
               <a:ext uri="{91240B29-F687-4f45-9708-019B960494DF}">
-                <a14:hiddenLine xmlns:a14="http://schemas.microsoft.com/office/drawing/2010/main" xmlns="" w="9525">
+                <a14:hiddenLine xmlns="" xmlns:a14="http://schemas.microsoft.com/office/drawing/2010/main" w="9525">
                   <a:solidFill>
                     <a:srgbClr val="000000"/>
                   </a:solidFill>
@@ -3221,7 +3221,7 @@
             </a:ln>
             <a:extLst>
               <a:ext uri="{91240B29-F687-4f45-9708-019B960494DF}">
-                <a14:hiddenLine xmlns:a14="http://schemas.microsoft.com/office/drawing/2010/main" xmlns="" w="9525">
+                <a14:hiddenLine xmlns="" xmlns:a14="http://schemas.microsoft.com/office/drawing/2010/main" w="9525">
                   <a:solidFill>
                     <a:srgbClr val="000000"/>
                   </a:solidFill>
@@ -3286,7 +3286,7 @@
             </a:ln>
             <a:extLst>
               <a:ext uri="{91240B29-F687-4f45-9708-019B960494DF}">
-                <a14:hiddenLine xmlns:a14="http://schemas.microsoft.com/office/drawing/2010/main" xmlns="" w="9525">
+                <a14:hiddenLine xmlns="" xmlns:a14="http://schemas.microsoft.com/office/drawing/2010/main" w="9525">
                   <a:solidFill>
                     <a:srgbClr val="000000"/>
                   </a:solidFill>
@@ -3376,7 +3376,7 @@
             </a:ln>
             <a:extLst>
               <a:ext uri="{91240B29-F687-4f45-9708-019B960494DF}">
-                <a14:hiddenLine xmlns:a14="http://schemas.microsoft.com/office/drawing/2010/main" xmlns="" w="9525">
+                <a14:hiddenLine xmlns="" xmlns:a14="http://schemas.microsoft.com/office/drawing/2010/main" w="9525">
                   <a:solidFill>
                     <a:srgbClr val="000000"/>
                   </a:solidFill>
@@ -3438,7 +3438,7 @@
             </a:ln>
             <a:extLst>
               <a:ext uri="{91240B29-F687-4f45-9708-019B960494DF}">
-                <a14:hiddenLine xmlns:a14="http://schemas.microsoft.com/office/drawing/2010/main" xmlns="" w="9525">
+                <a14:hiddenLine xmlns="" xmlns:a14="http://schemas.microsoft.com/office/drawing/2010/main" w="9525">
                   <a:solidFill>
                     <a:srgbClr val="000000"/>
                   </a:solidFill>
@@ -3528,7 +3528,7 @@
             </a:ln>
             <a:extLst>
               <a:ext uri="{91240B29-F687-4f45-9708-019B960494DF}">
-                <a14:hiddenLine xmlns:a14="http://schemas.microsoft.com/office/drawing/2010/main" xmlns="" w="9525">
+                <a14:hiddenLine xmlns="" xmlns:a14="http://schemas.microsoft.com/office/drawing/2010/main" w="9525">
                   <a:solidFill>
                     <a:srgbClr val="000000"/>
                   </a:solidFill>
@@ -3618,7 +3618,7 @@
             </a:ln>
             <a:extLst>
               <a:ext uri="{91240B29-F687-4f45-9708-019B960494DF}">
-                <a14:hiddenLine xmlns:a14="http://schemas.microsoft.com/office/drawing/2010/main" xmlns="" w="9525">
+                <a14:hiddenLine xmlns="" xmlns:a14="http://schemas.microsoft.com/office/drawing/2010/main" w="9525">
                   <a:solidFill>
                     <a:srgbClr val="000000"/>
                   </a:solidFill>
@@ -3683,7 +3683,7 @@
             </a:ln>
             <a:extLst>
               <a:ext uri="{91240B29-F687-4f45-9708-019B960494DF}">
-                <a14:hiddenLine xmlns:a14="http://schemas.microsoft.com/office/drawing/2010/main" xmlns="" w="9525">
+                <a14:hiddenLine xmlns="" xmlns:a14="http://schemas.microsoft.com/office/drawing/2010/main" w="9525">
                   <a:solidFill>
                     <a:srgbClr val="000000"/>
                   </a:solidFill>
@@ -3745,7 +3745,7 @@
             </a:ln>
             <a:extLst>
               <a:ext uri="{91240B29-F687-4f45-9708-019B960494DF}">
-                <a14:hiddenLine xmlns:a14="http://schemas.microsoft.com/office/drawing/2010/main" xmlns="" w="9525">
+                <a14:hiddenLine xmlns="" xmlns:a14="http://schemas.microsoft.com/office/drawing/2010/main" w="9525">
                   <a:solidFill>
                     <a:srgbClr val="000000"/>
                   </a:solidFill>
@@ -3835,7 +3835,7 @@
             </a:ln>
             <a:extLst>
               <a:ext uri="{91240B29-F687-4f45-9708-019B960494DF}">
-                <a14:hiddenLine xmlns:a14="http://schemas.microsoft.com/office/drawing/2010/main" xmlns="" w="9525">
+                <a14:hiddenLine xmlns="" xmlns:a14="http://schemas.microsoft.com/office/drawing/2010/main" w="9525">
                   <a:solidFill>
                     <a:srgbClr val="000000"/>
                   </a:solidFill>
@@ -3925,7 +3925,7 @@
             </a:ln>
             <a:extLst>
               <a:ext uri="{91240B29-F687-4f45-9708-019B960494DF}">
-                <a14:hiddenLine xmlns:a14="http://schemas.microsoft.com/office/drawing/2010/main" xmlns="" w="9525">
+                <a14:hiddenLine xmlns="" xmlns:a14="http://schemas.microsoft.com/office/drawing/2010/main" w="9525">
                   <a:solidFill>
                     <a:srgbClr val="000000"/>
                   </a:solidFill>
@@ -3987,7 +3987,7 @@
             </a:ln>
             <a:extLst>
               <a:ext uri="{91240B29-F687-4f45-9708-019B960494DF}">
-                <a14:hiddenLine xmlns:a14="http://schemas.microsoft.com/office/drawing/2010/main" xmlns="" w="9525">
+                <a14:hiddenLine xmlns="" xmlns:a14="http://schemas.microsoft.com/office/drawing/2010/main" w="9525">
                   <a:solidFill>
                     <a:srgbClr val="000000"/>
                   </a:solidFill>
@@ -4107,7 +4107,7 @@
             </a:ln>
             <a:extLst>
               <a:ext uri="{91240B29-F687-4f45-9708-019B960494DF}">
-                <a14:hiddenLine xmlns:a14="http://schemas.microsoft.com/office/drawing/2010/main" xmlns="" w="9525">
+                <a14:hiddenLine xmlns="" xmlns:a14="http://schemas.microsoft.com/office/drawing/2010/main" w="9525">
                   <a:solidFill>
                     <a:srgbClr val="000000"/>
                   </a:solidFill>
@@ -4175,7 +4175,7 @@
             </a:ln>
             <a:extLst>
               <a:ext uri="{91240B29-F687-4f45-9708-019B960494DF}">
-                <a14:hiddenLine xmlns:a14="http://schemas.microsoft.com/office/drawing/2010/main" xmlns="" w="9525">
+                <a14:hiddenLine xmlns="" xmlns:a14="http://schemas.microsoft.com/office/drawing/2010/main" w="9525">
                   <a:solidFill>
                     <a:srgbClr val="000000"/>
                   </a:solidFill>
@@ -4265,7 +4265,7 @@
             </a:ln>
             <a:extLst>
               <a:ext uri="{91240B29-F687-4f45-9708-019B960494DF}">
-                <a14:hiddenLine xmlns:a14="http://schemas.microsoft.com/office/drawing/2010/main" xmlns="" w="9525">
+                <a14:hiddenLine xmlns="" xmlns:a14="http://schemas.microsoft.com/office/drawing/2010/main" w="9525">
                   <a:solidFill>
                     <a:srgbClr val="000000"/>
                   </a:solidFill>
@@ -9079,7 +9079,7 @@
           <a:noFill/>
           <a:extLst>
             <a:ext uri="{909E8E84-426E-40dd-AFC4-6F175D3DCCD1}">
-              <a14:hiddenFill xmlns:a14="http://schemas.microsoft.com/office/drawing/2010/main" xmlns="">
+              <a14:hiddenFill xmlns="" xmlns:a14="http://schemas.microsoft.com/office/drawing/2010/main">
                 <a:solidFill>
                   <a:srgbClr val="FFFFFF"/>
                 </a:solidFill>
@@ -9153,7 +9153,7 @@
               </a:ln>
               <a:extLst>
                 <a:ext uri="{91240B29-F687-4f45-9708-019B960494DF}">
-                  <a14:hiddenLine xmlns:a14="http://schemas.microsoft.com/office/drawing/2010/main" xmlns="" w="9525">
+                  <a14:hiddenLine xmlns="" xmlns:a14="http://schemas.microsoft.com/office/drawing/2010/main" w="9525">
                     <a:solidFill>
                       <a:srgbClr val="000000"/>
                     </a:solidFill>
@@ -9243,7 +9243,7 @@
               </a:ln>
               <a:extLst>
                 <a:ext uri="{91240B29-F687-4f45-9708-019B960494DF}">
-                  <a14:hiddenLine xmlns:a14="http://schemas.microsoft.com/office/drawing/2010/main" xmlns="" w="9525">
+                  <a14:hiddenLine xmlns="" xmlns:a14="http://schemas.microsoft.com/office/drawing/2010/main" w="9525">
                     <a:solidFill>
                       <a:srgbClr val="000000"/>
                     </a:solidFill>
@@ -9333,7 +9333,7 @@
               </a:ln>
               <a:extLst>
                 <a:ext uri="{91240B29-F687-4f45-9708-019B960494DF}">
-                  <a14:hiddenLine xmlns:a14="http://schemas.microsoft.com/office/drawing/2010/main" xmlns="" w="9525">
+                  <a14:hiddenLine xmlns="" xmlns:a14="http://schemas.microsoft.com/office/drawing/2010/main" w="9525">
                     <a:solidFill>
                       <a:srgbClr val="000000"/>
                     </a:solidFill>
@@ -9395,7 +9395,7 @@
               </a:ln>
               <a:extLst>
                 <a:ext uri="{91240B29-F687-4f45-9708-019B960494DF}">
-                  <a14:hiddenLine xmlns:a14="http://schemas.microsoft.com/office/drawing/2010/main" xmlns="" w="9525">
+                  <a14:hiddenLine xmlns="" xmlns:a14="http://schemas.microsoft.com/office/drawing/2010/main" w="9525">
                     <a:solidFill>
                       <a:srgbClr val="000000"/>
                     </a:solidFill>
@@ -9485,7 +9485,7 @@
               </a:ln>
               <a:extLst>
                 <a:ext uri="{91240B29-F687-4f45-9708-019B960494DF}">
-                  <a14:hiddenLine xmlns:a14="http://schemas.microsoft.com/office/drawing/2010/main" xmlns="" w="9525">
+                  <a14:hiddenLine xmlns="" xmlns:a14="http://schemas.microsoft.com/office/drawing/2010/main" w="9525">
                     <a:solidFill>
                       <a:srgbClr val="000000"/>
                     </a:solidFill>
@@ -9547,7 +9547,7 @@
               </a:ln>
               <a:extLst>
                 <a:ext uri="{91240B29-F687-4f45-9708-019B960494DF}">
-                  <a14:hiddenLine xmlns:a14="http://schemas.microsoft.com/office/drawing/2010/main" xmlns="" w="9525">
+                  <a14:hiddenLine xmlns="" xmlns:a14="http://schemas.microsoft.com/office/drawing/2010/main" w="9525">
                     <a:solidFill>
                       <a:srgbClr val="000000"/>
                     </a:solidFill>
@@ -9609,7 +9609,7 @@
               </a:ln>
               <a:extLst>
                 <a:ext uri="{91240B29-F687-4f45-9708-019B960494DF}">
-                  <a14:hiddenLine xmlns:a14="http://schemas.microsoft.com/office/drawing/2010/main" xmlns="" w="9525">
+                  <a14:hiddenLine xmlns="" xmlns:a14="http://schemas.microsoft.com/office/drawing/2010/main" w="9525">
                     <a:solidFill>
                       <a:srgbClr val="000000"/>
                     </a:solidFill>
@@ -9699,7 +9699,7 @@
               </a:ln>
               <a:extLst>
                 <a:ext uri="{91240B29-F687-4f45-9708-019B960494DF}">
-                  <a14:hiddenLine xmlns:a14="http://schemas.microsoft.com/office/drawing/2010/main" xmlns="" w="9525">
+                  <a14:hiddenLine xmlns="" xmlns:a14="http://schemas.microsoft.com/office/drawing/2010/main" w="9525">
                     <a:solidFill>
                       <a:srgbClr val="000000"/>
                     </a:solidFill>
@@ -9789,7 +9789,7 @@
               </a:ln>
               <a:extLst>
                 <a:ext uri="{91240B29-F687-4f45-9708-019B960494DF}">
-                  <a14:hiddenLine xmlns:a14="http://schemas.microsoft.com/office/drawing/2010/main" xmlns="" w="9525">
+                  <a14:hiddenLine xmlns="" xmlns:a14="http://schemas.microsoft.com/office/drawing/2010/main" w="9525">
                     <a:solidFill>
                       <a:srgbClr val="000000"/>
                     </a:solidFill>
@@ -9851,7 +9851,7 @@
               </a:ln>
               <a:extLst>
                 <a:ext uri="{91240B29-F687-4f45-9708-019B960494DF}">
-                  <a14:hiddenLine xmlns:a14="http://schemas.microsoft.com/office/drawing/2010/main" xmlns="" w="9525">
+                  <a14:hiddenLine xmlns="" xmlns:a14="http://schemas.microsoft.com/office/drawing/2010/main" w="9525">
                     <a:solidFill>
                       <a:srgbClr val="000000"/>
                     </a:solidFill>
@@ -9961,7 +9961,7 @@
               </a:ln>
               <a:extLst>
                 <a:ext uri="{91240B29-F687-4f45-9708-019B960494DF}">
-                  <a14:hiddenLine xmlns:a14="http://schemas.microsoft.com/office/drawing/2010/main" xmlns="" w="9525">
+                  <a14:hiddenLine xmlns="" xmlns:a14="http://schemas.microsoft.com/office/drawing/2010/main" w="9525">
                     <a:solidFill>
                       <a:srgbClr val="000000"/>
                     </a:solidFill>
@@ -10045,7 +10045,7 @@
               </a:ln>
               <a:extLst>
                 <a:ext uri="{91240B29-F687-4f45-9708-019B960494DF}">
-                  <a14:hiddenLine xmlns:a14="http://schemas.microsoft.com/office/drawing/2010/main" xmlns="" w="9525">
+                  <a14:hiddenLine xmlns="" xmlns:a14="http://schemas.microsoft.com/office/drawing/2010/main" w="9525">
                     <a:solidFill>
                       <a:srgbClr val="000000"/>
                     </a:solidFill>
@@ -10107,7 +10107,7 @@
               </a:ln>
               <a:extLst>
                 <a:ext uri="{91240B29-F687-4f45-9708-019B960494DF}">
-                  <a14:hiddenLine xmlns:a14="http://schemas.microsoft.com/office/drawing/2010/main" xmlns="" w="9525">
+                  <a14:hiddenLine xmlns="" xmlns:a14="http://schemas.microsoft.com/office/drawing/2010/main" w="9525">
                     <a:solidFill>
                       <a:srgbClr val="000000"/>
                     </a:solidFill>
@@ -10169,7 +10169,7 @@
               </a:ln>
               <a:extLst>
                 <a:ext uri="{91240B29-F687-4f45-9708-019B960494DF}">
-                  <a14:hiddenLine xmlns:a14="http://schemas.microsoft.com/office/drawing/2010/main" xmlns="" w="9525">
+                  <a14:hiddenLine xmlns="" xmlns:a14="http://schemas.microsoft.com/office/drawing/2010/main" w="9525">
                     <a:solidFill>
                       <a:srgbClr val="000000"/>
                     </a:solidFill>
@@ -10259,7 +10259,7 @@
               </a:ln>
               <a:extLst>
                 <a:ext uri="{91240B29-F687-4f45-9708-019B960494DF}">
-                  <a14:hiddenLine xmlns:a14="http://schemas.microsoft.com/office/drawing/2010/main" xmlns="" w="9525">
+                  <a14:hiddenLine xmlns="" xmlns:a14="http://schemas.microsoft.com/office/drawing/2010/main" w="9525">
                     <a:solidFill>
                       <a:srgbClr val="000000"/>
                     </a:solidFill>
@@ -10293,7 +10293,7 @@
               </a:ln>
               <a:extLst>
                 <a:ext uri="{91240B29-F687-4f45-9708-019B960494DF}">
-                  <a14:hiddenLine xmlns:a14="http://schemas.microsoft.com/office/drawing/2010/main" xmlns="" w="9525">
+                  <a14:hiddenLine xmlns="" xmlns:a14="http://schemas.microsoft.com/office/drawing/2010/main" w="9525">
                     <a:solidFill>
                       <a:srgbClr val="000000"/>
                     </a:solidFill>
@@ -10358,7 +10358,7 @@
               </a:ln>
               <a:extLst>
                 <a:ext uri="{91240B29-F687-4f45-9708-019B960494DF}">
-                  <a14:hiddenLine xmlns:a14="http://schemas.microsoft.com/office/drawing/2010/main" xmlns="" w="9525">
+                  <a14:hiddenLine xmlns="" xmlns:a14="http://schemas.microsoft.com/office/drawing/2010/main" w="9525">
                     <a:solidFill>
                       <a:srgbClr val="000000"/>
                     </a:solidFill>
@@ -10448,7 +10448,7 @@
               </a:ln>
               <a:extLst>
                 <a:ext uri="{91240B29-F687-4f45-9708-019B960494DF}">
-                  <a14:hiddenLine xmlns:a14="http://schemas.microsoft.com/office/drawing/2010/main" xmlns="" w="9525">
+                  <a14:hiddenLine xmlns="" xmlns:a14="http://schemas.microsoft.com/office/drawing/2010/main" w="9525">
                     <a:solidFill>
                       <a:srgbClr val="000000"/>
                     </a:solidFill>
@@ -10510,7 +10510,7 @@
               </a:ln>
               <a:extLst>
                 <a:ext uri="{91240B29-F687-4f45-9708-019B960494DF}">
-                  <a14:hiddenLine xmlns:a14="http://schemas.microsoft.com/office/drawing/2010/main" xmlns="" w="9525">
+                  <a14:hiddenLine xmlns="" xmlns:a14="http://schemas.microsoft.com/office/drawing/2010/main" w="9525">
                     <a:solidFill>
                       <a:srgbClr val="000000"/>
                     </a:solidFill>
@@ -10600,7 +10600,7 @@
               </a:ln>
               <a:extLst>
                 <a:ext uri="{91240B29-F687-4f45-9708-019B960494DF}">
-                  <a14:hiddenLine xmlns:a14="http://schemas.microsoft.com/office/drawing/2010/main" xmlns="" w="9525">
+                  <a14:hiddenLine xmlns="" xmlns:a14="http://schemas.microsoft.com/office/drawing/2010/main" w="9525">
                     <a:solidFill>
                       <a:srgbClr val="000000"/>
                     </a:solidFill>
@@ -10665,7 +10665,7 @@
               </a:ln>
               <a:extLst>
                 <a:ext uri="{91240B29-F687-4f45-9708-019B960494DF}">
-                  <a14:hiddenLine xmlns:a14="http://schemas.microsoft.com/office/drawing/2010/main" xmlns="" w="9525">
+                  <a14:hiddenLine xmlns="" xmlns:a14="http://schemas.microsoft.com/office/drawing/2010/main" w="9525">
                     <a:solidFill>
                       <a:srgbClr val="000000"/>
                     </a:solidFill>
@@ -10727,7 +10727,7 @@
               </a:ln>
               <a:extLst>
                 <a:ext uri="{91240B29-F687-4f45-9708-019B960494DF}">
-                  <a14:hiddenLine xmlns:a14="http://schemas.microsoft.com/office/drawing/2010/main" xmlns="" w="9525">
+                  <a14:hiddenLine xmlns="" xmlns:a14="http://schemas.microsoft.com/office/drawing/2010/main" w="9525">
                     <a:solidFill>
                       <a:srgbClr val="000000"/>
                     </a:solidFill>
@@ -10817,7 +10817,7 @@
               </a:ln>
               <a:extLst>
                 <a:ext uri="{91240B29-F687-4f45-9708-019B960494DF}">
-                  <a14:hiddenLine xmlns:a14="http://schemas.microsoft.com/office/drawing/2010/main" xmlns="" w="9525">
+                  <a14:hiddenLine xmlns="" xmlns:a14="http://schemas.microsoft.com/office/drawing/2010/main" w="9525">
                     <a:solidFill>
                       <a:srgbClr val="000000"/>
                     </a:solidFill>
@@ -10907,7 +10907,7 @@
               </a:ln>
               <a:extLst>
                 <a:ext uri="{91240B29-F687-4f45-9708-019B960494DF}">
-                  <a14:hiddenLine xmlns:a14="http://schemas.microsoft.com/office/drawing/2010/main" xmlns="" w="9525">
+                  <a14:hiddenLine xmlns="" xmlns:a14="http://schemas.microsoft.com/office/drawing/2010/main" w="9525">
                     <a:solidFill>
                       <a:srgbClr val="000000"/>
                     </a:solidFill>
@@ -10972,7 +10972,7 @@
               </a:ln>
               <a:extLst>
                 <a:ext uri="{91240B29-F687-4f45-9708-019B960494DF}">
-                  <a14:hiddenLine xmlns:a14="http://schemas.microsoft.com/office/drawing/2010/main" xmlns="" w="9525">
+                  <a14:hiddenLine xmlns="" xmlns:a14="http://schemas.microsoft.com/office/drawing/2010/main" w="9525">
                     <a:solidFill>
                       <a:srgbClr val="000000"/>
                     </a:solidFill>
@@ -11092,7 +11092,7 @@
               </a:ln>
               <a:extLst>
                 <a:ext uri="{91240B29-F687-4f45-9708-019B960494DF}">
-                  <a14:hiddenLine xmlns:a14="http://schemas.microsoft.com/office/drawing/2010/main" xmlns="" w="9525">
+                  <a14:hiddenLine xmlns="" xmlns:a14="http://schemas.microsoft.com/office/drawing/2010/main" w="9525">
                     <a:solidFill>
                       <a:srgbClr val="000000"/>
                     </a:solidFill>
@@ -11173,7 +11173,7 @@
               </a:ln>
               <a:extLst>
                 <a:ext uri="{91240B29-F687-4f45-9708-019B960494DF}">
-                  <a14:hiddenLine xmlns:a14="http://schemas.microsoft.com/office/drawing/2010/main" xmlns="" w="9525">
+                  <a14:hiddenLine xmlns="" xmlns:a14="http://schemas.microsoft.com/office/drawing/2010/main" w="9525">
                     <a:solidFill>
                       <a:srgbClr val="000000"/>
                     </a:solidFill>
@@ -11288,7 +11288,7 @@
               </a:ln>
               <a:extLst>
                 <a:ext uri="{91240B29-F687-4f45-9708-019B960494DF}">
-                  <a14:hiddenLine xmlns:a14="http://schemas.microsoft.com/office/drawing/2010/main" xmlns="" w="9525">
+                  <a14:hiddenLine xmlns="" xmlns:a14="http://schemas.microsoft.com/office/drawing/2010/main" w="9525">
                     <a:solidFill>
                       <a:srgbClr val="000000"/>
                     </a:solidFill>
@@ -11378,7 +11378,7 @@
               </a:ln>
               <a:extLst>
                 <a:ext uri="{91240B29-F687-4f45-9708-019B960494DF}">
-                  <a14:hiddenLine xmlns:a14="http://schemas.microsoft.com/office/drawing/2010/main" xmlns="" w="9525">
+                  <a14:hiddenLine xmlns="" xmlns:a14="http://schemas.microsoft.com/office/drawing/2010/main" w="9525">
                     <a:solidFill>
                       <a:srgbClr val="000000"/>
                     </a:solidFill>
@@ -11443,7 +11443,7 @@
               </a:ln>
               <a:extLst>
                 <a:ext uri="{91240B29-F687-4f45-9708-019B960494DF}">
-                  <a14:hiddenLine xmlns:a14="http://schemas.microsoft.com/office/drawing/2010/main" xmlns="" w="9525">
+                  <a14:hiddenLine xmlns="" xmlns:a14="http://schemas.microsoft.com/office/drawing/2010/main" w="9525">
                     <a:solidFill>
                       <a:srgbClr val="000000"/>
                     </a:solidFill>
@@ -11533,7 +11533,7 @@
               </a:ln>
               <a:extLst>
                 <a:ext uri="{91240B29-F687-4f45-9708-019B960494DF}">
-                  <a14:hiddenLine xmlns:a14="http://schemas.microsoft.com/office/drawing/2010/main" xmlns="" w="9525">
+                  <a14:hiddenLine xmlns="" xmlns:a14="http://schemas.microsoft.com/office/drawing/2010/main" w="9525">
                     <a:solidFill>
                       <a:srgbClr val="000000"/>
                     </a:solidFill>
@@ -11601,7 +11601,7 @@
               </a:ln>
               <a:extLst>
                 <a:ext uri="{91240B29-F687-4f45-9708-019B960494DF}">
-                  <a14:hiddenLine xmlns:a14="http://schemas.microsoft.com/office/drawing/2010/main" xmlns="" w="9525">
+                  <a14:hiddenLine xmlns="" xmlns:a14="http://schemas.microsoft.com/office/drawing/2010/main" w="9525">
                     <a:solidFill>
                       <a:srgbClr val="000000"/>
                     </a:solidFill>
@@ -11691,7 +11691,7 @@
               </a:ln>
               <a:extLst>
                 <a:ext uri="{91240B29-F687-4f45-9708-019B960494DF}">
-                  <a14:hiddenLine xmlns:a14="http://schemas.microsoft.com/office/drawing/2010/main" xmlns="" w="9525">
+                  <a14:hiddenLine xmlns="" xmlns:a14="http://schemas.microsoft.com/office/drawing/2010/main" w="9525">
                     <a:solidFill>
                       <a:srgbClr val="000000"/>
                     </a:solidFill>
@@ -11759,7 +11759,7 @@
               </a:ln>
               <a:extLst>
                 <a:ext uri="{91240B29-F687-4f45-9708-019B960494DF}">
-                  <a14:hiddenLine xmlns:a14="http://schemas.microsoft.com/office/drawing/2010/main" xmlns="" w="9525">
+                  <a14:hiddenLine xmlns="" xmlns:a14="http://schemas.microsoft.com/office/drawing/2010/main" w="9525">
                     <a:solidFill>
                       <a:srgbClr val="000000"/>
                     </a:solidFill>
@@ -11849,7 +11849,7 @@
               </a:ln>
               <a:extLst>
                 <a:ext uri="{91240B29-F687-4f45-9708-019B960494DF}">
-                  <a14:hiddenLine xmlns:a14="http://schemas.microsoft.com/office/drawing/2010/main" xmlns="" w="9525">
+                  <a14:hiddenLine xmlns="" xmlns:a14="http://schemas.microsoft.com/office/drawing/2010/main" w="9525">
                     <a:solidFill>
                       <a:srgbClr val="000000"/>
                     </a:solidFill>
@@ -11883,7 +11883,7 @@
               </a:ln>
               <a:extLst>
                 <a:ext uri="{91240B29-F687-4f45-9708-019B960494DF}">
-                  <a14:hiddenLine xmlns:a14="http://schemas.microsoft.com/office/drawing/2010/main" xmlns="" w="9525">
+                  <a14:hiddenLine xmlns="" xmlns:a14="http://schemas.microsoft.com/office/drawing/2010/main" w="9525">
                     <a:solidFill>
                       <a:srgbClr val="000000"/>
                     </a:solidFill>
@@ -12738,6 +12738,89 @@
           </a:p>
         </p:txBody>
       </p:sp>
+      <p:sp>
+        <p:nvSpPr>
+          <p:cNvPr id="3" name="CuadroTexto 2">
+            <a:extLst>
+              <a:ext uri="{FF2B5EF4-FFF2-40B4-BE49-F238E27FC236}">
+                <a16:creationId xmlns:a16="http://schemas.microsoft.com/office/drawing/2014/main" id="{DB451F27-448E-A169-5BB5-A0C77AAFA8AD}"/>
+              </a:ext>
+            </a:extLst>
+          </p:cNvPr>
+          <p:cNvSpPr txBox="1"/>
+          <p:nvPr/>
+        </p:nvSpPr>
+        <p:spPr>
+          <a:xfrm>
+            <a:off x="692009" y="2843647"/>
+            <a:ext cx="4260184" cy="369332"/>
+          </a:xfrm>
+          <a:prstGeom prst="rect">
+            <a:avLst/>
+          </a:prstGeom>
+          <a:noFill/>
+        </p:spPr>
+        <p:txBody>
+          <a:bodyPr wrap="square" rtlCol="0">
+            <a:spAutoFit/>
+          </a:bodyPr>
+          <a:lstStyle/>
+          <a:p>
+            <a:r>
+              <a:rPr lang="es-PE" dirty="0"/>
+              <a:t>Librería pandas versión 2.1.4</a:t>
+            </a:r>
+            <a:endParaRPr lang="es-ES" dirty="0"/>
+          </a:p>
+        </p:txBody>
+      </p:sp>
+      <p:pic>
+        <p:nvPicPr>
+          <p:cNvPr id="1026" name="Picture 2" descr="pandas (software) - Wikipedia">
+            <a:extLst>
+              <a:ext uri="{FF2B5EF4-FFF2-40B4-BE49-F238E27FC236}">
+                <a16:creationId xmlns:a16="http://schemas.microsoft.com/office/drawing/2014/main" id="{5735E0C7-7654-7A0A-81EC-406CC0ABA480}"/>
+              </a:ext>
+            </a:extLst>
+          </p:cNvPr>
+          <p:cNvPicPr>
+            <a:picLocks noChangeAspect="1" noChangeArrowheads="1"/>
+          </p:cNvPicPr>
+          <p:nvPr/>
+        </p:nvPicPr>
+        <p:blipFill>
+          <a:blip r:embed="rId2">
+            <a:extLst>
+              <a:ext uri="{28A0092B-C50C-407E-A947-70E740481C1C}">
+                <a14:useLocalDpi xmlns:a14="http://schemas.microsoft.com/office/drawing/2010/main" val="0"/>
+              </a:ext>
+            </a:extLst>
+          </a:blip>
+          <a:srcRect/>
+          <a:stretch>
+            <a:fillRect/>
+          </a:stretch>
+        </p:blipFill>
+        <p:spPr bwMode="auto">
+          <a:xfrm>
+            <a:off x="662581" y="1203883"/>
+            <a:ext cx="3673376" cy="1484656"/>
+          </a:xfrm>
+          <a:prstGeom prst="rect">
+            <a:avLst/>
+          </a:prstGeom>
+          <a:noFill/>
+          <a:extLst>
+            <a:ext uri="{909E8E84-426E-40DD-AFC4-6F175D3DCCD1}">
+              <a14:hiddenFill xmlns:a14="http://schemas.microsoft.com/office/drawing/2010/main">
+                <a:solidFill>
+                  <a:srgbClr val="FFFFFF"/>
+                </a:solidFill>
+              </a14:hiddenFill>
+            </a:ext>
+          </a:extLst>
+        </p:spPr>
+      </p:pic>
     </p:spTree>
     <p:extLst>
       <p:ext uri="{BB962C8B-B14F-4D97-AF65-F5344CB8AC3E}">
@@ -13640,6 +13723,41 @@
           </p:spPr>
         </p:pic>
       </p:grpSp>
+      <p:sp>
+        <p:nvSpPr>
+          <p:cNvPr id="3" name="CuadroTexto 2">
+            <a:extLst>
+              <a:ext uri="{FF2B5EF4-FFF2-40B4-BE49-F238E27FC236}">
+                <a16:creationId xmlns:a16="http://schemas.microsoft.com/office/drawing/2014/main" id="{4831FFCD-F188-F942-BF9A-8B4E9F373CE9}"/>
+              </a:ext>
+            </a:extLst>
+          </p:cNvPr>
+          <p:cNvSpPr txBox="1"/>
+          <p:nvPr/>
+        </p:nvSpPr>
+        <p:spPr>
+          <a:xfrm>
+            <a:off x="1081479" y="3948851"/>
+            <a:ext cx="4788616" cy="646331"/>
+          </a:xfrm>
+          <a:prstGeom prst="rect">
+            <a:avLst/>
+          </a:prstGeom>
+          <a:noFill/>
+        </p:spPr>
+        <p:txBody>
+          <a:bodyPr wrap="square" rtlCol="0">
+            <a:spAutoFit/>
+          </a:bodyPr>
+          <a:lstStyle/>
+          <a:p>
+            <a:r>
+              <a:rPr lang="es-ES" dirty="0"/>
+              <a:t>https://www.kaggle.com/datasets/mrsimple07/laptoppriceprediction</a:t>
+            </a:r>
+          </a:p>
+        </p:txBody>
+      </p:sp>
     </p:spTree>
     <p:extLst>
       <p:ext uri="{BB962C8B-B14F-4D97-AF65-F5344CB8AC3E}">

--- a/PROYECTO-MACHINE-LEARNING.pptx
+++ b/PROYECTO-MACHINE-LEARNING.pptx
@@ -180,7 +180,7 @@
           <a:noFill/>
           <a:extLst>
             <a:ext uri="{909E8E84-426E-40dd-AFC4-6F175D3DCCD1}">
-              <a14:hiddenFill xmlns="" xmlns:a14="http://schemas.microsoft.com/office/drawing/2010/main">
+              <a14:hiddenFill xmlns:a14="http://schemas.microsoft.com/office/drawing/2010/main" xmlns="">
                 <a:solidFill>
                   <a:srgbClr val="FFFFFF"/>
                 </a:solidFill>
@@ -239,7 +239,7 @@
             </a:ln>
             <a:extLst>
               <a:ext uri="{91240B29-F687-4f45-9708-019B960494DF}">
-                <a14:hiddenLine xmlns="" xmlns:a14="http://schemas.microsoft.com/office/drawing/2010/main" w="9525">
+                <a14:hiddenLine xmlns:a14="http://schemas.microsoft.com/office/drawing/2010/main" xmlns="" w="9525">
                   <a:solidFill>
                     <a:srgbClr val="000000"/>
                   </a:solidFill>
@@ -329,7 +329,7 @@
             </a:ln>
             <a:extLst>
               <a:ext uri="{91240B29-F687-4f45-9708-019B960494DF}">
-                <a14:hiddenLine xmlns="" xmlns:a14="http://schemas.microsoft.com/office/drawing/2010/main" w="9525">
+                <a14:hiddenLine xmlns:a14="http://schemas.microsoft.com/office/drawing/2010/main" xmlns="" w="9525">
                   <a:solidFill>
                     <a:srgbClr val="000000"/>
                   </a:solidFill>
@@ -419,7 +419,7 @@
             </a:ln>
             <a:extLst>
               <a:ext uri="{91240B29-F687-4f45-9708-019B960494DF}">
-                <a14:hiddenLine xmlns="" xmlns:a14="http://schemas.microsoft.com/office/drawing/2010/main" w="9525">
+                <a14:hiddenLine xmlns:a14="http://schemas.microsoft.com/office/drawing/2010/main" xmlns="" w="9525">
                   <a:solidFill>
                     <a:srgbClr val="000000"/>
                   </a:solidFill>
@@ -453,7 +453,7 @@
             </a:ln>
             <a:extLst>
               <a:ext uri="{91240B29-F687-4f45-9708-019B960494DF}">
-                <a14:hiddenLine xmlns="" xmlns:a14="http://schemas.microsoft.com/office/drawing/2010/main" w="9525">
+                <a14:hiddenLine xmlns:a14="http://schemas.microsoft.com/office/drawing/2010/main" xmlns="" w="9525">
                   <a:solidFill>
                     <a:srgbClr val="000000"/>
                   </a:solidFill>
@@ -543,7 +543,7 @@
             </a:ln>
             <a:extLst>
               <a:ext uri="{91240B29-F687-4f45-9708-019B960494DF}">
-                <a14:hiddenLine xmlns="" xmlns:a14="http://schemas.microsoft.com/office/drawing/2010/main" w="9525">
+                <a14:hiddenLine xmlns:a14="http://schemas.microsoft.com/office/drawing/2010/main" xmlns="" w="9525">
                   <a:solidFill>
                     <a:srgbClr val="000000"/>
                   </a:solidFill>
@@ -605,7 +605,7 @@
             </a:ln>
             <a:extLst>
               <a:ext uri="{91240B29-F687-4f45-9708-019B960494DF}">
-                <a14:hiddenLine xmlns="" xmlns:a14="http://schemas.microsoft.com/office/drawing/2010/main" w="9525">
+                <a14:hiddenLine xmlns:a14="http://schemas.microsoft.com/office/drawing/2010/main" xmlns="" w="9525">
                   <a:solidFill>
                     <a:srgbClr val="000000"/>
                   </a:solidFill>
@@ -667,7 +667,7 @@
             </a:ln>
             <a:extLst>
               <a:ext uri="{91240B29-F687-4f45-9708-019B960494DF}">
-                <a14:hiddenLine xmlns="" xmlns:a14="http://schemas.microsoft.com/office/drawing/2010/main" w="9525">
+                <a14:hiddenLine xmlns:a14="http://schemas.microsoft.com/office/drawing/2010/main" xmlns="" w="9525">
                   <a:solidFill>
                     <a:srgbClr val="000000"/>
                   </a:solidFill>
@@ -757,7 +757,7 @@
             </a:ln>
             <a:extLst>
               <a:ext uri="{91240B29-F687-4f45-9708-019B960494DF}">
-                <a14:hiddenLine xmlns="" xmlns:a14="http://schemas.microsoft.com/office/drawing/2010/main" w="9525">
+                <a14:hiddenLine xmlns:a14="http://schemas.microsoft.com/office/drawing/2010/main" xmlns="" w="9525">
                   <a:solidFill>
                     <a:srgbClr val="000000"/>
                   </a:solidFill>
@@ -819,7 +819,7 @@
             </a:ln>
             <a:extLst>
               <a:ext uri="{91240B29-F687-4f45-9708-019B960494DF}">
-                <a14:hiddenLine xmlns="" xmlns:a14="http://schemas.microsoft.com/office/drawing/2010/main" w="9525">
+                <a14:hiddenLine xmlns:a14="http://schemas.microsoft.com/office/drawing/2010/main" xmlns="" w="9525">
                   <a:solidFill>
                     <a:srgbClr val="000000"/>
                   </a:solidFill>
@@ -881,7 +881,7 @@
             </a:ln>
             <a:extLst>
               <a:ext uri="{91240B29-F687-4f45-9708-019B960494DF}">
-                <a14:hiddenLine xmlns="" xmlns:a14="http://schemas.microsoft.com/office/drawing/2010/main" w="9525">
+                <a14:hiddenLine xmlns:a14="http://schemas.microsoft.com/office/drawing/2010/main" xmlns="" w="9525">
                   <a:solidFill>
                     <a:srgbClr val="000000"/>
                   </a:solidFill>
@@ -971,7 +971,7 @@
             </a:ln>
             <a:extLst>
               <a:ext uri="{91240B29-F687-4f45-9708-019B960494DF}">
-                <a14:hiddenLine xmlns="" xmlns:a14="http://schemas.microsoft.com/office/drawing/2010/main" w="9525">
+                <a14:hiddenLine xmlns:a14="http://schemas.microsoft.com/office/drawing/2010/main" xmlns="" w="9525">
                   <a:solidFill>
                     <a:srgbClr val="000000"/>
                   </a:solidFill>
@@ -1061,7 +1061,7 @@
             </a:ln>
             <a:extLst>
               <a:ext uri="{91240B29-F687-4f45-9708-019B960494DF}">
-                <a14:hiddenLine xmlns="" xmlns:a14="http://schemas.microsoft.com/office/drawing/2010/main" w="9525">
+                <a14:hiddenLine xmlns:a14="http://schemas.microsoft.com/office/drawing/2010/main" xmlns="" w="9525">
                   <a:solidFill>
                     <a:srgbClr val="000000"/>
                   </a:solidFill>
@@ -1123,7 +1123,7 @@
             </a:ln>
             <a:extLst>
               <a:ext uri="{91240B29-F687-4f45-9708-019B960494DF}">
-                <a14:hiddenLine xmlns="" xmlns:a14="http://schemas.microsoft.com/office/drawing/2010/main" w="9525">
+                <a14:hiddenLine xmlns:a14="http://schemas.microsoft.com/office/drawing/2010/main" xmlns="" w="9525">
                   <a:solidFill>
                     <a:srgbClr val="000000"/>
                   </a:solidFill>
@@ -1233,7 +1233,7 @@
             </a:ln>
             <a:extLst>
               <a:ext uri="{91240B29-F687-4f45-9708-019B960494DF}">
-                <a14:hiddenLine xmlns="" xmlns:a14="http://schemas.microsoft.com/office/drawing/2010/main" w="9525">
+                <a14:hiddenLine xmlns:a14="http://schemas.microsoft.com/office/drawing/2010/main" xmlns="" w="9525">
                   <a:solidFill>
                     <a:srgbClr val="000000"/>
                   </a:solidFill>
@@ -1295,7 +1295,7 @@
             </a:ln>
             <a:extLst>
               <a:ext uri="{91240B29-F687-4f45-9708-019B960494DF}">
-                <a14:hiddenLine xmlns="" xmlns:a14="http://schemas.microsoft.com/office/drawing/2010/main" w="9525">
+                <a14:hiddenLine xmlns:a14="http://schemas.microsoft.com/office/drawing/2010/main" xmlns="" w="9525">
                   <a:solidFill>
                     <a:srgbClr val="000000"/>
                   </a:solidFill>
@@ -1385,7 +1385,7 @@
             </a:ln>
             <a:extLst>
               <a:ext uri="{91240B29-F687-4f45-9708-019B960494DF}">
-                <a14:hiddenLine xmlns="" xmlns:a14="http://schemas.microsoft.com/office/drawing/2010/main" w="9525">
+                <a14:hiddenLine xmlns:a14="http://schemas.microsoft.com/office/drawing/2010/main" xmlns="" w="9525">
                   <a:solidFill>
                     <a:srgbClr val="000000"/>
                   </a:solidFill>
@@ -1475,7 +1475,7 @@
             </a:ln>
             <a:extLst>
               <a:ext uri="{91240B29-F687-4f45-9708-019B960494DF}">
-                <a14:hiddenLine xmlns="" xmlns:a14="http://schemas.microsoft.com/office/drawing/2010/main" w="9525">
+                <a14:hiddenLine xmlns:a14="http://schemas.microsoft.com/office/drawing/2010/main" xmlns="" w="9525">
                   <a:solidFill>
                     <a:srgbClr val="000000"/>
                   </a:solidFill>
@@ -1537,7 +1537,7 @@
             </a:ln>
             <a:extLst>
               <a:ext uri="{91240B29-F687-4f45-9708-019B960494DF}">
-                <a14:hiddenLine xmlns="" xmlns:a14="http://schemas.microsoft.com/office/drawing/2010/main" w="9525">
+                <a14:hiddenLine xmlns:a14="http://schemas.microsoft.com/office/drawing/2010/main" xmlns="" w="9525">
                   <a:solidFill>
                     <a:srgbClr val="000000"/>
                   </a:solidFill>
@@ -1627,7 +1627,7 @@
             </a:ln>
             <a:extLst>
               <a:ext uri="{91240B29-F687-4f45-9708-019B960494DF}">
-                <a14:hiddenLine xmlns="" xmlns:a14="http://schemas.microsoft.com/office/drawing/2010/main" w="9525">
+                <a14:hiddenLine xmlns:a14="http://schemas.microsoft.com/office/drawing/2010/main" xmlns="" w="9525">
                   <a:solidFill>
                     <a:srgbClr val="000000"/>
                   </a:solidFill>
@@ -1717,7 +1717,7 @@
             </a:ln>
             <a:extLst>
               <a:ext uri="{91240B29-F687-4f45-9708-019B960494DF}">
-                <a14:hiddenLine xmlns="" xmlns:a14="http://schemas.microsoft.com/office/drawing/2010/main" w="9525">
+                <a14:hiddenLine xmlns:a14="http://schemas.microsoft.com/office/drawing/2010/main" xmlns="" w="9525">
                   <a:solidFill>
                     <a:srgbClr val="000000"/>
                   </a:solidFill>
@@ -1773,7 +1773,7 @@
             </a:ln>
             <a:extLst>
               <a:ext uri="{91240B29-F687-4f45-9708-019B960494DF}">
-                <a14:hiddenLine xmlns="" xmlns:a14="http://schemas.microsoft.com/office/drawing/2010/main" w="9525">
+                <a14:hiddenLine xmlns:a14="http://schemas.microsoft.com/office/drawing/2010/main" xmlns="" w="9525">
                   <a:solidFill>
                     <a:srgbClr val="000000"/>
                   </a:solidFill>
@@ -1863,7 +1863,7 @@
             </a:ln>
             <a:extLst>
               <a:ext uri="{91240B29-F687-4f45-9708-019B960494DF}">
-                <a14:hiddenLine xmlns="" xmlns:a14="http://schemas.microsoft.com/office/drawing/2010/main" w="9525">
+                <a14:hiddenLine xmlns:a14="http://schemas.microsoft.com/office/drawing/2010/main" xmlns="" w="9525">
                   <a:solidFill>
                     <a:srgbClr val="000000"/>
                   </a:solidFill>
@@ -1919,7 +1919,7 @@
             </a:ln>
             <a:extLst>
               <a:ext uri="{91240B29-F687-4f45-9708-019B960494DF}">
-                <a14:hiddenLine xmlns="" xmlns:a14="http://schemas.microsoft.com/office/drawing/2010/main" w="9525">
+                <a14:hiddenLine xmlns:a14="http://schemas.microsoft.com/office/drawing/2010/main" xmlns="" w="9525">
                   <a:solidFill>
                     <a:srgbClr val="000000"/>
                   </a:solidFill>
@@ -2009,7 +2009,7 @@
             </a:ln>
             <a:extLst>
               <a:ext uri="{91240B29-F687-4f45-9708-019B960494DF}">
-                <a14:hiddenLine xmlns="" xmlns:a14="http://schemas.microsoft.com/office/drawing/2010/main" w="9525">
+                <a14:hiddenLine xmlns:a14="http://schemas.microsoft.com/office/drawing/2010/main" xmlns="" w="9525">
                   <a:solidFill>
                     <a:srgbClr val="000000"/>
                   </a:solidFill>
@@ -2077,7 +2077,7 @@
             </a:ln>
             <a:extLst>
               <a:ext uri="{91240B29-F687-4f45-9708-019B960494DF}">
-                <a14:hiddenLine xmlns="" xmlns:a14="http://schemas.microsoft.com/office/drawing/2010/main" w="9525">
+                <a14:hiddenLine xmlns:a14="http://schemas.microsoft.com/office/drawing/2010/main" xmlns="" w="9525">
                   <a:solidFill>
                     <a:srgbClr val="000000"/>
                   </a:solidFill>
@@ -2167,7 +2167,7 @@
             </a:ln>
             <a:extLst>
               <a:ext uri="{91240B29-F687-4f45-9708-019B960494DF}">
-                <a14:hiddenLine xmlns="" xmlns:a14="http://schemas.microsoft.com/office/drawing/2010/main" w="9525">
+                <a14:hiddenLine xmlns:a14="http://schemas.microsoft.com/office/drawing/2010/main" xmlns="" w="9525">
                   <a:solidFill>
                     <a:srgbClr val="000000"/>
                   </a:solidFill>
@@ -2235,7 +2235,7 @@
             </a:ln>
             <a:extLst>
               <a:ext uri="{91240B29-F687-4f45-9708-019B960494DF}">
-                <a14:hiddenLine xmlns="" xmlns:a14="http://schemas.microsoft.com/office/drawing/2010/main" w="9525">
+                <a14:hiddenLine xmlns:a14="http://schemas.microsoft.com/office/drawing/2010/main" xmlns="" w="9525">
                   <a:solidFill>
                     <a:srgbClr val="000000"/>
                   </a:solidFill>
@@ -2325,7 +2325,7 @@
             </a:ln>
             <a:extLst>
               <a:ext uri="{91240B29-F687-4f45-9708-019B960494DF}">
-                <a14:hiddenLine xmlns="" xmlns:a14="http://schemas.microsoft.com/office/drawing/2010/main" w="9525">
+                <a14:hiddenLine xmlns:a14="http://schemas.microsoft.com/office/drawing/2010/main" xmlns="" w="9525">
                   <a:solidFill>
                     <a:srgbClr val="000000"/>
                   </a:solidFill>
@@ -2359,7 +2359,7 @@
             </a:ln>
             <a:extLst>
               <a:ext uri="{91240B29-F687-4f45-9708-019B960494DF}">
-                <a14:hiddenLine xmlns="" xmlns:a14="http://schemas.microsoft.com/office/drawing/2010/main" w="9525">
+                <a14:hiddenLine xmlns:a14="http://schemas.microsoft.com/office/drawing/2010/main" xmlns="" w="9525">
                   <a:solidFill>
                     <a:srgbClr val="000000"/>
                   </a:solidFill>
@@ -2449,7 +2449,7 @@
             </a:ln>
             <a:extLst>
               <a:ext uri="{91240B29-F687-4f45-9708-019B960494DF}">
-                <a14:hiddenLine xmlns="" xmlns:a14="http://schemas.microsoft.com/office/drawing/2010/main" w="9525">
+                <a14:hiddenLine xmlns:a14="http://schemas.microsoft.com/office/drawing/2010/main" xmlns="" w="9525">
                   <a:solidFill>
                     <a:srgbClr val="000000"/>
                   </a:solidFill>
@@ -2511,7 +2511,7 @@
             </a:ln>
             <a:extLst>
               <a:ext uri="{91240B29-F687-4f45-9708-019B960494DF}">
-                <a14:hiddenLine xmlns="" xmlns:a14="http://schemas.microsoft.com/office/drawing/2010/main" w="9525">
+                <a14:hiddenLine xmlns:a14="http://schemas.microsoft.com/office/drawing/2010/main" xmlns="" w="9525">
                   <a:solidFill>
                     <a:srgbClr val="000000"/>
                   </a:solidFill>
@@ -2573,7 +2573,7 @@
             </a:ln>
             <a:extLst>
               <a:ext uri="{91240B29-F687-4f45-9708-019B960494DF}">
-                <a14:hiddenLine xmlns="" xmlns:a14="http://schemas.microsoft.com/office/drawing/2010/main" w="9525">
+                <a14:hiddenLine xmlns:a14="http://schemas.microsoft.com/office/drawing/2010/main" xmlns="" w="9525">
                   <a:solidFill>
                     <a:srgbClr val="000000"/>
                   </a:solidFill>
@@ -2663,7 +2663,7 @@
             </a:ln>
             <a:extLst>
               <a:ext uri="{91240B29-F687-4f45-9708-019B960494DF}">
-                <a14:hiddenLine xmlns="" xmlns:a14="http://schemas.microsoft.com/office/drawing/2010/main" w="9525">
+                <a14:hiddenLine xmlns:a14="http://schemas.microsoft.com/office/drawing/2010/main" xmlns="" w="9525">
                   <a:solidFill>
                     <a:srgbClr val="000000"/>
                   </a:solidFill>
@@ -2731,7 +2731,7 @@
             </a:ln>
             <a:extLst>
               <a:ext uri="{91240B29-F687-4f45-9708-019B960494DF}">
-                <a14:hiddenLine xmlns="" xmlns:a14="http://schemas.microsoft.com/office/drawing/2010/main" w="9525">
+                <a14:hiddenLine xmlns:a14="http://schemas.microsoft.com/office/drawing/2010/main" xmlns="" w="9525">
                   <a:solidFill>
                     <a:srgbClr val="000000"/>
                   </a:solidFill>
@@ -2793,7 +2793,7 @@
             </a:ln>
             <a:extLst>
               <a:ext uri="{91240B29-F687-4f45-9708-019B960494DF}">
-                <a14:hiddenLine xmlns="" xmlns:a14="http://schemas.microsoft.com/office/drawing/2010/main" w="9525">
+                <a14:hiddenLine xmlns:a14="http://schemas.microsoft.com/office/drawing/2010/main" xmlns="" w="9525">
                   <a:solidFill>
                     <a:srgbClr val="000000"/>
                   </a:solidFill>
@@ -2883,7 +2883,7 @@
             </a:ln>
             <a:extLst>
               <a:ext uri="{91240B29-F687-4f45-9708-019B960494DF}">
-                <a14:hiddenLine xmlns="" xmlns:a14="http://schemas.microsoft.com/office/drawing/2010/main" w="9525">
+                <a14:hiddenLine xmlns:a14="http://schemas.microsoft.com/office/drawing/2010/main" xmlns="" w="9525">
                   <a:solidFill>
                     <a:srgbClr val="000000"/>
                   </a:solidFill>
@@ -2945,7 +2945,7 @@
             </a:ln>
             <a:extLst>
               <a:ext uri="{91240B29-F687-4f45-9708-019B960494DF}">
-                <a14:hiddenLine xmlns="" xmlns:a14="http://schemas.microsoft.com/office/drawing/2010/main" w="9525">
+                <a14:hiddenLine xmlns:a14="http://schemas.microsoft.com/office/drawing/2010/main" xmlns="" w="9525">
                   <a:solidFill>
                     <a:srgbClr val="000000"/>
                   </a:solidFill>
@@ -3035,7 +3035,7 @@
             </a:ln>
             <a:extLst>
               <a:ext uri="{91240B29-F687-4f45-9708-019B960494DF}">
-                <a14:hiddenLine xmlns="" xmlns:a14="http://schemas.microsoft.com/office/drawing/2010/main" w="9525">
+                <a14:hiddenLine xmlns:a14="http://schemas.microsoft.com/office/drawing/2010/main" xmlns="" w="9525">
                   <a:solidFill>
                     <a:srgbClr val="000000"/>
                   </a:solidFill>
@@ -3097,7 +3097,7 @@
             </a:ln>
             <a:extLst>
               <a:ext uri="{91240B29-F687-4f45-9708-019B960494DF}">
-                <a14:hiddenLine xmlns="" xmlns:a14="http://schemas.microsoft.com/office/drawing/2010/main" w="9525">
+                <a14:hiddenLine xmlns:a14="http://schemas.microsoft.com/office/drawing/2010/main" xmlns="" w="9525">
                   <a:solidFill>
                     <a:srgbClr val="000000"/>
                   </a:solidFill>
@@ -3187,7 +3187,7 @@
             </a:ln>
             <a:extLst>
               <a:ext uri="{91240B29-F687-4f45-9708-019B960494DF}">
-                <a14:hiddenLine xmlns="" xmlns:a14="http://schemas.microsoft.com/office/drawing/2010/main" w="9525">
+                <a14:hiddenLine xmlns:a14="http://schemas.microsoft.com/office/drawing/2010/main" xmlns="" w="9525">
                   <a:solidFill>
                     <a:srgbClr val="000000"/>
                   </a:solidFill>
@@ -3221,7 +3221,7 @@
             </a:ln>
             <a:extLst>
               <a:ext uri="{91240B29-F687-4f45-9708-019B960494DF}">
-                <a14:hiddenLine xmlns="" xmlns:a14="http://schemas.microsoft.com/office/drawing/2010/main" w="9525">
+                <a14:hiddenLine xmlns:a14="http://schemas.microsoft.com/office/drawing/2010/main" xmlns="" w="9525">
                   <a:solidFill>
                     <a:srgbClr val="000000"/>
                   </a:solidFill>
@@ -3286,7 +3286,7 @@
             </a:ln>
             <a:extLst>
               <a:ext uri="{91240B29-F687-4f45-9708-019B960494DF}">
-                <a14:hiddenLine xmlns="" xmlns:a14="http://schemas.microsoft.com/office/drawing/2010/main" w="9525">
+                <a14:hiddenLine xmlns:a14="http://schemas.microsoft.com/office/drawing/2010/main" xmlns="" w="9525">
                   <a:solidFill>
                     <a:srgbClr val="000000"/>
                   </a:solidFill>
@@ -3376,7 +3376,7 @@
             </a:ln>
             <a:extLst>
               <a:ext uri="{91240B29-F687-4f45-9708-019B960494DF}">
-                <a14:hiddenLine xmlns="" xmlns:a14="http://schemas.microsoft.com/office/drawing/2010/main" w="9525">
+                <a14:hiddenLine xmlns:a14="http://schemas.microsoft.com/office/drawing/2010/main" xmlns="" w="9525">
                   <a:solidFill>
                     <a:srgbClr val="000000"/>
                   </a:solidFill>
@@ -3438,7 +3438,7 @@
             </a:ln>
             <a:extLst>
               <a:ext uri="{91240B29-F687-4f45-9708-019B960494DF}">
-                <a14:hiddenLine xmlns="" xmlns:a14="http://schemas.microsoft.com/office/drawing/2010/main" w="9525">
+                <a14:hiddenLine xmlns:a14="http://schemas.microsoft.com/office/drawing/2010/main" xmlns="" w="9525">
                   <a:solidFill>
                     <a:srgbClr val="000000"/>
                   </a:solidFill>
@@ -3528,7 +3528,7 @@
             </a:ln>
             <a:extLst>
               <a:ext uri="{91240B29-F687-4f45-9708-019B960494DF}">
-                <a14:hiddenLine xmlns="" xmlns:a14="http://schemas.microsoft.com/office/drawing/2010/main" w="9525">
+                <a14:hiddenLine xmlns:a14="http://schemas.microsoft.com/office/drawing/2010/main" xmlns="" w="9525">
                   <a:solidFill>
                     <a:srgbClr val="000000"/>
                   </a:solidFill>
@@ -3618,7 +3618,7 @@
             </a:ln>
             <a:extLst>
               <a:ext uri="{91240B29-F687-4f45-9708-019B960494DF}">
-                <a14:hiddenLine xmlns="" xmlns:a14="http://schemas.microsoft.com/office/drawing/2010/main" w="9525">
+                <a14:hiddenLine xmlns:a14="http://schemas.microsoft.com/office/drawing/2010/main" xmlns="" w="9525">
                   <a:solidFill>
                     <a:srgbClr val="000000"/>
                   </a:solidFill>
@@ -3683,7 +3683,7 @@
             </a:ln>
             <a:extLst>
               <a:ext uri="{91240B29-F687-4f45-9708-019B960494DF}">
-                <a14:hiddenLine xmlns="" xmlns:a14="http://schemas.microsoft.com/office/drawing/2010/main" w="9525">
+                <a14:hiddenLine xmlns:a14="http://schemas.microsoft.com/office/drawing/2010/main" xmlns="" w="9525">
                   <a:solidFill>
                     <a:srgbClr val="000000"/>
                   </a:solidFill>
@@ -3745,7 +3745,7 @@
             </a:ln>
             <a:extLst>
               <a:ext uri="{91240B29-F687-4f45-9708-019B960494DF}">
-                <a14:hiddenLine xmlns="" xmlns:a14="http://schemas.microsoft.com/office/drawing/2010/main" w="9525">
+                <a14:hiddenLine xmlns:a14="http://schemas.microsoft.com/office/drawing/2010/main" xmlns="" w="9525">
                   <a:solidFill>
                     <a:srgbClr val="000000"/>
                   </a:solidFill>
@@ -3835,7 +3835,7 @@
             </a:ln>
             <a:extLst>
               <a:ext uri="{91240B29-F687-4f45-9708-019B960494DF}">
-                <a14:hiddenLine xmlns="" xmlns:a14="http://schemas.microsoft.com/office/drawing/2010/main" w="9525">
+                <a14:hiddenLine xmlns:a14="http://schemas.microsoft.com/office/drawing/2010/main" xmlns="" w="9525">
                   <a:solidFill>
                     <a:srgbClr val="000000"/>
                   </a:solidFill>
@@ -3925,7 +3925,7 @@
             </a:ln>
             <a:extLst>
               <a:ext uri="{91240B29-F687-4f45-9708-019B960494DF}">
-                <a14:hiddenLine xmlns="" xmlns:a14="http://schemas.microsoft.com/office/drawing/2010/main" w="9525">
+                <a14:hiddenLine xmlns:a14="http://schemas.microsoft.com/office/drawing/2010/main" xmlns="" w="9525">
                   <a:solidFill>
                     <a:srgbClr val="000000"/>
                   </a:solidFill>
@@ -3987,7 +3987,7 @@
             </a:ln>
             <a:extLst>
               <a:ext uri="{91240B29-F687-4f45-9708-019B960494DF}">
-                <a14:hiddenLine xmlns="" xmlns:a14="http://schemas.microsoft.com/office/drawing/2010/main" w="9525">
+                <a14:hiddenLine xmlns:a14="http://schemas.microsoft.com/office/drawing/2010/main" xmlns="" w="9525">
                   <a:solidFill>
                     <a:srgbClr val="000000"/>
                   </a:solidFill>
@@ -4107,7 +4107,7 @@
             </a:ln>
             <a:extLst>
               <a:ext uri="{91240B29-F687-4f45-9708-019B960494DF}">
-                <a14:hiddenLine xmlns="" xmlns:a14="http://schemas.microsoft.com/office/drawing/2010/main" w="9525">
+                <a14:hiddenLine xmlns:a14="http://schemas.microsoft.com/office/drawing/2010/main" xmlns="" w="9525">
                   <a:solidFill>
                     <a:srgbClr val="000000"/>
                   </a:solidFill>
@@ -4175,7 +4175,7 @@
             </a:ln>
             <a:extLst>
               <a:ext uri="{91240B29-F687-4f45-9708-019B960494DF}">
-                <a14:hiddenLine xmlns="" xmlns:a14="http://schemas.microsoft.com/office/drawing/2010/main" w="9525">
+                <a14:hiddenLine xmlns:a14="http://schemas.microsoft.com/office/drawing/2010/main" xmlns="" w="9525">
                   <a:solidFill>
                     <a:srgbClr val="000000"/>
                   </a:solidFill>
@@ -4265,7 +4265,7 @@
             </a:ln>
             <a:extLst>
               <a:ext uri="{91240B29-F687-4f45-9708-019B960494DF}">
-                <a14:hiddenLine xmlns="" xmlns:a14="http://schemas.microsoft.com/office/drawing/2010/main" w="9525">
+                <a14:hiddenLine xmlns:a14="http://schemas.microsoft.com/office/drawing/2010/main" xmlns="" w="9525">
                   <a:solidFill>
                     <a:srgbClr val="000000"/>
                   </a:solidFill>
@@ -4405,7 +4405,7 @@
           <a:p>
             <a:fld id="{B17FED09-996A-4092-B0CE-C688A8E76C69}" type="datetimeFigureOut">
               <a:rPr lang="es-ES" smtClean="0"/>
-              <a:t>06/02/2024</a:t>
+              <a:t>07/02/2024</a:t>
             </a:fld>
             <a:endParaRPr lang="es-ES"/>
           </a:p>
@@ -4672,7 +4672,7 @@
           <a:p>
             <a:fld id="{B17FED09-996A-4092-B0CE-C688A8E76C69}" type="datetimeFigureOut">
               <a:rPr lang="es-ES" smtClean="0"/>
-              <a:t>06/02/2024</a:t>
+              <a:t>07/02/2024</a:t>
             </a:fld>
             <a:endParaRPr lang="es-ES"/>
           </a:p>
@@ -4868,7 +4868,7 @@
           <a:p>
             <a:fld id="{B17FED09-996A-4092-B0CE-C688A8E76C69}" type="datetimeFigureOut">
               <a:rPr lang="es-ES" smtClean="0"/>
-              <a:t>06/02/2024</a:t>
+              <a:t>07/02/2024</a:t>
             </a:fld>
             <a:endParaRPr lang="es-ES"/>
           </a:p>
@@ -5131,7 +5131,7 @@
           <a:p>
             <a:fld id="{B17FED09-996A-4092-B0CE-C688A8E76C69}" type="datetimeFigureOut">
               <a:rPr lang="es-ES" smtClean="0"/>
-              <a:t>06/02/2024</a:t>
+              <a:t>07/02/2024</a:t>
             </a:fld>
             <a:endParaRPr lang="es-ES"/>
           </a:p>
@@ -5565,7 +5565,7 @@
           <a:p>
             <a:fld id="{B17FED09-996A-4092-B0CE-C688A8E76C69}" type="datetimeFigureOut">
               <a:rPr lang="es-ES" smtClean="0"/>
-              <a:t>06/02/2024</a:t>
+              <a:t>07/02/2024</a:t>
             </a:fld>
             <a:endParaRPr lang="es-ES"/>
           </a:p>
@@ -6111,7 +6111,7 @@
           <a:p>
             <a:fld id="{B17FED09-996A-4092-B0CE-C688A8E76C69}" type="datetimeFigureOut">
               <a:rPr lang="es-ES" smtClean="0"/>
-              <a:t>06/02/2024</a:t>
+              <a:t>07/02/2024</a:t>
             </a:fld>
             <a:endParaRPr lang="es-ES"/>
           </a:p>
@@ -6831,7 +6831,7 @@
           <a:p>
             <a:fld id="{B17FED09-996A-4092-B0CE-C688A8E76C69}" type="datetimeFigureOut">
               <a:rPr lang="es-ES" smtClean="0"/>
-              <a:t>06/02/2024</a:t>
+              <a:t>07/02/2024</a:t>
             </a:fld>
             <a:endParaRPr lang="es-ES"/>
           </a:p>
@@ -7001,7 +7001,7 @@
           <a:p>
             <a:fld id="{B17FED09-996A-4092-B0CE-C688A8E76C69}" type="datetimeFigureOut">
               <a:rPr lang="es-ES" smtClean="0"/>
-              <a:t>06/02/2024</a:t>
+              <a:t>07/02/2024</a:t>
             </a:fld>
             <a:endParaRPr lang="es-ES"/>
           </a:p>
@@ -7181,7 +7181,7 @@
           <a:p>
             <a:fld id="{B17FED09-996A-4092-B0CE-C688A8E76C69}" type="datetimeFigureOut">
               <a:rPr lang="es-ES" smtClean="0"/>
-              <a:t>06/02/2024</a:t>
+              <a:t>07/02/2024</a:t>
             </a:fld>
             <a:endParaRPr lang="es-ES"/>
           </a:p>
@@ -7351,7 +7351,7 @@
           <a:p>
             <a:fld id="{B17FED09-996A-4092-B0CE-C688A8E76C69}" type="datetimeFigureOut">
               <a:rPr lang="es-ES" smtClean="0"/>
-              <a:t>06/02/2024</a:t>
+              <a:t>07/02/2024</a:t>
             </a:fld>
             <a:endParaRPr lang="es-ES"/>
           </a:p>
@@ -7601,7 +7601,7 @@
           <a:p>
             <a:fld id="{B17FED09-996A-4092-B0CE-C688A8E76C69}" type="datetimeFigureOut">
               <a:rPr lang="es-ES" smtClean="0"/>
-              <a:t>06/02/2024</a:t>
+              <a:t>07/02/2024</a:t>
             </a:fld>
             <a:endParaRPr lang="es-ES"/>
           </a:p>
@@ -7833,7 +7833,7 @@
           <a:p>
             <a:fld id="{B17FED09-996A-4092-B0CE-C688A8E76C69}" type="datetimeFigureOut">
               <a:rPr lang="es-ES" smtClean="0"/>
-              <a:t>06/02/2024</a:t>
+              <a:t>07/02/2024</a:t>
             </a:fld>
             <a:endParaRPr lang="es-ES"/>
           </a:p>
@@ -8214,7 +8214,7 @@
           <a:p>
             <a:fld id="{B17FED09-996A-4092-B0CE-C688A8E76C69}" type="datetimeFigureOut">
               <a:rPr lang="es-ES" smtClean="0"/>
-              <a:t>06/02/2024</a:t>
+              <a:t>07/02/2024</a:t>
             </a:fld>
             <a:endParaRPr lang="es-ES"/>
           </a:p>
@@ -8332,7 +8332,7 @@
           <a:p>
             <a:fld id="{B17FED09-996A-4092-B0CE-C688A8E76C69}" type="datetimeFigureOut">
               <a:rPr lang="es-ES" smtClean="0"/>
-              <a:t>06/02/2024</a:t>
+              <a:t>07/02/2024</a:t>
             </a:fld>
             <a:endParaRPr lang="es-ES"/>
           </a:p>
@@ -8427,7 +8427,7 @@
           <a:p>
             <a:fld id="{B17FED09-996A-4092-B0CE-C688A8E76C69}" type="datetimeFigureOut">
               <a:rPr lang="es-ES" smtClean="0"/>
-              <a:t>06/02/2024</a:t>
+              <a:t>07/02/2024</a:t>
             </a:fld>
             <a:endParaRPr lang="es-ES"/>
           </a:p>
@@ -8676,7 +8676,7 @@
           <a:p>
             <a:fld id="{B17FED09-996A-4092-B0CE-C688A8E76C69}" type="datetimeFigureOut">
               <a:rPr lang="es-ES" smtClean="0"/>
-              <a:t>06/02/2024</a:t>
+              <a:t>07/02/2024</a:t>
             </a:fld>
             <a:endParaRPr lang="es-ES"/>
           </a:p>
@@ -8956,7 +8956,7 @@
           <a:p>
             <a:fld id="{B17FED09-996A-4092-B0CE-C688A8E76C69}" type="datetimeFigureOut">
               <a:rPr lang="es-ES" smtClean="0"/>
-              <a:t>06/02/2024</a:t>
+              <a:t>07/02/2024</a:t>
             </a:fld>
             <a:endParaRPr lang="es-ES"/>
           </a:p>
@@ -9079,7 +9079,7 @@
           <a:noFill/>
           <a:extLst>
             <a:ext uri="{909E8E84-426E-40dd-AFC4-6F175D3DCCD1}">
-              <a14:hiddenFill xmlns="" xmlns:a14="http://schemas.microsoft.com/office/drawing/2010/main">
+              <a14:hiddenFill xmlns:a14="http://schemas.microsoft.com/office/drawing/2010/main" xmlns="">
                 <a:solidFill>
                   <a:srgbClr val="FFFFFF"/>
                 </a:solidFill>
@@ -9153,7 +9153,7 @@
               </a:ln>
               <a:extLst>
                 <a:ext uri="{91240B29-F687-4f45-9708-019B960494DF}">
-                  <a14:hiddenLine xmlns="" xmlns:a14="http://schemas.microsoft.com/office/drawing/2010/main" w="9525">
+                  <a14:hiddenLine xmlns:a14="http://schemas.microsoft.com/office/drawing/2010/main" xmlns="" w="9525">
                     <a:solidFill>
                       <a:srgbClr val="000000"/>
                     </a:solidFill>
@@ -9243,7 +9243,7 @@
               </a:ln>
               <a:extLst>
                 <a:ext uri="{91240B29-F687-4f45-9708-019B960494DF}">
-                  <a14:hiddenLine xmlns="" xmlns:a14="http://schemas.microsoft.com/office/drawing/2010/main" w="9525">
+                  <a14:hiddenLine xmlns:a14="http://schemas.microsoft.com/office/drawing/2010/main" xmlns="" w="9525">
                     <a:solidFill>
                       <a:srgbClr val="000000"/>
                     </a:solidFill>
@@ -9333,7 +9333,7 @@
               </a:ln>
               <a:extLst>
                 <a:ext uri="{91240B29-F687-4f45-9708-019B960494DF}">
-                  <a14:hiddenLine xmlns="" xmlns:a14="http://schemas.microsoft.com/office/drawing/2010/main" w="9525">
+                  <a14:hiddenLine xmlns:a14="http://schemas.microsoft.com/office/drawing/2010/main" xmlns="" w="9525">
                     <a:solidFill>
                       <a:srgbClr val="000000"/>
                     </a:solidFill>
@@ -9395,7 +9395,7 @@
               </a:ln>
               <a:extLst>
                 <a:ext uri="{91240B29-F687-4f45-9708-019B960494DF}">
-                  <a14:hiddenLine xmlns="" xmlns:a14="http://schemas.microsoft.com/office/drawing/2010/main" w="9525">
+                  <a14:hiddenLine xmlns:a14="http://schemas.microsoft.com/office/drawing/2010/main" xmlns="" w="9525">
                     <a:solidFill>
                       <a:srgbClr val="000000"/>
                     </a:solidFill>
@@ -9485,7 +9485,7 @@
               </a:ln>
               <a:extLst>
                 <a:ext uri="{91240B29-F687-4f45-9708-019B960494DF}">
-                  <a14:hiddenLine xmlns="" xmlns:a14="http://schemas.microsoft.com/office/drawing/2010/main" w="9525">
+                  <a14:hiddenLine xmlns:a14="http://schemas.microsoft.com/office/drawing/2010/main" xmlns="" w="9525">
                     <a:solidFill>
                       <a:srgbClr val="000000"/>
                     </a:solidFill>
@@ -9547,7 +9547,7 @@
               </a:ln>
               <a:extLst>
                 <a:ext uri="{91240B29-F687-4f45-9708-019B960494DF}">
-                  <a14:hiddenLine xmlns="" xmlns:a14="http://schemas.microsoft.com/office/drawing/2010/main" w="9525">
+                  <a14:hiddenLine xmlns:a14="http://schemas.microsoft.com/office/drawing/2010/main" xmlns="" w="9525">
                     <a:solidFill>
                       <a:srgbClr val="000000"/>
                     </a:solidFill>
@@ -9609,7 +9609,7 @@
               </a:ln>
               <a:extLst>
                 <a:ext uri="{91240B29-F687-4f45-9708-019B960494DF}">
-                  <a14:hiddenLine xmlns="" xmlns:a14="http://schemas.microsoft.com/office/drawing/2010/main" w="9525">
+                  <a14:hiddenLine xmlns:a14="http://schemas.microsoft.com/office/drawing/2010/main" xmlns="" w="9525">
                     <a:solidFill>
                       <a:srgbClr val="000000"/>
                     </a:solidFill>
@@ -9699,7 +9699,7 @@
               </a:ln>
               <a:extLst>
                 <a:ext uri="{91240B29-F687-4f45-9708-019B960494DF}">
-                  <a14:hiddenLine xmlns="" xmlns:a14="http://schemas.microsoft.com/office/drawing/2010/main" w="9525">
+                  <a14:hiddenLine xmlns:a14="http://schemas.microsoft.com/office/drawing/2010/main" xmlns="" w="9525">
                     <a:solidFill>
                       <a:srgbClr val="000000"/>
                     </a:solidFill>
@@ -9789,7 +9789,7 @@
               </a:ln>
               <a:extLst>
                 <a:ext uri="{91240B29-F687-4f45-9708-019B960494DF}">
-                  <a14:hiddenLine xmlns="" xmlns:a14="http://schemas.microsoft.com/office/drawing/2010/main" w="9525">
+                  <a14:hiddenLine xmlns:a14="http://schemas.microsoft.com/office/drawing/2010/main" xmlns="" w="9525">
                     <a:solidFill>
                       <a:srgbClr val="000000"/>
                     </a:solidFill>
@@ -9851,7 +9851,7 @@
               </a:ln>
               <a:extLst>
                 <a:ext uri="{91240B29-F687-4f45-9708-019B960494DF}">
-                  <a14:hiddenLine xmlns="" xmlns:a14="http://schemas.microsoft.com/office/drawing/2010/main" w="9525">
+                  <a14:hiddenLine xmlns:a14="http://schemas.microsoft.com/office/drawing/2010/main" xmlns="" w="9525">
                     <a:solidFill>
                       <a:srgbClr val="000000"/>
                     </a:solidFill>
@@ -9961,7 +9961,7 @@
               </a:ln>
               <a:extLst>
                 <a:ext uri="{91240B29-F687-4f45-9708-019B960494DF}">
-                  <a14:hiddenLine xmlns="" xmlns:a14="http://schemas.microsoft.com/office/drawing/2010/main" w="9525">
+                  <a14:hiddenLine xmlns:a14="http://schemas.microsoft.com/office/drawing/2010/main" xmlns="" w="9525">
                     <a:solidFill>
                       <a:srgbClr val="000000"/>
                     </a:solidFill>
@@ -10045,7 +10045,7 @@
               </a:ln>
               <a:extLst>
                 <a:ext uri="{91240B29-F687-4f45-9708-019B960494DF}">
-                  <a14:hiddenLine xmlns="" xmlns:a14="http://schemas.microsoft.com/office/drawing/2010/main" w="9525">
+                  <a14:hiddenLine xmlns:a14="http://schemas.microsoft.com/office/drawing/2010/main" xmlns="" w="9525">
                     <a:solidFill>
                       <a:srgbClr val="000000"/>
                     </a:solidFill>
@@ -10107,7 +10107,7 @@
               </a:ln>
               <a:extLst>
                 <a:ext uri="{91240B29-F687-4f45-9708-019B960494DF}">
-                  <a14:hiddenLine xmlns="" xmlns:a14="http://schemas.microsoft.com/office/drawing/2010/main" w="9525">
+                  <a14:hiddenLine xmlns:a14="http://schemas.microsoft.com/office/drawing/2010/main" xmlns="" w="9525">
                     <a:solidFill>
                       <a:srgbClr val="000000"/>
                     </a:solidFill>
@@ -10169,7 +10169,7 @@
               </a:ln>
               <a:extLst>
                 <a:ext uri="{91240B29-F687-4f45-9708-019B960494DF}">
-                  <a14:hiddenLine xmlns="" xmlns:a14="http://schemas.microsoft.com/office/drawing/2010/main" w="9525">
+                  <a14:hiddenLine xmlns:a14="http://schemas.microsoft.com/office/drawing/2010/main" xmlns="" w="9525">
                     <a:solidFill>
                       <a:srgbClr val="000000"/>
                     </a:solidFill>
@@ -10259,7 +10259,7 @@
               </a:ln>
               <a:extLst>
                 <a:ext uri="{91240B29-F687-4f45-9708-019B960494DF}">
-                  <a14:hiddenLine xmlns="" xmlns:a14="http://schemas.microsoft.com/office/drawing/2010/main" w="9525">
+                  <a14:hiddenLine xmlns:a14="http://schemas.microsoft.com/office/drawing/2010/main" xmlns="" w="9525">
                     <a:solidFill>
                       <a:srgbClr val="000000"/>
                     </a:solidFill>
@@ -10293,7 +10293,7 @@
               </a:ln>
               <a:extLst>
                 <a:ext uri="{91240B29-F687-4f45-9708-019B960494DF}">
-                  <a14:hiddenLine xmlns="" xmlns:a14="http://schemas.microsoft.com/office/drawing/2010/main" w="9525">
+                  <a14:hiddenLine xmlns:a14="http://schemas.microsoft.com/office/drawing/2010/main" xmlns="" w="9525">
                     <a:solidFill>
                       <a:srgbClr val="000000"/>
                     </a:solidFill>
@@ -10358,7 +10358,7 @@
               </a:ln>
               <a:extLst>
                 <a:ext uri="{91240B29-F687-4f45-9708-019B960494DF}">
-                  <a14:hiddenLine xmlns="" xmlns:a14="http://schemas.microsoft.com/office/drawing/2010/main" w="9525">
+                  <a14:hiddenLine xmlns:a14="http://schemas.microsoft.com/office/drawing/2010/main" xmlns="" w="9525">
                     <a:solidFill>
                       <a:srgbClr val="000000"/>
                     </a:solidFill>
@@ -10448,7 +10448,7 @@
               </a:ln>
               <a:extLst>
                 <a:ext uri="{91240B29-F687-4f45-9708-019B960494DF}">
-                  <a14:hiddenLine xmlns="" xmlns:a14="http://schemas.microsoft.com/office/drawing/2010/main" w="9525">
+                  <a14:hiddenLine xmlns:a14="http://schemas.microsoft.com/office/drawing/2010/main" xmlns="" w="9525">
                     <a:solidFill>
                       <a:srgbClr val="000000"/>
                     </a:solidFill>
@@ -10510,7 +10510,7 @@
               </a:ln>
               <a:extLst>
                 <a:ext uri="{91240B29-F687-4f45-9708-019B960494DF}">
-                  <a14:hiddenLine xmlns="" xmlns:a14="http://schemas.microsoft.com/office/drawing/2010/main" w="9525">
+                  <a14:hiddenLine xmlns:a14="http://schemas.microsoft.com/office/drawing/2010/main" xmlns="" w="9525">
                     <a:solidFill>
                       <a:srgbClr val="000000"/>
                     </a:solidFill>
@@ -10600,7 +10600,7 @@
               </a:ln>
               <a:extLst>
                 <a:ext uri="{91240B29-F687-4f45-9708-019B960494DF}">
-                  <a14:hiddenLine xmlns="" xmlns:a14="http://schemas.microsoft.com/office/drawing/2010/main" w="9525">
+                  <a14:hiddenLine xmlns:a14="http://schemas.microsoft.com/office/drawing/2010/main" xmlns="" w="9525">
                     <a:solidFill>
                       <a:srgbClr val="000000"/>
                     </a:solidFill>
@@ -10665,7 +10665,7 @@
               </a:ln>
               <a:extLst>
                 <a:ext uri="{91240B29-F687-4f45-9708-019B960494DF}">
-                  <a14:hiddenLine xmlns="" xmlns:a14="http://schemas.microsoft.com/office/drawing/2010/main" w="9525">
+                  <a14:hiddenLine xmlns:a14="http://schemas.microsoft.com/office/drawing/2010/main" xmlns="" w="9525">
                     <a:solidFill>
                       <a:srgbClr val="000000"/>
                     </a:solidFill>
@@ -10727,7 +10727,7 @@
               </a:ln>
               <a:extLst>
                 <a:ext uri="{91240B29-F687-4f45-9708-019B960494DF}">
-                  <a14:hiddenLine xmlns="" xmlns:a14="http://schemas.microsoft.com/office/drawing/2010/main" w="9525">
+                  <a14:hiddenLine xmlns:a14="http://schemas.microsoft.com/office/drawing/2010/main" xmlns="" w="9525">
                     <a:solidFill>
                       <a:srgbClr val="000000"/>
                     </a:solidFill>
@@ -10817,7 +10817,7 @@
               </a:ln>
               <a:extLst>
                 <a:ext uri="{91240B29-F687-4f45-9708-019B960494DF}">
-                  <a14:hiddenLine xmlns="" xmlns:a14="http://schemas.microsoft.com/office/drawing/2010/main" w="9525">
+                  <a14:hiddenLine xmlns:a14="http://schemas.microsoft.com/office/drawing/2010/main" xmlns="" w="9525">
                     <a:solidFill>
                       <a:srgbClr val="000000"/>
                     </a:solidFill>
@@ -10907,7 +10907,7 @@
               </a:ln>
               <a:extLst>
                 <a:ext uri="{91240B29-F687-4f45-9708-019B960494DF}">
-                  <a14:hiddenLine xmlns="" xmlns:a14="http://schemas.microsoft.com/office/drawing/2010/main" w="9525">
+                  <a14:hiddenLine xmlns:a14="http://schemas.microsoft.com/office/drawing/2010/main" xmlns="" w="9525">
                     <a:solidFill>
                       <a:srgbClr val="000000"/>
                     </a:solidFill>
@@ -10972,7 +10972,7 @@
               </a:ln>
               <a:extLst>
                 <a:ext uri="{91240B29-F687-4f45-9708-019B960494DF}">
-                  <a14:hiddenLine xmlns="" xmlns:a14="http://schemas.microsoft.com/office/drawing/2010/main" w="9525">
+                  <a14:hiddenLine xmlns:a14="http://schemas.microsoft.com/office/drawing/2010/main" xmlns="" w="9525">
                     <a:solidFill>
                       <a:srgbClr val="000000"/>
                     </a:solidFill>
@@ -11092,7 +11092,7 @@
               </a:ln>
               <a:extLst>
                 <a:ext uri="{91240B29-F687-4f45-9708-019B960494DF}">
-                  <a14:hiddenLine xmlns="" xmlns:a14="http://schemas.microsoft.com/office/drawing/2010/main" w="9525">
+                  <a14:hiddenLine xmlns:a14="http://schemas.microsoft.com/office/drawing/2010/main" xmlns="" w="9525">
                     <a:solidFill>
                       <a:srgbClr val="000000"/>
                     </a:solidFill>
@@ -11173,7 +11173,7 @@
               </a:ln>
               <a:extLst>
                 <a:ext uri="{91240B29-F687-4f45-9708-019B960494DF}">
-                  <a14:hiddenLine xmlns="" xmlns:a14="http://schemas.microsoft.com/office/drawing/2010/main" w="9525">
+                  <a14:hiddenLine xmlns:a14="http://schemas.microsoft.com/office/drawing/2010/main" xmlns="" w="9525">
                     <a:solidFill>
                       <a:srgbClr val="000000"/>
                     </a:solidFill>
@@ -11288,7 +11288,7 @@
               </a:ln>
               <a:extLst>
                 <a:ext uri="{91240B29-F687-4f45-9708-019B960494DF}">
-                  <a14:hiddenLine xmlns="" xmlns:a14="http://schemas.microsoft.com/office/drawing/2010/main" w="9525">
+                  <a14:hiddenLine xmlns:a14="http://schemas.microsoft.com/office/drawing/2010/main" xmlns="" w="9525">
                     <a:solidFill>
                       <a:srgbClr val="000000"/>
                     </a:solidFill>
@@ -11378,7 +11378,7 @@
               </a:ln>
               <a:extLst>
                 <a:ext uri="{91240B29-F687-4f45-9708-019B960494DF}">
-                  <a14:hiddenLine xmlns="" xmlns:a14="http://schemas.microsoft.com/office/drawing/2010/main" w="9525">
+                  <a14:hiddenLine xmlns:a14="http://schemas.microsoft.com/office/drawing/2010/main" xmlns="" w="9525">
                     <a:solidFill>
                       <a:srgbClr val="000000"/>
                     </a:solidFill>
@@ -11443,7 +11443,7 @@
               </a:ln>
               <a:extLst>
                 <a:ext uri="{91240B29-F687-4f45-9708-019B960494DF}">
-                  <a14:hiddenLine xmlns="" xmlns:a14="http://schemas.microsoft.com/office/drawing/2010/main" w="9525">
+                  <a14:hiddenLine xmlns:a14="http://schemas.microsoft.com/office/drawing/2010/main" xmlns="" w="9525">
                     <a:solidFill>
                       <a:srgbClr val="000000"/>
                     </a:solidFill>
@@ -11533,7 +11533,7 @@
               </a:ln>
               <a:extLst>
                 <a:ext uri="{91240B29-F687-4f45-9708-019B960494DF}">
-                  <a14:hiddenLine xmlns="" xmlns:a14="http://schemas.microsoft.com/office/drawing/2010/main" w="9525">
+                  <a14:hiddenLine xmlns:a14="http://schemas.microsoft.com/office/drawing/2010/main" xmlns="" w="9525">
                     <a:solidFill>
                       <a:srgbClr val="000000"/>
                     </a:solidFill>
@@ -11601,7 +11601,7 @@
               </a:ln>
               <a:extLst>
                 <a:ext uri="{91240B29-F687-4f45-9708-019B960494DF}">
-                  <a14:hiddenLine xmlns="" xmlns:a14="http://schemas.microsoft.com/office/drawing/2010/main" w="9525">
+                  <a14:hiddenLine xmlns:a14="http://schemas.microsoft.com/office/drawing/2010/main" xmlns="" w="9525">
                     <a:solidFill>
                       <a:srgbClr val="000000"/>
                     </a:solidFill>
@@ -11691,7 +11691,7 @@
               </a:ln>
               <a:extLst>
                 <a:ext uri="{91240B29-F687-4f45-9708-019B960494DF}">
-                  <a14:hiddenLine xmlns="" xmlns:a14="http://schemas.microsoft.com/office/drawing/2010/main" w="9525">
+                  <a14:hiddenLine xmlns:a14="http://schemas.microsoft.com/office/drawing/2010/main" xmlns="" w="9525">
                     <a:solidFill>
                       <a:srgbClr val="000000"/>
                     </a:solidFill>
@@ -11759,7 +11759,7 @@
               </a:ln>
               <a:extLst>
                 <a:ext uri="{91240B29-F687-4f45-9708-019B960494DF}">
-                  <a14:hiddenLine xmlns="" xmlns:a14="http://schemas.microsoft.com/office/drawing/2010/main" w="9525">
+                  <a14:hiddenLine xmlns:a14="http://schemas.microsoft.com/office/drawing/2010/main" xmlns="" w="9525">
                     <a:solidFill>
                       <a:srgbClr val="000000"/>
                     </a:solidFill>
@@ -11849,7 +11849,7 @@
               </a:ln>
               <a:extLst>
                 <a:ext uri="{91240B29-F687-4f45-9708-019B960494DF}">
-                  <a14:hiddenLine xmlns="" xmlns:a14="http://schemas.microsoft.com/office/drawing/2010/main" w="9525">
+                  <a14:hiddenLine xmlns:a14="http://schemas.microsoft.com/office/drawing/2010/main" xmlns="" w="9525">
                     <a:solidFill>
                       <a:srgbClr val="000000"/>
                     </a:solidFill>
@@ -11883,7 +11883,7 @@
               </a:ln>
               <a:extLst>
                 <a:ext uri="{91240B29-F687-4f45-9708-019B960494DF}">
-                  <a14:hiddenLine xmlns="" xmlns:a14="http://schemas.microsoft.com/office/drawing/2010/main" w="9525">
+                  <a14:hiddenLine xmlns:a14="http://schemas.microsoft.com/office/drawing/2010/main" xmlns="" w="9525">
                     <a:solidFill>
                       <a:srgbClr val="000000"/>
                     </a:solidFill>
@@ -12023,7 +12023,7 @@
           <a:p>
             <a:fld id="{B17FED09-996A-4092-B0CE-C688A8E76C69}" type="datetimeFigureOut">
               <a:rPr lang="es-ES" smtClean="0"/>
-              <a:t>06/02/2024</a:t>
+              <a:t>07/02/2024</a:t>
             </a:fld>
             <a:endParaRPr lang="es-ES"/>
           </a:p>
@@ -12989,7 +12989,9 @@
             <a:r>
               <a:rPr lang="es-ES" sz="2000" b="0" i="0" u="none" strike="noStrike" dirty="0">
                 <a:solidFill>
-                  <a:schemeClr val="bg1"/>
+                  <a:schemeClr val="tx1">
+                    <a:lumMod val="95000"/>
+                  </a:schemeClr>
                 </a:solidFill>
                 <a:effectLst/>
                 <a:latin typeface="Lato" panose="020F0502020204030203" pitchFamily="34" charset="0"/>
@@ -13001,12 +13003,14 @@
                   </a:extLst>
                 </a:hlinkClick>
               </a:rPr>
-              <a:t>Siguen los malos tiempos para el PC</a:t>
+              <a:t>Según Dealer (2024) Siguen los malos tiempos para el PC</a:t>
             </a:r>
             <a:r>
               <a:rPr lang="es-ES" sz="2000" b="0" i="0" dirty="0">
                 <a:solidFill>
-                  <a:schemeClr val="bg1"/>
+                  <a:schemeClr val="tx1">
+                    <a:lumMod val="95000"/>
+                  </a:schemeClr>
                 </a:solidFill>
                 <a:effectLst/>
                 <a:latin typeface="Lato" panose="020F0502020204030203" pitchFamily="34" charset="0"/>
@@ -13016,27 +13020,21 @@
             <a:r>
               <a:rPr lang="es-ES" sz="2000" b="1" i="0" dirty="0">
                 <a:solidFill>
-                  <a:schemeClr val="bg1"/>
+                  <a:schemeClr val="tx1">
+                    <a:lumMod val="95000"/>
+                  </a:schemeClr>
                 </a:solidFill>
                 <a:effectLst/>
                 <a:latin typeface="Lato" panose="020F0502020204030203" pitchFamily="34" charset="0"/>
               </a:rPr>
-              <a:t>cuya caída en las ventas alcanzó casi el 30% —28,1 %— durante el último trimestre de 2022 en comparación con el mismo periodo del año anterior.</a:t>
-            </a:r>
-            <a:endParaRPr lang="es-ES" sz="2000" b="0" i="0" dirty="0">
-              <a:solidFill>
-                <a:schemeClr val="bg1"/>
-              </a:solidFill>
-              <a:effectLst/>
-              <a:latin typeface="Lato" panose="020F0502020204030203" pitchFamily="34" charset="0"/>
-            </a:endParaRPr>
-          </a:p>
-          <a:p>
-            <a:pPr algn="just"/>
+              <a:t>cuya caída en las ventas alcanzó casi el 30% —28,1 %— durante el último trimestre de 2022 en comparación con el mismo periodo del año anterior. </a:t>
+            </a:r>
             <a:r>
               <a:rPr lang="es-ES" sz="2000" b="0" i="0" dirty="0">
                 <a:solidFill>
-                  <a:schemeClr val="bg1"/>
+                  <a:schemeClr val="tx1">
+                    <a:lumMod val="95000"/>
+                  </a:schemeClr>
                 </a:solidFill>
                 <a:effectLst/>
                 <a:latin typeface="Lato" panose="020F0502020204030203" pitchFamily="34" charset="0"/>
@@ -13046,7 +13044,9 @@
             <a:r>
               <a:rPr lang="es-ES" sz="2000" b="0" i="0" dirty="0" err="1">
                 <a:solidFill>
-                  <a:schemeClr val="bg1"/>
+                  <a:schemeClr val="tx1">
+                    <a:lumMod val="95000"/>
+                  </a:schemeClr>
                 </a:solidFill>
                 <a:effectLst/>
                 <a:latin typeface="Lato" panose="020F0502020204030203" pitchFamily="34" charset="0"/>
@@ -13056,7 +13056,9 @@
             <a:r>
               <a:rPr lang="es-ES" sz="2000" b="0" i="0" dirty="0">
                 <a:solidFill>
-                  <a:schemeClr val="bg1"/>
+                  <a:schemeClr val="tx1">
+                    <a:lumMod val="95000"/>
+                  </a:schemeClr>
                 </a:solidFill>
                 <a:effectLst/>
                 <a:latin typeface="Lato" panose="020F0502020204030203" pitchFamily="34" charset="0"/>
@@ -13066,7 +13068,9 @@
             <a:r>
               <a:rPr lang="es-ES" sz="2000" b="0" i="0" dirty="0" err="1">
                 <a:solidFill>
-                  <a:schemeClr val="bg1"/>
+                  <a:schemeClr val="tx1">
+                    <a:lumMod val="95000"/>
+                  </a:schemeClr>
                 </a:solidFill>
                 <a:effectLst/>
                 <a:latin typeface="Lato" panose="020F0502020204030203" pitchFamily="34" charset="0"/>
@@ -13076,7 +13080,9 @@
             <a:r>
               <a:rPr lang="es-ES" sz="2000" b="0" i="0" dirty="0">
                 <a:solidFill>
-                  <a:schemeClr val="bg1"/>
+                  <a:schemeClr val="tx1">
+                    <a:lumMod val="95000"/>
+                  </a:schemeClr>
                 </a:solidFill>
                 <a:effectLst/>
                 <a:latin typeface="Lato" panose="020F0502020204030203" pitchFamily="34" charset="0"/>
@@ -13086,7 +13092,9 @@
             <a:r>
               <a:rPr lang="es-ES" sz="2000" b="0" i="0" dirty="0" err="1">
                 <a:solidFill>
-                  <a:schemeClr val="bg1"/>
+                  <a:schemeClr val="tx1">
+                    <a:lumMod val="95000"/>
+                  </a:schemeClr>
                 </a:solidFill>
                 <a:effectLst/>
                 <a:latin typeface="Lato" panose="020F0502020204030203" pitchFamily="34" charset="0"/>
@@ -13096,7 +13104,9 @@
             <a:r>
               <a:rPr lang="es-ES" sz="2000" b="0" i="0" dirty="0">
                 <a:solidFill>
-                  <a:schemeClr val="bg1"/>
+                  <a:schemeClr val="tx1">
+                    <a:lumMod val="95000"/>
+                  </a:schemeClr>
                 </a:solidFill>
                 <a:effectLst/>
                 <a:latin typeface="Lato" panose="020F0502020204030203" pitchFamily="34" charset="0"/>
@@ -13106,7 +13116,9 @@
             <a:r>
               <a:rPr lang="es-ES" sz="2000" b="0" i="0" dirty="0" err="1">
                 <a:solidFill>
-                  <a:schemeClr val="bg1"/>
+                  <a:schemeClr val="tx1">
+                    <a:lumMod val="95000"/>
+                  </a:schemeClr>
                 </a:solidFill>
                 <a:effectLst/>
                 <a:latin typeface="Lato" panose="020F0502020204030203" pitchFamily="34" charset="0"/>
@@ -13116,7 +13128,9 @@
             <a:r>
               <a:rPr lang="es-ES" sz="2000" b="0" i="0" dirty="0">
                 <a:solidFill>
-                  <a:schemeClr val="bg1"/>
+                  <a:schemeClr val="tx1">
+                    <a:lumMod val="95000"/>
+                  </a:schemeClr>
                 </a:solidFill>
                 <a:effectLst/>
                 <a:latin typeface="Lato" panose="020F0502020204030203" pitchFamily="34" charset="0"/>
@@ -13126,7 +13140,9 @@
             <a:r>
               <a:rPr lang="es-ES" sz="2000" b="1" i="0" dirty="0">
                 <a:solidFill>
-                  <a:schemeClr val="bg1"/>
+                  <a:schemeClr val="tx1">
+                    <a:lumMod val="95000"/>
+                  </a:schemeClr>
                 </a:solidFill>
                 <a:effectLst/>
                 <a:latin typeface="Lato" panose="020F0502020204030203" pitchFamily="34" charset="0"/>
@@ -13136,7 +13152,9 @@
             <a:r>
               <a:rPr lang="es-ES" sz="2000" b="0" i="0" dirty="0">
                 <a:solidFill>
-                  <a:schemeClr val="bg1"/>
+                  <a:schemeClr val="tx1">
+                    <a:lumMod val="95000"/>
+                  </a:schemeClr>
                 </a:solidFill>
                 <a:effectLst/>
                 <a:latin typeface="Lato" panose="020F0502020204030203" pitchFamily="34" charset="0"/>
@@ -13146,7 +13164,9 @@
             <a:r>
               <a:rPr lang="es-ES" sz="2000" b="1" i="0" dirty="0">
                 <a:solidFill>
-                  <a:schemeClr val="bg1"/>
+                  <a:schemeClr val="tx1">
+                    <a:lumMod val="95000"/>
+                  </a:schemeClr>
                 </a:solidFill>
                 <a:effectLst/>
                 <a:latin typeface="Lato" panose="020F0502020204030203" pitchFamily="34" charset="0"/>
@@ -13155,7 +13175,9 @@
             </a:r>
             <a:endParaRPr lang="es-ES" sz="2000" b="0" i="0" dirty="0">
               <a:solidFill>
-                <a:schemeClr val="bg1"/>
+                <a:schemeClr val="tx1">
+                  <a:lumMod val="95000"/>
+                </a:schemeClr>
               </a:solidFill>
               <a:effectLst/>
               <a:latin typeface="Lato" panose="020F0502020204030203" pitchFamily="34" charset="0"/>
@@ -13166,7 +13188,9 @@
             <a:r>
               <a:rPr lang="es-ES" sz="2000" b="1" i="0" u="none" strike="noStrike" dirty="0">
                 <a:solidFill>
-                  <a:schemeClr val="bg1"/>
+                  <a:schemeClr val="tx1">
+                    <a:lumMod val="95000"/>
+                  </a:schemeClr>
                 </a:solidFill>
                 <a:effectLst/>
                 <a:latin typeface="Lato" panose="020F0502020204030203" pitchFamily="34" charset="0"/>
@@ -13183,7 +13207,9 @@
             <a:r>
               <a:rPr lang="es-ES" sz="2000" b="0" i="0" dirty="0">
                 <a:solidFill>
-                  <a:schemeClr val="bg1"/>
+                  <a:schemeClr val="tx1">
+                    <a:lumMod val="95000"/>
+                  </a:schemeClr>
                 </a:solidFill>
                 <a:effectLst/>
                 <a:latin typeface="Lato" panose="020F0502020204030203" pitchFamily="34" charset="0"/>
@@ -13193,7 +13219,9 @@
             <a:r>
               <a:rPr lang="es-ES" sz="2000" b="1" i="0" dirty="0">
                 <a:solidFill>
-                  <a:schemeClr val="bg1"/>
+                  <a:schemeClr val="tx1">
+                    <a:lumMod val="95000"/>
+                  </a:schemeClr>
                 </a:solidFill>
                 <a:effectLst/>
                 <a:latin typeface="Lato" panose="020F0502020204030203" pitchFamily="34" charset="0"/>
@@ -13202,7 +13230,9 @@
             </a:r>
             <a:endParaRPr lang="es-ES" sz="2000" b="0" i="0" dirty="0">
               <a:solidFill>
-                <a:schemeClr val="bg1"/>
+                <a:schemeClr val="tx1">
+                  <a:lumMod val="95000"/>
+                </a:schemeClr>
               </a:solidFill>
               <a:effectLst/>
               <a:latin typeface="Lato" panose="020F0502020204030203" pitchFamily="34" charset="0"/>
@@ -13241,17 +13271,21 @@
             <a:r>
               <a:rPr lang="es-ES" sz="2000" b="0" i="0" dirty="0">
                 <a:solidFill>
-                  <a:schemeClr val="bg1"/>
+                  <a:schemeClr val="tx1">
+                    <a:lumMod val="95000"/>
+                  </a:schemeClr>
                 </a:solidFill>
                 <a:effectLst/>
                 <a:latin typeface="Lato" panose="020F0502020204030203" pitchFamily="34" charset="0"/>
               </a:rPr>
-              <a:t>La actividad del lado de la oferta muestra que muchos grandes proveedores entraron en 2023 con una perspectiva cautelosa, pero el consenso es que </a:t>
+              <a:t>Dealer (2024) ratifique que la actividad del lado de la oferta muestra que muchos grandes proveedores entraron en 2023 con una perspectiva cautelosa, pero el consenso es que </a:t>
             </a:r>
             <a:r>
               <a:rPr lang="es-ES" sz="2000" b="1" i="0" u="none" strike="noStrike" dirty="0">
                 <a:solidFill>
-                  <a:schemeClr val="bg1"/>
+                  <a:schemeClr val="tx1">
+                    <a:lumMod val="95000"/>
+                  </a:schemeClr>
                 </a:solidFill>
                 <a:effectLst/>
                 <a:latin typeface="Lato" panose="020F0502020204030203" pitchFamily="34" charset="0"/>
@@ -13268,7 +13302,9 @@
             <a:r>
               <a:rPr lang="es-ES" sz="2000" b="1" i="0" dirty="0">
                 <a:solidFill>
-                  <a:schemeClr val="bg1"/>
+                  <a:schemeClr val="tx1">
+                    <a:lumMod val="95000"/>
+                  </a:schemeClr>
                 </a:solidFill>
                 <a:effectLst/>
                 <a:latin typeface="Lato" panose="020F0502020204030203" pitchFamily="34" charset="0"/>
@@ -13278,7 +13314,9 @@
             <a:r>
               <a:rPr lang="es-ES" sz="2000" b="0" i="0" dirty="0">
                 <a:solidFill>
-                  <a:schemeClr val="bg1"/>
+                  <a:schemeClr val="tx1">
+                    <a:lumMod val="95000"/>
+                  </a:schemeClr>
                 </a:solidFill>
                 <a:effectLst/>
                 <a:latin typeface="Lato" panose="020F0502020204030203" pitchFamily="34" charset="0"/>
@@ -13287,7 +13325,9 @@
             </a:r>
             <a:endParaRPr lang="es-PE" sz="2000" dirty="0">
               <a:solidFill>
-                <a:schemeClr val="bg1"/>
+                <a:schemeClr val="tx1">
+                  <a:lumMod val="95000"/>
+                </a:schemeClr>
               </a:solidFill>
             </a:endParaRPr>
           </a:p>
@@ -13383,8 +13423,8 @@
         </p:nvSpPr>
         <p:spPr>
           <a:xfrm>
-            <a:off x="872197" y="2335237"/>
-            <a:ext cx="8825173" cy="1323439"/>
+            <a:off x="773723" y="1744394"/>
+            <a:ext cx="11010707" cy="3785652"/>
           </a:xfrm>
           <a:prstGeom prst="rect">
             <a:avLst/>
@@ -13404,11 +13444,210 @@
             <a:r>
               <a:rPr lang="es-ES" sz="2000" dirty="0">
                 <a:solidFill>
-                  <a:schemeClr val="bg1"/>
+                  <a:schemeClr val="tx1">
+                    <a:lumMod val="95000"/>
+                  </a:schemeClr>
                 </a:solidFill>
               </a:rPr>
-              <a:t>El presente caso se tomará conocer el comportamiento de la demanda de laptop </a:t>
-            </a:r>
+              <a:t>El presente caso se tomará conocer el comportamiento de la demanda de laptop, toda vez que  según </a:t>
+            </a:r>
+          </a:p>
+          <a:p>
+            <a:r>
+              <a:rPr lang="es-ES" sz="2000" dirty="0" err="1">
+                <a:solidFill>
+                  <a:schemeClr val="tx1">
+                    <a:lumMod val="95000"/>
+                  </a:schemeClr>
+                </a:solidFill>
+              </a:rPr>
+              <a:t>Deperu</a:t>
+            </a:r>
+            <a:r>
+              <a:rPr lang="es-ES" sz="2000" dirty="0">
+                <a:solidFill>
+                  <a:schemeClr val="tx1">
+                    <a:lumMod val="95000"/>
+                  </a:schemeClr>
+                </a:solidFill>
+              </a:rPr>
+              <a:t> (2024) </a:t>
+            </a:r>
+            <a:r>
+              <a:rPr lang="es-ES" sz="2000" b="0" i="0" dirty="0">
+                <a:solidFill>
+                  <a:schemeClr val="tx1">
+                    <a:lumMod val="95000"/>
+                  </a:schemeClr>
+                </a:solidFill>
+                <a:effectLst/>
+                <a:latin typeface="rubik"/>
+              </a:rPr>
+              <a:t>Se pronostica que en el 2024 las ventas de PC y tabletas se retomarán, a pesar </a:t>
+            </a:r>
+          </a:p>
+          <a:p>
+            <a:r>
+              <a:rPr lang="es-ES" sz="2000" b="0" i="0" dirty="0">
+                <a:solidFill>
+                  <a:schemeClr val="tx1">
+                    <a:lumMod val="95000"/>
+                  </a:schemeClr>
+                </a:solidFill>
+                <a:effectLst/>
+                <a:latin typeface="rubik"/>
+              </a:rPr>
+              <a:t>del actual declive. Este panorama surge de un estudio llevado a cabo por IDC, una de las principales </a:t>
+            </a:r>
+          </a:p>
+          <a:p>
+            <a:r>
+              <a:rPr lang="es-ES" sz="2000" b="0" i="0" dirty="0">
+                <a:solidFill>
+                  <a:schemeClr val="tx1">
+                    <a:lumMod val="95000"/>
+                  </a:schemeClr>
+                </a:solidFill>
+                <a:effectLst/>
+                <a:latin typeface="rubik"/>
+              </a:rPr>
+              <a:t>consultoras internacionales, que establece que la comercialización de esos dispositivos bajará </a:t>
+            </a:r>
+          </a:p>
+          <a:p>
+            <a:r>
+              <a:rPr lang="es-ES" sz="2000" b="0" i="0" dirty="0">
+                <a:solidFill>
+                  <a:schemeClr val="tx1">
+                    <a:lumMod val="95000"/>
+                  </a:schemeClr>
+                </a:solidFill>
+                <a:effectLst/>
+                <a:latin typeface="rubik"/>
+              </a:rPr>
+              <a:t>casi 13% durante el pasado año 2022, hasta quedarse en unos 305 millones de unidades vendidas</a:t>
+            </a:r>
+            <a:r>
+              <a:rPr lang="es-ES" sz="2000" dirty="0">
+                <a:solidFill>
+                  <a:schemeClr val="tx1">
+                    <a:lumMod val="95000"/>
+                  </a:schemeClr>
+                </a:solidFill>
+              </a:rPr>
+              <a:t> </a:t>
+            </a:r>
+          </a:p>
+          <a:p>
+            <a:r>
+              <a:rPr lang="es-ES" sz="2000" b="0" i="0" dirty="0">
+                <a:solidFill>
+                  <a:schemeClr val="tx1">
+                    <a:lumMod val="95000"/>
+                  </a:schemeClr>
+                </a:solidFill>
+                <a:effectLst/>
+                <a:latin typeface="rubik"/>
+              </a:rPr>
+              <a:t>En cualquier caso, se espera que el mercado conjunto de computadoras y </a:t>
+            </a:r>
+            <a:r>
+              <a:rPr lang="es-ES" sz="2000" b="0" i="0" dirty="0" err="1">
+                <a:solidFill>
+                  <a:schemeClr val="tx1">
+                    <a:lumMod val="95000"/>
+                  </a:schemeClr>
+                </a:solidFill>
+                <a:effectLst/>
+                <a:latin typeface="rubik"/>
+              </a:rPr>
+              <a:t>tablets</a:t>
+            </a:r>
+            <a:r>
+              <a:rPr lang="es-ES" sz="2000" b="0" i="0" dirty="0">
+                <a:solidFill>
+                  <a:schemeClr val="tx1">
+                    <a:lumMod val="95000"/>
+                  </a:schemeClr>
+                </a:solidFill>
+                <a:effectLst/>
+                <a:latin typeface="rubik"/>
+              </a:rPr>
+              <a:t> se reduzca </a:t>
+            </a:r>
+          </a:p>
+          <a:p>
+            <a:r>
+              <a:rPr lang="es-ES" sz="2000" b="0" i="0" dirty="0">
+                <a:solidFill>
+                  <a:schemeClr val="tx1">
+                    <a:lumMod val="95000"/>
+                  </a:schemeClr>
+                </a:solidFill>
+                <a:effectLst/>
+                <a:latin typeface="rubik"/>
+              </a:rPr>
+              <a:t>cerca de un 2,5% en 2023 antes de volver a crecer en 2024, según el citado estudio. </a:t>
+            </a:r>
+          </a:p>
+          <a:p>
+            <a:r>
+              <a:rPr lang="es-ES" sz="2000" b="0" i="0" dirty="0">
+                <a:solidFill>
+                  <a:schemeClr val="tx1">
+                    <a:lumMod val="95000"/>
+                  </a:schemeClr>
+                </a:solidFill>
+                <a:effectLst/>
+                <a:latin typeface="rubik"/>
+              </a:rPr>
+              <a:t>Y las causas de la baja se atribuyen </a:t>
+            </a:r>
+            <a:r>
+              <a:rPr lang="es-ES" sz="2000" b="1" i="0" dirty="0">
+                <a:solidFill>
+                  <a:schemeClr val="tx1">
+                    <a:lumMod val="95000"/>
+                  </a:schemeClr>
+                </a:solidFill>
+                <a:effectLst/>
+                <a:latin typeface="rubik"/>
+              </a:rPr>
+              <a:t>a la creciente inflación, a la baja en la economía mundial y </a:t>
+            </a:r>
+          </a:p>
+          <a:p>
+            <a:r>
+              <a:rPr lang="es-ES" sz="2000" b="1" i="0" dirty="0">
+                <a:solidFill>
+                  <a:schemeClr val="tx1">
+                    <a:lumMod val="95000"/>
+                  </a:schemeClr>
+                </a:solidFill>
+                <a:effectLst/>
+                <a:latin typeface="rubik"/>
+              </a:rPr>
+              <a:t>el alza de las compras durante los últimos años como consecuencia de la pandemia por coronavirus</a:t>
+            </a:r>
+            <a:r>
+              <a:rPr lang="es-ES" sz="2000" b="0" i="0" dirty="0">
+                <a:solidFill>
+                  <a:schemeClr val="tx1">
+                    <a:lumMod val="95000"/>
+                  </a:schemeClr>
+                </a:solidFill>
+                <a:effectLst/>
+                <a:latin typeface="rubik"/>
+              </a:rPr>
+              <a:t>.</a:t>
+            </a:r>
+            <a:endParaRPr lang="es-ES" sz="2000" dirty="0">
+              <a:solidFill>
+                <a:schemeClr val="tx1">
+                  <a:lumMod val="95000"/>
+                </a:schemeClr>
+              </a:solidFill>
+            </a:endParaRPr>
           </a:p>
           <a:p>
             <a:pPr marL="285750" indent="-285750">
@@ -13418,10 +13657,12 @@
             <a:r>
               <a:rPr lang="es-ES" sz="2000" dirty="0">
                 <a:solidFill>
-                  <a:schemeClr val="bg1"/>
+                  <a:schemeClr val="tx1">
+                    <a:lumMod val="95000"/>
+                  </a:schemeClr>
                 </a:solidFill>
               </a:rPr>
-              <a:t>Con la finalidad de conocer si sigue siendo rentable este negocio </a:t>
+              <a:t>Con la finalidad de conocer si sigue siendo rentable este negocio. </a:t>
             </a:r>
           </a:p>
           <a:p>
@@ -13432,7 +13673,9 @@
             <a:r>
               <a:rPr lang="es-ES" sz="2000" dirty="0">
                 <a:solidFill>
-                  <a:schemeClr val="bg1"/>
+                  <a:schemeClr val="tx1">
+                    <a:lumMod val="95000"/>
+                  </a:schemeClr>
                 </a:solidFill>
               </a:rPr>
               <a:t>O considerar el panorama que afrontara el mercado</a:t>
@@ -13446,7 +13689,9 @@
             <a:r>
               <a:rPr lang="es-ES" sz="2000" dirty="0">
                 <a:solidFill>
-                  <a:schemeClr val="bg1"/>
+                  <a:schemeClr val="tx1">
+                    <a:lumMod val="95000"/>
+                  </a:schemeClr>
                 </a:solidFill>
               </a:rPr>
               <a:t>El término de la pandemia a sido un efecto nada alentador a este mercado</a:t>
@@ -13606,123 +13851,6 @@
           </a:p>
         </p:txBody>
       </p:sp>
-      <p:grpSp>
-        <p:nvGrpSpPr>
-          <p:cNvPr id="6" name="Grupo 5">
-            <a:extLst>
-              <a:ext uri="{FF2B5EF4-FFF2-40B4-BE49-F238E27FC236}">
-                <a16:creationId xmlns:a16="http://schemas.microsoft.com/office/drawing/2014/main" id="{7AD4D705-B76B-4F23-1BF5-E7C9208A9E63}"/>
-              </a:ext>
-            </a:extLst>
-          </p:cNvPr>
-          <p:cNvGrpSpPr/>
-          <p:nvPr/>
-        </p:nvGrpSpPr>
-        <p:grpSpPr>
-          <a:xfrm>
-            <a:off x="1022555" y="1544454"/>
-            <a:ext cx="5073445" cy="2182761"/>
-            <a:chOff x="3111839" y="1603447"/>
-            <a:chExt cx="5073445" cy="2182761"/>
-          </a:xfrm>
-        </p:grpSpPr>
-        <p:sp>
-          <p:nvSpPr>
-            <p:cNvPr id="5" name="Rectángulo 4">
-              <a:extLst>
-                <a:ext uri="{FF2B5EF4-FFF2-40B4-BE49-F238E27FC236}">
-                  <a16:creationId xmlns:a16="http://schemas.microsoft.com/office/drawing/2014/main" id="{77BFB74D-5145-6297-3757-BD147A00CD00}"/>
-                </a:ext>
-              </a:extLst>
-            </p:cNvPr>
-            <p:cNvSpPr/>
-            <p:nvPr/>
-          </p:nvSpPr>
-          <p:spPr>
-            <a:xfrm>
-              <a:off x="3111839" y="1603447"/>
-              <a:ext cx="5073445" cy="2182761"/>
-            </a:xfrm>
-            <a:prstGeom prst="rect">
-              <a:avLst/>
-            </a:prstGeom>
-            <a:solidFill>
-              <a:schemeClr val="tx1"/>
-            </a:solidFill>
-          </p:spPr>
-          <p:style>
-            <a:lnRef idx="2">
-              <a:schemeClr val="accent1">
-                <a:shade val="15000"/>
-              </a:schemeClr>
-            </a:lnRef>
-            <a:fillRef idx="1">
-              <a:schemeClr val="accent1"/>
-            </a:fillRef>
-            <a:effectRef idx="0">
-              <a:schemeClr val="accent1"/>
-            </a:effectRef>
-            <a:fontRef idx="minor">
-              <a:schemeClr val="lt1"/>
-            </a:fontRef>
-          </p:style>
-          <p:txBody>
-            <a:bodyPr rtlCol="0" anchor="ctr"/>
-            <a:lstStyle/>
-            <a:p>
-              <a:pPr algn="ctr"/>
-              <a:endParaRPr lang="es-ES"/>
-            </a:p>
-          </p:txBody>
-        </p:sp>
-        <p:pic>
-          <p:nvPicPr>
-            <p:cNvPr id="2054" name="Picture 6">
-              <a:extLst>
-                <a:ext uri="{FF2B5EF4-FFF2-40B4-BE49-F238E27FC236}">
-                  <a16:creationId xmlns:a16="http://schemas.microsoft.com/office/drawing/2014/main" id="{7B43A327-CD17-69BD-4FE0-5F8C6AE9A5FC}"/>
-                </a:ext>
-              </a:extLst>
-            </p:cNvPr>
-            <p:cNvPicPr>
-              <a:picLocks noChangeAspect="1" noChangeArrowheads="1"/>
-            </p:cNvPicPr>
-            <p:nvPr/>
-          </p:nvPicPr>
-          <p:blipFill>
-            <a:blip r:embed="rId2">
-              <a:extLst>
-                <a:ext uri="{28A0092B-C50C-407E-A947-70E740481C1C}">
-                  <a14:useLocalDpi xmlns:a14="http://schemas.microsoft.com/office/drawing/2010/main" val="0"/>
-                </a:ext>
-              </a:extLst>
-            </a:blip>
-            <a:srcRect/>
-            <a:stretch>
-              <a:fillRect/>
-            </a:stretch>
-          </p:blipFill>
-          <p:spPr bwMode="auto">
-            <a:xfrm>
-              <a:off x="3396666" y="1825083"/>
-              <a:ext cx="4503789" cy="1739487"/>
-            </a:xfrm>
-            <a:prstGeom prst="rect">
-              <a:avLst/>
-            </a:prstGeom>
-            <a:noFill/>
-            <a:extLst>
-              <a:ext uri="{909E8E84-426E-40DD-AFC4-6F175D3DCCD1}">
-                <a14:hiddenFill xmlns:a14="http://schemas.microsoft.com/office/drawing/2010/main">
-                  <a:solidFill>
-                    <a:srgbClr val="FFFFFF"/>
-                  </a:solidFill>
-                </a14:hiddenFill>
-              </a:ext>
-            </a:extLst>
-          </p:spPr>
-        </p:pic>
-      </p:grpSp>
       <p:sp>
         <p:nvSpPr>
           <p:cNvPr id="3" name="CuadroTexto 2">
@@ -13737,8 +13865,8 @@
         </p:nvSpPr>
         <p:spPr>
           <a:xfrm>
-            <a:off x="1081479" y="3948851"/>
-            <a:ext cx="4788616" cy="646331"/>
+            <a:off x="928467" y="2253239"/>
+            <a:ext cx="9286410" cy="369332"/>
           </a:xfrm>
           <a:prstGeom prst="rect">
             <a:avLst/>
@@ -13754,6 +13882,77 @@
             <a:r>
               <a:rPr lang="es-ES" dirty="0"/>
               <a:t>https://www.kaggle.com/datasets/mrsimple07/laptoppriceprediction</a:t>
+            </a:r>
+          </a:p>
+        </p:txBody>
+      </p:sp>
+      <p:sp>
+        <p:nvSpPr>
+          <p:cNvPr id="7" name="CuadroTexto 6">
+            <a:extLst>
+              <a:ext uri="{FF2B5EF4-FFF2-40B4-BE49-F238E27FC236}">
+                <a16:creationId xmlns:a16="http://schemas.microsoft.com/office/drawing/2014/main" id="{E4943B27-F687-6F1E-CBE4-D6BAEFFD149F}"/>
+              </a:ext>
+            </a:extLst>
+          </p:cNvPr>
+          <p:cNvSpPr txBox="1"/>
+          <p:nvPr/>
+        </p:nvSpPr>
+        <p:spPr>
+          <a:xfrm>
+            <a:off x="928467" y="1350890"/>
+            <a:ext cx="9889588" cy="369332"/>
+          </a:xfrm>
+          <a:prstGeom prst="rect">
+            <a:avLst/>
+          </a:prstGeom>
+          <a:noFill/>
+        </p:spPr>
+        <p:txBody>
+          <a:bodyPr wrap="square">
+            <a:spAutoFit/>
+          </a:bodyPr>
+          <a:lstStyle/>
+          <a:p>
+            <a:r>
+              <a:rPr lang="es-PE"/>
+              <a:t>https://www.dealerworld.es/mercado-en-cifras/el-pc-levantara-cabeza-en-2024-segun-idc</a:t>
+            </a:r>
+            <a:endParaRPr lang="es-PE" dirty="0"/>
+          </a:p>
+        </p:txBody>
+      </p:sp>
+      <p:sp>
+        <p:nvSpPr>
+          <p:cNvPr id="9" name="CuadroTexto 8">
+            <a:extLst>
+              <a:ext uri="{FF2B5EF4-FFF2-40B4-BE49-F238E27FC236}">
+                <a16:creationId xmlns:a16="http://schemas.microsoft.com/office/drawing/2014/main" id="{C931318C-D7C7-E9DC-7F42-F2496FABDB39}"/>
+              </a:ext>
+            </a:extLst>
+          </p:cNvPr>
+          <p:cNvSpPr txBox="1"/>
+          <p:nvPr/>
+        </p:nvSpPr>
+        <p:spPr>
+          <a:xfrm>
+            <a:off x="859861" y="1784479"/>
+            <a:ext cx="9636370" cy="369332"/>
+          </a:xfrm>
+          <a:prstGeom prst="rect">
+            <a:avLst/>
+          </a:prstGeom>
+          <a:noFill/>
+        </p:spPr>
+        <p:txBody>
+          <a:bodyPr wrap="square">
+            <a:spAutoFit/>
+          </a:bodyPr>
+          <a:lstStyle/>
+          <a:p>
+            <a:r>
+              <a:rPr lang="es-PE" dirty="0"/>
+              <a:t>https://www.deperu.com/celulares/cmo-estn-las-ventas-de-computadoras-en-per-actualmente-6756</a:t>
             </a:r>
           </a:p>
         </p:txBody>

--- a/PROYECTO-MACHINE-LEARNING.pptx
+++ b/PROYECTO-MACHINE-LEARNING.pptx
@@ -180,7 +180,7 @@
           <a:noFill/>
           <a:extLst>
             <a:ext uri="{909E8E84-426E-40dd-AFC4-6F175D3DCCD1}">
-              <a14:hiddenFill xmlns:a14="http://schemas.microsoft.com/office/drawing/2010/main" xmlns="">
+              <a14:hiddenFill xmlns="" xmlns:a14="http://schemas.microsoft.com/office/drawing/2010/main">
                 <a:solidFill>
                   <a:srgbClr val="FFFFFF"/>
                 </a:solidFill>
@@ -239,7 +239,7 @@
             </a:ln>
             <a:extLst>
               <a:ext uri="{91240B29-F687-4f45-9708-019B960494DF}">
-                <a14:hiddenLine xmlns:a14="http://schemas.microsoft.com/office/drawing/2010/main" xmlns="" w="9525">
+                <a14:hiddenLine xmlns="" xmlns:a14="http://schemas.microsoft.com/office/drawing/2010/main" w="9525">
                   <a:solidFill>
                     <a:srgbClr val="000000"/>
                   </a:solidFill>
@@ -329,7 +329,7 @@
             </a:ln>
             <a:extLst>
               <a:ext uri="{91240B29-F687-4f45-9708-019B960494DF}">
-                <a14:hiddenLine xmlns:a14="http://schemas.microsoft.com/office/drawing/2010/main" xmlns="" w="9525">
+                <a14:hiddenLine xmlns="" xmlns:a14="http://schemas.microsoft.com/office/drawing/2010/main" w="9525">
                   <a:solidFill>
                     <a:srgbClr val="000000"/>
                   </a:solidFill>
@@ -419,7 +419,7 @@
             </a:ln>
             <a:extLst>
               <a:ext uri="{91240B29-F687-4f45-9708-019B960494DF}">
-                <a14:hiddenLine xmlns:a14="http://schemas.microsoft.com/office/drawing/2010/main" xmlns="" w="9525">
+                <a14:hiddenLine xmlns="" xmlns:a14="http://schemas.microsoft.com/office/drawing/2010/main" w="9525">
                   <a:solidFill>
                     <a:srgbClr val="000000"/>
                   </a:solidFill>
@@ -453,7 +453,7 @@
             </a:ln>
             <a:extLst>
               <a:ext uri="{91240B29-F687-4f45-9708-019B960494DF}">
-                <a14:hiddenLine xmlns:a14="http://schemas.microsoft.com/office/drawing/2010/main" xmlns="" w="9525">
+                <a14:hiddenLine xmlns="" xmlns:a14="http://schemas.microsoft.com/office/drawing/2010/main" w="9525">
                   <a:solidFill>
                     <a:srgbClr val="000000"/>
                   </a:solidFill>
@@ -543,7 +543,7 @@
             </a:ln>
             <a:extLst>
               <a:ext uri="{91240B29-F687-4f45-9708-019B960494DF}">
-                <a14:hiddenLine xmlns:a14="http://schemas.microsoft.com/office/drawing/2010/main" xmlns="" w="9525">
+                <a14:hiddenLine xmlns="" xmlns:a14="http://schemas.microsoft.com/office/drawing/2010/main" w="9525">
                   <a:solidFill>
                     <a:srgbClr val="000000"/>
                   </a:solidFill>
@@ -605,7 +605,7 @@
             </a:ln>
             <a:extLst>
               <a:ext uri="{91240B29-F687-4f45-9708-019B960494DF}">
-                <a14:hiddenLine xmlns:a14="http://schemas.microsoft.com/office/drawing/2010/main" xmlns="" w="9525">
+                <a14:hiddenLine xmlns="" xmlns:a14="http://schemas.microsoft.com/office/drawing/2010/main" w="9525">
                   <a:solidFill>
                     <a:srgbClr val="000000"/>
                   </a:solidFill>
@@ -667,7 +667,7 @@
             </a:ln>
             <a:extLst>
               <a:ext uri="{91240B29-F687-4f45-9708-019B960494DF}">
-                <a14:hiddenLine xmlns:a14="http://schemas.microsoft.com/office/drawing/2010/main" xmlns="" w="9525">
+                <a14:hiddenLine xmlns="" xmlns:a14="http://schemas.microsoft.com/office/drawing/2010/main" w="9525">
                   <a:solidFill>
                     <a:srgbClr val="000000"/>
                   </a:solidFill>
@@ -757,7 +757,7 @@
             </a:ln>
             <a:extLst>
               <a:ext uri="{91240B29-F687-4f45-9708-019B960494DF}">
-                <a14:hiddenLine xmlns:a14="http://schemas.microsoft.com/office/drawing/2010/main" xmlns="" w="9525">
+                <a14:hiddenLine xmlns="" xmlns:a14="http://schemas.microsoft.com/office/drawing/2010/main" w="9525">
                   <a:solidFill>
                     <a:srgbClr val="000000"/>
                   </a:solidFill>
@@ -819,7 +819,7 @@
             </a:ln>
             <a:extLst>
               <a:ext uri="{91240B29-F687-4f45-9708-019B960494DF}">
-                <a14:hiddenLine xmlns:a14="http://schemas.microsoft.com/office/drawing/2010/main" xmlns="" w="9525">
+                <a14:hiddenLine xmlns="" xmlns:a14="http://schemas.microsoft.com/office/drawing/2010/main" w="9525">
                   <a:solidFill>
                     <a:srgbClr val="000000"/>
                   </a:solidFill>
@@ -881,7 +881,7 @@
             </a:ln>
             <a:extLst>
               <a:ext uri="{91240B29-F687-4f45-9708-019B960494DF}">
-                <a14:hiddenLine xmlns:a14="http://schemas.microsoft.com/office/drawing/2010/main" xmlns="" w="9525">
+                <a14:hiddenLine xmlns="" xmlns:a14="http://schemas.microsoft.com/office/drawing/2010/main" w="9525">
                   <a:solidFill>
                     <a:srgbClr val="000000"/>
                   </a:solidFill>
@@ -971,7 +971,7 @@
             </a:ln>
             <a:extLst>
               <a:ext uri="{91240B29-F687-4f45-9708-019B960494DF}">
-                <a14:hiddenLine xmlns:a14="http://schemas.microsoft.com/office/drawing/2010/main" xmlns="" w="9525">
+                <a14:hiddenLine xmlns="" xmlns:a14="http://schemas.microsoft.com/office/drawing/2010/main" w="9525">
                   <a:solidFill>
                     <a:srgbClr val="000000"/>
                   </a:solidFill>
@@ -1061,7 +1061,7 @@
             </a:ln>
             <a:extLst>
               <a:ext uri="{91240B29-F687-4f45-9708-019B960494DF}">
-                <a14:hiddenLine xmlns:a14="http://schemas.microsoft.com/office/drawing/2010/main" xmlns="" w="9525">
+                <a14:hiddenLine xmlns="" xmlns:a14="http://schemas.microsoft.com/office/drawing/2010/main" w="9525">
                   <a:solidFill>
                     <a:srgbClr val="000000"/>
                   </a:solidFill>
@@ -1123,7 +1123,7 @@
             </a:ln>
             <a:extLst>
               <a:ext uri="{91240B29-F687-4f45-9708-019B960494DF}">
-                <a14:hiddenLine xmlns:a14="http://schemas.microsoft.com/office/drawing/2010/main" xmlns="" w="9525">
+                <a14:hiddenLine xmlns="" xmlns:a14="http://schemas.microsoft.com/office/drawing/2010/main" w="9525">
                   <a:solidFill>
                     <a:srgbClr val="000000"/>
                   </a:solidFill>
@@ -1233,7 +1233,7 @@
             </a:ln>
             <a:extLst>
               <a:ext uri="{91240B29-F687-4f45-9708-019B960494DF}">
-                <a14:hiddenLine xmlns:a14="http://schemas.microsoft.com/office/drawing/2010/main" xmlns="" w="9525">
+                <a14:hiddenLine xmlns="" xmlns:a14="http://schemas.microsoft.com/office/drawing/2010/main" w="9525">
                   <a:solidFill>
                     <a:srgbClr val="000000"/>
                   </a:solidFill>
@@ -1295,7 +1295,7 @@
             </a:ln>
             <a:extLst>
               <a:ext uri="{91240B29-F687-4f45-9708-019B960494DF}">
-                <a14:hiddenLine xmlns:a14="http://schemas.microsoft.com/office/drawing/2010/main" xmlns="" w="9525">
+                <a14:hiddenLine xmlns="" xmlns:a14="http://schemas.microsoft.com/office/drawing/2010/main" w="9525">
                   <a:solidFill>
                     <a:srgbClr val="000000"/>
                   </a:solidFill>
@@ -1385,7 +1385,7 @@
             </a:ln>
             <a:extLst>
               <a:ext uri="{91240B29-F687-4f45-9708-019B960494DF}">
-                <a14:hiddenLine xmlns:a14="http://schemas.microsoft.com/office/drawing/2010/main" xmlns="" w="9525">
+                <a14:hiddenLine xmlns="" xmlns:a14="http://schemas.microsoft.com/office/drawing/2010/main" w="9525">
                   <a:solidFill>
                     <a:srgbClr val="000000"/>
                   </a:solidFill>
@@ -1475,7 +1475,7 @@
             </a:ln>
             <a:extLst>
               <a:ext uri="{91240B29-F687-4f45-9708-019B960494DF}">
-                <a14:hiddenLine xmlns:a14="http://schemas.microsoft.com/office/drawing/2010/main" xmlns="" w="9525">
+                <a14:hiddenLine xmlns="" xmlns:a14="http://schemas.microsoft.com/office/drawing/2010/main" w="9525">
                   <a:solidFill>
                     <a:srgbClr val="000000"/>
                   </a:solidFill>
@@ -1537,7 +1537,7 @@
             </a:ln>
             <a:extLst>
               <a:ext uri="{91240B29-F687-4f45-9708-019B960494DF}">
-                <a14:hiddenLine xmlns:a14="http://schemas.microsoft.com/office/drawing/2010/main" xmlns="" w="9525">
+                <a14:hiddenLine xmlns="" xmlns:a14="http://schemas.microsoft.com/office/drawing/2010/main" w="9525">
                   <a:solidFill>
                     <a:srgbClr val="000000"/>
                   </a:solidFill>
@@ -1627,7 +1627,7 @@
             </a:ln>
             <a:extLst>
               <a:ext uri="{91240B29-F687-4f45-9708-019B960494DF}">
-                <a14:hiddenLine xmlns:a14="http://schemas.microsoft.com/office/drawing/2010/main" xmlns="" w="9525">
+                <a14:hiddenLine xmlns="" xmlns:a14="http://schemas.microsoft.com/office/drawing/2010/main" w="9525">
                   <a:solidFill>
                     <a:srgbClr val="000000"/>
                   </a:solidFill>
@@ -1717,7 +1717,7 @@
             </a:ln>
             <a:extLst>
               <a:ext uri="{91240B29-F687-4f45-9708-019B960494DF}">
-                <a14:hiddenLine xmlns:a14="http://schemas.microsoft.com/office/drawing/2010/main" xmlns="" w="9525">
+                <a14:hiddenLine xmlns="" xmlns:a14="http://schemas.microsoft.com/office/drawing/2010/main" w="9525">
                   <a:solidFill>
                     <a:srgbClr val="000000"/>
                   </a:solidFill>
@@ -1773,7 +1773,7 @@
             </a:ln>
             <a:extLst>
               <a:ext uri="{91240B29-F687-4f45-9708-019B960494DF}">
-                <a14:hiddenLine xmlns:a14="http://schemas.microsoft.com/office/drawing/2010/main" xmlns="" w="9525">
+                <a14:hiddenLine xmlns="" xmlns:a14="http://schemas.microsoft.com/office/drawing/2010/main" w="9525">
                   <a:solidFill>
                     <a:srgbClr val="000000"/>
                   </a:solidFill>
@@ -1863,7 +1863,7 @@
             </a:ln>
             <a:extLst>
               <a:ext uri="{91240B29-F687-4f45-9708-019B960494DF}">
-                <a14:hiddenLine xmlns:a14="http://schemas.microsoft.com/office/drawing/2010/main" xmlns="" w="9525">
+                <a14:hiddenLine xmlns="" xmlns:a14="http://schemas.microsoft.com/office/drawing/2010/main" w="9525">
                   <a:solidFill>
                     <a:srgbClr val="000000"/>
                   </a:solidFill>
@@ -1919,7 +1919,7 @@
             </a:ln>
             <a:extLst>
               <a:ext uri="{91240B29-F687-4f45-9708-019B960494DF}">
-                <a14:hiddenLine xmlns:a14="http://schemas.microsoft.com/office/drawing/2010/main" xmlns="" w="9525">
+                <a14:hiddenLine xmlns="" xmlns:a14="http://schemas.microsoft.com/office/drawing/2010/main" w="9525">
                   <a:solidFill>
                     <a:srgbClr val="000000"/>
                   </a:solidFill>
@@ -2009,7 +2009,7 @@
             </a:ln>
             <a:extLst>
               <a:ext uri="{91240B29-F687-4f45-9708-019B960494DF}">
-                <a14:hiddenLine xmlns:a14="http://schemas.microsoft.com/office/drawing/2010/main" xmlns="" w="9525">
+                <a14:hiddenLine xmlns="" xmlns:a14="http://schemas.microsoft.com/office/drawing/2010/main" w="9525">
                   <a:solidFill>
                     <a:srgbClr val="000000"/>
                   </a:solidFill>
@@ -2077,7 +2077,7 @@
             </a:ln>
             <a:extLst>
               <a:ext uri="{91240B29-F687-4f45-9708-019B960494DF}">
-                <a14:hiddenLine xmlns:a14="http://schemas.microsoft.com/office/drawing/2010/main" xmlns="" w="9525">
+                <a14:hiddenLine xmlns="" xmlns:a14="http://schemas.microsoft.com/office/drawing/2010/main" w="9525">
                   <a:solidFill>
                     <a:srgbClr val="000000"/>
                   </a:solidFill>
@@ -2167,7 +2167,7 @@
             </a:ln>
             <a:extLst>
               <a:ext uri="{91240B29-F687-4f45-9708-019B960494DF}">
-                <a14:hiddenLine xmlns:a14="http://schemas.microsoft.com/office/drawing/2010/main" xmlns="" w="9525">
+                <a14:hiddenLine xmlns="" xmlns:a14="http://schemas.microsoft.com/office/drawing/2010/main" w="9525">
                   <a:solidFill>
                     <a:srgbClr val="000000"/>
                   </a:solidFill>
@@ -2235,7 +2235,7 @@
             </a:ln>
             <a:extLst>
               <a:ext uri="{91240B29-F687-4f45-9708-019B960494DF}">
-                <a14:hiddenLine xmlns:a14="http://schemas.microsoft.com/office/drawing/2010/main" xmlns="" w="9525">
+                <a14:hiddenLine xmlns="" xmlns:a14="http://schemas.microsoft.com/office/drawing/2010/main" w="9525">
                   <a:solidFill>
                     <a:srgbClr val="000000"/>
                   </a:solidFill>
@@ -2325,7 +2325,7 @@
             </a:ln>
             <a:extLst>
               <a:ext uri="{91240B29-F687-4f45-9708-019B960494DF}">
-                <a14:hiddenLine xmlns:a14="http://schemas.microsoft.com/office/drawing/2010/main" xmlns="" w="9525">
+                <a14:hiddenLine xmlns="" xmlns:a14="http://schemas.microsoft.com/office/drawing/2010/main" w="9525">
                   <a:solidFill>
                     <a:srgbClr val="000000"/>
                   </a:solidFill>
@@ -2359,7 +2359,7 @@
             </a:ln>
             <a:extLst>
               <a:ext uri="{91240B29-F687-4f45-9708-019B960494DF}">
-                <a14:hiddenLine xmlns:a14="http://schemas.microsoft.com/office/drawing/2010/main" xmlns="" w="9525">
+                <a14:hiddenLine xmlns="" xmlns:a14="http://schemas.microsoft.com/office/drawing/2010/main" w="9525">
                   <a:solidFill>
                     <a:srgbClr val="000000"/>
                   </a:solidFill>
@@ -2449,7 +2449,7 @@
             </a:ln>
             <a:extLst>
               <a:ext uri="{91240B29-F687-4f45-9708-019B960494DF}">
-                <a14:hiddenLine xmlns:a14="http://schemas.microsoft.com/office/drawing/2010/main" xmlns="" w="9525">
+                <a14:hiddenLine xmlns="" xmlns:a14="http://schemas.microsoft.com/office/drawing/2010/main" w="9525">
                   <a:solidFill>
                     <a:srgbClr val="000000"/>
                   </a:solidFill>
@@ -2511,7 +2511,7 @@
             </a:ln>
             <a:extLst>
               <a:ext uri="{91240B29-F687-4f45-9708-019B960494DF}">
-                <a14:hiddenLine xmlns:a14="http://schemas.microsoft.com/office/drawing/2010/main" xmlns="" w="9525">
+                <a14:hiddenLine xmlns="" xmlns:a14="http://schemas.microsoft.com/office/drawing/2010/main" w="9525">
                   <a:solidFill>
                     <a:srgbClr val="000000"/>
                   </a:solidFill>
@@ -2573,7 +2573,7 @@
             </a:ln>
             <a:extLst>
               <a:ext uri="{91240B29-F687-4f45-9708-019B960494DF}">
-                <a14:hiddenLine xmlns:a14="http://schemas.microsoft.com/office/drawing/2010/main" xmlns="" w="9525">
+                <a14:hiddenLine xmlns="" xmlns:a14="http://schemas.microsoft.com/office/drawing/2010/main" w="9525">
                   <a:solidFill>
                     <a:srgbClr val="000000"/>
                   </a:solidFill>
@@ -2663,7 +2663,7 @@
             </a:ln>
             <a:extLst>
               <a:ext uri="{91240B29-F687-4f45-9708-019B960494DF}">
-                <a14:hiddenLine xmlns:a14="http://schemas.microsoft.com/office/drawing/2010/main" xmlns="" w="9525">
+                <a14:hiddenLine xmlns="" xmlns:a14="http://schemas.microsoft.com/office/drawing/2010/main" w="9525">
                   <a:solidFill>
                     <a:srgbClr val="000000"/>
                   </a:solidFill>
@@ -2731,7 +2731,7 @@
             </a:ln>
             <a:extLst>
               <a:ext uri="{91240B29-F687-4f45-9708-019B960494DF}">
-                <a14:hiddenLine xmlns:a14="http://schemas.microsoft.com/office/drawing/2010/main" xmlns="" w="9525">
+                <a14:hiddenLine xmlns="" xmlns:a14="http://schemas.microsoft.com/office/drawing/2010/main" w="9525">
                   <a:solidFill>
                     <a:srgbClr val="000000"/>
                   </a:solidFill>
@@ -2793,7 +2793,7 @@
             </a:ln>
             <a:extLst>
               <a:ext uri="{91240B29-F687-4f45-9708-019B960494DF}">
-                <a14:hiddenLine xmlns:a14="http://schemas.microsoft.com/office/drawing/2010/main" xmlns="" w="9525">
+                <a14:hiddenLine xmlns="" xmlns:a14="http://schemas.microsoft.com/office/drawing/2010/main" w="9525">
                   <a:solidFill>
                     <a:srgbClr val="000000"/>
                   </a:solidFill>
@@ -2883,7 +2883,7 @@
             </a:ln>
             <a:extLst>
               <a:ext uri="{91240B29-F687-4f45-9708-019B960494DF}">
-                <a14:hiddenLine xmlns:a14="http://schemas.microsoft.com/office/drawing/2010/main" xmlns="" w="9525">
+                <a14:hiddenLine xmlns="" xmlns:a14="http://schemas.microsoft.com/office/drawing/2010/main" w="9525">
                   <a:solidFill>
                     <a:srgbClr val="000000"/>
                   </a:solidFill>
@@ -2945,7 +2945,7 @@
             </a:ln>
             <a:extLst>
               <a:ext uri="{91240B29-F687-4f45-9708-019B960494DF}">
-                <a14:hiddenLine xmlns:a14="http://schemas.microsoft.com/office/drawing/2010/main" xmlns="" w="9525">
+                <a14:hiddenLine xmlns="" xmlns:a14="http://schemas.microsoft.com/office/drawing/2010/main" w="9525">
                   <a:solidFill>
                     <a:srgbClr val="000000"/>
                   </a:solidFill>
@@ -3035,7 +3035,7 @@
             </a:ln>
             <a:extLst>
               <a:ext uri="{91240B29-F687-4f45-9708-019B960494DF}">
-                <a14:hiddenLine xmlns:a14="http://schemas.microsoft.com/office/drawing/2010/main" xmlns="" w="9525">
+                <a14:hiddenLine xmlns="" xmlns:a14="http://schemas.microsoft.com/office/drawing/2010/main" w="9525">
                   <a:solidFill>
                     <a:srgbClr val="000000"/>
                   </a:solidFill>
@@ -3097,7 +3097,7 @@
             </a:ln>
             <a:extLst>
               <a:ext uri="{91240B29-F687-4f45-9708-019B960494DF}">
-                <a14:hiddenLine xmlns:a14="http://schemas.microsoft.com/office/drawing/2010/main" xmlns="" w="9525">
+                <a14:hiddenLine xmlns="" xmlns:a14="http://schemas.microsoft.com/office/drawing/2010/main" w="9525">
                   <a:solidFill>
                     <a:srgbClr val="000000"/>
                   </a:solidFill>
@@ -3187,7 +3187,7 @@
             </a:ln>
             <a:extLst>
               <a:ext uri="{91240B29-F687-4f45-9708-019B960494DF}">
-                <a14:hiddenLine xmlns:a14="http://schemas.microsoft.com/office/drawing/2010/main" xmlns="" w="9525">
+                <a14:hiddenLine xmlns="" xmlns:a14="http://schemas.microsoft.com/office/drawing/2010/main" w="9525">
                   <a:solidFill>
                     <a:srgbClr val="000000"/>
                   </a:solidFill>
@@ -3221,7 +3221,7 @@
             </a:ln>
             <a:extLst>
               <a:ext uri="{91240B29-F687-4f45-9708-019B960494DF}">
-                <a14:hiddenLine xmlns:a14="http://schemas.microsoft.com/office/drawing/2010/main" xmlns="" w="9525">
+                <a14:hiddenLine xmlns="" xmlns:a14="http://schemas.microsoft.com/office/drawing/2010/main" w="9525">
                   <a:solidFill>
                     <a:srgbClr val="000000"/>
                   </a:solidFill>
@@ -3286,7 +3286,7 @@
             </a:ln>
             <a:extLst>
               <a:ext uri="{91240B29-F687-4f45-9708-019B960494DF}">
-                <a14:hiddenLine xmlns:a14="http://schemas.microsoft.com/office/drawing/2010/main" xmlns="" w="9525">
+                <a14:hiddenLine xmlns="" xmlns:a14="http://schemas.microsoft.com/office/drawing/2010/main" w="9525">
                   <a:solidFill>
                     <a:srgbClr val="000000"/>
                   </a:solidFill>
@@ -3376,7 +3376,7 @@
             </a:ln>
             <a:extLst>
               <a:ext uri="{91240B29-F687-4f45-9708-019B960494DF}">
-                <a14:hiddenLine xmlns:a14="http://schemas.microsoft.com/office/drawing/2010/main" xmlns="" w="9525">
+                <a14:hiddenLine xmlns="" xmlns:a14="http://schemas.microsoft.com/office/drawing/2010/main" w="9525">
                   <a:solidFill>
                     <a:srgbClr val="000000"/>
                   </a:solidFill>
@@ -3438,7 +3438,7 @@
             </a:ln>
             <a:extLst>
               <a:ext uri="{91240B29-F687-4f45-9708-019B960494DF}">
-                <a14:hiddenLine xmlns:a14="http://schemas.microsoft.com/office/drawing/2010/main" xmlns="" w="9525">
+                <a14:hiddenLine xmlns="" xmlns:a14="http://schemas.microsoft.com/office/drawing/2010/main" w="9525">
                   <a:solidFill>
                     <a:srgbClr val="000000"/>
                   </a:solidFill>
@@ -3528,7 +3528,7 @@
             </a:ln>
             <a:extLst>
               <a:ext uri="{91240B29-F687-4f45-9708-019B960494DF}">
-                <a14:hiddenLine xmlns:a14="http://schemas.microsoft.com/office/drawing/2010/main" xmlns="" w="9525">
+                <a14:hiddenLine xmlns="" xmlns:a14="http://schemas.microsoft.com/office/drawing/2010/main" w="9525">
                   <a:solidFill>
                     <a:srgbClr val="000000"/>
                   </a:solidFill>
@@ -3618,7 +3618,7 @@
             </a:ln>
             <a:extLst>
               <a:ext uri="{91240B29-F687-4f45-9708-019B960494DF}">
-                <a14:hiddenLine xmlns:a14="http://schemas.microsoft.com/office/drawing/2010/main" xmlns="" w="9525">
+                <a14:hiddenLine xmlns="" xmlns:a14="http://schemas.microsoft.com/office/drawing/2010/main" w="9525">
                   <a:solidFill>
                     <a:srgbClr val="000000"/>
                   </a:solidFill>
@@ -3683,7 +3683,7 @@
             </a:ln>
             <a:extLst>
               <a:ext uri="{91240B29-F687-4f45-9708-019B960494DF}">
-                <a14:hiddenLine xmlns:a14="http://schemas.microsoft.com/office/drawing/2010/main" xmlns="" w="9525">
+                <a14:hiddenLine xmlns="" xmlns:a14="http://schemas.microsoft.com/office/drawing/2010/main" w="9525">
                   <a:solidFill>
                     <a:srgbClr val="000000"/>
                   </a:solidFill>
@@ -3745,7 +3745,7 @@
             </a:ln>
             <a:extLst>
               <a:ext uri="{91240B29-F687-4f45-9708-019B960494DF}">
-                <a14:hiddenLine xmlns:a14="http://schemas.microsoft.com/office/drawing/2010/main" xmlns="" w="9525">
+                <a14:hiddenLine xmlns="" xmlns:a14="http://schemas.microsoft.com/office/drawing/2010/main" w="9525">
                   <a:solidFill>
                     <a:srgbClr val="000000"/>
                   </a:solidFill>
@@ -3835,7 +3835,7 @@
             </a:ln>
             <a:extLst>
               <a:ext uri="{91240B29-F687-4f45-9708-019B960494DF}">
-                <a14:hiddenLine xmlns:a14="http://schemas.microsoft.com/office/drawing/2010/main" xmlns="" w="9525">
+                <a14:hiddenLine xmlns="" xmlns:a14="http://schemas.microsoft.com/office/drawing/2010/main" w="9525">
                   <a:solidFill>
                     <a:srgbClr val="000000"/>
                   </a:solidFill>
@@ -3925,7 +3925,7 @@
             </a:ln>
             <a:extLst>
               <a:ext uri="{91240B29-F687-4f45-9708-019B960494DF}">
-                <a14:hiddenLine xmlns:a14="http://schemas.microsoft.com/office/drawing/2010/main" xmlns="" w="9525">
+                <a14:hiddenLine xmlns="" xmlns:a14="http://schemas.microsoft.com/office/drawing/2010/main" w="9525">
                   <a:solidFill>
                     <a:srgbClr val="000000"/>
                   </a:solidFill>
@@ -3987,7 +3987,7 @@
             </a:ln>
             <a:extLst>
               <a:ext uri="{91240B29-F687-4f45-9708-019B960494DF}">
-                <a14:hiddenLine xmlns:a14="http://schemas.microsoft.com/office/drawing/2010/main" xmlns="" w="9525">
+                <a14:hiddenLine xmlns="" xmlns:a14="http://schemas.microsoft.com/office/drawing/2010/main" w="9525">
                   <a:solidFill>
                     <a:srgbClr val="000000"/>
                   </a:solidFill>
@@ -4107,7 +4107,7 @@
             </a:ln>
             <a:extLst>
               <a:ext uri="{91240B29-F687-4f45-9708-019B960494DF}">
-                <a14:hiddenLine xmlns:a14="http://schemas.microsoft.com/office/drawing/2010/main" xmlns="" w="9525">
+                <a14:hiddenLine xmlns="" xmlns:a14="http://schemas.microsoft.com/office/drawing/2010/main" w="9525">
                   <a:solidFill>
                     <a:srgbClr val="000000"/>
                   </a:solidFill>
@@ -4175,7 +4175,7 @@
             </a:ln>
             <a:extLst>
               <a:ext uri="{91240B29-F687-4f45-9708-019B960494DF}">
-                <a14:hiddenLine xmlns:a14="http://schemas.microsoft.com/office/drawing/2010/main" xmlns="" w="9525">
+                <a14:hiddenLine xmlns="" xmlns:a14="http://schemas.microsoft.com/office/drawing/2010/main" w="9525">
                   <a:solidFill>
                     <a:srgbClr val="000000"/>
                   </a:solidFill>
@@ -4265,7 +4265,7 @@
             </a:ln>
             <a:extLst>
               <a:ext uri="{91240B29-F687-4f45-9708-019B960494DF}">
-                <a14:hiddenLine xmlns:a14="http://schemas.microsoft.com/office/drawing/2010/main" xmlns="" w="9525">
+                <a14:hiddenLine xmlns="" xmlns:a14="http://schemas.microsoft.com/office/drawing/2010/main" w="9525">
                   <a:solidFill>
                     <a:srgbClr val="000000"/>
                   </a:solidFill>
@@ -9079,7 +9079,7 @@
           <a:noFill/>
           <a:extLst>
             <a:ext uri="{909E8E84-426E-40dd-AFC4-6F175D3DCCD1}">
-              <a14:hiddenFill xmlns:a14="http://schemas.microsoft.com/office/drawing/2010/main" xmlns="">
+              <a14:hiddenFill xmlns="" xmlns:a14="http://schemas.microsoft.com/office/drawing/2010/main">
                 <a:solidFill>
                   <a:srgbClr val="FFFFFF"/>
                 </a:solidFill>
@@ -9153,7 +9153,7 @@
               </a:ln>
               <a:extLst>
                 <a:ext uri="{91240B29-F687-4f45-9708-019B960494DF}">
-                  <a14:hiddenLine xmlns:a14="http://schemas.microsoft.com/office/drawing/2010/main" xmlns="" w="9525">
+                  <a14:hiddenLine xmlns="" xmlns:a14="http://schemas.microsoft.com/office/drawing/2010/main" w="9525">
                     <a:solidFill>
                       <a:srgbClr val="000000"/>
                     </a:solidFill>
@@ -9243,7 +9243,7 @@
               </a:ln>
               <a:extLst>
                 <a:ext uri="{91240B29-F687-4f45-9708-019B960494DF}">
-                  <a14:hiddenLine xmlns:a14="http://schemas.microsoft.com/office/drawing/2010/main" xmlns="" w="9525">
+                  <a14:hiddenLine xmlns="" xmlns:a14="http://schemas.microsoft.com/office/drawing/2010/main" w="9525">
                     <a:solidFill>
                       <a:srgbClr val="000000"/>
                     </a:solidFill>
@@ -9333,7 +9333,7 @@
               </a:ln>
               <a:extLst>
                 <a:ext uri="{91240B29-F687-4f45-9708-019B960494DF}">
-                  <a14:hiddenLine xmlns:a14="http://schemas.microsoft.com/office/drawing/2010/main" xmlns="" w="9525">
+                  <a14:hiddenLine xmlns="" xmlns:a14="http://schemas.microsoft.com/office/drawing/2010/main" w="9525">
                     <a:solidFill>
                       <a:srgbClr val="000000"/>
                     </a:solidFill>
@@ -9395,7 +9395,7 @@
               </a:ln>
               <a:extLst>
                 <a:ext uri="{91240B29-F687-4f45-9708-019B960494DF}">
-                  <a14:hiddenLine xmlns:a14="http://schemas.microsoft.com/office/drawing/2010/main" xmlns="" w="9525">
+                  <a14:hiddenLine xmlns="" xmlns:a14="http://schemas.microsoft.com/office/drawing/2010/main" w="9525">
                     <a:solidFill>
                       <a:srgbClr val="000000"/>
                     </a:solidFill>
@@ -9485,7 +9485,7 @@
               </a:ln>
               <a:extLst>
                 <a:ext uri="{91240B29-F687-4f45-9708-019B960494DF}">
-                  <a14:hiddenLine xmlns:a14="http://schemas.microsoft.com/office/drawing/2010/main" xmlns="" w="9525">
+                  <a14:hiddenLine xmlns="" xmlns:a14="http://schemas.microsoft.com/office/drawing/2010/main" w="9525">
                     <a:solidFill>
                       <a:srgbClr val="000000"/>
                     </a:solidFill>
@@ -9547,7 +9547,7 @@
               </a:ln>
               <a:extLst>
                 <a:ext uri="{91240B29-F687-4f45-9708-019B960494DF}">
-                  <a14:hiddenLine xmlns:a14="http://schemas.microsoft.com/office/drawing/2010/main" xmlns="" w="9525">
+                  <a14:hiddenLine xmlns="" xmlns:a14="http://schemas.microsoft.com/office/drawing/2010/main" w="9525">
                     <a:solidFill>
                       <a:srgbClr val="000000"/>
                     </a:solidFill>
@@ -9609,7 +9609,7 @@
               </a:ln>
               <a:extLst>
                 <a:ext uri="{91240B29-F687-4f45-9708-019B960494DF}">
-                  <a14:hiddenLine xmlns:a14="http://schemas.microsoft.com/office/drawing/2010/main" xmlns="" w="9525">
+                  <a14:hiddenLine xmlns="" xmlns:a14="http://schemas.microsoft.com/office/drawing/2010/main" w="9525">
                     <a:solidFill>
                       <a:srgbClr val="000000"/>
                     </a:solidFill>
@@ -9699,7 +9699,7 @@
               </a:ln>
               <a:extLst>
                 <a:ext uri="{91240B29-F687-4f45-9708-019B960494DF}">
-                  <a14:hiddenLine xmlns:a14="http://schemas.microsoft.com/office/drawing/2010/main" xmlns="" w="9525">
+                  <a14:hiddenLine xmlns="" xmlns:a14="http://schemas.microsoft.com/office/drawing/2010/main" w="9525">
                     <a:solidFill>
                       <a:srgbClr val="000000"/>
                     </a:solidFill>
@@ -9789,7 +9789,7 @@
               </a:ln>
               <a:extLst>
                 <a:ext uri="{91240B29-F687-4f45-9708-019B960494DF}">
-                  <a14:hiddenLine xmlns:a14="http://schemas.microsoft.com/office/drawing/2010/main" xmlns="" w="9525">
+                  <a14:hiddenLine xmlns="" xmlns:a14="http://schemas.microsoft.com/office/drawing/2010/main" w="9525">
                     <a:solidFill>
                       <a:srgbClr val="000000"/>
                     </a:solidFill>
@@ -9851,7 +9851,7 @@
               </a:ln>
               <a:extLst>
                 <a:ext uri="{91240B29-F687-4f45-9708-019B960494DF}">
-                  <a14:hiddenLine xmlns:a14="http://schemas.microsoft.com/office/drawing/2010/main" xmlns="" w="9525">
+                  <a14:hiddenLine xmlns="" xmlns:a14="http://schemas.microsoft.com/office/drawing/2010/main" w="9525">
                     <a:solidFill>
                       <a:srgbClr val="000000"/>
                     </a:solidFill>
@@ -9961,7 +9961,7 @@
               </a:ln>
               <a:extLst>
                 <a:ext uri="{91240B29-F687-4f45-9708-019B960494DF}">
-                  <a14:hiddenLine xmlns:a14="http://schemas.microsoft.com/office/drawing/2010/main" xmlns="" w="9525">
+                  <a14:hiddenLine xmlns="" xmlns:a14="http://schemas.microsoft.com/office/drawing/2010/main" w="9525">
                     <a:solidFill>
                       <a:srgbClr val="000000"/>
                     </a:solidFill>
@@ -10045,7 +10045,7 @@
               </a:ln>
               <a:extLst>
                 <a:ext uri="{91240B29-F687-4f45-9708-019B960494DF}">
-                  <a14:hiddenLine xmlns:a14="http://schemas.microsoft.com/office/drawing/2010/main" xmlns="" w="9525">
+                  <a14:hiddenLine xmlns="" xmlns:a14="http://schemas.microsoft.com/office/drawing/2010/main" w="9525">
                     <a:solidFill>
                       <a:srgbClr val="000000"/>
                     </a:solidFill>
@@ -10107,7 +10107,7 @@
               </a:ln>
               <a:extLst>
                 <a:ext uri="{91240B29-F687-4f45-9708-019B960494DF}">
-                  <a14:hiddenLine xmlns:a14="http://schemas.microsoft.com/office/drawing/2010/main" xmlns="" w="9525">
+                  <a14:hiddenLine xmlns="" xmlns:a14="http://schemas.microsoft.com/office/drawing/2010/main" w="9525">
                     <a:solidFill>
                       <a:srgbClr val="000000"/>
                     </a:solidFill>
@@ -10169,7 +10169,7 @@
               </a:ln>
               <a:extLst>
                 <a:ext uri="{91240B29-F687-4f45-9708-019B960494DF}">
-                  <a14:hiddenLine xmlns:a14="http://schemas.microsoft.com/office/drawing/2010/main" xmlns="" w="9525">
+                  <a14:hiddenLine xmlns="" xmlns:a14="http://schemas.microsoft.com/office/drawing/2010/main" w="9525">
                     <a:solidFill>
                       <a:srgbClr val="000000"/>
                     </a:solidFill>
@@ -10259,7 +10259,7 @@
               </a:ln>
               <a:extLst>
                 <a:ext uri="{91240B29-F687-4f45-9708-019B960494DF}">
-                  <a14:hiddenLine xmlns:a14="http://schemas.microsoft.com/office/drawing/2010/main" xmlns="" w="9525">
+                  <a14:hiddenLine xmlns="" xmlns:a14="http://schemas.microsoft.com/office/drawing/2010/main" w="9525">
                     <a:solidFill>
                       <a:srgbClr val="000000"/>
                     </a:solidFill>
@@ -10293,7 +10293,7 @@
               </a:ln>
               <a:extLst>
                 <a:ext uri="{91240B29-F687-4f45-9708-019B960494DF}">
-                  <a14:hiddenLine xmlns:a14="http://schemas.microsoft.com/office/drawing/2010/main" xmlns="" w="9525">
+                  <a14:hiddenLine xmlns="" xmlns:a14="http://schemas.microsoft.com/office/drawing/2010/main" w="9525">
                     <a:solidFill>
                       <a:srgbClr val="000000"/>
                     </a:solidFill>
@@ -10358,7 +10358,7 @@
               </a:ln>
               <a:extLst>
                 <a:ext uri="{91240B29-F687-4f45-9708-019B960494DF}">
-                  <a14:hiddenLine xmlns:a14="http://schemas.microsoft.com/office/drawing/2010/main" xmlns="" w="9525">
+                  <a14:hiddenLine xmlns="" xmlns:a14="http://schemas.microsoft.com/office/drawing/2010/main" w="9525">
                     <a:solidFill>
                       <a:srgbClr val="000000"/>
                     </a:solidFill>
@@ -10448,7 +10448,7 @@
               </a:ln>
               <a:extLst>
                 <a:ext uri="{91240B29-F687-4f45-9708-019B960494DF}">
-                  <a14:hiddenLine xmlns:a14="http://schemas.microsoft.com/office/drawing/2010/main" xmlns="" w="9525">
+                  <a14:hiddenLine xmlns="" xmlns:a14="http://schemas.microsoft.com/office/drawing/2010/main" w="9525">
                     <a:solidFill>
                       <a:srgbClr val="000000"/>
                     </a:solidFill>
@@ -10510,7 +10510,7 @@
               </a:ln>
               <a:extLst>
                 <a:ext uri="{91240B29-F687-4f45-9708-019B960494DF}">
-                  <a14:hiddenLine xmlns:a14="http://schemas.microsoft.com/office/drawing/2010/main" xmlns="" w="9525">
+                  <a14:hiddenLine xmlns="" xmlns:a14="http://schemas.microsoft.com/office/drawing/2010/main" w="9525">
                     <a:solidFill>
                       <a:srgbClr val="000000"/>
                     </a:solidFill>
@@ -10600,7 +10600,7 @@
               </a:ln>
               <a:extLst>
                 <a:ext uri="{91240B29-F687-4f45-9708-019B960494DF}">
-                  <a14:hiddenLine xmlns:a14="http://schemas.microsoft.com/office/drawing/2010/main" xmlns="" w="9525">
+                  <a14:hiddenLine xmlns="" xmlns:a14="http://schemas.microsoft.com/office/drawing/2010/main" w="9525">
                     <a:solidFill>
                       <a:srgbClr val="000000"/>
                     </a:solidFill>
@@ -10665,7 +10665,7 @@
               </a:ln>
               <a:extLst>
                 <a:ext uri="{91240B29-F687-4f45-9708-019B960494DF}">
-                  <a14:hiddenLine xmlns:a14="http://schemas.microsoft.com/office/drawing/2010/main" xmlns="" w="9525">
+                  <a14:hiddenLine xmlns="" xmlns:a14="http://schemas.microsoft.com/office/drawing/2010/main" w="9525">
                     <a:solidFill>
                       <a:srgbClr val="000000"/>
                     </a:solidFill>
@@ -10727,7 +10727,7 @@
               </a:ln>
               <a:extLst>
                 <a:ext uri="{91240B29-F687-4f45-9708-019B960494DF}">
-                  <a14:hiddenLine xmlns:a14="http://schemas.microsoft.com/office/drawing/2010/main" xmlns="" w="9525">
+                  <a14:hiddenLine xmlns="" xmlns:a14="http://schemas.microsoft.com/office/drawing/2010/main" w="9525">
                     <a:solidFill>
                       <a:srgbClr val="000000"/>
                     </a:solidFill>
@@ -10817,7 +10817,7 @@
               </a:ln>
               <a:extLst>
                 <a:ext uri="{91240B29-F687-4f45-9708-019B960494DF}">
-                  <a14:hiddenLine xmlns:a14="http://schemas.microsoft.com/office/drawing/2010/main" xmlns="" w="9525">
+                  <a14:hiddenLine xmlns="" xmlns:a14="http://schemas.microsoft.com/office/drawing/2010/main" w="9525">
                     <a:solidFill>
                       <a:srgbClr val="000000"/>
                     </a:solidFill>
@@ -10907,7 +10907,7 @@
               </a:ln>
               <a:extLst>
                 <a:ext uri="{91240B29-F687-4f45-9708-019B960494DF}">
-                  <a14:hiddenLine xmlns:a14="http://schemas.microsoft.com/office/drawing/2010/main" xmlns="" w="9525">
+                  <a14:hiddenLine xmlns="" xmlns:a14="http://schemas.microsoft.com/office/drawing/2010/main" w="9525">
                     <a:solidFill>
                       <a:srgbClr val="000000"/>
                     </a:solidFill>
@@ -10972,7 +10972,7 @@
               </a:ln>
               <a:extLst>
                 <a:ext uri="{91240B29-F687-4f45-9708-019B960494DF}">
-                  <a14:hiddenLine xmlns:a14="http://schemas.microsoft.com/office/drawing/2010/main" xmlns="" w="9525">
+                  <a14:hiddenLine xmlns="" xmlns:a14="http://schemas.microsoft.com/office/drawing/2010/main" w="9525">
                     <a:solidFill>
                       <a:srgbClr val="000000"/>
                     </a:solidFill>
@@ -11092,7 +11092,7 @@
               </a:ln>
               <a:extLst>
                 <a:ext uri="{91240B29-F687-4f45-9708-019B960494DF}">
-                  <a14:hiddenLine xmlns:a14="http://schemas.microsoft.com/office/drawing/2010/main" xmlns="" w="9525">
+                  <a14:hiddenLine xmlns="" xmlns:a14="http://schemas.microsoft.com/office/drawing/2010/main" w="9525">
                     <a:solidFill>
                       <a:srgbClr val="000000"/>
                     </a:solidFill>
@@ -11173,7 +11173,7 @@
               </a:ln>
               <a:extLst>
                 <a:ext uri="{91240B29-F687-4f45-9708-019B960494DF}">
-                  <a14:hiddenLine xmlns:a14="http://schemas.microsoft.com/office/drawing/2010/main" xmlns="" w="9525">
+                  <a14:hiddenLine xmlns="" xmlns:a14="http://schemas.microsoft.com/office/drawing/2010/main" w="9525">
                     <a:solidFill>
                       <a:srgbClr val="000000"/>
                     </a:solidFill>
@@ -11288,7 +11288,7 @@
               </a:ln>
               <a:extLst>
                 <a:ext uri="{91240B29-F687-4f45-9708-019B960494DF}">
-                  <a14:hiddenLine xmlns:a14="http://schemas.microsoft.com/office/drawing/2010/main" xmlns="" w="9525">
+                  <a14:hiddenLine xmlns="" xmlns:a14="http://schemas.microsoft.com/office/drawing/2010/main" w="9525">
                     <a:solidFill>
                       <a:srgbClr val="000000"/>
                     </a:solidFill>
@@ -11378,7 +11378,7 @@
               </a:ln>
               <a:extLst>
                 <a:ext uri="{91240B29-F687-4f45-9708-019B960494DF}">
-                  <a14:hiddenLine xmlns:a14="http://schemas.microsoft.com/office/drawing/2010/main" xmlns="" w="9525">
+                  <a14:hiddenLine xmlns="" xmlns:a14="http://schemas.microsoft.com/office/drawing/2010/main" w="9525">
                     <a:solidFill>
                       <a:srgbClr val="000000"/>
                     </a:solidFill>
@@ -11443,7 +11443,7 @@
               </a:ln>
               <a:extLst>
                 <a:ext uri="{91240B29-F687-4f45-9708-019B960494DF}">
-                  <a14:hiddenLine xmlns:a14="http://schemas.microsoft.com/office/drawing/2010/main" xmlns="" w="9525">
+                  <a14:hiddenLine xmlns="" xmlns:a14="http://schemas.microsoft.com/office/drawing/2010/main" w="9525">
                     <a:solidFill>
                       <a:srgbClr val="000000"/>
                     </a:solidFill>
@@ -11533,7 +11533,7 @@
               </a:ln>
               <a:extLst>
                 <a:ext uri="{91240B29-F687-4f45-9708-019B960494DF}">
-                  <a14:hiddenLine xmlns:a14="http://schemas.microsoft.com/office/drawing/2010/main" xmlns="" w="9525">
+                  <a14:hiddenLine xmlns="" xmlns:a14="http://schemas.microsoft.com/office/drawing/2010/main" w="9525">
                     <a:solidFill>
                       <a:srgbClr val="000000"/>
                     </a:solidFill>
@@ -11601,7 +11601,7 @@
               </a:ln>
               <a:extLst>
                 <a:ext uri="{91240B29-F687-4f45-9708-019B960494DF}">
-                  <a14:hiddenLine xmlns:a14="http://schemas.microsoft.com/office/drawing/2010/main" xmlns="" w="9525">
+                  <a14:hiddenLine xmlns="" xmlns:a14="http://schemas.microsoft.com/office/drawing/2010/main" w="9525">
                     <a:solidFill>
                       <a:srgbClr val="000000"/>
                     </a:solidFill>
@@ -11691,7 +11691,7 @@
               </a:ln>
               <a:extLst>
                 <a:ext uri="{91240B29-F687-4f45-9708-019B960494DF}">
-                  <a14:hiddenLine xmlns:a14="http://schemas.microsoft.com/office/drawing/2010/main" xmlns="" w="9525">
+                  <a14:hiddenLine xmlns="" xmlns:a14="http://schemas.microsoft.com/office/drawing/2010/main" w="9525">
                     <a:solidFill>
                       <a:srgbClr val="000000"/>
                     </a:solidFill>
@@ -11759,7 +11759,7 @@
               </a:ln>
               <a:extLst>
                 <a:ext uri="{91240B29-F687-4f45-9708-019B960494DF}">
-                  <a14:hiddenLine xmlns:a14="http://schemas.microsoft.com/office/drawing/2010/main" xmlns="" w="9525">
+                  <a14:hiddenLine xmlns="" xmlns:a14="http://schemas.microsoft.com/office/drawing/2010/main" w="9525">
                     <a:solidFill>
                       <a:srgbClr val="000000"/>
                     </a:solidFill>
@@ -11849,7 +11849,7 @@
               </a:ln>
               <a:extLst>
                 <a:ext uri="{91240B29-F687-4f45-9708-019B960494DF}">
-                  <a14:hiddenLine xmlns:a14="http://schemas.microsoft.com/office/drawing/2010/main" xmlns="" w="9525">
+                  <a14:hiddenLine xmlns="" xmlns:a14="http://schemas.microsoft.com/office/drawing/2010/main" w="9525">
                     <a:solidFill>
                       <a:srgbClr val="000000"/>
                     </a:solidFill>
@@ -11883,7 +11883,7 @@
               </a:ln>
               <a:extLst>
                 <a:ext uri="{91240B29-F687-4f45-9708-019B960494DF}">
-                  <a14:hiddenLine xmlns:a14="http://schemas.microsoft.com/office/drawing/2010/main" xmlns="" w="9525">
+                  <a14:hiddenLine xmlns="" xmlns:a14="http://schemas.microsoft.com/office/drawing/2010/main" w="9525">
                     <a:solidFill>
                       <a:srgbClr val="000000"/>
                     </a:solidFill>
@@ -12752,7 +12752,7 @@
         </p:nvSpPr>
         <p:spPr>
           <a:xfrm>
-            <a:off x="692009" y="2843647"/>
+            <a:off x="559273" y="1501543"/>
             <a:ext cx="4260184" cy="369332"/>
           </a:xfrm>
           <a:prstGeom prst="rect">
@@ -12774,53 +12774,6 @@
           </a:p>
         </p:txBody>
       </p:sp>
-      <p:pic>
-        <p:nvPicPr>
-          <p:cNvPr id="1026" name="Picture 2" descr="pandas (software) - Wikipedia">
-            <a:extLst>
-              <a:ext uri="{FF2B5EF4-FFF2-40B4-BE49-F238E27FC236}">
-                <a16:creationId xmlns:a16="http://schemas.microsoft.com/office/drawing/2014/main" id="{5735E0C7-7654-7A0A-81EC-406CC0ABA480}"/>
-              </a:ext>
-            </a:extLst>
-          </p:cNvPr>
-          <p:cNvPicPr>
-            <a:picLocks noChangeAspect="1" noChangeArrowheads="1"/>
-          </p:cNvPicPr>
-          <p:nvPr/>
-        </p:nvPicPr>
-        <p:blipFill>
-          <a:blip r:embed="rId2">
-            <a:extLst>
-              <a:ext uri="{28A0092B-C50C-407E-A947-70E740481C1C}">
-                <a14:useLocalDpi xmlns:a14="http://schemas.microsoft.com/office/drawing/2010/main" val="0"/>
-              </a:ext>
-            </a:extLst>
-          </a:blip>
-          <a:srcRect/>
-          <a:stretch>
-            <a:fillRect/>
-          </a:stretch>
-        </p:blipFill>
-        <p:spPr bwMode="auto">
-          <a:xfrm>
-            <a:off x="662581" y="1203883"/>
-            <a:ext cx="3673376" cy="1484656"/>
-          </a:xfrm>
-          <a:prstGeom prst="rect">
-            <a:avLst/>
-          </a:prstGeom>
-          <a:noFill/>
-          <a:extLst>
-            <a:ext uri="{909E8E84-426E-40DD-AFC4-6F175D3DCCD1}">
-              <a14:hiddenFill xmlns:a14="http://schemas.microsoft.com/office/drawing/2010/main">
-                <a:solidFill>
-                  <a:srgbClr val="FFFFFF"/>
-                </a:solidFill>
-              </a14:hiddenFill>
-            </a:ext>
-          </a:extLst>
-        </p:spPr>
-      </p:pic>
     </p:spTree>
     <p:extLst>
       <p:ext uri="{BB962C8B-B14F-4D97-AF65-F5344CB8AC3E}">
@@ -13423,8 +13376,8 @@
         </p:nvSpPr>
         <p:spPr>
           <a:xfrm>
-            <a:off x="773723" y="1744394"/>
-            <a:ext cx="11010707" cy="3785652"/>
+            <a:off x="590645" y="1048775"/>
+            <a:ext cx="11010707" cy="5940088"/>
           </a:xfrm>
           <a:prstGeom prst="rect">
             <a:avLst/>
@@ -13432,7 +13385,7 @@
           <a:noFill/>
         </p:spPr>
         <p:txBody>
-          <a:bodyPr wrap="none" rtlCol="0">
+          <a:bodyPr wrap="square" rtlCol="0">
             <a:spAutoFit/>
           </a:bodyPr>
           <a:lstStyle/>

--- a/PROYECTO-MACHINE-LEARNING.pptx
+++ b/PROYECTO-MACHINE-LEARNING.pptx
@@ -6538,7 +6538,7 @@
         <p:spPr>
           <a:xfrm>
             <a:off x="5122468" y="490934"/>
-            <a:ext cx="2443455" cy="646331"/>
+            <a:ext cx="3254616" cy="646331"/>
           </a:xfrm>
           <a:prstGeom prst="rect">
             <a:avLst/>
@@ -6990,7 +6990,7 @@
         <p:spPr>
           <a:xfrm>
             <a:off x="4335956" y="402444"/>
-            <a:ext cx="3520087" cy="646331"/>
+            <a:ext cx="4262354" cy="646331"/>
           </a:xfrm>
           <a:prstGeom prst="rect">
             <a:avLst/>

--- a/PROYECTO-MACHINE-LEARNING.pptx
+++ b/PROYECTO-MACHINE-LEARNING.pptx
@@ -309,7 +309,7 @@
           <a:p>
             <a:fld id="{B17FED09-996A-4092-B0CE-C688A8E76C69}" type="datetimeFigureOut">
               <a:rPr lang="es-ES" smtClean="0"/>
-              <a:t>15/02/2024</a:t>
+              <a:t>20/02/2024</a:t>
             </a:fld>
             <a:endParaRPr lang="es-ES"/>
           </a:p>
@@ -584,7 +584,7 @@
           <a:p>
             <a:fld id="{B17FED09-996A-4092-B0CE-C688A8E76C69}" type="datetimeFigureOut">
               <a:rPr lang="es-ES" smtClean="0"/>
-              <a:t>15/02/2024</a:t>
+              <a:t>20/02/2024</a:t>
             </a:fld>
             <a:endParaRPr lang="es-ES"/>
           </a:p>
@@ -778,7 +778,7 @@
           <a:p>
             <a:fld id="{B17FED09-996A-4092-B0CE-C688A8E76C69}" type="datetimeFigureOut">
               <a:rPr lang="es-ES" smtClean="0"/>
-              <a:t>15/02/2024</a:t>
+              <a:t>20/02/2024</a:t>
             </a:fld>
             <a:endParaRPr lang="es-ES"/>
           </a:p>
@@ -1051,7 +1051,7 @@
           <a:p>
             <a:fld id="{B17FED09-996A-4092-B0CE-C688A8E76C69}" type="datetimeFigureOut">
               <a:rPr lang="es-ES" smtClean="0"/>
-              <a:t>15/02/2024</a:t>
+              <a:t>20/02/2024</a:t>
             </a:fld>
             <a:endParaRPr lang="es-ES"/>
           </a:p>
@@ -1392,7 +1392,7 @@
           <a:p>
             <a:fld id="{B17FED09-996A-4092-B0CE-C688A8E76C69}" type="datetimeFigureOut">
               <a:rPr lang="es-ES" smtClean="0"/>
-              <a:t>15/02/2024</a:t>
+              <a:t>20/02/2024</a:t>
             </a:fld>
             <a:endParaRPr lang="es-ES"/>
           </a:p>
@@ -2015,7 +2015,7 @@
           <a:p>
             <a:fld id="{B17FED09-996A-4092-B0CE-C688A8E76C69}" type="datetimeFigureOut">
               <a:rPr lang="es-ES" smtClean="0"/>
-              <a:t>15/02/2024</a:t>
+              <a:t>20/02/2024</a:t>
             </a:fld>
             <a:endParaRPr lang="es-ES"/>
           </a:p>
@@ -2875,7 +2875,7 @@
           <a:p>
             <a:fld id="{B17FED09-996A-4092-B0CE-C688A8E76C69}" type="datetimeFigureOut">
               <a:rPr lang="es-ES" smtClean="0"/>
-              <a:t>15/02/2024</a:t>
+              <a:t>20/02/2024</a:t>
             </a:fld>
             <a:endParaRPr lang="es-ES"/>
           </a:p>
@@ -3045,7 +3045,7 @@
           <a:p>
             <a:fld id="{B17FED09-996A-4092-B0CE-C688A8E76C69}" type="datetimeFigureOut">
               <a:rPr lang="es-ES" smtClean="0"/>
-              <a:t>15/02/2024</a:t>
+              <a:t>20/02/2024</a:t>
             </a:fld>
             <a:endParaRPr lang="es-ES"/>
           </a:p>
@@ -3225,7 +3225,7 @@
           <a:p>
             <a:fld id="{B17FED09-996A-4092-B0CE-C688A8E76C69}" type="datetimeFigureOut">
               <a:rPr lang="es-ES" smtClean="0"/>
-              <a:t>15/02/2024</a:t>
+              <a:t>20/02/2024</a:t>
             </a:fld>
             <a:endParaRPr lang="es-ES"/>
           </a:p>
@@ -3395,7 +3395,7 @@
           <a:p>
             <a:fld id="{B17FED09-996A-4092-B0CE-C688A8E76C69}" type="datetimeFigureOut">
               <a:rPr lang="es-ES" smtClean="0"/>
-              <a:t>15/02/2024</a:t>
+              <a:t>20/02/2024</a:t>
             </a:fld>
             <a:endParaRPr lang="es-ES"/>
           </a:p>
@@ -3642,7 +3642,7 @@
           <a:p>
             <a:fld id="{B17FED09-996A-4092-B0CE-C688A8E76C69}" type="datetimeFigureOut">
               <a:rPr lang="es-ES" smtClean="0"/>
-              <a:t>15/02/2024</a:t>
+              <a:t>20/02/2024</a:t>
             </a:fld>
             <a:endParaRPr lang="es-ES"/>
           </a:p>
@@ -3934,7 +3934,7 @@
           <a:p>
             <a:fld id="{B17FED09-996A-4092-B0CE-C688A8E76C69}" type="datetimeFigureOut">
               <a:rPr lang="es-ES" smtClean="0"/>
-              <a:t>15/02/2024</a:t>
+              <a:t>20/02/2024</a:t>
             </a:fld>
             <a:endParaRPr lang="es-ES"/>
           </a:p>
@@ -4378,7 +4378,7 @@
           <a:p>
             <a:fld id="{B17FED09-996A-4092-B0CE-C688A8E76C69}" type="datetimeFigureOut">
               <a:rPr lang="es-ES" smtClean="0"/>
-              <a:t>15/02/2024</a:t>
+              <a:t>20/02/2024</a:t>
             </a:fld>
             <a:endParaRPr lang="es-ES"/>
           </a:p>
@@ -4496,7 +4496,7 @@
           <a:p>
             <a:fld id="{B17FED09-996A-4092-B0CE-C688A8E76C69}" type="datetimeFigureOut">
               <a:rPr lang="es-ES" smtClean="0"/>
-              <a:t>15/02/2024</a:t>
+              <a:t>20/02/2024</a:t>
             </a:fld>
             <a:endParaRPr lang="es-ES"/>
           </a:p>
@@ -4591,7 +4591,7 @@
           <a:p>
             <a:fld id="{B17FED09-996A-4092-B0CE-C688A8E76C69}" type="datetimeFigureOut">
               <a:rPr lang="es-ES" smtClean="0"/>
-              <a:t>15/02/2024</a:t>
+              <a:t>20/02/2024</a:t>
             </a:fld>
             <a:endParaRPr lang="es-ES"/>
           </a:p>
@@ -4870,7 +4870,7 @@
           <a:p>
             <a:fld id="{B17FED09-996A-4092-B0CE-C688A8E76C69}" type="datetimeFigureOut">
               <a:rPr lang="es-ES" smtClean="0"/>
-              <a:t>15/02/2024</a:t>
+              <a:t>20/02/2024</a:t>
             </a:fld>
             <a:endParaRPr lang="es-ES"/>
           </a:p>
@@ -5145,7 +5145,7 @@
           <a:p>
             <a:fld id="{B17FED09-996A-4092-B0CE-C688A8E76C69}" type="datetimeFigureOut">
               <a:rPr lang="es-ES" smtClean="0"/>
-              <a:t>15/02/2024</a:t>
+              <a:t>20/02/2024</a:t>
             </a:fld>
             <a:endParaRPr lang="es-ES"/>
           </a:p>
@@ -5574,7 +5574,7 @@
           <a:p>
             <a:fld id="{B17FED09-996A-4092-B0CE-C688A8E76C69}" type="datetimeFigureOut">
               <a:rPr lang="es-ES" smtClean="0"/>
-              <a:t>15/02/2024</a:t>
+              <a:t>20/02/2024</a:t>
             </a:fld>
             <a:endParaRPr lang="es-ES"/>
           </a:p>
@@ -6165,8 +6165,8 @@
         </p:nvSpPr>
         <p:spPr>
           <a:xfrm>
-            <a:off x="685799" y="2472744"/>
-            <a:ext cx="7221829" cy="2316630"/>
+            <a:off x="685799" y="2472743"/>
+            <a:ext cx="7221829" cy="2895669"/>
           </a:xfrm>
           <a:prstGeom prst="rect">
             <a:avLst/>
@@ -6215,7 +6215,7 @@
         <p:spPr>
           <a:xfrm>
             <a:off x="685799" y="2573383"/>
-            <a:ext cx="7221829" cy="2215991"/>
+            <a:ext cx="7221829" cy="2831544"/>
           </a:xfrm>
           <a:prstGeom prst="rect">
             <a:avLst/>
@@ -6268,7 +6268,7 @@
           <a:p>
             <a:r>
               <a:rPr lang="es-PE" sz="2000" dirty="0"/>
-              <a:t>-</a:t>
+              <a:t>-LEON, CONRAD</a:t>
             </a:r>
           </a:p>
           <a:p>

--- a/PROYECTO-MACHINE-LEARNING.pptx
+++ b/PROYECTO-MACHINE-LEARNING.pptx
@@ -309,7 +309,7 @@
           <a:p>
             <a:fld id="{B17FED09-996A-4092-B0CE-C688A8E76C69}" type="datetimeFigureOut">
               <a:rPr lang="es-ES" smtClean="0"/>
-              <a:t>20/02/2024</a:t>
+              <a:t>22/02/2024</a:t>
             </a:fld>
             <a:endParaRPr lang="es-ES"/>
           </a:p>
@@ -584,7 +584,7 @@
           <a:p>
             <a:fld id="{B17FED09-996A-4092-B0CE-C688A8E76C69}" type="datetimeFigureOut">
               <a:rPr lang="es-ES" smtClean="0"/>
-              <a:t>20/02/2024</a:t>
+              <a:t>22/02/2024</a:t>
             </a:fld>
             <a:endParaRPr lang="es-ES"/>
           </a:p>
@@ -778,7 +778,7 @@
           <a:p>
             <a:fld id="{B17FED09-996A-4092-B0CE-C688A8E76C69}" type="datetimeFigureOut">
               <a:rPr lang="es-ES" smtClean="0"/>
-              <a:t>20/02/2024</a:t>
+              <a:t>22/02/2024</a:t>
             </a:fld>
             <a:endParaRPr lang="es-ES"/>
           </a:p>
@@ -1051,7 +1051,7 @@
           <a:p>
             <a:fld id="{B17FED09-996A-4092-B0CE-C688A8E76C69}" type="datetimeFigureOut">
               <a:rPr lang="es-ES" smtClean="0"/>
-              <a:t>20/02/2024</a:t>
+              <a:t>22/02/2024</a:t>
             </a:fld>
             <a:endParaRPr lang="es-ES"/>
           </a:p>
@@ -1392,7 +1392,7 @@
           <a:p>
             <a:fld id="{B17FED09-996A-4092-B0CE-C688A8E76C69}" type="datetimeFigureOut">
               <a:rPr lang="es-ES" smtClean="0"/>
-              <a:t>20/02/2024</a:t>
+              <a:t>22/02/2024</a:t>
             </a:fld>
             <a:endParaRPr lang="es-ES"/>
           </a:p>
@@ -2015,7 +2015,7 @@
           <a:p>
             <a:fld id="{B17FED09-996A-4092-B0CE-C688A8E76C69}" type="datetimeFigureOut">
               <a:rPr lang="es-ES" smtClean="0"/>
-              <a:t>20/02/2024</a:t>
+              <a:t>22/02/2024</a:t>
             </a:fld>
             <a:endParaRPr lang="es-ES"/>
           </a:p>
@@ -2875,7 +2875,7 @@
           <a:p>
             <a:fld id="{B17FED09-996A-4092-B0CE-C688A8E76C69}" type="datetimeFigureOut">
               <a:rPr lang="es-ES" smtClean="0"/>
-              <a:t>20/02/2024</a:t>
+              <a:t>22/02/2024</a:t>
             </a:fld>
             <a:endParaRPr lang="es-ES"/>
           </a:p>
@@ -3045,7 +3045,7 @@
           <a:p>
             <a:fld id="{B17FED09-996A-4092-B0CE-C688A8E76C69}" type="datetimeFigureOut">
               <a:rPr lang="es-ES" smtClean="0"/>
-              <a:t>20/02/2024</a:t>
+              <a:t>22/02/2024</a:t>
             </a:fld>
             <a:endParaRPr lang="es-ES"/>
           </a:p>
@@ -3225,7 +3225,7 @@
           <a:p>
             <a:fld id="{B17FED09-996A-4092-B0CE-C688A8E76C69}" type="datetimeFigureOut">
               <a:rPr lang="es-ES" smtClean="0"/>
-              <a:t>20/02/2024</a:t>
+              <a:t>22/02/2024</a:t>
             </a:fld>
             <a:endParaRPr lang="es-ES"/>
           </a:p>
@@ -3395,7 +3395,7 @@
           <a:p>
             <a:fld id="{B17FED09-996A-4092-B0CE-C688A8E76C69}" type="datetimeFigureOut">
               <a:rPr lang="es-ES" smtClean="0"/>
-              <a:t>20/02/2024</a:t>
+              <a:t>22/02/2024</a:t>
             </a:fld>
             <a:endParaRPr lang="es-ES"/>
           </a:p>
@@ -3642,7 +3642,7 @@
           <a:p>
             <a:fld id="{B17FED09-996A-4092-B0CE-C688A8E76C69}" type="datetimeFigureOut">
               <a:rPr lang="es-ES" smtClean="0"/>
-              <a:t>20/02/2024</a:t>
+              <a:t>22/02/2024</a:t>
             </a:fld>
             <a:endParaRPr lang="es-ES"/>
           </a:p>
@@ -3934,7 +3934,7 @@
           <a:p>
             <a:fld id="{B17FED09-996A-4092-B0CE-C688A8E76C69}" type="datetimeFigureOut">
               <a:rPr lang="es-ES" smtClean="0"/>
-              <a:t>20/02/2024</a:t>
+              <a:t>22/02/2024</a:t>
             </a:fld>
             <a:endParaRPr lang="es-ES"/>
           </a:p>
@@ -4378,7 +4378,7 @@
           <a:p>
             <a:fld id="{B17FED09-996A-4092-B0CE-C688A8E76C69}" type="datetimeFigureOut">
               <a:rPr lang="es-ES" smtClean="0"/>
-              <a:t>20/02/2024</a:t>
+              <a:t>22/02/2024</a:t>
             </a:fld>
             <a:endParaRPr lang="es-ES"/>
           </a:p>
@@ -4496,7 +4496,7 @@
           <a:p>
             <a:fld id="{B17FED09-996A-4092-B0CE-C688A8E76C69}" type="datetimeFigureOut">
               <a:rPr lang="es-ES" smtClean="0"/>
-              <a:t>20/02/2024</a:t>
+              <a:t>22/02/2024</a:t>
             </a:fld>
             <a:endParaRPr lang="es-ES"/>
           </a:p>
@@ -4591,7 +4591,7 @@
           <a:p>
             <a:fld id="{B17FED09-996A-4092-B0CE-C688A8E76C69}" type="datetimeFigureOut">
               <a:rPr lang="es-ES" smtClean="0"/>
-              <a:t>20/02/2024</a:t>
+              <a:t>22/02/2024</a:t>
             </a:fld>
             <a:endParaRPr lang="es-ES"/>
           </a:p>
@@ -4870,7 +4870,7 @@
           <a:p>
             <a:fld id="{B17FED09-996A-4092-B0CE-C688A8E76C69}" type="datetimeFigureOut">
               <a:rPr lang="es-ES" smtClean="0"/>
-              <a:t>20/02/2024</a:t>
+              <a:t>22/02/2024</a:t>
             </a:fld>
             <a:endParaRPr lang="es-ES"/>
           </a:p>
@@ -5145,7 +5145,7 @@
           <a:p>
             <a:fld id="{B17FED09-996A-4092-B0CE-C688A8E76C69}" type="datetimeFigureOut">
               <a:rPr lang="es-ES" smtClean="0"/>
-              <a:t>20/02/2024</a:t>
+              <a:t>22/02/2024</a:t>
             </a:fld>
             <a:endParaRPr lang="es-ES"/>
           </a:p>
@@ -5574,7 +5574,7 @@
           <a:p>
             <a:fld id="{B17FED09-996A-4092-B0CE-C688A8E76C69}" type="datetimeFigureOut">
               <a:rPr lang="es-ES" smtClean="0"/>
-              <a:t>20/02/2024</a:t>
+              <a:t>22/02/2024</a:t>
             </a:fld>
             <a:endParaRPr lang="es-ES"/>
           </a:p>
@@ -6584,7 +6584,7 @@
         <p:spPr>
           <a:xfrm>
             <a:off x="472607" y="1273190"/>
-            <a:ext cx="11246785" cy="3477875"/>
+            <a:ext cx="11246785" cy="3785652"/>
           </a:xfrm>
           <a:prstGeom prst="rect">
             <a:avLst/>
@@ -6597,7 +6597,10 @@
           </a:bodyPr>
           <a:lstStyle/>
           <a:p>
-            <a:pPr algn="just"/>
+            <a:pPr marL="514350" indent="-514350" algn="just">
+              <a:buFont typeface="+mj-lt"/>
+              <a:buAutoNum type="romanUcPeriod"/>
+            </a:pPr>
             <a:r>
               <a:rPr lang="es-ES" sz="2000" b="0" i="0" u="none" strike="noStrike" dirty="0">
                 <a:solidFill>
@@ -6796,7 +6799,10 @@
             </a:endParaRPr>
           </a:p>
           <a:p>
-            <a:pPr algn="just"/>
+            <a:pPr marL="514350" indent="-514350" algn="just">
+              <a:buFont typeface="+mj-lt"/>
+              <a:buAutoNum type="romanUcPeriod"/>
+            </a:pPr>
             <a:r>
               <a:rPr lang="es-ES" sz="2000" b="1" i="0" u="none" strike="noStrike" dirty="0">
                 <a:solidFill>
@@ -6866,7 +6872,7 @@
         </p:nvSpPr>
         <p:spPr>
           <a:xfrm>
-            <a:off x="472607" y="4751065"/>
+            <a:off x="472607" y="4919008"/>
             <a:ext cx="11498999" cy="1938992"/>
           </a:xfrm>
           <a:prstGeom prst="rect">
@@ -6880,6 +6886,10 @@
           </a:bodyPr>
           <a:lstStyle/>
           <a:p>
+            <a:pPr marL="514350" indent="-514350">
+              <a:buFont typeface="+mj-lt"/>
+              <a:buAutoNum type="romanUcPeriod" startAt="3"/>
+            </a:pPr>
             <a:r>
               <a:rPr lang="es-ES" sz="2000" b="0" i="0" dirty="0">
                 <a:solidFill>
@@ -7035,8 +7045,8 @@
         </p:nvSpPr>
         <p:spPr>
           <a:xfrm>
-            <a:off x="590645" y="1048775"/>
-            <a:ext cx="11010707" cy="5940088"/>
+            <a:off x="590646" y="1382286"/>
+            <a:ext cx="11010707" cy="4093428"/>
           </a:xfrm>
           <a:prstGeom prst="rect">
             <a:avLst/>
@@ -7049,9 +7059,9 @@
           </a:bodyPr>
           <a:lstStyle/>
           <a:p>
-            <a:pPr marL="285750" indent="-285750">
-              <a:buFont typeface="Arial" panose="020B0604020202020204" pitchFamily="34" charset="0"/>
-              <a:buChar char="•"/>
+            <a:pPr marL="457200" indent="-457200">
+              <a:buFont typeface="+mj-lt"/>
+              <a:buAutoNum type="alphaLcParenR"/>
             </a:pPr>
             <a:r>
               <a:rPr lang="es-ES" sz="2000" dirty="0">
@@ -7063,8 +7073,6 @@
               </a:rPr>
               <a:t>El presente caso se tomará conocer el comportamiento de la demanda de laptop, toda vez que  según </a:t>
             </a:r>
-          </a:p>
-          <a:p>
             <a:r>
               <a:rPr lang="es-ES" sz="2000" dirty="0" err="1">
                 <a:solidFill>
@@ -7095,49 +7103,7 @@
                 <a:effectLst/>
                 <a:latin typeface="rubik"/>
               </a:rPr>
-              <a:t>Se pronostica que en el 2024 las ventas de PC y tabletas se retomarán, a pesar </a:t>
-            </a:r>
-          </a:p>
-          <a:p>
-            <a:r>
-              <a:rPr lang="es-ES" sz="2000" b="0" i="0" dirty="0">
-                <a:solidFill>
-                  <a:schemeClr val="tx1">
-                    <a:lumMod val="95000"/>
-                  </a:schemeClr>
-                </a:solidFill>
-                <a:effectLst/>
-                <a:latin typeface="rubik"/>
-              </a:rPr>
-              <a:t>del actual declive. Este panorama surge de un estudio llevado a cabo por IDC, una de las principales </a:t>
-            </a:r>
-          </a:p>
-          <a:p>
-            <a:r>
-              <a:rPr lang="es-ES" sz="2000" b="0" i="0" dirty="0">
-                <a:solidFill>
-                  <a:schemeClr val="tx1">
-                    <a:lumMod val="95000"/>
-                  </a:schemeClr>
-                </a:solidFill>
-                <a:effectLst/>
-                <a:latin typeface="rubik"/>
-              </a:rPr>
-              <a:t>consultoras internacionales, que establece que la comercialización de esos dispositivos bajará </a:t>
-            </a:r>
-          </a:p>
-          <a:p>
-            <a:r>
-              <a:rPr lang="es-ES" sz="2000" b="0" i="0" dirty="0">
-                <a:solidFill>
-                  <a:schemeClr val="tx1">
-                    <a:lumMod val="95000"/>
-                  </a:schemeClr>
-                </a:solidFill>
-                <a:effectLst/>
-                <a:latin typeface="rubik"/>
-              </a:rPr>
-              <a:t>casi 13% durante el pasado año 2022, hasta quedarse en unos 305 millones de unidades vendidas</a:t>
+              <a:t>Se pronostica que en el 2024 las ventas de PC y tabletas se retomarán, a pesar del actual declive. Este panorama surge de un estudio llevado a cabo por IDC, una de las principales consultoras internacionales, que establece que la comercialización de esos dispositivos bajará casi 13% durante el pasado año 2022, hasta quedarse en unos 305 millones de unidades vendidas</a:t>
             </a:r>
             <a:r>
               <a:rPr lang="es-ES" sz="2000" dirty="0">
@@ -7151,6 +7117,10 @@
             </a:r>
           </a:p>
           <a:p>
+            <a:pPr marL="457200" indent="-457200">
+              <a:buFont typeface="+mj-lt"/>
+              <a:buAutoNum type="alphaLcParenR"/>
+            </a:pPr>
             <a:r>
               <a:rPr lang="es-ES" sz="2000" b="0" i="0" dirty="0">
                 <a:solidFill>
@@ -7185,35 +7155,7 @@
                 <a:effectLst/>
                 <a:latin typeface="rubik"/>
               </a:rPr>
-              <a:t> se reduzca </a:t>
-            </a:r>
-          </a:p>
-          <a:p>
-            <a:r>
-              <a:rPr lang="es-ES" sz="2000" b="0" i="0" dirty="0">
-                <a:solidFill>
-                  <a:schemeClr val="tx1">
-                    <a:lumMod val="95000"/>
-                  </a:schemeClr>
-                </a:solidFill>
-                <a:effectLst/>
-                <a:latin typeface="rubik"/>
-              </a:rPr>
-              <a:t>cerca de un 2,5% en 2023 antes de volver a crecer en 2024, según el citado estudio. </a:t>
-            </a:r>
-          </a:p>
-          <a:p>
-            <a:r>
-              <a:rPr lang="es-ES" sz="2000" b="0" i="0" dirty="0">
-                <a:solidFill>
-                  <a:schemeClr val="tx1">
-                    <a:lumMod val="95000"/>
-                  </a:schemeClr>
-                </a:solidFill>
-                <a:effectLst/>
-                <a:latin typeface="rubik"/>
-              </a:rPr>
-              <a:t>Y las causas de la baja se atribuyen </a:t>
+              <a:t> se reduzca cerca de un 2,5% en 2023 antes de volver a crecer en 2024, según el citado estudio. Y las causas de la baja se atribuyen </a:t>
             </a:r>
             <a:r>
               <a:rPr lang="es-ES" sz="2000" b="1" i="0" dirty="0">
@@ -7225,21 +7167,7 @@
                 <a:effectLst/>
                 <a:latin typeface="rubik"/>
               </a:rPr>
-              <a:t>a la creciente inflación, a la baja en la economía mundial y </a:t>
-            </a:r>
-          </a:p>
-          <a:p>
-            <a:r>
-              <a:rPr lang="es-ES" sz="2000" b="1" i="0" dirty="0">
-                <a:solidFill>
-                  <a:schemeClr val="tx1">
-                    <a:lumMod val="95000"/>
-                  </a:schemeClr>
-                </a:solidFill>
-                <a:effectLst/>
-                <a:latin typeface="rubik"/>
-              </a:rPr>
-              <a:t>el alza de las compras durante los últimos años como consecuencia de la pandemia por coronavirus</a:t>
+              <a:t>a la creciente inflación, a la baja en la economía mundial y el alza de las compras durante los últimos años como consecuencia de la pandemia por coronavirus</a:t>
             </a:r>
             <a:r>
               <a:rPr lang="es-ES" sz="2000" b="0" i="0" dirty="0">
@@ -7262,9 +7190,9 @@
             </a:endParaRPr>
           </a:p>
           <a:p>
-            <a:pPr marL="285750" indent="-285750">
-              <a:buFont typeface="Arial" panose="020B0604020202020204" pitchFamily="34" charset="0"/>
-              <a:buChar char="•"/>
+            <a:pPr marL="457200" indent="-457200">
+              <a:buFont typeface="+mj-lt"/>
+              <a:buAutoNum type="alphaLcParenR"/>
             </a:pPr>
             <a:r>
               <a:rPr lang="es-ES" sz="2000" dirty="0">
@@ -7274,29 +7202,13 @@
                   </a:schemeClr>
                 </a:solidFill>
               </a:rPr>
-              <a:t>Con la finalidad de conocer si sigue siendo rentable este negocio. </a:t>
-            </a:r>
-          </a:p>
-          <a:p>
-            <a:pPr marL="285750" indent="-285750">
-              <a:buFont typeface="Arial" panose="020B0604020202020204" pitchFamily="34" charset="0"/>
-              <a:buChar char="•"/>
-            </a:pPr>
-            <a:r>
-              <a:rPr lang="es-ES" sz="2000" dirty="0">
-                <a:solidFill>
-                  <a:schemeClr val="tx1">
-                    <a:lumMod val="95000"/>
-                  </a:schemeClr>
-                </a:solidFill>
-              </a:rPr>
-              <a:t>O considerar el panorama que afrontara el mercado</a:t>
-            </a:r>
-          </a:p>
-          <a:p>
-            <a:pPr marL="285750" indent="-285750">
-              <a:buFont typeface="Arial" panose="020B0604020202020204" pitchFamily="34" charset="0"/>
-              <a:buChar char="•"/>
+              <a:t>Con la finalidad de conocer si sigue siendo rentable este negocio o considerar el panorama que afrontara el mercado</a:t>
+            </a:r>
+          </a:p>
+          <a:p>
+            <a:pPr marL="457200" indent="-457200">
+              <a:buFont typeface="+mj-lt"/>
+              <a:buAutoNum type="alphaLcParenR"/>
             </a:pPr>
             <a:r>
               <a:rPr lang="es-ES" sz="2000" dirty="0">
@@ -7415,21 +7327,33 @@
           </a:bodyPr>
           <a:lstStyle/>
           <a:p>
+            <a:pPr marL="342900" indent="-342900">
+              <a:buFont typeface="+mj-lt"/>
+              <a:buAutoNum type="alphaLcParenR"/>
+            </a:pPr>
             <a:r>
               <a:rPr lang="es-PE" dirty="0"/>
-              <a:t>*Lo que se desea saber es porque algunas laptops son muy caras. Esto se puede deber por la marca, mayor capacidad de la memoria RAM o el disco duro.</a:t>
-            </a:r>
-          </a:p>
-          <a:p>
+              <a:t>Lo que se desea saber es porque algunas laptops son muy caras. Esto se puede deber por la marca, mayor capacidad de la memoria RAM o el disco duro.</a:t>
+            </a:r>
+          </a:p>
+          <a:p>
+            <a:pPr marL="342900" indent="-342900">
+              <a:buFont typeface="+mj-lt"/>
+              <a:buAutoNum type="alphaLcParenR"/>
+            </a:pPr>
             <a:r>
               <a:rPr lang="es-PE" dirty="0"/>
-              <a:t>*Puede ser también el lugar donde se va a comprar debido a que tiendas como Wilson las vende baratas a diferencia de los centros comerciales.</a:t>
-            </a:r>
-          </a:p>
-          <a:p>
+              <a:t>Puede ser también el lugar donde se va a comprar debido a que tiendas como Wilson las vende baratas a diferencia de los centros comerciales.</a:t>
+            </a:r>
+          </a:p>
+          <a:p>
+            <a:pPr marL="342900" indent="-342900">
+              <a:buFont typeface="+mj-lt"/>
+              <a:buAutoNum type="alphaLcParenR"/>
+            </a:pPr>
             <a:r>
               <a:rPr lang="es-PE" dirty="0"/>
-              <a:t>*Las compras de una computadora siempre van a exceder cuando se trata de procesador, memoria RAM, tamaño de disco duro, etc.</a:t>
+              <a:t>Las compras de una computadora siempre van a exceder cuando se trata de procesador, memoria RAM, tamaño de disco duro, etc.</a:t>
             </a:r>
             <a:endParaRPr lang="es-ES" dirty="0"/>
           </a:p>
@@ -7525,7 +7449,7 @@
         </p:nvSpPr>
         <p:spPr>
           <a:xfrm>
-            <a:off x="928467" y="2253239"/>
+            <a:off x="928467" y="2548661"/>
             <a:ext cx="9286410" cy="369332"/>
           </a:xfrm>
           <a:prstGeom prst="rect">
@@ -7596,7 +7520,7 @@
         </p:nvSpPr>
         <p:spPr>
           <a:xfrm>
-            <a:off x="859861" y="1784479"/>
+            <a:off x="928467" y="1949775"/>
             <a:ext cx="9636370" cy="369332"/>
           </a:xfrm>
           <a:prstGeom prst="rect">
@@ -7936,7 +7860,7 @@
         <p:spPr>
           <a:xfrm>
             <a:off x="707922" y="1401097"/>
-            <a:ext cx="10958052" cy="4247317"/>
+            <a:ext cx="10958052" cy="4524315"/>
           </a:xfrm>
           <a:prstGeom prst="rect">
             <a:avLst/>
@@ -7949,35 +7873,51 @@
           </a:bodyPr>
           <a:lstStyle/>
           <a:p>
+            <a:pPr marL="400050" indent="-400050">
+              <a:buFont typeface="+mj-lt"/>
+              <a:buAutoNum type="romanUcPeriod"/>
+            </a:pPr>
             <a:r>
               <a:rPr lang="es-PE" dirty="0"/>
-              <a:t>*Con respecto al resultado del mapa de calor. Es una correlación directa debido a que su valor indica un 1. </a:t>
+              <a:t>El mapa de calor muestra una correlación directa debido a que su valor indica un 1.Ademas, por la tonalidad del color está más claro al dar su respuesta.</a:t>
+            </a:r>
+          </a:p>
+          <a:p>
+            <a:pPr marL="400050" indent="-400050">
+              <a:buFont typeface="+mj-lt"/>
+              <a:buAutoNum type="romanUcPeriod"/>
+            </a:pPr>
+            <a:r>
+              <a:rPr lang="es-PE" dirty="0"/>
+              <a:t>El histograma con respecto a los precios, se puede apreciar clientes prefieren compra más laptops que tengan un valor de 10000 y 30000 dólares, toda vez que su frecuencia excede de 200.</a:t>
+            </a:r>
+          </a:p>
+          <a:p>
+            <a:pPr marL="400050" indent="-400050">
+              <a:buFont typeface="+mj-lt"/>
+              <a:buAutoNum type="romanUcPeriod"/>
+            </a:pPr>
+            <a:r>
+              <a:rPr lang="es-PE" dirty="0"/>
+              <a:t>Sobre el grafico de las marcas de laptops, se muestra preferencias en las compras de las marca mas demandada , teniendo como razones la ofertas y los componentes que les puede beneficiar.</a:t>
+            </a:r>
+          </a:p>
+          <a:p>
+            <a:pPr marL="400050" indent="-400050">
+              <a:buFont typeface="+mj-lt"/>
+              <a:buAutoNum type="romanUcPeriod"/>
+            </a:pPr>
+            <a:r>
+              <a:rPr lang="es-PE" dirty="0"/>
+              <a:t>Sobre el </a:t>
             </a:r>
             <a:r>
               <a:rPr lang="es-PE" dirty="0" err="1"/>
-              <a:t>Ademas</a:t>
+              <a:t>rafico</a:t>
             </a:r>
             <a:r>
               <a:rPr lang="es-PE" dirty="0"/>
-              <a:t>, por la tonalidad del color esta mas claro al dar su respuesta.</a:t>
-            </a:r>
-          </a:p>
-          <a:p>
-            <a:r>
-              <a:rPr lang="es-PE" dirty="0"/>
-              <a:t>*En el grafico de histograma con respecto a los precios, se puede ver que la gente compra mas laptops que tengan un valor de 10000 y 30000 dólares. Esto es debido a que su frecuencia excede de 200.</a:t>
-            </a:r>
-          </a:p>
-          <a:p>
-            <a:r>
-              <a:rPr lang="es-PE" dirty="0"/>
-              <a:t>*En el grafico de las marcas de laptops, se puede ver que las personas compran mas según la marca mas demandada y esto se debe a las ofertas e incluso componentes que les puede beneficiar.</a:t>
-            </a:r>
-          </a:p>
-          <a:p>
-            <a:r>
-              <a:rPr lang="es-PE" dirty="0"/>
-              <a:t>*El grafico de precio según su memoria RAM también es importante debido a que estos son demandados debido a su rendimiento y son los mas comprados como las de 32 </a:t>
+              <a:t> de precio según su memoria RAM podemos apreciar los más demandados y ello a causa a su rendimiento, siendo el que presenta mayor frecuencia de compra el de 32 </a:t>
             </a:r>
             <a:r>
               <a:rPr lang="es-PE" dirty="0" err="1"/>
@@ -7985,13 +7925,17 @@
             </a:r>
             <a:r>
               <a:rPr lang="es-PE" dirty="0"/>
-              <a:t> con cualquier marca.</a:t>
-            </a:r>
-          </a:p>
-          <a:p>
+              <a:t> en cualquier marca.</a:t>
+            </a:r>
+          </a:p>
+          <a:p>
+            <a:pPr marL="400050" indent="-400050">
+              <a:buFont typeface="+mj-lt"/>
+              <a:buAutoNum type="romanUcPeriod"/>
+            </a:pPr>
             <a:r>
               <a:rPr lang="es-PE" dirty="0"/>
-              <a:t>*En el ultimo grafico de Brand. Se puede interpretar mas sencillo de que las personas desean tener las computadoras mas caras según su precio, disco duro de 1 </a:t>
+              <a:t>El grafico de Brand nos muestra una información sencilla pero muy efectiva puesto que se aprecia que las personas desean tener las computadoras con mayor precio, disco duro de 1 </a:t>
             </a:r>
             <a:r>
               <a:rPr lang="es-PE" dirty="0" err="1"/>
@@ -8003,9 +7947,13 @@
             </a:r>
           </a:p>
           <a:p>
+            <a:pPr marL="400050" indent="-400050">
+              <a:buFont typeface="+mj-lt"/>
+              <a:buAutoNum type="romanUcPeriod"/>
+            </a:pPr>
             <a:r>
               <a:rPr lang="es-PE" dirty="0"/>
-              <a:t>*En el caso de las pantallas de las laptops. Los usuarios prefieren que sea de marca Dell ya que estas les genera confianza.</a:t>
+              <a:t>En el caso de las pantallas de las laptops. Los usuarios prefieren que sea de marca Dell ya que estas les genera confianza.</a:t>
             </a:r>
             <a:endParaRPr lang="es-ES" dirty="0"/>
           </a:p>

--- a/PROYECTO-MACHINE-LEARNING.pptx
+++ b/PROYECTO-MACHINE-LEARNING.pptx
@@ -6412,7 +6412,7 @@
         <p:spPr>
           <a:xfrm>
             <a:off x="559273" y="1501543"/>
-            <a:ext cx="4260184" cy="369332"/>
+            <a:ext cx="4260184" cy="923330"/>
           </a:xfrm>
           <a:prstGeom prst="rect">
             <a:avLst/>
@@ -6428,6 +6428,34 @@
             <a:r>
               <a:rPr lang="es-PE" dirty="0"/>
               <a:t>Librería pandas versión 2.1.4</a:t>
+            </a:r>
+          </a:p>
+          <a:p>
+            <a:r>
+              <a:rPr lang="es-PE" dirty="0"/>
+              <a:t>Librería </a:t>
+            </a:r>
+            <a:r>
+              <a:rPr lang="es-PE" dirty="0" err="1"/>
+              <a:t>seaborn</a:t>
+            </a:r>
+            <a:r>
+              <a:rPr lang="es-PE" dirty="0"/>
+              <a:t> versión 0.13.2</a:t>
+            </a:r>
+          </a:p>
+          <a:p>
+            <a:r>
+              <a:rPr lang="es-PE" dirty="0"/>
+              <a:t>Librería </a:t>
+            </a:r>
+            <a:r>
+              <a:rPr lang="es-PE" dirty="0" err="1"/>
+              <a:t>scikit-learn</a:t>
+            </a:r>
+            <a:r>
+              <a:rPr lang="es-PE" dirty="0"/>
+              <a:t> versión 1.4.0</a:t>
             </a:r>
             <a:endParaRPr lang="es-ES" dirty="0"/>
           </a:p>

--- a/PROYECTO-MACHINE-LEARNING.pptx
+++ b/PROYECTO-MACHINE-LEARNING.pptx
@@ -11,12 +11,35 @@
     <p:sldId id="259" r:id="rId5"/>
     <p:sldId id="260" r:id="rId6"/>
     <p:sldId id="261" r:id="rId7"/>
-    <p:sldId id="262" r:id="rId8"/>
-    <p:sldId id="263" r:id="rId9"/>
-    <p:sldId id="264" r:id="rId10"/>
-    <p:sldId id="265" r:id="rId11"/>
-    <p:sldId id="266" r:id="rId12"/>
-    <p:sldId id="267" r:id="rId13"/>
+    <p:sldId id="268" r:id="rId8"/>
+    <p:sldId id="269" r:id="rId9"/>
+    <p:sldId id="270" r:id="rId10"/>
+    <p:sldId id="281" r:id="rId11"/>
+    <p:sldId id="272" r:id="rId12"/>
+    <p:sldId id="275" r:id="rId13"/>
+    <p:sldId id="276" r:id="rId14"/>
+    <p:sldId id="277" r:id="rId15"/>
+    <p:sldId id="278" r:id="rId16"/>
+    <p:sldId id="279" r:id="rId17"/>
+    <p:sldId id="280" r:id="rId18"/>
+    <p:sldId id="282" r:id="rId19"/>
+    <p:sldId id="283" r:id="rId20"/>
+    <p:sldId id="284" r:id="rId21"/>
+    <p:sldId id="289" r:id="rId22"/>
+    <p:sldId id="290" r:id="rId23"/>
+    <p:sldId id="291" r:id="rId24"/>
+    <p:sldId id="292" r:id="rId25"/>
+    <p:sldId id="285" r:id="rId26"/>
+    <p:sldId id="286" r:id="rId27"/>
+    <p:sldId id="287" r:id="rId28"/>
+    <p:sldId id="288" r:id="rId29"/>
+    <p:sldId id="273" r:id="rId30"/>
+    <p:sldId id="274" r:id="rId31"/>
+    <p:sldId id="271" r:id="rId32"/>
+    <p:sldId id="262" r:id="rId33"/>
+    <p:sldId id="263" r:id="rId34"/>
+    <p:sldId id="264" r:id="rId35"/>
+    <p:sldId id="265" r:id="rId36"/>
   </p:sldIdLst>
   <p:sldSz cx="12192000" cy="6858000"/>
   <p:notesSz cx="6858000" cy="9144000"/>
@@ -309,7 +332,7 @@
           <a:p>
             <a:fld id="{B17FED09-996A-4092-B0CE-C688A8E76C69}" type="datetimeFigureOut">
               <a:rPr lang="es-ES" smtClean="0"/>
-              <a:t>22/02/2024</a:t>
+              <a:t>25/02/2024</a:t>
             </a:fld>
             <a:endParaRPr lang="es-ES"/>
           </a:p>
@@ -584,7 +607,7 @@
           <a:p>
             <a:fld id="{B17FED09-996A-4092-B0CE-C688A8E76C69}" type="datetimeFigureOut">
               <a:rPr lang="es-ES" smtClean="0"/>
-              <a:t>22/02/2024</a:t>
+              <a:t>25/02/2024</a:t>
             </a:fld>
             <a:endParaRPr lang="es-ES"/>
           </a:p>
@@ -778,7 +801,7 @@
           <a:p>
             <a:fld id="{B17FED09-996A-4092-B0CE-C688A8E76C69}" type="datetimeFigureOut">
               <a:rPr lang="es-ES" smtClean="0"/>
-              <a:t>22/02/2024</a:t>
+              <a:t>25/02/2024</a:t>
             </a:fld>
             <a:endParaRPr lang="es-ES"/>
           </a:p>
@@ -1051,7 +1074,7 @@
           <a:p>
             <a:fld id="{B17FED09-996A-4092-B0CE-C688A8E76C69}" type="datetimeFigureOut">
               <a:rPr lang="es-ES" smtClean="0"/>
-              <a:t>22/02/2024</a:t>
+              <a:t>25/02/2024</a:t>
             </a:fld>
             <a:endParaRPr lang="es-ES"/>
           </a:p>
@@ -1392,7 +1415,7 @@
           <a:p>
             <a:fld id="{B17FED09-996A-4092-B0CE-C688A8E76C69}" type="datetimeFigureOut">
               <a:rPr lang="es-ES" smtClean="0"/>
-              <a:t>22/02/2024</a:t>
+              <a:t>25/02/2024</a:t>
             </a:fld>
             <a:endParaRPr lang="es-ES"/>
           </a:p>
@@ -2015,7 +2038,7 @@
           <a:p>
             <a:fld id="{B17FED09-996A-4092-B0CE-C688A8E76C69}" type="datetimeFigureOut">
               <a:rPr lang="es-ES" smtClean="0"/>
-              <a:t>22/02/2024</a:t>
+              <a:t>25/02/2024</a:t>
             </a:fld>
             <a:endParaRPr lang="es-ES"/>
           </a:p>
@@ -2875,7 +2898,7 @@
           <a:p>
             <a:fld id="{B17FED09-996A-4092-B0CE-C688A8E76C69}" type="datetimeFigureOut">
               <a:rPr lang="es-ES" smtClean="0"/>
-              <a:t>22/02/2024</a:t>
+              <a:t>25/02/2024</a:t>
             </a:fld>
             <a:endParaRPr lang="es-ES"/>
           </a:p>
@@ -3045,7 +3068,7 @@
           <a:p>
             <a:fld id="{B17FED09-996A-4092-B0CE-C688A8E76C69}" type="datetimeFigureOut">
               <a:rPr lang="es-ES" smtClean="0"/>
-              <a:t>22/02/2024</a:t>
+              <a:t>25/02/2024</a:t>
             </a:fld>
             <a:endParaRPr lang="es-ES"/>
           </a:p>
@@ -3225,7 +3248,7 @@
           <a:p>
             <a:fld id="{B17FED09-996A-4092-B0CE-C688A8E76C69}" type="datetimeFigureOut">
               <a:rPr lang="es-ES" smtClean="0"/>
-              <a:t>22/02/2024</a:t>
+              <a:t>25/02/2024</a:t>
             </a:fld>
             <a:endParaRPr lang="es-ES"/>
           </a:p>
@@ -3395,7 +3418,7 @@
           <a:p>
             <a:fld id="{B17FED09-996A-4092-B0CE-C688A8E76C69}" type="datetimeFigureOut">
               <a:rPr lang="es-ES" smtClean="0"/>
-              <a:t>22/02/2024</a:t>
+              <a:t>25/02/2024</a:t>
             </a:fld>
             <a:endParaRPr lang="es-ES"/>
           </a:p>
@@ -3642,7 +3665,7 @@
           <a:p>
             <a:fld id="{B17FED09-996A-4092-B0CE-C688A8E76C69}" type="datetimeFigureOut">
               <a:rPr lang="es-ES" smtClean="0"/>
-              <a:t>22/02/2024</a:t>
+              <a:t>25/02/2024</a:t>
             </a:fld>
             <a:endParaRPr lang="es-ES"/>
           </a:p>
@@ -3934,7 +3957,7 @@
           <a:p>
             <a:fld id="{B17FED09-996A-4092-B0CE-C688A8E76C69}" type="datetimeFigureOut">
               <a:rPr lang="es-ES" smtClean="0"/>
-              <a:t>22/02/2024</a:t>
+              <a:t>25/02/2024</a:t>
             </a:fld>
             <a:endParaRPr lang="es-ES"/>
           </a:p>
@@ -4378,7 +4401,7 @@
           <a:p>
             <a:fld id="{B17FED09-996A-4092-B0CE-C688A8E76C69}" type="datetimeFigureOut">
               <a:rPr lang="es-ES" smtClean="0"/>
-              <a:t>22/02/2024</a:t>
+              <a:t>25/02/2024</a:t>
             </a:fld>
             <a:endParaRPr lang="es-ES"/>
           </a:p>
@@ -4496,7 +4519,7 @@
           <a:p>
             <a:fld id="{B17FED09-996A-4092-B0CE-C688A8E76C69}" type="datetimeFigureOut">
               <a:rPr lang="es-ES" smtClean="0"/>
-              <a:t>22/02/2024</a:t>
+              <a:t>25/02/2024</a:t>
             </a:fld>
             <a:endParaRPr lang="es-ES"/>
           </a:p>
@@ -4591,7 +4614,7 @@
           <a:p>
             <a:fld id="{B17FED09-996A-4092-B0CE-C688A8E76C69}" type="datetimeFigureOut">
               <a:rPr lang="es-ES" smtClean="0"/>
-              <a:t>22/02/2024</a:t>
+              <a:t>25/02/2024</a:t>
             </a:fld>
             <a:endParaRPr lang="es-ES"/>
           </a:p>
@@ -4870,7 +4893,7 @@
           <a:p>
             <a:fld id="{B17FED09-996A-4092-B0CE-C688A8E76C69}" type="datetimeFigureOut">
               <a:rPr lang="es-ES" smtClean="0"/>
-              <a:t>22/02/2024</a:t>
+              <a:t>25/02/2024</a:t>
             </a:fld>
             <a:endParaRPr lang="es-ES"/>
           </a:p>
@@ -5145,7 +5168,7 @@
           <a:p>
             <a:fld id="{B17FED09-996A-4092-B0CE-C688A8E76C69}" type="datetimeFigureOut">
               <a:rPr lang="es-ES" smtClean="0"/>
-              <a:t>22/02/2024</a:t>
+              <a:t>25/02/2024</a:t>
             </a:fld>
             <a:endParaRPr lang="es-ES"/>
           </a:p>
@@ -5574,7 +5597,7 @@
           <a:p>
             <a:fld id="{B17FED09-996A-4092-B0CE-C688A8E76C69}" type="datetimeFigureOut">
               <a:rPr lang="es-ES" smtClean="0"/>
-              <a:t>22/02/2024</a:t>
+              <a:t>25/02/2024</a:t>
             </a:fld>
             <a:endParaRPr lang="es-ES"/>
           </a:p>
@@ -6215,7 +6238,7 @@
         <p:spPr>
           <a:xfrm>
             <a:off x="685799" y="2573383"/>
-            <a:ext cx="7221829" cy="2831544"/>
+            <a:ext cx="7221829" cy="2554545"/>
           </a:xfrm>
           <a:prstGeom prst="rect">
             <a:avLst/>
@@ -6268,10 +6291,12 @@
           <a:p>
             <a:r>
               <a:rPr lang="es-PE" sz="2000" dirty="0"/>
-              <a:t>-LEON, CONRAD</a:t>
-            </a:r>
-          </a:p>
-          <a:p>
+              <a:t>-</a:t>
+            </a:r>
+            <a:r>
+              <a:rPr lang="es-ES" sz="2000" dirty="0"/>
+              <a:t>LEON TORRES, LUIS CONRAO</a:t>
+            </a:r>
             <a:endParaRPr lang="es-PE" dirty="0"/>
           </a:p>
         </p:txBody>
@@ -6356,7 +6381,7 @@
           <p:cNvPr id="2" name="Rectángulo 1">
             <a:extLst>
               <a:ext uri="{FF2B5EF4-FFF2-40B4-BE49-F238E27FC236}">
-                <a16:creationId xmlns:a16="http://schemas.microsoft.com/office/drawing/2014/main" id="{2B6F66BC-EC83-177B-A3F5-D6FD044379CF}"/>
+                <a16:creationId xmlns:a16="http://schemas.microsoft.com/office/drawing/2014/main" id="{D61B5CBF-1616-6B4E-3803-32BC1840469C}"/>
               </a:ext>
             </a:extLst>
           </p:cNvPr>
@@ -6365,8 +6390,8 @@
         </p:nvSpPr>
         <p:spPr>
           <a:xfrm>
-            <a:off x="4335957" y="402444"/>
-            <a:ext cx="3244714" cy="646331"/>
+            <a:off x="383458" y="247636"/>
+            <a:ext cx="9807677" cy="1212454"/>
           </a:xfrm>
           <a:prstGeom prst="rect">
             <a:avLst/>
@@ -6392,79 +6417,115 @@
           <a:p>
             <a:r>
               <a:rPr lang="es-PE" sz="3600" b="1" dirty="0"/>
-              <a:t>REFERENCIAS</a:t>
-            </a:r>
-          </a:p>
-        </p:txBody>
-      </p:sp>
-      <p:sp>
-        <p:nvSpPr>
-          <p:cNvPr id="3" name="CuadroTexto 2">
+              <a:t>Grafica de Cantidad de Disco Duro de Laptop</a:t>
+            </a:r>
+          </a:p>
+        </p:txBody>
+      </p:sp>
+      <p:grpSp>
+        <p:nvGrpSpPr>
+          <p:cNvPr id="6" name="Grupo 5">
             <a:extLst>
               <a:ext uri="{FF2B5EF4-FFF2-40B4-BE49-F238E27FC236}">
-                <a16:creationId xmlns:a16="http://schemas.microsoft.com/office/drawing/2014/main" id="{DB451F27-448E-A169-5BB5-A0C77AAFA8AD}"/>
+                <a16:creationId xmlns:a16="http://schemas.microsoft.com/office/drawing/2014/main" id="{2F15C02D-BF13-D2D3-4BFA-EAC75AE01A5D}"/>
               </a:ext>
             </a:extLst>
           </p:cNvPr>
-          <p:cNvSpPr txBox="1"/>
+          <p:cNvGrpSpPr/>
           <p:nvPr/>
-        </p:nvSpPr>
-        <p:spPr>
-          <a:xfrm>
-            <a:off x="559273" y="1501543"/>
-            <a:ext cx="4260184" cy="923330"/>
-          </a:xfrm>
-          <a:prstGeom prst="rect">
-            <a:avLst/>
-          </a:prstGeom>
-          <a:noFill/>
-        </p:spPr>
-        <p:txBody>
-          <a:bodyPr wrap="square" rtlCol="0">
-            <a:spAutoFit/>
-          </a:bodyPr>
-          <a:lstStyle/>
-          <a:p>
-            <a:r>
-              <a:rPr lang="es-PE" dirty="0"/>
-              <a:t>Librería pandas versión 2.1.4</a:t>
-            </a:r>
-          </a:p>
-          <a:p>
-            <a:r>
-              <a:rPr lang="es-PE" dirty="0"/>
-              <a:t>Librería </a:t>
-            </a:r>
-            <a:r>
-              <a:rPr lang="es-PE" dirty="0" err="1"/>
-              <a:t>seaborn</a:t>
-            </a:r>
-            <a:r>
-              <a:rPr lang="es-PE" dirty="0"/>
-              <a:t> versión 0.13.2</a:t>
-            </a:r>
-          </a:p>
-          <a:p>
-            <a:r>
-              <a:rPr lang="es-PE" dirty="0"/>
-              <a:t>Librería </a:t>
-            </a:r>
-            <a:r>
-              <a:rPr lang="es-PE" dirty="0" err="1"/>
-              <a:t>scikit-learn</a:t>
-            </a:r>
-            <a:r>
-              <a:rPr lang="es-PE" dirty="0"/>
-              <a:t> versión 1.4.0</a:t>
-            </a:r>
-            <a:endParaRPr lang="es-ES" dirty="0"/>
-          </a:p>
-        </p:txBody>
-      </p:sp>
+        </p:nvGrpSpPr>
+        <p:grpSpPr>
+          <a:xfrm>
+            <a:off x="1516626" y="1610661"/>
+            <a:ext cx="8880987" cy="4999703"/>
+            <a:chOff x="1516626" y="1610661"/>
+            <a:chExt cx="8880987" cy="4999703"/>
+          </a:xfrm>
+        </p:grpSpPr>
+        <p:sp>
+          <p:nvSpPr>
+            <p:cNvPr id="3" name="Rectángulo 2">
+              <a:extLst>
+                <a:ext uri="{FF2B5EF4-FFF2-40B4-BE49-F238E27FC236}">
+                  <a16:creationId xmlns:a16="http://schemas.microsoft.com/office/drawing/2014/main" id="{01D042A0-D308-8577-C304-F1FF9EF42F1F}"/>
+                </a:ext>
+              </a:extLst>
+            </p:cNvPr>
+            <p:cNvSpPr/>
+            <p:nvPr/>
+          </p:nvSpPr>
+          <p:spPr>
+            <a:xfrm>
+              <a:off x="1516626" y="1610661"/>
+              <a:ext cx="8880987" cy="4999703"/>
+            </a:xfrm>
+            <a:prstGeom prst="rect">
+              <a:avLst/>
+            </a:prstGeom>
+          </p:spPr>
+          <p:style>
+            <a:lnRef idx="3">
+              <a:schemeClr val="lt1"/>
+            </a:lnRef>
+            <a:fillRef idx="1">
+              <a:schemeClr val="dk1"/>
+            </a:fillRef>
+            <a:effectRef idx="1">
+              <a:schemeClr val="dk1"/>
+            </a:effectRef>
+            <a:fontRef idx="minor">
+              <a:schemeClr val="lt1"/>
+            </a:fontRef>
+          </p:style>
+          <p:txBody>
+            <a:bodyPr rtlCol="0" anchor="ctr"/>
+            <a:lstStyle/>
+            <a:p>
+              <a:endParaRPr lang="es-PE" sz="3600" b="1" dirty="0"/>
+            </a:p>
+          </p:txBody>
+        </p:sp>
+        <p:pic>
+          <p:nvPicPr>
+            <p:cNvPr id="5" name="Imagen 4">
+              <a:extLst>
+                <a:ext uri="{FF2B5EF4-FFF2-40B4-BE49-F238E27FC236}">
+                  <a16:creationId xmlns:a16="http://schemas.microsoft.com/office/drawing/2014/main" id="{D9438F59-FFF4-BF2C-EF47-0ED5DDEA25E4}"/>
+                </a:ext>
+              </a:extLst>
+            </p:cNvPr>
+            <p:cNvPicPr>
+              <a:picLocks noChangeAspect="1"/>
+            </p:cNvPicPr>
+            <p:nvPr/>
+          </p:nvPicPr>
+          <p:blipFill>
+            <a:blip r:embed="rId2">
+              <a:extLst>
+                <a:ext uri="{28A0092B-C50C-407E-A947-70E740481C1C}">
+                  <a14:useLocalDpi xmlns:a14="http://schemas.microsoft.com/office/drawing/2010/main" val="0"/>
+                </a:ext>
+              </a:extLst>
+            </a:blip>
+            <a:stretch>
+              <a:fillRect/>
+            </a:stretch>
+          </p:blipFill>
+          <p:spPr>
+            <a:xfrm>
+              <a:off x="1687198" y="1815363"/>
+              <a:ext cx="8503937" cy="4590297"/>
+            </a:xfrm>
+            <a:prstGeom prst="rect">
+              <a:avLst/>
+            </a:prstGeom>
+          </p:spPr>
+        </p:pic>
+      </p:grpSp>
     </p:spTree>
     <p:extLst>
       <p:ext uri="{BB962C8B-B14F-4D97-AF65-F5344CB8AC3E}">
-        <p14:creationId xmlns:p14="http://schemas.microsoft.com/office/powerpoint/2010/main" val="1813568168"/>
+        <p14:creationId xmlns:p14="http://schemas.microsoft.com/office/powerpoint/2010/main" val="1970341430"/>
       </p:ext>
     </p:extLst>
   </p:cSld>
@@ -6491,10 +6552,156 @@
           <a:chExt cx="0" cy="0"/>
         </a:xfrm>
       </p:grpSpPr>
+      <p:sp>
+        <p:nvSpPr>
+          <p:cNvPr id="2" name="Rectángulo 1">
+            <a:extLst>
+              <a:ext uri="{FF2B5EF4-FFF2-40B4-BE49-F238E27FC236}">
+                <a16:creationId xmlns:a16="http://schemas.microsoft.com/office/drawing/2014/main" id="{E7A049C5-5C07-0246-6B10-A8B653FF7D21}"/>
+              </a:ext>
+            </a:extLst>
+          </p:cNvPr>
+          <p:cNvSpPr/>
+          <p:nvPr/>
+        </p:nvSpPr>
+        <p:spPr>
+          <a:xfrm>
+            <a:off x="383458" y="247636"/>
+            <a:ext cx="9807677" cy="1197706"/>
+          </a:xfrm>
+          <a:prstGeom prst="rect">
+            <a:avLst/>
+          </a:prstGeom>
+        </p:spPr>
+        <p:style>
+          <a:lnRef idx="3">
+            <a:schemeClr val="lt1"/>
+          </a:lnRef>
+          <a:fillRef idx="1">
+            <a:schemeClr val="dk1"/>
+          </a:fillRef>
+          <a:effectRef idx="1">
+            <a:schemeClr val="dk1"/>
+          </a:effectRef>
+          <a:fontRef idx="minor">
+            <a:schemeClr val="lt1"/>
+          </a:fontRef>
+        </p:style>
+        <p:txBody>
+          <a:bodyPr rtlCol="0" anchor="ctr"/>
+          <a:lstStyle/>
+          <a:p>
+            <a:r>
+              <a:rPr lang="es-PE" sz="3600" b="1" dirty="0"/>
+              <a:t>Grafica de Cantidad de Procesadores de Laptop</a:t>
+            </a:r>
+          </a:p>
+        </p:txBody>
+      </p:sp>
+      <p:grpSp>
+        <p:nvGrpSpPr>
+          <p:cNvPr id="6" name="Grupo 5">
+            <a:extLst>
+              <a:ext uri="{FF2B5EF4-FFF2-40B4-BE49-F238E27FC236}">
+                <a16:creationId xmlns:a16="http://schemas.microsoft.com/office/drawing/2014/main" id="{8388BCC1-09CF-01E0-7C1B-B86765FEF915}"/>
+              </a:ext>
+            </a:extLst>
+          </p:cNvPr>
+          <p:cNvGrpSpPr/>
+          <p:nvPr/>
+        </p:nvGrpSpPr>
+        <p:grpSpPr>
+          <a:xfrm>
+            <a:off x="1519084" y="1666568"/>
+            <a:ext cx="9158747" cy="5058696"/>
+            <a:chOff x="1519084" y="1666568"/>
+            <a:chExt cx="9158747" cy="5058696"/>
+          </a:xfrm>
+        </p:grpSpPr>
+        <p:sp>
+          <p:nvSpPr>
+            <p:cNvPr id="3" name="Rectángulo 2">
+              <a:extLst>
+                <a:ext uri="{FF2B5EF4-FFF2-40B4-BE49-F238E27FC236}">
+                  <a16:creationId xmlns:a16="http://schemas.microsoft.com/office/drawing/2014/main" id="{58080BBD-1C62-875E-0D6E-61304E122491}"/>
+                </a:ext>
+              </a:extLst>
+            </p:cNvPr>
+            <p:cNvSpPr/>
+            <p:nvPr/>
+          </p:nvSpPr>
+          <p:spPr>
+            <a:xfrm>
+              <a:off x="1519084" y="1666568"/>
+              <a:ext cx="9158747" cy="5058696"/>
+            </a:xfrm>
+            <a:prstGeom prst="rect">
+              <a:avLst/>
+            </a:prstGeom>
+          </p:spPr>
+          <p:style>
+            <a:lnRef idx="3">
+              <a:schemeClr val="lt1"/>
+            </a:lnRef>
+            <a:fillRef idx="1">
+              <a:schemeClr val="dk1"/>
+            </a:fillRef>
+            <a:effectRef idx="1">
+              <a:schemeClr val="dk1"/>
+            </a:effectRef>
+            <a:fontRef idx="minor">
+              <a:schemeClr val="lt1"/>
+            </a:fontRef>
+          </p:style>
+          <p:txBody>
+            <a:bodyPr rtlCol="0" anchor="ctr"/>
+            <a:lstStyle/>
+            <a:p>
+              <a:endParaRPr lang="es-PE" sz="3600" b="1" dirty="0"/>
+            </a:p>
+          </p:txBody>
+        </p:sp>
+        <p:pic>
+          <p:nvPicPr>
+            <p:cNvPr id="5" name="Imagen 4">
+              <a:extLst>
+                <a:ext uri="{FF2B5EF4-FFF2-40B4-BE49-F238E27FC236}">
+                  <a16:creationId xmlns:a16="http://schemas.microsoft.com/office/drawing/2014/main" id="{4E283CBC-4C8D-D18F-1085-50C9B9170678}"/>
+                </a:ext>
+              </a:extLst>
+            </p:cNvPr>
+            <p:cNvPicPr>
+              <a:picLocks noChangeAspect="1"/>
+            </p:cNvPicPr>
+            <p:nvPr/>
+          </p:nvPicPr>
+          <p:blipFill>
+            <a:blip r:embed="rId2">
+              <a:extLst>
+                <a:ext uri="{28A0092B-C50C-407E-A947-70E740481C1C}">
+                  <a14:useLocalDpi xmlns:a14="http://schemas.microsoft.com/office/drawing/2010/main" val="0"/>
+                </a:ext>
+              </a:extLst>
+            </a:blip>
+            <a:stretch>
+              <a:fillRect/>
+            </a:stretch>
+          </p:blipFill>
+          <p:spPr>
+            <a:xfrm>
+              <a:off x="1807455" y="1900767"/>
+              <a:ext cx="8577089" cy="4590297"/>
+            </a:xfrm>
+            <a:prstGeom prst="rect">
+              <a:avLst/>
+            </a:prstGeom>
+          </p:spPr>
+        </p:pic>
+      </p:grpSp>
     </p:spTree>
     <p:extLst>
       <p:ext uri="{BB962C8B-B14F-4D97-AF65-F5344CB8AC3E}">
-        <p14:creationId xmlns:p14="http://schemas.microsoft.com/office/powerpoint/2010/main" val="3854507390"/>
+        <p14:creationId xmlns:p14="http://schemas.microsoft.com/office/powerpoint/2010/main" val="2114797851"/>
       </p:ext>
     </p:extLst>
   </p:cSld>
@@ -6521,10 +6728,1388 @@
           <a:chExt cx="0" cy="0"/>
         </a:xfrm>
       </p:grpSpPr>
+      <p:sp>
+        <p:nvSpPr>
+          <p:cNvPr id="2" name="Rectángulo 1">
+            <a:extLst>
+              <a:ext uri="{FF2B5EF4-FFF2-40B4-BE49-F238E27FC236}">
+                <a16:creationId xmlns:a16="http://schemas.microsoft.com/office/drawing/2014/main" id="{E4BB5FDC-A506-D0A9-D581-B728523272F3}"/>
+              </a:ext>
+            </a:extLst>
+          </p:cNvPr>
+          <p:cNvSpPr/>
+          <p:nvPr/>
+        </p:nvSpPr>
+        <p:spPr>
+          <a:xfrm>
+            <a:off x="383458" y="247636"/>
+            <a:ext cx="9807677" cy="1168209"/>
+          </a:xfrm>
+          <a:prstGeom prst="rect">
+            <a:avLst/>
+          </a:prstGeom>
+        </p:spPr>
+        <p:style>
+          <a:lnRef idx="3">
+            <a:schemeClr val="lt1"/>
+          </a:lnRef>
+          <a:fillRef idx="1">
+            <a:schemeClr val="dk1"/>
+          </a:fillRef>
+          <a:effectRef idx="1">
+            <a:schemeClr val="dk1"/>
+          </a:effectRef>
+          <a:fontRef idx="minor">
+            <a:schemeClr val="lt1"/>
+          </a:fontRef>
+        </p:style>
+        <p:txBody>
+          <a:bodyPr rtlCol="0" anchor="ctr"/>
+          <a:lstStyle/>
+          <a:p>
+            <a:r>
+              <a:rPr lang="es-PE" sz="3600" b="1" dirty="0"/>
+              <a:t>Grafica de Cantidad de Pantallas de Laptop</a:t>
+            </a:r>
+          </a:p>
+        </p:txBody>
+      </p:sp>
+      <p:grpSp>
+        <p:nvGrpSpPr>
+          <p:cNvPr id="6" name="Grupo 5">
+            <a:extLst>
+              <a:ext uri="{FF2B5EF4-FFF2-40B4-BE49-F238E27FC236}">
+                <a16:creationId xmlns:a16="http://schemas.microsoft.com/office/drawing/2014/main" id="{958BF088-2957-5BB7-766E-AA39448E426F}"/>
+              </a:ext>
+            </a:extLst>
+          </p:cNvPr>
+          <p:cNvGrpSpPr/>
+          <p:nvPr/>
+        </p:nvGrpSpPr>
+        <p:grpSpPr>
+          <a:xfrm>
+            <a:off x="1519085" y="1622323"/>
+            <a:ext cx="8480322" cy="5102941"/>
+            <a:chOff x="1519085" y="1622323"/>
+            <a:chExt cx="8480322" cy="5102941"/>
+          </a:xfrm>
+        </p:grpSpPr>
+        <p:sp>
+          <p:nvSpPr>
+            <p:cNvPr id="3" name="Rectángulo 2">
+              <a:extLst>
+                <a:ext uri="{FF2B5EF4-FFF2-40B4-BE49-F238E27FC236}">
+                  <a16:creationId xmlns:a16="http://schemas.microsoft.com/office/drawing/2014/main" id="{9670EEDD-99D4-6743-AE9B-24CF9B5123A7}"/>
+                </a:ext>
+              </a:extLst>
+            </p:cNvPr>
+            <p:cNvSpPr/>
+            <p:nvPr/>
+          </p:nvSpPr>
+          <p:spPr>
+            <a:xfrm>
+              <a:off x="1519085" y="1622323"/>
+              <a:ext cx="8480322" cy="5102941"/>
+            </a:xfrm>
+            <a:prstGeom prst="rect">
+              <a:avLst/>
+            </a:prstGeom>
+          </p:spPr>
+          <p:style>
+            <a:lnRef idx="3">
+              <a:schemeClr val="lt1"/>
+            </a:lnRef>
+            <a:fillRef idx="1">
+              <a:schemeClr val="dk1"/>
+            </a:fillRef>
+            <a:effectRef idx="1">
+              <a:schemeClr val="dk1"/>
+            </a:effectRef>
+            <a:fontRef idx="minor">
+              <a:schemeClr val="lt1"/>
+            </a:fontRef>
+          </p:style>
+          <p:txBody>
+            <a:bodyPr rtlCol="0" anchor="ctr"/>
+            <a:lstStyle/>
+            <a:p>
+              <a:endParaRPr lang="es-PE" sz="3600" b="1" dirty="0"/>
+            </a:p>
+          </p:txBody>
+        </p:sp>
+        <p:pic>
+          <p:nvPicPr>
+            <p:cNvPr id="5" name="Imagen 4">
+              <a:extLst>
+                <a:ext uri="{FF2B5EF4-FFF2-40B4-BE49-F238E27FC236}">
+                  <a16:creationId xmlns:a16="http://schemas.microsoft.com/office/drawing/2014/main" id="{AC0B6EA3-0296-D2DD-0DEE-64FAB514553D}"/>
+                </a:ext>
+              </a:extLst>
+            </p:cNvPr>
+            <p:cNvPicPr>
+              <a:picLocks noChangeAspect="1"/>
+            </p:cNvPicPr>
+            <p:nvPr/>
+          </p:nvPicPr>
+          <p:blipFill>
+            <a:blip r:embed="rId2">
+              <a:extLst>
+                <a:ext uri="{28A0092B-C50C-407E-A947-70E740481C1C}">
+                  <a14:useLocalDpi xmlns:a14="http://schemas.microsoft.com/office/drawing/2010/main" val="0"/>
+                </a:ext>
+              </a:extLst>
+            </a:blip>
+            <a:stretch>
+              <a:fillRect/>
+            </a:stretch>
+          </p:blipFill>
+          <p:spPr>
+            <a:xfrm>
+              <a:off x="1798853" y="1811540"/>
+              <a:ext cx="7979328" cy="4779230"/>
+            </a:xfrm>
+            <a:prstGeom prst="rect">
+              <a:avLst/>
+            </a:prstGeom>
+          </p:spPr>
+        </p:pic>
+      </p:grpSp>
     </p:spTree>
     <p:extLst>
       <p:ext uri="{BB962C8B-B14F-4D97-AF65-F5344CB8AC3E}">
-        <p14:creationId xmlns:p14="http://schemas.microsoft.com/office/powerpoint/2010/main" val="2564082985"/>
+        <p14:creationId xmlns:p14="http://schemas.microsoft.com/office/powerpoint/2010/main" val="1553532405"/>
+      </p:ext>
+    </p:extLst>
+  </p:cSld>
+  <p:clrMapOvr>
+    <a:masterClrMapping/>
+  </p:clrMapOvr>
+</p:sld>
+</file>
+
+<file path=ppt/slides/slide13.xml><?xml version="1.0" encoding="utf-8"?>
+<p:sld xmlns:a="http://schemas.openxmlformats.org/drawingml/2006/main" xmlns:r="http://schemas.openxmlformats.org/officeDocument/2006/relationships" xmlns:p="http://schemas.openxmlformats.org/presentationml/2006/main">
+  <p:cSld>
+    <p:spTree>
+      <p:nvGrpSpPr>
+        <p:cNvPr id="1" name=""/>
+        <p:cNvGrpSpPr/>
+        <p:nvPr/>
+      </p:nvGrpSpPr>
+      <p:grpSpPr>
+        <a:xfrm>
+          <a:off x="0" y="0"/>
+          <a:ext cx="0" cy="0"/>
+          <a:chOff x="0" y="0"/>
+          <a:chExt cx="0" cy="0"/>
+        </a:xfrm>
+      </p:grpSpPr>
+      <p:sp>
+        <p:nvSpPr>
+          <p:cNvPr id="2" name="Rectángulo 1">
+            <a:extLst>
+              <a:ext uri="{FF2B5EF4-FFF2-40B4-BE49-F238E27FC236}">
+                <a16:creationId xmlns:a16="http://schemas.microsoft.com/office/drawing/2014/main" id="{B02991C1-69B6-77B3-DBFF-0B0C2E9EC194}"/>
+              </a:ext>
+            </a:extLst>
+          </p:cNvPr>
+          <p:cNvSpPr/>
+          <p:nvPr/>
+        </p:nvSpPr>
+        <p:spPr>
+          <a:xfrm>
+            <a:off x="383458" y="247636"/>
+            <a:ext cx="9807677" cy="1286196"/>
+          </a:xfrm>
+          <a:prstGeom prst="rect">
+            <a:avLst/>
+          </a:prstGeom>
+        </p:spPr>
+        <p:style>
+          <a:lnRef idx="3">
+            <a:schemeClr val="lt1"/>
+          </a:lnRef>
+          <a:fillRef idx="1">
+            <a:schemeClr val="dk1"/>
+          </a:fillRef>
+          <a:effectRef idx="1">
+            <a:schemeClr val="dk1"/>
+          </a:effectRef>
+          <a:fontRef idx="minor">
+            <a:schemeClr val="lt1"/>
+          </a:fontRef>
+        </p:style>
+        <p:txBody>
+          <a:bodyPr rtlCol="0" anchor="ctr"/>
+          <a:lstStyle/>
+          <a:p>
+            <a:r>
+              <a:rPr lang="es-PE" sz="3600" b="1" dirty="0"/>
+              <a:t>Grafica de Precio de Marcas por Disco Duro de Laptop</a:t>
+            </a:r>
+          </a:p>
+        </p:txBody>
+      </p:sp>
+      <p:grpSp>
+        <p:nvGrpSpPr>
+          <p:cNvPr id="6" name="Grupo 5">
+            <a:extLst>
+              <a:ext uri="{FF2B5EF4-FFF2-40B4-BE49-F238E27FC236}">
+                <a16:creationId xmlns:a16="http://schemas.microsoft.com/office/drawing/2014/main" id="{88F35635-E974-BE04-73B7-54D6C9DC6BBB}"/>
+              </a:ext>
+            </a:extLst>
+          </p:cNvPr>
+          <p:cNvGrpSpPr/>
+          <p:nvPr/>
+        </p:nvGrpSpPr>
+        <p:grpSpPr>
+          <a:xfrm>
+            <a:off x="1519085" y="1622323"/>
+            <a:ext cx="8480322" cy="4988041"/>
+            <a:chOff x="1519085" y="1622323"/>
+            <a:chExt cx="8480322" cy="4988041"/>
+          </a:xfrm>
+        </p:grpSpPr>
+        <p:sp>
+          <p:nvSpPr>
+            <p:cNvPr id="3" name="Rectángulo 2">
+              <a:extLst>
+                <a:ext uri="{FF2B5EF4-FFF2-40B4-BE49-F238E27FC236}">
+                  <a16:creationId xmlns:a16="http://schemas.microsoft.com/office/drawing/2014/main" id="{E8368EF0-DFA4-50D3-60AD-6D0161FA8A82}"/>
+                </a:ext>
+              </a:extLst>
+            </p:cNvPr>
+            <p:cNvSpPr/>
+            <p:nvPr/>
+          </p:nvSpPr>
+          <p:spPr>
+            <a:xfrm>
+              <a:off x="1519085" y="1622323"/>
+              <a:ext cx="8480322" cy="4988041"/>
+            </a:xfrm>
+            <a:prstGeom prst="rect">
+              <a:avLst/>
+            </a:prstGeom>
+          </p:spPr>
+          <p:style>
+            <a:lnRef idx="3">
+              <a:schemeClr val="lt1"/>
+            </a:lnRef>
+            <a:fillRef idx="1">
+              <a:schemeClr val="dk1"/>
+            </a:fillRef>
+            <a:effectRef idx="1">
+              <a:schemeClr val="dk1"/>
+            </a:effectRef>
+            <a:fontRef idx="minor">
+              <a:schemeClr val="lt1"/>
+            </a:fontRef>
+          </p:style>
+          <p:txBody>
+            <a:bodyPr rtlCol="0" anchor="ctr"/>
+            <a:lstStyle/>
+            <a:p>
+              <a:endParaRPr lang="es-PE" sz="3600" b="1" dirty="0"/>
+            </a:p>
+          </p:txBody>
+        </p:sp>
+        <p:pic>
+          <p:nvPicPr>
+            <p:cNvPr id="5" name="Imagen 4">
+              <a:extLst>
+                <a:ext uri="{FF2B5EF4-FFF2-40B4-BE49-F238E27FC236}">
+                  <a16:creationId xmlns:a16="http://schemas.microsoft.com/office/drawing/2014/main" id="{E0BE9E79-AE70-FE10-F8B0-65C7A3A44FC3}"/>
+                </a:ext>
+              </a:extLst>
+            </p:cNvPr>
+            <p:cNvPicPr>
+              <a:picLocks noChangeAspect="1"/>
+            </p:cNvPicPr>
+            <p:nvPr/>
+          </p:nvPicPr>
+          <p:blipFill>
+            <a:blip r:embed="rId2">
+              <a:extLst>
+                <a:ext uri="{28A0092B-C50C-407E-A947-70E740481C1C}">
+                  <a14:useLocalDpi xmlns:a14="http://schemas.microsoft.com/office/drawing/2010/main" val="0"/>
+                </a:ext>
+              </a:extLst>
+            </a:blip>
+            <a:stretch>
+              <a:fillRect/>
+            </a:stretch>
+          </p:blipFill>
+          <p:spPr>
+            <a:xfrm>
+              <a:off x="1611400" y="1776439"/>
+              <a:ext cx="8249580" cy="4668605"/>
+            </a:xfrm>
+            <a:prstGeom prst="rect">
+              <a:avLst/>
+            </a:prstGeom>
+          </p:spPr>
+        </p:pic>
+      </p:grpSp>
+    </p:spTree>
+    <p:extLst>
+      <p:ext uri="{BB962C8B-B14F-4D97-AF65-F5344CB8AC3E}">
+        <p14:creationId xmlns:p14="http://schemas.microsoft.com/office/powerpoint/2010/main" val="3386465238"/>
+      </p:ext>
+    </p:extLst>
+  </p:cSld>
+  <p:clrMapOvr>
+    <a:masterClrMapping/>
+  </p:clrMapOvr>
+</p:sld>
+</file>
+
+<file path=ppt/slides/slide14.xml><?xml version="1.0" encoding="utf-8"?>
+<p:sld xmlns:a="http://schemas.openxmlformats.org/drawingml/2006/main" xmlns:r="http://schemas.openxmlformats.org/officeDocument/2006/relationships" xmlns:p="http://schemas.openxmlformats.org/presentationml/2006/main">
+  <p:cSld>
+    <p:spTree>
+      <p:nvGrpSpPr>
+        <p:cNvPr id="1" name=""/>
+        <p:cNvGrpSpPr/>
+        <p:nvPr/>
+      </p:nvGrpSpPr>
+      <p:grpSpPr>
+        <a:xfrm>
+          <a:off x="0" y="0"/>
+          <a:ext cx="0" cy="0"/>
+          <a:chOff x="0" y="0"/>
+          <a:chExt cx="0" cy="0"/>
+        </a:xfrm>
+      </p:grpSpPr>
+      <p:sp>
+        <p:nvSpPr>
+          <p:cNvPr id="2" name="Rectángulo 1">
+            <a:extLst>
+              <a:ext uri="{FF2B5EF4-FFF2-40B4-BE49-F238E27FC236}">
+                <a16:creationId xmlns:a16="http://schemas.microsoft.com/office/drawing/2014/main" id="{C07136FB-F3FC-D2C0-FD93-997C6A9C58C6}"/>
+              </a:ext>
+            </a:extLst>
+          </p:cNvPr>
+          <p:cNvSpPr/>
+          <p:nvPr/>
+        </p:nvSpPr>
+        <p:spPr>
+          <a:xfrm>
+            <a:off x="383458" y="247636"/>
+            <a:ext cx="9807677" cy="1197706"/>
+          </a:xfrm>
+          <a:prstGeom prst="rect">
+            <a:avLst/>
+          </a:prstGeom>
+        </p:spPr>
+        <p:style>
+          <a:lnRef idx="3">
+            <a:schemeClr val="lt1"/>
+          </a:lnRef>
+          <a:fillRef idx="1">
+            <a:schemeClr val="dk1"/>
+          </a:fillRef>
+          <a:effectRef idx="1">
+            <a:schemeClr val="dk1"/>
+          </a:effectRef>
+          <a:fontRef idx="minor">
+            <a:schemeClr val="lt1"/>
+          </a:fontRef>
+        </p:style>
+        <p:txBody>
+          <a:bodyPr rtlCol="0" anchor="ctr"/>
+          <a:lstStyle/>
+          <a:p>
+            <a:r>
+              <a:rPr lang="es-PE" sz="3600" b="1" dirty="0"/>
+              <a:t>Grafica de Precio de Marcas por Procesador de Laptop</a:t>
+            </a:r>
+          </a:p>
+        </p:txBody>
+      </p:sp>
+      <p:grpSp>
+        <p:nvGrpSpPr>
+          <p:cNvPr id="6" name="Grupo 5">
+            <a:extLst>
+              <a:ext uri="{FF2B5EF4-FFF2-40B4-BE49-F238E27FC236}">
+                <a16:creationId xmlns:a16="http://schemas.microsoft.com/office/drawing/2014/main" id="{2CE942E6-49FF-F974-8A77-96064B63F900}"/>
+              </a:ext>
+            </a:extLst>
+          </p:cNvPr>
+          <p:cNvGrpSpPr/>
+          <p:nvPr/>
+        </p:nvGrpSpPr>
+        <p:grpSpPr>
+          <a:xfrm>
+            <a:off x="1519085" y="1622323"/>
+            <a:ext cx="8480322" cy="4988041"/>
+            <a:chOff x="1519085" y="1622323"/>
+            <a:chExt cx="8480322" cy="4988041"/>
+          </a:xfrm>
+        </p:grpSpPr>
+        <p:sp>
+          <p:nvSpPr>
+            <p:cNvPr id="3" name="Rectángulo 2">
+              <a:extLst>
+                <a:ext uri="{FF2B5EF4-FFF2-40B4-BE49-F238E27FC236}">
+                  <a16:creationId xmlns:a16="http://schemas.microsoft.com/office/drawing/2014/main" id="{091C35AE-CC6E-7CCF-42B7-2036A268C241}"/>
+                </a:ext>
+              </a:extLst>
+            </p:cNvPr>
+            <p:cNvSpPr/>
+            <p:nvPr/>
+          </p:nvSpPr>
+          <p:spPr>
+            <a:xfrm>
+              <a:off x="1519085" y="1622323"/>
+              <a:ext cx="8480322" cy="4988041"/>
+            </a:xfrm>
+            <a:prstGeom prst="rect">
+              <a:avLst/>
+            </a:prstGeom>
+          </p:spPr>
+          <p:style>
+            <a:lnRef idx="3">
+              <a:schemeClr val="lt1"/>
+            </a:lnRef>
+            <a:fillRef idx="1">
+              <a:schemeClr val="dk1"/>
+            </a:fillRef>
+            <a:effectRef idx="1">
+              <a:schemeClr val="dk1"/>
+            </a:effectRef>
+            <a:fontRef idx="minor">
+              <a:schemeClr val="lt1"/>
+            </a:fontRef>
+          </p:style>
+          <p:txBody>
+            <a:bodyPr rtlCol="0" anchor="ctr"/>
+            <a:lstStyle/>
+            <a:p>
+              <a:endParaRPr lang="es-PE" sz="3600" b="1" dirty="0"/>
+            </a:p>
+          </p:txBody>
+        </p:sp>
+        <p:pic>
+          <p:nvPicPr>
+            <p:cNvPr id="5" name="Imagen 4">
+              <a:extLst>
+                <a:ext uri="{FF2B5EF4-FFF2-40B4-BE49-F238E27FC236}">
+                  <a16:creationId xmlns:a16="http://schemas.microsoft.com/office/drawing/2014/main" id="{704C95AC-0A93-1FAC-8885-2E11A1A15ACD}"/>
+                </a:ext>
+              </a:extLst>
+            </p:cNvPr>
+            <p:cNvPicPr>
+              <a:picLocks noChangeAspect="1"/>
+            </p:cNvPicPr>
+            <p:nvPr/>
+          </p:nvPicPr>
+          <p:blipFill>
+            <a:blip r:embed="rId2">
+              <a:extLst>
+                <a:ext uri="{28A0092B-C50C-407E-A947-70E740481C1C}">
+                  <a14:useLocalDpi xmlns:a14="http://schemas.microsoft.com/office/drawing/2010/main" val="0"/>
+                </a:ext>
+              </a:extLst>
+            </a:blip>
+            <a:stretch>
+              <a:fillRect/>
+            </a:stretch>
+          </p:blipFill>
+          <p:spPr>
+            <a:xfrm>
+              <a:off x="1709674" y="1820684"/>
+              <a:ext cx="8137391" cy="4565367"/>
+            </a:xfrm>
+            <a:prstGeom prst="rect">
+              <a:avLst/>
+            </a:prstGeom>
+          </p:spPr>
+        </p:pic>
+      </p:grpSp>
+    </p:spTree>
+    <p:extLst>
+      <p:ext uri="{BB962C8B-B14F-4D97-AF65-F5344CB8AC3E}">
+        <p14:creationId xmlns:p14="http://schemas.microsoft.com/office/powerpoint/2010/main" val="288778701"/>
+      </p:ext>
+    </p:extLst>
+  </p:cSld>
+  <p:clrMapOvr>
+    <a:masterClrMapping/>
+  </p:clrMapOvr>
+</p:sld>
+</file>
+
+<file path=ppt/slides/slide15.xml><?xml version="1.0" encoding="utf-8"?>
+<p:sld xmlns:a="http://schemas.openxmlformats.org/drawingml/2006/main" xmlns:r="http://schemas.openxmlformats.org/officeDocument/2006/relationships" xmlns:p="http://schemas.openxmlformats.org/presentationml/2006/main">
+  <p:cSld>
+    <p:spTree>
+      <p:nvGrpSpPr>
+        <p:cNvPr id="1" name=""/>
+        <p:cNvGrpSpPr/>
+        <p:nvPr/>
+      </p:nvGrpSpPr>
+      <p:grpSpPr>
+        <a:xfrm>
+          <a:off x="0" y="0"/>
+          <a:ext cx="0" cy="0"/>
+          <a:chOff x="0" y="0"/>
+          <a:chExt cx="0" cy="0"/>
+        </a:xfrm>
+      </p:grpSpPr>
+      <p:sp>
+        <p:nvSpPr>
+          <p:cNvPr id="3" name="Rectángulo 2">
+            <a:extLst>
+              <a:ext uri="{FF2B5EF4-FFF2-40B4-BE49-F238E27FC236}">
+                <a16:creationId xmlns:a16="http://schemas.microsoft.com/office/drawing/2014/main" id="{07587ACF-FEBF-8D75-438B-CD9EA5F3C297}"/>
+              </a:ext>
+            </a:extLst>
+          </p:cNvPr>
+          <p:cNvSpPr/>
+          <p:nvPr/>
+        </p:nvSpPr>
+        <p:spPr>
+          <a:xfrm>
+            <a:off x="383458" y="247636"/>
+            <a:ext cx="9807677" cy="1197706"/>
+          </a:xfrm>
+          <a:prstGeom prst="rect">
+            <a:avLst/>
+          </a:prstGeom>
+        </p:spPr>
+        <p:style>
+          <a:lnRef idx="3">
+            <a:schemeClr val="lt1"/>
+          </a:lnRef>
+          <a:fillRef idx="1">
+            <a:schemeClr val="dk1"/>
+          </a:fillRef>
+          <a:effectRef idx="1">
+            <a:schemeClr val="dk1"/>
+          </a:effectRef>
+          <a:fontRef idx="minor">
+            <a:schemeClr val="lt1"/>
+          </a:fontRef>
+        </p:style>
+        <p:txBody>
+          <a:bodyPr rtlCol="0" anchor="ctr"/>
+          <a:lstStyle/>
+          <a:p>
+            <a:r>
+              <a:rPr lang="es-PE" sz="3600" b="1" dirty="0"/>
+              <a:t>Grafica de Precio de Marcas por Pantalla de Laptop</a:t>
+            </a:r>
+          </a:p>
+        </p:txBody>
+      </p:sp>
+      <p:grpSp>
+        <p:nvGrpSpPr>
+          <p:cNvPr id="7" name="Grupo 6">
+            <a:extLst>
+              <a:ext uri="{FF2B5EF4-FFF2-40B4-BE49-F238E27FC236}">
+                <a16:creationId xmlns:a16="http://schemas.microsoft.com/office/drawing/2014/main" id="{36AE3AF6-56F4-5817-C66B-38D5FED0FA42}"/>
+              </a:ext>
+            </a:extLst>
+          </p:cNvPr>
+          <p:cNvGrpSpPr/>
+          <p:nvPr/>
+        </p:nvGrpSpPr>
+        <p:grpSpPr>
+          <a:xfrm>
+            <a:off x="1519085" y="1622323"/>
+            <a:ext cx="8480322" cy="4988041"/>
+            <a:chOff x="1519085" y="1622323"/>
+            <a:chExt cx="8480322" cy="4988041"/>
+          </a:xfrm>
+        </p:grpSpPr>
+        <p:sp>
+          <p:nvSpPr>
+            <p:cNvPr id="4" name="Rectángulo 3">
+              <a:extLst>
+                <a:ext uri="{FF2B5EF4-FFF2-40B4-BE49-F238E27FC236}">
+                  <a16:creationId xmlns:a16="http://schemas.microsoft.com/office/drawing/2014/main" id="{94B5067D-E015-6E18-1458-8602DE7470C3}"/>
+                </a:ext>
+              </a:extLst>
+            </p:cNvPr>
+            <p:cNvSpPr/>
+            <p:nvPr/>
+          </p:nvSpPr>
+          <p:spPr>
+            <a:xfrm>
+              <a:off x="1519085" y="1622323"/>
+              <a:ext cx="8480322" cy="4988041"/>
+            </a:xfrm>
+            <a:prstGeom prst="rect">
+              <a:avLst/>
+            </a:prstGeom>
+          </p:spPr>
+          <p:style>
+            <a:lnRef idx="3">
+              <a:schemeClr val="lt1"/>
+            </a:lnRef>
+            <a:fillRef idx="1">
+              <a:schemeClr val="dk1"/>
+            </a:fillRef>
+            <a:effectRef idx="1">
+              <a:schemeClr val="dk1"/>
+            </a:effectRef>
+            <a:fontRef idx="minor">
+              <a:schemeClr val="lt1"/>
+            </a:fontRef>
+          </p:style>
+          <p:txBody>
+            <a:bodyPr rtlCol="0" anchor="ctr"/>
+            <a:lstStyle/>
+            <a:p>
+              <a:endParaRPr lang="es-PE" sz="3600" b="1" dirty="0"/>
+            </a:p>
+          </p:txBody>
+        </p:sp>
+        <p:pic>
+          <p:nvPicPr>
+            <p:cNvPr id="6" name="Imagen 5">
+              <a:extLst>
+                <a:ext uri="{FF2B5EF4-FFF2-40B4-BE49-F238E27FC236}">
+                  <a16:creationId xmlns:a16="http://schemas.microsoft.com/office/drawing/2014/main" id="{795D22F5-90ED-4763-97B0-376D9361EA7C}"/>
+                </a:ext>
+              </a:extLst>
+            </p:cNvPr>
+            <p:cNvPicPr>
+              <a:picLocks noChangeAspect="1"/>
+            </p:cNvPicPr>
+            <p:nvPr/>
+          </p:nvPicPr>
+          <p:blipFill>
+            <a:blip r:embed="rId2">
+              <a:extLst>
+                <a:ext uri="{28A0092B-C50C-407E-A947-70E740481C1C}">
+                  <a14:useLocalDpi xmlns:a14="http://schemas.microsoft.com/office/drawing/2010/main" val="0"/>
+                </a:ext>
+              </a:extLst>
+            </a:blip>
+            <a:stretch>
+              <a:fillRect/>
+            </a:stretch>
+          </p:blipFill>
+          <p:spPr>
+            <a:xfrm>
+              <a:off x="1689124" y="1776439"/>
+              <a:ext cx="8059559" cy="4659592"/>
+            </a:xfrm>
+            <a:prstGeom prst="rect">
+              <a:avLst/>
+            </a:prstGeom>
+          </p:spPr>
+        </p:pic>
+      </p:grpSp>
+    </p:spTree>
+    <p:extLst>
+      <p:ext uri="{BB962C8B-B14F-4D97-AF65-F5344CB8AC3E}">
+        <p14:creationId xmlns:p14="http://schemas.microsoft.com/office/powerpoint/2010/main" val="1340554627"/>
+      </p:ext>
+    </p:extLst>
+  </p:cSld>
+  <p:clrMapOvr>
+    <a:masterClrMapping/>
+  </p:clrMapOvr>
+</p:sld>
+</file>
+
+<file path=ppt/slides/slide16.xml><?xml version="1.0" encoding="utf-8"?>
+<p:sld xmlns:a="http://schemas.openxmlformats.org/drawingml/2006/main" xmlns:r="http://schemas.openxmlformats.org/officeDocument/2006/relationships" xmlns:p="http://schemas.openxmlformats.org/presentationml/2006/main">
+  <p:cSld>
+    <p:spTree>
+      <p:nvGrpSpPr>
+        <p:cNvPr id="1" name=""/>
+        <p:cNvGrpSpPr/>
+        <p:nvPr/>
+      </p:nvGrpSpPr>
+      <p:grpSpPr>
+        <a:xfrm>
+          <a:off x="0" y="0"/>
+          <a:ext cx="0" cy="0"/>
+          <a:chOff x="0" y="0"/>
+          <a:chExt cx="0" cy="0"/>
+        </a:xfrm>
+      </p:grpSpPr>
+      <p:sp>
+        <p:nvSpPr>
+          <p:cNvPr id="3" name="Rectángulo 2">
+            <a:extLst>
+              <a:ext uri="{FF2B5EF4-FFF2-40B4-BE49-F238E27FC236}">
+                <a16:creationId xmlns:a16="http://schemas.microsoft.com/office/drawing/2014/main" id="{52AE68D7-22FD-B184-5259-E9CB6D49B253}"/>
+              </a:ext>
+            </a:extLst>
+          </p:cNvPr>
+          <p:cNvSpPr/>
+          <p:nvPr/>
+        </p:nvSpPr>
+        <p:spPr>
+          <a:xfrm>
+            <a:off x="383458" y="247636"/>
+            <a:ext cx="9807677" cy="1197706"/>
+          </a:xfrm>
+          <a:prstGeom prst="rect">
+            <a:avLst/>
+          </a:prstGeom>
+        </p:spPr>
+        <p:style>
+          <a:lnRef idx="3">
+            <a:schemeClr val="lt1"/>
+          </a:lnRef>
+          <a:fillRef idx="1">
+            <a:schemeClr val="dk1"/>
+          </a:fillRef>
+          <a:effectRef idx="1">
+            <a:schemeClr val="dk1"/>
+          </a:effectRef>
+          <a:fontRef idx="minor">
+            <a:schemeClr val="lt1"/>
+          </a:fontRef>
+        </p:style>
+        <p:txBody>
+          <a:bodyPr rtlCol="0" anchor="ctr"/>
+          <a:lstStyle/>
+          <a:p>
+            <a:r>
+              <a:rPr lang="es-PE" sz="3600" b="1" dirty="0"/>
+              <a:t>Grafica de Precio de Marcas por Memoria RAM de Laptop</a:t>
+            </a:r>
+          </a:p>
+        </p:txBody>
+      </p:sp>
+      <p:grpSp>
+        <p:nvGrpSpPr>
+          <p:cNvPr id="7" name="Grupo 6">
+            <a:extLst>
+              <a:ext uri="{FF2B5EF4-FFF2-40B4-BE49-F238E27FC236}">
+                <a16:creationId xmlns:a16="http://schemas.microsoft.com/office/drawing/2014/main" id="{0DC092B3-C62A-3134-FF51-C7DBBBF29FDD}"/>
+              </a:ext>
+            </a:extLst>
+          </p:cNvPr>
+          <p:cNvGrpSpPr/>
+          <p:nvPr/>
+        </p:nvGrpSpPr>
+        <p:grpSpPr>
+          <a:xfrm>
+            <a:off x="191729" y="1622323"/>
+            <a:ext cx="11808542" cy="4988041"/>
+            <a:chOff x="191729" y="1622323"/>
+            <a:chExt cx="11808542" cy="4988041"/>
+          </a:xfrm>
+        </p:grpSpPr>
+        <p:sp>
+          <p:nvSpPr>
+            <p:cNvPr id="4" name="Rectángulo 3">
+              <a:extLst>
+                <a:ext uri="{FF2B5EF4-FFF2-40B4-BE49-F238E27FC236}">
+                  <a16:creationId xmlns:a16="http://schemas.microsoft.com/office/drawing/2014/main" id="{BB476F6B-F624-0113-E795-4769134DCFF6}"/>
+                </a:ext>
+              </a:extLst>
+            </p:cNvPr>
+            <p:cNvSpPr/>
+            <p:nvPr/>
+          </p:nvSpPr>
+          <p:spPr>
+            <a:xfrm>
+              <a:off x="191729" y="1622323"/>
+              <a:ext cx="11808542" cy="4988041"/>
+            </a:xfrm>
+            <a:prstGeom prst="rect">
+              <a:avLst/>
+            </a:prstGeom>
+          </p:spPr>
+          <p:style>
+            <a:lnRef idx="3">
+              <a:schemeClr val="lt1"/>
+            </a:lnRef>
+            <a:fillRef idx="1">
+              <a:schemeClr val="dk1"/>
+            </a:fillRef>
+            <a:effectRef idx="1">
+              <a:schemeClr val="dk1"/>
+            </a:effectRef>
+            <a:fontRef idx="minor">
+              <a:schemeClr val="lt1"/>
+            </a:fontRef>
+          </p:style>
+          <p:txBody>
+            <a:bodyPr rtlCol="0" anchor="ctr"/>
+            <a:lstStyle/>
+            <a:p>
+              <a:endParaRPr lang="es-PE" sz="3600" b="1" dirty="0"/>
+            </a:p>
+          </p:txBody>
+        </p:sp>
+        <p:pic>
+          <p:nvPicPr>
+            <p:cNvPr id="6" name="Imagen 5">
+              <a:extLst>
+                <a:ext uri="{FF2B5EF4-FFF2-40B4-BE49-F238E27FC236}">
+                  <a16:creationId xmlns:a16="http://schemas.microsoft.com/office/drawing/2014/main" id="{3851DF4A-2048-A6A1-1E4C-4BD3E492C1D4}"/>
+                </a:ext>
+              </a:extLst>
+            </p:cNvPr>
+            <p:cNvPicPr>
+              <a:picLocks noChangeAspect="1"/>
+            </p:cNvPicPr>
+            <p:nvPr/>
+          </p:nvPicPr>
+          <p:blipFill>
+            <a:blip r:embed="rId2">
+              <a:extLst>
+                <a:ext uri="{28A0092B-C50C-407E-A947-70E740481C1C}">
+                  <a14:useLocalDpi xmlns:a14="http://schemas.microsoft.com/office/drawing/2010/main" val="0"/>
+                </a:ext>
+              </a:extLst>
+            </a:blip>
+            <a:stretch>
+              <a:fillRect/>
+            </a:stretch>
+          </p:blipFill>
+          <p:spPr>
+            <a:xfrm>
+              <a:off x="383458" y="1738470"/>
+              <a:ext cx="11459498" cy="4755745"/>
+            </a:xfrm>
+            <a:prstGeom prst="rect">
+              <a:avLst/>
+            </a:prstGeom>
+          </p:spPr>
+        </p:pic>
+      </p:grpSp>
+    </p:spTree>
+    <p:extLst>
+      <p:ext uri="{BB962C8B-B14F-4D97-AF65-F5344CB8AC3E}">
+        <p14:creationId xmlns:p14="http://schemas.microsoft.com/office/powerpoint/2010/main" val="2463865270"/>
+      </p:ext>
+    </p:extLst>
+  </p:cSld>
+  <p:clrMapOvr>
+    <a:masterClrMapping/>
+  </p:clrMapOvr>
+</p:sld>
+</file>
+
+<file path=ppt/slides/slide17.xml><?xml version="1.0" encoding="utf-8"?>
+<p:sld xmlns:a="http://schemas.openxmlformats.org/drawingml/2006/main" xmlns:r="http://schemas.openxmlformats.org/officeDocument/2006/relationships" xmlns:p="http://schemas.openxmlformats.org/presentationml/2006/main">
+  <p:cSld>
+    <p:spTree>
+      <p:nvGrpSpPr>
+        <p:cNvPr id="1" name=""/>
+        <p:cNvGrpSpPr/>
+        <p:nvPr/>
+      </p:nvGrpSpPr>
+      <p:grpSpPr>
+        <a:xfrm>
+          <a:off x="0" y="0"/>
+          <a:ext cx="0" cy="0"/>
+          <a:chOff x="0" y="0"/>
+          <a:chExt cx="0" cy="0"/>
+        </a:xfrm>
+      </p:grpSpPr>
+      <p:sp>
+        <p:nvSpPr>
+          <p:cNvPr id="2" name="Rectángulo 1">
+            <a:extLst>
+              <a:ext uri="{FF2B5EF4-FFF2-40B4-BE49-F238E27FC236}">
+                <a16:creationId xmlns:a16="http://schemas.microsoft.com/office/drawing/2014/main" id="{EBA36DBB-8271-F1B6-39B9-6BCE4BB2A92C}"/>
+              </a:ext>
+            </a:extLst>
+          </p:cNvPr>
+          <p:cNvSpPr/>
+          <p:nvPr/>
+        </p:nvSpPr>
+        <p:spPr>
+          <a:xfrm>
+            <a:off x="383458" y="132735"/>
+            <a:ext cx="9807677" cy="1138712"/>
+          </a:xfrm>
+          <a:prstGeom prst="rect">
+            <a:avLst/>
+          </a:prstGeom>
+        </p:spPr>
+        <p:style>
+          <a:lnRef idx="3">
+            <a:schemeClr val="lt1"/>
+          </a:lnRef>
+          <a:fillRef idx="1">
+            <a:schemeClr val="dk1"/>
+          </a:fillRef>
+          <a:effectRef idx="1">
+            <a:schemeClr val="dk1"/>
+          </a:effectRef>
+          <a:fontRef idx="minor">
+            <a:schemeClr val="lt1"/>
+          </a:fontRef>
+        </p:style>
+        <p:txBody>
+          <a:bodyPr rtlCol="0" anchor="ctr"/>
+          <a:lstStyle/>
+          <a:p>
+            <a:r>
+              <a:rPr lang="es-PE" sz="3600" b="1" dirty="0"/>
+              <a:t>Grafica de Laptop vendida Disco Duro y Marca</a:t>
+            </a:r>
+          </a:p>
+        </p:txBody>
+      </p:sp>
+      <p:grpSp>
+        <p:nvGrpSpPr>
+          <p:cNvPr id="6" name="Grupo 5">
+            <a:extLst>
+              <a:ext uri="{FF2B5EF4-FFF2-40B4-BE49-F238E27FC236}">
+                <a16:creationId xmlns:a16="http://schemas.microsoft.com/office/drawing/2014/main" id="{0A3A81E3-E610-8F8B-B763-5CDF47B335A4}"/>
+              </a:ext>
+            </a:extLst>
+          </p:cNvPr>
+          <p:cNvGrpSpPr/>
+          <p:nvPr/>
+        </p:nvGrpSpPr>
+        <p:grpSpPr>
+          <a:xfrm>
+            <a:off x="1710813" y="1482189"/>
+            <a:ext cx="8480322" cy="5243076"/>
+            <a:chOff x="1710813" y="1482189"/>
+            <a:chExt cx="8480322" cy="5243076"/>
+          </a:xfrm>
+        </p:grpSpPr>
+        <p:sp>
+          <p:nvSpPr>
+            <p:cNvPr id="5" name="Rectángulo 4">
+              <a:extLst>
+                <a:ext uri="{FF2B5EF4-FFF2-40B4-BE49-F238E27FC236}">
+                  <a16:creationId xmlns:a16="http://schemas.microsoft.com/office/drawing/2014/main" id="{7BD9CC50-58BA-E9C7-4E57-02313BAB4566}"/>
+                </a:ext>
+              </a:extLst>
+            </p:cNvPr>
+            <p:cNvSpPr/>
+            <p:nvPr/>
+          </p:nvSpPr>
+          <p:spPr>
+            <a:xfrm>
+              <a:off x="1710813" y="1482189"/>
+              <a:ext cx="8480322" cy="5243076"/>
+            </a:xfrm>
+            <a:prstGeom prst="rect">
+              <a:avLst/>
+            </a:prstGeom>
+          </p:spPr>
+          <p:style>
+            <a:lnRef idx="3">
+              <a:schemeClr val="lt1"/>
+            </a:lnRef>
+            <a:fillRef idx="1">
+              <a:schemeClr val="dk1"/>
+            </a:fillRef>
+            <a:effectRef idx="1">
+              <a:schemeClr val="dk1"/>
+            </a:effectRef>
+            <a:fontRef idx="minor">
+              <a:schemeClr val="lt1"/>
+            </a:fontRef>
+          </p:style>
+          <p:txBody>
+            <a:bodyPr rtlCol="0" anchor="ctr"/>
+            <a:lstStyle/>
+            <a:p>
+              <a:endParaRPr lang="es-PE" sz="3600" b="1" dirty="0"/>
+            </a:p>
+          </p:txBody>
+        </p:sp>
+        <p:pic>
+          <p:nvPicPr>
+            <p:cNvPr id="4" name="Imagen 3">
+              <a:extLst>
+                <a:ext uri="{FF2B5EF4-FFF2-40B4-BE49-F238E27FC236}">
+                  <a16:creationId xmlns:a16="http://schemas.microsoft.com/office/drawing/2014/main" id="{B21844F0-AD57-A68D-AEE2-3B5A6597A274}"/>
+                </a:ext>
+              </a:extLst>
+            </p:cNvPr>
+            <p:cNvPicPr>
+              <a:picLocks noChangeAspect="1"/>
+            </p:cNvPicPr>
+            <p:nvPr/>
+          </p:nvPicPr>
+          <p:blipFill>
+            <a:blip r:embed="rId2">
+              <a:extLst>
+                <a:ext uri="{28A0092B-C50C-407E-A947-70E740481C1C}">
+                  <a14:useLocalDpi xmlns:a14="http://schemas.microsoft.com/office/drawing/2010/main" val="0"/>
+                </a:ext>
+              </a:extLst>
+            </a:blip>
+            <a:stretch>
+              <a:fillRect/>
+            </a:stretch>
+          </p:blipFill>
+          <p:spPr>
+            <a:xfrm>
+              <a:off x="1831401" y="1622323"/>
+              <a:ext cx="8123983" cy="4988041"/>
+            </a:xfrm>
+            <a:prstGeom prst="rect">
+              <a:avLst/>
+            </a:prstGeom>
+          </p:spPr>
+        </p:pic>
+      </p:grpSp>
+    </p:spTree>
+    <p:extLst>
+      <p:ext uri="{BB962C8B-B14F-4D97-AF65-F5344CB8AC3E}">
+        <p14:creationId xmlns:p14="http://schemas.microsoft.com/office/powerpoint/2010/main" val="810797683"/>
+      </p:ext>
+    </p:extLst>
+  </p:cSld>
+  <p:clrMapOvr>
+    <a:masterClrMapping/>
+  </p:clrMapOvr>
+</p:sld>
+</file>
+
+<file path=ppt/slides/slide18.xml><?xml version="1.0" encoding="utf-8"?>
+<p:sld xmlns:a="http://schemas.openxmlformats.org/drawingml/2006/main" xmlns:r="http://schemas.openxmlformats.org/officeDocument/2006/relationships" xmlns:p="http://schemas.openxmlformats.org/presentationml/2006/main">
+  <p:cSld>
+    <p:spTree>
+      <p:nvGrpSpPr>
+        <p:cNvPr id="1" name=""/>
+        <p:cNvGrpSpPr/>
+        <p:nvPr/>
+      </p:nvGrpSpPr>
+      <p:grpSpPr>
+        <a:xfrm>
+          <a:off x="0" y="0"/>
+          <a:ext cx="0" cy="0"/>
+          <a:chOff x="0" y="0"/>
+          <a:chExt cx="0" cy="0"/>
+        </a:xfrm>
+      </p:grpSpPr>
+      <p:sp>
+        <p:nvSpPr>
+          <p:cNvPr id="2" name="Rectángulo 1">
+            <a:extLst>
+              <a:ext uri="{FF2B5EF4-FFF2-40B4-BE49-F238E27FC236}">
+                <a16:creationId xmlns:a16="http://schemas.microsoft.com/office/drawing/2014/main" id="{883624B9-9506-B6C5-D170-560505979FD3}"/>
+              </a:ext>
+            </a:extLst>
+          </p:cNvPr>
+          <p:cNvSpPr/>
+          <p:nvPr/>
+        </p:nvSpPr>
+        <p:spPr>
+          <a:xfrm>
+            <a:off x="383458" y="132735"/>
+            <a:ext cx="9807677" cy="1138712"/>
+          </a:xfrm>
+          <a:prstGeom prst="rect">
+            <a:avLst/>
+          </a:prstGeom>
+        </p:spPr>
+        <p:style>
+          <a:lnRef idx="3">
+            <a:schemeClr val="lt1"/>
+          </a:lnRef>
+          <a:fillRef idx="1">
+            <a:schemeClr val="dk1"/>
+          </a:fillRef>
+          <a:effectRef idx="1">
+            <a:schemeClr val="dk1"/>
+          </a:effectRef>
+          <a:fontRef idx="minor">
+            <a:schemeClr val="lt1"/>
+          </a:fontRef>
+        </p:style>
+        <p:txBody>
+          <a:bodyPr rtlCol="0" anchor="ctr"/>
+          <a:lstStyle/>
+          <a:p>
+            <a:r>
+              <a:rPr lang="es-PE" sz="3600" b="1" dirty="0"/>
+              <a:t>Grafica de Laptop vendida Memoria RAM y Marca</a:t>
+            </a:r>
+          </a:p>
+        </p:txBody>
+      </p:sp>
+      <p:grpSp>
+        <p:nvGrpSpPr>
+          <p:cNvPr id="8" name="Grupo 7">
+            <a:extLst>
+              <a:ext uri="{FF2B5EF4-FFF2-40B4-BE49-F238E27FC236}">
+                <a16:creationId xmlns:a16="http://schemas.microsoft.com/office/drawing/2014/main" id="{312D019F-9E24-7F15-6FE5-74E4C1A4E195}"/>
+              </a:ext>
+            </a:extLst>
+          </p:cNvPr>
+          <p:cNvGrpSpPr/>
+          <p:nvPr/>
+        </p:nvGrpSpPr>
+        <p:grpSpPr>
+          <a:xfrm>
+            <a:off x="1710813" y="1482189"/>
+            <a:ext cx="8480322" cy="5243076"/>
+            <a:chOff x="1710813" y="1482189"/>
+            <a:chExt cx="8480322" cy="5243076"/>
+          </a:xfrm>
+        </p:grpSpPr>
+        <p:sp>
+          <p:nvSpPr>
+            <p:cNvPr id="3" name="Rectángulo 2">
+              <a:extLst>
+                <a:ext uri="{FF2B5EF4-FFF2-40B4-BE49-F238E27FC236}">
+                  <a16:creationId xmlns:a16="http://schemas.microsoft.com/office/drawing/2014/main" id="{83171385-1AB3-68EC-AA46-3A5A6A7EA4C5}"/>
+                </a:ext>
+              </a:extLst>
+            </p:cNvPr>
+            <p:cNvSpPr/>
+            <p:nvPr/>
+          </p:nvSpPr>
+          <p:spPr>
+            <a:xfrm>
+              <a:off x="1710813" y="1482189"/>
+              <a:ext cx="8480322" cy="5243076"/>
+            </a:xfrm>
+            <a:prstGeom prst="rect">
+              <a:avLst/>
+            </a:prstGeom>
+          </p:spPr>
+          <p:style>
+            <a:lnRef idx="3">
+              <a:schemeClr val="lt1"/>
+            </a:lnRef>
+            <a:fillRef idx="1">
+              <a:schemeClr val="dk1"/>
+            </a:fillRef>
+            <a:effectRef idx="1">
+              <a:schemeClr val="dk1"/>
+            </a:effectRef>
+            <a:fontRef idx="minor">
+              <a:schemeClr val="lt1"/>
+            </a:fontRef>
+          </p:style>
+          <p:txBody>
+            <a:bodyPr rtlCol="0" anchor="ctr"/>
+            <a:lstStyle/>
+            <a:p>
+              <a:endParaRPr lang="es-PE" sz="3600" b="1" dirty="0"/>
+            </a:p>
+          </p:txBody>
+        </p:sp>
+        <p:pic>
+          <p:nvPicPr>
+            <p:cNvPr id="7" name="Imagen 6">
+              <a:extLst>
+                <a:ext uri="{FF2B5EF4-FFF2-40B4-BE49-F238E27FC236}">
+                  <a16:creationId xmlns:a16="http://schemas.microsoft.com/office/drawing/2014/main" id="{3E2D5D6D-ED28-FB2E-E012-832A0D8B17AD}"/>
+                </a:ext>
+              </a:extLst>
+            </p:cNvPr>
+            <p:cNvPicPr>
+              <a:picLocks noChangeAspect="1"/>
+            </p:cNvPicPr>
+            <p:nvPr/>
+          </p:nvPicPr>
+          <p:blipFill>
+            <a:blip r:embed="rId2">
+              <a:extLst>
+                <a:ext uri="{28A0092B-C50C-407E-A947-70E740481C1C}">
+                  <a14:useLocalDpi xmlns:a14="http://schemas.microsoft.com/office/drawing/2010/main" val="0"/>
+                </a:ext>
+              </a:extLst>
+            </a:blip>
+            <a:stretch>
+              <a:fillRect/>
+            </a:stretch>
+          </p:blipFill>
+          <p:spPr>
+            <a:xfrm>
+              <a:off x="1914974" y="1625665"/>
+              <a:ext cx="8071999" cy="4956124"/>
+            </a:xfrm>
+            <a:prstGeom prst="rect">
+              <a:avLst/>
+            </a:prstGeom>
+          </p:spPr>
+        </p:pic>
+      </p:grpSp>
+    </p:spTree>
+    <p:extLst>
+      <p:ext uri="{BB962C8B-B14F-4D97-AF65-F5344CB8AC3E}">
+        <p14:creationId xmlns:p14="http://schemas.microsoft.com/office/powerpoint/2010/main" val="707517548"/>
+      </p:ext>
+    </p:extLst>
+  </p:cSld>
+  <p:clrMapOvr>
+    <a:masterClrMapping/>
+  </p:clrMapOvr>
+</p:sld>
+</file>
+
+<file path=ppt/slides/slide19.xml><?xml version="1.0" encoding="utf-8"?>
+<p:sld xmlns:a="http://schemas.openxmlformats.org/drawingml/2006/main" xmlns:r="http://schemas.openxmlformats.org/officeDocument/2006/relationships" xmlns:p="http://schemas.openxmlformats.org/presentationml/2006/main">
+  <p:cSld>
+    <p:spTree>
+      <p:nvGrpSpPr>
+        <p:cNvPr id="1" name=""/>
+        <p:cNvGrpSpPr/>
+        <p:nvPr/>
+      </p:nvGrpSpPr>
+      <p:grpSpPr>
+        <a:xfrm>
+          <a:off x="0" y="0"/>
+          <a:ext cx="0" cy="0"/>
+          <a:chOff x="0" y="0"/>
+          <a:chExt cx="0" cy="0"/>
+        </a:xfrm>
+      </p:grpSpPr>
+      <p:sp>
+        <p:nvSpPr>
+          <p:cNvPr id="2" name="Rectángulo 1">
+            <a:extLst>
+              <a:ext uri="{FF2B5EF4-FFF2-40B4-BE49-F238E27FC236}">
+                <a16:creationId xmlns:a16="http://schemas.microsoft.com/office/drawing/2014/main" id="{EC1DD712-304B-B355-E276-A2F91DA5EE92}"/>
+              </a:ext>
+            </a:extLst>
+          </p:cNvPr>
+          <p:cNvSpPr/>
+          <p:nvPr/>
+        </p:nvSpPr>
+        <p:spPr>
+          <a:xfrm>
+            <a:off x="383458" y="132735"/>
+            <a:ext cx="9807677" cy="1138712"/>
+          </a:xfrm>
+          <a:prstGeom prst="rect">
+            <a:avLst/>
+          </a:prstGeom>
+        </p:spPr>
+        <p:style>
+          <a:lnRef idx="3">
+            <a:schemeClr val="lt1"/>
+          </a:lnRef>
+          <a:fillRef idx="1">
+            <a:schemeClr val="dk1"/>
+          </a:fillRef>
+          <a:effectRef idx="1">
+            <a:schemeClr val="dk1"/>
+          </a:effectRef>
+          <a:fontRef idx="minor">
+            <a:schemeClr val="lt1"/>
+          </a:fontRef>
+        </p:style>
+        <p:txBody>
+          <a:bodyPr rtlCol="0" anchor="ctr"/>
+          <a:lstStyle/>
+          <a:p>
+            <a:r>
+              <a:rPr lang="es-PE" sz="3600" b="1" dirty="0"/>
+              <a:t>Grafica de Laptop vendida Procesador y Marca</a:t>
+            </a:r>
+          </a:p>
+        </p:txBody>
+      </p:sp>
+      <p:grpSp>
+        <p:nvGrpSpPr>
+          <p:cNvPr id="4" name="Grupo 3">
+            <a:extLst>
+              <a:ext uri="{FF2B5EF4-FFF2-40B4-BE49-F238E27FC236}">
+                <a16:creationId xmlns:a16="http://schemas.microsoft.com/office/drawing/2014/main" id="{2A840C92-51FD-EF64-C48D-EF58025A159E}"/>
+              </a:ext>
+            </a:extLst>
+          </p:cNvPr>
+          <p:cNvGrpSpPr/>
+          <p:nvPr/>
+        </p:nvGrpSpPr>
+        <p:grpSpPr>
+          <a:xfrm>
+            <a:off x="1710813" y="1482189"/>
+            <a:ext cx="8480322" cy="5243076"/>
+            <a:chOff x="1710813" y="1482189"/>
+            <a:chExt cx="8480322" cy="5243076"/>
+          </a:xfrm>
+        </p:grpSpPr>
+        <p:sp>
+          <p:nvSpPr>
+            <p:cNvPr id="3" name="Rectángulo 2">
+              <a:extLst>
+                <a:ext uri="{FF2B5EF4-FFF2-40B4-BE49-F238E27FC236}">
+                  <a16:creationId xmlns:a16="http://schemas.microsoft.com/office/drawing/2014/main" id="{13D829A6-73B0-62F6-887A-3739B20956EC}"/>
+                </a:ext>
+              </a:extLst>
+            </p:cNvPr>
+            <p:cNvSpPr/>
+            <p:nvPr/>
+          </p:nvSpPr>
+          <p:spPr>
+            <a:xfrm>
+              <a:off x="1710813" y="1482189"/>
+              <a:ext cx="8480322" cy="5243076"/>
+            </a:xfrm>
+            <a:prstGeom prst="rect">
+              <a:avLst/>
+            </a:prstGeom>
+          </p:spPr>
+          <p:style>
+            <a:lnRef idx="3">
+              <a:schemeClr val="lt1"/>
+            </a:lnRef>
+            <a:fillRef idx="1">
+              <a:schemeClr val="dk1"/>
+            </a:fillRef>
+            <a:effectRef idx="1">
+              <a:schemeClr val="dk1"/>
+            </a:effectRef>
+            <a:fontRef idx="minor">
+              <a:schemeClr val="lt1"/>
+            </a:fontRef>
+          </p:style>
+          <p:txBody>
+            <a:bodyPr rtlCol="0" anchor="ctr"/>
+            <a:lstStyle/>
+            <a:p>
+              <a:endParaRPr lang="es-PE" sz="3600" b="1" dirty="0"/>
+            </a:p>
+          </p:txBody>
+        </p:sp>
+        <p:pic>
+          <p:nvPicPr>
+            <p:cNvPr id="5" name="Imagen 4">
+              <a:extLst>
+                <a:ext uri="{FF2B5EF4-FFF2-40B4-BE49-F238E27FC236}">
+                  <a16:creationId xmlns:a16="http://schemas.microsoft.com/office/drawing/2014/main" id="{AB990880-457C-D195-B916-049A9ED749FD}"/>
+                </a:ext>
+              </a:extLst>
+            </p:cNvPr>
+            <p:cNvPicPr>
+              <a:picLocks noChangeAspect="1"/>
+            </p:cNvPicPr>
+            <p:nvPr/>
+          </p:nvPicPr>
+          <p:blipFill>
+            <a:blip r:embed="rId2">
+              <a:extLst>
+                <a:ext uri="{28A0092B-C50C-407E-A947-70E740481C1C}">
+                  <a14:useLocalDpi xmlns:a14="http://schemas.microsoft.com/office/drawing/2010/main" val="0"/>
+                </a:ext>
+              </a:extLst>
+            </a:blip>
+            <a:stretch>
+              <a:fillRect/>
+            </a:stretch>
+          </p:blipFill>
+          <p:spPr>
+            <a:xfrm>
+              <a:off x="1841232" y="1580388"/>
+              <a:ext cx="8219483" cy="5046677"/>
+            </a:xfrm>
+            <a:prstGeom prst="rect">
+              <a:avLst/>
+            </a:prstGeom>
+          </p:spPr>
+        </p:pic>
+      </p:grpSp>
+    </p:spTree>
+    <p:extLst>
+      <p:ext uri="{BB962C8B-B14F-4D97-AF65-F5344CB8AC3E}">
+        <p14:creationId xmlns:p14="http://schemas.microsoft.com/office/powerpoint/2010/main" val="645858736"/>
       </p:ext>
     </p:extLst>
   </p:cSld>
@@ -6996,7 +8581,7 @@
 </p:sld>
 </file>
 
-<file path=ppt/slides/slide3.xml><?xml version="1.0" encoding="utf-8"?>
+<file path=ppt/slides/slide20.xml><?xml version="1.0" encoding="utf-8"?>
 <p:sld xmlns:a="http://schemas.openxmlformats.org/drawingml/2006/main" xmlns:r="http://schemas.openxmlformats.org/officeDocument/2006/relationships" xmlns:p="http://schemas.openxmlformats.org/presentationml/2006/main">
   <p:cSld>
     <p:spTree>
@@ -7018,7 +8603,7 @@
           <p:cNvPr id="2" name="Rectángulo 1">
             <a:extLst>
               <a:ext uri="{FF2B5EF4-FFF2-40B4-BE49-F238E27FC236}">
-                <a16:creationId xmlns:a16="http://schemas.microsoft.com/office/drawing/2014/main" id="{25A4A2EC-CD22-3242-666A-7F00DBD995D5}"/>
+                <a16:creationId xmlns:a16="http://schemas.microsoft.com/office/drawing/2014/main" id="{1F383B85-9FC8-751B-7285-34EA46BFA07D}"/>
               </a:ext>
             </a:extLst>
           </p:cNvPr>
@@ -7027,8 +8612,8 @@
         </p:nvSpPr>
         <p:spPr>
           <a:xfrm>
-            <a:off x="4335956" y="402444"/>
-            <a:ext cx="4262354" cy="646331"/>
+            <a:off x="383458" y="132735"/>
+            <a:ext cx="9807677" cy="1138712"/>
           </a:xfrm>
           <a:prstGeom prst="rect">
             <a:avLst/>
@@ -7054,6 +8639,1766 @@
           <a:p>
             <a:r>
               <a:rPr lang="es-PE" sz="3600" b="1" dirty="0"/>
+              <a:t>Grafica de Laptop vendida Pantalla y Marca</a:t>
+            </a:r>
+          </a:p>
+        </p:txBody>
+      </p:sp>
+      <p:grpSp>
+        <p:nvGrpSpPr>
+          <p:cNvPr id="6" name="Grupo 5">
+            <a:extLst>
+              <a:ext uri="{FF2B5EF4-FFF2-40B4-BE49-F238E27FC236}">
+                <a16:creationId xmlns:a16="http://schemas.microsoft.com/office/drawing/2014/main" id="{5F89217C-957F-71A1-EDA2-C02D252D3295}"/>
+              </a:ext>
+            </a:extLst>
+          </p:cNvPr>
+          <p:cNvGrpSpPr/>
+          <p:nvPr/>
+        </p:nvGrpSpPr>
+        <p:grpSpPr>
+          <a:xfrm>
+            <a:off x="1710813" y="1482189"/>
+            <a:ext cx="8480322" cy="5243076"/>
+            <a:chOff x="1710813" y="1482189"/>
+            <a:chExt cx="8480322" cy="5243076"/>
+          </a:xfrm>
+        </p:grpSpPr>
+        <p:sp>
+          <p:nvSpPr>
+            <p:cNvPr id="3" name="Rectángulo 2">
+              <a:extLst>
+                <a:ext uri="{FF2B5EF4-FFF2-40B4-BE49-F238E27FC236}">
+                  <a16:creationId xmlns:a16="http://schemas.microsoft.com/office/drawing/2014/main" id="{7675218E-3E53-654F-705E-D85075BFF762}"/>
+                </a:ext>
+              </a:extLst>
+            </p:cNvPr>
+            <p:cNvSpPr/>
+            <p:nvPr/>
+          </p:nvSpPr>
+          <p:spPr>
+            <a:xfrm>
+              <a:off x="1710813" y="1482189"/>
+              <a:ext cx="8480322" cy="5243076"/>
+            </a:xfrm>
+            <a:prstGeom prst="rect">
+              <a:avLst/>
+            </a:prstGeom>
+          </p:spPr>
+          <p:style>
+            <a:lnRef idx="3">
+              <a:schemeClr val="lt1"/>
+            </a:lnRef>
+            <a:fillRef idx="1">
+              <a:schemeClr val="dk1"/>
+            </a:fillRef>
+            <a:effectRef idx="1">
+              <a:schemeClr val="dk1"/>
+            </a:effectRef>
+            <a:fontRef idx="minor">
+              <a:schemeClr val="lt1"/>
+            </a:fontRef>
+          </p:style>
+          <p:txBody>
+            <a:bodyPr rtlCol="0" anchor="ctr"/>
+            <a:lstStyle/>
+            <a:p>
+              <a:endParaRPr lang="es-PE" sz="3600" b="1" dirty="0"/>
+            </a:p>
+          </p:txBody>
+        </p:sp>
+        <p:pic>
+          <p:nvPicPr>
+            <p:cNvPr id="5" name="Imagen 4">
+              <a:extLst>
+                <a:ext uri="{FF2B5EF4-FFF2-40B4-BE49-F238E27FC236}">
+                  <a16:creationId xmlns:a16="http://schemas.microsoft.com/office/drawing/2014/main" id="{0FABA5F2-64E6-18C3-F46C-0CCC9B30EE69}"/>
+                </a:ext>
+              </a:extLst>
+            </p:cNvPr>
+            <p:cNvPicPr>
+              <a:picLocks noChangeAspect="1"/>
+            </p:cNvPicPr>
+            <p:nvPr/>
+          </p:nvPicPr>
+          <p:blipFill>
+            <a:blip r:embed="rId2">
+              <a:extLst>
+                <a:ext uri="{28A0092B-C50C-407E-A947-70E740481C1C}">
+                  <a14:useLocalDpi xmlns:a14="http://schemas.microsoft.com/office/drawing/2010/main" val="0"/>
+                </a:ext>
+              </a:extLst>
+            </a:blip>
+            <a:stretch>
+              <a:fillRect/>
+            </a:stretch>
+          </p:blipFill>
+          <p:spPr>
+            <a:xfrm>
+              <a:off x="1856541" y="1589787"/>
+              <a:ext cx="8188866" cy="5027879"/>
+            </a:xfrm>
+            <a:prstGeom prst="rect">
+              <a:avLst/>
+            </a:prstGeom>
+          </p:spPr>
+        </p:pic>
+      </p:grpSp>
+    </p:spTree>
+    <p:extLst>
+      <p:ext uri="{BB962C8B-B14F-4D97-AF65-F5344CB8AC3E}">
+        <p14:creationId xmlns:p14="http://schemas.microsoft.com/office/powerpoint/2010/main" val="3480469052"/>
+      </p:ext>
+    </p:extLst>
+  </p:cSld>
+  <p:clrMapOvr>
+    <a:masterClrMapping/>
+  </p:clrMapOvr>
+</p:sld>
+</file>
+
+<file path=ppt/slides/slide21.xml><?xml version="1.0" encoding="utf-8"?>
+<p:sld xmlns:a="http://schemas.openxmlformats.org/drawingml/2006/main" xmlns:r="http://schemas.openxmlformats.org/officeDocument/2006/relationships" xmlns:p="http://schemas.openxmlformats.org/presentationml/2006/main">
+  <p:cSld>
+    <p:spTree>
+      <p:nvGrpSpPr>
+        <p:cNvPr id="1" name=""/>
+        <p:cNvGrpSpPr/>
+        <p:nvPr/>
+      </p:nvGrpSpPr>
+      <p:grpSpPr>
+        <a:xfrm>
+          <a:off x="0" y="0"/>
+          <a:ext cx="0" cy="0"/>
+          <a:chOff x="0" y="0"/>
+          <a:chExt cx="0" cy="0"/>
+        </a:xfrm>
+      </p:grpSpPr>
+      <p:sp>
+        <p:nvSpPr>
+          <p:cNvPr id="2" name="Rectángulo 1">
+            <a:extLst>
+              <a:ext uri="{FF2B5EF4-FFF2-40B4-BE49-F238E27FC236}">
+                <a16:creationId xmlns:a16="http://schemas.microsoft.com/office/drawing/2014/main" id="{6381F6FF-9C06-5CCA-3FFA-2B0128C5EB24}"/>
+              </a:ext>
+            </a:extLst>
+          </p:cNvPr>
+          <p:cNvSpPr/>
+          <p:nvPr/>
+        </p:nvSpPr>
+        <p:spPr>
+          <a:xfrm>
+            <a:off x="383458" y="132735"/>
+            <a:ext cx="9807677" cy="1138712"/>
+          </a:xfrm>
+          <a:prstGeom prst="rect">
+            <a:avLst/>
+          </a:prstGeom>
+        </p:spPr>
+        <p:style>
+          <a:lnRef idx="3">
+            <a:schemeClr val="lt1"/>
+          </a:lnRef>
+          <a:fillRef idx="1">
+            <a:schemeClr val="dk1"/>
+          </a:fillRef>
+          <a:effectRef idx="1">
+            <a:schemeClr val="dk1"/>
+          </a:effectRef>
+          <a:fontRef idx="minor">
+            <a:schemeClr val="lt1"/>
+          </a:fontRef>
+        </p:style>
+        <p:txBody>
+          <a:bodyPr rtlCol="0" anchor="ctr"/>
+          <a:lstStyle/>
+          <a:p>
+            <a:r>
+              <a:rPr lang="es-PE" sz="3600" b="1" dirty="0"/>
+              <a:t>Grafica de Laptop Agrupada de Memoria RAM y Marca</a:t>
+            </a:r>
+          </a:p>
+        </p:txBody>
+      </p:sp>
+      <p:grpSp>
+        <p:nvGrpSpPr>
+          <p:cNvPr id="9" name="Grupo 8">
+            <a:extLst>
+              <a:ext uri="{FF2B5EF4-FFF2-40B4-BE49-F238E27FC236}">
+                <a16:creationId xmlns:a16="http://schemas.microsoft.com/office/drawing/2014/main" id="{D239A27E-6827-1B10-9AAE-BB1C6538C97F}"/>
+              </a:ext>
+            </a:extLst>
+          </p:cNvPr>
+          <p:cNvGrpSpPr/>
+          <p:nvPr/>
+        </p:nvGrpSpPr>
+        <p:grpSpPr>
+          <a:xfrm>
+            <a:off x="1666567" y="1482189"/>
+            <a:ext cx="9335729" cy="5243076"/>
+            <a:chOff x="1666567" y="1482189"/>
+            <a:chExt cx="9335729" cy="5243076"/>
+          </a:xfrm>
+        </p:grpSpPr>
+        <p:sp>
+          <p:nvSpPr>
+            <p:cNvPr id="6" name="Rectángulo 5">
+              <a:extLst>
+                <a:ext uri="{FF2B5EF4-FFF2-40B4-BE49-F238E27FC236}">
+                  <a16:creationId xmlns:a16="http://schemas.microsoft.com/office/drawing/2014/main" id="{AEA5FC09-9540-766F-04FC-DCA8A706F03C}"/>
+                </a:ext>
+              </a:extLst>
+            </p:cNvPr>
+            <p:cNvSpPr/>
+            <p:nvPr/>
+          </p:nvSpPr>
+          <p:spPr>
+            <a:xfrm>
+              <a:off x="1666567" y="1482189"/>
+              <a:ext cx="9335729" cy="5243076"/>
+            </a:xfrm>
+            <a:prstGeom prst="rect">
+              <a:avLst/>
+            </a:prstGeom>
+          </p:spPr>
+          <p:style>
+            <a:lnRef idx="3">
+              <a:schemeClr val="lt1"/>
+            </a:lnRef>
+            <a:fillRef idx="1">
+              <a:schemeClr val="dk1"/>
+            </a:fillRef>
+            <a:effectRef idx="1">
+              <a:schemeClr val="dk1"/>
+            </a:effectRef>
+            <a:fontRef idx="minor">
+              <a:schemeClr val="lt1"/>
+            </a:fontRef>
+          </p:style>
+          <p:txBody>
+            <a:bodyPr rtlCol="0" anchor="ctr"/>
+            <a:lstStyle/>
+            <a:p>
+              <a:endParaRPr lang="es-PE" sz="3600" b="1" dirty="0"/>
+            </a:p>
+          </p:txBody>
+        </p:sp>
+        <p:pic>
+          <p:nvPicPr>
+            <p:cNvPr id="8" name="Imagen 7">
+              <a:extLst>
+                <a:ext uri="{FF2B5EF4-FFF2-40B4-BE49-F238E27FC236}">
+                  <a16:creationId xmlns:a16="http://schemas.microsoft.com/office/drawing/2014/main" id="{E2F40C9E-F00C-3444-AFEB-6C71BEFB076D}"/>
+                </a:ext>
+              </a:extLst>
+            </p:cNvPr>
+            <p:cNvPicPr>
+              <a:picLocks noChangeAspect="1"/>
+            </p:cNvPicPr>
+            <p:nvPr/>
+          </p:nvPicPr>
+          <p:blipFill>
+            <a:blip r:embed="rId2">
+              <a:extLst>
+                <a:ext uri="{28A0092B-C50C-407E-A947-70E740481C1C}">
+                  <a14:useLocalDpi xmlns:a14="http://schemas.microsoft.com/office/drawing/2010/main" val="0"/>
+                </a:ext>
+              </a:extLst>
+            </a:blip>
+            <a:stretch>
+              <a:fillRect/>
+            </a:stretch>
+          </p:blipFill>
+          <p:spPr>
+            <a:xfrm>
+              <a:off x="1825090" y="1540864"/>
+              <a:ext cx="9018682" cy="5125726"/>
+            </a:xfrm>
+            <a:prstGeom prst="rect">
+              <a:avLst/>
+            </a:prstGeom>
+          </p:spPr>
+        </p:pic>
+      </p:grpSp>
+    </p:spTree>
+    <p:extLst>
+      <p:ext uri="{BB962C8B-B14F-4D97-AF65-F5344CB8AC3E}">
+        <p14:creationId xmlns:p14="http://schemas.microsoft.com/office/powerpoint/2010/main" val="1411545310"/>
+      </p:ext>
+    </p:extLst>
+  </p:cSld>
+  <p:clrMapOvr>
+    <a:masterClrMapping/>
+  </p:clrMapOvr>
+</p:sld>
+</file>
+
+<file path=ppt/slides/slide22.xml><?xml version="1.0" encoding="utf-8"?>
+<p:sld xmlns:a="http://schemas.openxmlformats.org/drawingml/2006/main" xmlns:r="http://schemas.openxmlformats.org/officeDocument/2006/relationships" xmlns:p="http://schemas.openxmlformats.org/presentationml/2006/main">
+  <p:cSld>
+    <p:spTree>
+      <p:nvGrpSpPr>
+        <p:cNvPr id="1" name=""/>
+        <p:cNvGrpSpPr/>
+        <p:nvPr/>
+      </p:nvGrpSpPr>
+      <p:grpSpPr>
+        <a:xfrm>
+          <a:off x="0" y="0"/>
+          <a:ext cx="0" cy="0"/>
+          <a:chOff x="0" y="0"/>
+          <a:chExt cx="0" cy="0"/>
+        </a:xfrm>
+      </p:grpSpPr>
+      <p:sp>
+        <p:nvSpPr>
+          <p:cNvPr id="2" name="Rectángulo 1">
+            <a:extLst>
+              <a:ext uri="{FF2B5EF4-FFF2-40B4-BE49-F238E27FC236}">
+                <a16:creationId xmlns:a16="http://schemas.microsoft.com/office/drawing/2014/main" id="{585193FA-9075-EEB4-DEB6-AE6060DBC40C}"/>
+              </a:ext>
+            </a:extLst>
+          </p:cNvPr>
+          <p:cNvSpPr/>
+          <p:nvPr/>
+        </p:nvSpPr>
+        <p:spPr>
+          <a:xfrm>
+            <a:off x="383458" y="132735"/>
+            <a:ext cx="9807677" cy="1138712"/>
+          </a:xfrm>
+          <a:prstGeom prst="rect">
+            <a:avLst/>
+          </a:prstGeom>
+        </p:spPr>
+        <p:style>
+          <a:lnRef idx="3">
+            <a:schemeClr val="lt1"/>
+          </a:lnRef>
+          <a:fillRef idx="1">
+            <a:schemeClr val="dk1"/>
+          </a:fillRef>
+          <a:effectRef idx="1">
+            <a:schemeClr val="dk1"/>
+          </a:effectRef>
+          <a:fontRef idx="minor">
+            <a:schemeClr val="lt1"/>
+          </a:fontRef>
+        </p:style>
+        <p:txBody>
+          <a:bodyPr rtlCol="0" anchor="ctr"/>
+          <a:lstStyle/>
+          <a:p>
+            <a:r>
+              <a:rPr lang="es-PE" sz="3600" b="1" dirty="0"/>
+              <a:t>Grafica de Laptop Agrupada de Disco Duro y Marca</a:t>
+            </a:r>
+          </a:p>
+        </p:txBody>
+      </p:sp>
+      <p:grpSp>
+        <p:nvGrpSpPr>
+          <p:cNvPr id="4" name="Grupo 3">
+            <a:extLst>
+              <a:ext uri="{FF2B5EF4-FFF2-40B4-BE49-F238E27FC236}">
+                <a16:creationId xmlns:a16="http://schemas.microsoft.com/office/drawing/2014/main" id="{A15BBE55-5598-A378-FB46-799EB60C3D9F}"/>
+              </a:ext>
+            </a:extLst>
+          </p:cNvPr>
+          <p:cNvGrpSpPr/>
+          <p:nvPr/>
+        </p:nvGrpSpPr>
+        <p:grpSpPr>
+          <a:xfrm>
+            <a:off x="1666567" y="1482189"/>
+            <a:ext cx="9335729" cy="5243076"/>
+            <a:chOff x="1666567" y="1482189"/>
+            <a:chExt cx="9335729" cy="5243076"/>
+          </a:xfrm>
+        </p:grpSpPr>
+        <p:sp>
+          <p:nvSpPr>
+            <p:cNvPr id="3" name="Rectángulo 2">
+              <a:extLst>
+                <a:ext uri="{FF2B5EF4-FFF2-40B4-BE49-F238E27FC236}">
+                  <a16:creationId xmlns:a16="http://schemas.microsoft.com/office/drawing/2014/main" id="{74652037-3F57-3D08-809A-B800D178A926}"/>
+                </a:ext>
+              </a:extLst>
+            </p:cNvPr>
+            <p:cNvSpPr/>
+            <p:nvPr/>
+          </p:nvSpPr>
+          <p:spPr>
+            <a:xfrm>
+              <a:off x="1666567" y="1482189"/>
+              <a:ext cx="9335729" cy="5243076"/>
+            </a:xfrm>
+            <a:prstGeom prst="rect">
+              <a:avLst/>
+            </a:prstGeom>
+          </p:spPr>
+          <p:style>
+            <a:lnRef idx="3">
+              <a:schemeClr val="lt1"/>
+            </a:lnRef>
+            <a:fillRef idx="1">
+              <a:schemeClr val="dk1"/>
+            </a:fillRef>
+            <a:effectRef idx="1">
+              <a:schemeClr val="dk1"/>
+            </a:effectRef>
+            <a:fontRef idx="minor">
+              <a:schemeClr val="lt1"/>
+            </a:fontRef>
+          </p:style>
+          <p:txBody>
+            <a:bodyPr rtlCol="0" anchor="ctr"/>
+            <a:lstStyle/>
+            <a:p>
+              <a:endParaRPr lang="es-PE" sz="3600" b="1" dirty="0"/>
+            </a:p>
+          </p:txBody>
+        </p:sp>
+        <p:pic>
+          <p:nvPicPr>
+            <p:cNvPr id="5" name="Imagen 4">
+              <a:extLst>
+                <a:ext uri="{FF2B5EF4-FFF2-40B4-BE49-F238E27FC236}">
+                  <a16:creationId xmlns:a16="http://schemas.microsoft.com/office/drawing/2014/main" id="{9BB81C5D-4125-6105-1D31-7EB49940F461}"/>
+                </a:ext>
+              </a:extLst>
+            </p:cNvPr>
+            <p:cNvPicPr>
+              <a:picLocks noChangeAspect="1"/>
+            </p:cNvPicPr>
+            <p:nvPr/>
+          </p:nvPicPr>
+          <p:blipFill>
+            <a:blip r:embed="rId2">
+              <a:extLst>
+                <a:ext uri="{28A0092B-C50C-407E-A947-70E740481C1C}">
+                  <a14:useLocalDpi xmlns:a14="http://schemas.microsoft.com/office/drawing/2010/main" val="0"/>
+                </a:ext>
+              </a:extLst>
+            </a:blip>
+            <a:stretch>
+              <a:fillRect/>
+            </a:stretch>
+          </p:blipFill>
+          <p:spPr>
+            <a:xfrm>
+              <a:off x="1821895" y="1554672"/>
+              <a:ext cx="8957187" cy="5098110"/>
+            </a:xfrm>
+            <a:prstGeom prst="rect">
+              <a:avLst/>
+            </a:prstGeom>
+          </p:spPr>
+        </p:pic>
+      </p:grpSp>
+    </p:spTree>
+    <p:extLst>
+      <p:ext uri="{BB962C8B-B14F-4D97-AF65-F5344CB8AC3E}">
+        <p14:creationId xmlns:p14="http://schemas.microsoft.com/office/powerpoint/2010/main" val="2108994223"/>
+      </p:ext>
+    </p:extLst>
+  </p:cSld>
+  <p:clrMapOvr>
+    <a:masterClrMapping/>
+  </p:clrMapOvr>
+</p:sld>
+</file>
+
+<file path=ppt/slides/slide23.xml><?xml version="1.0" encoding="utf-8"?>
+<p:sld xmlns:a="http://schemas.openxmlformats.org/drawingml/2006/main" xmlns:r="http://schemas.openxmlformats.org/officeDocument/2006/relationships" xmlns:p="http://schemas.openxmlformats.org/presentationml/2006/main">
+  <p:cSld>
+    <p:spTree>
+      <p:nvGrpSpPr>
+        <p:cNvPr id="1" name=""/>
+        <p:cNvGrpSpPr/>
+        <p:nvPr/>
+      </p:nvGrpSpPr>
+      <p:grpSpPr>
+        <a:xfrm>
+          <a:off x="0" y="0"/>
+          <a:ext cx="0" cy="0"/>
+          <a:chOff x="0" y="0"/>
+          <a:chExt cx="0" cy="0"/>
+        </a:xfrm>
+      </p:grpSpPr>
+      <p:sp>
+        <p:nvSpPr>
+          <p:cNvPr id="2" name="Rectángulo 1">
+            <a:extLst>
+              <a:ext uri="{FF2B5EF4-FFF2-40B4-BE49-F238E27FC236}">
+                <a16:creationId xmlns:a16="http://schemas.microsoft.com/office/drawing/2014/main" id="{A06D0B53-E7BD-EC04-0591-EC21BAFCDFA7}"/>
+              </a:ext>
+            </a:extLst>
+          </p:cNvPr>
+          <p:cNvSpPr/>
+          <p:nvPr/>
+        </p:nvSpPr>
+        <p:spPr>
+          <a:xfrm>
+            <a:off x="383458" y="132735"/>
+            <a:ext cx="9807677" cy="1138712"/>
+          </a:xfrm>
+          <a:prstGeom prst="rect">
+            <a:avLst/>
+          </a:prstGeom>
+        </p:spPr>
+        <p:style>
+          <a:lnRef idx="3">
+            <a:schemeClr val="lt1"/>
+          </a:lnRef>
+          <a:fillRef idx="1">
+            <a:schemeClr val="dk1"/>
+          </a:fillRef>
+          <a:effectRef idx="1">
+            <a:schemeClr val="dk1"/>
+          </a:effectRef>
+          <a:fontRef idx="minor">
+            <a:schemeClr val="lt1"/>
+          </a:fontRef>
+        </p:style>
+        <p:txBody>
+          <a:bodyPr rtlCol="0" anchor="ctr"/>
+          <a:lstStyle/>
+          <a:p>
+            <a:r>
+              <a:rPr lang="es-PE" sz="3600" b="1" dirty="0"/>
+              <a:t>Grafica de Laptop Agrupada de Procesador y Marca</a:t>
+            </a:r>
+          </a:p>
+        </p:txBody>
+      </p:sp>
+      <p:grpSp>
+        <p:nvGrpSpPr>
+          <p:cNvPr id="6" name="Grupo 5">
+            <a:extLst>
+              <a:ext uri="{FF2B5EF4-FFF2-40B4-BE49-F238E27FC236}">
+                <a16:creationId xmlns:a16="http://schemas.microsoft.com/office/drawing/2014/main" id="{6F9A19FD-D6EA-BCD4-B46C-7AC0042D6283}"/>
+              </a:ext>
+            </a:extLst>
+          </p:cNvPr>
+          <p:cNvGrpSpPr/>
+          <p:nvPr/>
+        </p:nvGrpSpPr>
+        <p:grpSpPr>
+          <a:xfrm>
+            <a:off x="1666567" y="1482189"/>
+            <a:ext cx="9335729" cy="5243076"/>
+            <a:chOff x="1666567" y="1482189"/>
+            <a:chExt cx="9335729" cy="5243076"/>
+          </a:xfrm>
+        </p:grpSpPr>
+        <p:sp>
+          <p:nvSpPr>
+            <p:cNvPr id="3" name="Rectángulo 2">
+              <a:extLst>
+                <a:ext uri="{FF2B5EF4-FFF2-40B4-BE49-F238E27FC236}">
+                  <a16:creationId xmlns:a16="http://schemas.microsoft.com/office/drawing/2014/main" id="{8AD68DF2-1CFA-7062-89B7-3C5292138392}"/>
+                </a:ext>
+              </a:extLst>
+            </p:cNvPr>
+            <p:cNvSpPr/>
+            <p:nvPr/>
+          </p:nvSpPr>
+          <p:spPr>
+            <a:xfrm>
+              <a:off x="1666567" y="1482189"/>
+              <a:ext cx="9335729" cy="5243076"/>
+            </a:xfrm>
+            <a:prstGeom prst="rect">
+              <a:avLst/>
+            </a:prstGeom>
+          </p:spPr>
+          <p:style>
+            <a:lnRef idx="3">
+              <a:schemeClr val="lt1"/>
+            </a:lnRef>
+            <a:fillRef idx="1">
+              <a:schemeClr val="dk1"/>
+            </a:fillRef>
+            <a:effectRef idx="1">
+              <a:schemeClr val="dk1"/>
+            </a:effectRef>
+            <a:fontRef idx="minor">
+              <a:schemeClr val="lt1"/>
+            </a:fontRef>
+          </p:style>
+          <p:txBody>
+            <a:bodyPr rtlCol="0" anchor="ctr"/>
+            <a:lstStyle/>
+            <a:p>
+              <a:endParaRPr lang="es-PE" sz="3600" b="1" dirty="0"/>
+            </a:p>
+          </p:txBody>
+        </p:sp>
+        <p:pic>
+          <p:nvPicPr>
+            <p:cNvPr id="5" name="Imagen 4">
+              <a:extLst>
+                <a:ext uri="{FF2B5EF4-FFF2-40B4-BE49-F238E27FC236}">
+                  <a16:creationId xmlns:a16="http://schemas.microsoft.com/office/drawing/2014/main" id="{D4AC5B48-5C49-2E62-E3F5-2469DC9C9406}"/>
+                </a:ext>
+              </a:extLst>
+            </p:cNvPr>
+            <p:cNvPicPr>
+              <a:picLocks noChangeAspect="1"/>
+            </p:cNvPicPr>
+            <p:nvPr/>
+          </p:nvPicPr>
+          <p:blipFill>
+            <a:blip r:embed="rId2">
+              <a:extLst>
+                <a:ext uri="{28A0092B-C50C-407E-A947-70E740481C1C}">
+                  <a14:useLocalDpi xmlns:a14="http://schemas.microsoft.com/office/drawing/2010/main" val="0"/>
+                </a:ext>
+              </a:extLst>
+            </a:blip>
+            <a:stretch>
+              <a:fillRect/>
+            </a:stretch>
+          </p:blipFill>
+          <p:spPr>
+            <a:xfrm>
+              <a:off x="1810122" y="1526796"/>
+              <a:ext cx="9048617" cy="5153862"/>
+            </a:xfrm>
+            <a:prstGeom prst="rect">
+              <a:avLst/>
+            </a:prstGeom>
+          </p:spPr>
+        </p:pic>
+      </p:grpSp>
+    </p:spTree>
+    <p:extLst>
+      <p:ext uri="{BB962C8B-B14F-4D97-AF65-F5344CB8AC3E}">
+        <p14:creationId xmlns:p14="http://schemas.microsoft.com/office/powerpoint/2010/main" val="317339749"/>
+      </p:ext>
+    </p:extLst>
+  </p:cSld>
+  <p:clrMapOvr>
+    <a:masterClrMapping/>
+  </p:clrMapOvr>
+</p:sld>
+</file>
+
+<file path=ppt/slides/slide24.xml><?xml version="1.0" encoding="utf-8"?>
+<p:sld xmlns:a="http://schemas.openxmlformats.org/drawingml/2006/main" xmlns:r="http://schemas.openxmlformats.org/officeDocument/2006/relationships" xmlns:p="http://schemas.openxmlformats.org/presentationml/2006/main">
+  <p:cSld>
+    <p:spTree>
+      <p:nvGrpSpPr>
+        <p:cNvPr id="1" name=""/>
+        <p:cNvGrpSpPr/>
+        <p:nvPr/>
+      </p:nvGrpSpPr>
+      <p:grpSpPr>
+        <a:xfrm>
+          <a:off x="0" y="0"/>
+          <a:ext cx="0" cy="0"/>
+          <a:chOff x="0" y="0"/>
+          <a:chExt cx="0" cy="0"/>
+        </a:xfrm>
+      </p:grpSpPr>
+      <p:sp>
+        <p:nvSpPr>
+          <p:cNvPr id="2" name="Rectángulo 1">
+            <a:extLst>
+              <a:ext uri="{FF2B5EF4-FFF2-40B4-BE49-F238E27FC236}">
+                <a16:creationId xmlns:a16="http://schemas.microsoft.com/office/drawing/2014/main" id="{C98D53A8-BA22-494E-FC7E-B9680806DCBD}"/>
+              </a:ext>
+            </a:extLst>
+          </p:cNvPr>
+          <p:cNvSpPr/>
+          <p:nvPr/>
+        </p:nvSpPr>
+        <p:spPr>
+          <a:xfrm>
+            <a:off x="383458" y="132735"/>
+            <a:ext cx="9807677" cy="1138712"/>
+          </a:xfrm>
+          <a:prstGeom prst="rect">
+            <a:avLst/>
+          </a:prstGeom>
+        </p:spPr>
+        <p:style>
+          <a:lnRef idx="3">
+            <a:schemeClr val="lt1"/>
+          </a:lnRef>
+          <a:fillRef idx="1">
+            <a:schemeClr val="dk1"/>
+          </a:fillRef>
+          <a:effectRef idx="1">
+            <a:schemeClr val="dk1"/>
+          </a:effectRef>
+          <a:fontRef idx="minor">
+            <a:schemeClr val="lt1"/>
+          </a:fontRef>
+        </p:style>
+        <p:txBody>
+          <a:bodyPr rtlCol="0" anchor="ctr"/>
+          <a:lstStyle/>
+          <a:p>
+            <a:r>
+              <a:rPr lang="es-PE" sz="3600" b="1" dirty="0"/>
+              <a:t>Grafica de Laptop Agrupada de Pantalla y Marca</a:t>
+            </a:r>
+          </a:p>
+        </p:txBody>
+      </p:sp>
+      <p:grpSp>
+        <p:nvGrpSpPr>
+          <p:cNvPr id="6" name="Grupo 5">
+            <a:extLst>
+              <a:ext uri="{FF2B5EF4-FFF2-40B4-BE49-F238E27FC236}">
+                <a16:creationId xmlns:a16="http://schemas.microsoft.com/office/drawing/2014/main" id="{A0E2A2DB-53AB-9F85-5B36-3D660E5E1DDB}"/>
+              </a:ext>
+            </a:extLst>
+          </p:cNvPr>
+          <p:cNvGrpSpPr/>
+          <p:nvPr/>
+        </p:nvGrpSpPr>
+        <p:grpSpPr>
+          <a:xfrm>
+            <a:off x="1666567" y="1482189"/>
+            <a:ext cx="9335729" cy="5243076"/>
+            <a:chOff x="1666567" y="1482189"/>
+            <a:chExt cx="9335729" cy="5243076"/>
+          </a:xfrm>
+        </p:grpSpPr>
+        <p:sp>
+          <p:nvSpPr>
+            <p:cNvPr id="3" name="Rectángulo 2">
+              <a:extLst>
+                <a:ext uri="{FF2B5EF4-FFF2-40B4-BE49-F238E27FC236}">
+                  <a16:creationId xmlns:a16="http://schemas.microsoft.com/office/drawing/2014/main" id="{FFD19687-6F2F-78AB-23E3-5B4BCDB3C86E}"/>
+                </a:ext>
+              </a:extLst>
+            </p:cNvPr>
+            <p:cNvSpPr/>
+            <p:nvPr/>
+          </p:nvSpPr>
+          <p:spPr>
+            <a:xfrm>
+              <a:off x="1666567" y="1482189"/>
+              <a:ext cx="9335729" cy="5243076"/>
+            </a:xfrm>
+            <a:prstGeom prst="rect">
+              <a:avLst/>
+            </a:prstGeom>
+          </p:spPr>
+          <p:style>
+            <a:lnRef idx="3">
+              <a:schemeClr val="lt1"/>
+            </a:lnRef>
+            <a:fillRef idx="1">
+              <a:schemeClr val="dk1"/>
+            </a:fillRef>
+            <a:effectRef idx="1">
+              <a:schemeClr val="dk1"/>
+            </a:effectRef>
+            <a:fontRef idx="minor">
+              <a:schemeClr val="lt1"/>
+            </a:fontRef>
+          </p:style>
+          <p:txBody>
+            <a:bodyPr rtlCol="0" anchor="ctr"/>
+            <a:lstStyle/>
+            <a:p>
+              <a:endParaRPr lang="es-PE" sz="3600" b="1" dirty="0"/>
+            </a:p>
+          </p:txBody>
+        </p:sp>
+        <p:pic>
+          <p:nvPicPr>
+            <p:cNvPr id="5" name="Imagen 4">
+              <a:extLst>
+                <a:ext uri="{FF2B5EF4-FFF2-40B4-BE49-F238E27FC236}">
+                  <a16:creationId xmlns:a16="http://schemas.microsoft.com/office/drawing/2014/main" id="{F978AC45-BDFF-5A45-2529-34043D677B2C}"/>
+                </a:ext>
+              </a:extLst>
+            </p:cNvPr>
+            <p:cNvPicPr>
+              <a:picLocks noChangeAspect="1"/>
+            </p:cNvPicPr>
+            <p:nvPr/>
+          </p:nvPicPr>
+          <p:blipFill>
+            <a:blip r:embed="rId2">
+              <a:extLst>
+                <a:ext uri="{28A0092B-C50C-407E-A947-70E740481C1C}">
+                  <a14:useLocalDpi xmlns:a14="http://schemas.microsoft.com/office/drawing/2010/main" val="0"/>
+                </a:ext>
+              </a:extLst>
+            </a:blip>
+            <a:stretch>
+              <a:fillRect/>
+            </a:stretch>
+          </p:blipFill>
+          <p:spPr>
+            <a:xfrm>
+              <a:off x="1876283" y="1568135"/>
+              <a:ext cx="8916296" cy="5071183"/>
+            </a:xfrm>
+            <a:prstGeom prst="rect">
+              <a:avLst/>
+            </a:prstGeom>
+          </p:spPr>
+        </p:pic>
+      </p:grpSp>
+    </p:spTree>
+    <p:extLst>
+      <p:ext uri="{BB962C8B-B14F-4D97-AF65-F5344CB8AC3E}">
+        <p14:creationId xmlns:p14="http://schemas.microsoft.com/office/powerpoint/2010/main" val="3311629896"/>
+      </p:ext>
+    </p:extLst>
+  </p:cSld>
+  <p:clrMapOvr>
+    <a:masterClrMapping/>
+  </p:clrMapOvr>
+</p:sld>
+</file>
+
+<file path=ppt/slides/slide25.xml><?xml version="1.0" encoding="utf-8"?>
+<p:sld xmlns:a="http://schemas.openxmlformats.org/drawingml/2006/main" xmlns:r="http://schemas.openxmlformats.org/officeDocument/2006/relationships" xmlns:p="http://schemas.openxmlformats.org/presentationml/2006/main">
+  <p:cSld>
+    <p:spTree>
+      <p:nvGrpSpPr>
+        <p:cNvPr id="1" name=""/>
+        <p:cNvGrpSpPr/>
+        <p:nvPr/>
+      </p:nvGrpSpPr>
+      <p:grpSpPr>
+        <a:xfrm>
+          <a:off x="0" y="0"/>
+          <a:ext cx="0" cy="0"/>
+          <a:chOff x="0" y="0"/>
+          <a:chExt cx="0" cy="0"/>
+        </a:xfrm>
+      </p:grpSpPr>
+      <p:sp>
+        <p:nvSpPr>
+          <p:cNvPr id="2" name="Rectángulo 1">
+            <a:extLst>
+              <a:ext uri="{FF2B5EF4-FFF2-40B4-BE49-F238E27FC236}">
+                <a16:creationId xmlns:a16="http://schemas.microsoft.com/office/drawing/2014/main" id="{94182331-62C2-D09D-FDDD-6B07E9F9A8B5}"/>
+              </a:ext>
+            </a:extLst>
+          </p:cNvPr>
+          <p:cNvSpPr/>
+          <p:nvPr/>
+        </p:nvSpPr>
+        <p:spPr>
+          <a:xfrm>
+            <a:off x="383458" y="132735"/>
+            <a:ext cx="9807677" cy="1138712"/>
+          </a:xfrm>
+          <a:prstGeom prst="rect">
+            <a:avLst/>
+          </a:prstGeom>
+        </p:spPr>
+        <p:style>
+          <a:lnRef idx="3">
+            <a:schemeClr val="lt1"/>
+          </a:lnRef>
+          <a:fillRef idx="1">
+            <a:schemeClr val="dk1"/>
+          </a:fillRef>
+          <a:effectRef idx="1">
+            <a:schemeClr val="dk1"/>
+          </a:effectRef>
+          <a:fontRef idx="minor">
+            <a:schemeClr val="lt1"/>
+          </a:fontRef>
+        </p:style>
+        <p:txBody>
+          <a:bodyPr rtlCol="0" anchor="ctr"/>
+          <a:lstStyle/>
+          <a:p>
+            <a:r>
+              <a:rPr lang="es-PE" sz="3600" b="1" dirty="0"/>
+              <a:t>Grafica de Laptop Promedio de Memoria RAM y Marca</a:t>
+            </a:r>
+          </a:p>
+        </p:txBody>
+      </p:sp>
+      <p:grpSp>
+        <p:nvGrpSpPr>
+          <p:cNvPr id="9" name="Grupo 8">
+            <a:extLst>
+              <a:ext uri="{FF2B5EF4-FFF2-40B4-BE49-F238E27FC236}">
+                <a16:creationId xmlns:a16="http://schemas.microsoft.com/office/drawing/2014/main" id="{D951F660-5F79-F976-70C9-30C454DC295A}"/>
+              </a:ext>
+            </a:extLst>
+          </p:cNvPr>
+          <p:cNvGrpSpPr/>
+          <p:nvPr/>
+        </p:nvGrpSpPr>
+        <p:grpSpPr>
+          <a:xfrm>
+            <a:off x="1710813" y="1482189"/>
+            <a:ext cx="7049729" cy="5243076"/>
+            <a:chOff x="1710813" y="1482189"/>
+            <a:chExt cx="7049729" cy="5243076"/>
+          </a:xfrm>
+        </p:grpSpPr>
+        <p:sp>
+          <p:nvSpPr>
+            <p:cNvPr id="4" name="Rectángulo 3">
+              <a:extLst>
+                <a:ext uri="{FF2B5EF4-FFF2-40B4-BE49-F238E27FC236}">
+                  <a16:creationId xmlns:a16="http://schemas.microsoft.com/office/drawing/2014/main" id="{085303B7-E9B7-C00F-A1F3-AD083B71B620}"/>
+                </a:ext>
+              </a:extLst>
+            </p:cNvPr>
+            <p:cNvSpPr/>
+            <p:nvPr/>
+          </p:nvSpPr>
+          <p:spPr>
+            <a:xfrm>
+              <a:off x="1710813" y="1482189"/>
+              <a:ext cx="7049729" cy="5243076"/>
+            </a:xfrm>
+            <a:prstGeom prst="rect">
+              <a:avLst/>
+            </a:prstGeom>
+          </p:spPr>
+          <p:style>
+            <a:lnRef idx="3">
+              <a:schemeClr val="lt1"/>
+            </a:lnRef>
+            <a:fillRef idx="1">
+              <a:schemeClr val="dk1"/>
+            </a:fillRef>
+            <a:effectRef idx="1">
+              <a:schemeClr val="dk1"/>
+            </a:effectRef>
+            <a:fontRef idx="minor">
+              <a:schemeClr val="lt1"/>
+            </a:fontRef>
+          </p:style>
+          <p:txBody>
+            <a:bodyPr rtlCol="0" anchor="ctr"/>
+            <a:lstStyle/>
+            <a:p>
+              <a:endParaRPr lang="es-PE" sz="3600" b="1" dirty="0"/>
+            </a:p>
+          </p:txBody>
+        </p:sp>
+        <p:pic>
+          <p:nvPicPr>
+            <p:cNvPr id="8" name="Imagen 7">
+              <a:extLst>
+                <a:ext uri="{FF2B5EF4-FFF2-40B4-BE49-F238E27FC236}">
+                  <a16:creationId xmlns:a16="http://schemas.microsoft.com/office/drawing/2014/main" id="{603AB7EA-F136-2D4E-CE83-C90E92394A24}"/>
+                </a:ext>
+              </a:extLst>
+            </p:cNvPr>
+            <p:cNvPicPr>
+              <a:picLocks noChangeAspect="1"/>
+            </p:cNvPicPr>
+            <p:nvPr/>
+          </p:nvPicPr>
+          <p:blipFill>
+            <a:blip r:embed="rId2">
+              <a:extLst>
+                <a:ext uri="{28A0092B-C50C-407E-A947-70E740481C1C}">
+                  <a14:useLocalDpi xmlns:a14="http://schemas.microsoft.com/office/drawing/2010/main" val="0"/>
+                </a:ext>
+              </a:extLst>
+            </a:blip>
+            <a:stretch>
+              <a:fillRect/>
+            </a:stretch>
+          </p:blipFill>
+          <p:spPr>
+            <a:xfrm>
+              <a:off x="2000425" y="1703276"/>
+              <a:ext cx="6573741" cy="4800901"/>
+            </a:xfrm>
+            <a:prstGeom prst="rect">
+              <a:avLst/>
+            </a:prstGeom>
+          </p:spPr>
+        </p:pic>
+      </p:grpSp>
+    </p:spTree>
+    <p:extLst>
+      <p:ext uri="{BB962C8B-B14F-4D97-AF65-F5344CB8AC3E}">
+        <p14:creationId xmlns:p14="http://schemas.microsoft.com/office/powerpoint/2010/main" val="2239887561"/>
+      </p:ext>
+    </p:extLst>
+  </p:cSld>
+  <p:clrMapOvr>
+    <a:masterClrMapping/>
+  </p:clrMapOvr>
+</p:sld>
+</file>
+
+<file path=ppt/slides/slide26.xml><?xml version="1.0" encoding="utf-8"?>
+<p:sld xmlns:a="http://schemas.openxmlformats.org/drawingml/2006/main" xmlns:r="http://schemas.openxmlformats.org/officeDocument/2006/relationships" xmlns:p="http://schemas.openxmlformats.org/presentationml/2006/main">
+  <p:cSld>
+    <p:spTree>
+      <p:nvGrpSpPr>
+        <p:cNvPr id="1" name=""/>
+        <p:cNvGrpSpPr/>
+        <p:nvPr/>
+      </p:nvGrpSpPr>
+      <p:grpSpPr>
+        <a:xfrm>
+          <a:off x="0" y="0"/>
+          <a:ext cx="0" cy="0"/>
+          <a:chOff x="0" y="0"/>
+          <a:chExt cx="0" cy="0"/>
+        </a:xfrm>
+      </p:grpSpPr>
+      <p:sp>
+        <p:nvSpPr>
+          <p:cNvPr id="3" name="Rectángulo 2">
+            <a:extLst>
+              <a:ext uri="{FF2B5EF4-FFF2-40B4-BE49-F238E27FC236}">
+                <a16:creationId xmlns:a16="http://schemas.microsoft.com/office/drawing/2014/main" id="{CAF61B8F-8ED6-DE38-90D1-04D87B131669}"/>
+              </a:ext>
+            </a:extLst>
+          </p:cNvPr>
+          <p:cNvSpPr/>
+          <p:nvPr/>
+        </p:nvSpPr>
+        <p:spPr>
+          <a:xfrm>
+            <a:off x="383458" y="132735"/>
+            <a:ext cx="9807677" cy="1138712"/>
+          </a:xfrm>
+          <a:prstGeom prst="rect">
+            <a:avLst/>
+          </a:prstGeom>
+        </p:spPr>
+        <p:style>
+          <a:lnRef idx="3">
+            <a:schemeClr val="lt1"/>
+          </a:lnRef>
+          <a:fillRef idx="1">
+            <a:schemeClr val="dk1"/>
+          </a:fillRef>
+          <a:effectRef idx="1">
+            <a:schemeClr val="dk1"/>
+          </a:effectRef>
+          <a:fontRef idx="minor">
+            <a:schemeClr val="lt1"/>
+          </a:fontRef>
+        </p:style>
+        <p:txBody>
+          <a:bodyPr rtlCol="0" anchor="ctr"/>
+          <a:lstStyle/>
+          <a:p>
+            <a:r>
+              <a:rPr lang="es-PE" sz="3600" b="1" dirty="0"/>
+              <a:t>Grafica de Laptop Promedio de Disco Duro y Marca</a:t>
+            </a:r>
+          </a:p>
+        </p:txBody>
+      </p:sp>
+      <p:grpSp>
+        <p:nvGrpSpPr>
+          <p:cNvPr id="7" name="Grupo 6">
+            <a:extLst>
+              <a:ext uri="{FF2B5EF4-FFF2-40B4-BE49-F238E27FC236}">
+                <a16:creationId xmlns:a16="http://schemas.microsoft.com/office/drawing/2014/main" id="{2F3A0360-DFA7-58F1-9297-D79F72916494}"/>
+              </a:ext>
+            </a:extLst>
+          </p:cNvPr>
+          <p:cNvGrpSpPr/>
+          <p:nvPr/>
+        </p:nvGrpSpPr>
+        <p:grpSpPr>
+          <a:xfrm>
+            <a:off x="1710813" y="1482189"/>
+            <a:ext cx="7049729" cy="5243076"/>
+            <a:chOff x="1710813" y="1482189"/>
+            <a:chExt cx="7049729" cy="5243076"/>
+          </a:xfrm>
+        </p:grpSpPr>
+        <p:sp>
+          <p:nvSpPr>
+            <p:cNvPr id="6" name="Rectángulo 5">
+              <a:extLst>
+                <a:ext uri="{FF2B5EF4-FFF2-40B4-BE49-F238E27FC236}">
+                  <a16:creationId xmlns:a16="http://schemas.microsoft.com/office/drawing/2014/main" id="{538C3D4A-1AD2-1DF5-7144-E44024544C17}"/>
+                </a:ext>
+              </a:extLst>
+            </p:cNvPr>
+            <p:cNvSpPr/>
+            <p:nvPr/>
+          </p:nvSpPr>
+          <p:spPr>
+            <a:xfrm>
+              <a:off x="1710813" y="1482189"/>
+              <a:ext cx="7049729" cy="5243076"/>
+            </a:xfrm>
+            <a:prstGeom prst="rect">
+              <a:avLst/>
+            </a:prstGeom>
+          </p:spPr>
+          <p:style>
+            <a:lnRef idx="3">
+              <a:schemeClr val="lt1"/>
+            </a:lnRef>
+            <a:fillRef idx="1">
+              <a:schemeClr val="dk1"/>
+            </a:fillRef>
+            <a:effectRef idx="1">
+              <a:schemeClr val="dk1"/>
+            </a:effectRef>
+            <a:fontRef idx="minor">
+              <a:schemeClr val="lt1"/>
+            </a:fontRef>
+          </p:style>
+          <p:txBody>
+            <a:bodyPr rtlCol="0" anchor="ctr"/>
+            <a:lstStyle/>
+            <a:p>
+              <a:endParaRPr lang="es-PE" sz="3600" b="1" dirty="0"/>
+            </a:p>
+          </p:txBody>
+        </p:sp>
+        <p:pic>
+          <p:nvPicPr>
+            <p:cNvPr id="5" name="Imagen 4">
+              <a:extLst>
+                <a:ext uri="{FF2B5EF4-FFF2-40B4-BE49-F238E27FC236}">
+                  <a16:creationId xmlns:a16="http://schemas.microsoft.com/office/drawing/2014/main" id="{6FEFA922-DA44-451A-7BF1-15488149B1AE}"/>
+                </a:ext>
+              </a:extLst>
+            </p:cNvPr>
+            <p:cNvPicPr>
+              <a:picLocks noChangeAspect="1"/>
+            </p:cNvPicPr>
+            <p:nvPr/>
+          </p:nvPicPr>
+          <p:blipFill>
+            <a:blip r:embed="rId2">
+              <a:extLst>
+                <a:ext uri="{28A0092B-C50C-407E-A947-70E740481C1C}">
+                  <a14:useLocalDpi xmlns:a14="http://schemas.microsoft.com/office/drawing/2010/main" val="0"/>
+                </a:ext>
+              </a:extLst>
+            </a:blip>
+            <a:stretch>
+              <a:fillRect/>
+            </a:stretch>
+          </p:blipFill>
+          <p:spPr>
+            <a:xfrm>
+              <a:off x="2000865" y="1614924"/>
+              <a:ext cx="6538451" cy="4963196"/>
+            </a:xfrm>
+            <a:prstGeom prst="rect">
+              <a:avLst/>
+            </a:prstGeom>
+          </p:spPr>
+        </p:pic>
+      </p:grpSp>
+    </p:spTree>
+    <p:extLst>
+      <p:ext uri="{BB962C8B-B14F-4D97-AF65-F5344CB8AC3E}">
+        <p14:creationId xmlns:p14="http://schemas.microsoft.com/office/powerpoint/2010/main" val="1138878931"/>
+      </p:ext>
+    </p:extLst>
+  </p:cSld>
+  <p:clrMapOvr>
+    <a:masterClrMapping/>
+  </p:clrMapOvr>
+</p:sld>
+</file>
+
+<file path=ppt/slides/slide27.xml><?xml version="1.0" encoding="utf-8"?>
+<p:sld xmlns:a="http://schemas.openxmlformats.org/drawingml/2006/main" xmlns:r="http://schemas.openxmlformats.org/officeDocument/2006/relationships" xmlns:p="http://schemas.openxmlformats.org/presentationml/2006/main">
+  <p:cSld>
+    <p:spTree>
+      <p:nvGrpSpPr>
+        <p:cNvPr id="1" name=""/>
+        <p:cNvGrpSpPr/>
+        <p:nvPr/>
+      </p:nvGrpSpPr>
+      <p:grpSpPr>
+        <a:xfrm>
+          <a:off x="0" y="0"/>
+          <a:ext cx="0" cy="0"/>
+          <a:chOff x="0" y="0"/>
+          <a:chExt cx="0" cy="0"/>
+        </a:xfrm>
+      </p:grpSpPr>
+      <p:sp>
+        <p:nvSpPr>
+          <p:cNvPr id="3" name="Rectángulo 2">
+            <a:extLst>
+              <a:ext uri="{FF2B5EF4-FFF2-40B4-BE49-F238E27FC236}">
+                <a16:creationId xmlns:a16="http://schemas.microsoft.com/office/drawing/2014/main" id="{3052E395-21CE-462B-A38D-4897E9A3634D}"/>
+              </a:ext>
+            </a:extLst>
+          </p:cNvPr>
+          <p:cNvSpPr/>
+          <p:nvPr/>
+        </p:nvSpPr>
+        <p:spPr>
+          <a:xfrm>
+            <a:off x="383458" y="132735"/>
+            <a:ext cx="9807677" cy="1138712"/>
+          </a:xfrm>
+          <a:prstGeom prst="rect">
+            <a:avLst/>
+          </a:prstGeom>
+        </p:spPr>
+        <p:style>
+          <a:lnRef idx="3">
+            <a:schemeClr val="lt1"/>
+          </a:lnRef>
+          <a:fillRef idx="1">
+            <a:schemeClr val="dk1"/>
+          </a:fillRef>
+          <a:effectRef idx="1">
+            <a:schemeClr val="dk1"/>
+          </a:effectRef>
+          <a:fontRef idx="minor">
+            <a:schemeClr val="lt1"/>
+          </a:fontRef>
+        </p:style>
+        <p:txBody>
+          <a:bodyPr rtlCol="0" anchor="ctr"/>
+          <a:lstStyle/>
+          <a:p>
+            <a:r>
+              <a:rPr lang="es-PE" sz="3600" b="1" dirty="0"/>
+              <a:t>Grafica de Laptop Promedio de Procesador y Marca</a:t>
+            </a:r>
+          </a:p>
+        </p:txBody>
+      </p:sp>
+      <p:grpSp>
+        <p:nvGrpSpPr>
+          <p:cNvPr id="5" name="Grupo 4">
+            <a:extLst>
+              <a:ext uri="{FF2B5EF4-FFF2-40B4-BE49-F238E27FC236}">
+                <a16:creationId xmlns:a16="http://schemas.microsoft.com/office/drawing/2014/main" id="{7C0C5878-12C5-1A4A-132D-59A61E36C5C9}"/>
+              </a:ext>
+            </a:extLst>
+          </p:cNvPr>
+          <p:cNvGrpSpPr/>
+          <p:nvPr/>
+        </p:nvGrpSpPr>
+        <p:grpSpPr>
+          <a:xfrm>
+            <a:off x="1710813" y="1482189"/>
+            <a:ext cx="7049729" cy="5243076"/>
+            <a:chOff x="1710813" y="1482189"/>
+            <a:chExt cx="7049729" cy="5243076"/>
+          </a:xfrm>
+        </p:grpSpPr>
+        <p:sp>
+          <p:nvSpPr>
+            <p:cNvPr id="4" name="Rectángulo 3">
+              <a:extLst>
+                <a:ext uri="{FF2B5EF4-FFF2-40B4-BE49-F238E27FC236}">
+                  <a16:creationId xmlns:a16="http://schemas.microsoft.com/office/drawing/2014/main" id="{32FF9B41-4318-2852-3912-2539CF1B8A18}"/>
+                </a:ext>
+              </a:extLst>
+            </p:cNvPr>
+            <p:cNvSpPr/>
+            <p:nvPr/>
+          </p:nvSpPr>
+          <p:spPr>
+            <a:xfrm>
+              <a:off x="1710813" y="1482189"/>
+              <a:ext cx="7049729" cy="5243076"/>
+            </a:xfrm>
+            <a:prstGeom prst="rect">
+              <a:avLst/>
+            </a:prstGeom>
+          </p:spPr>
+          <p:style>
+            <a:lnRef idx="3">
+              <a:schemeClr val="lt1"/>
+            </a:lnRef>
+            <a:fillRef idx="1">
+              <a:schemeClr val="dk1"/>
+            </a:fillRef>
+            <a:effectRef idx="1">
+              <a:schemeClr val="dk1"/>
+            </a:effectRef>
+            <a:fontRef idx="minor">
+              <a:schemeClr val="lt1"/>
+            </a:fontRef>
+          </p:style>
+          <p:txBody>
+            <a:bodyPr rtlCol="0" anchor="ctr"/>
+            <a:lstStyle/>
+            <a:p>
+              <a:endParaRPr lang="es-PE" sz="3600" b="1" dirty="0"/>
+            </a:p>
+          </p:txBody>
+        </p:sp>
+        <p:pic>
+          <p:nvPicPr>
+            <p:cNvPr id="6" name="Imagen 5">
+              <a:extLst>
+                <a:ext uri="{FF2B5EF4-FFF2-40B4-BE49-F238E27FC236}">
+                  <a16:creationId xmlns:a16="http://schemas.microsoft.com/office/drawing/2014/main" id="{61D8C72E-3192-77E5-3212-22E360A58D75}"/>
+                </a:ext>
+              </a:extLst>
+            </p:cNvPr>
+            <p:cNvPicPr>
+              <a:picLocks noChangeAspect="1"/>
+            </p:cNvPicPr>
+            <p:nvPr/>
+          </p:nvPicPr>
+          <p:blipFill>
+            <a:blip r:embed="rId2">
+              <a:extLst>
+                <a:ext uri="{28A0092B-C50C-407E-A947-70E740481C1C}">
+                  <a14:useLocalDpi xmlns:a14="http://schemas.microsoft.com/office/drawing/2010/main" val="0"/>
+                </a:ext>
+              </a:extLst>
+            </a:blip>
+            <a:stretch>
+              <a:fillRect/>
+            </a:stretch>
+          </p:blipFill>
+          <p:spPr>
+            <a:xfrm>
+              <a:off x="1822796" y="1611249"/>
+              <a:ext cx="6825761" cy="4984955"/>
+            </a:xfrm>
+            <a:prstGeom prst="rect">
+              <a:avLst/>
+            </a:prstGeom>
+          </p:spPr>
+        </p:pic>
+      </p:grpSp>
+    </p:spTree>
+    <p:extLst>
+      <p:ext uri="{BB962C8B-B14F-4D97-AF65-F5344CB8AC3E}">
+        <p14:creationId xmlns:p14="http://schemas.microsoft.com/office/powerpoint/2010/main" val="4230073043"/>
+      </p:ext>
+    </p:extLst>
+  </p:cSld>
+  <p:clrMapOvr>
+    <a:masterClrMapping/>
+  </p:clrMapOvr>
+</p:sld>
+</file>
+
+<file path=ppt/slides/slide28.xml><?xml version="1.0" encoding="utf-8"?>
+<p:sld xmlns:a="http://schemas.openxmlformats.org/drawingml/2006/main" xmlns:r="http://schemas.openxmlformats.org/officeDocument/2006/relationships" xmlns:p="http://schemas.openxmlformats.org/presentationml/2006/main">
+  <p:cSld>
+    <p:spTree>
+      <p:nvGrpSpPr>
+        <p:cNvPr id="1" name=""/>
+        <p:cNvGrpSpPr/>
+        <p:nvPr/>
+      </p:nvGrpSpPr>
+      <p:grpSpPr>
+        <a:xfrm>
+          <a:off x="0" y="0"/>
+          <a:ext cx="0" cy="0"/>
+          <a:chOff x="0" y="0"/>
+          <a:chExt cx="0" cy="0"/>
+        </a:xfrm>
+      </p:grpSpPr>
+      <p:sp>
+        <p:nvSpPr>
+          <p:cNvPr id="3" name="Rectángulo 2">
+            <a:extLst>
+              <a:ext uri="{FF2B5EF4-FFF2-40B4-BE49-F238E27FC236}">
+                <a16:creationId xmlns:a16="http://schemas.microsoft.com/office/drawing/2014/main" id="{F429CE10-E8EB-0A5E-4E27-72950E142188}"/>
+              </a:ext>
+            </a:extLst>
+          </p:cNvPr>
+          <p:cNvSpPr/>
+          <p:nvPr/>
+        </p:nvSpPr>
+        <p:spPr>
+          <a:xfrm>
+            <a:off x="383458" y="132735"/>
+            <a:ext cx="9807677" cy="1138712"/>
+          </a:xfrm>
+          <a:prstGeom prst="rect">
+            <a:avLst/>
+          </a:prstGeom>
+        </p:spPr>
+        <p:style>
+          <a:lnRef idx="3">
+            <a:schemeClr val="lt1"/>
+          </a:lnRef>
+          <a:fillRef idx="1">
+            <a:schemeClr val="dk1"/>
+          </a:fillRef>
+          <a:effectRef idx="1">
+            <a:schemeClr val="dk1"/>
+          </a:effectRef>
+          <a:fontRef idx="minor">
+            <a:schemeClr val="lt1"/>
+          </a:fontRef>
+        </p:style>
+        <p:txBody>
+          <a:bodyPr rtlCol="0" anchor="ctr"/>
+          <a:lstStyle/>
+          <a:p>
+            <a:r>
+              <a:rPr lang="es-PE" sz="3600" b="1" dirty="0"/>
+              <a:t>Grafica de Laptop Promedio de Pantalla y Marca</a:t>
+            </a:r>
+          </a:p>
+        </p:txBody>
+      </p:sp>
+      <p:grpSp>
+        <p:nvGrpSpPr>
+          <p:cNvPr id="7" name="Grupo 6">
+            <a:extLst>
+              <a:ext uri="{FF2B5EF4-FFF2-40B4-BE49-F238E27FC236}">
+                <a16:creationId xmlns:a16="http://schemas.microsoft.com/office/drawing/2014/main" id="{C8547FA4-0937-04C8-23B3-86335FD07FDF}"/>
+              </a:ext>
+            </a:extLst>
+          </p:cNvPr>
+          <p:cNvGrpSpPr/>
+          <p:nvPr/>
+        </p:nvGrpSpPr>
+        <p:grpSpPr>
+          <a:xfrm>
+            <a:off x="1710813" y="1482189"/>
+            <a:ext cx="7049729" cy="5243076"/>
+            <a:chOff x="1710813" y="1482189"/>
+            <a:chExt cx="7049729" cy="5243076"/>
+          </a:xfrm>
+        </p:grpSpPr>
+        <p:sp>
+          <p:nvSpPr>
+            <p:cNvPr id="4" name="Rectángulo 3">
+              <a:extLst>
+                <a:ext uri="{FF2B5EF4-FFF2-40B4-BE49-F238E27FC236}">
+                  <a16:creationId xmlns:a16="http://schemas.microsoft.com/office/drawing/2014/main" id="{A7E51AFE-ADDE-F86F-3EAD-B03D128A8ABA}"/>
+                </a:ext>
+              </a:extLst>
+            </p:cNvPr>
+            <p:cNvSpPr/>
+            <p:nvPr/>
+          </p:nvSpPr>
+          <p:spPr>
+            <a:xfrm>
+              <a:off x="1710813" y="1482189"/>
+              <a:ext cx="7049729" cy="5243076"/>
+            </a:xfrm>
+            <a:prstGeom prst="rect">
+              <a:avLst/>
+            </a:prstGeom>
+          </p:spPr>
+          <p:style>
+            <a:lnRef idx="3">
+              <a:schemeClr val="lt1"/>
+            </a:lnRef>
+            <a:fillRef idx="1">
+              <a:schemeClr val="dk1"/>
+            </a:fillRef>
+            <a:effectRef idx="1">
+              <a:schemeClr val="dk1"/>
+            </a:effectRef>
+            <a:fontRef idx="minor">
+              <a:schemeClr val="lt1"/>
+            </a:fontRef>
+          </p:style>
+          <p:txBody>
+            <a:bodyPr rtlCol="0" anchor="ctr"/>
+            <a:lstStyle/>
+            <a:p>
+              <a:endParaRPr lang="es-PE" sz="3600" b="1" dirty="0"/>
+            </a:p>
+          </p:txBody>
+        </p:sp>
+        <p:pic>
+          <p:nvPicPr>
+            <p:cNvPr id="6" name="Imagen 5">
+              <a:extLst>
+                <a:ext uri="{FF2B5EF4-FFF2-40B4-BE49-F238E27FC236}">
+                  <a16:creationId xmlns:a16="http://schemas.microsoft.com/office/drawing/2014/main" id="{E4CF6FA7-F5AD-A177-C052-78C38F8AB6DE}"/>
+                </a:ext>
+              </a:extLst>
+            </p:cNvPr>
+            <p:cNvPicPr>
+              <a:picLocks noChangeAspect="1"/>
+            </p:cNvPicPr>
+            <p:nvPr/>
+          </p:nvPicPr>
+          <p:blipFill>
+            <a:blip r:embed="rId2">
+              <a:extLst>
+                <a:ext uri="{28A0092B-C50C-407E-A947-70E740481C1C}">
+                  <a14:useLocalDpi xmlns:a14="http://schemas.microsoft.com/office/drawing/2010/main" val="0"/>
+                </a:ext>
+              </a:extLst>
+            </a:blip>
+            <a:stretch>
+              <a:fillRect/>
+            </a:stretch>
+          </p:blipFill>
+          <p:spPr>
+            <a:xfrm>
+              <a:off x="1843498" y="1648120"/>
+              <a:ext cx="6784358" cy="4911213"/>
+            </a:xfrm>
+            <a:prstGeom prst="rect">
+              <a:avLst/>
+            </a:prstGeom>
+          </p:spPr>
+        </p:pic>
+      </p:grpSp>
+    </p:spTree>
+    <p:extLst>
+      <p:ext uri="{BB962C8B-B14F-4D97-AF65-F5344CB8AC3E}">
+        <p14:creationId xmlns:p14="http://schemas.microsoft.com/office/powerpoint/2010/main" val="3000381476"/>
+      </p:ext>
+    </p:extLst>
+  </p:cSld>
+  <p:clrMapOvr>
+    <a:masterClrMapping/>
+  </p:clrMapOvr>
+</p:sld>
+</file>
+
+<file path=ppt/slides/slide29.xml><?xml version="1.0" encoding="utf-8"?>
+<p:sld xmlns:a="http://schemas.openxmlformats.org/drawingml/2006/main" xmlns:r="http://schemas.openxmlformats.org/officeDocument/2006/relationships" xmlns:p="http://schemas.openxmlformats.org/presentationml/2006/main">
+  <p:cSld>
+    <p:spTree>
+      <p:nvGrpSpPr>
+        <p:cNvPr id="1" name=""/>
+        <p:cNvGrpSpPr/>
+        <p:nvPr/>
+      </p:nvGrpSpPr>
+      <p:grpSpPr>
+        <a:xfrm>
+          <a:off x="0" y="0"/>
+          <a:ext cx="0" cy="0"/>
+          <a:chOff x="0" y="0"/>
+          <a:chExt cx="0" cy="0"/>
+        </a:xfrm>
+      </p:grpSpPr>
+      <p:sp>
+        <p:nvSpPr>
+          <p:cNvPr id="2" name="Rectángulo 1">
+            <a:extLst>
+              <a:ext uri="{FF2B5EF4-FFF2-40B4-BE49-F238E27FC236}">
+                <a16:creationId xmlns:a16="http://schemas.microsoft.com/office/drawing/2014/main" id="{486AF68B-2F02-D2B1-5470-1B804E3AC310}"/>
+              </a:ext>
+            </a:extLst>
+          </p:cNvPr>
+          <p:cNvSpPr/>
+          <p:nvPr/>
+        </p:nvSpPr>
+        <p:spPr>
+          <a:xfrm>
+            <a:off x="2639961" y="380371"/>
+            <a:ext cx="6420465" cy="646331"/>
+          </a:xfrm>
+          <a:prstGeom prst="rect">
+            <a:avLst/>
+          </a:prstGeom>
+        </p:spPr>
+        <p:style>
+          <a:lnRef idx="3">
+            <a:schemeClr val="lt1"/>
+          </a:lnRef>
+          <a:fillRef idx="1">
+            <a:schemeClr val="dk1"/>
+          </a:fillRef>
+          <a:effectRef idx="1">
+            <a:schemeClr val="dk1"/>
+          </a:effectRef>
+          <a:fontRef idx="minor">
+            <a:schemeClr val="lt1"/>
+          </a:fontRef>
+        </p:style>
+        <p:txBody>
+          <a:bodyPr rtlCol="0" anchor="ctr"/>
+          <a:lstStyle/>
+          <a:p>
+            <a:r>
+              <a:rPr lang="es-PE" sz="3600" b="1" dirty="0"/>
+              <a:t>Valores Máximo de Laptops</a:t>
+            </a:r>
+          </a:p>
+        </p:txBody>
+      </p:sp>
+      <p:grpSp>
+        <p:nvGrpSpPr>
+          <p:cNvPr id="6" name="Grupo 5">
+            <a:extLst>
+              <a:ext uri="{FF2B5EF4-FFF2-40B4-BE49-F238E27FC236}">
+                <a16:creationId xmlns:a16="http://schemas.microsoft.com/office/drawing/2014/main" id="{16C12850-2E61-474D-FCAD-BE1EF372AAFB}"/>
+              </a:ext>
+            </a:extLst>
+          </p:cNvPr>
+          <p:cNvGrpSpPr/>
+          <p:nvPr/>
+        </p:nvGrpSpPr>
+        <p:grpSpPr>
+          <a:xfrm>
+            <a:off x="1519084" y="1194619"/>
+            <a:ext cx="9158747" cy="5530645"/>
+            <a:chOff x="1519084" y="1194619"/>
+            <a:chExt cx="9158747" cy="5530645"/>
+          </a:xfrm>
+        </p:grpSpPr>
+        <p:sp>
+          <p:nvSpPr>
+            <p:cNvPr id="5" name="Rectángulo 4">
+              <a:extLst>
+                <a:ext uri="{FF2B5EF4-FFF2-40B4-BE49-F238E27FC236}">
+                  <a16:creationId xmlns:a16="http://schemas.microsoft.com/office/drawing/2014/main" id="{1EEAAA0A-C19A-F5E2-3951-D5EE9E0BC07E}"/>
+                </a:ext>
+              </a:extLst>
+            </p:cNvPr>
+            <p:cNvSpPr/>
+            <p:nvPr/>
+          </p:nvSpPr>
+          <p:spPr>
+            <a:xfrm>
+              <a:off x="1519084" y="1194619"/>
+              <a:ext cx="9158747" cy="5530645"/>
+            </a:xfrm>
+            <a:prstGeom prst="rect">
+              <a:avLst/>
+            </a:prstGeom>
+          </p:spPr>
+          <p:style>
+            <a:lnRef idx="3">
+              <a:schemeClr val="lt1"/>
+            </a:lnRef>
+            <a:fillRef idx="1">
+              <a:schemeClr val="dk1"/>
+            </a:fillRef>
+            <a:effectRef idx="1">
+              <a:schemeClr val="dk1"/>
+            </a:effectRef>
+            <a:fontRef idx="minor">
+              <a:schemeClr val="lt1"/>
+            </a:fontRef>
+          </p:style>
+          <p:txBody>
+            <a:bodyPr rtlCol="0" anchor="ctr"/>
+            <a:lstStyle/>
+            <a:p>
+              <a:endParaRPr lang="es-PE" sz="3600" b="1" dirty="0"/>
+            </a:p>
+          </p:txBody>
+        </p:sp>
+        <p:pic>
+          <p:nvPicPr>
+            <p:cNvPr id="4" name="Imagen 3">
+              <a:extLst>
+                <a:ext uri="{FF2B5EF4-FFF2-40B4-BE49-F238E27FC236}">
+                  <a16:creationId xmlns:a16="http://schemas.microsoft.com/office/drawing/2014/main" id="{AC9E3692-ED48-6025-19BD-5290B6A6ADCE}"/>
+                </a:ext>
+              </a:extLst>
+            </p:cNvPr>
+            <p:cNvPicPr>
+              <a:picLocks noChangeAspect="1"/>
+            </p:cNvPicPr>
+            <p:nvPr/>
+          </p:nvPicPr>
+          <p:blipFill>
+            <a:blip r:embed="rId2">
+              <a:extLst>
+                <a:ext uri="{28A0092B-C50C-407E-A947-70E740481C1C}">
+                  <a14:useLocalDpi xmlns:a14="http://schemas.microsoft.com/office/drawing/2010/main" val="0"/>
+                </a:ext>
+              </a:extLst>
+            </a:blip>
+            <a:stretch>
+              <a:fillRect/>
+            </a:stretch>
+          </p:blipFill>
+          <p:spPr>
+            <a:xfrm>
+              <a:off x="1667813" y="1371153"/>
+              <a:ext cx="8856373" cy="5106476"/>
+            </a:xfrm>
+            <a:prstGeom prst="rect">
+              <a:avLst/>
+            </a:prstGeom>
+          </p:spPr>
+        </p:pic>
+      </p:grpSp>
+    </p:spTree>
+    <p:extLst>
+      <p:ext uri="{BB962C8B-B14F-4D97-AF65-F5344CB8AC3E}">
+        <p14:creationId xmlns:p14="http://schemas.microsoft.com/office/powerpoint/2010/main" val="522244731"/>
+      </p:ext>
+    </p:extLst>
+  </p:cSld>
+  <p:clrMapOvr>
+    <a:masterClrMapping/>
+  </p:clrMapOvr>
+</p:sld>
+</file>
+
+<file path=ppt/slides/slide3.xml><?xml version="1.0" encoding="utf-8"?>
+<p:sld xmlns:a="http://schemas.openxmlformats.org/drawingml/2006/main" xmlns:r="http://schemas.openxmlformats.org/officeDocument/2006/relationships" xmlns:p="http://schemas.openxmlformats.org/presentationml/2006/main">
+  <p:cSld>
+    <p:spTree>
+      <p:nvGrpSpPr>
+        <p:cNvPr id="1" name=""/>
+        <p:cNvGrpSpPr/>
+        <p:nvPr/>
+      </p:nvGrpSpPr>
+      <p:grpSpPr>
+        <a:xfrm>
+          <a:off x="0" y="0"/>
+          <a:ext cx="0" cy="0"/>
+          <a:chOff x="0" y="0"/>
+          <a:chExt cx="0" cy="0"/>
+        </a:xfrm>
+      </p:grpSpPr>
+      <p:sp>
+        <p:nvSpPr>
+          <p:cNvPr id="2" name="Rectángulo 1">
+            <a:extLst>
+              <a:ext uri="{FF2B5EF4-FFF2-40B4-BE49-F238E27FC236}">
+                <a16:creationId xmlns:a16="http://schemas.microsoft.com/office/drawing/2014/main" id="{25A4A2EC-CD22-3242-666A-7F00DBD995D5}"/>
+              </a:ext>
+            </a:extLst>
+          </p:cNvPr>
+          <p:cNvSpPr/>
+          <p:nvPr/>
+        </p:nvSpPr>
+        <p:spPr>
+          <a:xfrm>
+            <a:off x="4335956" y="402444"/>
+            <a:ext cx="4262354" cy="646331"/>
+          </a:xfrm>
+          <a:prstGeom prst="rect">
+            <a:avLst/>
+          </a:prstGeom>
+        </p:spPr>
+        <p:style>
+          <a:lnRef idx="3">
+            <a:schemeClr val="lt1"/>
+          </a:lnRef>
+          <a:fillRef idx="1">
+            <a:schemeClr val="dk1"/>
+          </a:fillRef>
+          <a:effectRef idx="1">
+            <a:schemeClr val="dk1"/>
+          </a:effectRef>
+          <a:fontRef idx="minor">
+            <a:schemeClr val="lt1"/>
+          </a:fontRef>
+        </p:style>
+        <p:txBody>
+          <a:bodyPr rtlCol="0" anchor="ctr"/>
+          <a:lstStyle/>
+          <a:p>
+            <a:r>
+              <a:rPr lang="es-PE" sz="3600" b="1" dirty="0"/>
               <a:t>CASO ELEGIDO</a:t>
             </a:r>
           </a:p>
@@ -7255,6 +10600,837 @@
     <p:extLst>
       <p:ext uri="{BB962C8B-B14F-4D97-AF65-F5344CB8AC3E}">
         <p14:creationId xmlns:p14="http://schemas.microsoft.com/office/powerpoint/2010/main" val="908387511"/>
+      </p:ext>
+    </p:extLst>
+  </p:cSld>
+  <p:clrMapOvr>
+    <a:masterClrMapping/>
+  </p:clrMapOvr>
+</p:sld>
+</file>
+
+<file path=ppt/slides/slide30.xml><?xml version="1.0" encoding="utf-8"?>
+<p:sld xmlns:a="http://schemas.openxmlformats.org/drawingml/2006/main" xmlns:r="http://schemas.openxmlformats.org/officeDocument/2006/relationships" xmlns:p="http://schemas.openxmlformats.org/presentationml/2006/main">
+  <p:cSld>
+    <p:spTree>
+      <p:nvGrpSpPr>
+        <p:cNvPr id="1" name=""/>
+        <p:cNvGrpSpPr/>
+        <p:nvPr/>
+      </p:nvGrpSpPr>
+      <p:grpSpPr>
+        <a:xfrm>
+          <a:off x="0" y="0"/>
+          <a:ext cx="0" cy="0"/>
+          <a:chOff x="0" y="0"/>
+          <a:chExt cx="0" cy="0"/>
+        </a:xfrm>
+      </p:grpSpPr>
+      <p:sp>
+        <p:nvSpPr>
+          <p:cNvPr id="2" name="Rectángulo 1">
+            <a:extLst>
+              <a:ext uri="{FF2B5EF4-FFF2-40B4-BE49-F238E27FC236}">
+                <a16:creationId xmlns:a16="http://schemas.microsoft.com/office/drawing/2014/main" id="{DF3FAD3C-B195-C670-5EDB-98B411F4A853}"/>
+              </a:ext>
+            </a:extLst>
+          </p:cNvPr>
+          <p:cNvSpPr/>
+          <p:nvPr/>
+        </p:nvSpPr>
+        <p:spPr>
+          <a:xfrm>
+            <a:off x="2639961" y="380371"/>
+            <a:ext cx="6420465" cy="646331"/>
+          </a:xfrm>
+          <a:prstGeom prst="rect">
+            <a:avLst/>
+          </a:prstGeom>
+        </p:spPr>
+        <p:style>
+          <a:lnRef idx="3">
+            <a:schemeClr val="lt1"/>
+          </a:lnRef>
+          <a:fillRef idx="1">
+            <a:schemeClr val="dk1"/>
+          </a:fillRef>
+          <a:effectRef idx="1">
+            <a:schemeClr val="dk1"/>
+          </a:effectRef>
+          <a:fontRef idx="minor">
+            <a:schemeClr val="lt1"/>
+          </a:fontRef>
+        </p:style>
+        <p:txBody>
+          <a:bodyPr rtlCol="0" anchor="ctr"/>
+          <a:lstStyle/>
+          <a:p>
+            <a:r>
+              <a:rPr lang="es-PE" sz="3600" b="1" dirty="0"/>
+              <a:t>Valores Mínimos de Laptops</a:t>
+            </a:r>
+          </a:p>
+        </p:txBody>
+      </p:sp>
+      <p:grpSp>
+        <p:nvGrpSpPr>
+          <p:cNvPr id="6" name="Grupo 5">
+            <a:extLst>
+              <a:ext uri="{FF2B5EF4-FFF2-40B4-BE49-F238E27FC236}">
+                <a16:creationId xmlns:a16="http://schemas.microsoft.com/office/drawing/2014/main" id="{F5C13F3C-27E2-ECC7-9483-48460800755C}"/>
+              </a:ext>
+            </a:extLst>
+          </p:cNvPr>
+          <p:cNvGrpSpPr/>
+          <p:nvPr/>
+        </p:nvGrpSpPr>
+        <p:grpSpPr>
+          <a:xfrm>
+            <a:off x="1519084" y="1194619"/>
+            <a:ext cx="9158747" cy="5530645"/>
+            <a:chOff x="1519084" y="1194619"/>
+            <a:chExt cx="9158747" cy="5530645"/>
+          </a:xfrm>
+        </p:grpSpPr>
+        <p:sp>
+          <p:nvSpPr>
+            <p:cNvPr id="3" name="Rectángulo 2">
+              <a:extLst>
+                <a:ext uri="{FF2B5EF4-FFF2-40B4-BE49-F238E27FC236}">
+                  <a16:creationId xmlns:a16="http://schemas.microsoft.com/office/drawing/2014/main" id="{0D19E225-C0B0-7881-34EA-FCFFD6C0516B}"/>
+                </a:ext>
+              </a:extLst>
+            </p:cNvPr>
+            <p:cNvSpPr/>
+            <p:nvPr/>
+          </p:nvSpPr>
+          <p:spPr>
+            <a:xfrm>
+              <a:off x="1519084" y="1194619"/>
+              <a:ext cx="9158747" cy="5530645"/>
+            </a:xfrm>
+            <a:prstGeom prst="rect">
+              <a:avLst/>
+            </a:prstGeom>
+          </p:spPr>
+          <p:style>
+            <a:lnRef idx="3">
+              <a:schemeClr val="lt1"/>
+            </a:lnRef>
+            <a:fillRef idx="1">
+              <a:schemeClr val="dk1"/>
+            </a:fillRef>
+            <a:effectRef idx="1">
+              <a:schemeClr val="dk1"/>
+            </a:effectRef>
+            <a:fontRef idx="minor">
+              <a:schemeClr val="lt1"/>
+            </a:fontRef>
+          </p:style>
+          <p:txBody>
+            <a:bodyPr rtlCol="0" anchor="ctr"/>
+            <a:lstStyle/>
+            <a:p>
+              <a:endParaRPr lang="es-PE" sz="3600" b="1" dirty="0"/>
+            </a:p>
+          </p:txBody>
+        </p:sp>
+        <p:pic>
+          <p:nvPicPr>
+            <p:cNvPr id="5" name="Imagen 4">
+              <a:extLst>
+                <a:ext uri="{FF2B5EF4-FFF2-40B4-BE49-F238E27FC236}">
+                  <a16:creationId xmlns:a16="http://schemas.microsoft.com/office/drawing/2014/main" id="{8CBEEEA6-9CB3-F998-1025-FF694C3BB7B8}"/>
+                </a:ext>
+              </a:extLst>
+            </p:cNvPr>
+            <p:cNvPicPr>
+              <a:picLocks noChangeAspect="1"/>
+            </p:cNvPicPr>
+            <p:nvPr/>
+          </p:nvPicPr>
+          <p:blipFill>
+            <a:blip r:embed="rId2">
+              <a:extLst>
+                <a:ext uri="{28A0092B-C50C-407E-A947-70E740481C1C}">
+                  <a14:useLocalDpi xmlns:a14="http://schemas.microsoft.com/office/drawing/2010/main" val="0"/>
+                </a:ext>
+              </a:extLst>
+            </a:blip>
+            <a:stretch>
+              <a:fillRect/>
+            </a:stretch>
+          </p:blipFill>
+          <p:spPr>
+            <a:xfrm>
+              <a:off x="1753330" y="1400649"/>
+              <a:ext cx="8717493" cy="5076980"/>
+            </a:xfrm>
+            <a:prstGeom prst="rect">
+              <a:avLst/>
+            </a:prstGeom>
+          </p:spPr>
+        </p:pic>
+      </p:grpSp>
+    </p:spTree>
+    <p:extLst>
+      <p:ext uri="{BB962C8B-B14F-4D97-AF65-F5344CB8AC3E}">
+        <p14:creationId xmlns:p14="http://schemas.microsoft.com/office/powerpoint/2010/main" val="1069731202"/>
+      </p:ext>
+    </p:extLst>
+  </p:cSld>
+  <p:clrMapOvr>
+    <a:masterClrMapping/>
+  </p:clrMapOvr>
+</p:sld>
+</file>
+
+<file path=ppt/slides/slide31.xml><?xml version="1.0" encoding="utf-8"?>
+<p:sld xmlns:a="http://schemas.openxmlformats.org/drawingml/2006/main" xmlns:r="http://schemas.openxmlformats.org/officeDocument/2006/relationships" xmlns:p="http://schemas.openxmlformats.org/presentationml/2006/main">
+  <p:cSld>
+    <p:spTree>
+      <p:nvGrpSpPr>
+        <p:cNvPr id="1" name=""/>
+        <p:cNvGrpSpPr/>
+        <p:nvPr/>
+      </p:nvGrpSpPr>
+      <p:grpSpPr>
+        <a:xfrm>
+          <a:off x="0" y="0"/>
+          <a:ext cx="0" cy="0"/>
+          <a:chOff x="0" y="0"/>
+          <a:chExt cx="0" cy="0"/>
+        </a:xfrm>
+      </p:grpSpPr>
+      <p:sp>
+        <p:nvSpPr>
+          <p:cNvPr id="4" name="Rectángulo 3">
+            <a:extLst>
+              <a:ext uri="{FF2B5EF4-FFF2-40B4-BE49-F238E27FC236}">
+                <a16:creationId xmlns:a16="http://schemas.microsoft.com/office/drawing/2014/main" id="{0D125192-31DD-63B7-566C-8E2B6B4B75C6}"/>
+              </a:ext>
+            </a:extLst>
+          </p:cNvPr>
+          <p:cNvSpPr/>
+          <p:nvPr/>
+        </p:nvSpPr>
+        <p:spPr>
+          <a:xfrm>
+            <a:off x="4488426" y="247636"/>
+            <a:ext cx="3564194" cy="646331"/>
+          </a:xfrm>
+          <a:prstGeom prst="rect">
+            <a:avLst/>
+          </a:prstGeom>
+        </p:spPr>
+        <p:style>
+          <a:lnRef idx="3">
+            <a:schemeClr val="lt1"/>
+          </a:lnRef>
+          <a:fillRef idx="1">
+            <a:schemeClr val="dk1"/>
+          </a:fillRef>
+          <a:effectRef idx="1">
+            <a:schemeClr val="dk1"/>
+          </a:effectRef>
+          <a:fontRef idx="minor">
+            <a:schemeClr val="lt1"/>
+          </a:fontRef>
+        </p:style>
+        <p:txBody>
+          <a:bodyPr rtlCol="0" anchor="ctr"/>
+          <a:lstStyle/>
+          <a:p>
+            <a:r>
+              <a:rPr lang="es-PE" sz="3600" b="1" dirty="0"/>
+              <a:t>Mapa de calor</a:t>
+            </a:r>
+          </a:p>
+        </p:txBody>
+      </p:sp>
+      <p:grpSp>
+        <p:nvGrpSpPr>
+          <p:cNvPr id="2" name="Grupo 1">
+            <a:extLst>
+              <a:ext uri="{FF2B5EF4-FFF2-40B4-BE49-F238E27FC236}">
+                <a16:creationId xmlns:a16="http://schemas.microsoft.com/office/drawing/2014/main" id="{BADB7513-B7E6-558A-6DE0-E01163B2B93B}"/>
+              </a:ext>
+            </a:extLst>
+          </p:cNvPr>
+          <p:cNvGrpSpPr/>
+          <p:nvPr/>
+        </p:nvGrpSpPr>
+        <p:grpSpPr>
+          <a:xfrm>
+            <a:off x="2835914" y="1174187"/>
+            <a:ext cx="6706291" cy="5020136"/>
+            <a:chOff x="2835914" y="1174187"/>
+            <a:chExt cx="6706291" cy="5020136"/>
+          </a:xfrm>
+        </p:grpSpPr>
+        <p:sp>
+          <p:nvSpPr>
+            <p:cNvPr id="5" name="Rectángulo 4">
+              <a:extLst>
+                <a:ext uri="{FF2B5EF4-FFF2-40B4-BE49-F238E27FC236}">
+                  <a16:creationId xmlns:a16="http://schemas.microsoft.com/office/drawing/2014/main" id="{1AB5A8A3-75BB-8649-0852-D505E45FA60E}"/>
+                </a:ext>
+              </a:extLst>
+            </p:cNvPr>
+            <p:cNvSpPr/>
+            <p:nvPr/>
+          </p:nvSpPr>
+          <p:spPr>
+            <a:xfrm>
+              <a:off x="2835914" y="1174187"/>
+              <a:ext cx="6706291" cy="5020136"/>
+            </a:xfrm>
+            <a:prstGeom prst="rect">
+              <a:avLst/>
+            </a:prstGeom>
+          </p:spPr>
+          <p:style>
+            <a:lnRef idx="2">
+              <a:schemeClr val="dk1">
+                <a:shade val="15000"/>
+              </a:schemeClr>
+            </a:lnRef>
+            <a:fillRef idx="1">
+              <a:schemeClr val="dk1"/>
+            </a:fillRef>
+            <a:effectRef idx="0">
+              <a:schemeClr val="dk1"/>
+            </a:effectRef>
+            <a:fontRef idx="minor">
+              <a:schemeClr val="lt1"/>
+            </a:fontRef>
+          </p:style>
+          <p:txBody>
+            <a:bodyPr rtlCol="0" anchor="ctr"/>
+            <a:lstStyle/>
+            <a:p>
+              <a:pPr algn="ctr"/>
+              <a:endParaRPr lang="es-ES"/>
+            </a:p>
+          </p:txBody>
+        </p:sp>
+        <p:pic>
+          <p:nvPicPr>
+            <p:cNvPr id="3" name="Imagen 2">
+              <a:extLst>
+                <a:ext uri="{FF2B5EF4-FFF2-40B4-BE49-F238E27FC236}">
+                  <a16:creationId xmlns:a16="http://schemas.microsoft.com/office/drawing/2014/main" id="{68AEEB6E-78A9-3DBB-57F1-FE4226DF58D0}"/>
+                </a:ext>
+              </a:extLst>
+            </p:cNvPr>
+            <p:cNvPicPr>
+              <a:picLocks noChangeAspect="1"/>
+            </p:cNvPicPr>
+            <p:nvPr/>
+          </p:nvPicPr>
+          <p:blipFill>
+            <a:blip r:embed="rId2"/>
+            <a:stretch>
+              <a:fillRect/>
+            </a:stretch>
+          </p:blipFill>
+          <p:spPr>
+            <a:xfrm>
+              <a:off x="3135800" y="1384291"/>
+              <a:ext cx="6220286" cy="4677296"/>
+            </a:xfrm>
+            <a:prstGeom prst="rect">
+              <a:avLst/>
+            </a:prstGeom>
+          </p:spPr>
+        </p:pic>
+      </p:grpSp>
+    </p:spTree>
+    <p:extLst>
+      <p:ext uri="{BB962C8B-B14F-4D97-AF65-F5344CB8AC3E}">
+        <p14:creationId xmlns:p14="http://schemas.microsoft.com/office/powerpoint/2010/main" val="1948554778"/>
+      </p:ext>
+    </p:extLst>
+  </p:cSld>
+  <p:clrMapOvr>
+    <a:masterClrMapping/>
+  </p:clrMapOvr>
+</p:sld>
+</file>
+
+<file path=ppt/slides/slide32.xml><?xml version="1.0" encoding="utf-8"?>
+<p:sld xmlns:a="http://schemas.openxmlformats.org/drawingml/2006/main" xmlns:r="http://schemas.openxmlformats.org/officeDocument/2006/relationships" xmlns:p="http://schemas.openxmlformats.org/presentationml/2006/main">
+  <p:cSld>
+    <p:spTree>
+      <p:nvGrpSpPr>
+        <p:cNvPr id="1" name=""/>
+        <p:cNvGrpSpPr/>
+        <p:nvPr/>
+      </p:nvGrpSpPr>
+      <p:grpSpPr>
+        <a:xfrm>
+          <a:off x="0" y="0"/>
+          <a:ext cx="0" cy="0"/>
+          <a:chOff x="0" y="0"/>
+          <a:chExt cx="0" cy="0"/>
+        </a:xfrm>
+      </p:grpSpPr>
+      <p:sp>
+        <p:nvSpPr>
+          <p:cNvPr id="2" name="Rectángulo 1">
+            <a:extLst>
+              <a:ext uri="{FF2B5EF4-FFF2-40B4-BE49-F238E27FC236}">
+                <a16:creationId xmlns:a16="http://schemas.microsoft.com/office/drawing/2014/main" id="{47CA1957-073E-F474-8018-42AFB0A96BCA}"/>
+              </a:ext>
+            </a:extLst>
+          </p:cNvPr>
+          <p:cNvSpPr/>
+          <p:nvPr/>
+        </p:nvSpPr>
+        <p:spPr>
+          <a:xfrm>
+            <a:off x="3052881" y="446690"/>
+            <a:ext cx="6946525" cy="646331"/>
+          </a:xfrm>
+          <a:prstGeom prst="rect">
+            <a:avLst/>
+          </a:prstGeom>
+        </p:spPr>
+        <p:style>
+          <a:lnRef idx="3">
+            <a:schemeClr val="lt1"/>
+          </a:lnRef>
+          <a:fillRef idx="1">
+            <a:schemeClr val="dk1"/>
+          </a:fillRef>
+          <a:effectRef idx="1">
+            <a:schemeClr val="dk1"/>
+          </a:effectRef>
+          <a:fontRef idx="minor">
+            <a:schemeClr val="lt1"/>
+          </a:fontRef>
+        </p:style>
+        <p:txBody>
+          <a:bodyPr rtlCol="0" anchor="ctr"/>
+          <a:lstStyle/>
+          <a:p>
+            <a:r>
+              <a:rPr lang="es-PE" sz="3600" b="1" dirty="0"/>
+              <a:t>PRINCIPALES MODELOS DE ML</a:t>
+            </a:r>
+          </a:p>
+        </p:txBody>
+      </p:sp>
+    </p:spTree>
+    <p:extLst>
+      <p:ext uri="{BB962C8B-B14F-4D97-AF65-F5344CB8AC3E}">
+        <p14:creationId xmlns:p14="http://schemas.microsoft.com/office/powerpoint/2010/main" val="3106590508"/>
+      </p:ext>
+    </p:extLst>
+  </p:cSld>
+  <p:clrMapOvr>
+    <a:masterClrMapping/>
+  </p:clrMapOvr>
+</p:sld>
+</file>
+
+<file path=ppt/slides/slide33.xml><?xml version="1.0" encoding="utf-8"?>
+<p:sld xmlns:a="http://schemas.openxmlformats.org/drawingml/2006/main" xmlns:r="http://schemas.openxmlformats.org/officeDocument/2006/relationships" xmlns:p="http://schemas.openxmlformats.org/presentationml/2006/main">
+  <p:cSld>
+    <p:spTree>
+      <p:nvGrpSpPr>
+        <p:cNvPr id="1" name=""/>
+        <p:cNvGrpSpPr/>
+        <p:nvPr/>
+      </p:nvGrpSpPr>
+      <p:grpSpPr>
+        <a:xfrm>
+          <a:off x="0" y="0"/>
+          <a:ext cx="0" cy="0"/>
+          <a:chOff x="0" y="0"/>
+          <a:chExt cx="0" cy="0"/>
+        </a:xfrm>
+      </p:grpSpPr>
+      <p:sp>
+        <p:nvSpPr>
+          <p:cNvPr id="2" name="Rectángulo 1">
+            <a:extLst>
+              <a:ext uri="{FF2B5EF4-FFF2-40B4-BE49-F238E27FC236}">
+                <a16:creationId xmlns:a16="http://schemas.microsoft.com/office/drawing/2014/main" id="{DE9069A4-84F0-EA62-D4C1-9C4B45D61F94}"/>
+              </a:ext>
+            </a:extLst>
+          </p:cNvPr>
+          <p:cNvSpPr/>
+          <p:nvPr/>
+        </p:nvSpPr>
+        <p:spPr>
+          <a:xfrm>
+            <a:off x="5029132" y="299205"/>
+            <a:ext cx="2374560" cy="646331"/>
+          </a:xfrm>
+          <a:prstGeom prst="rect">
+            <a:avLst/>
+          </a:prstGeom>
+        </p:spPr>
+        <p:style>
+          <a:lnRef idx="3">
+            <a:schemeClr val="lt1"/>
+          </a:lnRef>
+          <a:fillRef idx="1">
+            <a:schemeClr val="dk1"/>
+          </a:fillRef>
+          <a:effectRef idx="1">
+            <a:schemeClr val="dk1"/>
+          </a:effectRef>
+          <a:fontRef idx="minor">
+            <a:schemeClr val="lt1"/>
+          </a:fontRef>
+        </p:style>
+        <p:txBody>
+          <a:bodyPr rtlCol="0" anchor="ctr"/>
+          <a:lstStyle/>
+          <a:p>
+            <a:r>
+              <a:rPr lang="es-PE" sz="3600" b="1" dirty="0"/>
+              <a:t>METRICAS</a:t>
+            </a:r>
+          </a:p>
+        </p:txBody>
+      </p:sp>
+    </p:spTree>
+    <p:extLst>
+      <p:ext uri="{BB962C8B-B14F-4D97-AF65-F5344CB8AC3E}">
+        <p14:creationId xmlns:p14="http://schemas.microsoft.com/office/powerpoint/2010/main" val="1837372968"/>
+      </p:ext>
+    </p:extLst>
+  </p:cSld>
+  <p:clrMapOvr>
+    <a:masterClrMapping/>
+  </p:clrMapOvr>
+</p:sld>
+</file>
+
+<file path=ppt/slides/slide34.xml><?xml version="1.0" encoding="utf-8"?>
+<p:sld xmlns:a="http://schemas.openxmlformats.org/drawingml/2006/main" xmlns:r="http://schemas.openxmlformats.org/officeDocument/2006/relationships" xmlns:p="http://schemas.openxmlformats.org/presentationml/2006/main">
+  <p:cSld>
+    <p:spTree>
+      <p:nvGrpSpPr>
+        <p:cNvPr id="1" name=""/>
+        <p:cNvGrpSpPr/>
+        <p:nvPr/>
+      </p:nvGrpSpPr>
+      <p:grpSpPr>
+        <a:xfrm>
+          <a:off x="0" y="0"/>
+          <a:ext cx="0" cy="0"/>
+          <a:chOff x="0" y="0"/>
+          <a:chExt cx="0" cy="0"/>
+        </a:xfrm>
+      </p:grpSpPr>
+      <p:sp>
+        <p:nvSpPr>
+          <p:cNvPr id="2" name="Rectángulo 1">
+            <a:extLst>
+              <a:ext uri="{FF2B5EF4-FFF2-40B4-BE49-F238E27FC236}">
+                <a16:creationId xmlns:a16="http://schemas.microsoft.com/office/drawing/2014/main" id="{BCDD4820-70FB-D6A9-7B69-DC2032B10480}"/>
+              </a:ext>
+            </a:extLst>
+          </p:cNvPr>
+          <p:cNvSpPr/>
+          <p:nvPr/>
+        </p:nvSpPr>
+        <p:spPr>
+          <a:xfrm>
+            <a:off x="3775588" y="402444"/>
+            <a:ext cx="4080456" cy="646331"/>
+          </a:xfrm>
+          <a:prstGeom prst="rect">
+            <a:avLst/>
+          </a:prstGeom>
+        </p:spPr>
+        <p:style>
+          <a:lnRef idx="3">
+            <a:schemeClr val="lt1"/>
+          </a:lnRef>
+          <a:fillRef idx="1">
+            <a:schemeClr val="dk1"/>
+          </a:fillRef>
+          <a:effectRef idx="1">
+            <a:schemeClr val="dk1"/>
+          </a:effectRef>
+          <a:fontRef idx="minor">
+            <a:schemeClr val="lt1"/>
+          </a:fontRef>
+        </p:style>
+        <p:txBody>
+          <a:bodyPr rtlCol="0" anchor="ctr"/>
+          <a:lstStyle/>
+          <a:p>
+            <a:r>
+              <a:rPr lang="es-PE" sz="3600" b="1" dirty="0"/>
+              <a:t>CONCLUSIONES</a:t>
+            </a:r>
+          </a:p>
+        </p:txBody>
+      </p:sp>
+      <p:sp>
+        <p:nvSpPr>
+          <p:cNvPr id="3" name="CuadroTexto 2">
+            <a:extLst>
+              <a:ext uri="{FF2B5EF4-FFF2-40B4-BE49-F238E27FC236}">
+                <a16:creationId xmlns:a16="http://schemas.microsoft.com/office/drawing/2014/main" id="{1ADA280B-6CD7-58E2-C9AE-56C7269835F5}"/>
+              </a:ext>
+            </a:extLst>
+          </p:cNvPr>
+          <p:cNvSpPr txBox="1"/>
+          <p:nvPr/>
+        </p:nvSpPr>
+        <p:spPr>
+          <a:xfrm>
+            <a:off x="707922" y="1401097"/>
+            <a:ext cx="10958052" cy="4524315"/>
+          </a:xfrm>
+          <a:prstGeom prst="rect">
+            <a:avLst/>
+          </a:prstGeom>
+          <a:noFill/>
+        </p:spPr>
+        <p:txBody>
+          <a:bodyPr wrap="square" rtlCol="0">
+            <a:spAutoFit/>
+          </a:bodyPr>
+          <a:lstStyle/>
+          <a:p>
+            <a:pPr marL="400050" indent="-400050">
+              <a:buFont typeface="+mj-lt"/>
+              <a:buAutoNum type="romanUcPeriod"/>
+            </a:pPr>
+            <a:r>
+              <a:rPr lang="es-PE" dirty="0"/>
+              <a:t>El mapa de calor muestra una correlación directa debido a que su valor indica un 1.Ademas, por la tonalidad del color está más claro al dar su respuesta.</a:t>
+            </a:r>
+          </a:p>
+          <a:p>
+            <a:pPr marL="400050" indent="-400050">
+              <a:buFont typeface="+mj-lt"/>
+              <a:buAutoNum type="romanUcPeriod"/>
+            </a:pPr>
+            <a:r>
+              <a:rPr lang="es-PE" dirty="0"/>
+              <a:t>El histograma con respecto a los precios, se puede apreciar clientes prefieren compra más laptops que tengan un valor de 10000 y 30000 dólares, toda vez que su frecuencia excede de 200.</a:t>
+            </a:r>
+          </a:p>
+          <a:p>
+            <a:pPr marL="400050" indent="-400050">
+              <a:buFont typeface="+mj-lt"/>
+              <a:buAutoNum type="romanUcPeriod"/>
+            </a:pPr>
+            <a:r>
+              <a:rPr lang="es-PE" dirty="0"/>
+              <a:t>Sobre el grafico de las marcas de laptops, se muestra preferencias en las compras de las marca mas demandada , teniendo como razones la ofertas y los componentes que les puede beneficiar.</a:t>
+            </a:r>
+          </a:p>
+          <a:p>
+            <a:pPr marL="400050" indent="-400050">
+              <a:buFont typeface="+mj-lt"/>
+              <a:buAutoNum type="romanUcPeriod"/>
+            </a:pPr>
+            <a:r>
+              <a:rPr lang="es-PE" dirty="0"/>
+              <a:t>Sobre el </a:t>
+            </a:r>
+            <a:r>
+              <a:rPr lang="es-PE" dirty="0" err="1"/>
+              <a:t>rafico</a:t>
+            </a:r>
+            <a:r>
+              <a:rPr lang="es-PE" dirty="0"/>
+              <a:t> de precio según su memoria RAM podemos apreciar los más demandados y ello a causa a su rendimiento, siendo el que presenta mayor frecuencia de compra el de 32 </a:t>
+            </a:r>
+            <a:r>
+              <a:rPr lang="es-PE" dirty="0" err="1"/>
+              <a:t>gb</a:t>
+            </a:r>
+            <a:r>
+              <a:rPr lang="es-PE" dirty="0"/>
+              <a:t> en cualquier marca.</a:t>
+            </a:r>
+          </a:p>
+          <a:p>
+            <a:pPr marL="400050" indent="-400050">
+              <a:buFont typeface="+mj-lt"/>
+              <a:buAutoNum type="romanUcPeriod"/>
+            </a:pPr>
+            <a:r>
+              <a:rPr lang="es-PE" dirty="0"/>
+              <a:t>El grafico de Brand nos muestra una información sencilla pero muy efectiva puesto que se aprecia que las personas desean tener las computadoras con mayor precio, disco duro de 1 </a:t>
+            </a:r>
+            <a:r>
+              <a:rPr lang="es-PE" dirty="0" err="1"/>
+              <a:t>tb</a:t>
+            </a:r>
+            <a:r>
+              <a:rPr lang="es-PE" dirty="0"/>
+              <a:t> y la marca parece ser HP.</a:t>
+            </a:r>
+          </a:p>
+          <a:p>
+            <a:pPr marL="400050" indent="-400050">
+              <a:buFont typeface="+mj-lt"/>
+              <a:buAutoNum type="romanUcPeriod"/>
+            </a:pPr>
+            <a:r>
+              <a:rPr lang="es-PE" dirty="0"/>
+              <a:t>En el caso de las pantallas de las laptops. Los usuarios prefieren que sea de marca Dell ya que estas les genera confianza.</a:t>
+            </a:r>
+            <a:endParaRPr lang="es-ES" dirty="0"/>
+          </a:p>
+        </p:txBody>
+      </p:sp>
+    </p:spTree>
+    <p:extLst>
+      <p:ext uri="{BB962C8B-B14F-4D97-AF65-F5344CB8AC3E}">
+        <p14:creationId xmlns:p14="http://schemas.microsoft.com/office/powerpoint/2010/main" val="2505757599"/>
+      </p:ext>
+    </p:extLst>
+  </p:cSld>
+  <p:clrMapOvr>
+    <a:masterClrMapping/>
+  </p:clrMapOvr>
+</p:sld>
+</file>
+
+<file path=ppt/slides/slide35.xml><?xml version="1.0" encoding="utf-8"?>
+<p:sld xmlns:a="http://schemas.openxmlformats.org/drawingml/2006/main" xmlns:r="http://schemas.openxmlformats.org/officeDocument/2006/relationships" xmlns:p="http://schemas.openxmlformats.org/presentationml/2006/main">
+  <p:cSld>
+    <p:spTree>
+      <p:nvGrpSpPr>
+        <p:cNvPr id="1" name=""/>
+        <p:cNvGrpSpPr/>
+        <p:nvPr/>
+      </p:nvGrpSpPr>
+      <p:grpSpPr>
+        <a:xfrm>
+          <a:off x="0" y="0"/>
+          <a:ext cx="0" cy="0"/>
+          <a:chOff x="0" y="0"/>
+          <a:chExt cx="0" cy="0"/>
+        </a:xfrm>
+      </p:grpSpPr>
+      <p:sp>
+        <p:nvSpPr>
+          <p:cNvPr id="2" name="Rectángulo 1">
+            <a:extLst>
+              <a:ext uri="{FF2B5EF4-FFF2-40B4-BE49-F238E27FC236}">
+                <a16:creationId xmlns:a16="http://schemas.microsoft.com/office/drawing/2014/main" id="{2B6F66BC-EC83-177B-A3F5-D6FD044379CF}"/>
+              </a:ext>
+            </a:extLst>
+          </p:cNvPr>
+          <p:cNvSpPr/>
+          <p:nvPr/>
+        </p:nvSpPr>
+        <p:spPr>
+          <a:xfrm>
+            <a:off x="4335957" y="402444"/>
+            <a:ext cx="3244714" cy="646331"/>
+          </a:xfrm>
+          <a:prstGeom prst="rect">
+            <a:avLst/>
+          </a:prstGeom>
+        </p:spPr>
+        <p:style>
+          <a:lnRef idx="3">
+            <a:schemeClr val="lt1"/>
+          </a:lnRef>
+          <a:fillRef idx="1">
+            <a:schemeClr val="dk1"/>
+          </a:fillRef>
+          <a:effectRef idx="1">
+            <a:schemeClr val="dk1"/>
+          </a:effectRef>
+          <a:fontRef idx="minor">
+            <a:schemeClr val="lt1"/>
+          </a:fontRef>
+        </p:style>
+        <p:txBody>
+          <a:bodyPr rtlCol="0" anchor="ctr"/>
+          <a:lstStyle/>
+          <a:p>
+            <a:r>
+              <a:rPr lang="es-PE" sz="3600" b="1" dirty="0"/>
+              <a:t>REFERENCIAS</a:t>
+            </a:r>
+          </a:p>
+        </p:txBody>
+      </p:sp>
+      <p:sp>
+        <p:nvSpPr>
+          <p:cNvPr id="3" name="CuadroTexto 2">
+            <a:extLst>
+              <a:ext uri="{FF2B5EF4-FFF2-40B4-BE49-F238E27FC236}">
+                <a16:creationId xmlns:a16="http://schemas.microsoft.com/office/drawing/2014/main" id="{DB451F27-448E-A169-5BB5-A0C77AAFA8AD}"/>
+              </a:ext>
+            </a:extLst>
+          </p:cNvPr>
+          <p:cNvSpPr txBox="1"/>
+          <p:nvPr/>
+        </p:nvSpPr>
+        <p:spPr>
+          <a:xfrm>
+            <a:off x="559273" y="1501543"/>
+            <a:ext cx="4260184" cy="923330"/>
+          </a:xfrm>
+          <a:prstGeom prst="rect">
+            <a:avLst/>
+          </a:prstGeom>
+          <a:noFill/>
+        </p:spPr>
+        <p:txBody>
+          <a:bodyPr wrap="square" rtlCol="0">
+            <a:spAutoFit/>
+          </a:bodyPr>
+          <a:lstStyle/>
+          <a:p>
+            <a:r>
+              <a:rPr lang="es-PE" dirty="0"/>
+              <a:t>Librería pandas versión 2.1.4</a:t>
+            </a:r>
+          </a:p>
+          <a:p>
+            <a:r>
+              <a:rPr lang="es-PE" dirty="0"/>
+              <a:t>Librería </a:t>
+            </a:r>
+            <a:r>
+              <a:rPr lang="es-PE" dirty="0" err="1"/>
+              <a:t>seaborn</a:t>
+            </a:r>
+            <a:r>
+              <a:rPr lang="es-PE" dirty="0"/>
+              <a:t> versión 0.13.2</a:t>
+            </a:r>
+          </a:p>
+          <a:p>
+            <a:r>
+              <a:rPr lang="es-PE" dirty="0"/>
+              <a:t>Librería </a:t>
+            </a:r>
+            <a:r>
+              <a:rPr lang="es-PE" dirty="0" err="1"/>
+              <a:t>scikit-learn</a:t>
+            </a:r>
+            <a:r>
+              <a:rPr lang="es-PE" dirty="0"/>
+              <a:t> versión 1.4.0</a:t>
+            </a:r>
+            <a:endParaRPr lang="es-ES" dirty="0"/>
+          </a:p>
+        </p:txBody>
+      </p:sp>
+    </p:spTree>
+    <p:extLst>
+      <p:ext uri="{BB962C8B-B14F-4D97-AF65-F5344CB8AC3E}">
+        <p14:creationId xmlns:p14="http://schemas.microsoft.com/office/powerpoint/2010/main" val="1813568168"/>
       </p:ext>
     </p:extLst>
   </p:cSld>
@@ -7601,45 +11777,35 @@
       </p:grpSpPr>
       <p:sp>
         <p:nvSpPr>
-          <p:cNvPr id="2" name="Rectángulo 1">
+          <p:cNvPr id="4" name="CuadroTexto 3">
             <a:extLst>
               <a:ext uri="{FF2B5EF4-FFF2-40B4-BE49-F238E27FC236}">
-                <a16:creationId xmlns:a16="http://schemas.microsoft.com/office/drawing/2014/main" id="{2509F2D5-36A9-4BE1-7FC8-F0888B4EC2B6}"/>
+                <a16:creationId xmlns:a16="http://schemas.microsoft.com/office/drawing/2014/main" id="{54415D6B-F3F8-BA69-FF0A-96EC62BD9890}"/>
               </a:ext>
             </a:extLst>
           </p:cNvPr>
-          <p:cNvSpPr/>
+          <p:cNvSpPr txBox="1"/>
           <p:nvPr/>
         </p:nvSpPr>
         <p:spPr>
           <a:xfrm>
-            <a:off x="2492478" y="417193"/>
-            <a:ext cx="7742904" cy="646331"/>
+            <a:off x="1238865" y="2257545"/>
+            <a:ext cx="10220632" cy="2554545"/>
           </a:xfrm>
           <a:prstGeom prst="rect">
             <a:avLst/>
           </a:prstGeom>
+          <a:noFill/>
         </p:spPr>
-        <p:style>
-          <a:lnRef idx="3">
-            <a:schemeClr val="lt1"/>
-          </a:lnRef>
-          <a:fillRef idx="1">
-            <a:schemeClr val="dk1"/>
-          </a:fillRef>
-          <a:effectRef idx="1">
-            <a:schemeClr val="dk1"/>
-          </a:effectRef>
-          <a:fontRef idx="minor">
-            <a:schemeClr val="lt1"/>
-          </a:fontRef>
-        </p:style>
-        <p:txBody>
-          <a:bodyPr rtlCol="0" anchor="ctr"/>
+        <p:txBody>
+          <a:bodyPr wrap="square">
+            <a:spAutoFit/>
+          </a:bodyPr>
           <a:lstStyle/>
           <a:p>
-            <a:r>
-              <a:rPr lang="es-PE" sz="3600" b="1" dirty="0"/>
+            <a:pPr algn="ctr"/>
+            <a:r>
+              <a:rPr lang="es-PE" sz="8000" b="1" dirty="0"/>
               <a:t>PRINCIPALES RESULTADOS DE EDA</a:t>
             </a:r>
           </a:p>
@@ -7680,7 +11846,7 @@
           <p:cNvPr id="2" name="Rectángulo 1">
             <a:extLst>
               <a:ext uri="{FF2B5EF4-FFF2-40B4-BE49-F238E27FC236}">
-                <a16:creationId xmlns:a16="http://schemas.microsoft.com/office/drawing/2014/main" id="{47CA1957-073E-F474-8018-42AFB0A96BCA}"/>
+                <a16:creationId xmlns:a16="http://schemas.microsoft.com/office/drawing/2014/main" id="{03EB9700-82F3-E572-CAC9-CDE6E5E2F1E9}"/>
               </a:ext>
             </a:extLst>
           </p:cNvPr>
@@ -7689,8 +11855,8 @@
         </p:nvSpPr>
         <p:spPr>
           <a:xfrm>
-            <a:off x="3052881" y="446690"/>
-            <a:ext cx="6946525" cy="646331"/>
+            <a:off x="3849329" y="247636"/>
+            <a:ext cx="4203291" cy="646331"/>
           </a:xfrm>
           <a:prstGeom prst="rect">
             <a:avLst/>
@@ -7716,15 +11882,115 @@
           <a:p>
             <a:r>
               <a:rPr lang="es-PE" sz="3600" b="1" dirty="0"/>
-              <a:t>PRINCIPALES MODELOS DE ML</a:t>
-            </a:r>
-          </a:p>
-        </p:txBody>
-      </p:sp>
+              <a:t>Grafica de Precio</a:t>
+            </a:r>
+          </a:p>
+        </p:txBody>
+      </p:sp>
+      <p:grpSp>
+        <p:nvGrpSpPr>
+          <p:cNvPr id="6" name="Grupo 5">
+            <a:extLst>
+              <a:ext uri="{FF2B5EF4-FFF2-40B4-BE49-F238E27FC236}">
+                <a16:creationId xmlns:a16="http://schemas.microsoft.com/office/drawing/2014/main" id="{10B25A01-4323-83FA-3B99-C6D7049B4DF6}"/>
+              </a:ext>
+            </a:extLst>
+          </p:cNvPr>
+          <p:cNvGrpSpPr/>
+          <p:nvPr/>
+        </p:nvGrpSpPr>
+        <p:grpSpPr>
+          <a:xfrm>
+            <a:off x="2462981" y="1002889"/>
+            <a:ext cx="7241458" cy="5722375"/>
+            <a:chOff x="2462981" y="1002889"/>
+            <a:chExt cx="7241458" cy="5722375"/>
+          </a:xfrm>
+        </p:grpSpPr>
+        <p:sp>
+          <p:nvSpPr>
+            <p:cNvPr id="5" name="Rectángulo 4">
+              <a:extLst>
+                <a:ext uri="{FF2B5EF4-FFF2-40B4-BE49-F238E27FC236}">
+                  <a16:creationId xmlns:a16="http://schemas.microsoft.com/office/drawing/2014/main" id="{BA29A6C9-BA18-BD72-32BA-04E617B63115}"/>
+                </a:ext>
+              </a:extLst>
+            </p:cNvPr>
+            <p:cNvSpPr/>
+            <p:nvPr/>
+          </p:nvSpPr>
+          <p:spPr>
+            <a:xfrm>
+              <a:off x="2462981" y="1002889"/>
+              <a:ext cx="7241458" cy="5722375"/>
+            </a:xfrm>
+            <a:prstGeom prst="rect">
+              <a:avLst/>
+            </a:prstGeom>
+          </p:spPr>
+          <p:style>
+            <a:lnRef idx="3">
+              <a:schemeClr val="lt1"/>
+            </a:lnRef>
+            <a:fillRef idx="1">
+              <a:schemeClr val="dk1"/>
+            </a:fillRef>
+            <a:effectRef idx="1">
+              <a:schemeClr val="dk1"/>
+            </a:effectRef>
+            <a:fontRef idx="minor">
+              <a:schemeClr val="lt1"/>
+            </a:fontRef>
+          </p:style>
+          <p:txBody>
+            <a:bodyPr rtlCol="0" anchor="ctr"/>
+            <a:lstStyle/>
+            <a:p>
+              <a:endParaRPr lang="es-PE" sz="3600" b="1" dirty="0"/>
+            </a:p>
+          </p:txBody>
+        </p:sp>
+        <p:pic>
+          <p:nvPicPr>
+            <p:cNvPr id="4" name="Imagen 3">
+              <a:extLst>
+                <a:ext uri="{FF2B5EF4-FFF2-40B4-BE49-F238E27FC236}">
+                  <a16:creationId xmlns:a16="http://schemas.microsoft.com/office/drawing/2014/main" id="{ED880BBD-C87E-F52C-36A1-21B578C866FE}"/>
+                </a:ext>
+              </a:extLst>
+            </p:cNvPr>
+            <p:cNvPicPr>
+              <a:picLocks noChangeAspect="1"/>
+            </p:cNvPicPr>
+            <p:nvPr/>
+          </p:nvPicPr>
+          <p:blipFill>
+            <a:blip r:embed="rId2">
+              <a:extLst>
+                <a:ext uri="{28A0092B-C50C-407E-A947-70E740481C1C}">
+                  <a14:useLocalDpi xmlns:a14="http://schemas.microsoft.com/office/drawing/2010/main" val="0"/>
+                </a:ext>
+              </a:extLst>
+            </a:blip>
+            <a:stretch>
+              <a:fillRect/>
+            </a:stretch>
+          </p:blipFill>
+          <p:spPr>
+            <a:xfrm>
+              <a:off x="2669382" y="1149379"/>
+              <a:ext cx="6853236" cy="5460985"/>
+            </a:xfrm>
+            <a:prstGeom prst="rect">
+              <a:avLst/>
+            </a:prstGeom>
+          </p:spPr>
+        </p:pic>
+      </p:grpSp>
     </p:spTree>
     <p:extLst>
       <p:ext uri="{BB962C8B-B14F-4D97-AF65-F5344CB8AC3E}">
-        <p14:creationId xmlns:p14="http://schemas.microsoft.com/office/powerpoint/2010/main" val="3106590508"/>
+        <p14:creationId xmlns:p14="http://schemas.microsoft.com/office/powerpoint/2010/main" val="67685388"/>
       </p:ext>
     </p:extLst>
   </p:cSld>
@@ -7756,7 +12022,7 @@
           <p:cNvPr id="2" name="Rectángulo 1">
             <a:extLst>
               <a:ext uri="{FF2B5EF4-FFF2-40B4-BE49-F238E27FC236}">
-                <a16:creationId xmlns:a16="http://schemas.microsoft.com/office/drawing/2014/main" id="{DE9069A4-84F0-EA62-D4C1-9C4B45D61F94}"/>
+                <a16:creationId xmlns:a16="http://schemas.microsoft.com/office/drawing/2014/main" id="{8EFAAE9F-B37D-0184-3879-E9F9ECC79BDC}"/>
               </a:ext>
             </a:extLst>
           </p:cNvPr>
@@ -7765,8 +12031,8 @@
         </p:nvSpPr>
         <p:spPr>
           <a:xfrm>
-            <a:off x="5029132" y="299205"/>
-            <a:ext cx="2374560" cy="646331"/>
+            <a:off x="383458" y="247636"/>
+            <a:ext cx="9807677" cy="646331"/>
           </a:xfrm>
           <a:prstGeom prst="rect">
             <a:avLst/>
@@ -7792,15 +12058,115 @@
           <a:p>
             <a:r>
               <a:rPr lang="es-PE" sz="3600" b="1" dirty="0"/>
-              <a:t>METRICAS</a:t>
-            </a:r>
-          </a:p>
-        </p:txBody>
-      </p:sp>
+              <a:t>Grafica de Cantidad de Marcas de Laptop</a:t>
+            </a:r>
+          </a:p>
+        </p:txBody>
+      </p:sp>
+      <p:grpSp>
+        <p:nvGrpSpPr>
+          <p:cNvPr id="6" name="Grupo 5">
+            <a:extLst>
+              <a:ext uri="{FF2B5EF4-FFF2-40B4-BE49-F238E27FC236}">
+                <a16:creationId xmlns:a16="http://schemas.microsoft.com/office/drawing/2014/main" id="{9DC949BE-F278-0605-C639-C137025EFD89}"/>
+              </a:ext>
+            </a:extLst>
+          </p:cNvPr>
+          <p:cNvGrpSpPr/>
+          <p:nvPr/>
+        </p:nvGrpSpPr>
+        <p:grpSpPr>
+          <a:xfrm>
+            <a:off x="1324259" y="1340328"/>
+            <a:ext cx="9158747" cy="5247339"/>
+            <a:chOff x="1324259" y="1340328"/>
+            <a:chExt cx="9158747" cy="5247339"/>
+          </a:xfrm>
+        </p:grpSpPr>
+        <p:sp>
+          <p:nvSpPr>
+            <p:cNvPr id="5" name="Rectángulo 4">
+              <a:extLst>
+                <a:ext uri="{FF2B5EF4-FFF2-40B4-BE49-F238E27FC236}">
+                  <a16:creationId xmlns:a16="http://schemas.microsoft.com/office/drawing/2014/main" id="{86839488-1650-B42B-CBD3-D840CCF6F91D}"/>
+                </a:ext>
+              </a:extLst>
+            </p:cNvPr>
+            <p:cNvSpPr/>
+            <p:nvPr/>
+          </p:nvSpPr>
+          <p:spPr>
+            <a:xfrm>
+              <a:off x="1324259" y="1340328"/>
+              <a:ext cx="9158747" cy="5247339"/>
+            </a:xfrm>
+            <a:prstGeom prst="rect">
+              <a:avLst/>
+            </a:prstGeom>
+          </p:spPr>
+          <p:style>
+            <a:lnRef idx="3">
+              <a:schemeClr val="lt1"/>
+            </a:lnRef>
+            <a:fillRef idx="1">
+              <a:schemeClr val="dk1"/>
+            </a:fillRef>
+            <a:effectRef idx="1">
+              <a:schemeClr val="dk1"/>
+            </a:effectRef>
+            <a:fontRef idx="minor">
+              <a:schemeClr val="lt1"/>
+            </a:fontRef>
+          </p:style>
+          <p:txBody>
+            <a:bodyPr rtlCol="0" anchor="ctr"/>
+            <a:lstStyle/>
+            <a:p>
+              <a:endParaRPr lang="es-PE" sz="3600" b="1" dirty="0"/>
+            </a:p>
+          </p:txBody>
+        </p:sp>
+        <p:pic>
+          <p:nvPicPr>
+            <p:cNvPr id="4" name="Imagen 3">
+              <a:extLst>
+                <a:ext uri="{FF2B5EF4-FFF2-40B4-BE49-F238E27FC236}">
+                  <a16:creationId xmlns:a16="http://schemas.microsoft.com/office/drawing/2014/main" id="{8A642517-FC64-6C8C-DFF3-98F3EF4CFD66}"/>
+                </a:ext>
+              </a:extLst>
+            </p:cNvPr>
+            <p:cNvPicPr>
+              <a:picLocks noChangeAspect="1"/>
+            </p:cNvPicPr>
+            <p:nvPr/>
+          </p:nvPicPr>
+          <p:blipFill>
+            <a:blip r:embed="rId2">
+              <a:extLst>
+                <a:ext uri="{28A0092B-C50C-407E-A947-70E740481C1C}">
+                  <a14:useLocalDpi xmlns:a14="http://schemas.microsoft.com/office/drawing/2010/main" val="0"/>
+                </a:ext>
+              </a:extLst>
+            </a:blip>
+            <a:stretch>
+              <a:fillRect/>
+            </a:stretch>
+          </p:blipFill>
+          <p:spPr>
+            <a:xfrm>
+              <a:off x="1508356" y="1581245"/>
+              <a:ext cx="8790552" cy="4765504"/>
+            </a:xfrm>
+            <a:prstGeom prst="rect">
+              <a:avLst/>
+            </a:prstGeom>
+          </p:spPr>
+        </p:pic>
+      </p:grpSp>
     </p:spTree>
     <p:extLst>
       <p:ext uri="{BB962C8B-B14F-4D97-AF65-F5344CB8AC3E}">
-        <p14:creationId xmlns:p14="http://schemas.microsoft.com/office/powerpoint/2010/main" val="1837372968"/>
+        <p14:creationId xmlns:p14="http://schemas.microsoft.com/office/powerpoint/2010/main" val="408528989"/>
       </p:ext>
     </p:extLst>
   </p:cSld>
@@ -7832,7 +12198,7 @@
           <p:cNvPr id="2" name="Rectángulo 1">
             <a:extLst>
               <a:ext uri="{FF2B5EF4-FFF2-40B4-BE49-F238E27FC236}">
-                <a16:creationId xmlns:a16="http://schemas.microsoft.com/office/drawing/2014/main" id="{BCDD4820-70FB-D6A9-7B69-DC2032B10480}"/>
+                <a16:creationId xmlns:a16="http://schemas.microsoft.com/office/drawing/2014/main" id="{A3ADDD2E-06A4-F4C2-CD64-C743138099DD}"/>
               </a:ext>
             </a:extLst>
           </p:cNvPr>
@@ -7841,8 +12207,8 @@
         </p:nvSpPr>
         <p:spPr>
           <a:xfrm>
-            <a:off x="3775588" y="402444"/>
-            <a:ext cx="4080456" cy="646331"/>
+            <a:off x="383458" y="247636"/>
+            <a:ext cx="9807677" cy="1212454"/>
           </a:xfrm>
           <a:prstGeom prst="rect">
             <a:avLst/>
@@ -7868,129 +12234,115 @@
           <a:p>
             <a:r>
               <a:rPr lang="es-PE" sz="3600" b="1" dirty="0"/>
-              <a:t>CONCLUSIONES</a:t>
-            </a:r>
-          </a:p>
-        </p:txBody>
-      </p:sp>
-      <p:sp>
-        <p:nvSpPr>
-          <p:cNvPr id="3" name="CuadroTexto 2">
+              <a:t>Grafica de Cantidad de Memoria RAM de Laptop</a:t>
+            </a:r>
+          </a:p>
+        </p:txBody>
+      </p:sp>
+      <p:grpSp>
+        <p:nvGrpSpPr>
+          <p:cNvPr id="6" name="Grupo 5">
             <a:extLst>
               <a:ext uri="{FF2B5EF4-FFF2-40B4-BE49-F238E27FC236}">
-                <a16:creationId xmlns:a16="http://schemas.microsoft.com/office/drawing/2014/main" id="{1ADA280B-6CD7-58E2-C9AE-56C7269835F5}"/>
+                <a16:creationId xmlns:a16="http://schemas.microsoft.com/office/drawing/2014/main" id="{3D943A14-1D43-2ACD-C39B-66A6574F1D02}"/>
               </a:ext>
             </a:extLst>
           </p:cNvPr>
-          <p:cNvSpPr txBox="1"/>
+          <p:cNvGrpSpPr/>
           <p:nvPr/>
-        </p:nvSpPr>
-        <p:spPr>
-          <a:xfrm>
-            <a:off x="707922" y="1401097"/>
-            <a:ext cx="10958052" cy="4524315"/>
-          </a:xfrm>
-          <a:prstGeom prst="rect">
-            <a:avLst/>
-          </a:prstGeom>
-          <a:noFill/>
-        </p:spPr>
-        <p:txBody>
-          <a:bodyPr wrap="square" rtlCol="0">
-            <a:spAutoFit/>
-          </a:bodyPr>
-          <a:lstStyle/>
-          <a:p>
-            <a:pPr marL="400050" indent="-400050">
-              <a:buFont typeface="+mj-lt"/>
-              <a:buAutoNum type="romanUcPeriod"/>
-            </a:pPr>
-            <a:r>
-              <a:rPr lang="es-PE" dirty="0"/>
-              <a:t>El mapa de calor muestra una correlación directa debido a que su valor indica un 1.Ademas, por la tonalidad del color está más claro al dar su respuesta.</a:t>
-            </a:r>
-          </a:p>
-          <a:p>
-            <a:pPr marL="400050" indent="-400050">
-              <a:buFont typeface="+mj-lt"/>
-              <a:buAutoNum type="romanUcPeriod"/>
-            </a:pPr>
-            <a:r>
-              <a:rPr lang="es-PE" dirty="0"/>
-              <a:t>El histograma con respecto a los precios, se puede apreciar clientes prefieren compra más laptops que tengan un valor de 10000 y 30000 dólares, toda vez que su frecuencia excede de 200.</a:t>
-            </a:r>
-          </a:p>
-          <a:p>
-            <a:pPr marL="400050" indent="-400050">
-              <a:buFont typeface="+mj-lt"/>
-              <a:buAutoNum type="romanUcPeriod"/>
-            </a:pPr>
-            <a:r>
-              <a:rPr lang="es-PE" dirty="0"/>
-              <a:t>Sobre el grafico de las marcas de laptops, se muestra preferencias en las compras de las marca mas demandada , teniendo como razones la ofertas y los componentes que les puede beneficiar.</a:t>
-            </a:r>
-          </a:p>
-          <a:p>
-            <a:pPr marL="400050" indent="-400050">
-              <a:buFont typeface="+mj-lt"/>
-              <a:buAutoNum type="romanUcPeriod"/>
-            </a:pPr>
-            <a:r>
-              <a:rPr lang="es-PE" dirty="0"/>
-              <a:t>Sobre el </a:t>
-            </a:r>
-            <a:r>
-              <a:rPr lang="es-PE" dirty="0" err="1"/>
-              <a:t>rafico</a:t>
-            </a:r>
-            <a:r>
-              <a:rPr lang="es-PE" dirty="0"/>
-              <a:t> de precio según su memoria RAM podemos apreciar los más demandados y ello a causa a su rendimiento, siendo el que presenta mayor frecuencia de compra el de 32 </a:t>
-            </a:r>
-            <a:r>
-              <a:rPr lang="es-PE" dirty="0" err="1"/>
-              <a:t>gb</a:t>
-            </a:r>
-            <a:r>
-              <a:rPr lang="es-PE" dirty="0"/>
-              <a:t> en cualquier marca.</a:t>
-            </a:r>
-          </a:p>
-          <a:p>
-            <a:pPr marL="400050" indent="-400050">
-              <a:buFont typeface="+mj-lt"/>
-              <a:buAutoNum type="romanUcPeriod"/>
-            </a:pPr>
-            <a:r>
-              <a:rPr lang="es-PE" dirty="0"/>
-              <a:t>El grafico de Brand nos muestra una información sencilla pero muy efectiva puesto que se aprecia que las personas desean tener las computadoras con mayor precio, disco duro de 1 </a:t>
-            </a:r>
-            <a:r>
-              <a:rPr lang="es-PE" dirty="0" err="1"/>
-              <a:t>tb</a:t>
-            </a:r>
-            <a:r>
-              <a:rPr lang="es-PE" dirty="0"/>
-              <a:t> y la marca parece ser HP.</a:t>
-            </a:r>
-          </a:p>
-          <a:p>
-            <a:pPr marL="400050" indent="-400050">
-              <a:buFont typeface="+mj-lt"/>
-              <a:buAutoNum type="romanUcPeriod"/>
-            </a:pPr>
-            <a:r>
-              <a:rPr lang="es-PE" dirty="0"/>
-              <a:t>En el caso de las pantallas de las laptops. Los usuarios prefieren que sea de marca Dell ya que estas les genera confianza.</a:t>
-            </a:r>
-            <a:endParaRPr lang="es-ES" dirty="0"/>
-          </a:p>
-        </p:txBody>
-      </p:sp>
+        </p:nvGrpSpPr>
+        <p:grpSpPr>
+          <a:xfrm>
+            <a:off x="1516626" y="1610661"/>
+            <a:ext cx="8114071" cy="4999703"/>
+            <a:chOff x="1516626" y="1610661"/>
+            <a:chExt cx="8114071" cy="4999703"/>
+          </a:xfrm>
+        </p:grpSpPr>
+        <p:sp>
+          <p:nvSpPr>
+            <p:cNvPr id="3" name="Rectángulo 2">
+              <a:extLst>
+                <a:ext uri="{FF2B5EF4-FFF2-40B4-BE49-F238E27FC236}">
+                  <a16:creationId xmlns:a16="http://schemas.microsoft.com/office/drawing/2014/main" id="{6056C9B2-2379-64AD-B7FB-D4542DA0FECE}"/>
+                </a:ext>
+              </a:extLst>
+            </p:cNvPr>
+            <p:cNvSpPr/>
+            <p:nvPr/>
+          </p:nvSpPr>
+          <p:spPr>
+            <a:xfrm>
+              <a:off x="1516626" y="1610661"/>
+              <a:ext cx="8114071" cy="4999703"/>
+            </a:xfrm>
+            <a:prstGeom prst="rect">
+              <a:avLst/>
+            </a:prstGeom>
+          </p:spPr>
+          <p:style>
+            <a:lnRef idx="3">
+              <a:schemeClr val="lt1"/>
+            </a:lnRef>
+            <a:fillRef idx="1">
+              <a:schemeClr val="dk1"/>
+            </a:fillRef>
+            <a:effectRef idx="1">
+              <a:schemeClr val="dk1"/>
+            </a:effectRef>
+            <a:fontRef idx="minor">
+              <a:schemeClr val="lt1"/>
+            </a:fontRef>
+          </p:style>
+          <p:txBody>
+            <a:bodyPr rtlCol="0" anchor="ctr"/>
+            <a:lstStyle/>
+            <a:p>
+              <a:endParaRPr lang="es-PE" sz="3600" b="1" dirty="0"/>
+            </a:p>
+          </p:txBody>
+        </p:sp>
+        <p:pic>
+          <p:nvPicPr>
+            <p:cNvPr id="5" name="Imagen 4">
+              <a:extLst>
+                <a:ext uri="{FF2B5EF4-FFF2-40B4-BE49-F238E27FC236}">
+                  <a16:creationId xmlns:a16="http://schemas.microsoft.com/office/drawing/2014/main" id="{A3FE4E27-1173-FD4C-64BB-E8EB5A5F37F4}"/>
+                </a:ext>
+              </a:extLst>
+            </p:cNvPr>
+            <p:cNvPicPr>
+              <a:picLocks noChangeAspect="1"/>
+            </p:cNvPicPr>
+            <p:nvPr/>
+          </p:nvPicPr>
+          <p:blipFill>
+            <a:blip r:embed="rId2">
+              <a:extLst>
+                <a:ext uri="{28A0092B-C50C-407E-A947-70E740481C1C}">
+                  <a14:useLocalDpi xmlns:a14="http://schemas.microsoft.com/office/drawing/2010/main" val="0"/>
+                </a:ext>
+              </a:extLst>
+            </a:blip>
+            <a:stretch>
+              <a:fillRect/>
+            </a:stretch>
+          </p:blipFill>
+          <p:spPr>
+            <a:xfrm>
+              <a:off x="1890293" y="1811540"/>
+              <a:ext cx="7445436" cy="4579494"/>
+            </a:xfrm>
+            <a:prstGeom prst="rect">
+              <a:avLst/>
+            </a:prstGeom>
+          </p:spPr>
+        </p:pic>
+      </p:grpSp>
     </p:spTree>
     <p:extLst>
       <p:ext uri="{BB962C8B-B14F-4D97-AF65-F5344CB8AC3E}">
-        <p14:creationId xmlns:p14="http://schemas.microsoft.com/office/powerpoint/2010/main" val="2505757599"/>
+        <p14:creationId xmlns:p14="http://schemas.microsoft.com/office/powerpoint/2010/main" val="2753430048"/>
       </p:ext>
     </p:extLst>
   </p:cSld>

--- a/PROYECTO-MACHINE-LEARNING.pptx
+++ b/PROYECTO-MACHINE-LEARNING.pptx
@@ -11,35 +11,37 @@
     <p:sldId id="259" r:id="rId5"/>
     <p:sldId id="260" r:id="rId6"/>
     <p:sldId id="261" r:id="rId7"/>
-    <p:sldId id="268" r:id="rId8"/>
-    <p:sldId id="269" r:id="rId9"/>
-    <p:sldId id="270" r:id="rId10"/>
-    <p:sldId id="281" r:id="rId11"/>
-    <p:sldId id="272" r:id="rId12"/>
-    <p:sldId id="275" r:id="rId13"/>
-    <p:sldId id="276" r:id="rId14"/>
-    <p:sldId id="277" r:id="rId15"/>
-    <p:sldId id="278" r:id="rId16"/>
-    <p:sldId id="279" r:id="rId17"/>
-    <p:sldId id="280" r:id="rId18"/>
-    <p:sldId id="282" r:id="rId19"/>
-    <p:sldId id="283" r:id="rId20"/>
-    <p:sldId id="284" r:id="rId21"/>
-    <p:sldId id="289" r:id="rId22"/>
-    <p:sldId id="290" r:id="rId23"/>
-    <p:sldId id="291" r:id="rId24"/>
-    <p:sldId id="292" r:id="rId25"/>
-    <p:sldId id="285" r:id="rId26"/>
-    <p:sldId id="286" r:id="rId27"/>
-    <p:sldId id="287" r:id="rId28"/>
-    <p:sldId id="288" r:id="rId29"/>
-    <p:sldId id="273" r:id="rId30"/>
-    <p:sldId id="274" r:id="rId31"/>
-    <p:sldId id="271" r:id="rId32"/>
-    <p:sldId id="262" r:id="rId33"/>
-    <p:sldId id="263" r:id="rId34"/>
-    <p:sldId id="264" r:id="rId35"/>
-    <p:sldId id="265" r:id="rId36"/>
+    <p:sldId id="293" r:id="rId8"/>
+    <p:sldId id="294" r:id="rId9"/>
+    <p:sldId id="268" r:id="rId10"/>
+    <p:sldId id="269" r:id="rId11"/>
+    <p:sldId id="270" r:id="rId12"/>
+    <p:sldId id="281" r:id="rId13"/>
+    <p:sldId id="272" r:id="rId14"/>
+    <p:sldId id="275" r:id="rId15"/>
+    <p:sldId id="276" r:id="rId16"/>
+    <p:sldId id="277" r:id="rId17"/>
+    <p:sldId id="278" r:id="rId18"/>
+    <p:sldId id="279" r:id="rId19"/>
+    <p:sldId id="280" r:id="rId20"/>
+    <p:sldId id="282" r:id="rId21"/>
+    <p:sldId id="283" r:id="rId22"/>
+    <p:sldId id="284" r:id="rId23"/>
+    <p:sldId id="289" r:id="rId24"/>
+    <p:sldId id="290" r:id="rId25"/>
+    <p:sldId id="291" r:id="rId26"/>
+    <p:sldId id="292" r:id="rId27"/>
+    <p:sldId id="285" r:id="rId28"/>
+    <p:sldId id="286" r:id="rId29"/>
+    <p:sldId id="287" r:id="rId30"/>
+    <p:sldId id="288" r:id="rId31"/>
+    <p:sldId id="273" r:id="rId32"/>
+    <p:sldId id="274" r:id="rId33"/>
+    <p:sldId id="271" r:id="rId34"/>
+    <p:sldId id="262" r:id="rId35"/>
+    <p:sldId id="263" r:id="rId36"/>
+    <p:sldId id="264" r:id="rId37"/>
+    <p:sldId id="265" r:id="rId38"/>
   </p:sldIdLst>
   <p:sldSz cx="12192000" cy="6858000"/>
   <p:notesSz cx="6858000" cy="9144000"/>
@@ -332,7 +334,7 @@
           <a:p>
             <a:fld id="{B17FED09-996A-4092-B0CE-C688A8E76C69}" type="datetimeFigureOut">
               <a:rPr lang="es-ES" smtClean="0"/>
-              <a:t>25/02/2024</a:t>
+              <a:t>03/03/2024</a:t>
             </a:fld>
             <a:endParaRPr lang="es-ES"/>
           </a:p>
@@ -607,7 +609,7 @@
           <a:p>
             <a:fld id="{B17FED09-996A-4092-B0CE-C688A8E76C69}" type="datetimeFigureOut">
               <a:rPr lang="es-ES" smtClean="0"/>
-              <a:t>25/02/2024</a:t>
+              <a:t>03/03/2024</a:t>
             </a:fld>
             <a:endParaRPr lang="es-ES"/>
           </a:p>
@@ -801,7 +803,7 @@
           <a:p>
             <a:fld id="{B17FED09-996A-4092-B0CE-C688A8E76C69}" type="datetimeFigureOut">
               <a:rPr lang="es-ES" smtClean="0"/>
-              <a:t>25/02/2024</a:t>
+              <a:t>03/03/2024</a:t>
             </a:fld>
             <a:endParaRPr lang="es-ES"/>
           </a:p>
@@ -1074,7 +1076,7 @@
           <a:p>
             <a:fld id="{B17FED09-996A-4092-B0CE-C688A8E76C69}" type="datetimeFigureOut">
               <a:rPr lang="es-ES" smtClean="0"/>
-              <a:t>25/02/2024</a:t>
+              <a:t>03/03/2024</a:t>
             </a:fld>
             <a:endParaRPr lang="es-ES"/>
           </a:p>
@@ -1415,7 +1417,7 @@
           <a:p>
             <a:fld id="{B17FED09-996A-4092-B0CE-C688A8E76C69}" type="datetimeFigureOut">
               <a:rPr lang="es-ES" smtClean="0"/>
-              <a:t>25/02/2024</a:t>
+              <a:t>03/03/2024</a:t>
             </a:fld>
             <a:endParaRPr lang="es-ES"/>
           </a:p>
@@ -2038,7 +2040,7 @@
           <a:p>
             <a:fld id="{B17FED09-996A-4092-B0CE-C688A8E76C69}" type="datetimeFigureOut">
               <a:rPr lang="es-ES" smtClean="0"/>
-              <a:t>25/02/2024</a:t>
+              <a:t>03/03/2024</a:t>
             </a:fld>
             <a:endParaRPr lang="es-ES"/>
           </a:p>
@@ -2898,7 +2900,7 @@
           <a:p>
             <a:fld id="{B17FED09-996A-4092-B0CE-C688A8E76C69}" type="datetimeFigureOut">
               <a:rPr lang="es-ES" smtClean="0"/>
-              <a:t>25/02/2024</a:t>
+              <a:t>03/03/2024</a:t>
             </a:fld>
             <a:endParaRPr lang="es-ES"/>
           </a:p>
@@ -3068,7 +3070,7 @@
           <a:p>
             <a:fld id="{B17FED09-996A-4092-B0CE-C688A8E76C69}" type="datetimeFigureOut">
               <a:rPr lang="es-ES" smtClean="0"/>
-              <a:t>25/02/2024</a:t>
+              <a:t>03/03/2024</a:t>
             </a:fld>
             <a:endParaRPr lang="es-ES"/>
           </a:p>
@@ -3248,7 +3250,7 @@
           <a:p>
             <a:fld id="{B17FED09-996A-4092-B0CE-C688A8E76C69}" type="datetimeFigureOut">
               <a:rPr lang="es-ES" smtClean="0"/>
-              <a:t>25/02/2024</a:t>
+              <a:t>03/03/2024</a:t>
             </a:fld>
             <a:endParaRPr lang="es-ES"/>
           </a:p>
@@ -3418,7 +3420,7 @@
           <a:p>
             <a:fld id="{B17FED09-996A-4092-B0CE-C688A8E76C69}" type="datetimeFigureOut">
               <a:rPr lang="es-ES" smtClean="0"/>
-              <a:t>25/02/2024</a:t>
+              <a:t>03/03/2024</a:t>
             </a:fld>
             <a:endParaRPr lang="es-ES"/>
           </a:p>
@@ -3665,7 +3667,7 @@
           <a:p>
             <a:fld id="{B17FED09-996A-4092-B0CE-C688A8E76C69}" type="datetimeFigureOut">
               <a:rPr lang="es-ES" smtClean="0"/>
-              <a:t>25/02/2024</a:t>
+              <a:t>03/03/2024</a:t>
             </a:fld>
             <a:endParaRPr lang="es-ES"/>
           </a:p>
@@ -3957,7 +3959,7 @@
           <a:p>
             <a:fld id="{B17FED09-996A-4092-B0CE-C688A8E76C69}" type="datetimeFigureOut">
               <a:rPr lang="es-ES" smtClean="0"/>
-              <a:t>25/02/2024</a:t>
+              <a:t>03/03/2024</a:t>
             </a:fld>
             <a:endParaRPr lang="es-ES"/>
           </a:p>
@@ -4401,7 +4403,7 @@
           <a:p>
             <a:fld id="{B17FED09-996A-4092-B0CE-C688A8E76C69}" type="datetimeFigureOut">
               <a:rPr lang="es-ES" smtClean="0"/>
-              <a:t>25/02/2024</a:t>
+              <a:t>03/03/2024</a:t>
             </a:fld>
             <a:endParaRPr lang="es-ES"/>
           </a:p>
@@ -4519,7 +4521,7 @@
           <a:p>
             <a:fld id="{B17FED09-996A-4092-B0CE-C688A8E76C69}" type="datetimeFigureOut">
               <a:rPr lang="es-ES" smtClean="0"/>
-              <a:t>25/02/2024</a:t>
+              <a:t>03/03/2024</a:t>
             </a:fld>
             <a:endParaRPr lang="es-ES"/>
           </a:p>
@@ -4614,7 +4616,7 @@
           <a:p>
             <a:fld id="{B17FED09-996A-4092-B0CE-C688A8E76C69}" type="datetimeFigureOut">
               <a:rPr lang="es-ES" smtClean="0"/>
-              <a:t>25/02/2024</a:t>
+              <a:t>03/03/2024</a:t>
             </a:fld>
             <a:endParaRPr lang="es-ES"/>
           </a:p>
@@ -4893,7 +4895,7 @@
           <a:p>
             <a:fld id="{B17FED09-996A-4092-B0CE-C688A8E76C69}" type="datetimeFigureOut">
               <a:rPr lang="es-ES" smtClean="0"/>
-              <a:t>25/02/2024</a:t>
+              <a:t>03/03/2024</a:t>
             </a:fld>
             <a:endParaRPr lang="es-ES"/>
           </a:p>
@@ -5168,7 +5170,7 @@
           <a:p>
             <a:fld id="{B17FED09-996A-4092-B0CE-C688A8E76C69}" type="datetimeFigureOut">
               <a:rPr lang="es-ES" smtClean="0"/>
-              <a:t>25/02/2024</a:t>
+              <a:t>03/03/2024</a:t>
             </a:fld>
             <a:endParaRPr lang="es-ES"/>
           </a:p>
@@ -5597,7 +5599,7 @@
           <a:p>
             <a:fld id="{B17FED09-996A-4092-B0CE-C688A8E76C69}" type="datetimeFigureOut">
               <a:rPr lang="es-ES" smtClean="0"/>
-              <a:t>25/02/2024</a:t>
+              <a:t>03/03/2024</a:t>
             </a:fld>
             <a:endParaRPr lang="es-ES"/>
           </a:p>
@@ -6381,6 +6383,358 @@
           <p:cNvPr id="2" name="Rectángulo 1">
             <a:extLst>
               <a:ext uri="{FF2B5EF4-FFF2-40B4-BE49-F238E27FC236}">
+                <a16:creationId xmlns:a16="http://schemas.microsoft.com/office/drawing/2014/main" id="{8EFAAE9F-B37D-0184-3879-E9F9ECC79BDC}"/>
+              </a:ext>
+            </a:extLst>
+          </p:cNvPr>
+          <p:cNvSpPr/>
+          <p:nvPr/>
+        </p:nvSpPr>
+        <p:spPr>
+          <a:xfrm>
+            <a:off x="383458" y="247636"/>
+            <a:ext cx="9807677" cy="646331"/>
+          </a:xfrm>
+          <a:prstGeom prst="rect">
+            <a:avLst/>
+          </a:prstGeom>
+        </p:spPr>
+        <p:style>
+          <a:lnRef idx="3">
+            <a:schemeClr val="lt1"/>
+          </a:lnRef>
+          <a:fillRef idx="1">
+            <a:schemeClr val="dk1"/>
+          </a:fillRef>
+          <a:effectRef idx="1">
+            <a:schemeClr val="dk1"/>
+          </a:effectRef>
+          <a:fontRef idx="minor">
+            <a:schemeClr val="lt1"/>
+          </a:fontRef>
+        </p:style>
+        <p:txBody>
+          <a:bodyPr rtlCol="0" anchor="ctr"/>
+          <a:lstStyle/>
+          <a:p>
+            <a:r>
+              <a:rPr lang="es-PE" sz="3600" b="1" dirty="0"/>
+              <a:t>Grafica de Cantidad de Marcas de Laptop</a:t>
+            </a:r>
+          </a:p>
+        </p:txBody>
+      </p:sp>
+      <p:grpSp>
+        <p:nvGrpSpPr>
+          <p:cNvPr id="6" name="Grupo 5">
+            <a:extLst>
+              <a:ext uri="{FF2B5EF4-FFF2-40B4-BE49-F238E27FC236}">
+                <a16:creationId xmlns:a16="http://schemas.microsoft.com/office/drawing/2014/main" id="{9DC949BE-F278-0605-C639-C137025EFD89}"/>
+              </a:ext>
+            </a:extLst>
+          </p:cNvPr>
+          <p:cNvGrpSpPr/>
+          <p:nvPr/>
+        </p:nvGrpSpPr>
+        <p:grpSpPr>
+          <a:xfrm>
+            <a:off x="1324259" y="1340328"/>
+            <a:ext cx="9158747" cy="5247339"/>
+            <a:chOff x="1324259" y="1340328"/>
+            <a:chExt cx="9158747" cy="5247339"/>
+          </a:xfrm>
+        </p:grpSpPr>
+        <p:sp>
+          <p:nvSpPr>
+            <p:cNvPr id="5" name="Rectángulo 4">
+              <a:extLst>
+                <a:ext uri="{FF2B5EF4-FFF2-40B4-BE49-F238E27FC236}">
+                  <a16:creationId xmlns:a16="http://schemas.microsoft.com/office/drawing/2014/main" id="{86839488-1650-B42B-CBD3-D840CCF6F91D}"/>
+                </a:ext>
+              </a:extLst>
+            </p:cNvPr>
+            <p:cNvSpPr/>
+            <p:nvPr/>
+          </p:nvSpPr>
+          <p:spPr>
+            <a:xfrm>
+              <a:off x="1324259" y="1340328"/>
+              <a:ext cx="9158747" cy="5247339"/>
+            </a:xfrm>
+            <a:prstGeom prst="rect">
+              <a:avLst/>
+            </a:prstGeom>
+          </p:spPr>
+          <p:style>
+            <a:lnRef idx="3">
+              <a:schemeClr val="lt1"/>
+            </a:lnRef>
+            <a:fillRef idx="1">
+              <a:schemeClr val="dk1"/>
+            </a:fillRef>
+            <a:effectRef idx="1">
+              <a:schemeClr val="dk1"/>
+            </a:effectRef>
+            <a:fontRef idx="minor">
+              <a:schemeClr val="lt1"/>
+            </a:fontRef>
+          </p:style>
+          <p:txBody>
+            <a:bodyPr rtlCol="0" anchor="ctr"/>
+            <a:lstStyle/>
+            <a:p>
+              <a:endParaRPr lang="es-PE" sz="3600" b="1" dirty="0"/>
+            </a:p>
+          </p:txBody>
+        </p:sp>
+        <p:pic>
+          <p:nvPicPr>
+            <p:cNvPr id="4" name="Imagen 3">
+              <a:extLst>
+                <a:ext uri="{FF2B5EF4-FFF2-40B4-BE49-F238E27FC236}">
+                  <a16:creationId xmlns:a16="http://schemas.microsoft.com/office/drawing/2014/main" id="{8A642517-FC64-6C8C-DFF3-98F3EF4CFD66}"/>
+                </a:ext>
+              </a:extLst>
+            </p:cNvPr>
+            <p:cNvPicPr>
+              <a:picLocks noChangeAspect="1"/>
+            </p:cNvPicPr>
+            <p:nvPr/>
+          </p:nvPicPr>
+          <p:blipFill>
+            <a:blip r:embed="rId2">
+              <a:extLst>
+                <a:ext uri="{28A0092B-C50C-407E-A947-70E740481C1C}">
+                  <a14:useLocalDpi xmlns:a14="http://schemas.microsoft.com/office/drawing/2010/main" val="0"/>
+                </a:ext>
+              </a:extLst>
+            </a:blip>
+            <a:stretch>
+              <a:fillRect/>
+            </a:stretch>
+          </p:blipFill>
+          <p:spPr>
+            <a:xfrm>
+              <a:off x="1508356" y="1581245"/>
+              <a:ext cx="8790552" cy="4765504"/>
+            </a:xfrm>
+            <a:prstGeom prst="rect">
+              <a:avLst/>
+            </a:prstGeom>
+          </p:spPr>
+        </p:pic>
+      </p:grpSp>
+    </p:spTree>
+    <p:extLst>
+      <p:ext uri="{BB962C8B-B14F-4D97-AF65-F5344CB8AC3E}">
+        <p14:creationId xmlns:p14="http://schemas.microsoft.com/office/powerpoint/2010/main" val="408528989"/>
+      </p:ext>
+    </p:extLst>
+  </p:cSld>
+  <p:clrMapOvr>
+    <a:masterClrMapping/>
+  </p:clrMapOvr>
+</p:sld>
+</file>
+
+<file path=ppt/slides/slide11.xml><?xml version="1.0" encoding="utf-8"?>
+<p:sld xmlns:a="http://schemas.openxmlformats.org/drawingml/2006/main" xmlns:r="http://schemas.openxmlformats.org/officeDocument/2006/relationships" xmlns:p="http://schemas.openxmlformats.org/presentationml/2006/main">
+  <p:cSld>
+    <p:spTree>
+      <p:nvGrpSpPr>
+        <p:cNvPr id="1" name=""/>
+        <p:cNvGrpSpPr/>
+        <p:nvPr/>
+      </p:nvGrpSpPr>
+      <p:grpSpPr>
+        <a:xfrm>
+          <a:off x="0" y="0"/>
+          <a:ext cx="0" cy="0"/>
+          <a:chOff x="0" y="0"/>
+          <a:chExt cx="0" cy="0"/>
+        </a:xfrm>
+      </p:grpSpPr>
+      <p:sp>
+        <p:nvSpPr>
+          <p:cNvPr id="2" name="Rectángulo 1">
+            <a:extLst>
+              <a:ext uri="{FF2B5EF4-FFF2-40B4-BE49-F238E27FC236}">
+                <a16:creationId xmlns:a16="http://schemas.microsoft.com/office/drawing/2014/main" id="{A3ADDD2E-06A4-F4C2-CD64-C743138099DD}"/>
+              </a:ext>
+            </a:extLst>
+          </p:cNvPr>
+          <p:cNvSpPr/>
+          <p:nvPr/>
+        </p:nvSpPr>
+        <p:spPr>
+          <a:xfrm>
+            <a:off x="383458" y="247636"/>
+            <a:ext cx="9807677" cy="1212454"/>
+          </a:xfrm>
+          <a:prstGeom prst="rect">
+            <a:avLst/>
+          </a:prstGeom>
+        </p:spPr>
+        <p:style>
+          <a:lnRef idx="3">
+            <a:schemeClr val="lt1"/>
+          </a:lnRef>
+          <a:fillRef idx="1">
+            <a:schemeClr val="dk1"/>
+          </a:fillRef>
+          <a:effectRef idx="1">
+            <a:schemeClr val="dk1"/>
+          </a:effectRef>
+          <a:fontRef idx="minor">
+            <a:schemeClr val="lt1"/>
+          </a:fontRef>
+        </p:style>
+        <p:txBody>
+          <a:bodyPr rtlCol="0" anchor="ctr"/>
+          <a:lstStyle/>
+          <a:p>
+            <a:r>
+              <a:rPr lang="es-PE" sz="3600" b="1" dirty="0"/>
+              <a:t>Grafica de Cantidad de Memoria RAM de Laptop</a:t>
+            </a:r>
+          </a:p>
+        </p:txBody>
+      </p:sp>
+      <p:grpSp>
+        <p:nvGrpSpPr>
+          <p:cNvPr id="8" name="Grupo 7">
+            <a:extLst>
+              <a:ext uri="{FF2B5EF4-FFF2-40B4-BE49-F238E27FC236}">
+                <a16:creationId xmlns:a16="http://schemas.microsoft.com/office/drawing/2014/main" id="{FA566E20-88E8-9640-4FD8-EE15BDA9D5EB}"/>
+              </a:ext>
+            </a:extLst>
+          </p:cNvPr>
+          <p:cNvGrpSpPr/>
+          <p:nvPr/>
+        </p:nvGrpSpPr>
+        <p:grpSpPr>
+          <a:xfrm>
+            <a:off x="1516626" y="1610661"/>
+            <a:ext cx="8114071" cy="4999703"/>
+            <a:chOff x="1516626" y="1610661"/>
+            <a:chExt cx="8114071" cy="4999703"/>
+          </a:xfrm>
+        </p:grpSpPr>
+        <p:sp>
+          <p:nvSpPr>
+            <p:cNvPr id="3" name="Rectángulo 2">
+              <a:extLst>
+                <a:ext uri="{FF2B5EF4-FFF2-40B4-BE49-F238E27FC236}">
+                  <a16:creationId xmlns:a16="http://schemas.microsoft.com/office/drawing/2014/main" id="{6056C9B2-2379-64AD-B7FB-D4542DA0FECE}"/>
+                </a:ext>
+              </a:extLst>
+            </p:cNvPr>
+            <p:cNvSpPr/>
+            <p:nvPr/>
+          </p:nvSpPr>
+          <p:spPr>
+            <a:xfrm>
+              <a:off x="1516626" y="1610661"/>
+              <a:ext cx="8114071" cy="4999703"/>
+            </a:xfrm>
+            <a:prstGeom prst="rect">
+              <a:avLst/>
+            </a:prstGeom>
+          </p:spPr>
+          <p:style>
+            <a:lnRef idx="3">
+              <a:schemeClr val="lt1"/>
+            </a:lnRef>
+            <a:fillRef idx="1">
+              <a:schemeClr val="dk1"/>
+            </a:fillRef>
+            <a:effectRef idx="1">
+              <a:schemeClr val="dk1"/>
+            </a:effectRef>
+            <a:fontRef idx="minor">
+              <a:schemeClr val="lt1"/>
+            </a:fontRef>
+          </p:style>
+          <p:txBody>
+            <a:bodyPr rtlCol="0" anchor="ctr"/>
+            <a:lstStyle/>
+            <a:p>
+              <a:endParaRPr lang="es-PE" sz="3600" b="1" dirty="0"/>
+            </a:p>
+          </p:txBody>
+        </p:sp>
+        <p:pic>
+          <p:nvPicPr>
+            <p:cNvPr id="7" name="Imagen 6">
+              <a:extLst>
+                <a:ext uri="{FF2B5EF4-FFF2-40B4-BE49-F238E27FC236}">
+                  <a16:creationId xmlns:a16="http://schemas.microsoft.com/office/drawing/2014/main" id="{1F603084-5BFB-77B1-36A0-DEF56F74403B}"/>
+                </a:ext>
+              </a:extLst>
+            </p:cNvPr>
+            <p:cNvPicPr>
+              <a:picLocks noChangeAspect="1"/>
+            </p:cNvPicPr>
+            <p:nvPr/>
+          </p:nvPicPr>
+          <p:blipFill>
+            <a:blip r:embed="rId2">
+              <a:extLst>
+                <a:ext uri="{28A0092B-C50C-407E-A947-70E740481C1C}">
+                  <a14:useLocalDpi xmlns:a14="http://schemas.microsoft.com/office/drawing/2010/main" val="0"/>
+                </a:ext>
+              </a:extLst>
+            </a:blip>
+            <a:stretch>
+              <a:fillRect/>
+            </a:stretch>
+          </p:blipFill>
+          <p:spPr>
+            <a:xfrm>
+              <a:off x="1742809" y="1752547"/>
+              <a:ext cx="7651914" cy="4706494"/>
+            </a:xfrm>
+            <a:prstGeom prst="rect">
+              <a:avLst/>
+            </a:prstGeom>
+          </p:spPr>
+        </p:pic>
+      </p:grpSp>
+    </p:spTree>
+    <p:extLst>
+      <p:ext uri="{BB962C8B-B14F-4D97-AF65-F5344CB8AC3E}">
+        <p14:creationId xmlns:p14="http://schemas.microsoft.com/office/powerpoint/2010/main" val="2753430048"/>
+      </p:ext>
+    </p:extLst>
+  </p:cSld>
+  <p:clrMapOvr>
+    <a:masterClrMapping/>
+  </p:clrMapOvr>
+</p:sld>
+</file>
+
+<file path=ppt/slides/slide12.xml><?xml version="1.0" encoding="utf-8"?>
+<p:sld xmlns:a="http://schemas.openxmlformats.org/drawingml/2006/main" xmlns:r="http://schemas.openxmlformats.org/officeDocument/2006/relationships" xmlns:p="http://schemas.openxmlformats.org/presentationml/2006/main">
+  <p:cSld>
+    <p:spTree>
+      <p:nvGrpSpPr>
+        <p:cNvPr id="1" name=""/>
+        <p:cNvGrpSpPr/>
+        <p:nvPr/>
+      </p:nvGrpSpPr>
+      <p:grpSpPr>
+        <a:xfrm>
+          <a:off x="0" y="0"/>
+          <a:ext cx="0" cy="0"/>
+          <a:chOff x="0" y="0"/>
+          <a:chExt cx="0" cy="0"/>
+        </a:xfrm>
+      </p:grpSpPr>
+      <p:sp>
+        <p:nvSpPr>
+          <p:cNvPr id="2" name="Rectángulo 1">
+            <a:extLst>
+              <a:ext uri="{FF2B5EF4-FFF2-40B4-BE49-F238E27FC236}">
                 <a16:creationId xmlns:a16="http://schemas.microsoft.com/office/drawing/2014/main" id="{D61B5CBF-1616-6B4E-3803-32BC1840469C}"/>
               </a:ext>
             </a:extLst>
@@ -6535,7 +6889,7 @@
 </p:sld>
 </file>
 
-<file path=ppt/slides/slide11.xml><?xml version="1.0" encoding="utf-8"?>
+<file path=ppt/slides/slide13.xml><?xml version="1.0" encoding="utf-8"?>
 <p:sld xmlns:a="http://schemas.openxmlformats.org/drawingml/2006/main" xmlns:r="http://schemas.openxmlformats.org/officeDocument/2006/relationships" xmlns:p="http://schemas.openxmlformats.org/presentationml/2006/main">
   <p:cSld>
     <p:spTree>
@@ -6711,7 +7065,7 @@
 </p:sld>
 </file>
 
-<file path=ppt/slides/slide12.xml><?xml version="1.0" encoding="utf-8"?>
+<file path=ppt/slides/slide14.xml><?xml version="1.0" encoding="utf-8"?>
 <p:sld xmlns:a="http://schemas.openxmlformats.org/drawingml/2006/main" xmlns:r="http://schemas.openxmlformats.org/officeDocument/2006/relationships" xmlns:p="http://schemas.openxmlformats.org/presentationml/2006/main">
   <p:cSld>
     <p:spTree>
@@ -6776,10 +7130,10 @@
       </p:sp>
       <p:grpSp>
         <p:nvGrpSpPr>
-          <p:cNvPr id="6" name="Grupo 5">
+          <p:cNvPr id="8" name="Grupo 7">
             <a:extLst>
               <a:ext uri="{FF2B5EF4-FFF2-40B4-BE49-F238E27FC236}">
-                <a16:creationId xmlns:a16="http://schemas.microsoft.com/office/drawing/2014/main" id="{958BF088-2957-5BB7-766E-AA39448E426F}"/>
+                <a16:creationId xmlns:a16="http://schemas.microsoft.com/office/drawing/2014/main" id="{6926C450-835B-3EDF-9026-EAD547C48244}"/>
               </a:ext>
             </a:extLst>
           </p:cNvPr>
@@ -6839,10 +7193,10 @@
         </p:sp>
         <p:pic>
           <p:nvPicPr>
-            <p:cNvPr id="5" name="Imagen 4">
+            <p:cNvPr id="7" name="Imagen 6">
               <a:extLst>
                 <a:ext uri="{FF2B5EF4-FFF2-40B4-BE49-F238E27FC236}">
-                  <a16:creationId xmlns:a16="http://schemas.microsoft.com/office/drawing/2014/main" id="{AC0B6EA3-0296-D2DD-0DEE-64FAB514553D}"/>
+                  <a16:creationId xmlns:a16="http://schemas.microsoft.com/office/drawing/2014/main" id="{86982C42-286E-6491-4705-F5465461214F}"/>
                 </a:ext>
               </a:extLst>
             </p:cNvPr>
@@ -6865,8 +7219,8 @@
           </p:blipFill>
           <p:spPr>
             <a:xfrm>
-              <a:off x="1798853" y="1811540"/>
-              <a:ext cx="7979328" cy="4779230"/>
+              <a:off x="1693156" y="1737798"/>
+              <a:ext cx="8070275" cy="4833703"/>
             </a:xfrm>
             <a:prstGeom prst="rect">
               <a:avLst/>
@@ -6887,7 +7241,7 @@
 </p:sld>
 </file>
 
-<file path=ppt/slides/slide13.xml><?xml version="1.0" encoding="utf-8"?>
+<file path=ppt/slides/slide15.xml><?xml version="1.0" encoding="utf-8"?>
 <p:sld xmlns:a="http://schemas.openxmlformats.org/drawingml/2006/main" xmlns:r="http://schemas.openxmlformats.org/officeDocument/2006/relationships" xmlns:p="http://schemas.openxmlformats.org/presentationml/2006/main">
   <p:cSld>
     <p:spTree>
@@ -6952,10 +7306,10 @@
       </p:sp>
       <p:grpSp>
         <p:nvGrpSpPr>
-          <p:cNvPr id="6" name="Grupo 5">
+          <p:cNvPr id="8" name="Grupo 7">
             <a:extLst>
               <a:ext uri="{FF2B5EF4-FFF2-40B4-BE49-F238E27FC236}">
-                <a16:creationId xmlns:a16="http://schemas.microsoft.com/office/drawing/2014/main" id="{88F35635-E974-BE04-73B7-54D6C9DC6BBB}"/>
+                <a16:creationId xmlns:a16="http://schemas.microsoft.com/office/drawing/2014/main" id="{1ADECCD6-12C9-06C2-3D0C-2DB347AD2A35}"/>
               </a:ext>
             </a:extLst>
           </p:cNvPr>
@@ -7015,10 +7369,10 @@
         </p:sp>
         <p:pic>
           <p:nvPicPr>
-            <p:cNvPr id="5" name="Imagen 4">
+            <p:cNvPr id="7" name="Imagen 6">
               <a:extLst>
                 <a:ext uri="{FF2B5EF4-FFF2-40B4-BE49-F238E27FC236}">
-                  <a16:creationId xmlns:a16="http://schemas.microsoft.com/office/drawing/2014/main" id="{E0BE9E79-AE70-FE10-F8B0-65C7A3A44FC3}"/>
+                  <a16:creationId xmlns:a16="http://schemas.microsoft.com/office/drawing/2014/main" id="{BC1A52B2-69A7-A967-C0F0-A1628C79EF3C}"/>
                 </a:ext>
               </a:extLst>
             </p:cNvPr>
@@ -7041,8 +7395,8 @@
           </p:blipFill>
           <p:spPr>
             <a:xfrm>
-              <a:off x="1611400" y="1776439"/>
-              <a:ext cx="8249580" cy="4668605"/>
+              <a:off x="1656058" y="1737798"/>
+              <a:ext cx="8206376" cy="4707247"/>
             </a:xfrm>
             <a:prstGeom prst="rect">
               <a:avLst/>
@@ -7063,7 +7417,7 @@
 </p:sld>
 </file>
 
-<file path=ppt/slides/slide14.xml><?xml version="1.0" encoding="utf-8"?>
+<file path=ppt/slides/slide16.xml><?xml version="1.0" encoding="utf-8"?>
 <p:sld xmlns:a="http://schemas.openxmlformats.org/drawingml/2006/main" xmlns:r="http://schemas.openxmlformats.org/officeDocument/2006/relationships" xmlns:p="http://schemas.openxmlformats.org/presentationml/2006/main">
   <p:cSld>
     <p:spTree>
@@ -7128,10 +7482,10 @@
       </p:sp>
       <p:grpSp>
         <p:nvGrpSpPr>
-          <p:cNvPr id="6" name="Grupo 5">
+          <p:cNvPr id="8" name="Grupo 7">
             <a:extLst>
               <a:ext uri="{FF2B5EF4-FFF2-40B4-BE49-F238E27FC236}">
-                <a16:creationId xmlns:a16="http://schemas.microsoft.com/office/drawing/2014/main" id="{2CE942E6-49FF-F974-8A77-96064B63F900}"/>
+                <a16:creationId xmlns:a16="http://schemas.microsoft.com/office/drawing/2014/main" id="{1508BF94-7276-ADB0-4435-F71982A3AD9A}"/>
               </a:ext>
             </a:extLst>
           </p:cNvPr>
@@ -7191,10 +7545,10 @@
         </p:sp>
         <p:pic>
           <p:nvPicPr>
-            <p:cNvPr id="5" name="Imagen 4">
+            <p:cNvPr id="7" name="Imagen 6">
               <a:extLst>
                 <a:ext uri="{FF2B5EF4-FFF2-40B4-BE49-F238E27FC236}">
-                  <a16:creationId xmlns:a16="http://schemas.microsoft.com/office/drawing/2014/main" id="{704C95AC-0A93-1FAC-8885-2E11A1A15ACD}"/>
+                  <a16:creationId xmlns:a16="http://schemas.microsoft.com/office/drawing/2014/main" id="{DA1ED854-01D3-2EB7-7C7D-0313A68F64F9}"/>
                 </a:ext>
               </a:extLst>
             </p:cNvPr>
@@ -7217,8 +7571,8 @@
           </p:blipFill>
           <p:spPr>
             <a:xfrm>
-              <a:off x="1709674" y="1820684"/>
-              <a:ext cx="8137391" cy="4565367"/>
+              <a:off x="1691533" y="1752546"/>
+              <a:ext cx="8148717" cy="4721996"/>
             </a:xfrm>
             <a:prstGeom prst="rect">
               <a:avLst/>
@@ -7239,7 +7593,7 @@
 </p:sld>
 </file>
 
-<file path=ppt/slides/slide15.xml><?xml version="1.0" encoding="utf-8"?>
+<file path=ppt/slides/slide17.xml><?xml version="1.0" encoding="utf-8"?>
 <p:sld xmlns:a="http://schemas.openxmlformats.org/drawingml/2006/main" xmlns:r="http://schemas.openxmlformats.org/officeDocument/2006/relationships" xmlns:p="http://schemas.openxmlformats.org/presentationml/2006/main">
   <p:cSld>
     <p:spTree>
@@ -7304,10 +7658,10 @@
       </p:sp>
       <p:grpSp>
         <p:nvGrpSpPr>
-          <p:cNvPr id="7" name="Grupo 6">
+          <p:cNvPr id="8" name="Grupo 7">
             <a:extLst>
               <a:ext uri="{FF2B5EF4-FFF2-40B4-BE49-F238E27FC236}">
-                <a16:creationId xmlns:a16="http://schemas.microsoft.com/office/drawing/2014/main" id="{36AE3AF6-56F4-5817-C66B-38D5FED0FA42}"/>
+                <a16:creationId xmlns:a16="http://schemas.microsoft.com/office/drawing/2014/main" id="{E34EDB96-1B69-554A-ACA6-3FAA8D6DFCBF}"/>
               </a:ext>
             </a:extLst>
           </p:cNvPr>
@@ -7367,10 +7721,10 @@
         </p:sp>
         <p:pic>
           <p:nvPicPr>
-            <p:cNvPr id="6" name="Imagen 5">
+            <p:cNvPr id="5" name="Imagen 4">
               <a:extLst>
                 <a:ext uri="{FF2B5EF4-FFF2-40B4-BE49-F238E27FC236}">
-                  <a16:creationId xmlns:a16="http://schemas.microsoft.com/office/drawing/2014/main" id="{795D22F5-90ED-4763-97B0-376D9361EA7C}"/>
+                  <a16:creationId xmlns:a16="http://schemas.microsoft.com/office/drawing/2014/main" id="{1EC48600-6240-207F-251D-8625580F8897}"/>
                 </a:ext>
               </a:extLst>
             </p:cNvPr>
@@ -7393,8 +7747,8 @@
           </p:blipFill>
           <p:spPr>
             <a:xfrm>
-              <a:off x="1689124" y="1776439"/>
-              <a:ext cx="8059559" cy="4659592"/>
+              <a:off x="1647977" y="1767295"/>
+              <a:ext cx="8121990" cy="4663002"/>
             </a:xfrm>
             <a:prstGeom prst="rect">
               <a:avLst/>
@@ -7415,7 +7769,7 @@
 </p:sld>
 </file>
 
-<file path=ppt/slides/slide16.xml><?xml version="1.0" encoding="utf-8"?>
+<file path=ppt/slides/slide18.xml><?xml version="1.0" encoding="utf-8"?>
 <p:sld xmlns:a="http://schemas.openxmlformats.org/drawingml/2006/main" xmlns:r="http://schemas.openxmlformats.org/officeDocument/2006/relationships" xmlns:p="http://schemas.openxmlformats.org/presentationml/2006/main">
   <p:cSld>
     <p:spTree>
@@ -7478,106 +7832,85 @@
           </a:p>
         </p:txBody>
       </p:sp>
-      <p:grpSp>
-        <p:nvGrpSpPr>
-          <p:cNvPr id="7" name="Grupo 6">
+      <p:sp>
+        <p:nvSpPr>
+          <p:cNvPr id="4" name="Rectángulo 3">
             <a:extLst>
               <a:ext uri="{FF2B5EF4-FFF2-40B4-BE49-F238E27FC236}">
-                <a16:creationId xmlns:a16="http://schemas.microsoft.com/office/drawing/2014/main" id="{0DC092B3-C62A-3134-FF51-C7DBBBF29FDD}"/>
+                <a16:creationId xmlns:a16="http://schemas.microsoft.com/office/drawing/2014/main" id="{BB476F6B-F624-0113-E795-4769134DCFF6}"/>
               </a:ext>
             </a:extLst>
           </p:cNvPr>
-          <p:cNvGrpSpPr/>
+          <p:cNvSpPr/>
           <p:nvPr/>
-        </p:nvGrpSpPr>
-        <p:grpSpPr>
+        </p:nvSpPr>
+        <p:spPr>
           <a:xfrm>
             <a:off x="191729" y="1622323"/>
             <a:ext cx="11808542" cy="4988041"/>
-            <a:chOff x="191729" y="1622323"/>
-            <a:chExt cx="11808542" cy="4988041"/>
-          </a:xfrm>
-        </p:grpSpPr>
-        <p:sp>
-          <p:nvSpPr>
-            <p:cNvPr id="4" name="Rectángulo 3">
-              <a:extLst>
-                <a:ext uri="{FF2B5EF4-FFF2-40B4-BE49-F238E27FC236}">
-                  <a16:creationId xmlns:a16="http://schemas.microsoft.com/office/drawing/2014/main" id="{BB476F6B-F624-0113-E795-4769134DCFF6}"/>
-                </a:ext>
-              </a:extLst>
-            </p:cNvPr>
-            <p:cNvSpPr/>
-            <p:nvPr/>
-          </p:nvSpPr>
-          <p:spPr>
-            <a:xfrm>
-              <a:off x="191729" y="1622323"/>
-              <a:ext cx="11808542" cy="4988041"/>
-            </a:xfrm>
-            <a:prstGeom prst="rect">
-              <a:avLst/>
-            </a:prstGeom>
-          </p:spPr>
-          <p:style>
-            <a:lnRef idx="3">
-              <a:schemeClr val="lt1"/>
-            </a:lnRef>
-            <a:fillRef idx="1">
-              <a:schemeClr val="dk1"/>
-            </a:fillRef>
-            <a:effectRef idx="1">
-              <a:schemeClr val="dk1"/>
-            </a:effectRef>
-            <a:fontRef idx="minor">
-              <a:schemeClr val="lt1"/>
-            </a:fontRef>
-          </p:style>
-          <p:txBody>
-            <a:bodyPr rtlCol="0" anchor="ctr"/>
-            <a:lstStyle/>
-            <a:p>
-              <a:endParaRPr lang="es-PE" sz="3600" b="1" dirty="0"/>
-            </a:p>
-          </p:txBody>
-        </p:sp>
-        <p:pic>
-          <p:nvPicPr>
-            <p:cNvPr id="6" name="Imagen 5">
-              <a:extLst>
-                <a:ext uri="{FF2B5EF4-FFF2-40B4-BE49-F238E27FC236}">
-                  <a16:creationId xmlns:a16="http://schemas.microsoft.com/office/drawing/2014/main" id="{3851DF4A-2048-A6A1-1E4C-4BD3E492C1D4}"/>
-                </a:ext>
-              </a:extLst>
-            </p:cNvPr>
-            <p:cNvPicPr>
-              <a:picLocks noChangeAspect="1"/>
-            </p:cNvPicPr>
-            <p:nvPr/>
-          </p:nvPicPr>
-          <p:blipFill>
-            <a:blip r:embed="rId2">
-              <a:extLst>
-                <a:ext uri="{28A0092B-C50C-407E-A947-70E740481C1C}">
-                  <a14:useLocalDpi xmlns:a14="http://schemas.microsoft.com/office/drawing/2010/main" val="0"/>
-                </a:ext>
-              </a:extLst>
-            </a:blip>
-            <a:stretch>
-              <a:fillRect/>
-            </a:stretch>
-          </p:blipFill>
-          <p:spPr>
-            <a:xfrm>
-              <a:off x="383458" y="1738470"/>
-              <a:ext cx="11459498" cy="4755745"/>
-            </a:xfrm>
-            <a:prstGeom prst="rect">
-              <a:avLst/>
-            </a:prstGeom>
-          </p:spPr>
-        </p:pic>
-      </p:grpSp>
+          </a:xfrm>
+          <a:prstGeom prst="rect">
+            <a:avLst/>
+          </a:prstGeom>
+        </p:spPr>
+        <p:style>
+          <a:lnRef idx="3">
+            <a:schemeClr val="lt1"/>
+          </a:lnRef>
+          <a:fillRef idx="1">
+            <a:schemeClr val="dk1"/>
+          </a:fillRef>
+          <a:effectRef idx="1">
+            <a:schemeClr val="dk1"/>
+          </a:effectRef>
+          <a:fontRef idx="minor">
+            <a:schemeClr val="lt1"/>
+          </a:fontRef>
+        </p:style>
+        <p:txBody>
+          <a:bodyPr rtlCol="0" anchor="ctr"/>
+          <a:lstStyle/>
+          <a:p>
+            <a:endParaRPr lang="es-PE" sz="3600" b="1" dirty="0"/>
+          </a:p>
+        </p:txBody>
+      </p:sp>
+      <p:pic>
+        <p:nvPicPr>
+          <p:cNvPr id="5" name="Imagen 4">
+            <a:extLst>
+              <a:ext uri="{FF2B5EF4-FFF2-40B4-BE49-F238E27FC236}">
+                <a16:creationId xmlns:a16="http://schemas.microsoft.com/office/drawing/2014/main" id="{6AEEF0A0-9CF6-A2A7-D2AE-6D4DB2F6E995}"/>
+              </a:ext>
+            </a:extLst>
+          </p:cNvPr>
+          <p:cNvPicPr>
+            <a:picLocks noChangeAspect="1"/>
+          </p:cNvPicPr>
+          <p:nvPr/>
+        </p:nvPicPr>
+        <p:blipFill>
+          <a:blip r:embed="rId2">
+            <a:extLst>
+              <a:ext uri="{28A0092B-C50C-407E-A947-70E740481C1C}">
+                <a14:useLocalDpi xmlns:a14="http://schemas.microsoft.com/office/drawing/2010/main" val="0"/>
+              </a:ext>
+            </a:extLst>
+          </a:blip>
+          <a:stretch>
+            <a:fillRect/>
+          </a:stretch>
+        </p:blipFill>
+        <p:spPr>
+          <a:xfrm>
+            <a:off x="344129" y="1738470"/>
+            <a:ext cx="11469329" cy="4755745"/>
+          </a:xfrm>
+          <a:prstGeom prst="rect">
+            <a:avLst/>
+          </a:prstGeom>
+        </p:spPr>
+      </p:pic>
     </p:spTree>
     <p:extLst>
       <p:ext uri="{BB962C8B-B14F-4D97-AF65-F5344CB8AC3E}">
@@ -7591,7 +7924,7 @@
 </p:sld>
 </file>
 
-<file path=ppt/slides/slide17.xml><?xml version="1.0" encoding="utf-8"?>
+<file path=ppt/slides/slide19.xml><?xml version="1.0" encoding="utf-8"?>
 <p:sld xmlns:a="http://schemas.openxmlformats.org/drawingml/2006/main" xmlns:r="http://schemas.openxmlformats.org/officeDocument/2006/relationships" xmlns:p="http://schemas.openxmlformats.org/presentationml/2006/main">
   <p:cSld>
     <p:spTree>
@@ -7767,7 +8100,469 @@
 </p:sld>
 </file>
 
-<file path=ppt/slides/slide18.xml><?xml version="1.0" encoding="utf-8"?>
+<file path=ppt/slides/slide2.xml><?xml version="1.0" encoding="utf-8"?>
+<p:sld xmlns:a="http://schemas.openxmlformats.org/drawingml/2006/main" xmlns:r="http://schemas.openxmlformats.org/officeDocument/2006/relationships" xmlns:p="http://schemas.openxmlformats.org/presentationml/2006/main">
+  <p:cSld>
+    <p:spTree>
+      <p:nvGrpSpPr>
+        <p:cNvPr id="1" name=""/>
+        <p:cNvGrpSpPr/>
+        <p:nvPr/>
+      </p:nvGrpSpPr>
+      <p:grpSpPr>
+        <a:xfrm>
+          <a:off x="0" y="0"/>
+          <a:ext cx="0" cy="0"/>
+          <a:chOff x="0" y="0"/>
+          <a:chExt cx="0" cy="0"/>
+        </a:xfrm>
+      </p:grpSpPr>
+      <p:sp>
+        <p:nvSpPr>
+          <p:cNvPr id="2" name="Rectángulo 1">
+            <a:extLst>
+              <a:ext uri="{FF2B5EF4-FFF2-40B4-BE49-F238E27FC236}">
+                <a16:creationId xmlns:a16="http://schemas.microsoft.com/office/drawing/2014/main" id="{2D9FFA60-E7C7-7B55-D912-7ADE9C9D041E}"/>
+              </a:ext>
+            </a:extLst>
+          </p:cNvPr>
+          <p:cNvSpPr/>
+          <p:nvPr/>
+        </p:nvSpPr>
+        <p:spPr>
+          <a:xfrm>
+            <a:off x="5122468" y="490934"/>
+            <a:ext cx="3254616" cy="646331"/>
+          </a:xfrm>
+          <a:prstGeom prst="rect">
+            <a:avLst/>
+          </a:prstGeom>
+        </p:spPr>
+        <p:style>
+          <a:lnRef idx="3">
+            <a:schemeClr val="lt1"/>
+          </a:lnRef>
+          <a:fillRef idx="1">
+            <a:schemeClr val="dk1"/>
+          </a:fillRef>
+          <a:effectRef idx="1">
+            <a:schemeClr val="dk1"/>
+          </a:effectRef>
+          <a:fontRef idx="minor">
+            <a:schemeClr val="lt1"/>
+          </a:fontRef>
+        </p:style>
+        <p:txBody>
+          <a:bodyPr rtlCol="0" anchor="ctr"/>
+          <a:lstStyle/>
+          <a:p>
+            <a:r>
+              <a:rPr lang="es-PE" sz="3600" b="1" dirty="0"/>
+              <a:t>CONTEXTO</a:t>
+            </a:r>
+          </a:p>
+        </p:txBody>
+      </p:sp>
+      <p:sp>
+        <p:nvSpPr>
+          <p:cNvPr id="4" name="CuadroTexto 3">
+            <a:extLst>
+              <a:ext uri="{FF2B5EF4-FFF2-40B4-BE49-F238E27FC236}">
+                <a16:creationId xmlns:a16="http://schemas.microsoft.com/office/drawing/2014/main" id="{09E3DFE9-9F20-ACBC-4D50-0D80AA959962}"/>
+              </a:ext>
+            </a:extLst>
+          </p:cNvPr>
+          <p:cNvSpPr txBox="1"/>
+          <p:nvPr/>
+        </p:nvSpPr>
+        <p:spPr>
+          <a:xfrm>
+            <a:off x="472607" y="1273190"/>
+            <a:ext cx="11246785" cy="3785652"/>
+          </a:xfrm>
+          <a:prstGeom prst="rect">
+            <a:avLst/>
+          </a:prstGeom>
+          <a:noFill/>
+        </p:spPr>
+        <p:txBody>
+          <a:bodyPr wrap="square">
+            <a:spAutoFit/>
+          </a:bodyPr>
+          <a:lstStyle/>
+          <a:p>
+            <a:pPr marL="514350" indent="-514350" algn="just">
+              <a:buFont typeface="+mj-lt"/>
+              <a:buAutoNum type="romanUcPeriod"/>
+            </a:pPr>
+            <a:r>
+              <a:rPr lang="es-ES" sz="2000" b="0" i="0" u="none" strike="noStrike" dirty="0">
+                <a:solidFill>
+                  <a:schemeClr val="tx1">
+                    <a:lumMod val="95000"/>
+                  </a:schemeClr>
+                </a:solidFill>
+                <a:effectLst/>
+                <a:latin typeface="Lato" panose="020F0502020204030203" pitchFamily="34" charset="0"/>
+                <a:hlinkClick r:id="rId2">
+                  <a:extLst>
+                    <a:ext uri="{A12FA001-AC4F-418D-AE19-62706E023703}">
+                      <ahyp:hlinkClr xmlns:ahyp="http://schemas.microsoft.com/office/drawing/2018/hyperlinkcolor" val="tx"/>
+                    </a:ext>
+                  </a:extLst>
+                </a:hlinkClick>
+              </a:rPr>
+              <a:t>Según Dealer (2024) Siguen los malos tiempos para el PC</a:t>
+            </a:r>
+            <a:r>
+              <a:rPr lang="es-ES" sz="2000" b="0" i="0" dirty="0">
+                <a:solidFill>
+                  <a:schemeClr val="tx1">
+                    <a:lumMod val="95000"/>
+                  </a:schemeClr>
+                </a:solidFill>
+                <a:effectLst/>
+                <a:latin typeface="Lato" panose="020F0502020204030203" pitchFamily="34" charset="0"/>
+              </a:rPr>
+              <a:t>, </a:t>
+            </a:r>
+            <a:r>
+              <a:rPr lang="es-ES" sz="2000" b="1" i="0" dirty="0">
+                <a:solidFill>
+                  <a:schemeClr val="tx1">
+                    <a:lumMod val="95000"/>
+                  </a:schemeClr>
+                </a:solidFill>
+                <a:effectLst/>
+                <a:latin typeface="Lato" panose="020F0502020204030203" pitchFamily="34" charset="0"/>
+              </a:rPr>
+              <a:t>cuya caída en las ventas alcanzó casi el 30% —28,1 %— durante el último trimestre de 2022 en comparación con el mismo periodo del año anterior. </a:t>
+            </a:r>
+            <a:r>
+              <a:rPr lang="es-ES" sz="2000" b="0" i="0" dirty="0">
+                <a:solidFill>
+                  <a:schemeClr val="tx1">
+                    <a:lumMod val="95000"/>
+                  </a:schemeClr>
+                </a:solidFill>
+                <a:effectLst/>
+                <a:latin typeface="Lato" panose="020F0502020204030203" pitchFamily="34" charset="0"/>
+              </a:rPr>
+              <a:t>Así lo recogen los resultados preliminares del </a:t>
+            </a:r>
+            <a:r>
+              <a:rPr lang="es-ES" sz="2000" b="0" i="0" dirty="0" err="1">
+                <a:solidFill>
+                  <a:schemeClr val="tx1">
+                    <a:lumMod val="95000"/>
+                  </a:schemeClr>
+                </a:solidFill>
+                <a:effectLst/>
+                <a:latin typeface="Lato" panose="020F0502020204030203" pitchFamily="34" charset="0"/>
+              </a:rPr>
+              <a:t>Worldwide</a:t>
+            </a:r>
+            <a:r>
+              <a:rPr lang="es-ES" sz="2000" b="0" i="0" dirty="0">
+                <a:solidFill>
+                  <a:schemeClr val="tx1">
+                    <a:lumMod val="95000"/>
+                  </a:schemeClr>
+                </a:solidFill>
+                <a:effectLst/>
+                <a:latin typeface="Lato" panose="020F0502020204030203" pitchFamily="34" charset="0"/>
+              </a:rPr>
+              <a:t> </a:t>
+            </a:r>
+            <a:r>
+              <a:rPr lang="es-ES" sz="2000" b="0" i="0" dirty="0" err="1">
+                <a:solidFill>
+                  <a:schemeClr val="tx1">
+                    <a:lumMod val="95000"/>
+                  </a:schemeClr>
+                </a:solidFill>
+                <a:effectLst/>
+                <a:latin typeface="Lato" panose="020F0502020204030203" pitchFamily="34" charset="0"/>
+              </a:rPr>
+              <a:t>Quarterly</a:t>
+            </a:r>
+            <a:r>
+              <a:rPr lang="es-ES" sz="2000" b="0" i="0" dirty="0">
+                <a:solidFill>
+                  <a:schemeClr val="tx1">
+                    <a:lumMod val="95000"/>
+                  </a:schemeClr>
+                </a:solidFill>
+                <a:effectLst/>
+                <a:latin typeface="Lato" panose="020F0502020204030203" pitchFamily="34" charset="0"/>
+              </a:rPr>
+              <a:t> Personal Computing </a:t>
+            </a:r>
+            <a:r>
+              <a:rPr lang="es-ES" sz="2000" b="0" i="0" dirty="0" err="1">
+                <a:solidFill>
+                  <a:schemeClr val="tx1">
+                    <a:lumMod val="95000"/>
+                  </a:schemeClr>
+                </a:solidFill>
+                <a:effectLst/>
+                <a:latin typeface="Lato" panose="020F0502020204030203" pitchFamily="34" charset="0"/>
+              </a:rPr>
+              <a:t>Device</a:t>
+            </a:r>
+            <a:r>
+              <a:rPr lang="es-ES" sz="2000" b="0" i="0" dirty="0">
+                <a:solidFill>
+                  <a:schemeClr val="tx1">
+                    <a:lumMod val="95000"/>
+                  </a:schemeClr>
+                </a:solidFill>
+                <a:effectLst/>
+                <a:latin typeface="Lato" panose="020F0502020204030203" pitchFamily="34" charset="0"/>
+              </a:rPr>
+              <a:t> </a:t>
+            </a:r>
+            <a:r>
+              <a:rPr lang="es-ES" sz="2000" b="0" i="0" dirty="0" err="1">
+                <a:solidFill>
+                  <a:schemeClr val="tx1">
+                    <a:lumMod val="95000"/>
+                  </a:schemeClr>
+                </a:solidFill>
+                <a:effectLst/>
+                <a:latin typeface="Lato" panose="020F0502020204030203" pitchFamily="34" charset="0"/>
+              </a:rPr>
+              <a:t>Tracker</a:t>
+            </a:r>
+            <a:r>
+              <a:rPr lang="es-ES" sz="2000" b="0" i="0" dirty="0">
+                <a:solidFill>
+                  <a:schemeClr val="tx1">
+                    <a:lumMod val="95000"/>
+                  </a:schemeClr>
+                </a:solidFill>
+                <a:effectLst/>
+                <a:latin typeface="Lato" panose="020F0502020204030203" pitchFamily="34" charset="0"/>
+              </a:rPr>
+              <a:t> de IDC, que </a:t>
+            </a:r>
+            <a:r>
+              <a:rPr lang="es-ES" sz="2000" b="1" i="0" dirty="0">
+                <a:solidFill>
+                  <a:schemeClr val="tx1">
+                    <a:lumMod val="95000"/>
+                  </a:schemeClr>
+                </a:solidFill>
+                <a:effectLst/>
+                <a:latin typeface="Lato" panose="020F0502020204030203" pitchFamily="34" charset="0"/>
+              </a:rPr>
+              <a:t>constata unas ventas totales de 67,2 millones de PC</a:t>
+            </a:r>
+            <a:r>
+              <a:rPr lang="es-ES" sz="2000" b="0" i="0" dirty="0">
+                <a:solidFill>
+                  <a:schemeClr val="tx1">
+                    <a:lumMod val="95000"/>
+                  </a:schemeClr>
+                </a:solidFill>
+                <a:effectLst/>
+                <a:latin typeface="Lato" panose="020F0502020204030203" pitchFamily="34" charset="0"/>
+              </a:rPr>
+              <a:t>. Según la consultora, </a:t>
+            </a:r>
+            <a:r>
+              <a:rPr lang="es-ES" sz="2000" b="1" i="0" dirty="0">
+                <a:solidFill>
+                  <a:schemeClr val="tx1">
+                    <a:lumMod val="95000"/>
+                  </a:schemeClr>
+                </a:solidFill>
+                <a:effectLst/>
+                <a:latin typeface="Lato" panose="020F0502020204030203" pitchFamily="34" charset="0"/>
+              </a:rPr>
+              <a:t>estos resultados son comparables a los del cuarto trimestre de 2018, cuando el mercado se vio limitado por los problemas de suministro de Intel.</a:t>
+            </a:r>
+            <a:endParaRPr lang="es-ES" sz="2000" b="0" i="0" dirty="0">
+              <a:solidFill>
+                <a:schemeClr val="tx1">
+                  <a:lumMod val="95000"/>
+                </a:schemeClr>
+              </a:solidFill>
+              <a:effectLst/>
+              <a:latin typeface="Lato" panose="020F0502020204030203" pitchFamily="34" charset="0"/>
+            </a:endParaRPr>
+          </a:p>
+          <a:p>
+            <a:pPr marL="514350" indent="-514350" algn="just">
+              <a:buFont typeface="+mj-lt"/>
+              <a:buAutoNum type="romanUcPeriod"/>
+            </a:pPr>
+            <a:r>
+              <a:rPr lang="es-ES" sz="2000" b="1" i="0" u="none" strike="noStrike" dirty="0">
+                <a:solidFill>
+                  <a:schemeClr val="tx1">
+                    <a:lumMod val="95000"/>
+                  </a:schemeClr>
+                </a:solidFill>
+                <a:effectLst/>
+                <a:latin typeface="Lato" panose="020F0502020204030203" pitchFamily="34" charset="0"/>
+                <a:hlinkClick r:id="rId3">
+                  <a:extLst>
+                    <a:ext uri="{A12FA001-AC4F-418D-AE19-62706E023703}">
+                      <ahyp:hlinkClr xmlns:ahyp="http://schemas.microsoft.com/office/drawing/2018/hyperlinkcolor" val="tx"/>
+                    </a:ext>
+                  </a:extLst>
+                </a:hlinkClick>
+              </a:rPr>
+              <a:t>IDC concluye que el auge pandémico ha terminado para el mercado de PC</a:t>
+            </a:r>
+            <a:r>
+              <a:rPr lang="es-ES" sz="2000" b="0" i="0" dirty="0">
+                <a:solidFill>
+                  <a:schemeClr val="tx1">
+                    <a:lumMod val="95000"/>
+                  </a:schemeClr>
+                </a:solidFill>
+                <a:effectLst/>
+                <a:latin typeface="Lato" panose="020F0502020204030203" pitchFamily="34" charset="0"/>
+              </a:rPr>
+              <a:t>, pero a pesar de los recientes descensos, las ventas anuales para 2022 estuvieron muy por encima de los niveles prepandémicos, con 292,3 millones de unidades para todo el año. </a:t>
+            </a:r>
+            <a:r>
+              <a:rPr lang="es-ES" sz="2000" b="1" i="0" dirty="0">
+                <a:solidFill>
+                  <a:schemeClr val="tx1">
+                    <a:lumMod val="95000"/>
+                  </a:schemeClr>
+                </a:solidFill>
+                <a:effectLst/>
+                <a:latin typeface="Lato" panose="020F0502020204030203" pitchFamily="34" charset="0"/>
+              </a:rPr>
+              <a:t>Sin embargo, la demanda sigue siendo motivo de preocupación, ya que la mayoría de los usuarios tienen PC relativamente nuevos y la economía mundial empeora.</a:t>
+            </a:r>
+            <a:endParaRPr lang="es-ES" sz="2000" b="0" i="0" dirty="0">
+              <a:solidFill>
+                <a:schemeClr val="tx1">
+                  <a:lumMod val="95000"/>
+                </a:schemeClr>
+              </a:solidFill>
+              <a:effectLst/>
+              <a:latin typeface="Lato" panose="020F0502020204030203" pitchFamily="34" charset="0"/>
+            </a:endParaRPr>
+          </a:p>
+        </p:txBody>
+      </p:sp>
+      <p:sp>
+        <p:nvSpPr>
+          <p:cNvPr id="6" name="CuadroTexto 5">
+            <a:extLst>
+              <a:ext uri="{FF2B5EF4-FFF2-40B4-BE49-F238E27FC236}">
+                <a16:creationId xmlns:a16="http://schemas.microsoft.com/office/drawing/2014/main" id="{B2EFE22E-A8EF-683D-61A7-5B18AC3BBFEF}"/>
+              </a:ext>
+            </a:extLst>
+          </p:cNvPr>
+          <p:cNvSpPr txBox="1"/>
+          <p:nvPr/>
+        </p:nvSpPr>
+        <p:spPr>
+          <a:xfrm>
+            <a:off x="472607" y="4919008"/>
+            <a:ext cx="11498999" cy="1938992"/>
+          </a:xfrm>
+          <a:prstGeom prst="rect">
+            <a:avLst/>
+          </a:prstGeom>
+          <a:noFill/>
+        </p:spPr>
+        <p:txBody>
+          <a:bodyPr wrap="square">
+            <a:spAutoFit/>
+          </a:bodyPr>
+          <a:lstStyle/>
+          <a:p>
+            <a:pPr marL="514350" indent="-514350">
+              <a:buFont typeface="+mj-lt"/>
+              <a:buAutoNum type="romanUcPeriod" startAt="3"/>
+            </a:pPr>
+            <a:r>
+              <a:rPr lang="es-ES" sz="2000" b="0" i="0" dirty="0">
+                <a:solidFill>
+                  <a:schemeClr val="tx1">
+                    <a:lumMod val="95000"/>
+                  </a:schemeClr>
+                </a:solidFill>
+                <a:effectLst/>
+                <a:latin typeface="Lato" panose="020F0502020204030203" pitchFamily="34" charset="0"/>
+              </a:rPr>
+              <a:t>Dealer (2024) ratifique que la actividad del lado de la oferta muestra que muchos grandes proveedores entraron en 2023 con una perspectiva cautelosa, pero el consenso es que </a:t>
+            </a:r>
+            <a:r>
+              <a:rPr lang="es-ES" sz="2000" b="1" i="0" u="none" strike="noStrike" dirty="0">
+                <a:solidFill>
+                  <a:schemeClr val="tx1">
+                    <a:lumMod val="95000"/>
+                  </a:schemeClr>
+                </a:solidFill>
+                <a:effectLst/>
+                <a:latin typeface="Lato" panose="020F0502020204030203" pitchFamily="34" charset="0"/>
+                <a:hlinkClick r:id="rId4">
+                  <a:extLst>
+                    <a:ext uri="{A12FA001-AC4F-418D-AE19-62706E023703}">
+                      <ahyp:hlinkClr xmlns:ahyp="http://schemas.microsoft.com/office/drawing/2018/hyperlinkcolor" val="tx"/>
+                    </a:ext>
+                  </a:extLst>
+                </a:hlinkClick>
+              </a:rPr>
+              <a:t>partes del mercado de PC podrían volver a crecer a finales de 2023</a:t>
+            </a:r>
+            <a:r>
+              <a:rPr lang="es-ES" sz="2000" b="1" i="0" dirty="0">
+                <a:solidFill>
+                  <a:schemeClr val="tx1">
+                    <a:lumMod val="95000"/>
+                  </a:schemeClr>
+                </a:solidFill>
+                <a:effectLst/>
+                <a:latin typeface="Lato" panose="020F0502020204030203" pitchFamily="34" charset="0"/>
+              </a:rPr>
+              <a:t> y que el mercado general le seguiría en 2024.</a:t>
+            </a:r>
+            <a:r>
+              <a:rPr lang="es-ES" sz="2000" b="0" i="0" dirty="0">
+                <a:solidFill>
+                  <a:schemeClr val="tx1">
+                    <a:lumMod val="95000"/>
+                  </a:schemeClr>
+                </a:solidFill>
+                <a:effectLst/>
+                <a:latin typeface="Lato" panose="020F0502020204030203" pitchFamily="34" charset="0"/>
+              </a:rPr>
+              <a:t> El segmento comercial tiene varios impulsores hacia el crecimiento, incluido el próximo final del soporte para Windows 10 y un ciclo de actualización de construcción, mientras que el mercado de consumo sigue siendo un comodín para 2023 y más allá.</a:t>
+            </a:r>
+            <a:endParaRPr lang="es-PE" sz="2000" dirty="0">
+              <a:solidFill>
+                <a:schemeClr val="tx1">
+                  <a:lumMod val="95000"/>
+                </a:schemeClr>
+              </a:solidFill>
+            </a:endParaRPr>
+          </a:p>
+        </p:txBody>
+      </p:sp>
+    </p:spTree>
+    <p:extLst>
+      <p:ext uri="{BB962C8B-B14F-4D97-AF65-F5344CB8AC3E}">
+        <p14:creationId xmlns:p14="http://schemas.microsoft.com/office/powerpoint/2010/main" val="2995494806"/>
+      </p:ext>
+    </p:extLst>
+  </p:cSld>
+  <p:clrMapOvr>
+    <a:masterClrMapping/>
+  </p:clrMapOvr>
+</p:sld>
+</file>
+
+<file path=ppt/slides/slide20.xml><?xml version="1.0" encoding="utf-8"?>
 <p:sld xmlns:a="http://schemas.openxmlformats.org/drawingml/2006/main" xmlns:r="http://schemas.openxmlformats.org/officeDocument/2006/relationships" xmlns:p="http://schemas.openxmlformats.org/presentationml/2006/main">
   <p:cSld>
     <p:spTree>
@@ -7943,7 +8738,7 @@
 </p:sld>
 </file>
 
-<file path=ppt/slides/slide19.xml><?xml version="1.0" encoding="utf-8"?>
+<file path=ppt/slides/slide21.xml><?xml version="1.0" encoding="utf-8"?>
 <p:sld xmlns:a="http://schemas.openxmlformats.org/drawingml/2006/main" xmlns:r="http://schemas.openxmlformats.org/officeDocument/2006/relationships" xmlns:p="http://schemas.openxmlformats.org/presentationml/2006/main">
   <p:cSld>
     <p:spTree>
@@ -8119,469 +8914,7 @@
 </p:sld>
 </file>
 
-<file path=ppt/slides/slide2.xml><?xml version="1.0" encoding="utf-8"?>
-<p:sld xmlns:a="http://schemas.openxmlformats.org/drawingml/2006/main" xmlns:r="http://schemas.openxmlformats.org/officeDocument/2006/relationships" xmlns:p="http://schemas.openxmlformats.org/presentationml/2006/main">
-  <p:cSld>
-    <p:spTree>
-      <p:nvGrpSpPr>
-        <p:cNvPr id="1" name=""/>
-        <p:cNvGrpSpPr/>
-        <p:nvPr/>
-      </p:nvGrpSpPr>
-      <p:grpSpPr>
-        <a:xfrm>
-          <a:off x="0" y="0"/>
-          <a:ext cx="0" cy="0"/>
-          <a:chOff x="0" y="0"/>
-          <a:chExt cx="0" cy="0"/>
-        </a:xfrm>
-      </p:grpSpPr>
-      <p:sp>
-        <p:nvSpPr>
-          <p:cNvPr id="2" name="Rectángulo 1">
-            <a:extLst>
-              <a:ext uri="{FF2B5EF4-FFF2-40B4-BE49-F238E27FC236}">
-                <a16:creationId xmlns:a16="http://schemas.microsoft.com/office/drawing/2014/main" id="{2D9FFA60-E7C7-7B55-D912-7ADE9C9D041E}"/>
-              </a:ext>
-            </a:extLst>
-          </p:cNvPr>
-          <p:cNvSpPr/>
-          <p:nvPr/>
-        </p:nvSpPr>
-        <p:spPr>
-          <a:xfrm>
-            <a:off x="5122468" y="490934"/>
-            <a:ext cx="3254616" cy="646331"/>
-          </a:xfrm>
-          <a:prstGeom prst="rect">
-            <a:avLst/>
-          </a:prstGeom>
-        </p:spPr>
-        <p:style>
-          <a:lnRef idx="3">
-            <a:schemeClr val="lt1"/>
-          </a:lnRef>
-          <a:fillRef idx="1">
-            <a:schemeClr val="dk1"/>
-          </a:fillRef>
-          <a:effectRef idx="1">
-            <a:schemeClr val="dk1"/>
-          </a:effectRef>
-          <a:fontRef idx="minor">
-            <a:schemeClr val="lt1"/>
-          </a:fontRef>
-        </p:style>
-        <p:txBody>
-          <a:bodyPr rtlCol="0" anchor="ctr"/>
-          <a:lstStyle/>
-          <a:p>
-            <a:r>
-              <a:rPr lang="es-PE" sz="3600" b="1" dirty="0"/>
-              <a:t>CONTEXTO</a:t>
-            </a:r>
-          </a:p>
-        </p:txBody>
-      </p:sp>
-      <p:sp>
-        <p:nvSpPr>
-          <p:cNvPr id="4" name="CuadroTexto 3">
-            <a:extLst>
-              <a:ext uri="{FF2B5EF4-FFF2-40B4-BE49-F238E27FC236}">
-                <a16:creationId xmlns:a16="http://schemas.microsoft.com/office/drawing/2014/main" id="{09E3DFE9-9F20-ACBC-4D50-0D80AA959962}"/>
-              </a:ext>
-            </a:extLst>
-          </p:cNvPr>
-          <p:cNvSpPr txBox="1"/>
-          <p:nvPr/>
-        </p:nvSpPr>
-        <p:spPr>
-          <a:xfrm>
-            <a:off x="472607" y="1273190"/>
-            <a:ext cx="11246785" cy="3785652"/>
-          </a:xfrm>
-          <a:prstGeom prst="rect">
-            <a:avLst/>
-          </a:prstGeom>
-          <a:noFill/>
-        </p:spPr>
-        <p:txBody>
-          <a:bodyPr wrap="square">
-            <a:spAutoFit/>
-          </a:bodyPr>
-          <a:lstStyle/>
-          <a:p>
-            <a:pPr marL="514350" indent="-514350" algn="just">
-              <a:buFont typeface="+mj-lt"/>
-              <a:buAutoNum type="romanUcPeriod"/>
-            </a:pPr>
-            <a:r>
-              <a:rPr lang="es-ES" sz="2000" b="0" i="0" u="none" strike="noStrike" dirty="0">
-                <a:solidFill>
-                  <a:schemeClr val="tx1">
-                    <a:lumMod val="95000"/>
-                  </a:schemeClr>
-                </a:solidFill>
-                <a:effectLst/>
-                <a:latin typeface="Lato" panose="020F0502020204030203" pitchFamily="34" charset="0"/>
-                <a:hlinkClick r:id="rId2">
-                  <a:extLst>
-                    <a:ext uri="{A12FA001-AC4F-418D-AE19-62706E023703}">
-                      <ahyp:hlinkClr xmlns:ahyp="http://schemas.microsoft.com/office/drawing/2018/hyperlinkcolor" val="tx"/>
-                    </a:ext>
-                  </a:extLst>
-                </a:hlinkClick>
-              </a:rPr>
-              <a:t>Según Dealer (2024) Siguen los malos tiempos para el PC</a:t>
-            </a:r>
-            <a:r>
-              <a:rPr lang="es-ES" sz="2000" b="0" i="0" dirty="0">
-                <a:solidFill>
-                  <a:schemeClr val="tx1">
-                    <a:lumMod val="95000"/>
-                  </a:schemeClr>
-                </a:solidFill>
-                <a:effectLst/>
-                <a:latin typeface="Lato" panose="020F0502020204030203" pitchFamily="34" charset="0"/>
-              </a:rPr>
-              <a:t>, </a:t>
-            </a:r>
-            <a:r>
-              <a:rPr lang="es-ES" sz="2000" b="1" i="0" dirty="0">
-                <a:solidFill>
-                  <a:schemeClr val="tx1">
-                    <a:lumMod val="95000"/>
-                  </a:schemeClr>
-                </a:solidFill>
-                <a:effectLst/>
-                <a:latin typeface="Lato" panose="020F0502020204030203" pitchFamily="34" charset="0"/>
-              </a:rPr>
-              <a:t>cuya caída en las ventas alcanzó casi el 30% —28,1 %— durante el último trimestre de 2022 en comparación con el mismo periodo del año anterior. </a:t>
-            </a:r>
-            <a:r>
-              <a:rPr lang="es-ES" sz="2000" b="0" i="0" dirty="0">
-                <a:solidFill>
-                  <a:schemeClr val="tx1">
-                    <a:lumMod val="95000"/>
-                  </a:schemeClr>
-                </a:solidFill>
-                <a:effectLst/>
-                <a:latin typeface="Lato" panose="020F0502020204030203" pitchFamily="34" charset="0"/>
-              </a:rPr>
-              <a:t>Así lo recogen los resultados preliminares del </a:t>
-            </a:r>
-            <a:r>
-              <a:rPr lang="es-ES" sz="2000" b="0" i="0" dirty="0" err="1">
-                <a:solidFill>
-                  <a:schemeClr val="tx1">
-                    <a:lumMod val="95000"/>
-                  </a:schemeClr>
-                </a:solidFill>
-                <a:effectLst/>
-                <a:latin typeface="Lato" panose="020F0502020204030203" pitchFamily="34" charset="0"/>
-              </a:rPr>
-              <a:t>Worldwide</a:t>
-            </a:r>
-            <a:r>
-              <a:rPr lang="es-ES" sz="2000" b="0" i="0" dirty="0">
-                <a:solidFill>
-                  <a:schemeClr val="tx1">
-                    <a:lumMod val="95000"/>
-                  </a:schemeClr>
-                </a:solidFill>
-                <a:effectLst/>
-                <a:latin typeface="Lato" panose="020F0502020204030203" pitchFamily="34" charset="0"/>
-              </a:rPr>
-              <a:t> </a:t>
-            </a:r>
-            <a:r>
-              <a:rPr lang="es-ES" sz="2000" b="0" i="0" dirty="0" err="1">
-                <a:solidFill>
-                  <a:schemeClr val="tx1">
-                    <a:lumMod val="95000"/>
-                  </a:schemeClr>
-                </a:solidFill>
-                <a:effectLst/>
-                <a:latin typeface="Lato" panose="020F0502020204030203" pitchFamily="34" charset="0"/>
-              </a:rPr>
-              <a:t>Quarterly</a:t>
-            </a:r>
-            <a:r>
-              <a:rPr lang="es-ES" sz="2000" b="0" i="0" dirty="0">
-                <a:solidFill>
-                  <a:schemeClr val="tx1">
-                    <a:lumMod val="95000"/>
-                  </a:schemeClr>
-                </a:solidFill>
-                <a:effectLst/>
-                <a:latin typeface="Lato" panose="020F0502020204030203" pitchFamily="34" charset="0"/>
-              </a:rPr>
-              <a:t> Personal Computing </a:t>
-            </a:r>
-            <a:r>
-              <a:rPr lang="es-ES" sz="2000" b="0" i="0" dirty="0" err="1">
-                <a:solidFill>
-                  <a:schemeClr val="tx1">
-                    <a:lumMod val="95000"/>
-                  </a:schemeClr>
-                </a:solidFill>
-                <a:effectLst/>
-                <a:latin typeface="Lato" panose="020F0502020204030203" pitchFamily="34" charset="0"/>
-              </a:rPr>
-              <a:t>Device</a:t>
-            </a:r>
-            <a:r>
-              <a:rPr lang="es-ES" sz="2000" b="0" i="0" dirty="0">
-                <a:solidFill>
-                  <a:schemeClr val="tx1">
-                    <a:lumMod val="95000"/>
-                  </a:schemeClr>
-                </a:solidFill>
-                <a:effectLst/>
-                <a:latin typeface="Lato" panose="020F0502020204030203" pitchFamily="34" charset="0"/>
-              </a:rPr>
-              <a:t> </a:t>
-            </a:r>
-            <a:r>
-              <a:rPr lang="es-ES" sz="2000" b="0" i="0" dirty="0" err="1">
-                <a:solidFill>
-                  <a:schemeClr val="tx1">
-                    <a:lumMod val="95000"/>
-                  </a:schemeClr>
-                </a:solidFill>
-                <a:effectLst/>
-                <a:latin typeface="Lato" panose="020F0502020204030203" pitchFamily="34" charset="0"/>
-              </a:rPr>
-              <a:t>Tracker</a:t>
-            </a:r>
-            <a:r>
-              <a:rPr lang="es-ES" sz="2000" b="0" i="0" dirty="0">
-                <a:solidFill>
-                  <a:schemeClr val="tx1">
-                    <a:lumMod val="95000"/>
-                  </a:schemeClr>
-                </a:solidFill>
-                <a:effectLst/>
-                <a:latin typeface="Lato" panose="020F0502020204030203" pitchFamily="34" charset="0"/>
-              </a:rPr>
-              <a:t> de IDC, que </a:t>
-            </a:r>
-            <a:r>
-              <a:rPr lang="es-ES" sz="2000" b="1" i="0" dirty="0">
-                <a:solidFill>
-                  <a:schemeClr val="tx1">
-                    <a:lumMod val="95000"/>
-                  </a:schemeClr>
-                </a:solidFill>
-                <a:effectLst/>
-                <a:latin typeface="Lato" panose="020F0502020204030203" pitchFamily="34" charset="0"/>
-              </a:rPr>
-              <a:t>constata unas ventas totales de 67,2 millones de PC</a:t>
-            </a:r>
-            <a:r>
-              <a:rPr lang="es-ES" sz="2000" b="0" i="0" dirty="0">
-                <a:solidFill>
-                  <a:schemeClr val="tx1">
-                    <a:lumMod val="95000"/>
-                  </a:schemeClr>
-                </a:solidFill>
-                <a:effectLst/>
-                <a:latin typeface="Lato" panose="020F0502020204030203" pitchFamily="34" charset="0"/>
-              </a:rPr>
-              <a:t>. Según la consultora, </a:t>
-            </a:r>
-            <a:r>
-              <a:rPr lang="es-ES" sz="2000" b="1" i="0" dirty="0">
-                <a:solidFill>
-                  <a:schemeClr val="tx1">
-                    <a:lumMod val="95000"/>
-                  </a:schemeClr>
-                </a:solidFill>
-                <a:effectLst/>
-                <a:latin typeface="Lato" panose="020F0502020204030203" pitchFamily="34" charset="0"/>
-              </a:rPr>
-              <a:t>estos resultados son comparables a los del cuarto trimestre de 2018, cuando el mercado se vio limitado por los problemas de suministro de Intel.</a:t>
-            </a:r>
-            <a:endParaRPr lang="es-ES" sz="2000" b="0" i="0" dirty="0">
-              <a:solidFill>
-                <a:schemeClr val="tx1">
-                  <a:lumMod val="95000"/>
-                </a:schemeClr>
-              </a:solidFill>
-              <a:effectLst/>
-              <a:latin typeface="Lato" panose="020F0502020204030203" pitchFamily="34" charset="0"/>
-            </a:endParaRPr>
-          </a:p>
-          <a:p>
-            <a:pPr marL="514350" indent="-514350" algn="just">
-              <a:buFont typeface="+mj-lt"/>
-              <a:buAutoNum type="romanUcPeriod"/>
-            </a:pPr>
-            <a:r>
-              <a:rPr lang="es-ES" sz="2000" b="1" i="0" u="none" strike="noStrike" dirty="0">
-                <a:solidFill>
-                  <a:schemeClr val="tx1">
-                    <a:lumMod val="95000"/>
-                  </a:schemeClr>
-                </a:solidFill>
-                <a:effectLst/>
-                <a:latin typeface="Lato" panose="020F0502020204030203" pitchFamily="34" charset="0"/>
-                <a:hlinkClick r:id="rId3">
-                  <a:extLst>
-                    <a:ext uri="{A12FA001-AC4F-418D-AE19-62706E023703}">
-                      <ahyp:hlinkClr xmlns:ahyp="http://schemas.microsoft.com/office/drawing/2018/hyperlinkcolor" val="tx"/>
-                    </a:ext>
-                  </a:extLst>
-                </a:hlinkClick>
-              </a:rPr>
-              <a:t>IDC concluye que el auge pandémico ha terminado para el mercado de PC</a:t>
-            </a:r>
-            <a:r>
-              <a:rPr lang="es-ES" sz="2000" b="0" i="0" dirty="0">
-                <a:solidFill>
-                  <a:schemeClr val="tx1">
-                    <a:lumMod val="95000"/>
-                  </a:schemeClr>
-                </a:solidFill>
-                <a:effectLst/>
-                <a:latin typeface="Lato" panose="020F0502020204030203" pitchFamily="34" charset="0"/>
-              </a:rPr>
-              <a:t>, pero a pesar de los recientes descensos, las ventas anuales para 2022 estuvieron muy por encima de los niveles prepandémicos, con 292,3 millones de unidades para todo el año. </a:t>
-            </a:r>
-            <a:r>
-              <a:rPr lang="es-ES" sz="2000" b="1" i="0" dirty="0">
-                <a:solidFill>
-                  <a:schemeClr val="tx1">
-                    <a:lumMod val="95000"/>
-                  </a:schemeClr>
-                </a:solidFill>
-                <a:effectLst/>
-                <a:latin typeface="Lato" panose="020F0502020204030203" pitchFamily="34" charset="0"/>
-              </a:rPr>
-              <a:t>Sin embargo, la demanda sigue siendo motivo de preocupación, ya que la mayoría de los usuarios tienen PC relativamente nuevos y la economía mundial empeora.</a:t>
-            </a:r>
-            <a:endParaRPr lang="es-ES" sz="2000" b="0" i="0" dirty="0">
-              <a:solidFill>
-                <a:schemeClr val="tx1">
-                  <a:lumMod val="95000"/>
-                </a:schemeClr>
-              </a:solidFill>
-              <a:effectLst/>
-              <a:latin typeface="Lato" panose="020F0502020204030203" pitchFamily="34" charset="0"/>
-            </a:endParaRPr>
-          </a:p>
-        </p:txBody>
-      </p:sp>
-      <p:sp>
-        <p:nvSpPr>
-          <p:cNvPr id="6" name="CuadroTexto 5">
-            <a:extLst>
-              <a:ext uri="{FF2B5EF4-FFF2-40B4-BE49-F238E27FC236}">
-                <a16:creationId xmlns:a16="http://schemas.microsoft.com/office/drawing/2014/main" id="{B2EFE22E-A8EF-683D-61A7-5B18AC3BBFEF}"/>
-              </a:ext>
-            </a:extLst>
-          </p:cNvPr>
-          <p:cNvSpPr txBox="1"/>
-          <p:nvPr/>
-        </p:nvSpPr>
-        <p:spPr>
-          <a:xfrm>
-            <a:off x="472607" y="4919008"/>
-            <a:ext cx="11498999" cy="1938992"/>
-          </a:xfrm>
-          <a:prstGeom prst="rect">
-            <a:avLst/>
-          </a:prstGeom>
-          <a:noFill/>
-        </p:spPr>
-        <p:txBody>
-          <a:bodyPr wrap="square">
-            <a:spAutoFit/>
-          </a:bodyPr>
-          <a:lstStyle/>
-          <a:p>
-            <a:pPr marL="514350" indent="-514350">
-              <a:buFont typeface="+mj-lt"/>
-              <a:buAutoNum type="romanUcPeriod" startAt="3"/>
-            </a:pPr>
-            <a:r>
-              <a:rPr lang="es-ES" sz="2000" b="0" i="0" dirty="0">
-                <a:solidFill>
-                  <a:schemeClr val="tx1">
-                    <a:lumMod val="95000"/>
-                  </a:schemeClr>
-                </a:solidFill>
-                <a:effectLst/>
-                <a:latin typeface="Lato" panose="020F0502020204030203" pitchFamily="34" charset="0"/>
-              </a:rPr>
-              <a:t>Dealer (2024) ratifique que la actividad del lado de la oferta muestra que muchos grandes proveedores entraron en 2023 con una perspectiva cautelosa, pero el consenso es que </a:t>
-            </a:r>
-            <a:r>
-              <a:rPr lang="es-ES" sz="2000" b="1" i="0" u="none" strike="noStrike" dirty="0">
-                <a:solidFill>
-                  <a:schemeClr val="tx1">
-                    <a:lumMod val="95000"/>
-                  </a:schemeClr>
-                </a:solidFill>
-                <a:effectLst/>
-                <a:latin typeface="Lato" panose="020F0502020204030203" pitchFamily="34" charset="0"/>
-                <a:hlinkClick r:id="rId4">
-                  <a:extLst>
-                    <a:ext uri="{A12FA001-AC4F-418D-AE19-62706E023703}">
-                      <ahyp:hlinkClr xmlns:ahyp="http://schemas.microsoft.com/office/drawing/2018/hyperlinkcolor" val="tx"/>
-                    </a:ext>
-                  </a:extLst>
-                </a:hlinkClick>
-              </a:rPr>
-              <a:t>partes del mercado de PC podrían volver a crecer a finales de 2023</a:t>
-            </a:r>
-            <a:r>
-              <a:rPr lang="es-ES" sz="2000" b="1" i="0" dirty="0">
-                <a:solidFill>
-                  <a:schemeClr val="tx1">
-                    <a:lumMod val="95000"/>
-                  </a:schemeClr>
-                </a:solidFill>
-                <a:effectLst/>
-                <a:latin typeface="Lato" panose="020F0502020204030203" pitchFamily="34" charset="0"/>
-              </a:rPr>
-              <a:t> y que el mercado general le seguiría en 2024.</a:t>
-            </a:r>
-            <a:r>
-              <a:rPr lang="es-ES" sz="2000" b="0" i="0" dirty="0">
-                <a:solidFill>
-                  <a:schemeClr val="tx1">
-                    <a:lumMod val="95000"/>
-                  </a:schemeClr>
-                </a:solidFill>
-                <a:effectLst/>
-                <a:latin typeface="Lato" panose="020F0502020204030203" pitchFamily="34" charset="0"/>
-              </a:rPr>
-              <a:t> El segmento comercial tiene varios impulsores hacia el crecimiento, incluido el próximo final del soporte para Windows 10 y un ciclo de actualización de construcción, mientras que el mercado de consumo sigue siendo un comodín para 2023 y más allá.</a:t>
-            </a:r>
-            <a:endParaRPr lang="es-PE" sz="2000" dirty="0">
-              <a:solidFill>
-                <a:schemeClr val="tx1">
-                  <a:lumMod val="95000"/>
-                </a:schemeClr>
-              </a:solidFill>
-            </a:endParaRPr>
-          </a:p>
-        </p:txBody>
-      </p:sp>
-    </p:spTree>
-    <p:extLst>
-      <p:ext uri="{BB962C8B-B14F-4D97-AF65-F5344CB8AC3E}">
-        <p14:creationId xmlns:p14="http://schemas.microsoft.com/office/powerpoint/2010/main" val="2995494806"/>
-      </p:ext>
-    </p:extLst>
-  </p:cSld>
-  <p:clrMapOvr>
-    <a:masterClrMapping/>
-  </p:clrMapOvr>
-</p:sld>
-</file>
-
-<file path=ppt/slides/slide20.xml><?xml version="1.0" encoding="utf-8"?>
+<file path=ppt/slides/slide22.xml><?xml version="1.0" encoding="utf-8"?>
 <p:sld xmlns:a="http://schemas.openxmlformats.org/drawingml/2006/main" xmlns:r="http://schemas.openxmlformats.org/officeDocument/2006/relationships" xmlns:p="http://schemas.openxmlformats.org/presentationml/2006/main">
   <p:cSld>
     <p:spTree>
@@ -8757,7 +9090,7 @@
 </p:sld>
 </file>
 
-<file path=ppt/slides/slide21.xml><?xml version="1.0" encoding="utf-8"?>
+<file path=ppt/slides/slide23.xml><?xml version="1.0" encoding="utf-8"?>
 <p:sld xmlns:a="http://schemas.openxmlformats.org/drawingml/2006/main" xmlns:r="http://schemas.openxmlformats.org/officeDocument/2006/relationships" xmlns:p="http://schemas.openxmlformats.org/presentationml/2006/main">
   <p:cSld>
     <p:spTree>
@@ -8822,10 +9155,10 @@
       </p:sp>
       <p:grpSp>
         <p:nvGrpSpPr>
-          <p:cNvPr id="9" name="Grupo 8">
+          <p:cNvPr id="5" name="Grupo 4">
             <a:extLst>
               <a:ext uri="{FF2B5EF4-FFF2-40B4-BE49-F238E27FC236}">
-                <a16:creationId xmlns:a16="http://schemas.microsoft.com/office/drawing/2014/main" id="{D239A27E-6827-1B10-9AAE-BB1C6538C97F}"/>
+                <a16:creationId xmlns:a16="http://schemas.microsoft.com/office/drawing/2014/main" id="{A0614E8E-E4B6-33F3-D71F-2221CB37B6A0}"/>
               </a:ext>
             </a:extLst>
           </p:cNvPr>
@@ -8885,10 +9218,10 @@
         </p:sp>
         <p:pic>
           <p:nvPicPr>
-            <p:cNvPr id="8" name="Imagen 7">
+            <p:cNvPr id="4" name="Imagen 3">
               <a:extLst>
                 <a:ext uri="{FF2B5EF4-FFF2-40B4-BE49-F238E27FC236}">
-                  <a16:creationId xmlns:a16="http://schemas.microsoft.com/office/drawing/2014/main" id="{E2F40C9E-F00C-3444-AFEB-6C71BEFB076D}"/>
+                  <a16:creationId xmlns:a16="http://schemas.microsoft.com/office/drawing/2014/main" id="{1A2C80CE-F215-0428-0DE2-B4EB60463CC5}"/>
                 </a:ext>
               </a:extLst>
             </p:cNvPr>
@@ -8911,8 +9244,8 @@
           </p:blipFill>
           <p:spPr>
             <a:xfrm>
-              <a:off x="1825090" y="1540864"/>
-              <a:ext cx="9018682" cy="5125726"/>
+              <a:off x="1783271" y="1521882"/>
+              <a:ext cx="9102319" cy="5163689"/>
             </a:xfrm>
             <a:prstGeom prst="rect">
               <a:avLst/>
@@ -8933,7 +9266,7 @@
 </p:sld>
 </file>
 
-<file path=ppt/slides/slide22.xml><?xml version="1.0" encoding="utf-8"?>
+<file path=ppt/slides/slide24.xml><?xml version="1.0" encoding="utf-8"?>
 <p:sld xmlns:a="http://schemas.openxmlformats.org/drawingml/2006/main" xmlns:r="http://schemas.openxmlformats.org/officeDocument/2006/relationships" xmlns:p="http://schemas.openxmlformats.org/presentationml/2006/main">
   <p:cSld>
     <p:spTree>
@@ -8998,10 +9331,10 @@
       </p:sp>
       <p:grpSp>
         <p:nvGrpSpPr>
-          <p:cNvPr id="4" name="Grupo 3">
+          <p:cNvPr id="8" name="Grupo 7">
             <a:extLst>
               <a:ext uri="{FF2B5EF4-FFF2-40B4-BE49-F238E27FC236}">
-                <a16:creationId xmlns:a16="http://schemas.microsoft.com/office/drawing/2014/main" id="{A15BBE55-5598-A378-FB46-799EB60C3D9F}"/>
+                <a16:creationId xmlns:a16="http://schemas.microsoft.com/office/drawing/2014/main" id="{8EA964DE-6434-1F01-31D1-9C1A57062202}"/>
               </a:ext>
             </a:extLst>
           </p:cNvPr>
@@ -9061,10 +9394,10 @@
         </p:sp>
         <p:pic>
           <p:nvPicPr>
-            <p:cNvPr id="5" name="Imagen 4">
+            <p:cNvPr id="7" name="Imagen 6">
               <a:extLst>
                 <a:ext uri="{FF2B5EF4-FFF2-40B4-BE49-F238E27FC236}">
-                  <a16:creationId xmlns:a16="http://schemas.microsoft.com/office/drawing/2014/main" id="{9BB81C5D-4125-6105-1D31-7EB49940F461}"/>
+                  <a16:creationId xmlns:a16="http://schemas.microsoft.com/office/drawing/2014/main" id="{07A8BF6F-E54C-05D0-4F26-B95A75ACB415}"/>
                 </a:ext>
               </a:extLst>
             </p:cNvPr>
@@ -9087,8 +9420,8 @@
           </p:blipFill>
           <p:spPr>
             <a:xfrm>
-              <a:off x="1821895" y="1554672"/>
-              <a:ext cx="8957187" cy="5098110"/>
+              <a:off x="1824515" y="1584984"/>
+              <a:ext cx="9019831" cy="5037485"/>
             </a:xfrm>
             <a:prstGeom prst="rect">
               <a:avLst/>
@@ -9109,7 +9442,7 @@
 </p:sld>
 </file>
 
-<file path=ppt/slides/slide23.xml><?xml version="1.0" encoding="utf-8"?>
+<file path=ppt/slides/slide25.xml><?xml version="1.0" encoding="utf-8"?>
 <p:sld xmlns:a="http://schemas.openxmlformats.org/drawingml/2006/main" xmlns:r="http://schemas.openxmlformats.org/officeDocument/2006/relationships" xmlns:p="http://schemas.openxmlformats.org/presentationml/2006/main">
   <p:cSld>
     <p:spTree>
@@ -9174,10 +9507,10 @@
       </p:sp>
       <p:grpSp>
         <p:nvGrpSpPr>
-          <p:cNvPr id="6" name="Grupo 5">
+          <p:cNvPr id="8" name="Grupo 7">
             <a:extLst>
               <a:ext uri="{FF2B5EF4-FFF2-40B4-BE49-F238E27FC236}">
-                <a16:creationId xmlns:a16="http://schemas.microsoft.com/office/drawing/2014/main" id="{6F9A19FD-D6EA-BCD4-B46C-7AC0042D6283}"/>
+                <a16:creationId xmlns:a16="http://schemas.microsoft.com/office/drawing/2014/main" id="{5C58E8A2-BA8E-2EC9-B77F-034678D01D3A}"/>
               </a:ext>
             </a:extLst>
           </p:cNvPr>
@@ -9237,10 +9570,10 @@
         </p:sp>
         <p:pic>
           <p:nvPicPr>
-            <p:cNvPr id="5" name="Imagen 4">
+            <p:cNvPr id="7" name="Imagen 6">
               <a:extLst>
                 <a:ext uri="{FF2B5EF4-FFF2-40B4-BE49-F238E27FC236}">
-                  <a16:creationId xmlns:a16="http://schemas.microsoft.com/office/drawing/2014/main" id="{D4AC5B48-5C49-2E62-E3F5-2469DC9C9406}"/>
+                  <a16:creationId xmlns:a16="http://schemas.microsoft.com/office/drawing/2014/main" id="{35DBBCD3-1717-5016-5888-4143FB28200A}"/>
                 </a:ext>
               </a:extLst>
             </p:cNvPr>
@@ -9263,8 +9596,8 @@
           </p:blipFill>
           <p:spPr>
             <a:xfrm>
-              <a:off x="1810122" y="1526796"/>
-              <a:ext cx="9048617" cy="5153862"/>
+              <a:off x="1885487" y="1574378"/>
+              <a:ext cx="8897887" cy="5058697"/>
             </a:xfrm>
             <a:prstGeom prst="rect">
               <a:avLst/>
@@ -9285,7 +9618,7 @@
 </p:sld>
 </file>
 
-<file path=ppt/slides/slide24.xml><?xml version="1.0" encoding="utf-8"?>
+<file path=ppt/slides/slide26.xml><?xml version="1.0" encoding="utf-8"?>
 <p:sld xmlns:a="http://schemas.openxmlformats.org/drawingml/2006/main" xmlns:r="http://schemas.openxmlformats.org/officeDocument/2006/relationships" xmlns:p="http://schemas.openxmlformats.org/presentationml/2006/main">
   <p:cSld>
     <p:spTree>
@@ -9350,10 +9683,10 @@
       </p:sp>
       <p:grpSp>
         <p:nvGrpSpPr>
-          <p:cNvPr id="6" name="Grupo 5">
+          <p:cNvPr id="8" name="Grupo 7">
             <a:extLst>
               <a:ext uri="{FF2B5EF4-FFF2-40B4-BE49-F238E27FC236}">
-                <a16:creationId xmlns:a16="http://schemas.microsoft.com/office/drawing/2014/main" id="{A0E2A2DB-53AB-9F85-5B36-3D660E5E1DDB}"/>
+                <a16:creationId xmlns:a16="http://schemas.microsoft.com/office/drawing/2014/main" id="{AD010316-9260-6DBE-05C7-84E3CC120808}"/>
               </a:ext>
             </a:extLst>
           </p:cNvPr>
@@ -9413,10 +9746,10 @@
         </p:sp>
         <p:pic>
           <p:nvPicPr>
-            <p:cNvPr id="5" name="Imagen 4">
+            <p:cNvPr id="7" name="Imagen 6">
               <a:extLst>
                 <a:ext uri="{FF2B5EF4-FFF2-40B4-BE49-F238E27FC236}">
-                  <a16:creationId xmlns:a16="http://schemas.microsoft.com/office/drawing/2014/main" id="{F978AC45-BDFF-5A45-2529-34043D677B2C}"/>
+                  <a16:creationId xmlns:a16="http://schemas.microsoft.com/office/drawing/2014/main" id="{C307E93E-51AB-9114-A930-056EDB08941B}"/>
                 </a:ext>
               </a:extLst>
             </p:cNvPr>
@@ -9439,8 +9772,8 @@
           </p:blipFill>
           <p:spPr>
             <a:xfrm>
-              <a:off x="1876283" y="1568135"/>
-              <a:ext cx="8916296" cy="5071183"/>
+              <a:off x="1836812" y="1552256"/>
+              <a:ext cx="8995237" cy="5102942"/>
             </a:xfrm>
             <a:prstGeom prst="rect">
               <a:avLst/>
@@ -9461,7 +9794,7 @@
 </p:sld>
 </file>
 
-<file path=ppt/slides/slide25.xml><?xml version="1.0" encoding="utf-8"?>
+<file path=ppt/slides/slide27.xml><?xml version="1.0" encoding="utf-8"?>
 <p:sld xmlns:a="http://schemas.openxmlformats.org/drawingml/2006/main" xmlns:r="http://schemas.openxmlformats.org/officeDocument/2006/relationships" xmlns:p="http://schemas.openxmlformats.org/presentationml/2006/main">
   <p:cSld>
     <p:spTree>
@@ -9637,7 +9970,7 @@
 </p:sld>
 </file>
 
-<file path=ppt/slides/slide26.xml><?xml version="1.0" encoding="utf-8"?>
+<file path=ppt/slides/slide28.xml><?xml version="1.0" encoding="utf-8"?>
 <p:sld xmlns:a="http://schemas.openxmlformats.org/drawingml/2006/main" xmlns:r="http://schemas.openxmlformats.org/officeDocument/2006/relationships" xmlns:p="http://schemas.openxmlformats.org/presentationml/2006/main">
   <p:cSld>
     <p:spTree>
@@ -9813,7 +10146,7 @@
 </p:sld>
 </file>
 
-<file path=ppt/slides/slide27.xml><?xml version="1.0" encoding="utf-8"?>
+<file path=ppt/slides/slide29.xml><?xml version="1.0" encoding="utf-8"?>
 <p:sld xmlns:a="http://schemas.openxmlformats.org/drawingml/2006/main" xmlns:r="http://schemas.openxmlformats.org/officeDocument/2006/relationships" xmlns:p="http://schemas.openxmlformats.org/presentationml/2006/main">
   <p:cSld>
     <p:spTree>
@@ -9989,7 +10322,275 @@
 </p:sld>
 </file>
 
-<file path=ppt/slides/slide28.xml><?xml version="1.0" encoding="utf-8"?>
+<file path=ppt/slides/slide3.xml><?xml version="1.0" encoding="utf-8"?>
+<p:sld xmlns:a="http://schemas.openxmlformats.org/drawingml/2006/main" xmlns:r="http://schemas.openxmlformats.org/officeDocument/2006/relationships" xmlns:p="http://schemas.openxmlformats.org/presentationml/2006/main">
+  <p:cSld>
+    <p:spTree>
+      <p:nvGrpSpPr>
+        <p:cNvPr id="1" name=""/>
+        <p:cNvGrpSpPr/>
+        <p:nvPr/>
+      </p:nvGrpSpPr>
+      <p:grpSpPr>
+        <a:xfrm>
+          <a:off x="0" y="0"/>
+          <a:ext cx="0" cy="0"/>
+          <a:chOff x="0" y="0"/>
+          <a:chExt cx="0" cy="0"/>
+        </a:xfrm>
+      </p:grpSpPr>
+      <p:sp>
+        <p:nvSpPr>
+          <p:cNvPr id="2" name="Rectángulo 1">
+            <a:extLst>
+              <a:ext uri="{FF2B5EF4-FFF2-40B4-BE49-F238E27FC236}">
+                <a16:creationId xmlns:a16="http://schemas.microsoft.com/office/drawing/2014/main" id="{25A4A2EC-CD22-3242-666A-7F00DBD995D5}"/>
+              </a:ext>
+            </a:extLst>
+          </p:cNvPr>
+          <p:cNvSpPr/>
+          <p:nvPr/>
+        </p:nvSpPr>
+        <p:spPr>
+          <a:xfrm>
+            <a:off x="4335956" y="402444"/>
+            <a:ext cx="4262354" cy="646331"/>
+          </a:xfrm>
+          <a:prstGeom prst="rect">
+            <a:avLst/>
+          </a:prstGeom>
+        </p:spPr>
+        <p:style>
+          <a:lnRef idx="3">
+            <a:schemeClr val="lt1"/>
+          </a:lnRef>
+          <a:fillRef idx="1">
+            <a:schemeClr val="dk1"/>
+          </a:fillRef>
+          <a:effectRef idx="1">
+            <a:schemeClr val="dk1"/>
+          </a:effectRef>
+          <a:fontRef idx="minor">
+            <a:schemeClr val="lt1"/>
+          </a:fontRef>
+        </p:style>
+        <p:txBody>
+          <a:bodyPr rtlCol="0" anchor="ctr"/>
+          <a:lstStyle/>
+          <a:p>
+            <a:r>
+              <a:rPr lang="es-PE" sz="3600" b="1" dirty="0"/>
+              <a:t>CASO ELEGIDO</a:t>
+            </a:r>
+          </a:p>
+        </p:txBody>
+      </p:sp>
+      <p:sp>
+        <p:nvSpPr>
+          <p:cNvPr id="3" name="CuadroTexto 2">
+            <a:extLst>
+              <a:ext uri="{FF2B5EF4-FFF2-40B4-BE49-F238E27FC236}">
+                <a16:creationId xmlns:a16="http://schemas.microsoft.com/office/drawing/2014/main" id="{B36A4BD5-3E61-B7B6-C4D5-14C3EF9B1C49}"/>
+              </a:ext>
+            </a:extLst>
+          </p:cNvPr>
+          <p:cNvSpPr txBox="1"/>
+          <p:nvPr/>
+        </p:nvSpPr>
+        <p:spPr>
+          <a:xfrm>
+            <a:off x="590646" y="1382286"/>
+            <a:ext cx="11010707" cy="4093428"/>
+          </a:xfrm>
+          <a:prstGeom prst="rect">
+            <a:avLst/>
+          </a:prstGeom>
+          <a:noFill/>
+        </p:spPr>
+        <p:txBody>
+          <a:bodyPr wrap="square" rtlCol="0">
+            <a:spAutoFit/>
+          </a:bodyPr>
+          <a:lstStyle/>
+          <a:p>
+            <a:pPr marL="457200" indent="-457200">
+              <a:buFont typeface="+mj-lt"/>
+              <a:buAutoNum type="alphaLcParenR"/>
+            </a:pPr>
+            <a:r>
+              <a:rPr lang="es-ES" sz="2000" dirty="0">
+                <a:solidFill>
+                  <a:schemeClr val="tx1">
+                    <a:lumMod val="95000"/>
+                  </a:schemeClr>
+                </a:solidFill>
+              </a:rPr>
+              <a:t>El presente caso se tomará conocer el comportamiento de la demanda de laptop, toda vez que  según </a:t>
+            </a:r>
+            <a:r>
+              <a:rPr lang="es-ES" sz="2000" dirty="0" err="1">
+                <a:solidFill>
+                  <a:schemeClr val="tx1">
+                    <a:lumMod val="95000"/>
+                  </a:schemeClr>
+                </a:solidFill>
+              </a:rPr>
+              <a:t>Deperu</a:t>
+            </a:r>
+            <a:r>
+              <a:rPr lang="es-ES" sz="2000" dirty="0">
+                <a:solidFill>
+                  <a:schemeClr val="tx1">
+                    <a:lumMod val="95000"/>
+                  </a:schemeClr>
+                </a:solidFill>
+              </a:rPr>
+              <a:t> (2024) </a:t>
+            </a:r>
+            <a:r>
+              <a:rPr lang="es-ES" sz="2000" b="0" i="0" dirty="0">
+                <a:solidFill>
+                  <a:schemeClr val="tx1">
+                    <a:lumMod val="95000"/>
+                  </a:schemeClr>
+                </a:solidFill>
+                <a:effectLst/>
+                <a:latin typeface="rubik"/>
+              </a:rPr>
+              <a:t>Se pronostica que en el 2024 las ventas de PC y tabletas se retomarán, a pesar del actual declive. Este panorama surge de un estudio llevado a cabo por IDC, una de las principales consultoras internacionales, que establece que la comercialización de esos dispositivos bajará casi 13% durante el pasado año 2022, hasta quedarse en unos 305 millones de unidades vendidas</a:t>
+            </a:r>
+            <a:r>
+              <a:rPr lang="es-ES" sz="2000" dirty="0">
+                <a:solidFill>
+                  <a:schemeClr val="tx1">
+                    <a:lumMod val="95000"/>
+                  </a:schemeClr>
+                </a:solidFill>
+              </a:rPr>
+              <a:t> </a:t>
+            </a:r>
+          </a:p>
+          <a:p>
+            <a:pPr marL="457200" indent="-457200">
+              <a:buFont typeface="+mj-lt"/>
+              <a:buAutoNum type="alphaLcParenR"/>
+            </a:pPr>
+            <a:r>
+              <a:rPr lang="es-ES" sz="2000" b="0" i="0" dirty="0">
+                <a:solidFill>
+                  <a:schemeClr val="tx1">
+                    <a:lumMod val="95000"/>
+                  </a:schemeClr>
+                </a:solidFill>
+                <a:effectLst/>
+                <a:latin typeface="rubik"/>
+              </a:rPr>
+              <a:t>En cualquier caso, se espera que el mercado conjunto de computadoras y </a:t>
+            </a:r>
+            <a:r>
+              <a:rPr lang="es-ES" sz="2000" b="0" i="0" dirty="0" err="1">
+                <a:solidFill>
+                  <a:schemeClr val="tx1">
+                    <a:lumMod val="95000"/>
+                  </a:schemeClr>
+                </a:solidFill>
+                <a:effectLst/>
+                <a:latin typeface="rubik"/>
+              </a:rPr>
+              <a:t>tablets</a:t>
+            </a:r>
+            <a:r>
+              <a:rPr lang="es-ES" sz="2000" b="0" i="0" dirty="0">
+                <a:solidFill>
+                  <a:schemeClr val="tx1">
+                    <a:lumMod val="95000"/>
+                  </a:schemeClr>
+                </a:solidFill>
+                <a:effectLst/>
+                <a:latin typeface="rubik"/>
+              </a:rPr>
+              <a:t> se reduzca cerca de un 2,5% en 2023 antes de volver a crecer en 2024, según el citado estudio. Y las causas de la baja se atribuyen </a:t>
+            </a:r>
+            <a:r>
+              <a:rPr lang="es-ES" sz="2000" b="1" i="0" dirty="0">
+                <a:solidFill>
+                  <a:schemeClr val="tx1">
+                    <a:lumMod val="95000"/>
+                  </a:schemeClr>
+                </a:solidFill>
+                <a:effectLst/>
+                <a:latin typeface="rubik"/>
+              </a:rPr>
+              <a:t>a la creciente inflación, a la baja en la economía mundial y el alza de las compras durante los últimos años como consecuencia de la pandemia por coronavirus</a:t>
+            </a:r>
+            <a:r>
+              <a:rPr lang="es-ES" sz="2000" b="0" i="0" dirty="0">
+                <a:solidFill>
+                  <a:schemeClr val="tx1">
+                    <a:lumMod val="95000"/>
+                  </a:schemeClr>
+                </a:solidFill>
+                <a:effectLst/>
+                <a:latin typeface="rubik"/>
+              </a:rPr>
+              <a:t>.</a:t>
+            </a:r>
+            <a:endParaRPr lang="es-ES" sz="2000" dirty="0">
+              <a:solidFill>
+                <a:schemeClr val="tx1">
+                  <a:lumMod val="95000"/>
+                </a:schemeClr>
+              </a:solidFill>
+            </a:endParaRPr>
+          </a:p>
+          <a:p>
+            <a:pPr marL="457200" indent="-457200">
+              <a:buFont typeface="+mj-lt"/>
+              <a:buAutoNum type="alphaLcParenR"/>
+            </a:pPr>
+            <a:r>
+              <a:rPr lang="es-ES" sz="2000" dirty="0">
+                <a:solidFill>
+                  <a:schemeClr val="tx1">
+                    <a:lumMod val="95000"/>
+                  </a:schemeClr>
+                </a:solidFill>
+              </a:rPr>
+              <a:t>Con la finalidad de conocer si sigue siendo rentable este negocio o considerar el panorama que afrontara el mercado</a:t>
+            </a:r>
+          </a:p>
+          <a:p>
+            <a:pPr marL="457200" indent="-457200">
+              <a:buFont typeface="+mj-lt"/>
+              <a:buAutoNum type="alphaLcParenR"/>
+            </a:pPr>
+            <a:r>
+              <a:rPr lang="es-ES" sz="2000" dirty="0">
+                <a:solidFill>
+                  <a:schemeClr val="tx1">
+                    <a:lumMod val="95000"/>
+                  </a:schemeClr>
+                </a:solidFill>
+              </a:rPr>
+              <a:t>El término de la pandemia a sido un efecto nada alentador a este mercado</a:t>
+            </a:r>
+          </a:p>
+        </p:txBody>
+      </p:sp>
+    </p:spTree>
+    <p:extLst>
+      <p:ext uri="{BB962C8B-B14F-4D97-AF65-F5344CB8AC3E}">
+        <p14:creationId xmlns:p14="http://schemas.microsoft.com/office/powerpoint/2010/main" val="908387511"/>
+      </p:ext>
+    </p:extLst>
+  </p:cSld>
+  <p:clrMapOvr>
+    <a:masterClrMapping/>
+  </p:clrMapOvr>
+</p:sld>
+</file>
+
+<file path=ppt/slides/slide30.xml><?xml version="1.0" encoding="utf-8"?>
 <p:sld xmlns:a="http://schemas.openxmlformats.org/drawingml/2006/main" xmlns:r="http://schemas.openxmlformats.org/officeDocument/2006/relationships" xmlns:p="http://schemas.openxmlformats.org/presentationml/2006/main">
   <p:cSld>
     <p:spTree>
@@ -10165,7 +10766,7 @@
 </p:sld>
 </file>
 
-<file path=ppt/slides/slide29.xml><?xml version="1.0" encoding="utf-8"?>
+<file path=ppt/slides/slide31.xml><?xml version="1.0" encoding="utf-8"?>
 <p:sld xmlns:a="http://schemas.openxmlformats.org/drawingml/2006/main" xmlns:r="http://schemas.openxmlformats.org/officeDocument/2006/relationships" xmlns:p="http://schemas.openxmlformats.org/presentationml/2006/main">
   <p:cSld>
     <p:spTree>
@@ -10228,142 +10829,12 @@
           </a:p>
         </p:txBody>
       </p:sp>
-      <p:grpSp>
-        <p:nvGrpSpPr>
-          <p:cNvPr id="6" name="Grupo 5">
+      <p:sp>
+        <p:nvSpPr>
+          <p:cNvPr id="5" name="Rectángulo 4">
             <a:extLst>
               <a:ext uri="{FF2B5EF4-FFF2-40B4-BE49-F238E27FC236}">
-                <a16:creationId xmlns:a16="http://schemas.microsoft.com/office/drawing/2014/main" id="{16C12850-2E61-474D-FCAD-BE1EF372AAFB}"/>
-              </a:ext>
-            </a:extLst>
-          </p:cNvPr>
-          <p:cNvGrpSpPr/>
-          <p:nvPr/>
-        </p:nvGrpSpPr>
-        <p:grpSpPr>
-          <a:xfrm>
-            <a:off x="1519084" y="1194619"/>
-            <a:ext cx="9158747" cy="5530645"/>
-            <a:chOff x="1519084" y="1194619"/>
-            <a:chExt cx="9158747" cy="5530645"/>
-          </a:xfrm>
-        </p:grpSpPr>
-        <p:sp>
-          <p:nvSpPr>
-            <p:cNvPr id="5" name="Rectángulo 4">
-              <a:extLst>
-                <a:ext uri="{FF2B5EF4-FFF2-40B4-BE49-F238E27FC236}">
-                  <a16:creationId xmlns:a16="http://schemas.microsoft.com/office/drawing/2014/main" id="{1EEAAA0A-C19A-F5E2-3951-D5EE9E0BC07E}"/>
-                </a:ext>
-              </a:extLst>
-            </p:cNvPr>
-            <p:cNvSpPr/>
-            <p:nvPr/>
-          </p:nvSpPr>
-          <p:spPr>
-            <a:xfrm>
-              <a:off x="1519084" y="1194619"/>
-              <a:ext cx="9158747" cy="5530645"/>
-            </a:xfrm>
-            <a:prstGeom prst="rect">
-              <a:avLst/>
-            </a:prstGeom>
-          </p:spPr>
-          <p:style>
-            <a:lnRef idx="3">
-              <a:schemeClr val="lt1"/>
-            </a:lnRef>
-            <a:fillRef idx="1">
-              <a:schemeClr val="dk1"/>
-            </a:fillRef>
-            <a:effectRef idx="1">
-              <a:schemeClr val="dk1"/>
-            </a:effectRef>
-            <a:fontRef idx="minor">
-              <a:schemeClr val="lt1"/>
-            </a:fontRef>
-          </p:style>
-          <p:txBody>
-            <a:bodyPr rtlCol="0" anchor="ctr"/>
-            <a:lstStyle/>
-            <a:p>
-              <a:endParaRPr lang="es-PE" sz="3600" b="1" dirty="0"/>
-            </a:p>
-          </p:txBody>
-        </p:sp>
-        <p:pic>
-          <p:nvPicPr>
-            <p:cNvPr id="4" name="Imagen 3">
-              <a:extLst>
-                <a:ext uri="{FF2B5EF4-FFF2-40B4-BE49-F238E27FC236}">
-                  <a16:creationId xmlns:a16="http://schemas.microsoft.com/office/drawing/2014/main" id="{AC9E3692-ED48-6025-19BD-5290B6A6ADCE}"/>
-                </a:ext>
-              </a:extLst>
-            </p:cNvPr>
-            <p:cNvPicPr>
-              <a:picLocks noChangeAspect="1"/>
-            </p:cNvPicPr>
-            <p:nvPr/>
-          </p:nvPicPr>
-          <p:blipFill>
-            <a:blip r:embed="rId2">
-              <a:extLst>
-                <a:ext uri="{28A0092B-C50C-407E-A947-70E740481C1C}">
-                  <a14:useLocalDpi xmlns:a14="http://schemas.microsoft.com/office/drawing/2010/main" val="0"/>
-                </a:ext>
-              </a:extLst>
-            </a:blip>
-            <a:stretch>
-              <a:fillRect/>
-            </a:stretch>
-          </p:blipFill>
-          <p:spPr>
-            <a:xfrm>
-              <a:off x="1667813" y="1371153"/>
-              <a:ext cx="8856373" cy="5106476"/>
-            </a:xfrm>
-            <a:prstGeom prst="rect">
-              <a:avLst/>
-            </a:prstGeom>
-          </p:spPr>
-        </p:pic>
-      </p:grpSp>
-    </p:spTree>
-    <p:extLst>
-      <p:ext uri="{BB962C8B-B14F-4D97-AF65-F5344CB8AC3E}">
-        <p14:creationId xmlns:p14="http://schemas.microsoft.com/office/powerpoint/2010/main" val="522244731"/>
-      </p:ext>
-    </p:extLst>
-  </p:cSld>
-  <p:clrMapOvr>
-    <a:masterClrMapping/>
-  </p:clrMapOvr>
-</p:sld>
-</file>
-
-<file path=ppt/slides/slide3.xml><?xml version="1.0" encoding="utf-8"?>
-<p:sld xmlns:a="http://schemas.openxmlformats.org/drawingml/2006/main" xmlns:r="http://schemas.openxmlformats.org/officeDocument/2006/relationships" xmlns:p="http://schemas.openxmlformats.org/presentationml/2006/main">
-  <p:cSld>
-    <p:spTree>
-      <p:nvGrpSpPr>
-        <p:cNvPr id="1" name=""/>
-        <p:cNvGrpSpPr/>
-        <p:nvPr/>
-      </p:nvGrpSpPr>
-      <p:grpSpPr>
-        <a:xfrm>
-          <a:off x="0" y="0"/>
-          <a:ext cx="0" cy="0"/>
-          <a:chOff x="0" y="0"/>
-          <a:chExt cx="0" cy="0"/>
-        </a:xfrm>
-      </p:grpSpPr>
-      <p:sp>
-        <p:nvSpPr>
-          <p:cNvPr id="2" name="Rectángulo 1">
-            <a:extLst>
-              <a:ext uri="{FF2B5EF4-FFF2-40B4-BE49-F238E27FC236}">
-                <a16:creationId xmlns:a16="http://schemas.microsoft.com/office/drawing/2014/main" id="{25A4A2EC-CD22-3242-666A-7F00DBD995D5}"/>
+                <a16:creationId xmlns:a16="http://schemas.microsoft.com/office/drawing/2014/main" id="{1EEAAA0A-C19A-F5E2-3951-D5EE9E0BC07E}"/>
               </a:ext>
             </a:extLst>
           </p:cNvPr>
@@ -10372,8 +10843,8 @@
         </p:nvSpPr>
         <p:spPr>
           <a:xfrm>
-            <a:off x="4335956" y="402444"/>
-            <a:ext cx="4262354" cy="646331"/>
+            <a:off x="1519084" y="1194619"/>
+            <a:ext cx="9158747" cy="5530645"/>
           </a:xfrm>
           <a:prstGeom prst="rect">
             <a:avLst/>
@@ -10397,209 +10868,50 @@
           <a:bodyPr rtlCol="0" anchor="ctr"/>
           <a:lstStyle/>
           <a:p>
-            <a:r>
-              <a:rPr lang="es-PE" sz="3600" b="1" dirty="0"/>
-              <a:t>CASO ELEGIDO</a:t>
-            </a:r>
-          </a:p>
-        </p:txBody>
-      </p:sp>
-      <p:sp>
-        <p:nvSpPr>
-          <p:cNvPr id="3" name="CuadroTexto 2">
+            <a:endParaRPr lang="es-PE" sz="3600" b="1" dirty="0"/>
+          </a:p>
+        </p:txBody>
+      </p:sp>
+      <p:pic>
+        <p:nvPicPr>
+          <p:cNvPr id="7" name="Imagen 6">
             <a:extLst>
               <a:ext uri="{FF2B5EF4-FFF2-40B4-BE49-F238E27FC236}">
-                <a16:creationId xmlns:a16="http://schemas.microsoft.com/office/drawing/2014/main" id="{B36A4BD5-3E61-B7B6-C4D5-14C3EF9B1C49}"/>
+                <a16:creationId xmlns:a16="http://schemas.microsoft.com/office/drawing/2014/main" id="{EAC43BB1-59C5-0856-1AEC-AC03F4068A0C}"/>
               </a:ext>
             </a:extLst>
           </p:cNvPr>
-          <p:cNvSpPr txBox="1"/>
+          <p:cNvPicPr>
+            <a:picLocks noChangeAspect="1"/>
+          </p:cNvPicPr>
           <p:nvPr/>
-        </p:nvSpPr>
+        </p:nvPicPr>
+        <p:blipFill>
+          <a:blip r:embed="rId2">
+            <a:extLst>
+              <a:ext uri="{28A0092B-C50C-407E-A947-70E740481C1C}">
+                <a14:useLocalDpi xmlns:a14="http://schemas.microsoft.com/office/drawing/2010/main" val="0"/>
+              </a:ext>
+            </a:extLst>
+          </a:blip>
+          <a:stretch>
+            <a:fillRect/>
+          </a:stretch>
+        </p:blipFill>
         <p:spPr>
           <a:xfrm>
-            <a:off x="590646" y="1382286"/>
-            <a:ext cx="11010707" cy="4093428"/>
+            <a:off x="1708859" y="1418486"/>
+            <a:ext cx="8774282" cy="5059143"/>
           </a:xfrm>
           <a:prstGeom prst="rect">
             <a:avLst/>
           </a:prstGeom>
-          <a:noFill/>
         </p:spPr>
-        <p:txBody>
-          <a:bodyPr wrap="square" rtlCol="0">
-            <a:spAutoFit/>
-          </a:bodyPr>
-          <a:lstStyle/>
-          <a:p>
-            <a:pPr marL="457200" indent="-457200">
-              <a:buFont typeface="+mj-lt"/>
-              <a:buAutoNum type="alphaLcParenR"/>
-            </a:pPr>
-            <a:r>
-              <a:rPr lang="es-ES" sz="2000" dirty="0">
-                <a:solidFill>
-                  <a:schemeClr val="tx1">
-                    <a:lumMod val="95000"/>
-                  </a:schemeClr>
-                </a:solidFill>
-              </a:rPr>
-              <a:t>El presente caso se tomará conocer el comportamiento de la demanda de laptop, toda vez que  según </a:t>
-            </a:r>
-            <a:r>
-              <a:rPr lang="es-ES" sz="2000" dirty="0" err="1">
-                <a:solidFill>
-                  <a:schemeClr val="tx1">
-                    <a:lumMod val="95000"/>
-                  </a:schemeClr>
-                </a:solidFill>
-              </a:rPr>
-              <a:t>Deperu</a:t>
-            </a:r>
-            <a:r>
-              <a:rPr lang="es-ES" sz="2000" dirty="0">
-                <a:solidFill>
-                  <a:schemeClr val="tx1">
-                    <a:lumMod val="95000"/>
-                  </a:schemeClr>
-                </a:solidFill>
-              </a:rPr>
-              <a:t> (2024) </a:t>
-            </a:r>
-            <a:r>
-              <a:rPr lang="es-ES" sz="2000" b="0" i="0" dirty="0">
-                <a:solidFill>
-                  <a:schemeClr val="tx1">
-                    <a:lumMod val="95000"/>
-                  </a:schemeClr>
-                </a:solidFill>
-                <a:effectLst/>
-                <a:latin typeface="rubik"/>
-              </a:rPr>
-              <a:t>Se pronostica que en el 2024 las ventas de PC y tabletas se retomarán, a pesar del actual declive. Este panorama surge de un estudio llevado a cabo por IDC, una de las principales consultoras internacionales, que establece que la comercialización de esos dispositivos bajará casi 13% durante el pasado año 2022, hasta quedarse en unos 305 millones de unidades vendidas</a:t>
-            </a:r>
-            <a:r>
-              <a:rPr lang="es-ES" sz="2000" dirty="0">
-                <a:solidFill>
-                  <a:schemeClr val="tx1">
-                    <a:lumMod val="95000"/>
-                  </a:schemeClr>
-                </a:solidFill>
-              </a:rPr>
-              <a:t> </a:t>
-            </a:r>
-          </a:p>
-          <a:p>
-            <a:pPr marL="457200" indent="-457200">
-              <a:buFont typeface="+mj-lt"/>
-              <a:buAutoNum type="alphaLcParenR"/>
-            </a:pPr>
-            <a:r>
-              <a:rPr lang="es-ES" sz="2000" b="0" i="0" dirty="0">
-                <a:solidFill>
-                  <a:schemeClr val="tx1">
-                    <a:lumMod val="95000"/>
-                  </a:schemeClr>
-                </a:solidFill>
-                <a:effectLst/>
-                <a:latin typeface="rubik"/>
-              </a:rPr>
-              <a:t>En cualquier caso, se espera que el mercado conjunto de computadoras y </a:t>
-            </a:r>
-            <a:r>
-              <a:rPr lang="es-ES" sz="2000" b="0" i="0" dirty="0" err="1">
-                <a:solidFill>
-                  <a:schemeClr val="tx1">
-                    <a:lumMod val="95000"/>
-                  </a:schemeClr>
-                </a:solidFill>
-                <a:effectLst/>
-                <a:latin typeface="rubik"/>
-              </a:rPr>
-              <a:t>tablets</a:t>
-            </a:r>
-            <a:r>
-              <a:rPr lang="es-ES" sz="2000" b="0" i="0" dirty="0">
-                <a:solidFill>
-                  <a:schemeClr val="tx1">
-                    <a:lumMod val="95000"/>
-                  </a:schemeClr>
-                </a:solidFill>
-                <a:effectLst/>
-                <a:latin typeface="rubik"/>
-              </a:rPr>
-              <a:t> se reduzca cerca de un 2,5% en 2023 antes de volver a crecer en 2024, según el citado estudio. Y las causas de la baja se atribuyen </a:t>
-            </a:r>
-            <a:r>
-              <a:rPr lang="es-ES" sz="2000" b="1" i="0" dirty="0">
-                <a:solidFill>
-                  <a:schemeClr val="tx1">
-                    <a:lumMod val="95000"/>
-                  </a:schemeClr>
-                </a:solidFill>
-                <a:effectLst/>
-                <a:latin typeface="rubik"/>
-              </a:rPr>
-              <a:t>a la creciente inflación, a la baja en la economía mundial y el alza de las compras durante los últimos años como consecuencia de la pandemia por coronavirus</a:t>
-            </a:r>
-            <a:r>
-              <a:rPr lang="es-ES" sz="2000" b="0" i="0" dirty="0">
-                <a:solidFill>
-                  <a:schemeClr val="tx1">
-                    <a:lumMod val="95000"/>
-                  </a:schemeClr>
-                </a:solidFill>
-                <a:effectLst/>
-                <a:latin typeface="rubik"/>
-              </a:rPr>
-              <a:t>.</a:t>
-            </a:r>
-            <a:endParaRPr lang="es-ES" sz="2000" dirty="0">
-              <a:solidFill>
-                <a:schemeClr val="tx1">
-                  <a:lumMod val="95000"/>
-                </a:schemeClr>
-              </a:solidFill>
-            </a:endParaRPr>
-          </a:p>
-          <a:p>
-            <a:pPr marL="457200" indent="-457200">
-              <a:buFont typeface="+mj-lt"/>
-              <a:buAutoNum type="alphaLcParenR"/>
-            </a:pPr>
-            <a:r>
-              <a:rPr lang="es-ES" sz="2000" dirty="0">
-                <a:solidFill>
-                  <a:schemeClr val="tx1">
-                    <a:lumMod val="95000"/>
-                  </a:schemeClr>
-                </a:solidFill>
-              </a:rPr>
-              <a:t>Con la finalidad de conocer si sigue siendo rentable este negocio o considerar el panorama que afrontara el mercado</a:t>
-            </a:r>
-          </a:p>
-          <a:p>
-            <a:pPr marL="457200" indent="-457200">
-              <a:buFont typeface="+mj-lt"/>
-              <a:buAutoNum type="alphaLcParenR"/>
-            </a:pPr>
-            <a:r>
-              <a:rPr lang="es-ES" sz="2000" dirty="0">
-                <a:solidFill>
-                  <a:schemeClr val="tx1">
-                    <a:lumMod val="95000"/>
-                  </a:schemeClr>
-                </a:solidFill>
-              </a:rPr>
-              <a:t>El término de la pandemia a sido un efecto nada alentador a este mercado</a:t>
-            </a:r>
-          </a:p>
-        </p:txBody>
-      </p:sp>
+      </p:pic>
     </p:spTree>
     <p:extLst>
       <p:ext uri="{BB962C8B-B14F-4D97-AF65-F5344CB8AC3E}">
-        <p14:creationId xmlns:p14="http://schemas.microsoft.com/office/powerpoint/2010/main" val="908387511"/>
+        <p14:creationId xmlns:p14="http://schemas.microsoft.com/office/powerpoint/2010/main" val="522244731"/>
       </p:ext>
     </p:extLst>
   </p:cSld>
@@ -10609,7 +10921,7 @@
 </p:sld>
 </file>
 
-<file path=ppt/slides/slide30.xml><?xml version="1.0" encoding="utf-8"?>
+<file path=ppt/slides/slide32.xml><?xml version="1.0" encoding="utf-8"?>
 <p:sld xmlns:a="http://schemas.openxmlformats.org/drawingml/2006/main" xmlns:r="http://schemas.openxmlformats.org/officeDocument/2006/relationships" xmlns:p="http://schemas.openxmlformats.org/presentationml/2006/main">
   <p:cSld>
     <p:spTree>
@@ -10672,106 +10984,85 @@
           </a:p>
         </p:txBody>
       </p:sp>
-      <p:grpSp>
-        <p:nvGrpSpPr>
-          <p:cNvPr id="6" name="Grupo 5">
+      <p:sp>
+        <p:nvSpPr>
+          <p:cNvPr id="3" name="Rectángulo 2">
             <a:extLst>
               <a:ext uri="{FF2B5EF4-FFF2-40B4-BE49-F238E27FC236}">
-                <a16:creationId xmlns:a16="http://schemas.microsoft.com/office/drawing/2014/main" id="{F5C13F3C-27E2-ECC7-9483-48460800755C}"/>
+                <a16:creationId xmlns:a16="http://schemas.microsoft.com/office/drawing/2014/main" id="{0D19E225-C0B0-7881-34EA-FCFFD6C0516B}"/>
               </a:ext>
             </a:extLst>
           </p:cNvPr>
-          <p:cNvGrpSpPr/>
+          <p:cNvSpPr/>
           <p:nvPr/>
-        </p:nvGrpSpPr>
-        <p:grpSpPr>
+        </p:nvSpPr>
+        <p:spPr>
           <a:xfrm>
             <a:off x="1519084" y="1194619"/>
             <a:ext cx="9158747" cy="5530645"/>
-            <a:chOff x="1519084" y="1194619"/>
-            <a:chExt cx="9158747" cy="5530645"/>
-          </a:xfrm>
-        </p:grpSpPr>
-        <p:sp>
-          <p:nvSpPr>
-            <p:cNvPr id="3" name="Rectángulo 2">
-              <a:extLst>
-                <a:ext uri="{FF2B5EF4-FFF2-40B4-BE49-F238E27FC236}">
-                  <a16:creationId xmlns:a16="http://schemas.microsoft.com/office/drawing/2014/main" id="{0D19E225-C0B0-7881-34EA-FCFFD6C0516B}"/>
-                </a:ext>
-              </a:extLst>
-            </p:cNvPr>
-            <p:cNvSpPr/>
-            <p:nvPr/>
-          </p:nvSpPr>
-          <p:spPr>
-            <a:xfrm>
-              <a:off x="1519084" y="1194619"/>
-              <a:ext cx="9158747" cy="5530645"/>
-            </a:xfrm>
-            <a:prstGeom prst="rect">
-              <a:avLst/>
-            </a:prstGeom>
-          </p:spPr>
-          <p:style>
-            <a:lnRef idx="3">
-              <a:schemeClr val="lt1"/>
-            </a:lnRef>
-            <a:fillRef idx="1">
-              <a:schemeClr val="dk1"/>
-            </a:fillRef>
-            <a:effectRef idx="1">
-              <a:schemeClr val="dk1"/>
-            </a:effectRef>
-            <a:fontRef idx="minor">
-              <a:schemeClr val="lt1"/>
-            </a:fontRef>
-          </p:style>
-          <p:txBody>
-            <a:bodyPr rtlCol="0" anchor="ctr"/>
-            <a:lstStyle/>
-            <a:p>
-              <a:endParaRPr lang="es-PE" sz="3600" b="1" dirty="0"/>
-            </a:p>
-          </p:txBody>
-        </p:sp>
-        <p:pic>
-          <p:nvPicPr>
-            <p:cNvPr id="5" name="Imagen 4">
-              <a:extLst>
-                <a:ext uri="{FF2B5EF4-FFF2-40B4-BE49-F238E27FC236}">
-                  <a16:creationId xmlns:a16="http://schemas.microsoft.com/office/drawing/2014/main" id="{8CBEEEA6-9CB3-F998-1025-FF694C3BB7B8}"/>
-                </a:ext>
-              </a:extLst>
-            </p:cNvPr>
-            <p:cNvPicPr>
-              <a:picLocks noChangeAspect="1"/>
-            </p:cNvPicPr>
-            <p:nvPr/>
-          </p:nvPicPr>
-          <p:blipFill>
-            <a:blip r:embed="rId2">
-              <a:extLst>
-                <a:ext uri="{28A0092B-C50C-407E-A947-70E740481C1C}">
-                  <a14:useLocalDpi xmlns:a14="http://schemas.microsoft.com/office/drawing/2010/main" val="0"/>
-                </a:ext>
-              </a:extLst>
-            </a:blip>
-            <a:stretch>
-              <a:fillRect/>
-            </a:stretch>
-          </p:blipFill>
-          <p:spPr>
-            <a:xfrm>
-              <a:off x="1753330" y="1400649"/>
-              <a:ext cx="8717493" cy="5076980"/>
-            </a:xfrm>
-            <a:prstGeom prst="rect">
-              <a:avLst/>
-            </a:prstGeom>
-          </p:spPr>
-        </p:pic>
-      </p:grpSp>
+          </a:xfrm>
+          <a:prstGeom prst="rect">
+            <a:avLst/>
+          </a:prstGeom>
+        </p:spPr>
+        <p:style>
+          <a:lnRef idx="3">
+            <a:schemeClr val="lt1"/>
+          </a:lnRef>
+          <a:fillRef idx="1">
+            <a:schemeClr val="dk1"/>
+          </a:fillRef>
+          <a:effectRef idx="1">
+            <a:schemeClr val="dk1"/>
+          </a:effectRef>
+          <a:fontRef idx="minor">
+            <a:schemeClr val="lt1"/>
+          </a:fontRef>
+        </p:style>
+        <p:txBody>
+          <a:bodyPr rtlCol="0" anchor="ctr"/>
+          <a:lstStyle/>
+          <a:p>
+            <a:endParaRPr lang="es-PE" sz="3600" b="1" dirty="0"/>
+          </a:p>
+        </p:txBody>
+      </p:sp>
+      <p:pic>
+        <p:nvPicPr>
+          <p:cNvPr id="7" name="Imagen 6">
+            <a:extLst>
+              <a:ext uri="{FF2B5EF4-FFF2-40B4-BE49-F238E27FC236}">
+                <a16:creationId xmlns:a16="http://schemas.microsoft.com/office/drawing/2014/main" id="{2474B63D-4EE1-1F4B-0A50-4AF49B3367FD}"/>
+              </a:ext>
+            </a:extLst>
+          </p:cNvPr>
+          <p:cNvPicPr>
+            <a:picLocks noChangeAspect="1"/>
+          </p:cNvPicPr>
+          <p:nvPr/>
+        </p:nvPicPr>
+        <p:blipFill>
+          <a:blip r:embed="rId2">
+            <a:extLst>
+              <a:ext uri="{28A0092B-C50C-407E-A947-70E740481C1C}">
+                <a14:useLocalDpi xmlns:a14="http://schemas.microsoft.com/office/drawing/2010/main" val="0"/>
+              </a:ext>
+            </a:extLst>
+          </a:blip>
+          <a:stretch>
+            <a:fillRect/>
+          </a:stretch>
+        </p:blipFill>
+        <p:spPr>
+          <a:xfrm>
+            <a:off x="1635343" y="1312159"/>
+            <a:ext cx="8869434" cy="5165469"/>
+          </a:xfrm>
+          <a:prstGeom prst="rect">
+            <a:avLst/>
+          </a:prstGeom>
+        </p:spPr>
+      </p:pic>
     </p:spTree>
     <p:extLst>
       <p:ext uri="{BB962C8B-B14F-4D97-AF65-F5344CB8AC3E}">
@@ -10785,7 +11076,7 @@
 </p:sld>
 </file>
 
-<file path=ppt/slides/slide31.xml><?xml version="1.0" encoding="utf-8"?>
+<file path=ppt/slides/slide33.xml><?xml version="1.0" encoding="utf-8"?>
 <p:sld xmlns:a="http://schemas.openxmlformats.org/drawingml/2006/main" xmlns:r="http://schemas.openxmlformats.org/officeDocument/2006/relationships" xmlns:p="http://schemas.openxmlformats.org/presentationml/2006/main">
   <p:cSld>
     <p:spTree>
@@ -10958,7 +11249,7 @@
 </p:sld>
 </file>
 
-<file path=ppt/slides/slide32.xml><?xml version="1.0" encoding="utf-8"?>
+<file path=ppt/slides/slide34.xml><?xml version="1.0" encoding="utf-8"?>
 <p:sld xmlns:a="http://schemas.openxmlformats.org/drawingml/2006/main" xmlns:r="http://schemas.openxmlformats.org/officeDocument/2006/relationships" xmlns:p="http://schemas.openxmlformats.org/presentationml/2006/main">
   <p:cSld>
     <p:spTree>
@@ -11034,7 +11325,7 @@
 </p:sld>
 </file>
 
-<file path=ppt/slides/slide33.xml><?xml version="1.0" encoding="utf-8"?>
+<file path=ppt/slides/slide35.xml><?xml version="1.0" encoding="utf-8"?>
 <p:sld xmlns:a="http://schemas.openxmlformats.org/drawingml/2006/main" xmlns:r="http://schemas.openxmlformats.org/officeDocument/2006/relationships" xmlns:p="http://schemas.openxmlformats.org/presentationml/2006/main">
   <p:cSld>
     <p:spTree>
@@ -11110,7 +11401,7 @@
 </p:sld>
 </file>
 
-<file path=ppt/slides/slide34.xml><?xml version="1.0" encoding="utf-8"?>
+<file path=ppt/slides/slide36.xml><?xml version="1.0" encoding="utf-8"?>
 <p:sld xmlns:a="http://schemas.openxmlformats.org/drawingml/2006/main" xmlns:r="http://schemas.openxmlformats.org/officeDocument/2006/relationships" xmlns:p="http://schemas.openxmlformats.org/presentationml/2006/main">
   <p:cSld>
     <p:spTree>
@@ -11300,7 +11591,7 @@
 </p:sld>
 </file>
 
-<file path=ppt/slides/slide35.xml><?xml version="1.0" encoding="utf-8"?>
+<file path=ppt/slides/slide37.xml><?xml version="1.0" encoding="utf-8"?>
 <p:sld xmlns:a="http://schemas.openxmlformats.org/drawingml/2006/main" xmlns:r="http://schemas.openxmlformats.org/officeDocument/2006/relationships" xmlns:p="http://schemas.openxmlformats.org/presentationml/2006/main">
   <p:cSld>
     <p:spTree>
@@ -11825,6 +12116,358 @@
 </file>
 
 <file path=ppt/slides/slide7.xml><?xml version="1.0" encoding="utf-8"?>
+<p:sld xmlns:a="http://schemas.openxmlformats.org/drawingml/2006/main" xmlns:r="http://schemas.openxmlformats.org/officeDocument/2006/relationships" xmlns:p="http://schemas.openxmlformats.org/presentationml/2006/main">
+  <p:cSld>
+    <p:spTree>
+      <p:nvGrpSpPr>
+        <p:cNvPr id="1" name=""/>
+        <p:cNvGrpSpPr/>
+        <p:nvPr/>
+      </p:nvGrpSpPr>
+      <p:grpSpPr>
+        <a:xfrm>
+          <a:off x="0" y="0"/>
+          <a:ext cx="0" cy="0"/>
+          <a:chOff x="0" y="0"/>
+          <a:chExt cx="0" cy="0"/>
+        </a:xfrm>
+      </p:grpSpPr>
+      <p:sp>
+        <p:nvSpPr>
+          <p:cNvPr id="2" name="Rectángulo 1">
+            <a:extLst>
+              <a:ext uri="{FF2B5EF4-FFF2-40B4-BE49-F238E27FC236}">
+                <a16:creationId xmlns:a16="http://schemas.microsoft.com/office/drawing/2014/main" id="{C8C474BD-45C4-EB40-E0AA-7C19D108C19C}"/>
+              </a:ext>
+            </a:extLst>
+          </p:cNvPr>
+          <p:cNvSpPr/>
+          <p:nvPr/>
+        </p:nvSpPr>
+        <p:spPr>
+          <a:xfrm>
+            <a:off x="3598607" y="232888"/>
+            <a:ext cx="5353665" cy="646331"/>
+          </a:xfrm>
+          <a:prstGeom prst="rect">
+            <a:avLst/>
+          </a:prstGeom>
+        </p:spPr>
+        <p:style>
+          <a:lnRef idx="3">
+            <a:schemeClr val="lt1"/>
+          </a:lnRef>
+          <a:fillRef idx="1">
+            <a:schemeClr val="dk1"/>
+          </a:fillRef>
+          <a:effectRef idx="1">
+            <a:schemeClr val="dk1"/>
+          </a:effectRef>
+          <a:fontRef idx="minor">
+            <a:schemeClr val="lt1"/>
+          </a:fontRef>
+        </p:style>
+        <p:txBody>
+          <a:bodyPr rtlCol="0" anchor="ctr"/>
+          <a:lstStyle/>
+          <a:p>
+            <a:r>
+              <a:rPr lang="es-PE" sz="3600" b="1" dirty="0"/>
+              <a:t>Información de la Data</a:t>
+            </a:r>
+          </a:p>
+        </p:txBody>
+      </p:sp>
+      <p:grpSp>
+        <p:nvGrpSpPr>
+          <p:cNvPr id="6" name="Grupo 5">
+            <a:extLst>
+              <a:ext uri="{FF2B5EF4-FFF2-40B4-BE49-F238E27FC236}">
+                <a16:creationId xmlns:a16="http://schemas.microsoft.com/office/drawing/2014/main" id="{887B91D3-ACFC-D85E-E59E-968ADF92BE56}"/>
+              </a:ext>
+            </a:extLst>
+          </p:cNvPr>
+          <p:cNvGrpSpPr/>
+          <p:nvPr/>
+        </p:nvGrpSpPr>
+        <p:grpSpPr>
+          <a:xfrm>
+            <a:off x="3052916" y="1489587"/>
+            <a:ext cx="6577782" cy="4630994"/>
+            <a:chOff x="3052916" y="1489587"/>
+            <a:chExt cx="6577782" cy="4630994"/>
+          </a:xfrm>
+        </p:grpSpPr>
+        <p:sp>
+          <p:nvSpPr>
+            <p:cNvPr id="3" name="Rectángulo 2">
+              <a:extLst>
+                <a:ext uri="{FF2B5EF4-FFF2-40B4-BE49-F238E27FC236}">
+                  <a16:creationId xmlns:a16="http://schemas.microsoft.com/office/drawing/2014/main" id="{3FE92D09-733F-4048-3297-14026EE6A600}"/>
+                </a:ext>
+              </a:extLst>
+            </p:cNvPr>
+            <p:cNvSpPr/>
+            <p:nvPr/>
+          </p:nvSpPr>
+          <p:spPr>
+            <a:xfrm>
+              <a:off x="3052916" y="1489587"/>
+              <a:ext cx="6577782" cy="4630994"/>
+            </a:xfrm>
+            <a:prstGeom prst="rect">
+              <a:avLst/>
+            </a:prstGeom>
+            <a:solidFill>
+              <a:schemeClr val="tx2"/>
+            </a:solidFill>
+          </p:spPr>
+          <p:style>
+            <a:lnRef idx="2">
+              <a:schemeClr val="accent1">
+                <a:shade val="15000"/>
+              </a:schemeClr>
+            </a:lnRef>
+            <a:fillRef idx="1">
+              <a:schemeClr val="accent1"/>
+            </a:fillRef>
+            <a:effectRef idx="0">
+              <a:schemeClr val="accent1"/>
+            </a:effectRef>
+            <a:fontRef idx="minor">
+              <a:schemeClr val="lt1"/>
+            </a:fontRef>
+          </p:style>
+          <p:txBody>
+            <a:bodyPr rtlCol="0" anchor="ctr"/>
+            <a:lstStyle/>
+            <a:p>
+              <a:pPr algn="ctr"/>
+              <a:endParaRPr lang="es-ES"/>
+            </a:p>
+          </p:txBody>
+        </p:sp>
+        <p:pic>
+          <p:nvPicPr>
+            <p:cNvPr id="5" name="Imagen 4">
+              <a:extLst>
+                <a:ext uri="{FF2B5EF4-FFF2-40B4-BE49-F238E27FC236}">
+                  <a16:creationId xmlns:a16="http://schemas.microsoft.com/office/drawing/2014/main" id="{91FBFF7D-41F9-ADC6-AD64-607623BC0420}"/>
+                </a:ext>
+              </a:extLst>
+            </p:cNvPr>
+            <p:cNvPicPr>
+              <a:picLocks noChangeAspect="1"/>
+            </p:cNvPicPr>
+            <p:nvPr/>
+          </p:nvPicPr>
+          <p:blipFill>
+            <a:blip r:embed="rId2"/>
+            <a:stretch>
+              <a:fillRect/>
+            </a:stretch>
+          </p:blipFill>
+          <p:spPr>
+            <a:xfrm>
+              <a:off x="3333135" y="1660471"/>
+              <a:ext cx="6061587" cy="4361777"/>
+            </a:xfrm>
+            <a:prstGeom prst="rect">
+              <a:avLst/>
+            </a:prstGeom>
+          </p:spPr>
+        </p:pic>
+      </p:grpSp>
+    </p:spTree>
+    <p:extLst>
+      <p:ext uri="{BB962C8B-B14F-4D97-AF65-F5344CB8AC3E}">
+        <p14:creationId xmlns:p14="http://schemas.microsoft.com/office/powerpoint/2010/main" val="2433762417"/>
+      </p:ext>
+    </p:extLst>
+  </p:cSld>
+  <p:clrMapOvr>
+    <a:masterClrMapping/>
+  </p:clrMapOvr>
+</p:sld>
+</file>
+
+<file path=ppt/slides/slide8.xml><?xml version="1.0" encoding="utf-8"?>
+<p:sld xmlns:a="http://schemas.openxmlformats.org/drawingml/2006/main" xmlns:r="http://schemas.openxmlformats.org/officeDocument/2006/relationships" xmlns:p="http://schemas.openxmlformats.org/presentationml/2006/main">
+  <p:cSld>
+    <p:spTree>
+      <p:nvGrpSpPr>
+        <p:cNvPr id="1" name=""/>
+        <p:cNvGrpSpPr/>
+        <p:nvPr/>
+      </p:nvGrpSpPr>
+      <p:grpSpPr>
+        <a:xfrm>
+          <a:off x="0" y="0"/>
+          <a:ext cx="0" cy="0"/>
+          <a:chOff x="0" y="0"/>
+          <a:chExt cx="0" cy="0"/>
+        </a:xfrm>
+      </p:grpSpPr>
+      <p:sp>
+        <p:nvSpPr>
+          <p:cNvPr id="2" name="Rectángulo 1">
+            <a:extLst>
+              <a:ext uri="{FF2B5EF4-FFF2-40B4-BE49-F238E27FC236}">
+                <a16:creationId xmlns:a16="http://schemas.microsoft.com/office/drawing/2014/main" id="{79490A27-AFB4-EF9D-91CC-19353BCD9814}"/>
+              </a:ext>
+            </a:extLst>
+          </p:cNvPr>
+          <p:cNvSpPr/>
+          <p:nvPr/>
+        </p:nvSpPr>
+        <p:spPr>
+          <a:xfrm>
+            <a:off x="3598607" y="232888"/>
+            <a:ext cx="5353665" cy="646331"/>
+          </a:xfrm>
+          <a:prstGeom prst="rect">
+            <a:avLst/>
+          </a:prstGeom>
+        </p:spPr>
+        <p:style>
+          <a:lnRef idx="3">
+            <a:schemeClr val="lt1"/>
+          </a:lnRef>
+          <a:fillRef idx="1">
+            <a:schemeClr val="dk1"/>
+          </a:fillRef>
+          <a:effectRef idx="1">
+            <a:schemeClr val="dk1"/>
+          </a:effectRef>
+          <a:fontRef idx="minor">
+            <a:schemeClr val="lt1"/>
+          </a:fontRef>
+        </p:style>
+        <p:txBody>
+          <a:bodyPr rtlCol="0" anchor="ctr"/>
+          <a:lstStyle/>
+          <a:p>
+            <a:r>
+              <a:rPr lang="es-PE" sz="3600" b="1" dirty="0"/>
+              <a:t>Valores Nulos de Data</a:t>
+            </a:r>
+          </a:p>
+        </p:txBody>
+      </p:sp>
+      <p:grpSp>
+        <p:nvGrpSpPr>
+          <p:cNvPr id="6" name="Grupo 5">
+            <a:extLst>
+              <a:ext uri="{FF2B5EF4-FFF2-40B4-BE49-F238E27FC236}">
+                <a16:creationId xmlns:a16="http://schemas.microsoft.com/office/drawing/2014/main" id="{394BA01D-FA19-4983-B0AB-42FB414D8112}"/>
+              </a:ext>
+            </a:extLst>
+          </p:cNvPr>
+          <p:cNvGrpSpPr/>
+          <p:nvPr/>
+        </p:nvGrpSpPr>
+        <p:grpSpPr>
+          <a:xfrm>
+            <a:off x="3229897" y="1300652"/>
+            <a:ext cx="6091084" cy="5029200"/>
+            <a:chOff x="4011561" y="1300652"/>
+            <a:chExt cx="6091084" cy="5029200"/>
+          </a:xfrm>
+        </p:grpSpPr>
+        <p:sp>
+          <p:nvSpPr>
+            <p:cNvPr id="5" name="Rectángulo 4">
+              <a:extLst>
+                <a:ext uri="{FF2B5EF4-FFF2-40B4-BE49-F238E27FC236}">
+                  <a16:creationId xmlns:a16="http://schemas.microsoft.com/office/drawing/2014/main" id="{1252BDD8-E5D6-4074-655D-B8DCC220C8C5}"/>
+                </a:ext>
+              </a:extLst>
+            </p:cNvPr>
+            <p:cNvSpPr/>
+            <p:nvPr/>
+          </p:nvSpPr>
+          <p:spPr>
+            <a:xfrm>
+              <a:off x="4011561" y="1300652"/>
+              <a:ext cx="6091084" cy="5029200"/>
+            </a:xfrm>
+            <a:prstGeom prst="rect">
+              <a:avLst/>
+            </a:prstGeom>
+            <a:solidFill>
+              <a:schemeClr val="tx2"/>
+            </a:solidFill>
+          </p:spPr>
+          <p:style>
+            <a:lnRef idx="2">
+              <a:schemeClr val="accent1">
+                <a:shade val="15000"/>
+              </a:schemeClr>
+            </a:lnRef>
+            <a:fillRef idx="1">
+              <a:schemeClr val="accent1"/>
+            </a:fillRef>
+            <a:effectRef idx="0">
+              <a:schemeClr val="accent1"/>
+            </a:effectRef>
+            <a:fontRef idx="minor">
+              <a:schemeClr val="lt1"/>
+            </a:fontRef>
+          </p:style>
+          <p:txBody>
+            <a:bodyPr rtlCol="0" anchor="ctr"/>
+            <a:lstStyle/>
+            <a:p>
+              <a:pPr algn="ctr"/>
+              <a:endParaRPr lang="es-ES"/>
+            </a:p>
+          </p:txBody>
+        </p:sp>
+        <p:pic>
+          <p:nvPicPr>
+            <p:cNvPr id="4" name="Imagen 3">
+              <a:extLst>
+                <a:ext uri="{FF2B5EF4-FFF2-40B4-BE49-F238E27FC236}">
+                  <a16:creationId xmlns:a16="http://schemas.microsoft.com/office/drawing/2014/main" id="{EC26210B-A129-18FB-20B2-2FEEF88B9F2D}"/>
+                </a:ext>
+              </a:extLst>
+            </p:cNvPr>
+            <p:cNvPicPr>
+              <a:picLocks noChangeAspect="1"/>
+            </p:cNvPicPr>
+            <p:nvPr/>
+          </p:nvPicPr>
+          <p:blipFill>
+            <a:blip r:embed="rId2"/>
+            <a:stretch>
+              <a:fillRect/>
+            </a:stretch>
+          </p:blipFill>
+          <p:spPr>
+            <a:xfrm>
+              <a:off x="4200755" y="1452409"/>
+              <a:ext cx="5712696" cy="4725686"/>
+            </a:xfrm>
+            <a:prstGeom prst="rect">
+              <a:avLst/>
+            </a:prstGeom>
+          </p:spPr>
+        </p:pic>
+      </p:grpSp>
+    </p:spTree>
+    <p:extLst>
+      <p:ext uri="{BB962C8B-B14F-4D97-AF65-F5344CB8AC3E}">
+        <p14:creationId xmlns:p14="http://schemas.microsoft.com/office/powerpoint/2010/main" val="1560130735"/>
+      </p:ext>
+    </p:extLst>
+  </p:cSld>
+  <p:clrMapOvr>
+    <a:masterClrMapping/>
+  </p:clrMapOvr>
+</p:sld>
+</file>
+
+<file path=ppt/slides/slide9.xml><?xml version="1.0" encoding="utf-8"?>
 <p:sld xmlns:a="http://schemas.openxmlformats.org/drawingml/2006/main" xmlns:r="http://schemas.openxmlformats.org/officeDocument/2006/relationships" xmlns:p="http://schemas.openxmlformats.org/presentationml/2006/main">
   <p:cSld>
     <p:spTree>
@@ -11991,358 +12634,6 @@
     <p:extLst>
       <p:ext uri="{BB962C8B-B14F-4D97-AF65-F5344CB8AC3E}">
         <p14:creationId xmlns:p14="http://schemas.microsoft.com/office/powerpoint/2010/main" val="67685388"/>
-      </p:ext>
-    </p:extLst>
-  </p:cSld>
-  <p:clrMapOvr>
-    <a:masterClrMapping/>
-  </p:clrMapOvr>
-</p:sld>
-</file>
-
-<file path=ppt/slides/slide8.xml><?xml version="1.0" encoding="utf-8"?>
-<p:sld xmlns:a="http://schemas.openxmlformats.org/drawingml/2006/main" xmlns:r="http://schemas.openxmlformats.org/officeDocument/2006/relationships" xmlns:p="http://schemas.openxmlformats.org/presentationml/2006/main">
-  <p:cSld>
-    <p:spTree>
-      <p:nvGrpSpPr>
-        <p:cNvPr id="1" name=""/>
-        <p:cNvGrpSpPr/>
-        <p:nvPr/>
-      </p:nvGrpSpPr>
-      <p:grpSpPr>
-        <a:xfrm>
-          <a:off x="0" y="0"/>
-          <a:ext cx="0" cy="0"/>
-          <a:chOff x="0" y="0"/>
-          <a:chExt cx="0" cy="0"/>
-        </a:xfrm>
-      </p:grpSpPr>
-      <p:sp>
-        <p:nvSpPr>
-          <p:cNvPr id="2" name="Rectángulo 1">
-            <a:extLst>
-              <a:ext uri="{FF2B5EF4-FFF2-40B4-BE49-F238E27FC236}">
-                <a16:creationId xmlns:a16="http://schemas.microsoft.com/office/drawing/2014/main" id="{8EFAAE9F-B37D-0184-3879-E9F9ECC79BDC}"/>
-              </a:ext>
-            </a:extLst>
-          </p:cNvPr>
-          <p:cNvSpPr/>
-          <p:nvPr/>
-        </p:nvSpPr>
-        <p:spPr>
-          <a:xfrm>
-            <a:off x="383458" y="247636"/>
-            <a:ext cx="9807677" cy="646331"/>
-          </a:xfrm>
-          <a:prstGeom prst="rect">
-            <a:avLst/>
-          </a:prstGeom>
-        </p:spPr>
-        <p:style>
-          <a:lnRef idx="3">
-            <a:schemeClr val="lt1"/>
-          </a:lnRef>
-          <a:fillRef idx="1">
-            <a:schemeClr val="dk1"/>
-          </a:fillRef>
-          <a:effectRef idx="1">
-            <a:schemeClr val="dk1"/>
-          </a:effectRef>
-          <a:fontRef idx="minor">
-            <a:schemeClr val="lt1"/>
-          </a:fontRef>
-        </p:style>
-        <p:txBody>
-          <a:bodyPr rtlCol="0" anchor="ctr"/>
-          <a:lstStyle/>
-          <a:p>
-            <a:r>
-              <a:rPr lang="es-PE" sz="3600" b="1" dirty="0"/>
-              <a:t>Grafica de Cantidad de Marcas de Laptop</a:t>
-            </a:r>
-          </a:p>
-        </p:txBody>
-      </p:sp>
-      <p:grpSp>
-        <p:nvGrpSpPr>
-          <p:cNvPr id="6" name="Grupo 5">
-            <a:extLst>
-              <a:ext uri="{FF2B5EF4-FFF2-40B4-BE49-F238E27FC236}">
-                <a16:creationId xmlns:a16="http://schemas.microsoft.com/office/drawing/2014/main" id="{9DC949BE-F278-0605-C639-C137025EFD89}"/>
-              </a:ext>
-            </a:extLst>
-          </p:cNvPr>
-          <p:cNvGrpSpPr/>
-          <p:nvPr/>
-        </p:nvGrpSpPr>
-        <p:grpSpPr>
-          <a:xfrm>
-            <a:off x="1324259" y="1340328"/>
-            <a:ext cx="9158747" cy="5247339"/>
-            <a:chOff x="1324259" y="1340328"/>
-            <a:chExt cx="9158747" cy="5247339"/>
-          </a:xfrm>
-        </p:grpSpPr>
-        <p:sp>
-          <p:nvSpPr>
-            <p:cNvPr id="5" name="Rectángulo 4">
-              <a:extLst>
-                <a:ext uri="{FF2B5EF4-FFF2-40B4-BE49-F238E27FC236}">
-                  <a16:creationId xmlns:a16="http://schemas.microsoft.com/office/drawing/2014/main" id="{86839488-1650-B42B-CBD3-D840CCF6F91D}"/>
-                </a:ext>
-              </a:extLst>
-            </p:cNvPr>
-            <p:cNvSpPr/>
-            <p:nvPr/>
-          </p:nvSpPr>
-          <p:spPr>
-            <a:xfrm>
-              <a:off x="1324259" y="1340328"/>
-              <a:ext cx="9158747" cy="5247339"/>
-            </a:xfrm>
-            <a:prstGeom prst="rect">
-              <a:avLst/>
-            </a:prstGeom>
-          </p:spPr>
-          <p:style>
-            <a:lnRef idx="3">
-              <a:schemeClr val="lt1"/>
-            </a:lnRef>
-            <a:fillRef idx="1">
-              <a:schemeClr val="dk1"/>
-            </a:fillRef>
-            <a:effectRef idx="1">
-              <a:schemeClr val="dk1"/>
-            </a:effectRef>
-            <a:fontRef idx="minor">
-              <a:schemeClr val="lt1"/>
-            </a:fontRef>
-          </p:style>
-          <p:txBody>
-            <a:bodyPr rtlCol="0" anchor="ctr"/>
-            <a:lstStyle/>
-            <a:p>
-              <a:endParaRPr lang="es-PE" sz="3600" b="1" dirty="0"/>
-            </a:p>
-          </p:txBody>
-        </p:sp>
-        <p:pic>
-          <p:nvPicPr>
-            <p:cNvPr id="4" name="Imagen 3">
-              <a:extLst>
-                <a:ext uri="{FF2B5EF4-FFF2-40B4-BE49-F238E27FC236}">
-                  <a16:creationId xmlns:a16="http://schemas.microsoft.com/office/drawing/2014/main" id="{8A642517-FC64-6C8C-DFF3-98F3EF4CFD66}"/>
-                </a:ext>
-              </a:extLst>
-            </p:cNvPr>
-            <p:cNvPicPr>
-              <a:picLocks noChangeAspect="1"/>
-            </p:cNvPicPr>
-            <p:nvPr/>
-          </p:nvPicPr>
-          <p:blipFill>
-            <a:blip r:embed="rId2">
-              <a:extLst>
-                <a:ext uri="{28A0092B-C50C-407E-A947-70E740481C1C}">
-                  <a14:useLocalDpi xmlns:a14="http://schemas.microsoft.com/office/drawing/2010/main" val="0"/>
-                </a:ext>
-              </a:extLst>
-            </a:blip>
-            <a:stretch>
-              <a:fillRect/>
-            </a:stretch>
-          </p:blipFill>
-          <p:spPr>
-            <a:xfrm>
-              <a:off x="1508356" y="1581245"/>
-              <a:ext cx="8790552" cy="4765504"/>
-            </a:xfrm>
-            <a:prstGeom prst="rect">
-              <a:avLst/>
-            </a:prstGeom>
-          </p:spPr>
-        </p:pic>
-      </p:grpSp>
-    </p:spTree>
-    <p:extLst>
-      <p:ext uri="{BB962C8B-B14F-4D97-AF65-F5344CB8AC3E}">
-        <p14:creationId xmlns:p14="http://schemas.microsoft.com/office/powerpoint/2010/main" val="408528989"/>
-      </p:ext>
-    </p:extLst>
-  </p:cSld>
-  <p:clrMapOvr>
-    <a:masterClrMapping/>
-  </p:clrMapOvr>
-</p:sld>
-</file>
-
-<file path=ppt/slides/slide9.xml><?xml version="1.0" encoding="utf-8"?>
-<p:sld xmlns:a="http://schemas.openxmlformats.org/drawingml/2006/main" xmlns:r="http://schemas.openxmlformats.org/officeDocument/2006/relationships" xmlns:p="http://schemas.openxmlformats.org/presentationml/2006/main">
-  <p:cSld>
-    <p:spTree>
-      <p:nvGrpSpPr>
-        <p:cNvPr id="1" name=""/>
-        <p:cNvGrpSpPr/>
-        <p:nvPr/>
-      </p:nvGrpSpPr>
-      <p:grpSpPr>
-        <a:xfrm>
-          <a:off x="0" y="0"/>
-          <a:ext cx="0" cy="0"/>
-          <a:chOff x="0" y="0"/>
-          <a:chExt cx="0" cy="0"/>
-        </a:xfrm>
-      </p:grpSpPr>
-      <p:sp>
-        <p:nvSpPr>
-          <p:cNvPr id="2" name="Rectángulo 1">
-            <a:extLst>
-              <a:ext uri="{FF2B5EF4-FFF2-40B4-BE49-F238E27FC236}">
-                <a16:creationId xmlns:a16="http://schemas.microsoft.com/office/drawing/2014/main" id="{A3ADDD2E-06A4-F4C2-CD64-C743138099DD}"/>
-              </a:ext>
-            </a:extLst>
-          </p:cNvPr>
-          <p:cNvSpPr/>
-          <p:nvPr/>
-        </p:nvSpPr>
-        <p:spPr>
-          <a:xfrm>
-            <a:off x="383458" y="247636"/>
-            <a:ext cx="9807677" cy="1212454"/>
-          </a:xfrm>
-          <a:prstGeom prst="rect">
-            <a:avLst/>
-          </a:prstGeom>
-        </p:spPr>
-        <p:style>
-          <a:lnRef idx="3">
-            <a:schemeClr val="lt1"/>
-          </a:lnRef>
-          <a:fillRef idx="1">
-            <a:schemeClr val="dk1"/>
-          </a:fillRef>
-          <a:effectRef idx="1">
-            <a:schemeClr val="dk1"/>
-          </a:effectRef>
-          <a:fontRef idx="minor">
-            <a:schemeClr val="lt1"/>
-          </a:fontRef>
-        </p:style>
-        <p:txBody>
-          <a:bodyPr rtlCol="0" anchor="ctr"/>
-          <a:lstStyle/>
-          <a:p>
-            <a:r>
-              <a:rPr lang="es-PE" sz="3600" b="1" dirty="0"/>
-              <a:t>Grafica de Cantidad de Memoria RAM de Laptop</a:t>
-            </a:r>
-          </a:p>
-        </p:txBody>
-      </p:sp>
-      <p:grpSp>
-        <p:nvGrpSpPr>
-          <p:cNvPr id="6" name="Grupo 5">
-            <a:extLst>
-              <a:ext uri="{FF2B5EF4-FFF2-40B4-BE49-F238E27FC236}">
-                <a16:creationId xmlns:a16="http://schemas.microsoft.com/office/drawing/2014/main" id="{3D943A14-1D43-2ACD-C39B-66A6574F1D02}"/>
-              </a:ext>
-            </a:extLst>
-          </p:cNvPr>
-          <p:cNvGrpSpPr/>
-          <p:nvPr/>
-        </p:nvGrpSpPr>
-        <p:grpSpPr>
-          <a:xfrm>
-            <a:off x="1516626" y="1610661"/>
-            <a:ext cx="8114071" cy="4999703"/>
-            <a:chOff x="1516626" y="1610661"/>
-            <a:chExt cx="8114071" cy="4999703"/>
-          </a:xfrm>
-        </p:grpSpPr>
-        <p:sp>
-          <p:nvSpPr>
-            <p:cNvPr id="3" name="Rectángulo 2">
-              <a:extLst>
-                <a:ext uri="{FF2B5EF4-FFF2-40B4-BE49-F238E27FC236}">
-                  <a16:creationId xmlns:a16="http://schemas.microsoft.com/office/drawing/2014/main" id="{6056C9B2-2379-64AD-B7FB-D4542DA0FECE}"/>
-                </a:ext>
-              </a:extLst>
-            </p:cNvPr>
-            <p:cNvSpPr/>
-            <p:nvPr/>
-          </p:nvSpPr>
-          <p:spPr>
-            <a:xfrm>
-              <a:off x="1516626" y="1610661"/>
-              <a:ext cx="8114071" cy="4999703"/>
-            </a:xfrm>
-            <a:prstGeom prst="rect">
-              <a:avLst/>
-            </a:prstGeom>
-          </p:spPr>
-          <p:style>
-            <a:lnRef idx="3">
-              <a:schemeClr val="lt1"/>
-            </a:lnRef>
-            <a:fillRef idx="1">
-              <a:schemeClr val="dk1"/>
-            </a:fillRef>
-            <a:effectRef idx="1">
-              <a:schemeClr val="dk1"/>
-            </a:effectRef>
-            <a:fontRef idx="minor">
-              <a:schemeClr val="lt1"/>
-            </a:fontRef>
-          </p:style>
-          <p:txBody>
-            <a:bodyPr rtlCol="0" anchor="ctr"/>
-            <a:lstStyle/>
-            <a:p>
-              <a:endParaRPr lang="es-PE" sz="3600" b="1" dirty="0"/>
-            </a:p>
-          </p:txBody>
-        </p:sp>
-        <p:pic>
-          <p:nvPicPr>
-            <p:cNvPr id="5" name="Imagen 4">
-              <a:extLst>
-                <a:ext uri="{FF2B5EF4-FFF2-40B4-BE49-F238E27FC236}">
-                  <a16:creationId xmlns:a16="http://schemas.microsoft.com/office/drawing/2014/main" id="{A3FE4E27-1173-FD4C-64BB-E8EB5A5F37F4}"/>
-                </a:ext>
-              </a:extLst>
-            </p:cNvPr>
-            <p:cNvPicPr>
-              <a:picLocks noChangeAspect="1"/>
-            </p:cNvPicPr>
-            <p:nvPr/>
-          </p:nvPicPr>
-          <p:blipFill>
-            <a:blip r:embed="rId2">
-              <a:extLst>
-                <a:ext uri="{28A0092B-C50C-407E-A947-70E740481C1C}">
-                  <a14:useLocalDpi xmlns:a14="http://schemas.microsoft.com/office/drawing/2010/main" val="0"/>
-                </a:ext>
-              </a:extLst>
-            </a:blip>
-            <a:stretch>
-              <a:fillRect/>
-            </a:stretch>
-          </p:blipFill>
-          <p:spPr>
-            <a:xfrm>
-              <a:off x="1890293" y="1811540"/>
-              <a:ext cx="7445436" cy="4579494"/>
-            </a:xfrm>
-            <a:prstGeom prst="rect">
-              <a:avLst/>
-            </a:prstGeom>
-          </p:spPr>
-        </p:pic>
-      </p:grpSp>
-    </p:spTree>
-    <p:extLst>
-      <p:ext uri="{BB962C8B-B14F-4D97-AF65-F5344CB8AC3E}">
-        <p14:creationId xmlns:p14="http://schemas.microsoft.com/office/powerpoint/2010/main" val="2753430048"/>
       </p:ext>
     </p:extLst>
   </p:cSld>

--- a/PROYECTO-MACHINE-LEARNING.pptx
+++ b/PROYECTO-MACHINE-LEARNING.pptx
@@ -334,7 +334,7 @@
           <a:p>
             <a:fld id="{B17FED09-996A-4092-B0CE-C688A8E76C69}" type="datetimeFigureOut">
               <a:rPr lang="es-ES" smtClean="0"/>
-              <a:t>03/03/2024</a:t>
+              <a:t>05/03/2024</a:t>
             </a:fld>
             <a:endParaRPr lang="es-ES"/>
           </a:p>
@@ -609,7 +609,7 @@
           <a:p>
             <a:fld id="{B17FED09-996A-4092-B0CE-C688A8E76C69}" type="datetimeFigureOut">
               <a:rPr lang="es-ES" smtClean="0"/>
-              <a:t>03/03/2024</a:t>
+              <a:t>05/03/2024</a:t>
             </a:fld>
             <a:endParaRPr lang="es-ES"/>
           </a:p>
@@ -803,7 +803,7 @@
           <a:p>
             <a:fld id="{B17FED09-996A-4092-B0CE-C688A8E76C69}" type="datetimeFigureOut">
               <a:rPr lang="es-ES" smtClean="0"/>
-              <a:t>03/03/2024</a:t>
+              <a:t>05/03/2024</a:t>
             </a:fld>
             <a:endParaRPr lang="es-ES"/>
           </a:p>
@@ -1076,7 +1076,7 @@
           <a:p>
             <a:fld id="{B17FED09-996A-4092-B0CE-C688A8E76C69}" type="datetimeFigureOut">
               <a:rPr lang="es-ES" smtClean="0"/>
-              <a:t>03/03/2024</a:t>
+              <a:t>05/03/2024</a:t>
             </a:fld>
             <a:endParaRPr lang="es-ES"/>
           </a:p>
@@ -1417,7 +1417,7 @@
           <a:p>
             <a:fld id="{B17FED09-996A-4092-B0CE-C688A8E76C69}" type="datetimeFigureOut">
               <a:rPr lang="es-ES" smtClean="0"/>
-              <a:t>03/03/2024</a:t>
+              <a:t>05/03/2024</a:t>
             </a:fld>
             <a:endParaRPr lang="es-ES"/>
           </a:p>
@@ -2040,7 +2040,7 @@
           <a:p>
             <a:fld id="{B17FED09-996A-4092-B0CE-C688A8E76C69}" type="datetimeFigureOut">
               <a:rPr lang="es-ES" smtClean="0"/>
-              <a:t>03/03/2024</a:t>
+              <a:t>05/03/2024</a:t>
             </a:fld>
             <a:endParaRPr lang="es-ES"/>
           </a:p>
@@ -2900,7 +2900,7 @@
           <a:p>
             <a:fld id="{B17FED09-996A-4092-B0CE-C688A8E76C69}" type="datetimeFigureOut">
               <a:rPr lang="es-ES" smtClean="0"/>
-              <a:t>03/03/2024</a:t>
+              <a:t>05/03/2024</a:t>
             </a:fld>
             <a:endParaRPr lang="es-ES"/>
           </a:p>
@@ -3070,7 +3070,7 @@
           <a:p>
             <a:fld id="{B17FED09-996A-4092-B0CE-C688A8E76C69}" type="datetimeFigureOut">
               <a:rPr lang="es-ES" smtClean="0"/>
-              <a:t>03/03/2024</a:t>
+              <a:t>05/03/2024</a:t>
             </a:fld>
             <a:endParaRPr lang="es-ES"/>
           </a:p>
@@ -3250,7 +3250,7 @@
           <a:p>
             <a:fld id="{B17FED09-996A-4092-B0CE-C688A8E76C69}" type="datetimeFigureOut">
               <a:rPr lang="es-ES" smtClean="0"/>
-              <a:t>03/03/2024</a:t>
+              <a:t>05/03/2024</a:t>
             </a:fld>
             <a:endParaRPr lang="es-ES"/>
           </a:p>
@@ -3420,7 +3420,7 @@
           <a:p>
             <a:fld id="{B17FED09-996A-4092-B0CE-C688A8E76C69}" type="datetimeFigureOut">
               <a:rPr lang="es-ES" smtClean="0"/>
-              <a:t>03/03/2024</a:t>
+              <a:t>05/03/2024</a:t>
             </a:fld>
             <a:endParaRPr lang="es-ES"/>
           </a:p>
@@ -3667,7 +3667,7 @@
           <a:p>
             <a:fld id="{B17FED09-996A-4092-B0CE-C688A8E76C69}" type="datetimeFigureOut">
               <a:rPr lang="es-ES" smtClean="0"/>
-              <a:t>03/03/2024</a:t>
+              <a:t>05/03/2024</a:t>
             </a:fld>
             <a:endParaRPr lang="es-ES"/>
           </a:p>
@@ -3959,7 +3959,7 @@
           <a:p>
             <a:fld id="{B17FED09-996A-4092-B0CE-C688A8E76C69}" type="datetimeFigureOut">
               <a:rPr lang="es-ES" smtClean="0"/>
-              <a:t>03/03/2024</a:t>
+              <a:t>05/03/2024</a:t>
             </a:fld>
             <a:endParaRPr lang="es-ES"/>
           </a:p>
@@ -4403,7 +4403,7 @@
           <a:p>
             <a:fld id="{B17FED09-996A-4092-B0CE-C688A8E76C69}" type="datetimeFigureOut">
               <a:rPr lang="es-ES" smtClean="0"/>
-              <a:t>03/03/2024</a:t>
+              <a:t>05/03/2024</a:t>
             </a:fld>
             <a:endParaRPr lang="es-ES"/>
           </a:p>
@@ -4521,7 +4521,7 @@
           <a:p>
             <a:fld id="{B17FED09-996A-4092-B0CE-C688A8E76C69}" type="datetimeFigureOut">
               <a:rPr lang="es-ES" smtClean="0"/>
-              <a:t>03/03/2024</a:t>
+              <a:t>05/03/2024</a:t>
             </a:fld>
             <a:endParaRPr lang="es-ES"/>
           </a:p>
@@ -4616,7 +4616,7 @@
           <a:p>
             <a:fld id="{B17FED09-996A-4092-B0CE-C688A8E76C69}" type="datetimeFigureOut">
               <a:rPr lang="es-ES" smtClean="0"/>
-              <a:t>03/03/2024</a:t>
+              <a:t>05/03/2024</a:t>
             </a:fld>
             <a:endParaRPr lang="es-ES"/>
           </a:p>
@@ -4895,7 +4895,7 @@
           <a:p>
             <a:fld id="{B17FED09-996A-4092-B0CE-C688A8E76C69}" type="datetimeFigureOut">
               <a:rPr lang="es-ES" smtClean="0"/>
-              <a:t>03/03/2024</a:t>
+              <a:t>05/03/2024</a:t>
             </a:fld>
             <a:endParaRPr lang="es-ES"/>
           </a:p>
@@ -5170,7 +5170,7 @@
           <a:p>
             <a:fld id="{B17FED09-996A-4092-B0CE-C688A8E76C69}" type="datetimeFigureOut">
               <a:rPr lang="es-ES" smtClean="0"/>
-              <a:t>03/03/2024</a:t>
+              <a:t>05/03/2024</a:t>
             </a:fld>
             <a:endParaRPr lang="es-ES"/>
           </a:p>
@@ -5599,7 +5599,7 @@
           <a:p>
             <a:fld id="{B17FED09-996A-4092-B0CE-C688A8E76C69}" type="datetimeFigureOut">
               <a:rPr lang="es-ES" smtClean="0"/>
-              <a:t>03/03/2024</a:t>
+              <a:t>05/03/2024</a:t>
             </a:fld>
             <a:endParaRPr lang="es-ES"/>
           </a:p>

--- a/PROYECTO-MACHINE-LEARNING.pptx
+++ b/PROYECTO-MACHINE-LEARNING.pptx
@@ -38,7 +38,7 @@
     <p:sldId id="273" r:id="rId32"/>
     <p:sldId id="274" r:id="rId33"/>
     <p:sldId id="271" r:id="rId34"/>
-    <p:sldId id="262" r:id="rId35"/>
+    <p:sldId id="295" r:id="rId35"/>
     <p:sldId id="263" r:id="rId36"/>
     <p:sldId id="264" r:id="rId37"/>
     <p:sldId id="265" r:id="rId38"/>
@@ -146,6 +146,3049 @@
     </p:ext>
   </p:extLst>
 </p:presentation>
+</file>
+
+<file path=ppt/diagrams/colors1.xml><?xml version="1.0" encoding="utf-8"?>
+<dgm:colorsDef xmlns:dgm="http://schemas.openxmlformats.org/drawingml/2006/diagram" xmlns:a="http://schemas.openxmlformats.org/drawingml/2006/main" uniqueId="urn:microsoft.com/office/officeart/2018/5/colors/Iconchunking_neutralbg_colorful1">
+  <dgm:title val=""/>
+  <dgm:desc val=""/>
+  <dgm:catLst>
+    <dgm:cat type="colorful" pri="10100"/>
+  </dgm:catLst>
+  <dgm:styleLbl name="node0">
+    <dgm:fillClrLst meth="repeat">
+      <a:schemeClr val="accent1"/>
+    </dgm:fillClrLst>
+    <dgm:linClrLst meth="repeat">
+      <a:schemeClr val="lt1"/>
+    </dgm:linClrLst>
+    <dgm:effectClrLst/>
+    <dgm:txLinClrLst/>
+    <dgm:txFillClrLst/>
+    <dgm:txEffectClrLst/>
+  </dgm:styleLbl>
+  <dgm:styleLbl name="node1">
+    <dgm:fillClrLst meth="repeat">
+      <a:schemeClr val="accent2"/>
+      <a:schemeClr val="accent3"/>
+      <a:schemeClr val="accent4"/>
+      <a:schemeClr val="accent5"/>
+      <a:schemeClr val="accent6"/>
+    </dgm:fillClrLst>
+    <dgm:linClrLst meth="repeat">
+      <a:schemeClr val="lt1">
+        <a:alpha val="0"/>
+      </a:schemeClr>
+    </dgm:linClrLst>
+    <dgm:effectClrLst/>
+    <dgm:txLinClrLst/>
+    <dgm:txFillClrLst/>
+    <dgm:txEffectClrLst/>
+  </dgm:styleLbl>
+  <dgm:styleLbl name="alignNode1">
+    <dgm:fillClrLst meth="repeat">
+      <a:schemeClr val="accent2"/>
+      <a:schemeClr val="accent3"/>
+      <a:schemeClr val="accent4"/>
+      <a:schemeClr val="accent5"/>
+      <a:schemeClr val="accent6"/>
+    </dgm:fillClrLst>
+    <dgm:linClrLst meth="repeat">
+      <a:schemeClr val="accent2"/>
+      <a:schemeClr val="accent3"/>
+      <a:schemeClr val="accent4"/>
+      <a:schemeClr val="accent5"/>
+      <a:schemeClr val="accent6"/>
+    </dgm:linClrLst>
+    <dgm:effectClrLst/>
+    <dgm:txLinClrLst/>
+    <dgm:txFillClrLst/>
+    <dgm:txEffectClrLst/>
+  </dgm:styleLbl>
+  <dgm:styleLbl name="lnNode1">
+    <dgm:fillClrLst meth="repeat">
+      <a:schemeClr val="accent2"/>
+      <a:schemeClr val="accent3"/>
+      <a:schemeClr val="accent4"/>
+      <a:schemeClr val="accent5"/>
+      <a:schemeClr val="accent6"/>
+    </dgm:fillClrLst>
+    <dgm:linClrLst meth="repeat">
+      <a:schemeClr val="lt1"/>
+    </dgm:linClrLst>
+    <dgm:effectClrLst/>
+    <dgm:txLinClrLst/>
+    <dgm:txFillClrLst/>
+    <dgm:txEffectClrLst/>
+  </dgm:styleLbl>
+  <dgm:styleLbl name="vennNode1">
+    <dgm:fillClrLst meth="repeat">
+      <a:schemeClr val="accent2">
+        <a:alpha val="50000"/>
+      </a:schemeClr>
+      <a:schemeClr val="accent3">
+        <a:alpha val="50000"/>
+      </a:schemeClr>
+      <a:schemeClr val="accent4">
+        <a:alpha val="50000"/>
+      </a:schemeClr>
+      <a:schemeClr val="accent5">
+        <a:alpha val="50000"/>
+      </a:schemeClr>
+      <a:schemeClr val="accent6">
+        <a:alpha val="50000"/>
+      </a:schemeClr>
+    </dgm:fillClrLst>
+    <dgm:linClrLst meth="repeat">
+      <a:schemeClr val="lt1"/>
+    </dgm:linClrLst>
+    <dgm:effectClrLst/>
+    <dgm:txLinClrLst/>
+    <dgm:txFillClrLst/>
+    <dgm:txEffectClrLst/>
+  </dgm:styleLbl>
+  <dgm:styleLbl name="node2">
+    <dgm:fillClrLst>
+      <a:schemeClr val="accent2"/>
+    </dgm:fillClrLst>
+    <dgm:linClrLst meth="repeat">
+      <a:schemeClr val="lt1"/>
+    </dgm:linClrLst>
+    <dgm:effectClrLst/>
+    <dgm:txLinClrLst/>
+    <dgm:txFillClrLst/>
+    <dgm:txEffectClrLst/>
+  </dgm:styleLbl>
+  <dgm:styleLbl name="node3">
+    <dgm:fillClrLst>
+      <a:schemeClr val="accent3"/>
+    </dgm:fillClrLst>
+    <dgm:linClrLst meth="repeat">
+      <a:schemeClr val="lt1"/>
+    </dgm:linClrLst>
+    <dgm:effectClrLst/>
+    <dgm:txLinClrLst/>
+    <dgm:txFillClrLst/>
+    <dgm:txEffectClrLst/>
+  </dgm:styleLbl>
+  <dgm:styleLbl name="node4">
+    <dgm:fillClrLst>
+      <a:schemeClr val="accent4"/>
+    </dgm:fillClrLst>
+    <dgm:linClrLst meth="repeat">
+      <a:schemeClr val="lt1"/>
+    </dgm:linClrLst>
+    <dgm:effectClrLst/>
+    <dgm:txLinClrLst/>
+    <dgm:txFillClrLst/>
+    <dgm:txEffectClrLst/>
+  </dgm:styleLbl>
+  <dgm:styleLbl name="fgImgPlace1">
+    <dgm:fillClrLst meth="repeat">
+      <a:schemeClr val="accent2">
+        <a:tint val="50000"/>
+      </a:schemeClr>
+      <a:schemeClr val="accent3">
+        <a:tint val="50000"/>
+      </a:schemeClr>
+      <a:schemeClr val="accent4">
+        <a:tint val="50000"/>
+      </a:schemeClr>
+      <a:schemeClr val="accent5">
+        <a:tint val="50000"/>
+      </a:schemeClr>
+      <a:schemeClr val="accent6">
+        <a:tint val="50000"/>
+      </a:schemeClr>
+    </dgm:fillClrLst>
+    <dgm:linClrLst meth="repeat">
+      <a:schemeClr val="lt1"/>
+    </dgm:linClrLst>
+    <dgm:effectClrLst/>
+    <dgm:txLinClrLst/>
+    <dgm:txFillClrLst meth="repeat">
+      <a:schemeClr val="lt1"/>
+    </dgm:txFillClrLst>
+    <dgm:txEffectClrLst/>
+  </dgm:styleLbl>
+  <dgm:styleLbl name="alignImgPlace1">
+    <dgm:fillClrLst>
+      <a:schemeClr val="accent1">
+        <a:tint val="50000"/>
+      </a:schemeClr>
+      <a:schemeClr val="accent2">
+        <a:tint val="20000"/>
+      </a:schemeClr>
+    </dgm:fillClrLst>
+    <dgm:linClrLst meth="repeat">
+      <a:schemeClr val="lt1"/>
+    </dgm:linClrLst>
+    <dgm:effectClrLst/>
+    <dgm:txLinClrLst/>
+    <dgm:txFillClrLst meth="repeat">
+      <a:schemeClr val="lt1"/>
+    </dgm:txFillClrLst>
+    <dgm:txEffectClrLst/>
+  </dgm:styleLbl>
+  <dgm:styleLbl name="bgImgPlace1">
+    <dgm:fillClrLst>
+      <a:schemeClr val="accent1">
+        <a:tint val="50000"/>
+      </a:schemeClr>
+      <a:schemeClr val="accent2">
+        <a:tint val="20000"/>
+      </a:schemeClr>
+    </dgm:fillClrLst>
+    <dgm:linClrLst meth="repeat">
+      <a:schemeClr val="lt1"/>
+    </dgm:linClrLst>
+    <dgm:effectClrLst/>
+    <dgm:txLinClrLst/>
+    <dgm:txFillClrLst meth="repeat">
+      <a:schemeClr val="lt1"/>
+    </dgm:txFillClrLst>
+    <dgm:txEffectClrLst/>
+  </dgm:styleLbl>
+  <dgm:styleLbl name="sibTrans2D1">
+    <dgm:fillClrLst meth="repeat">
+      <a:schemeClr val="accent2"/>
+      <a:schemeClr val="accent3"/>
+      <a:schemeClr val="accent4"/>
+      <a:schemeClr val="accent5"/>
+      <a:schemeClr val="accent6"/>
+    </dgm:fillClrLst>
+    <dgm:linClrLst meth="cycle">
+      <a:schemeClr val="lt1"/>
+    </dgm:linClrLst>
+    <dgm:effectClrLst/>
+    <dgm:txLinClrLst/>
+    <dgm:txFillClrLst/>
+    <dgm:txEffectClrLst/>
+  </dgm:styleLbl>
+  <dgm:styleLbl name="fgSibTrans2D1">
+    <dgm:fillClrLst meth="repeat">
+      <a:schemeClr val="accent2"/>
+      <a:schemeClr val="accent3"/>
+      <a:schemeClr val="accent4"/>
+      <a:schemeClr val="accent5"/>
+      <a:schemeClr val="accent6"/>
+    </dgm:fillClrLst>
+    <dgm:linClrLst meth="cycle">
+      <a:schemeClr val="lt1"/>
+    </dgm:linClrLst>
+    <dgm:effectClrLst/>
+    <dgm:txLinClrLst/>
+    <dgm:txFillClrLst meth="repeat">
+      <a:schemeClr val="lt1"/>
+    </dgm:txFillClrLst>
+    <dgm:txEffectClrLst/>
+  </dgm:styleLbl>
+  <dgm:styleLbl name="bgSibTrans2D1">
+    <dgm:fillClrLst meth="repeat">
+      <a:schemeClr val="accent2"/>
+      <a:schemeClr val="accent3"/>
+      <a:schemeClr val="accent4"/>
+      <a:schemeClr val="accent5"/>
+      <a:schemeClr val="accent6"/>
+    </dgm:fillClrLst>
+    <dgm:linClrLst meth="cycle">
+      <a:schemeClr val="lt1"/>
+    </dgm:linClrLst>
+    <dgm:effectClrLst/>
+    <dgm:txLinClrLst/>
+    <dgm:txFillClrLst meth="repeat">
+      <a:schemeClr val="lt1"/>
+    </dgm:txFillClrLst>
+    <dgm:txEffectClrLst/>
+  </dgm:styleLbl>
+  <dgm:styleLbl name="sibTrans1D1">
+    <dgm:fillClrLst meth="repeat">
+      <a:schemeClr val="accent2"/>
+      <a:schemeClr val="accent3"/>
+      <a:schemeClr val="accent4"/>
+      <a:schemeClr val="accent5"/>
+      <a:schemeClr val="accent6"/>
+    </dgm:fillClrLst>
+    <dgm:linClrLst meth="repeat">
+      <a:schemeClr val="accent2"/>
+      <a:schemeClr val="accent3"/>
+      <a:schemeClr val="accent4"/>
+      <a:schemeClr val="accent5"/>
+      <a:schemeClr val="accent6"/>
+    </dgm:linClrLst>
+    <dgm:effectClrLst/>
+    <dgm:txLinClrLst/>
+    <dgm:txFillClrLst meth="repeat">
+      <a:schemeClr val="tx1"/>
+    </dgm:txFillClrLst>
+    <dgm:txEffectClrLst/>
+  </dgm:styleLbl>
+  <dgm:styleLbl name="callout">
+    <dgm:fillClrLst meth="repeat">
+      <a:schemeClr val="accent2"/>
+    </dgm:fillClrLst>
+    <dgm:linClrLst meth="repeat">
+      <a:schemeClr val="accent2">
+        <a:tint val="50000"/>
+      </a:schemeClr>
+    </dgm:linClrLst>
+    <dgm:effectClrLst/>
+    <dgm:txLinClrLst/>
+    <dgm:txFillClrLst meth="repeat">
+      <a:schemeClr val="tx1"/>
+    </dgm:txFillClrLst>
+    <dgm:txEffectClrLst/>
+  </dgm:styleLbl>
+  <dgm:styleLbl name="asst0">
+    <dgm:fillClrLst meth="repeat">
+      <a:schemeClr val="accent1"/>
+    </dgm:fillClrLst>
+    <dgm:linClrLst meth="repeat">
+      <a:schemeClr val="lt1"/>
+    </dgm:linClrLst>
+    <dgm:effectClrLst/>
+    <dgm:txLinClrLst/>
+    <dgm:txFillClrLst/>
+    <dgm:txEffectClrLst/>
+  </dgm:styleLbl>
+  <dgm:styleLbl name="asst1">
+    <dgm:fillClrLst meth="repeat">
+      <a:schemeClr val="accent2"/>
+    </dgm:fillClrLst>
+    <dgm:linClrLst meth="repeat">
+      <a:schemeClr val="lt1"/>
+    </dgm:linClrLst>
+    <dgm:effectClrLst/>
+    <dgm:txLinClrLst/>
+    <dgm:txFillClrLst/>
+    <dgm:txEffectClrLst/>
+  </dgm:styleLbl>
+  <dgm:styleLbl name="asst2">
+    <dgm:fillClrLst>
+      <a:schemeClr val="accent3"/>
+    </dgm:fillClrLst>
+    <dgm:linClrLst meth="repeat">
+      <a:schemeClr val="lt1"/>
+    </dgm:linClrLst>
+    <dgm:effectClrLst/>
+    <dgm:txLinClrLst/>
+    <dgm:txFillClrLst/>
+    <dgm:txEffectClrLst/>
+  </dgm:styleLbl>
+  <dgm:styleLbl name="asst3">
+    <dgm:fillClrLst>
+      <a:schemeClr val="accent4"/>
+    </dgm:fillClrLst>
+    <dgm:linClrLst meth="repeat">
+      <a:schemeClr val="lt1"/>
+    </dgm:linClrLst>
+    <dgm:effectClrLst/>
+    <dgm:txLinClrLst/>
+    <dgm:txFillClrLst/>
+    <dgm:txEffectClrLst/>
+  </dgm:styleLbl>
+  <dgm:styleLbl name="asst4">
+    <dgm:fillClrLst>
+      <a:schemeClr val="accent5"/>
+    </dgm:fillClrLst>
+    <dgm:linClrLst meth="repeat">
+      <a:schemeClr val="lt1"/>
+    </dgm:linClrLst>
+    <dgm:effectClrLst/>
+    <dgm:txLinClrLst/>
+    <dgm:txFillClrLst/>
+    <dgm:txEffectClrLst/>
+  </dgm:styleLbl>
+  <dgm:styleLbl name="parChTrans2D1">
+    <dgm:fillClrLst meth="repeat">
+      <a:schemeClr val="accent2"/>
+    </dgm:fillClrLst>
+    <dgm:linClrLst meth="repeat">
+      <a:schemeClr val="lt1"/>
+    </dgm:linClrLst>
+    <dgm:effectClrLst/>
+    <dgm:txLinClrLst/>
+    <dgm:txFillClrLst meth="repeat">
+      <a:schemeClr val="lt1"/>
+    </dgm:txFillClrLst>
+    <dgm:txEffectClrLst/>
+  </dgm:styleLbl>
+  <dgm:styleLbl name="parChTrans2D2">
+    <dgm:fillClrLst meth="repeat">
+      <a:schemeClr val="accent3"/>
+    </dgm:fillClrLst>
+    <dgm:linClrLst meth="repeat">
+      <a:schemeClr val="lt1"/>
+    </dgm:linClrLst>
+    <dgm:effectClrLst/>
+    <dgm:txLinClrLst/>
+    <dgm:txFillClrLst/>
+    <dgm:txEffectClrLst/>
+  </dgm:styleLbl>
+  <dgm:styleLbl name="parChTrans2D3">
+    <dgm:fillClrLst meth="repeat">
+      <a:schemeClr val="accent4"/>
+    </dgm:fillClrLst>
+    <dgm:linClrLst meth="repeat">
+      <a:schemeClr val="lt1"/>
+    </dgm:linClrLst>
+    <dgm:effectClrLst/>
+    <dgm:txLinClrLst/>
+    <dgm:txFillClrLst/>
+    <dgm:txEffectClrLst/>
+  </dgm:styleLbl>
+  <dgm:styleLbl name="parChTrans2D4">
+    <dgm:fillClrLst meth="repeat">
+      <a:schemeClr val="accent5"/>
+    </dgm:fillClrLst>
+    <dgm:linClrLst meth="repeat">
+      <a:schemeClr val="lt1"/>
+    </dgm:linClrLst>
+    <dgm:effectClrLst/>
+    <dgm:txLinClrLst/>
+    <dgm:txFillClrLst meth="repeat">
+      <a:schemeClr val="lt1"/>
+    </dgm:txFillClrLst>
+    <dgm:txEffectClrLst/>
+  </dgm:styleLbl>
+  <dgm:styleLbl name="parChTrans1D1">
+    <dgm:fillClrLst meth="repeat">
+      <a:schemeClr val="accent2"/>
+    </dgm:fillClrLst>
+    <dgm:linClrLst meth="repeat">
+      <a:schemeClr val="accent1"/>
+    </dgm:linClrLst>
+    <dgm:effectClrLst/>
+    <dgm:txLinClrLst/>
+    <dgm:txFillClrLst meth="repeat">
+      <a:schemeClr val="tx1"/>
+    </dgm:txFillClrLst>
+    <dgm:txEffectClrLst/>
+  </dgm:styleLbl>
+  <dgm:styleLbl name="parChTrans1D2">
+    <dgm:fillClrLst meth="repeat">
+      <a:schemeClr val="accent3">
+        <a:tint val="90000"/>
+      </a:schemeClr>
+    </dgm:fillClrLst>
+    <dgm:linClrLst meth="repeat">
+      <a:schemeClr val="accent2"/>
+    </dgm:linClrLst>
+    <dgm:effectClrLst/>
+    <dgm:txLinClrLst/>
+    <dgm:txFillClrLst meth="repeat">
+      <a:schemeClr val="tx1"/>
+    </dgm:txFillClrLst>
+    <dgm:txEffectClrLst/>
+  </dgm:styleLbl>
+  <dgm:styleLbl name="parChTrans1D3">
+    <dgm:fillClrLst meth="repeat">
+      <a:schemeClr val="accent4">
+        <a:tint val="70000"/>
+      </a:schemeClr>
+    </dgm:fillClrLst>
+    <dgm:linClrLst meth="repeat">
+      <a:schemeClr val="accent3"/>
+    </dgm:linClrLst>
+    <dgm:effectClrLst/>
+    <dgm:txLinClrLst/>
+    <dgm:txFillClrLst meth="repeat">
+      <a:schemeClr val="tx1"/>
+    </dgm:txFillClrLst>
+    <dgm:txEffectClrLst/>
+  </dgm:styleLbl>
+  <dgm:styleLbl name="parChTrans1D4">
+    <dgm:fillClrLst meth="repeat">
+      <a:schemeClr val="accent5">
+        <a:tint val="50000"/>
+      </a:schemeClr>
+    </dgm:fillClrLst>
+    <dgm:linClrLst meth="repeat">
+      <a:schemeClr val="accent4"/>
+    </dgm:linClrLst>
+    <dgm:effectClrLst/>
+    <dgm:txLinClrLst/>
+    <dgm:txFillClrLst meth="repeat">
+      <a:schemeClr val="tx1"/>
+    </dgm:txFillClrLst>
+    <dgm:txEffectClrLst/>
+  </dgm:styleLbl>
+  <dgm:styleLbl name="fgAcc1">
+    <dgm:fillClrLst meth="repeat">
+      <a:schemeClr val="lt1">
+        <a:alpha val="90000"/>
+      </a:schemeClr>
+    </dgm:fillClrLst>
+    <dgm:linClrLst meth="repeat">
+      <a:schemeClr val="accent2"/>
+      <a:schemeClr val="accent3"/>
+      <a:schemeClr val="accent4"/>
+      <a:schemeClr val="accent5"/>
+      <a:schemeClr val="accent6"/>
+    </dgm:linClrLst>
+    <dgm:effectClrLst/>
+    <dgm:txLinClrLst/>
+    <dgm:txFillClrLst meth="repeat">
+      <a:schemeClr val="dk1"/>
+    </dgm:txFillClrLst>
+    <dgm:txEffectClrLst/>
+  </dgm:styleLbl>
+  <dgm:styleLbl name="conFgAcc1">
+    <dgm:fillClrLst meth="repeat">
+      <a:schemeClr val="lt1">
+        <a:alpha val="90000"/>
+      </a:schemeClr>
+    </dgm:fillClrLst>
+    <dgm:linClrLst meth="repeat">
+      <a:schemeClr val="accent2"/>
+      <a:schemeClr val="accent3"/>
+      <a:schemeClr val="accent4"/>
+      <a:schemeClr val="accent5"/>
+      <a:schemeClr val="accent6"/>
+    </dgm:linClrLst>
+    <dgm:effectClrLst/>
+    <dgm:txLinClrLst/>
+    <dgm:txFillClrLst meth="repeat">
+      <a:schemeClr val="dk1"/>
+    </dgm:txFillClrLst>
+    <dgm:txEffectClrLst/>
+  </dgm:styleLbl>
+  <dgm:styleLbl name="alignAcc1">
+    <dgm:fillClrLst meth="repeat">
+      <a:schemeClr val="lt1">
+        <a:alpha val="90000"/>
+      </a:schemeClr>
+    </dgm:fillClrLst>
+    <dgm:linClrLst meth="repeat">
+      <a:schemeClr val="accent2"/>
+      <a:schemeClr val="accent3"/>
+      <a:schemeClr val="accent4"/>
+      <a:schemeClr val="accent5"/>
+      <a:schemeClr val="accent6"/>
+    </dgm:linClrLst>
+    <dgm:effectClrLst/>
+    <dgm:txLinClrLst/>
+    <dgm:txFillClrLst meth="repeat">
+      <a:schemeClr val="dk1"/>
+    </dgm:txFillClrLst>
+    <dgm:txEffectClrLst/>
+  </dgm:styleLbl>
+  <dgm:styleLbl name="trAlignAcc1">
+    <dgm:fillClrLst meth="repeat">
+      <a:schemeClr val="lt1">
+        <a:alpha val="40000"/>
+      </a:schemeClr>
+    </dgm:fillClrLst>
+    <dgm:linClrLst meth="repeat">
+      <a:schemeClr val="accent1"/>
+    </dgm:linClrLst>
+    <dgm:effectClrLst/>
+    <dgm:txLinClrLst/>
+    <dgm:txFillClrLst meth="repeat">
+      <a:schemeClr val="dk1"/>
+    </dgm:txFillClrLst>
+    <dgm:txEffectClrLst/>
+  </dgm:styleLbl>
+  <dgm:styleLbl name="bgAcc1">
+    <dgm:fillClrLst meth="repeat">
+      <a:schemeClr val="lt1">
+        <a:alpha val="90000"/>
+      </a:schemeClr>
+    </dgm:fillClrLst>
+    <dgm:linClrLst meth="repeat">
+      <a:schemeClr val="accent2"/>
+      <a:schemeClr val="accent3"/>
+      <a:schemeClr val="accent4"/>
+      <a:schemeClr val="accent5"/>
+      <a:schemeClr val="accent6"/>
+    </dgm:linClrLst>
+    <dgm:effectClrLst/>
+    <dgm:txLinClrLst/>
+    <dgm:txFillClrLst meth="repeat">
+      <a:schemeClr val="dk1"/>
+    </dgm:txFillClrLst>
+    <dgm:txEffectClrLst/>
+  </dgm:styleLbl>
+  <dgm:styleLbl name="solidFgAcc1">
+    <dgm:fillClrLst meth="repeat">
+      <a:schemeClr val="lt1"/>
+    </dgm:fillClrLst>
+    <dgm:linClrLst meth="repeat">
+      <a:schemeClr val="accent2"/>
+      <a:schemeClr val="accent3"/>
+      <a:schemeClr val="accent4"/>
+      <a:schemeClr val="accent5"/>
+      <a:schemeClr val="accent6"/>
+    </dgm:linClrLst>
+    <dgm:effectClrLst/>
+    <dgm:txLinClrLst/>
+    <dgm:txFillClrLst meth="repeat">
+      <a:schemeClr val="dk1"/>
+    </dgm:txFillClrLst>
+    <dgm:txEffectClrLst/>
+  </dgm:styleLbl>
+  <dgm:styleLbl name="solidAlignAcc1">
+    <dgm:fillClrLst meth="repeat">
+      <a:schemeClr val="lt1"/>
+    </dgm:fillClrLst>
+    <dgm:linClrLst meth="repeat">
+      <a:schemeClr val="accent2"/>
+      <a:schemeClr val="accent3"/>
+      <a:schemeClr val="accent4"/>
+      <a:schemeClr val="accent5"/>
+      <a:schemeClr val="accent6"/>
+    </dgm:linClrLst>
+    <dgm:effectClrLst/>
+    <dgm:txLinClrLst/>
+    <dgm:txFillClrLst meth="repeat">
+      <a:schemeClr val="dk1"/>
+    </dgm:txFillClrLst>
+    <dgm:txEffectClrLst/>
+  </dgm:styleLbl>
+  <dgm:styleLbl name="solidBgAcc1">
+    <dgm:fillClrLst meth="repeat">
+      <a:schemeClr val="lt1"/>
+    </dgm:fillClrLst>
+    <dgm:linClrLst meth="repeat">
+      <a:schemeClr val="accent2"/>
+      <a:schemeClr val="accent3"/>
+      <a:schemeClr val="accent4"/>
+      <a:schemeClr val="accent5"/>
+      <a:schemeClr val="accent6"/>
+    </dgm:linClrLst>
+    <dgm:effectClrLst/>
+    <dgm:txLinClrLst/>
+    <dgm:txFillClrLst meth="repeat">
+      <a:schemeClr val="dk1"/>
+    </dgm:txFillClrLst>
+    <dgm:txEffectClrLst/>
+  </dgm:styleLbl>
+  <dgm:styleLbl name="fgAccFollowNode1">
+    <dgm:fillClrLst meth="repeat">
+      <a:schemeClr val="accent2">
+        <a:tint val="40000"/>
+        <a:alpha val="90000"/>
+      </a:schemeClr>
+      <a:schemeClr val="accent3">
+        <a:tint val="40000"/>
+        <a:alpha val="90000"/>
+      </a:schemeClr>
+      <a:schemeClr val="accent4">
+        <a:tint val="40000"/>
+        <a:alpha val="90000"/>
+      </a:schemeClr>
+      <a:schemeClr val="accent5">
+        <a:tint val="40000"/>
+        <a:alpha val="90000"/>
+      </a:schemeClr>
+      <a:schemeClr val="accent6">
+        <a:tint val="40000"/>
+        <a:alpha val="90000"/>
+      </a:schemeClr>
+    </dgm:fillClrLst>
+    <dgm:linClrLst meth="repeat">
+      <a:schemeClr val="accent2">
+        <a:tint val="40000"/>
+        <a:alpha val="90000"/>
+      </a:schemeClr>
+      <a:schemeClr val="accent3">
+        <a:tint val="40000"/>
+        <a:alpha val="90000"/>
+      </a:schemeClr>
+      <a:schemeClr val="accent4">
+        <a:tint val="40000"/>
+        <a:alpha val="90000"/>
+      </a:schemeClr>
+      <a:schemeClr val="accent5">
+        <a:tint val="40000"/>
+        <a:alpha val="90000"/>
+      </a:schemeClr>
+      <a:schemeClr val="accent6">
+        <a:tint val="40000"/>
+        <a:alpha val="90000"/>
+      </a:schemeClr>
+    </dgm:linClrLst>
+    <dgm:effectClrLst/>
+    <dgm:txLinClrLst/>
+    <dgm:txFillClrLst meth="repeat">
+      <a:schemeClr val="dk1"/>
+    </dgm:txFillClrLst>
+    <dgm:txEffectClrLst/>
+  </dgm:styleLbl>
+  <dgm:styleLbl name="alignAccFollowNode1">
+    <dgm:fillClrLst meth="repeat">
+      <a:schemeClr val="accent2">
+        <a:tint val="40000"/>
+        <a:alpha val="90000"/>
+      </a:schemeClr>
+      <a:schemeClr val="accent3">
+        <a:tint val="40000"/>
+        <a:alpha val="90000"/>
+      </a:schemeClr>
+      <a:schemeClr val="accent4">
+        <a:tint val="40000"/>
+        <a:alpha val="90000"/>
+      </a:schemeClr>
+      <a:schemeClr val="accent5">
+        <a:tint val="40000"/>
+        <a:alpha val="90000"/>
+      </a:schemeClr>
+      <a:schemeClr val="accent6">
+        <a:tint val="40000"/>
+        <a:alpha val="90000"/>
+      </a:schemeClr>
+    </dgm:fillClrLst>
+    <dgm:linClrLst meth="repeat">
+      <a:schemeClr val="accent2">
+        <a:tint val="40000"/>
+        <a:alpha val="90000"/>
+      </a:schemeClr>
+      <a:schemeClr val="accent3">
+        <a:tint val="40000"/>
+        <a:alpha val="90000"/>
+      </a:schemeClr>
+      <a:schemeClr val="accent4">
+        <a:tint val="40000"/>
+        <a:alpha val="90000"/>
+      </a:schemeClr>
+      <a:schemeClr val="accent5">
+        <a:tint val="40000"/>
+        <a:alpha val="90000"/>
+      </a:schemeClr>
+      <a:schemeClr val="accent6">
+        <a:tint val="40000"/>
+        <a:alpha val="90000"/>
+      </a:schemeClr>
+    </dgm:linClrLst>
+    <dgm:effectClrLst/>
+    <dgm:txLinClrLst/>
+    <dgm:txFillClrLst meth="repeat">
+      <a:schemeClr val="dk1"/>
+    </dgm:txFillClrLst>
+    <dgm:txEffectClrLst/>
+  </dgm:styleLbl>
+  <dgm:styleLbl name="bgAccFollowNode1">
+    <dgm:fillClrLst meth="repeat">
+      <a:schemeClr val="accent2">
+        <a:tint val="40000"/>
+        <a:alpha val="90000"/>
+      </a:schemeClr>
+      <a:schemeClr val="accent3">
+        <a:tint val="40000"/>
+        <a:alpha val="90000"/>
+      </a:schemeClr>
+      <a:schemeClr val="accent4">
+        <a:tint val="40000"/>
+        <a:alpha val="90000"/>
+      </a:schemeClr>
+      <a:schemeClr val="accent5">
+        <a:tint val="40000"/>
+        <a:alpha val="90000"/>
+      </a:schemeClr>
+      <a:schemeClr val="accent6">
+        <a:tint val="40000"/>
+        <a:alpha val="90000"/>
+      </a:schemeClr>
+    </dgm:fillClrLst>
+    <dgm:linClrLst meth="repeat">
+      <a:schemeClr val="accent2">
+        <a:tint val="40000"/>
+        <a:alpha val="90000"/>
+      </a:schemeClr>
+      <a:schemeClr val="accent3">
+        <a:tint val="40000"/>
+        <a:alpha val="90000"/>
+      </a:schemeClr>
+      <a:schemeClr val="accent4">
+        <a:tint val="40000"/>
+        <a:alpha val="90000"/>
+      </a:schemeClr>
+      <a:schemeClr val="accent5">
+        <a:tint val="40000"/>
+        <a:alpha val="90000"/>
+      </a:schemeClr>
+      <a:schemeClr val="accent6">
+        <a:tint val="40000"/>
+        <a:alpha val="90000"/>
+      </a:schemeClr>
+    </dgm:linClrLst>
+    <dgm:effectClrLst/>
+    <dgm:txLinClrLst/>
+    <dgm:txFillClrLst meth="repeat">
+      <a:schemeClr val="dk1"/>
+    </dgm:txFillClrLst>
+    <dgm:txEffectClrLst/>
+  </dgm:styleLbl>
+  <dgm:styleLbl name="fgAcc0">
+    <dgm:fillClrLst meth="repeat">
+      <a:schemeClr val="lt1">
+        <a:alpha val="90000"/>
+      </a:schemeClr>
+    </dgm:fillClrLst>
+    <dgm:linClrLst>
+      <a:schemeClr val="accent1"/>
+    </dgm:linClrLst>
+    <dgm:effectClrLst/>
+    <dgm:txLinClrLst/>
+    <dgm:txFillClrLst meth="repeat">
+      <a:schemeClr val="dk1"/>
+    </dgm:txFillClrLst>
+    <dgm:txEffectClrLst/>
+  </dgm:styleLbl>
+  <dgm:styleLbl name="fgAcc2">
+    <dgm:fillClrLst meth="repeat">
+      <a:schemeClr val="lt1">
+        <a:alpha val="90000"/>
+      </a:schemeClr>
+    </dgm:fillClrLst>
+    <dgm:linClrLst>
+      <a:schemeClr val="accent2"/>
+    </dgm:linClrLst>
+    <dgm:effectClrLst/>
+    <dgm:txLinClrLst/>
+    <dgm:txFillClrLst meth="repeat">
+      <a:schemeClr val="dk1"/>
+    </dgm:txFillClrLst>
+    <dgm:txEffectClrLst/>
+  </dgm:styleLbl>
+  <dgm:styleLbl name="fgAcc3">
+    <dgm:fillClrLst meth="repeat">
+      <a:schemeClr val="lt1">
+        <a:alpha val="90000"/>
+      </a:schemeClr>
+    </dgm:fillClrLst>
+    <dgm:linClrLst>
+      <a:schemeClr val="accent3"/>
+    </dgm:linClrLst>
+    <dgm:effectClrLst/>
+    <dgm:txLinClrLst/>
+    <dgm:txFillClrLst meth="repeat">
+      <a:schemeClr val="dk1"/>
+    </dgm:txFillClrLst>
+    <dgm:txEffectClrLst/>
+  </dgm:styleLbl>
+  <dgm:styleLbl name="fgAcc4">
+    <dgm:fillClrLst meth="repeat">
+      <a:schemeClr val="lt1">
+        <a:alpha val="90000"/>
+      </a:schemeClr>
+    </dgm:fillClrLst>
+    <dgm:linClrLst>
+      <a:schemeClr val="accent4"/>
+    </dgm:linClrLst>
+    <dgm:effectClrLst/>
+    <dgm:txLinClrLst/>
+    <dgm:txFillClrLst meth="repeat">
+      <a:schemeClr val="dk1"/>
+    </dgm:txFillClrLst>
+    <dgm:txEffectClrLst/>
+  </dgm:styleLbl>
+  <dgm:styleLbl name="bgShp">
+    <dgm:fillClrLst meth="repeat">
+      <a:schemeClr val="bg1">
+        <a:lumMod val="95000"/>
+      </a:schemeClr>
+    </dgm:fillClrLst>
+    <dgm:linClrLst meth="repeat">
+      <a:schemeClr val="dk1"/>
+    </dgm:linClrLst>
+    <dgm:effectClrLst/>
+    <dgm:txLinClrLst/>
+    <dgm:txFillClrLst meth="repeat">
+      <a:schemeClr val="dk1"/>
+    </dgm:txFillClrLst>
+    <dgm:txEffectClrLst/>
+  </dgm:styleLbl>
+  <dgm:styleLbl name="dkBgShp">
+    <dgm:fillClrLst meth="repeat">
+      <a:schemeClr val="accent2">
+        <a:shade val="90000"/>
+      </a:schemeClr>
+    </dgm:fillClrLst>
+    <dgm:linClrLst meth="repeat">
+      <a:schemeClr val="dk1"/>
+    </dgm:linClrLst>
+    <dgm:effectClrLst/>
+    <dgm:txLinClrLst/>
+    <dgm:txFillClrLst meth="repeat">
+      <a:schemeClr val="lt1"/>
+    </dgm:txFillClrLst>
+    <dgm:txEffectClrLst/>
+  </dgm:styleLbl>
+  <dgm:styleLbl name="trBgShp">
+    <dgm:fillClrLst meth="repeat">
+      <a:schemeClr val="accent1">
+        <a:tint val="50000"/>
+        <a:alpha val="40000"/>
+      </a:schemeClr>
+    </dgm:fillClrLst>
+    <dgm:linClrLst meth="repeat">
+      <a:schemeClr val="accent2"/>
+    </dgm:linClrLst>
+    <dgm:effectClrLst/>
+    <dgm:txLinClrLst/>
+    <dgm:txFillClrLst meth="repeat">
+      <a:schemeClr val="lt1"/>
+    </dgm:txFillClrLst>
+    <dgm:txEffectClrLst/>
+  </dgm:styleLbl>
+  <dgm:styleLbl name="fgShp">
+    <dgm:fillClrLst meth="repeat">
+      <a:schemeClr val="accent2">
+        <a:tint val="40000"/>
+      </a:schemeClr>
+    </dgm:fillClrLst>
+    <dgm:linClrLst meth="repeat">
+      <a:schemeClr val="lt1"/>
+    </dgm:linClrLst>
+    <dgm:effectClrLst/>
+    <dgm:txLinClrLst/>
+    <dgm:txFillClrLst meth="repeat">
+      <a:schemeClr val="dk1"/>
+    </dgm:txFillClrLst>
+    <dgm:txEffectClrLst/>
+  </dgm:styleLbl>
+  <dgm:styleLbl name="revTx">
+    <dgm:fillClrLst meth="repeat">
+      <a:schemeClr val="lt1">
+        <a:alpha val="0"/>
+      </a:schemeClr>
+    </dgm:fillClrLst>
+    <dgm:linClrLst meth="repeat">
+      <a:schemeClr val="dk1">
+        <a:alpha val="0"/>
+      </a:schemeClr>
+    </dgm:linClrLst>
+    <dgm:effectClrLst/>
+    <dgm:txLinClrLst/>
+    <dgm:txFillClrLst meth="repeat">
+      <a:schemeClr val="tx1"/>
+    </dgm:txFillClrLst>
+    <dgm:txEffectClrLst/>
+  </dgm:styleLbl>
+</dgm:colorsDef>
+</file>
+
+<file path=ppt/diagrams/data1.xml><?xml version="1.0" encoding="utf-8"?>
+<dgm:dataModel xmlns:dgm="http://schemas.openxmlformats.org/drawingml/2006/diagram" xmlns:a="http://schemas.openxmlformats.org/drawingml/2006/main">
+  <dgm:ptLst>
+    <dgm:pt modelId="{9BA8237E-18C7-4700-AC60-A20690A84126}" type="doc">
+      <dgm:prSet loTypeId="urn:microsoft.com/office/officeart/2018/2/layout/IconVerticalSolidList" loCatId="icon" qsTypeId="urn:microsoft.com/office/officeart/2005/8/quickstyle/simple1" qsCatId="simple" csTypeId="urn:microsoft.com/office/officeart/2018/5/colors/Iconchunking_neutralbg_colorful1" csCatId="colorful" phldr="1"/>
+      <dgm:spPr/>
+      <dgm:t>
+        <a:bodyPr/>
+        <a:lstStyle/>
+        <a:p>
+          <a:endParaRPr lang="en-US"/>
+        </a:p>
+      </dgm:t>
+    </dgm:pt>
+    <dgm:pt modelId="{F5B08EE7-8899-45BE-8737-AB406580E580}">
+      <dgm:prSet/>
+      <dgm:spPr/>
+      <dgm:t>
+        <a:bodyPr/>
+        <a:lstStyle/>
+        <a:p>
+          <a:r>
+            <a:rPr lang="es-PE"/>
+            <a:t>Librería pandas versión 2.1.4</a:t>
+          </a:r>
+          <a:endParaRPr lang="en-US"/>
+        </a:p>
+      </dgm:t>
+    </dgm:pt>
+    <dgm:pt modelId="{F9984238-55B7-450C-93A3-C8B47CD99E07}" type="parTrans" cxnId="{2E64CF51-1687-4D32-901A-516B9B8FEE31}">
+      <dgm:prSet/>
+      <dgm:spPr/>
+      <dgm:t>
+        <a:bodyPr/>
+        <a:lstStyle/>
+        <a:p>
+          <a:endParaRPr lang="en-US"/>
+        </a:p>
+      </dgm:t>
+    </dgm:pt>
+    <dgm:pt modelId="{4BC54FF6-C05A-49B2-8F3B-1B276D147579}" type="sibTrans" cxnId="{2E64CF51-1687-4D32-901A-516B9B8FEE31}">
+      <dgm:prSet/>
+      <dgm:spPr/>
+      <dgm:t>
+        <a:bodyPr/>
+        <a:lstStyle/>
+        <a:p>
+          <a:endParaRPr lang="en-US"/>
+        </a:p>
+      </dgm:t>
+    </dgm:pt>
+    <dgm:pt modelId="{39ACDC8D-5F14-4FD8-9E81-537B62AC6F6D}">
+      <dgm:prSet/>
+      <dgm:spPr/>
+      <dgm:t>
+        <a:bodyPr/>
+        <a:lstStyle/>
+        <a:p>
+          <a:r>
+            <a:rPr lang="es-PE"/>
+            <a:t>Librería seaborn versión 0.13.2</a:t>
+          </a:r>
+          <a:endParaRPr lang="en-US"/>
+        </a:p>
+      </dgm:t>
+    </dgm:pt>
+    <dgm:pt modelId="{514E91F0-17A6-462B-8563-B29079C96EE2}" type="parTrans" cxnId="{F52B0364-4794-43B3-AE17-CD663E2DF756}">
+      <dgm:prSet/>
+      <dgm:spPr/>
+      <dgm:t>
+        <a:bodyPr/>
+        <a:lstStyle/>
+        <a:p>
+          <a:endParaRPr lang="en-US"/>
+        </a:p>
+      </dgm:t>
+    </dgm:pt>
+    <dgm:pt modelId="{87661705-F7E1-4321-920D-CEDA5CB9A5E2}" type="sibTrans" cxnId="{F52B0364-4794-43B3-AE17-CD663E2DF756}">
+      <dgm:prSet/>
+      <dgm:spPr/>
+      <dgm:t>
+        <a:bodyPr/>
+        <a:lstStyle/>
+        <a:p>
+          <a:endParaRPr lang="en-US"/>
+        </a:p>
+      </dgm:t>
+    </dgm:pt>
+    <dgm:pt modelId="{71B3695E-89D1-464C-9661-1ABC52E2432B}">
+      <dgm:prSet/>
+      <dgm:spPr/>
+      <dgm:t>
+        <a:bodyPr/>
+        <a:lstStyle/>
+        <a:p>
+          <a:r>
+            <a:rPr lang="es-PE"/>
+            <a:t>Librería scikit-learn versión 1.4.0</a:t>
+          </a:r>
+          <a:endParaRPr lang="en-US"/>
+        </a:p>
+      </dgm:t>
+    </dgm:pt>
+    <dgm:pt modelId="{B5C20D04-72A8-4CF6-AE1E-01C78EFD7568}" type="parTrans" cxnId="{9BA96432-2FDE-4986-B67C-55B850FD7249}">
+      <dgm:prSet/>
+      <dgm:spPr/>
+      <dgm:t>
+        <a:bodyPr/>
+        <a:lstStyle/>
+        <a:p>
+          <a:endParaRPr lang="en-US"/>
+        </a:p>
+      </dgm:t>
+    </dgm:pt>
+    <dgm:pt modelId="{CEFBF4D8-775F-43E1-831B-60A527B88C51}" type="sibTrans" cxnId="{9BA96432-2FDE-4986-B67C-55B850FD7249}">
+      <dgm:prSet/>
+      <dgm:spPr/>
+      <dgm:t>
+        <a:bodyPr/>
+        <a:lstStyle/>
+        <a:p>
+          <a:endParaRPr lang="en-US"/>
+        </a:p>
+      </dgm:t>
+    </dgm:pt>
+    <dgm:pt modelId="{285FE91E-0F34-4C8D-B39F-F813236AC579}" type="pres">
+      <dgm:prSet presAssocID="{9BA8237E-18C7-4700-AC60-A20690A84126}" presName="root" presStyleCnt="0">
+        <dgm:presLayoutVars>
+          <dgm:dir/>
+          <dgm:resizeHandles val="exact"/>
+        </dgm:presLayoutVars>
+      </dgm:prSet>
+      <dgm:spPr/>
+    </dgm:pt>
+    <dgm:pt modelId="{652B79F8-15A0-41B9-B06C-1E59E8BD57C6}" type="pres">
+      <dgm:prSet presAssocID="{F5B08EE7-8899-45BE-8737-AB406580E580}" presName="compNode" presStyleCnt="0"/>
+      <dgm:spPr/>
+    </dgm:pt>
+    <dgm:pt modelId="{5A52245A-AF1C-486D-A973-7B4C875B646C}" type="pres">
+      <dgm:prSet presAssocID="{F5B08EE7-8899-45BE-8737-AB406580E580}" presName="bgRect" presStyleLbl="bgShp" presStyleIdx="0" presStyleCnt="3"/>
+      <dgm:spPr/>
+    </dgm:pt>
+    <dgm:pt modelId="{F4639783-D253-404D-BE73-67BF16AE1D4A}" type="pres">
+      <dgm:prSet presAssocID="{F5B08EE7-8899-45BE-8737-AB406580E580}" presName="iconRect" presStyleLbl="node1" presStyleIdx="0" presStyleCnt="3"/>
+      <dgm:spPr>
+        <a:blipFill>
+          <a:blip xmlns:r="http://schemas.openxmlformats.org/officeDocument/2006/relationships" r:embed="rId1">
+            <a:extLst>
+              <a:ext uri="{28A0092B-C50C-407E-A947-70E740481C1C}">
+                <a14:useLocalDpi xmlns:a14="http://schemas.microsoft.com/office/drawing/2010/main" val="0"/>
+              </a:ext>
+              <a:ext uri="{96DAC541-7B7A-43D3-8B79-37D633B846F1}">
+                <asvg:svgBlip xmlns:asvg="http://schemas.microsoft.com/office/drawing/2016/SVG/main" r:embed="rId2"/>
+              </a:ext>
+            </a:extLst>
+          </a:blip>
+          <a:stretch>
+            <a:fillRect/>
+          </a:stretch>
+        </a:blipFill>
+        <a:ln>
+          <a:noFill/>
+        </a:ln>
+      </dgm:spPr>
+      <dgm:extLst>
+        <a:ext uri="{E40237B7-FDA0-4F09-8148-C483321AD2D9}">
+          <dgm14:cNvPr xmlns:dgm14="http://schemas.microsoft.com/office/drawing/2010/diagram" id="0" name="" descr="Oso panda"/>
+        </a:ext>
+      </dgm:extLst>
+    </dgm:pt>
+    <dgm:pt modelId="{4C846BDB-F2FF-435D-AED4-067E35695C51}" type="pres">
+      <dgm:prSet presAssocID="{F5B08EE7-8899-45BE-8737-AB406580E580}" presName="spaceRect" presStyleCnt="0"/>
+      <dgm:spPr/>
+    </dgm:pt>
+    <dgm:pt modelId="{3852127D-2563-4B95-AAFA-B4D97B68B944}" type="pres">
+      <dgm:prSet presAssocID="{F5B08EE7-8899-45BE-8737-AB406580E580}" presName="parTx" presStyleLbl="revTx" presStyleIdx="0" presStyleCnt="3">
+        <dgm:presLayoutVars>
+          <dgm:chMax val="0"/>
+          <dgm:chPref val="0"/>
+        </dgm:presLayoutVars>
+      </dgm:prSet>
+      <dgm:spPr/>
+    </dgm:pt>
+    <dgm:pt modelId="{D903AE0C-38C3-4E6D-BDF4-BDCE2AEEF85B}" type="pres">
+      <dgm:prSet presAssocID="{4BC54FF6-C05A-49B2-8F3B-1B276D147579}" presName="sibTrans" presStyleCnt="0"/>
+      <dgm:spPr/>
+    </dgm:pt>
+    <dgm:pt modelId="{EBF7435A-4C36-4B6D-A09A-93B4F183B59E}" type="pres">
+      <dgm:prSet presAssocID="{39ACDC8D-5F14-4FD8-9E81-537B62AC6F6D}" presName="compNode" presStyleCnt="0"/>
+      <dgm:spPr/>
+    </dgm:pt>
+    <dgm:pt modelId="{D9C757A4-233E-453A-9C45-B65C95FBDE0A}" type="pres">
+      <dgm:prSet presAssocID="{39ACDC8D-5F14-4FD8-9E81-537B62AC6F6D}" presName="bgRect" presStyleLbl="bgShp" presStyleIdx="1" presStyleCnt="3"/>
+      <dgm:spPr/>
+    </dgm:pt>
+    <dgm:pt modelId="{631CFBB7-A9FC-41C2-B0A3-CB33115609FB}" type="pres">
+      <dgm:prSet presAssocID="{39ACDC8D-5F14-4FD8-9E81-537B62AC6F6D}" presName="iconRect" presStyleLbl="node1" presStyleIdx="1" presStyleCnt="3"/>
+      <dgm:spPr>
+        <a:blipFill>
+          <a:blip xmlns:r="http://schemas.openxmlformats.org/officeDocument/2006/relationships" r:embed="rId3">
+            <a:extLst>
+              <a:ext uri="{28A0092B-C50C-407E-A947-70E740481C1C}">
+                <a14:useLocalDpi xmlns:a14="http://schemas.microsoft.com/office/drawing/2010/main" val="0"/>
+              </a:ext>
+              <a:ext uri="{96DAC541-7B7A-43D3-8B79-37D633B846F1}">
+                <asvg:svgBlip xmlns:asvg="http://schemas.microsoft.com/office/drawing/2016/SVG/main" r:embed="rId4"/>
+              </a:ext>
+            </a:extLst>
+          </a:blip>
+          <a:stretch>
+            <a:fillRect/>
+          </a:stretch>
+        </a:blipFill>
+        <a:ln>
+          <a:noFill/>
+        </a:ln>
+      </dgm:spPr>
+      <dgm:extLst>
+        <a:ext uri="{E40237B7-FDA0-4F09-8148-C483321AD2D9}">
+          <dgm14:cNvPr xmlns:dgm14="http://schemas.microsoft.com/office/drawing/2010/diagram" id="0" name="" descr="Libros"/>
+        </a:ext>
+      </dgm:extLst>
+    </dgm:pt>
+    <dgm:pt modelId="{C7D2C948-03E0-4E08-9E0A-14851C242F59}" type="pres">
+      <dgm:prSet presAssocID="{39ACDC8D-5F14-4FD8-9E81-537B62AC6F6D}" presName="spaceRect" presStyleCnt="0"/>
+      <dgm:spPr/>
+    </dgm:pt>
+    <dgm:pt modelId="{4C6CDC89-061C-4316-A77E-05F82C6C1E07}" type="pres">
+      <dgm:prSet presAssocID="{39ACDC8D-5F14-4FD8-9E81-537B62AC6F6D}" presName="parTx" presStyleLbl="revTx" presStyleIdx="1" presStyleCnt="3">
+        <dgm:presLayoutVars>
+          <dgm:chMax val="0"/>
+          <dgm:chPref val="0"/>
+        </dgm:presLayoutVars>
+      </dgm:prSet>
+      <dgm:spPr/>
+    </dgm:pt>
+    <dgm:pt modelId="{0F60C1E6-F381-4A5A-9FE5-BA0D622AE77C}" type="pres">
+      <dgm:prSet presAssocID="{87661705-F7E1-4321-920D-CEDA5CB9A5E2}" presName="sibTrans" presStyleCnt="0"/>
+      <dgm:spPr/>
+    </dgm:pt>
+    <dgm:pt modelId="{A59D81A0-9515-473C-B080-A90859CC5B65}" type="pres">
+      <dgm:prSet presAssocID="{71B3695E-89D1-464C-9661-1ABC52E2432B}" presName="compNode" presStyleCnt="0"/>
+      <dgm:spPr/>
+    </dgm:pt>
+    <dgm:pt modelId="{81BBFDA1-6E39-4854-80CD-D9E59950CCAD}" type="pres">
+      <dgm:prSet presAssocID="{71B3695E-89D1-464C-9661-1ABC52E2432B}" presName="bgRect" presStyleLbl="bgShp" presStyleIdx="2" presStyleCnt="3"/>
+      <dgm:spPr/>
+    </dgm:pt>
+    <dgm:pt modelId="{F01161CB-4CFF-424D-B613-0455E9B84BA1}" type="pres">
+      <dgm:prSet presAssocID="{71B3695E-89D1-464C-9661-1ABC52E2432B}" presName="iconRect" presStyleLbl="node1" presStyleIdx="2" presStyleCnt="3"/>
+      <dgm:spPr>
+        <a:blipFill>
+          <a:blip xmlns:r="http://schemas.openxmlformats.org/officeDocument/2006/relationships" r:embed="rId5">
+            <a:extLst>
+              <a:ext uri="{28A0092B-C50C-407E-A947-70E740481C1C}">
+                <a14:useLocalDpi xmlns:a14="http://schemas.microsoft.com/office/drawing/2010/main" val="0"/>
+              </a:ext>
+              <a:ext uri="{96DAC541-7B7A-43D3-8B79-37D633B846F1}">
+                <asvg:svgBlip xmlns:asvg="http://schemas.microsoft.com/office/drawing/2016/SVG/main" r:embed="rId6"/>
+              </a:ext>
+            </a:extLst>
+          </a:blip>
+          <a:stretch>
+            <a:fillRect/>
+          </a:stretch>
+        </a:blipFill>
+        <a:ln>
+          <a:noFill/>
+        </a:ln>
+      </dgm:spPr>
+      <dgm:extLst>
+        <a:ext uri="{E40237B7-FDA0-4F09-8148-C483321AD2D9}">
+          <dgm14:cNvPr xmlns:dgm14="http://schemas.microsoft.com/office/drawing/2010/diagram" id="0" name="" descr="Books on Shelf"/>
+        </a:ext>
+      </dgm:extLst>
+    </dgm:pt>
+    <dgm:pt modelId="{36D60C5A-2FDA-4E0F-9981-C49135B20769}" type="pres">
+      <dgm:prSet presAssocID="{71B3695E-89D1-464C-9661-1ABC52E2432B}" presName="spaceRect" presStyleCnt="0"/>
+      <dgm:spPr/>
+    </dgm:pt>
+    <dgm:pt modelId="{D38E644B-670C-482C-96B1-7841B5A99DE0}" type="pres">
+      <dgm:prSet presAssocID="{71B3695E-89D1-464C-9661-1ABC52E2432B}" presName="parTx" presStyleLbl="revTx" presStyleIdx="2" presStyleCnt="3">
+        <dgm:presLayoutVars>
+          <dgm:chMax val="0"/>
+          <dgm:chPref val="0"/>
+        </dgm:presLayoutVars>
+      </dgm:prSet>
+      <dgm:spPr/>
+    </dgm:pt>
+  </dgm:ptLst>
+  <dgm:cxnLst>
+    <dgm:cxn modelId="{C3E80817-3A5E-4EF1-A1DE-8157493A30BC}" type="presOf" srcId="{39ACDC8D-5F14-4FD8-9E81-537B62AC6F6D}" destId="{4C6CDC89-061C-4316-A77E-05F82C6C1E07}" srcOrd="0" destOrd="0" presId="urn:microsoft.com/office/officeart/2018/2/layout/IconVerticalSolidList"/>
+    <dgm:cxn modelId="{9BA96432-2FDE-4986-B67C-55B850FD7249}" srcId="{9BA8237E-18C7-4700-AC60-A20690A84126}" destId="{71B3695E-89D1-464C-9661-1ABC52E2432B}" srcOrd="2" destOrd="0" parTransId="{B5C20D04-72A8-4CF6-AE1E-01C78EFD7568}" sibTransId="{CEFBF4D8-775F-43E1-831B-60A527B88C51}"/>
+    <dgm:cxn modelId="{F52B0364-4794-43B3-AE17-CD663E2DF756}" srcId="{9BA8237E-18C7-4700-AC60-A20690A84126}" destId="{39ACDC8D-5F14-4FD8-9E81-537B62AC6F6D}" srcOrd="1" destOrd="0" parTransId="{514E91F0-17A6-462B-8563-B29079C96EE2}" sibTransId="{87661705-F7E1-4321-920D-CEDA5CB9A5E2}"/>
+    <dgm:cxn modelId="{2E64CF51-1687-4D32-901A-516B9B8FEE31}" srcId="{9BA8237E-18C7-4700-AC60-A20690A84126}" destId="{F5B08EE7-8899-45BE-8737-AB406580E580}" srcOrd="0" destOrd="0" parTransId="{F9984238-55B7-450C-93A3-C8B47CD99E07}" sibTransId="{4BC54FF6-C05A-49B2-8F3B-1B276D147579}"/>
+    <dgm:cxn modelId="{47E22D79-90E5-49DF-AADC-36ABE9E0B310}" type="presOf" srcId="{71B3695E-89D1-464C-9661-1ABC52E2432B}" destId="{D38E644B-670C-482C-96B1-7841B5A99DE0}" srcOrd="0" destOrd="0" presId="urn:microsoft.com/office/officeart/2018/2/layout/IconVerticalSolidList"/>
+    <dgm:cxn modelId="{2C6DC788-D480-4933-8C19-D5C4FDA1AF05}" type="presOf" srcId="{9BA8237E-18C7-4700-AC60-A20690A84126}" destId="{285FE91E-0F34-4C8D-B39F-F813236AC579}" srcOrd="0" destOrd="0" presId="urn:microsoft.com/office/officeart/2018/2/layout/IconVerticalSolidList"/>
+    <dgm:cxn modelId="{5A4D0EBF-2071-4D93-BFE6-62D4A0589A04}" type="presOf" srcId="{F5B08EE7-8899-45BE-8737-AB406580E580}" destId="{3852127D-2563-4B95-AAFA-B4D97B68B944}" srcOrd="0" destOrd="0" presId="urn:microsoft.com/office/officeart/2018/2/layout/IconVerticalSolidList"/>
+    <dgm:cxn modelId="{E9BA1E9D-11BC-475C-B971-07142BEB4581}" type="presParOf" srcId="{285FE91E-0F34-4C8D-B39F-F813236AC579}" destId="{652B79F8-15A0-41B9-B06C-1E59E8BD57C6}" srcOrd="0" destOrd="0" presId="urn:microsoft.com/office/officeart/2018/2/layout/IconVerticalSolidList"/>
+    <dgm:cxn modelId="{0F51C010-E85F-4145-9F85-A6A76D59478C}" type="presParOf" srcId="{652B79F8-15A0-41B9-B06C-1E59E8BD57C6}" destId="{5A52245A-AF1C-486D-A973-7B4C875B646C}" srcOrd="0" destOrd="0" presId="urn:microsoft.com/office/officeart/2018/2/layout/IconVerticalSolidList"/>
+    <dgm:cxn modelId="{6F509A01-9E88-4543-A3F8-F17766122A82}" type="presParOf" srcId="{652B79F8-15A0-41B9-B06C-1E59E8BD57C6}" destId="{F4639783-D253-404D-BE73-67BF16AE1D4A}" srcOrd="1" destOrd="0" presId="urn:microsoft.com/office/officeart/2018/2/layout/IconVerticalSolidList"/>
+    <dgm:cxn modelId="{895FD8C8-060C-4671-A8ED-D7329312DC17}" type="presParOf" srcId="{652B79F8-15A0-41B9-B06C-1E59E8BD57C6}" destId="{4C846BDB-F2FF-435D-AED4-067E35695C51}" srcOrd="2" destOrd="0" presId="urn:microsoft.com/office/officeart/2018/2/layout/IconVerticalSolidList"/>
+    <dgm:cxn modelId="{A34BDFD4-C200-475A-BB3E-128DD6C594D8}" type="presParOf" srcId="{652B79F8-15A0-41B9-B06C-1E59E8BD57C6}" destId="{3852127D-2563-4B95-AAFA-B4D97B68B944}" srcOrd="3" destOrd="0" presId="urn:microsoft.com/office/officeart/2018/2/layout/IconVerticalSolidList"/>
+    <dgm:cxn modelId="{02A34D15-D17D-41D3-9C94-2DE81361A4F1}" type="presParOf" srcId="{285FE91E-0F34-4C8D-B39F-F813236AC579}" destId="{D903AE0C-38C3-4E6D-BDF4-BDCE2AEEF85B}" srcOrd="1" destOrd="0" presId="urn:microsoft.com/office/officeart/2018/2/layout/IconVerticalSolidList"/>
+    <dgm:cxn modelId="{B8981634-848E-471F-B4AB-17017142FB72}" type="presParOf" srcId="{285FE91E-0F34-4C8D-B39F-F813236AC579}" destId="{EBF7435A-4C36-4B6D-A09A-93B4F183B59E}" srcOrd="2" destOrd="0" presId="urn:microsoft.com/office/officeart/2018/2/layout/IconVerticalSolidList"/>
+    <dgm:cxn modelId="{811A5539-6332-4DE7-9CFB-DC1A365AC54E}" type="presParOf" srcId="{EBF7435A-4C36-4B6D-A09A-93B4F183B59E}" destId="{D9C757A4-233E-453A-9C45-B65C95FBDE0A}" srcOrd="0" destOrd="0" presId="urn:microsoft.com/office/officeart/2018/2/layout/IconVerticalSolidList"/>
+    <dgm:cxn modelId="{3865EA21-8230-463D-AA55-76CDEF7C2AA8}" type="presParOf" srcId="{EBF7435A-4C36-4B6D-A09A-93B4F183B59E}" destId="{631CFBB7-A9FC-41C2-B0A3-CB33115609FB}" srcOrd="1" destOrd="0" presId="urn:microsoft.com/office/officeart/2018/2/layout/IconVerticalSolidList"/>
+    <dgm:cxn modelId="{8B8566F7-5232-4E37-9040-C98BD4E506AE}" type="presParOf" srcId="{EBF7435A-4C36-4B6D-A09A-93B4F183B59E}" destId="{C7D2C948-03E0-4E08-9E0A-14851C242F59}" srcOrd="2" destOrd="0" presId="urn:microsoft.com/office/officeart/2018/2/layout/IconVerticalSolidList"/>
+    <dgm:cxn modelId="{9DCF4D6E-A6E8-4F52-8095-8DDAD3D2AE5D}" type="presParOf" srcId="{EBF7435A-4C36-4B6D-A09A-93B4F183B59E}" destId="{4C6CDC89-061C-4316-A77E-05F82C6C1E07}" srcOrd="3" destOrd="0" presId="urn:microsoft.com/office/officeart/2018/2/layout/IconVerticalSolidList"/>
+    <dgm:cxn modelId="{B26A3BB5-6B88-4FE3-8E0B-6E1A2F0A6946}" type="presParOf" srcId="{285FE91E-0F34-4C8D-B39F-F813236AC579}" destId="{0F60C1E6-F381-4A5A-9FE5-BA0D622AE77C}" srcOrd="3" destOrd="0" presId="urn:microsoft.com/office/officeart/2018/2/layout/IconVerticalSolidList"/>
+    <dgm:cxn modelId="{0B08B72C-4AF9-43A2-814A-4755E4DB0CC7}" type="presParOf" srcId="{285FE91E-0F34-4C8D-B39F-F813236AC579}" destId="{A59D81A0-9515-473C-B080-A90859CC5B65}" srcOrd="4" destOrd="0" presId="urn:microsoft.com/office/officeart/2018/2/layout/IconVerticalSolidList"/>
+    <dgm:cxn modelId="{A46198B4-0918-410F-A3EF-0403CC31E2C9}" type="presParOf" srcId="{A59D81A0-9515-473C-B080-A90859CC5B65}" destId="{81BBFDA1-6E39-4854-80CD-D9E59950CCAD}" srcOrd="0" destOrd="0" presId="urn:microsoft.com/office/officeart/2018/2/layout/IconVerticalSolidList"/>
+    <dgm:cxn modelId="{806D8004-15D5-49BF-8F60-1D6C5D3AC26F}" type="presParOf" srcId="{A59D81A0-9515-473C-B080-A90859CC5B65}" destId="{F01161CB-4CFF-424D-B613-0455E9B84BA1}" srcOrd="1" destOrd="0" presId="urn:microsoft.com/office/officeart/2018/2/layout/IconVerticalSolidList"/>
+    <dgm:cxn modelId="{33345905-EDB4-4121-AA98-A693916C2CFB}" type="presParOf" srcId="{A59D81A0-9515-473C-B080-A90859CC5B65}" destId="{36D60C5A-2FDA-4E0F-9981-C49135B20769}" srcOrd="2" destOrd="0" presId="urn:microsoft.com/office/officeart/2018/2/layout/IconVerticalSolidList"/>
+    <dgm:cxn modelId="{5B6AED4E-213C-46A0-8A5F-E8993B4D0E55}" type="presParOf" srcId="{A59D81A0-9515-473C-B080-A90859CC5B65}" destId="{D38E644B-670C-482C-96B1-7841B5A99DE0}" srcOrd="3" destOrd="0" presId="urn:microsoft.com/office/officeart/2018/2/layout/IconVerticalSolidList"/>
+  </dgm:cxnLst>
+  <dgm:bg/>
+  <dgm:whole/>
+  <dgm:extLst>
+    <a:ext uri="http://schemas.microsoft.com/office/drawing/2008/diagram">
+      <dsp:dataModelExt xmlns:dsp="http://schemas.microsoft.com/office/drawing/2008/diagram" relId="rId10" minVer="http://schemas.openxmlformats.org/drawingml/2006/diagram"/>
+    </a:ext>
+  </dgm:extLst>
+</dgm:dataModel>
+</file>
+
+<file path=ppt/diagrams/drawing1.xml><?xml version="1.0" encoding="utf-8"?>
+<dsp:drawing xmlns:dgm="http://schemas.openxmlformats.org/drawingml/2006/diagram" xmlns:dsp="http://schemas.microsoft.com/office/drawing/2008/diagram" xmlns:a="http://schemas.openxmlformats.org/drawingml/2006/main">
+  <dsp:spTree>
+    <dsp:nvGrpSpPr>
+      <dsp:cNvPr id="0" name=""/>
+      <dsp:cNvGrpSpPr/>
+    </dsp:nvGrpSpPr>
+    <dsp:grpSpPr/>
+    <dsp:sp modelId="{5A52245A-AF1C-486D-A973-7B4C875B646C}">
+      <dsp:nvSpPr>
+        <dsp:cNvPr id="0" name=""/>
+        <dsp:cNvSpPr/>
+      </dsp:nvSpPr>
+      <dsp:spPr>
+        <a:xfrm>
+          <a:off x="0" y="558"/>
+          <a:ext cx="6496050" cy="1305966"/>
+        </a:xfrm>
+        <a:prstGeom prst="roundRect">
+          <a:avLst>
+            <a:gd name="adj" fmla="val 10000"/>
+          </a:avLst>
+        </a:prstGeom>
+        <a:solidFill>
+          <a:schemeClr val="bg1">
+            <a:lumMod val="95000"/>
+            <a:hueOff val="0"/>
+            <a:satOff val="0"/>
+            <a:lumOff val="0"/>
+            <a:alphaOff val="0"/>
+          </a:schemeClr>
+        </a:solidFill>
+        <a:ln>
+          <a:noFill/>
+        </a:ln>
+        <a:effectLst/>
+      </dsp:spPr>
+      <dsp:style>
+        <a:lnRef idx="0">
+          <a:scrgbClr r="0" g="0" b="0"/>
+        </a:lnRef>
+        <a:fillRef idx="1">
+          <a:scrgbClr r="0" g="0" b="0"/>
+        </a:fillRef>
+        <a:effectRef idx="0">
+          <a:scrgbClr r="0" g="0" b="0"/>
+        </a:effectRef>
+        <a:fontRef idx="minor"/>
+      </dsp:style>
+    </dsp:sp>
+    <dsp:sp modelId="{F4639783-D253-404D-BE73-67BF16AE1D4A}">
+      <dsp:nvSpPr>
+        <dsp:cNvPr id="0" name=""/>
+        <dsp:cNvSpPr/>
+      </dsp:nvSpPr>
+      <dsp:spPr>
+        <a:xfrm>
+          <a:off x="395054" y="294400"/>
+          <a:ext cx="718281" cy="718281"/>
+        </a:xfrm>
+        <a:prstGeom prst="rect">
+          <a:avLst/>
+        </a:prstGeom>
+        <a:blipFill>
+          <a:blip xmlns:r="http://schemas.openxmlformats.org/officeDocument/2006/relationships" r:embed="rId1">
+            <a:extLst>
+              <a:ext uri="{28A0092B-C50C-407E-A947-70E740481C1C}">
+                <a14:useLocalDpi xmlns:a14="http://schemas.microsoft.com/office/drawing/2010/main" val="0"/>
+              </a:ext>
+              <a:ext uri="{96DAC541-7B7A-43D3-8B79-37D633B846F1}">
+                <asvg:svgBlip xmlns:asvg="http://schemas.microsoft.com/office/drawing/2016/SVG/main" r:embed="rId2"/>
+              </a:ext>
+            </a:extLst>
+          </a:blip>
+          <a:stretch>
+            <a:fillRect/>
+          </a:stretch>
+        </a:blipFill>
+        <a:ln w="19050" cap="rnd" cmpd="sng" algn="ctr">
+          <a:noFill/>
+          <a:prstDash val="solid"/>
+        </a:ln>
+        <a:effectLst/>
+      </dsp:spPr>
+      <dsp:style>
+        <a:lnRef idx="2">
+          <a:scrgbClr r="0" g="0" b="0"/>
+        </a:lnRef>
+        <a:fillRef idx="1">
+          <a:scrgbClr r="0" g="0" b="0"/>
+        </a:fillRef>
+        <a:effectRef idx="0">
+          <a:scrgbClr r="0" g="0" b="0"/>
+        </a:effectRef>
+        <a:fontRef idx="minor">
+          <a:schemeClr val="lt1"/>
+        </a:fontRef>
+      </dsp:style>
+    </dsp:sp>
+    <dsp:sp modelId="{3852127D-2563-4B95-AAFA-B4D97B68B944}">
+      <dsp:nvSpPr>
+        <dsp:cNvPr id="0" name=""/>
+        <dsp:cNvSpPr/>
+      </dsp:nvSpPr>
+      <dsp:spPr>
+        <a:xfrm>
+          <a:off x="1508391" y="558"/>
+          <a:ext cx="4987658" cy="1305966"/>
+        </a:xfrm>
+        <a:prstGeom prst="rect">
+          <a:avLst/>
+        </a:prstGeom>
+        <a:noFill/>
+        <a:ln>
+          <a:noFill/>
+        </a:ln>
+        <a:effectLst/>
+      </dsp:spPr>
+      <dsp:style>
+        <a:lnRef idx="0">
+          <a:scrgbClr r="0" g="0" b="0"/>
+        </a:lnRef>
+        <a:fillRef idx="0">
+          <a:scrgbClr r="0" g="0" b="0"/>
+        </a:fillRef>
+        <a:effectRef idx="0">
+          <a:scrgbClr r="0" g="0" b="0"/>
+        </a:effectRef>
+        <a:fontRef idx="minor"/>
+      </dsp:style>
+      <dsp:txBody>
+        <a:bodyPr spcFirstLastPara="0" vert="horz" wrap="square" lIns="138215" tIns="138215" rIns="138215" bIns="138215" numCol="1" spcCol="1270" anchor="ctr" anchorCtr="0">
+          <a:noAutofit/>
+        </a:bodyPr>
+        <a:lstStyle/>
+        <a:p>
+          <a:pPr marL="0" lvl="0" indent="0" algn="l" defTabSz="1111250">
+            <a:lnSpc>
+              <a:spcPct val="90000"/>
+            </a:lnSpc>
+            <a:spcBef>
+              <a:spcPct val="0"/>
+            </a:spcBef>
+            <a:spcAft>
+              <a:spcPct val="35000"/>
+            </a:spcAft>
+            <a:buNone/>
+          </a:pPr>
+          <a:r>
+            <a:rPr lang="es-PE" sz="2500" kern="1200"/>
+            <a:t>Librería pandas versión 2.1.4</a:t>
+          </a:r>
+          <a:endParaRPr lang="en-US" sz="2500" kern="1200"/>
+        </a:p>
+      </dsp:txBody>
+      <dsp:txXfrm>
+        <a:off x="1508391" y="558"/>
+        <a:ext cx="4987658" cy="1305966"/>
+      </dsp:txXfrm>
+    </dsp:sp>
+    <dsp:sp modelId="{D9C757A4-233E-453A-9C45-B65C95FBDE0A}">
+      <dsp:nvSpPr>
+        <dsp:cNvPr id="0" name=""/>
+        <dsp:cNvSpPr/>
+      </dsp:nvSpPr>
+      <dsp:spPr>
+        <a:xfrm>
+          <a:off x="0" y="1633016"/>
+          <a:ext cx="6496050" cy="1305966"/>
+        </a:xfrm>
+        <a:prstGeom prst="roundRect">
+          <a:avLst>
+            <a:gd name="adj" fmla="val 10000"/>
+          </a:avLst>
+        </a:prstGeom>
+        <a:solidFill>
+          <a:schemeClr val="bg1">
+            <a:lumMod val="95000"/>
+            <a:hueOff val="0"/>
+            <a:satOff val="0"/>
+            <a:lumOff val="0"/>
+            <a:alphaOff val="0"/>
+          </a:schemeClr>
+        </a:solidFill>
+        <a:ln>
+          <a:noFill/>
+        </a:ln>
+        <a:effectLst/>
+      </dsp:spPr>
+      <dsp:style>
+        <a:lnRef idx="0">
+          <a:scrgbClr r="0" g="0" b="0"/>
+        </a:lnRef>
+        <a:fillRef idx="1">
+          <a:scrgbClr r="0" g="0" b="0"/>
+        </a:fillRef>
+        <a:effectRef idx="0">
+          <a:scrgbClr r="0" g="0" b="0"/>
+        </a:effectRef>
+        <a:fontRef idx="minor"/>
+      </dsp:style>
+    </dsp:sp>
+    <dsp:sp modelId="{631CFBB7-A9FC-41C2-B0A3-CB33115609FB}">
+      <dsp:nvSpPr>
+        <dsp:cNvPr id="0" name=""/>
+        <dsp:cNvSpPr/>
+      </dsp:nvSpPr>
+      <dsp:spPr>
+        <a:xfrm>
+          <a:off x="395054" y="1926859"/>
+          <a:ext cx="718281" cy="718281"/>
+        </a:xfrm>
+        <a:prstGeom prst="rect">
+          <a:avLst/>
+        </a:prstGeom>
+        <a:blipFill>
+          <a:blip xmlns:r="http://schemas.openxmlformats.org/officeDocument/2006/relationships" r:embed="rId3">
+            <a:extLst>
+              <a:ext uri="{28A0092B-C50C-407E-A947-70E740481C1C}">
+                <a14:useLocalDpi xmlns:a14="http://schemas.microsoft.com/office/drawing/2010/main" val="0"/>
+              </a:ext>
+              <a:ext uri="{96DAC541-7B7A-43D3-8B79-37D633B846F1}">
+                <asvg:svgBlip xmlns:asvg="http://schemas.microsoft.com/office/drawing/2016/SVG/main" r:embed="rId4"/>
+              </a:ext>
+            </a:extLst>
+          </a:blip>
+          <a:stretch>
+            <a:fillRect/>
+          </a:stretch>
+        </a:blipFill>
+        <a:ln w="19050" cap="rnd" cmpd="sng" algn="ctr">
+          <a:noFill/>
+          <a:prstDash val="solid"/>
+        </a:ln>
+        <a:effectLst/>
+      </dsp:spPr>
+      <dsp:style>
+        <a:lnRef idx="2">
+          <a:scrgbClr r="0" g="0" b="0"/>
+        </a:lnRef>
+        <a:fillRef idx="1">
+          <a:scrgbClr r="0" g="0" b="0"/>
+        </a:fillRef>
+        <a:effectRef idx="0">
+          <a:scrgbClr r="0" g="0" b="0"/>
+        </a:effectRef>
+        <a:fontRef idx="minor">
+          <a:schemeClr val="lt1"/>
+        </a:fontRef>
+      </dsp:style>
+    </dsp:sp>
+    <dsp:sp modelId="{4C6CDC89-061C-4316-A77E-05F82C6C1E07}">
+      <dsp:nvSpPr>
+        <dsp:cNvPr id="0" name=""/>
+        <dsp:cNvSpPr/>
+      </dsp:nvSpPr>
+      <dsp:spPr>
+        <a:xfrm>
+          <a:off x="1508391" y="1633016"/>
+          <a:ext cx="4987658" cy="1305966"/>
+        </a:xfrm>
+        <a:prstGeom prst="rect">
+          <a:avLst/>
+        </a:prstGeom>
+        <a:noFill/>
+        <a:ln>
+          <a:noFill/>
+        </a:ln>
+        <a:effectLst/>
+      </dsp:spPr>
+      <dsp:style>
+        <a:lnRef idx="0">
+          <a:scrgbClr r="0" g="0" b="0"/>
+        </a:lnRef>
+        <a:fillRef idx="0">
+          <a:scrgbClr r="0" g="0" b="0"/>
+        </a:fillRef>
+        <a:effectRef idx="0">
+          <a:scrgbClr r="0" g="0" b="0"/>
+        </a:effectRef>
+        <a:fontRef idx="minor"/>
+      </dsp:style>
+      <dsp:txBody>
+        <a:bodyPr spcFirstLastPara="0" vert="horz" wrap="square" lIns="138215" tIns="138215" rIns="138215" bIns="138215" numCol="1" spcCol="1270" anchor="ctr" anchorCtr="0">
+          <a:noAutofit/>
+        </a:bodyPr>
+        <a:lstStyle/>
+        <a:p>
+          <a:pPr marL="0" lvl="0" indent="0" algn="l" defTabSz="1111250">
+            <a:lnSpc>
+              <a:spcPct val="90000"/>
+            </a:lnSpc>
+            <a:spcBef>
+              <a:spcPct val="0"/>
+            </a:spcBef>
+            <a:spcAft>
+              <a:spcPct val="35000"/>
+            </a:spcAft>
+            <a:buNone/>
+          </a:pPr>
+          <a:r>
+            <a:rPr lang="es-PE" sz="2500" kern="1200"/>
+            <a:t>Librería seaborn versión 0.13.2</a:t>
+          </a:r>
+          <a:endParaRPr lang="en-US" sz="2500" kern="1200"/>
+        </a:p>
+      </dsp:txBody>
+      <dsp:txXfrm>
+        <a:off x="1508391" y="1633016"/>
+        <a:ext cx="4987658" cy="1305966"/>
+      </dsp:txXfrm>
+    </dsp:sp>
+    <dsp:sp modelId="{81BBFDA1-6E39-4854-80CD-D9E59950CCAD}">
+      <dsp:nvSpPr>
+        <dsp:cNvPr id="0" name=""/>
+        <dsp:cNvSpPr/>
+      </dsp:nvSpPr>
+      <dsp:spPr>
+        <a:xfrm>
+          <a:off x="0" y="3265475"/>
+          <a:ext cx="6496050" cy="1305966"/>
+        </a:xfrm>
+        <a:prstGeom prst="roundRect">
+          <a:avLst>
+            <a:gd name="adj" fmla="val 10000"/>
+          </a:avLst>
+        </a:prstGeom>
+        <a:solidFill>
+          <a:schemeClr val="bg1">
+            <a:lumMod val="95000"/>
+            <a:hueOff val="0"/>
+            <a:satOff val="0"/>
+            <a:lumOff val="0"/>
+            <a:alphaOff val="0"/>
+          </a:schemeClr>
+        </a:solidFill>
+        <a:ln>
+          <a:noFill/>
+        </a:ln>
+        <a:effectLst/>
+      </dsp:spPr>
+      <dsp:style>
+        <a:lnRef idx="0">
+          <a:scrgbClr r="0" g="0" b="0"/>
+        </a:lnRef>
+        <a:fillRef idx="1">
+          <a:scrgbClr r="0" g="0" b="0"/>
+        </a:fillRef>
+        <a:effectRef idx="0">
+          <a:scrgbClr r="0" g="0" b="0"/>
+        </a:effectRef>
+        <a:fontRef idx="minor"/>
+      </dsp:style>
+    </dsp:sp>
+    <dsp:sp modelId="{F01161CB-4CFF-424D-B613-0455E9B84BA1}">
+      <dsp:nvSpPr>
+        <dsp:cNvPr id="0" name=""/>
+        <dsp:cNvSpPr/>
+      </dsp:nvSpPr>
+      <dsp:spPr>
+        <a:xfrm>
+          <a:off x="395054" y="3559317"/>
+          <a:ext cx="718281" cy="718281"/>
+        </a:xfrm>
+        <a:prstGeom prst="rect">
+          <a:avLst/>
+        </a:prstGeom>
+        <a:blipFill>
+          <a:blip xmlns:r="http://schemas.openxmlformats.org/officeDocument/2006/relationships" r:embed="rId5">
+            <a:extLst>
+              <a:ext uri="{28A0092B-C50C-407E-A947-70E740481C1C}">
+                <a14:useLocalDpi xmlns:a14="http://schemas.microsoft.com/office/drawing/2010/main" val="0"/>
+              </a:ext>
+              <a:ext uri="{96DAC541-7B7A-43D3-8B79-37D633B846F1}">
+                <asvg:svgBlip xmlns:asvg="http://schemas.microsoft.com/office/drawing/2016/SVG/main" r:embed="rId6"/>
+              </a:ext>
+            </a:extLst>
+          </a:blip>
+          <a:stretch>
+            <a:fillRect/>
+          </a:stretch>
+        </a:blipFill>
+        <a:ln w="19050" cap="rnd" cmpd="sng" algn="ctr">
+          <a:noFill/>
+          <a:prstDash val="solid"/>
+        </a:ln>
+        <a:effectLst/>
+      </dsp:spPr>
+      <dsp:style>
+        <a:lnRef idx="2">
+          <a:scrgbClr r="0" g="0" b="0"/>
+        </a:lnRef>
+        <a:fillRef idx="1">
+          <a:scrgbClr r="0" g="0" b="0"/>
+        </a:fillRef>
+        <a:effectRef idx="0">
+          <a:scrgbClr r="0" g="0" b="0"/>
+        </a:effectRef>
+        <a:fontRef idx="minor">
+          <a:schemeClr val="lt1"/>
+        </a:fontRef>
+      </dsp:style>
+    </dsp:sp>
+    <dsp:sp modelId="{D38E644B-670C-482C-96B1-7841B5A99DE0}">
+      <dsp:nvSpPr>
+        <dsp:cNvPr id="0" name=""/>
+        <dsp:cNvSpPr/>
+      </dsp:nvSpPr>
+      <dsp:spPr>
+        <a:xfrm>
+          <a:off x="1508391" y="3265475"/>
+          <a:ext cx="4987658" cy="1305966"/>
+        </a:xfrm>
+        <a:prstGeom prst="rect">
+          <a:avLst/>
+        </a:prstGeom>
+        <a:noFill/>
+        <a:ln>
+          <a:noFill/>
+        </a:ln>
+        <a:effectLst/>
+      </dsp:spPr>
+      <dsp:style>
+        <a:lnRef idx="0">
+          <a:scrgbClr r="0" g="0" b="0"/>
+        </a:lnRef>
+        <a:fillRef idx="0">
+          <a:scrgbClr r="0" g="0" b="0"/>
+        </a:fillRef>
+        <a:effectRef idx="0">
+          <a:scrgbClr r="0" g="0" b="0"/>
+        </a:effectRef>
+        <a:fontRef idx="minor"/>
+      </dsp:style>
+      <dsp:txBody>
+        <a:bodyPr spcFirstLastPara="0" vert="horz" wrap="square" lIns="138215" tIns="138215" rIns="138215" bIns="138215" numCol="1" spcCol="1270" anchor="ctr" anchorCtr="0">
+          <a:noAutofit/>
+        </a:bodyPr>
+        <a:lstStyle/>
+        <a:p>
+          <a:pPr marL="0" lvl="0" indent="0" algn="l" defTabSz="1111250">
+            <a:lnSpc>
+              <a:spcPct val="90000"/>
+            </a:lnSpc>
+            <a:spcBef>
+              <a:spcPct val="0"/>
+            </a:spcBef>
+            <a:spcAft>
+              <a:spcPct val="35000"/>
+            </a:spcAft>
+            <a:buNone/>
+          </a:pPr>
+          <a:r>
+            <a:rPr lang="es-PE" sz="2500" kern="1200"/>
+            <a:t>Librería scikit-learn versión 1.4.0</a:t>
+          </a:r>
+          <a:endParaRPr lang="en-US" sz="2500" kern="1200"/>
+        </a:p>
+      </dsp:txBody>
+      <dsp:txXfrm>
+        <a:off x="1508391" y="3265475"/>
+        <a:ext cx="4987658" cy="1305966"/>
+      </dsp:txXfrm>
+    </dsp:sp>
+  </dsp:spTree>
+</dsp:drawing>
+</file>
+
+<file path=ppt/diagrams/layout1.xml><?xml version="1.0" encoding="utf-8"?>
+<dgm:layoutDef xmlns:dgm="http://schemas.openxmlformats.org/drawingml/2006/diagram" xmlns:a="http://schemas.openxmlformats.org/drawingml/2006/main" uniqueId="urn:microsoft.com/office/officeart/2018/2/layout/IconVerticalSolidList">
+  <dgm:title val="Icon Vertical Solid List"/>
+  <dgm:desc val="Use to show a series of visuals from top to bottom with Level 1 or Level 1 and Level 2 text grouped in a shape. Works best with icons or small pictures with lengthier descriptions."/>
+  <dgm:catLst>
+    <dgm:cat type="icon" pri="500"/>
+  </dgm:catLst>
+  <dgm:sampData useDef="1">
+    <dgm:dataModel>
+      <dgm:ptLst/>
+      <dgm:bg/>
+      <dgm:whole/>
+    </dgm:dataModel>
+  </dgm:sampData>
+  <dgm:styleData useDef="1">
+    <dgm:dataModel>
+      <dgm:ptLst/>
+      <dgm:bg/>
+      <dgm:whole/>
+    </dgm:dataModel>
+  </dgm:styleData>
+  <dgm:clrData useDef="1">
+    <dgm:dataModel>
+      <dgm:ptLst/>
+      <dgm:bg/>
+      <dgm:whole/>
+    </dgm:dataModel>
+  </dgm:clrData>
+  <dgm:layoutNode name="root">
+    <dgm:varLst>
+      <dgm:dir/>
+      <dgm:resizeHandles val="exact"/>
+    </dgm:varLst>
+    <dgm:choose name="Name0">
+      <dgm:if name="Name1" axis="self" func="var" arg="dir" op="equ" val="norm">
+        <dgm:alg type="lin">
+          <dgm:param type="linDir" val="fromT"/>
+          <dgm:param type="nodeHorzAlign" val="l"/>
+        </dgm:alg>
+      </dgm:if>
+      <dgm:else name="Name2">
+        <dgm:alg type="lin">
+          <dgm:param type="linDir" val="fromT"/>
+          <dgm:param type="nodeHorzAlign" val="r"/>
+        </dgm:alg>
+      </dgm:else>
+    </dgm:choose>
+    <dgm:shape xmlns:r="http://schemas.openxmlformats.org/officeDocument/2006/relationships" r:blip="">
+      <dgm:adjLst/>
+    </dgm:shape>
+    <dgm:presOf/>
+    <dgm:choose name="Name3">
+      <dgm:if name="Name4" axis="ch" ptType="node" func="cnt" op="lte" val="3">
+        <dgm:constrLst>
+          <dgm:constr type="h" for="ch" forName="compNode" refType="h" fact="0.3"/>
+          <dgm:constr type="w" for="ch" forName="compNode" refType="w"/>
+          <dgm:constr type="h" for="ch" forName="sibTrans" refType="h" refFor="ch" refForName="compNode" fact="0.25"/>
+          <dgm:constr type="primFontSz" for="des" forName="parTx" val="25"/>
+          <dgm:constr type="primFontSz" for="des" forName="desTx" refType="primFontSz" refFor="des" refForName="parTx" op="lte" fact="0.75"/>
+          <dgm:constr type="h" for="des" forName="compNode" op="equ"/>
+          <dgm:constr type="h" for="des" forName="bgRect" op="equ"/>
+          <dgm:constr type="h" for="des" forName="iconRect" op="equ"/>
+          <dgm:constr type="w" for="des" forName="iconRect" op="equ"/>
+          <dgm:constr type="h" for="des" forName="spaceRect" op="equ"/>
+          <dgm:constr type="h" for="des" forName="parTx" op="equ"/>
+          <dgm:constr type="h" for="des" forName="desTx" op="equ"/>
+        </dgm:constrLst>
+      </dgm:if>
+      <dgm:if name="Name5" axis="ch" ptType="node" func="cnt" op="lte" val="4">
+        <dgm:constrLst>
+          <dgm:constr type="h" for="ch" forName="compNode" refType="h" fact="0.3"/>
+          <dgm:constr type="w" for="ch" forName="compNode" refType="w"/>
+          <dgm:constr type="h" for="ch" forName="sibTrans" refType="h" refFor="ch" refForName="compNode" fact="0.25"/>
+          <dgm:constr type="primFontSz" for="des" forName="parTx" val="22"/>
+          <dgm:constr type="primFontSz" for="des" forName="desTx" refType="primFontSz" refFor="des" refForName="parTx" op="lte" fact="0.75"/>
+          <dgm:constr type="h" for="des" forName="compNode" op="equ"/>
+          <dgm:constr type="h" for="des" forName="bgRect" op="equ"/>
+          <dgm:constr type="h" for="des" forName="iconRect" op="equ"/>
+          <dgm:constr type="w" for="des" forName="iconRect" op="equ"/>
+          <dgm:constr type="h" for="des" forName="spaceRect" op="equ"/>
+          <dgm:constr type="h" for="des" forName="parTx" op="equ"/>
+          <dgm:constr type="h" for="des" forName="desTx" op="equ"/>
+        </dgm:constrLst>
+      </dgm:if>
+      <dgm:if name="Name6" axis="ch" ptType="node" func="cnt" op="lte" val="6">
+        <dgm:constrLst>
+          <dgm:constr type="h" for="ch" forName="compNode" refType="h" fact="0.3"/>
+          <dgm:constr type="w" for="ch" forName="compNode" refType="w"/>
+          <dgm:constr type="h" for="ch" forName="sibTrans" refType="h" refFor="ch" refForName="compNode" fact="0.25"/>
+          <dgm:constr type="primFontSz" for="des" forName="parTx" val="19"/>
+          <dgm:constr type="primFontSz" for="des" forName="desTx" refType="primFontSz" refFor="des" refForName="parTx" op="lte" fact="0.75"/>
+          <dgm:constr type="h" for="des" forName="compNode" op="equ"/>
+          <dgm:constr type="h" for="des" forName="bgRect" op="equ"/>
+          <dgm:constr type="h" for="des" forName="iconRect" op="equ"/>
+          <dgm:constr type="w" for="des" forName="iconRect" op="equ"/>
+          <dgm:constr type="h" for="des" forName="spaceRect" op="equ"/>
+          <dgm:constr type="h" for="des" forName="parTx" op="equ"/>
+          <dgm:constr type="h" for="des" forName="desTx" op="equ"/>
+        </dgm:constrLst>
+      </dgm:if>
+      <dgm:else name="Name7">
+        <dgm:constrLst>
+          <dgm:constr type="h" for="ch" forName="compNode" refType="h" fact="0.3"/>
+          <dgm:constr type="w" for="ch" forName="compNode" refType="w"/>
+          <dgm:constr type="h" for="ch" forName="sibTrans" refType="h" refFor="ch" refForName="compNode" fact="0.25"/>
+          <dgm:constr type="primFontSz" for="des" forName="parTx" val="16"/>
+          <dgm:constr type="primFontSz" for="des" forName="desTx" refType="primFontSz" refFor="des" refForName="parTx" op="lte" fact="0.75"/>
+          <dgm:constr type="h" for="des" forName="compNode" op="equ"/>
+          <dgm:constr type="h" for="des" forName="bgRect" op="equ"/>
+          <dgm:constr type="h" for="des" forName="iconRect" op="equ"/>
+          <dgm:constr type="w" for="des" forName="iconRect" op="equ"/>
+          <dgm:constr type="h" for="des" forName="spaceRect" op="equ"/>
+          <dgm:constr type="h" for="des" forName="parTx" op="equ"/>
+          <dgm:constr type="h" for="des" forName="desTx" op="equ"/>
+        </dgm:constrLst>
+      </dgm:else>
+    </dgm:choose>
+    <dgm:ruleLst>
+      <dgm:rule type="h" for="ch" forName="compNode" val="0" fact="NaN" max="NaN"/>
+    </dgm:ruleLst>
+    <dgm:forEach name="Name8" axis="ch" ptType="node">
+      <dgm:layoutNode name="compNode">
+        <dgm:alg type="composite"/>
+        <dgm:shape xmlns:r="http://schemas.openxmlformats.org/officeDocument/2006/relationships" r:blip="">
+          <dgm:adjLst/>
+        </dgm:shape>
+        <dgm:presOf axis="self"/>
+        <dgm:choose name="Name9">
+          <dgm:if name="Name10" axis="ch" ptType="node" func="cnt" op="gte" val="1">
+            <dgm:constrLst>
+              <dgm:constr type="w" for="ch" forName="bgRect" refType="w"/>
+              <dgm:constr type="h" for="ch" forName="bgRect" refType="h"/>
+              <dgm:constr type="l" for="ch" forName="bgRect"/>
+              <dgm:constr type="t" for="ch" forName="bgRect"/>
+              <dgm:constr type="h" for="ch" forName="iconRect" refType="h" fact="0.55"/>
+              <dgm:constr type="w" for="ch" forName="iconRect" refType="h" refFor="ch" refForName="iconRect"/>
+              <dgm:constr type="l" for="ch" forName="iconRect" refType="h" refFor="ch" refForName="iconRect" fact="0.55"/>
+              <dgm:constr type="ctrY" for="ch" forName="iconRect" refType="ctrY" refFor="ch" refForName="bgRect"/>
+              <dgm:constr type="w" for="ch" forName="spaceRect" refType="l" refFor="ch" refForName="iconRect"/>
+              <dgm:constr type="h" for="ch" forName="spaceRect" refType="h"/>
+              <dgm:constr type="l" for="ch" forName="spaceRect" refType="r" refFor="ch" refForName="iconRect"/>
+              <dgm:constr type="t" for="ch" forName="spaceRect"/>
+              <dgm:constr type="w" for="ch" forName="parTx" refType="w" fact="0.45"/>
+              <dgm:constr type="h" for="ch" forName="parTx" refType="h"/>
+              <dgm:constr type="l" for="ch" forName="parTx" refType="r" refFor="ch" refForName="spaceRect"/>
+              <dgm:constr type="t" for="ch" forName="parTx"/>
+              <dgm:constr type="h" for="ch" forName="desTx" refType="h"/>
+              <dgm:constr type="l" for="ch" forName="desTx" refType="r" refFor="ch" refForName="parTx"/>
+              <dgm:constr type="t" for="ch" forName="desTx"/>
+            </dgm:constrLst>
+          </dgm:if>
+          <dgm:else name="Name11">
+            <dgm:constrLst>
+              <dgm:constr type="w" for="ch" forName="bgRect" refType="w"/>
+              <dgm:constr type="h" for="ch" forName="bgRect" refType="h"/>
+              <dgm:constr type="l" for="ch" forName="bgRect"/>
+              <dgm:constr type="t" for="ch" forName="bgRect"/>
+              <dgm:constr type="h" for="ch" forName="iconRect" refType="h" fact="0.55"/>
+              <dgm:constr type="w" for="ch" forName="iconRect" refType="h" refFor="ch" refForName="iconRect"/>
+              <dgm:constr type="l" for="ch" forName="iconRect" refType="h" refFor="ch" refForName="iconRect" fact="0.55"/>
+              <dgm:constr type="ctrY" for="ch" forName="iconRect" refType="ctrY" refFor="ch" refForName="bgRect"/>
+              <dgm:constr type="w" for="ch" forName="spaceRect" refType="l" refFor="ch" refForName="iconRect"/>
+              <dgm:constr type="h" for="ch" forName="spaceRect" refType="h"/>
+              <dgm:constr type="l" for="ch" forName="spaceRect" refType="r" refFor="ch" refForName="iconRect"/>
+              <dgm:constr type="t" for="ch" forName="spaceRect"/>
+              <dgm:constr type="h" for="ch" forName="parTx" refType="h"/>
+              <dgm:constr type="l" for="ch" forName="parTx" refType="r" refFor="ch" refForName="spaceRect"/>
+              <dgm:constr type="t" for="ch" forName="parTx"/>
+            </dgm:constrLst>
+          </dgm:else>
+        </dgm:choose>
+        <dgm:ruleLst>
+          <dgm:rule type="h" val="INF" fact="NaN" max="NaN"/>
+        </dgm:ruleLst>
+        <dgm:layoutNode name="bgRect" styleLbl="bgShp">
+          <dgm:alg type="sp"/>
+          <dgm:shape xmlns:r="http://schemas.openxmlformats.org/officeDocument/2006/relationships" type="roundRect" r:blip="">
+            <dgm:adjLst>
+              <dgm:adj idx="1" val="0.1"/>
+            </dgm:adjLst>
+          </dgm:shape>
+          <dgm:presOf/>
+          <dgm:constrLst/>
+          <dgm:ruleLst/>
+        </dgm:layoutNode>
+        <dgm:layoutNode name="iconRect" styleLbl="node1">
+          <dgm:alg type="sp"/>
+          <dgm:shape xmlns:r="http://schemas.openxmlformats.org/officeDocument/2006/relationships" type="rect" r:blip="" blipPhldr="1">
+            <dgm:adjLst/>
+          </dgm:shape>
+          <dgm:presOf/>
+          <dgm:constrLst/>
+          <dgm:ruleLst/>
+        </dgm:layoutNode>
+        <dgm:layoutNode name="spaceRect">
+          <dgm:alg type="sp"/>
+          <dgm:shape xmlns:r="http://schemas.openxmlformats.org/officeDocument/2006/relationships" r:blip="">
+            <dgm:adjLst/>
+          </dgm:shape>
+          <dgm:presOf/>
+          <dgm:constrLst/>
+          <dgm:ruleLst/>
+        </dgm:layoutNode>
+        <dgm:layoutNode name="parTx" styleLbl="revTx">
+          <dgm:varLst>
+            <dgm:chMax val="0"/>
+            <dgm:chPref val="0"/>
+          </dgm:varLst>
+          <dgm:alg type="tx">
+            <dgm:param type="txAnchorVert" val="mid"/>
+            <dgm:param type="parTxLTRAlign" val="l"/>
+            <dgm:param type="shpTxLTRAlignCh" val="l"/>
+            <dgm:param type="parTxRTLAlign" val="r"/>
+            <dgm:param type="shpTxRTLAlignCh" val="r"/>
+          </dgm:alg>
+          <dgm:shape xmlns:r="http://schemas.openxmlformats.org/officeDocument/2006/relationships" type="rect" r:blip="">
+            <dgm:adjLst/>
+          </dgm:shape>
+          <dgm:presOf axis="self" ptType="node"/>
+          <dgm:constrLst>
+            <dgm:constr type="lMarg" refType="h" fact="0.3"/>
+            <dgm:constr type="rMarg" refType="h" fact="0.3"/>
+            <dgm:constr type="tMarg" refType="h" fact="0.3"/>
+            <dgm:constr type="bMarg" refType="h" fact="0.3"/>
+          </dgm:constrLst>
+          <dgm:ruleLst>
+            <dgm:rule type="primFontSz" val="14" fact="NaN" max="NaN"/>
+            <dgm:rule type="h" val="INF" fact="NaN" max="NaN"/>
+          </dgm:ruleLst>
+        </dgm:layoutNode>
+        <dgm:choose name="Name12">
+          <dgm:if name="Name13" axis="ch" ptType="node" func="cnt" op="gte" val="1">
+            <dgm:layoutNode name="desTx" styleLbl="revTx">
+              <dgm:varLst/>
+              <dgm:alg type="tx">
+                <dgm:param type="txAnchorVertCh" val="mid"/>
+                <dgm:param type="parTxLTRAlign" val="l"/>
+                <dgm:param type="shpTxLTRAlignCh" val="l"/>
+                <dgm:param type="parTxRTLAlign" val="r"/>
+                <dgm:param type="shpTxRTLAlignCh" val="r"/>
+                <dgm:param type="stBulletLvl" val="0"/>
+              </dgm:alg>
+              <dgm:shape xmlns:r="http://schemas.openxmlformats.org/officeDocument/2006/relationships" type="rect" r:blip="">
+                <dgm:adjLst/>
+              </dgm:shape>
+              <dgm:presOf axis="des" ptType="node"/>
+              <dgm:constrLst>
+                <dgm:constr type="primFontSz" val="18"/>
+                <dgm:constr type="secFontSz" refType="primFontSz"/>
+                <dgm:constr type="lMarg" refType="h" fact="0.3"/>
+                <dgm:constr type="rMarg" refType="h" fact="0.3"/>
+                <dgm:constr type="tMarg" refType="h" fact="0.3"/>
+                <dgm:constr type="bMarg" refType="h" fact="0.3"/>
+              </dgm:constrLst>
+              <dgm:ruleLst>
+                <dgm:rule type="primFontSz" val="11" fact="NaN" max="NaN"/>
+              </dgm:ruleLst>
+            </dgm:layoutNode>
+          </dgm:if>
+          <dgm:else name="Name14"/>
+        </dgm:choose>
+      </dgm:layoutNode>
+      <dgm:forEach name="Name15" axis="followSib" ptType="sibTrans" cnt="1">
+        <dgm:layoutNode name="sibTrans">
+          <dgm:alg type="sp"/>
+          <dgm:shape xmlns:r="http://schemas.openxmlformats.org/officeDocument/2006/relationships" r:blip="">
+            <dgm:adjLst/>
+          </dgm:shape>
+          <dgm:presOf axis="self"/>
+          <dgm:constrLst/>
+          <dgm:ruleLst/>
+        </dgm:layoutNode>
+      </dgm:forEach>
+    </dgm:forEach>
+  </dgm:layoutNode>
+  <dgm:extLst>
+    <a:ext uri="{68A01E43-0DF5-4B5B-8FA6-DAF915123BFB}">
+      <dgm1612:lstStyle xmlns:dgm1612="http://schemas.microsoft.com/office/drawing/2016/12/diagram">
+        <a:lvl1pPr>
+          <a:lnSpc>
+            <a:spcPct val="100000"/>
+          </a:lnSpc>
+        </a:lvl1pPr>
+        <a:lvl2pPr>
+          <a:lnSpc>
+            <a:spcPct val="100000"/>
+          </a:lnSpc>
+        </a:lvl2pPr>
+      </dgm1612:lstStyle>
+    </a:ext>
+  </dgm:extLst>
+</dgm:layoutDef>
+</file>
+
+<file path=ppt/diagrams/quickStyle1.xml><?xml version="1.0" encoding="utf-8"?>
+<dgm:styleDef xmlns:dgm="http://schemas.openxmlformats.org/drawingml/2006/diagram" xmlns:a="http://schemas.openxmlformats.org/drawingml/2006/main" uniqueId="urn:microsoft.com/office/officeart/2005/8/quickstyle/simple1">
+  <dgm:title val=""/>
+  <dgm:desc val=""/>
+  <dgm:catLst>
+    <dgm:cat type="simple" pri="10100"/>
+  </dgm:catLst>
+  <dgm:scene3d>
+    <a:camera prst="orthographicFront"/>
+    <a:lightRig rig="threePt" dir="t"/>
+  </dgm:scene3d>
+  <dgm:styleLbl name="node0">
+    <dgm:scene3d>
+      <a:camera prst="orthographicFront"/>
+      <a:lightRig rig="threePt" dir="t"/>
+    </dgm:scene3d>
+    <dgm:sp3d/>
+    <dgm:txPr/>
+    <dgm:style>
+      <a:lnRef idx="2">
+        <a:scrgbClr r="0" g="0" b="0"/>
+      </a:lnRef>
+      <a:fillRef idx="1">
+        <a:scrgbClr r="0" g="0" b="0"/>
+      </a:fillRef>
+      <a:effectRef idx="0">
+        <a:scrgbClr r="0" g="0" b="0"/>
+      </a:effectRef>
+      <a:fontRef idx="minor">
+        <a:schemeClr val="lt1"/>
+      </a:fontRef>
+    </dgm:style>
+  </dgm:styleLbl>
+  <dgm:styleLbl name="lnNode1">
+    <dgm:scene3d>
+      <a:camera prst="orthographicFront"/>
+      <a:lightRig rig="threePt" dir="t"/>
+    </dgm:scene3d>
+    <dgm:sp3d/>
+    <dgm:txPr/>
+    <dgm:style>
+      <a:lnRef idx="2">
+        <a:scrgbClr r="0" g="0" b="0"/>
+      </a:lnRef>
+      <a:fillRef idx="1">
+        <a:scrgbClr r="0" g="0" b="0"/>
+      </a:fillRef>
+      <a:effectRef idx="0">
+        <a:scrgbClr r="0" g="0" b="0"/>
+      </a:effectRef>
+      <a:fontRef idx="minor">
+        <a:schemeClr val="lt1"/>
+      </a:fontRef>
+    </dgm:style>
+  </dgm:styleLbl>
+  <dgm:styleLbl name="vennNode1">
+    <dgm:scene3d>
+      <a:camera prst="orthographicFront"/>
+      <a:lightRig rig="threePt" dir="t"/>
+    </dgm:scene3d>
+    <dgm:sp3d/>
+    <dgm:txPr/>
+    <dgm:style>
+      <a:lnRef idx="2">
+        <a:scrgbClr r="0" g="0" b="0"/>
+      </a:lnRef>
+      <a:fillRef idx="1">
+        <a:scrgbClr r="0" g="0" b="0"/>
+      </a:fillRef>
+      <a:effectRef idx="0">
+        <a:scrgbClr r="0" g="0" b="0"/>
+      </a:effectRef>
+      <a:fontRef idx="minor">
+        <a:schemeClr val="tx1"/>
+      </a:fontRef>
+    </dgm:style>
+  </dgm:styleLbl>
+  <dgm:styleLbl name="alignNode1">
+    <dgm:scene3d>
+      <a:camera prst="orthographicFront"/>
+      <a:lightRig rig="threePt" dir="t"/>
+    </dgm:scene3d>
+    <dgm:sp3d/>
+    <dgm:txPr/>
+    <dgm:style>
+      <a:lnRef idx="2">
+        <a:scrgbClr r="0" g="0" b="0"/>
+      </a:lnRef>
+      <a:fillRef idx="1">
+        <a:scrgbClr r="0" g="0" b="0"/>
+      </a:fillRef>
+      <a:effectRef idx="0">
+        <a:scrgbClr r="0" g="0" b="0"/>
+      </a:effectRef>
+      <a:fontRef idx="minor">
+        <a:schemeClr val="lt1"/>
+      </a:fontRef>
+    </dgm:style>
+  </dgm:styleLbl>
+  <dgm:styleLbl name="node1">
+    <dgm:scene3d>
+      <a:camera prst="orthographicFront"/>
+      <a:lightRig rig="threePt" dir="t"/>
+    </dgm:scene3d>
+    <dgm:sp3d/>
+    <dgm:txPr/>
+    <dgm:style>
+      <a:lnRef idx="2">
+        <a:scrgbClr r="0" g="0" b="0"/>
+      </a:lnRef>
+      <a:fillRef idx="1">
+        <a:scrgbClr r="0" g="0" b="0"/>
+      </a:fillRef>
+      <a:effectRef idx="0">
+        <a:scrgbClr r="0" g="0" b="0"/>
+      </a:effectRef>
+      <a:fontRef idx="minor">
+        <a:schemeClr val="lt1"/>
+      </a:fontRef>
+    </dgm:style>
+  </dgm:styleLbl>
+  <dgm:styleLbl name="node2">
+    <dgm:scene3d>
+      <a:camera prst="orthographicFront"/>
+      <a:lightRig rig="threePt" dir="t"/>
+    </dgm:scene3d>
+    <dgm:sp3d/>
+    <dgm:txPr/>
+    <dgm:style>
+      <a:lnRef idx="2">
+        <a:scrgbClr r="0" g="0" b="0"/>
+      </a:lnRef>
+      <a:fillRef idx="1">
+        <a:scrgbClr r="0" g="0" b="0"/>
+      </a:fillRef>
+      <a:effectRef idx="0">
+        <a:scrgbClr r="0" g="0" b="0"/>
+      </a:effectRef>
+      <a:fontRef idx="minor">
+        <a:schemeClr val="lt1"/>
+      </a:fontRef>
+    </dgm:style>
+  </dgm:styleLbl>
+  <dgm:styleLbl name="node3">
+    <dgm:scene3d>
+      <a:camera prst="orthographicFront"/>
+      <a:lightRig rig="threePt" dir="t"/>
+    </dgm:scene3d>
+    <dgm:sp3d/>
+    <dgm:txPr/>
+    <dgm:style>
+      <a:lnRef idx="2">
+        <a:scrgbClr r="0" g="0" b="0"/>
+      </a:lnRef>
+      <a:fillRef idx="1">
+        <a:scrgbClr r="0" g="0" b="0"/>
+      </a:fillRef>
+      <a:effectRef idx="0">
+        <a:scrgbClr r="0" g="0" b="0"/>
+      </a:effectRef>
+      <a:fontRef idx="minor">
+        <a:schemeClr val="lt1"/>
+      </a:fontRef>
+    </dgm:style>
+  </dgm:styleLbl>
+  <dgm:styleLbl name="node4">
+    <dgm:scene3d>
+      <a:camera prst="orthographicFront"/>
+      <a:lightRig rig="threePt" dir="t"/>
+    </dgm:scene3d>
+    <dgm:sp3d/>
+    <dgm:txPr/>
+    <dgm:style>
+      <a:lnRef idx="2">
+        <a:scrgbClr r="0" g="0" b="0"/>
+      </a:lnRef>
+      <a:fillRef idx="1">
+        <a:scrgbClr r="0" g="0" b="0"/>
+      </a:fillRef>
+      <a:effectRef idx="0">
+        <a:scrgbClr r="0" g="0" b="0"/>
+      </a:effectRef>
+      <a:fontRef idx="minor">
+        <a:schemeClr val="lt1"/>
+      </a:fontRef>
+    </dgm:style>
+  </dgm:styleLbl>
+  <dgm:styleLbl name="fgImgPlace1">
+    <dgm:scene3d>
+      <a:camera prst="orthographicFront"/>
+      <a:lightRig rig="threePt" dir="t"/>
+    </dgm:scene3d>
+    <dgm:sp3d/>
+    <dgm:txPr/>
+    <dgm:style>
+      <a:lnRef idx="2">
+        <a:scrgbClr r="0" g="0" b="0"/>
+      </a:lnRef>
+      <a:fillRef idx="1">
+        <a:scrgbClr r="0" g="0" b="0"/>
+      </a:fillRef>
+      <a:effectRef idx="0">
+        <a:scrgbClr r="0" g="0" b="0"/>
+      </a:effectRef>
+      <a:fontRef idx="minor"/>
+    </dgm:style>
+  </dgm:styleLbl>
+  <dgm:styleLbl name="alignImgPlace1">
+    <dgm:scene3d>
+      <a:camera prst="orthographicFront"/>
+      <a:lightRig rig="threePt" dir="t"/>
+    </dgm:scene3d>
+    <dgm:sp3d/>
+    <dgm:txPr/>
+    <dgm:style>
+      <a:lnRef idx="2">
+        <a:scrgbClr r="0" g="0" b="0"/>
+      </a:lnRef>
+      <a:fillRef idx="1">
+        <a:scrgbClr r="0" g="0" b="0"/>
+      </a:fillRef>
+      <a:effectRef idx="0">
+        <a:scrgbClr r="0" g="0" b="0"/>
+      </a:effectRef>
+      <a:fontRef idx="minor"/>
+    </dgm:style>
+  </dgm:styleLbl>
+  <dgm:styleLbl name="bgImgPlace1">
+    <dgm:scene3d>
+      <a:camera prst="orthographicFront"/>
+      <a:lightRig rig="threePt" dir="t"/>
+    </dgm:scene3d>
+    <dgm:sp3d/>
+    <dgm:txPr/>
+    <dgm:style>
+      <a:lnRef idx="2">
+        <a:scrgbClr r="0" g="0" b="0"/>
+      </a:lnRef>
+      <a:fillRef idx="1">
+        <a:scrgbClr r="0" g="0" b="0"/>
+      </a:fillRef>
+      <a:effectRef idx="0">
+        <a:scrgbClr r="0" g="0" b="0"/>
+      </a:effectRef>
+      <a:fontRef idx="minor"/>
+    </dgm:style>
+  </dgm:styleLbl>
+  <dgm:styleLbl name="sibTrans2D1">
+    <dgm:scene3d>
+      <a:camera prst="orthographicFront"/>
+      <a:lightRig rig="threePt" dir="t"/>
+    </dgm:scene3d>
+    <dgm:sp3d/>
+    <dgm:txPr/>
+    <dgm:style>
+      <a:lnRef idx="0">
+        <a:scrgbClr r="0" g="0" b="0"/>
+      </a:lnRef>
+      <a:fillRef idx="1">
+        <a:scrgbClr r="0" g="0" b="0"/>
+      </a:fillRef>
+      <a:effectRef idx="0">
+        <a:scrgbClr r="0" g="0" b="0"/>
+      </a:effectRef>
+      <a:fontRef idx="minor">
+        <a:schemeClr val="lt1"/>
+      </a:fontRef>
+    </dgm:style>
+  </dgm:styleLbl>
+  <dgm:styleLbl name="fgSibTrans2D1">
+    <dgm:scene3d>
+      <a:camera prst="orthographicFront"/>
+      <a:lightRig rig="threePt" dir="t"/>
+    </dgm:scene3d>
+    <dgm:sp3d/>
+    <dgm:txPr/>
+    <dgm:style>
+      <a:lnRef idx="0">
+        <a:scrgbClr r="0" g="0" b="0"/>
+      </a:lnRef>
+      <a:fillRef idx="1">
+        <a:scrgbClr r="0" g="0" b="0"/>
+      </a:fillRef>
+      <a:effectRef idx="0">
+        <a:scrgbClr r="0" g="0" b="0"/>
+      </a:effectRef>
+      <a:fontRef idx="minor">
+        <a:schemeClr val="lt1"/>
+      </a:fontRef>
+    </dgm:style>
+  </dgm:styleLbl>
+  <dgm:styleLbl name="bgSibTrans2D1">
+    <dgm:scene3d>
+      <a:camera prst="orthographicFront"/>
+      <a:lightRig rig="threePt" dir="t"/>
+    </dgm:scene3d>
+    <dgm:sp3d/>
+    <dgm:txPr/>
+    <dgm:style>
+      <a:lnRef idx="0">
+        <a:scrgbClr r="0" g="0" b="0"/>
+      </a:lnRef>
+      <a:fillRef idx="1">
+        <a:scrgbClr r="0" g="0" b="0"/>
+      </a:fillRef>
+      <a:effectRef idx="0">
+        <a:scrgbClr r="0" g="0" b="0"/>
+      </a:effectRef>
+      <a:fontRef idx="minor">
+        <a:schemeClr val="lt1"/>
+      </a:fontRef>
+    </dgm:style>
+  </dgm:styleLbl>
+  <dgm:styleLbl name="sibTrans1D1">
+    <dgm:scene3d>
+      <a:camera prst="orthographicFront"/>
+      <a:lightRig rig="threePt" dir="t"/>
+    </dgm:scene3d>
+    <dgm:sp3d/>
+    <dgm:txPr/>
+    <dgm:style>
+      <a:lnRef idx="1">
+        <a:scrgbClr r="0" g="0" b="0"/>
+      </a:lnRef>
+      <a:fillRef idx="0">
+        <a:scrgbClr r="0" g="0" b="0"/>
+      </a:fillRef>
+      <a:effectRef idx="0">
+        <a:scrgbClr r="0" g="0" b="0"/>
+      </a:effectRef>
+      <a:fontRef idx="minor"/>
+    </dgm:style>
+  </dgm:styleLbl>
+  <dgm:styleLbl name="callout">
+    <dgm:scene3d>
+      <a:camera prst="orthographicFront"/>
+      <a:lightRig rig="threePt" dir="t"/>
+    </dgm:scene3d>
+    <dgm:sp3d/>
+    <dgm:txPr/>
+    <dgm:style>
+      <a:lnRef idx="2">
+        <a:scrgbClr r="0" g="0" b="0"/>
+      </a:lnRef>
+      <a:fillRef idx="1">
+        <a:scrgbClr r="0" g="0" b="0"/>
+      </a:fillRef>
+      <a:effectRef idx="0">
+        <a:scrgbClr r="0" g="0" b="0"/>
+      </a:effectRef>
+      <a:fontRef idx="minor"/>
+    </dgm:style>
+  </dgm:styleLbl>
+  <dgm:styleLbl name="asst0">
+    <dgm:scene3d>
+      <a:camera prst="orthographicFront"/>
+      <a:lightRig rig="threePt" dir="t"/>
+    </dgm:scene3d>
+    <dgm:sp3d/>
+    <dgm:txPr/>
+    <dgm:style>
+      <a:lnRef idx="2">
+        <a:scrgbClr r="0" g="0" b="0"/>
+      </a:lnRef>
+      <a:fillRef idx="1">
+        <a:scrgbClr r="0" g="0" b="0"/>
+      </a:fillRef>
+      <a:effectRef idx="0">
+        <a:scrgbClr r="0" g="0" b="0"/>
+      </a:effectRef>
+      <a:fontRef idx="minor">
+        <a:schemeClr val="lt1"/>
+      </a:fontRef>
+    </dgm:style>
+  </dgm:styleLbl>
+  <dgm:styleLbl name="asst1">
+    <dgm:scene3d>
+      <a:camera prst="orthographicFront"/>
+      <a:lightRig rig="threePt" dir="t"/>
+    </dgm:scene3d>
+    <dgm:sp3d/>
+    <dgm:txPr/>
+    <dgm:style>
+      <a:lnRef idx="2">
+        <a:scrgbClr r="0" g="0" b="0"/>
+      </a:lnRef>
+      <a:fillRef idx="1">
+        <a:scrgbClr r="0" g="0" b="0"/>
+      </a:fillRef>
+      <a:effectRef idx="0">
+        <a:scrgbClr r="0" g="0" b="0"/>
+      </a:effectRef>
+      <a:fontRef idx="minor">
+        <a:schemeClr val="lt1"/>
+      </a:fontRef>
+    </dgm:style>
+  </dgm:styleLbl>
+  <dgm:styleLbl name="asst2">
+    <dgm:scene3d>
+      <a:camera prst="orthographicFront"/>
+      <a:lightRig rig="threePt" dir="t"/>
+    </dgm:scene3d>
+    <dgm:sp3d/>
+    <dgm:txPr/>
+    <dgm:style>
+      <a:lnRef idx="2">
+        <a:scrgbClr r="0" g="0" b="0"/>
+      </a:lnRef>
+      <a:fillRef idx="1">
+        <a:scrgbClr r="0" g="0" b="0"/>
+      </a:fillRef>
+      <a:effectRef idx="0">
+        <a:scrgbClr r="0" g="0" b="0"/>
+      </a:effectRef>
+      <a:fontRef idx="minor">
+        <a:schemeClr val="lt1"/>
+      </a:fontRef>
+    </dgm:style>
+  </dgm:styleLbl>
+  <dgm:styleLbl name="asst3">
+    <dgm:scene3d>
+      <a:camera prst="orthographicFront"/>
+      <a:lightRig rig="threePt" dir="t"/>
+    </dgm:scene3d>
+    <dgm:sp3d/>
+    <dgm:txPr/>
+    <dgm:style>
+      <a:lnRef idx="2">
+        <a:scrgbClr r="0" g="0" b="0"/>
+      </a:lnRef>
+      <a:fillRef idx="1">
+        <a:scrgbClr r="0" g="0" b="0"/>
+      </a:fillRef>
+      <a:effectRef idx="0">
+        <a:scrgbClr r="0" g="0" b="0"/>
+      </a:effectRef>
+      <a:fontRef idx="minor">
+        <a:schemeClr val="lt1"/>
+      </a:fontRef>
+    </dgm:style>
+  </dgm:styleLbl>
+  <dgm:styleLbl name="asst4">
+    <dgm:scene3d>
+      <a:camera prst="orthographicFront"/>
+      <a:lightRig rig="threePt" dir="t"/>
+    </dgm:scene3d>
+    <dgm:sp3d/>
+    <dgm:txPr/>
+    <dgm:style>
+      <a:lnRef idx="2">
+        <a:scrgbClr r="0" g="0" b="0"/>
+      </a:lnRef>
+      <a:fillRef idx="1">
+        <a:scrgbClr r="0" g="0" b="0"/>
+      </a:fillRef>
+      <a:effectRef idx="0">
+        <a:scrgbClr r="0" g="0" b="0"/>
+      </a:effectRef>
+      <a:fontRef idx="minor">
+        <a:schemeClr val="lt1"/>
+      </a:fontRef>
+    </dgm:style>
+  </dgm:styleLbl>
+  <dgm:styleLbl name="parChTrans2D1">
+    <dgm:scene3d>
+      <a:camera prst="orthographicFront"/>
+      <a:lightRig rig="threePt" dir="t"/>
+    </dgm:scene3d>
+    <dgm:sp3d/>
+    <dgm:txPr/>
+    <dgm:style>
+      <a:lnRef idx="2">
+        <a:scrgbClr r="0" g="0" b="0"/>
+      </a:lnRef>
+      <a:fillRef idx="1">
+        <a:scrgbClr r="0" g="0" b="0"/>
+      </a:fillRef>
+      <a:effectRef idx="0">
+        <a:scrgbClr r="0" g="0" b="0"/>
+      </a:effectRef>
+      <a:fontRef idx="minor">
+        <a:schemeClr val="lt1"/>
+      </a:fontRef>
+    </dgm:style>
+  </dgm:styleLbl>
+  <dgm:styleLbl name="parChTrans2D2">
+    <dgm:scene3d>
+      <a:camera prst="orthographicFront"/>
+      <a:lightRig rig="threePt" dir="t"/>
+    </dgm:scene3d>
+    <dgm:sp3d/>
+    <dgm:txPr/>
+    <dgm:style>
+      <a:lnRef idx="2">
+        <a:scrgbClr r="0" g="0" b="0"/>
+      </a:lnRef>
+      <a:fillRef idx="1">
+        <a:scrgbClr r="0" g="0" b="0"/>
+      </a:fillRef>
+      <a:effectRef idx="0">
+        <a:scrgbClr r="0" g="0" b="0"/>
+      </a:effectRef>
+      <a:fontRef idx="minor">
+        <a:schemeClr val="lt1"/>
+      </a:fontRef>
+    </dgm:style>
+  </dgm:styleLbl>
+  <dgm:styleLbl name="parChTrans2D3">
+    <dgm:scene3d>
+      <a:camera prst="orthographicFront"/>
+      <a:lightRig rig="threePt" dir="t"/>
+    </dgm:scene3d>
+    <dgm:sp3d/>
+    <dgm:txPr/>
+    <dgm:style>
+      <a:lnRef idx="2">
+        <a:scrgbClr r="0" g="0" b="0"/>
+      </a:lnRef>
+      <a:fillRef idx="1">
+        <a:scrgbClr r="0" g="0" b="0"/>
+      </a:fillRef>
+      <a:effectRef idx="0">
+        <a:scrgbClr r="0" g="0" b="0"/>
+      </a:effectRef>
+      <a:fontRef idx="minor">
+        <a:schemeClr val="lt1"/>
+      </a:fontRef>
+    </dgm:style>
+  </dgm:styleLbl>
+  <dgm:styleLbl name="parChTrans2D4">
+    <dgm:scene3d>
+      <a:camera prst="orthographicFront"/>
+      <a:lightRig rig="threePt" dir="t"/>
+    </dgm:scene3d>
+    <dgm:sp3d/>
+    <dgm:txPr/>
+    <dgm:style>
+      <a:lnRef idx="2">
+        <a:scrgbClr r="0" g="0" b="0"/>
+      </a:lnRef>
+      <a:fillRef idx="1">
+        <a:scrgbClr r="0" g="0" b="0"/>
+      </a:fillRef>
+      <a:effectRef idx="0">
+        <a:scrgbClr r="0" g="0" b="0"/>
+      </a:effectRef>
+      <a:fontRef idx="minor">
+        <a:schemeClr val="lt1"/>
+      </a:fontRef>
+    </dgm:style>
+  </dgm:styleLbl>
+  <dgm:styleLbl name="parChTrans1D1">
+    <dgm:scene3d>
+      <a:camera prst="orthographicFront"/>
+      <a:lightRig rig="threePt" dir="t"/>
+    </dgm:scene3d>
+    <dgm:sp3d/>
+    <dgm:txPr/>
+    <dgm:style>
+      <a:lnRef idx="2">
+        <a:scrgbClr r="0" g="0" b="0"/>
+      </a:lnRef>
+      <a:fillRef idx="0">
+        <a:scrgbClr r="0" g="0" b="0"/>
+      </a:fillRef>
+      <a:effectRef idx="0">
+        <a:scrgbClr r="0" g="0" b="0"/>
+      </a:effectRef>
+      <a:fontRef idx="minor"/>
+    </dgm:style>
+  </dgm:styleLbl>
+  <dgm:styleLbl name="parChTrans1D2">
+    <dgm:scene3d>
+      <a:camera prst="orthographicFront"/>
+      <a:lightRig rig="threePt" dir="t"/>
+    </dgm:scene3d>
+    <dgm:sp3d/>
+    <dgm:txPr/>
+    <dgm:style>
+      <a:lnRef idx="2">
+        <a:scrgbClr r="0" g="0" b="0"/>
+      </a:lnRef>
+      <a:fillRef idx="0">
+        <a:scrgbClr r="0" g="0" b="0"/>
+      </a:fillRef>
+      <a:effectRef idx="0">
+        <a:scrgbClr r="0" g="0" b="0"/>
+      </a:effectRef>
+      <a:fontRef idx="minor"/>
+    </dgm:style>
+  </dgm:styleLbl>
+  <dgm:styleLbl name="parChTrans1D3">
+    <dgm:scene3d>
+      <a:camera prst="orthographicFront"/>
+      <a:lightRig rig="threePt" dir="t"/>
+    </dgm:scene3d>
+    <dgm:sp3d/>
+    <dgm:txPr/>
+    <dgm:style>
+      <a:lnRef idx="2">
+        <a:scrgbClr r="0" g="0" b="0"/>
+      </a:lnRef>
+      <a:fillRef idx="0">
+        <a:scrgbClr r="0" g="0" b="0"/>
+      </a:fillRef>
+      <a:effectRef idx="0">
+        <a:scrgbClr r="0" g="0" b="0"/>
+      </a:effectRef>
+      <a:fontRef idx="minor"/>
+    </dgm:style>
+  </dgm:styleLbl>
+  <dgm:styleLbl name="parChTrans1D4">
+    <dgm:scene3d>
+      <a:camera prst="orthographicFront"/>
+      <a:lightRig rig="threePt" dir="t"/>
+    </dgm:scene3d>
+    <dgm:sp3d/>
+    <dgm:txPr/>
+    <dgm:style>
+      <a:lnRef idx="2">
+        <a:scrgbClr r="0" g="0" b="0"/>
+      </a:lnRef>
+      <a:fillRef idx="0">
+        <a:scrgbClr r="0" g="0" b="0"/>
+      </a:fillRef>
+      <a:effectRef idx="0">
+        <a:scrgbClr r="0" g="0" b="0"/>
+      </a:effectRef>
+      <a:fontRef idx="minor"/>
+    </dgm:style>
+  </dgm:styleLbl>
+  <dgm:styleLbl name="fgAcc1">
+    <dgm:scene3d>
+      <a:camera prst="orthographicFront"/>
+      <a:lightRig rig="threePt" dir="t"/>
+    </dgm:scene3d>
+    <dgm:sp3d/>
+    <dgm:txPr/>
+    <dgm:style>
+      <a:lnRef idx="2">
+        <a:scrgbClr r="0" g="0" b="0"/>
+      </a:lnRef>
+      <a:fillRef idx="1">
+        <a:scrgbClr r="0" g="0" b="0"/>
+      </a:fillRef>
+      <a:effectRef idx="0">
+        <a:scrgbClr r="0" g="0" b="0"/>
+      </a:effectRef>
+      <a:fontRef idx="minor"/>
+    </dgm:style>
+  </dgm:styleLbl>
+  <dgm:styleLbl name="conFgAcc1">
+    <dgm:scene3d>
+      <a:camera prst="orthographicFront"/>
+      <a:lightRig rig="threePt" dir="t"/>
+    </dgm:scene3d>
+    <dgm:sp3d/>
+    <dgm:txPr/>
+    <dgm:style>
+      <a:lnRef idx="2">
+        <a:scrgbClr r="0" g="0" b="0"/>
+      </a:lnRef>
+      <a:fillRef idx="1">
+        <a:scrgbClr r="0" g="0" b="0"/>
+      </a:fillRef>
+      <a:effectRef idx="0">
+        <a:scrgbClr r="0" g="0" b="0"/>
+      </a:effectRef>
+      <a:fontRef idx="minor"/>
+    </dgm:style>
+  </dgm:styleLbl>
+  <dgm:styleLbl name="alignAcc1">
+    <dgm:scene3d>
+      <a:camera prst="orthographicFront"/>
+      <a:lightRig rig="threePt" dir="t"/>
+    </dgm:scene3d>
+    <dgm:sp3d/>
+    <dgm:txPr/>
+    <dgm:style>
+      <a:lnRef idx="2">
+        <a:scrgbClr r="0" g="0" b="0"/>
+      </a:lnRef>
+      <a:fillRef idx="1">
+        <a:scrgbClr r="0" g="0" b="0"/>
+      </a:fillRef>
+      <a:effectRef idx="0">
+        <a:scrgbClr r="0" g="0" b="0"/>
+      </a:effectRef>
+      <a:fontRef idx="minor"/>
+    </dgm:style>
+  </dgm:styleLbl>
+  <dgm:styleLbl name="trAlignAcc1">
+    <dgm:scene3d>
+      <a:camera prst="orthographicFront"/>
+      <a:lightRig rig="threePt" dir="t"/>
+    </dgm:scene3d>
+    <dgm:sp3d/>
+    <dgm:txPr/>
+    <dgm:style>
+      <a:lnRef idx="1">
+        <a:scrgbClr r="0" g="0" b="0"/>
+      </a:lnRef>
+      <a:fillRef idx="1">
+        <a:scrgbClr r="0" g="0" b="0"/>
+      </a:fillRef>
+      <a:effectRef idx="0">
+        <a:scrgbClr r="0" g="0" b="0"/>
+      </a:effectRef>
+      <a:fontRef idx="minor"/>
+    </dgm:style>
+  </dgm:styleLbl>
+  <dgm:styleLbl name="bgAcc1">
+    <dgm:scene3d>
+      <a:camera prst="orthographicFront"/>
+      <a:lightRig rig="threePt" dir="t"/>
+    </dgm:scene3d>
+    <dgm:sp3d/>
+    <dgm:txPr/>
+    <dgm:style>
+      <a:lnRef idx="2">
+        <a:scrgbClr r="0" g="0" b="0"/>
+      </a:lnRef>
+      <a:fillRef idx="1">
+        <a:scrgbClr r="0" g="0" b="0"/>
+      </a:fillRef>
+      <a:effectRef idx="0">
+        <a:scrgbClr r="0" g="0" b="0"/>
+      </a:effectRef>
+      <a:fontRef idx="minor"/>
+    </dgm:style>
+  </dgm:styleLbl>
+  <dgm:styleLbl name="solidFgAcc1">
+    <dgm:scene3d>
+      <a:camera prst="orthographicFront"/>
+      <a:lightRig rig="threePt" dir="t"/>
+    </dgm:scene3d>
+    <dgm:sp3d/>
+    <dgm:txPr/>
+    <dgm:style>
+      <a:lnRef idx="2">
+        <a:scrgbClr r="0" g="0" b="0"/>
+      </a:lnRef>
+      <a:fillRef idx="1">
+        <a:scrgbClr r="0" g="0" b="0"/>
+      </a:fillRef>
+      <a:effectRef idx="0">
+        <a:scrgbClr r="0" g="0" b="0"/>
+      </a:effectRef>
+      <a:fontRef idx="minor"/>
+    </dgm:style>
+  </dgm:styleLbl>
+  <dgm:styleLbl name="solidAlignAcc1">
+    <dgm:scene3d>
+      <a:camera prst="orthographicFront"/>
+      <a:lightRig rig="threePt" dir="t"/>
+    </dgm:scene3d>
+    <dgm:sp3d/>
+    <dgm:txPr/>
+    <dgm:style>
+      <a:lnRef idx="2">
+        <a:scrgbClr r="0" g="0" b="0"/>
+      </a:lnRef>
+      <a:fillRef idx="1">
+        <a:scrgbClr r="0" g="0" b="0"/>
+      </a:fillRef>
+      <a:effectRef idx="0">
+        <a:scrgbClr r="0" g="0" b="0"/>
+      </a:effectRef>
+      <a:fontRef idx="minor"/>
+    </dgm:style>
+  </dgm:styleLbl>
+  <dgm:styleLbl name="solidBgAcc1">
+    <dgm:scene3d>
+      <a:camera prst="orthographicFront"/>
+      <a:lightRig rig="threePt" dir="t"/>
+    </dgm:scene3d>
+    <dgm:sp3d/>
+    <dgm:txPr/>
+    <dgm:style>
+      <a:lnRef idx="2">
+        <a:scrgbClr r="0" g="0" b="0"/>
+      </a:lnRef>
+      <a:fillRef idx="1">
+        <a:scrgbClr r="0" g="0" b="0"/>
+      </a:fillRef>
+      <a:effectRef idx="0">
+        <a:scrgbClr r="0" g="0" b="0"/>
+      </a:effectRef>
+      <a:fontRef idx="minor"/>
+    </dgm:style>
+  </dgm:styleLbl>
+  <dgm:styleLbl name="fgAccFollowNode1">
+    <dgm:scene3d>
+      <a:camera prst="orthographicFront"/>
+      <a:lightRig rig="threePt" dir="t"/>
+    </dgm:scene3d>
+    <dgm:sp3d/>
+    <dgm:txPr/>
+    <dgm:style>
+      <a:lnRef idx="2">
+        <a:scrgbClr r="0" g="0" b="0"/>
+      </a:lnRef>
+      <a:fillRef idx="1">
+        <a:scrgbClr r="0" g="0" b="0"/>
+      </a:fillRef>
+      <a:effectRef idx="0">
+        <a:scrgbClr r="0" g="0" b="0"/>
+      </a:effectRef>
+      <a:fontRef idx="minor"/>
+    </dgm:style>
+  </dgm:styleLbl>
+  <dgm:styleLbl name="alignAccFollowNode1">
+    <dgm:scene3d>
+      <a:camera prst="orthographicFront"/>
+      <a:lightRig rig="threePt" dir="t"/>
+    </dgm:scene3d>
+    <dgm:sp3d/>
+    <dgm:txPr/>
+    <dgm:style>
+      <a:lnRef idx="2">
+        <a:scrgbClr r="0" g="0" b="0"/>
+      </a:lnRef>
+      <a:fillRef idx="1">
+        <a:scrgbClr r="0" g="0" b="0"/>
+      </a:fillRef>
+      <a:effectRef idx="0">
+        <a:scrgbClr r="0" g="0" b="0"/>
+      </a:effectRef>
+      <a:fontRef idx="minor"/>
+    </dgm:style>
+  </dgm:styleLbl>
+  <dgm:styleLbl name="bgAccFollowNode1">
+    <dgm:scene3d>
+      <a:camera prst="orthographicFront"/>
+      <a:lightRig rig="threePt" dir="t"/>
+    </dgm:scene3d>
+    <dgm:sp3d/>
+    <dgm:txPr/>
+    <dgm:style>
+      <a:lnRef idx="2">
+        <a:scrgbClr r="0" g="0" b="0"/>
+      </a:lnRef>
+      <a:fillRef idx="1">
+        <a:scrgbClr r="0" g="0" b="0"/>
+      </a:fillRef>
+      <a:effectRef idx="0">
+        <a:scrgbClr r="0" g="0" b="0"/>
+      </a:effectRef>
+      <a:fontRef idx="minor"/>
+    </dgm:style>
+  </dgm:styleLbl>
+  <dgm:styleLbl name="fgAcc0">
+    <dgm:scene3d>
+      <a:camera prst="orthographicFront"/>
+      <a:lightRig rig="threePt" dir="t"/>
+    </dgm:scene3d>
+    <dgm:sp3d/>
+    <dgm:txPr/>
+    <dgm:style>
+      <a:lnRef idx="2">
+        <a:scrgbClr r="0" g="0" b="0"/>
+      </a:lnRef>
+      <a:fillRef idx="1">
+        <a:scrgbClr r="0" g="0" b="0"/>
+      </a:fillRef>
+      <a:effectRef idx="0">
+        <a:scrgbClr r="0" g="0" b="0"/>
+      </a:effectRef>
+      <a:fontRef idx="minor"/>
+    </dgm:style>
+  </dgm:styleLbl>
+  <dgm:styleLbl name="fgAcc2">
+    <dgm:scene3d>
+      <a:camera prst="orthographicFront"/>
+      <a:lightRig rig="threePt" dir="t"/>
+    </dgm:scene3d>
+    <dgm:sp3d/>
+    <dgm:txPr/>
+    <dgm:style>
+      <a:lnRef idx="2">
+        <a:scrgbClr r="0" g="0" b="0"/>
+      </a:lnRef>
+      <a:fillRef idx="1">
+        <a:scrgbClr r="0" g="0" b="0"/>
+      </a:fillRef>
+      <a:effectRef idx="0">
+        <a:scrgbClr r="0" g="0" b="0"/>
+      </a:effectRef>
+      <a:fontRef idx="minor"/>
+    </dgm:style>
+  </dgm:styleLbl>
+  <dgm:styleLbl name="fgAcc3">
+    <dgm:scene3d>
+      <a:camera prst="orthographicFront"/>
+      <a:lightRig rig="threePt" dir="t"/>
+    </dgm:scene3d>
+    <dgm:sp3d/>
+    <dgm:txPr/>
+    <dgm:style>
+      <a:lnRef idx="2">
+        <a:scrgbClr r="0" g="0" b="0"/>
+      </a:lnRef>
+      <a:fillRef idx="1">
+        <a:scrgbClr r="0" g="0" b="0"/>
+      </a:fillRef>
+      <a:effectRef idx="0">
+        <a:scrgbClr r="0" g="0" b="0"/>
+      </a:effectRef>
+      <a:fontRef idx="minor"/>
+    </dgm:style>
+  </dgm:styleLbl>
+  <dgm:styleLbl name="fgAcc4">
+    <dgm:scene3d>
+      <a:camera prst="orthographicFront"/>
+      <a:lightRig rig="threePt" dir="t"/>
+    </dgm:scene3d>
+    <dgm:sp3d/>
+    <dgm:txPr/>
+    <dgm:style>
+      <a:lnRef idx="2">
+        <a:scrgbClr r="0" g="0" b="0"/>
+      </a:lnRef>
+      <a:fillRef idx="1">
+        <a:scrgbClr r="0" g="0" b="0"/>
+      </a:fillRef>
+      <a:effectRef idx="0">
+        <a:scrgbClr r="0" g="0" b="0"/>
+      </a:effectRef>
+      <a:fontRef idx="minor"/>
+    </dgm:style>
+  </dgm:styleLbl>
+  <dgm:styleLbl name="bgShp">
+    <dgm:scene3d>
+      <a:camera prst="orthographicFront"/>
+      <a:lightRig rig="threePt" dir="t"/>
+    </dgm:scene3d>
+    <dgm:sp3d/>
+    <dgm:txPr/>
+    <dgm:style>
+      <a:lnRef idx="0">
+        <a:scrgbClr r="0" g="0" b="0"/>
+      </a:lnRef>
+      <a:fillRef idx="1">
+        <a:scrgbClr r="0" g="0" b="0"/>
+      </a:fillRef>
+      <a:effectRef idx="0">
+        <a:scrgbClr r="0" g="0" b="0"/>
+      </a:effectRef>
+      <a:fontRef idx="minor"/>
+    </dgm:style>
+  </dgm:styleLbl>
+  <dgm:styleLbl name="dkBgShp">
+    <dgm:scene3d>
+      <a:camera prst="orthographicFront"/>
+      <a:lightRig rig="threePt" dir="t"/>
+    </dgm:scene3d>
+    <dgm:sp3d/>
+    <dgm:txPr/>
+    <dgm:style>
+      <a:lnRef idx="0">
+        <a:scrgbClr r="0" g="0" b="0"/>
+      </a:lnRef>
+      <a:fillRef idx="1">
+        <a:scrgbClr r="0" g="0" b="0"/>
+      </a:fillRef>
+      <a:effectRef idx="0">
+        <a:scrgbClr r="0" g="0" b="0"/>
+      </a:effectRef>
+      <a:fontRef idx="minor"/>
+    </dgm:style>
+  </dgm:styleLbl>
+  <dgm:styleLbl name="trBgShp">
+    <dgm:scene3d>
+      <a:camera prst="orthographicFront"/>
+      <a:lightRig rig="threePt" dir="t"/>
+    </dgm:scene3d>
+    <dgm:sp3d/>
+    <dgm:txPr/>
+    <dgm:style>
+      <a:lnRef idx="0">
+        <a:scrgbClr r="0" g="0" b="0"/>
+      </a:lnRef>
+      <a:fillRef idx="1">
+        <a:scrgbClr r="0" g="0" b="0"/>
+      </a:fillRef>
+      <a:effectRef idx="0">
+        <a:scrgbClr r="0" g="0" b="0"/>
+      </a:effectRef>
+      <a:fontRef idx="minor"/>
+    </dgm:style>
+  </dgm:styleLbl>
+  <dgm:styleLbl name="fgShp">
+    <dgm:scene3d>
+      <a:camera prst="orthographicFront"/>
+      <a:lightRig rig="threePt" dir="t"/>
+    </dgm:scene3d>
+    <dgm:sp3d/>
+    <dgm:txPr/>
+    <dgm:style>
+      <a:lnRef idx="2">
+        <a:scrgbClr r="0" g="0" b="0"/>
+      </a:lnRef>
+      <a:fillRef idx="1">
+        <a:scrgbClr r="0" g="0" b="0"/>
+      </a:fillRef>
+      <a:effectRef idx="0">
+        <a:scrgbClr r="0" g="0" b="0"/>
+      </a:effectRef>
+      <a:fontRef idx="minor"/>
+    </dgm:style>
+  </dgm:styleLbl>
+  <dgm:styleLbl name="revTx">
+    <dgm:scene3d>
+      <a:camera prst="orthographicFront"/>
+      <a:lightRig rig="threePt" dir="t"/>
+    </dgm:scene3d>
+    <dgm:sp3d/>
+    <dgm:txPr/>
+    <dgm:style>
+      <a:lnRef idx="0">
+        <a:scrgbClr r="0" g="0" b="0"/>
+      </a:lnRef>
+      <a:fillRef idx="0">
+        <a:scrgbClr r="0" g="0" b="0"/>
+      </a:fillRef>
+      <a:effectRef idx="0">
+        <a:scrgbClr r="0" g="0" b="0"/>
+      </a:effectRef>
+      <a:fontRef idx="minor"/>
+    </dgm:style>
+  </dgm:styleLbl>
+</dgm:styleDef>
 </file>
 
 <file path=ppt/slideLayouts/slideLayout1.xml><?xml version="1.0" encoding="utf-8"?>
@@ -11312,10 +14355,364 @@
           </a:p>
         </p:txBody>
       </p:sp>
+      <p:pic>
+        <p:nvPicPr>
+          <p:cNvPr id="5" name="Imagen 4">
+            <a:extLst>
+              <a:ext uri="{FF2B5EF4-FFF2-40B4-BE49-F238E27FC236}">
+                <a16:creationId xmlns:a16="http://schemas.microsoft.com/office/drawing/2014/main" id="{08B7C07C-2C22-ADA2-4688-783CEE606FF5}"/>
+              </a:ext>
+            </a:extLst>
+          </p:cNvPr>
+          <p:cNvPicPr>
+            <a:picLocks noChangeAspect="1"/>
+          </p:cNvPicPr>
+          <p:nvPr/>
+        </p:nvPicPr>
+        <p:blipFill rotWithShape="1">
+          <a:blip r:embed="rId2"/>
+          <a:srcRect l="4597" t="60650" r="72540" b="32329"/>
+          <a:stretch/>
+        </p:blipFill>
+        <p:spPr>
+          <a:xfrm>
+            <a:off x="422032" y="1350725"/>
+            <a:ext cx="11296356" cy="1443981"/>
+          </a:xfrm>
+          <a:prstGeom prst="rect">
+            <a:avLst/>
+          </a:prstGeom>
+        </p:spPr>
+      </p:pic>
+      <p:pic>
+        <p:nvPicPr>
+          <p:cNvPr id="7" name="Imagen 6">
+            <a:extLst>
+              <a:ext uri="{FF2B5EF4-FFF2-40B4-BE49-F238E27FC236}">
+                <a16:creationId xmlns:a16="http://schemas.microsoft.com/office/drawing/2014/main" id="{0FE172BE-6314-1311-8483-5E2DE8C536BE}"/>
+              </a:ext>
+            </a:extLst>
+          </p:cNvPr>
+          <p:cNvPicPr>
+            <a:picLocks noChangeAspect="1"/>
+          </p:cNvPicPr>
+          <p:nvPr/>
+        </p:nvPicPr>
+        <p:blipFill rotWithShape="1">
+          <a:blip r:embed="rId3"/>
+          <a:srcRect l="3181" t="57638" r="81492" b="10088"/>
+          <a:stretch/>
+        </p:blipFill>
+        <p:spPr>
+          <a:xfrm>
+            <a:off x="3400712" y="3164038"/>
+            <a:ext cx="3067665" cy="3631671"/>
+          </a:xfrm>
+          <a:prstGeom prst="rect">
+            <a:avLst/>
+          </a:prstGeom>
+        </p:spPr>
+      </p:pic>
+      <p:sp>
+        <p:nvSpPr>
+          <p:cNvPr id="8" name="CuadroTexto 7">
+            <a:extLst>
+              <a:ext uri="{FF2B5EF4-FFF2-40B4-BE49-F238E27FC236}">
+                <a16:creationId xmlns:a16="http://schemas.microsoft.com/office/drawing/2014/main" id="{1D3587E7-DE2F-0DFB-F77E-707A2EF8F745}"/>
+              </a:ext>
+            </a:extLst>
+          </p:cNvPr>
+          <p:cNvSpPr txBox="1"/>
+          <p:nvPr/>
+        </p:nvSpPr>
+        <p:spPr>
+          <a:xfrm>
+            <a:off x="3745979" y="2794706"/>
+            <a:ext cx="2584362" cy="369332"/>
+          </a:xfrm>
+          <a:prstGeom prst="rect">
+            <a:avLst/>
+          </a:prstGeom>
+          <a:noFill/>
+        </p:spPr>
+        <p:txBody>
+          <a:bodyPr wrap="none" rtlCol="0">
+            <a:spAutoFit/>
+          </a:bodyPr>
+          <a:lstStyle/>
+          <a:p>
+            <a:r>
+              <a:rPr lang="es-ES" dirty="0"/>
+              <a:t>Modelo de Regresión</a:t>
+            </a:r>
+            <a:endParaRPr lang="es-PE" dirty="0"/>
+          </a:p>
+        </p:txBody>
+      </p:sp>
+      <p:pic>
+        <p:nvPicPr>
+          <p:cNvPr id="10" name="Imagen 9">
+            <a:extLst>
+              <a:ext uri="{FF2B5EF4-FFF2-40B4-BE49-F238E27FC236}">
+                <a16:creationId xmlns:a16="http://schemas.microsoft.com/office/drawing/2014/main" id="{FC365543-5D74-A544-7910-1A3AE52693F3}"/>
+              </a:ext>
+            </a:extLst>
+          </p:cNvPr>
+          <p:cNvPicPr>
+            <a:picLocks noChangeAspect="1"/>
+          </p:cNvPicPr>
+          <p:nvPr/>
+        </p:nvPicPr>
+        <p:blipFill rotWithShape="1">
+          <a:blip r:embed="rId4"/>
+          <a:srcRect l="4921" t="43502" r="73843" b="48591"/>
+          <a:stretch/>
+        </p:blipFill>
+        <p:spPr>
+          <a:xfrm>
+            <a:off x="7102608" y="3404097"/>
+            <a:ext cx="4615780" cy="966301"/>
+          </a:xfrm>
+          <a:prstGeom prst="rect">
+            <a:avLst/>
+          </a:prstGeom>
+        </p:spPr>
+      </p:pic>
+      <p:pic>
+        <p:nvPicPr>
+          <p:cNvPr id="11" name="Imagen 10">
+            <a:extLst>
+              <a:ext uri="{FF2B5EF4-FFF2-40B4-BE49-F238E27FC236}">
+                <a16:creationId xmlns:a16="http://schemas.microsoft.com/office/drawing/2014/main" id="{5B7338E9-DFE0-FC54-45EF-7B2B5E9ACE37}"/>
+              </a:ext>
+            </a:extLst>
+          </p:cNvPr>
+          <p:cNvPicPr>
+            <a:picLocks noChangeAspect="1"/>
+          </p:cNvPicPr>
+          <p:nvPr/>
+        </p:nvPicPr>
+        <p:blipFill rotWithShape="1">
+          <a:blip r:embed="rId4"/>
+          <a:srcRect l="4837" t="88115" r="87383" b="9721"/>
+          <a:stretch/>
+        </p:blipFill>
+        <p:spPr>
+          <a:xfrm>
+            <a:off x="8260123" y="5218711"/>
+            <a:ext cx="2300749" cy="359692"/>
+          </a:xfrm>
+          <a:prstGeom prst="rect">
+            <a:avLst/>
+          </a:prstGeom>
+        </p:spPr>
+      </p:pic>
+      <p:sp>
+        <p:nvSpPr>
+          <p:cNvPr id="12" name="CuadroTexto 11">
+            <a:extLst>
+              <a:ext uri="{FF2B5EF4-FFF2-40B4-BE49-F238E27FC236}">
+                <a16:creationId xmlns:a16="http://schemas.microsoft.com/office/drawing/2014/main" id="{9F59C6F7-5F67-7E84-2561-56816F26B596}"/>
+              </a:ext>
+            </a:extLst>
+          </p:cNvPr>
+          <p:cNvSpPr txBox="1"/>
+          <p:nvPr/>
+        </p:nvSpPr>
+        <p:spPr>
+          <a:xfrm>
+            <a:off x="7453797" y="2849530"/>
+            <a:ext cx="1146468" cy="369332"/>
+          </a:xfrm>
+          <a:prstGeom prst="rect">
+            <a:avLst/>
+          </a:prstGeom>
+          <a:noFill/>
+        </p:spPr>
+        <p:txBody>
+          <a:bodyPr wrap="none" rtlCol="0">
+            <a:spAutoFit/>
+          </a:bodyPr>
+          <a:lstStyle/>
+          <a:p>
+            <a:r>
+              <a:rPr lang="es-ES" dirty="0"/>
+              <a:t>MSE – R2</a:t>
+            </a:r>
+            <a:endParaRPr lang="es-PE" dirty="0"/>
+          </a:p>
+        </p:txBody>
+      </p:sp>
+      <p:sp>
+        <p:nvSpPr>
+          <p:cNvPr id="13" name="CuadroTexto 12">
+            <a:extLst>
+              <a:ext uri="{FF2B5EF4-FFF2-40B4-BE49-F238E27FC236}">
+                <a16:creationId xmlns:a16="http://schemas.microsoft.com/office/drawing/2014/main" id="{283CFA3D-051F-68FE-41E0-E8B38E33C518}"/>
+              </a:ext>
+            </a:extLst>
+          </p:cNvPr>
+          <p:cNvSpPr txBox="1"/>
+          <p:nvPr/>
+        </p:nvSpPr>
+        <p:spPr>
+          <a:xfrm>
+            <a:off x="8451130" y="4610541"/>
+            <a:ext cx="1795684" cy="369332"/>
+          </a:xfrm>
+          <a:prstGeom prst="rect">
+            <a:avLst/>
+          </a:prstGeom>
+          <a:noFill/>
+        </p:spPr>
+        <p:txBody>
+          <a:bodyPr wrap="none" rtlCol="0">
+            <a:spAutoFit/>
+          </a:bodyPr>
+          <a:lstStyle/>
+          <a:p>
+            <a:r>
+              <a:rPr lang="es-ES" dirty="0"/>
+              <a:t>MSE – SKELEAR</a:t>
+            </a:r>
+            <a:endParaRPr lang="es-PE" dirty="0"/>
+          </a:p>
+        </p:txBody>
+      </p:sp>
+      <p:sp>
+        <p:nvSpPr>
+          <p:cNvPr id="14" name="CuadroTexto 13">
+            <a:extLst>
+              <a:ext uri="{FF2B5EF4-FFF2-40B4-BE49-F238E27FC236}">
+                <a16:creationId xmlns:a16="http://schemas.microsoft.com/office/drawing/2014/main" id="{48E51BDB-5346-E1F4-E1E1-1F7B5C6DED15}"/>
+              </a:ext>
+            </a:extLst>
+          </p:cNvPr>
+          <p:cNvSpPr txBox="1"/>
+          <p:nvPr/>
+        </p:nvSpPr>
+        <p:spPr>
+          <a:xfrm>
+            <a:off x="1168699" y="2849530"/>
+            <a:ext cx="817853" cy="369332"/>
+          </a:xfrm>
+          <a:prstGeom prst="rect">
+            <a:avLst/>
+          </a:prstGeom>
+          <a:noFill/>
+        </p:spPr>
+        <p:txBody>
+          <a:bodyPr wrap="none" rtlCol="0">
+            <a:spAutoFit/>
+          </a:bodyPr>
+          <a:lstStyle/>
+          <a:p>
+            <a:r>
+              <a:rPr lang="es-ES" dirty="0"/>
+              <a:t>TRAIN</a:t>
+            </a:r>
+            <a:endParaRPr lang="es-PE" dirty="0"/>
+          </a:p>
+        </p:txBody>
+      </p:sp>
+      <p:pic>
+        <p:nvPicPr>
+          <p:cNvPr id="16" name="Imagen 15">
+            <a:extLst>
+              <a:ext uri="{FF2B5EF4-FFF2-40B4-BE49-F238E27FC236}">
+                <a16:creationId xmlns:a16="http://schemas.microsoft.com/office/drawing/2014/main" id="{F0C7C8C5-335F-99FC-D2F0-3E73BF40A51B}"/>
+              </a:ext>
+            </a:extLst>
+          </p:cNvPr>
+          <p:cNvPicPr>
+            <a:picLocks noChangeAspect="1"/>
+          </p:cNvPicPr>
+          <p:nvPr/>
+        </p:nvPicPr>
+        <p:blipFill rotWithShape="1">
+          <a:blip r:embed="rId5"/>
+          <a:srcRect l="3462" t="76110" r="89959" b="20803"/>
+          <a:stretch/>
+        </p:blipFill>
+        <p:spPr>
+          <a:xfrm>
+            <a:off x="422032" y="3336569"/>
+            <a:ext cx="2155717" cy="568712"/>
+          </a:xfrm>
+          <a:prstGeom prst="rect">
+            <a:avLst/>
+          </a:prstGeom>
+        </p:spPr>
+      </p:pic>
+      <p:pic>
+        <p:nvPicPr>
+          <p:cNvPr id="17" name="Imagen 16">
+            <a:extLst>
+              <a:ext uri="{FF2B5EF4-FFF2-40B4-BE49-F238E27FC236}">
+                <a16:creationId xmlns:a16="http://schemas.microsoft.com/office/drawing/2014/main" id="{C5EA3543-3872-3ACF-D0A2-19A3F126F625}"/>
+              </a:ext>
+            </a:extLst>
+          </p:cNvPr>
+          <p:cNvPicPr>
+            <a:picLocks noChangeAspect="1"/>
+          </p:cNvPicPr>
+          <p:nvPr/>
+        </p:nvPicPr>
+        <p:blipFill rotWithShape="1">
+          <a:blip r:embed="rId5"/>
+          <a:srcRect l="3462" t="83813" r="89959" b="13100"/>
+          <a:stretch/>
+        </p:blipFill>
+        <p:spPr>
+          <a:xfrm>
+            <a:off x="422032" y="4649998"/>
+            <a:ext cx="2155717" cy="568713"/>
+          </a:xfrm>
+          <a:prstGeom prst="rect">
+            <a:avLst/>
+          </a:prstGeom>
+        </p:spPr>
+      </p:pic>
+      <p:sp>
+        <p:nvSpPr>
+          <p:cNvPr id="18" name="CuadroTexto 17">
+            <a:extLst>
+              <a:ext uri="{FF2B5EF4-FFF2-40B4-BE49-F238E27FC236}">
+                <a16:creationId xmlns:a16="http://schemas.microsoft.com/office/drawing/2014/main" id="{52D31F30-33B8-47F0-9127-1B483DAD3980}"/>
+              </a:ext>
+            </a:extLst>
+          </p:cNvPr>
+          <p:cNvSpPr txBox="1"/>
+          <p:nvPr/>
+        </p:nvSpPr>
+        <p:spPr>
+          <a:xfrm>
+            <a:off x="1168699" y="4076277"/>
+            <a:ext cx="619080" cy="369332"/>
+          </a:xfrm>
+          <a:prstGeom prst="rect">
+            <a:avLst/>
+          </a:prstGeom>
+          <a:noFill/>
+        </p:spPr>
+        <p:txBody>
+          <a:bodyPr wrap="none" rtlCol="0">
+            <a:spAutoFit/>
+          </a:bodyPr>
+          <a:lstStyle/>
+          <a:p>
+            <a:r>
+              <a:rPr lang="es-ES" dirty="0"/>
+              <a:t>TEST</a:t>
+            </a:r>
+            <a:endParaRPr lang="es-PE" dirty="0"/>
+          </a:p>
+        </p:txBody>
+      </p:sp>
     </p:spTree>
     <p:extLst>
       <p:ext uri="{BB962C8B-B14F-4D97-AF65-F5344CB8AC3E}">
-        <p14:creationId xmlns:p14="http://schemas.microsoft.com/office/powerpoint/2010/main" val="3106590508"/>
+        <p14:creationId xmlns:p14="http://schemas.microsoft.com/office/powerpoint/2010/main" val="1574296825"/>
       </p:ext>
     </p:extLst>
   </p:cSld>
@@ -11382,12 +14779,133 @@
           <a:lstStyle/>
           <a:p>
             <a:r>
-              <a:rPr lang="es-PE" sz="3600" b="1" dirty="0"/>
+              <a:rPr lang="es-PE" sz="3600" b="1"/>
               <a:t>METRICAS</a:t>
             </a:r>
+            <a:endParaRPr lang="es-PE" sz="3600" b="1" dirty="0"/>
           </a:p>
         </p:txBody>
       </p:sp>
+      <p:pic>
+        <p:nvPicPr>
+          <p:cNvPr id="3" name="Imagen 2">
+            <a:extLst>
+              <a:ext uri="{FF2B5EF4-FFF2-40B4-BE49-F238E27FC236}">
+                <a16:creationId xmlns:a16="http://schemas.microsoft.com/office/drawing/2014/main" id="{09E7942C-4B6E-831A-155B-FE25ACF85C8C}"/>
+              </a:ext>
+            </a:extLst>
+          </p:cNvPr>
+          <p:cNvPicPr>
+            <a:picLocks noChangeAspect="1"/>
+          </p:cNvPicPr>
+          <p:nvPr/>
+        </p:nvPicPr>
+        <p:blipFill>
+          <a:blip r:embed="rId2"/>
+          <a:stretch>
+            <a:fillRect/>
+          </a:stretch>
+        </p:blipFill>
+        <p:spPr>
+          <a:xfrm>
+            <a:off x="848485" y="1138035"/>
+            <a:ext cx="4177430" cy="3088527"/>
+          </a:xfrm>
+          <a:prstGeom prst="rect">
+            <a:avLst/>
+          </a:prstGeom>
+        </p:spPr>
+      </p:pic>
+      <p:pic>
+        <p:nvPicPr>
+          <p:cNvPr id="4" name="Imagen 3">
+            <a:extLst>
+              <a:ext uri="{FF2B5EF4-FFF2-40B4-BE49-F238E27FC236}">
+                <a16:creationId xmlns:a16="http://schemas.microsoft.com/office/drawing/2014/main" id="{8B11661D-54C0-441A-240E-81D3F1E7ADDC}"/>
+              </a:ext>
+            </a:extLst>
+          </p:cNvPr>
+          <p:cNvPicPr>
+            <a:picLocks noChangeAspect="1"/>
+          </p:cNvPicPr>
+          <p:nvPr/>
+        </p:nvPicPr>
+        <p:blipFill>
+          <a:blip r:embed="rId3"/>
+          <a:stretch>
+            <a:fillRect/>
+          </a:stretch>
+        </p:blipFill>
+        <p:spPr>
+          <a:xfrm>
+            <a:off x="6812125" y="1138035"/>
+            <a:ext cx="4177430" cy="3093476"/>
+          </a:xfrm>
+          <a:prstGeom prst="rect">
+            <a:avLst/>
+          </a:prstGeom>
+        </p:spPr>
+      </p:pic>
+      <p:pic>
+        <p:nvPicPr>
+          <p:cNvPr id="5" name="Imagen 4">
+            <a:extLst>
+              <a:ext uri="{FF2B5EF4-FFF2-40B4-BE49-F238E27FC236}">
+                <a16:creationId xmlns:a16="http://schemas.microsoft.com/office/drawing/2014/main" id="{EAA7A4A2-6A08-456D-8AB8-8643AD440D6B}"/>
+              </a:ext>
+            </a:extLst>
+          </p:cNvPr>
+          <p:cNvPicPr>
+            <a:picLocks noChangeAspect="1"/>
+          </p:cNvPicPr>
+          <p:nvPr/>
+        </p:nvPicPr>
+        <p:blipFill>
+          <a:blip r:embed="rId4"/>
+          <a:stretch>
+            <a:fillRect/>
+          </a:stretch>
+        </p:blipFill>
+        <p:spPr>
+          <a:xfrm>
+            <a:off x="848485" y="4502016"/>
+            <a:ext cx="4177430" cy="2133640"/>
+          </a:xfrm>
+          <a:prstGeom prst="rect">
+            <a:avLst/>
+          </a:prstGeom>
+        </p:spPr>
+      </p:pic>
+      <p:pic>
+        <p:nvPicPr>
+          <p:cNvPr id="6" name="Imagen 5">
+            <a:extLst>
+              <a:ext uri="{FF2B5EF4-FFF2-40B4-BE49-F238E27FC236}">
+                <a16:creationId xmlns:a16="http://schemas.microsoft.com/office/drawing/2014/main" id="{5E215D33-F331-9D35-F608-A24228705A27}"/>
+              </a:ext>
+            </a:extLst>
+          </p:cNvPr>
+          <p:cNvPicPr>
+            <a:picLocks noChangeAspect="1"/>
+          </p:cNvPicPr>
+          <p:nvPr/>
+        </p:nvPicPr>
+        <p:blipFill>
+          <a:blip r:embed="rId5"/>
+          <a:stretch>
+            <a:fillRect/>
+          </a:stretch>
+        </p:blipFill>
+        <p:spPr>
+          <a:xfrm>
+            <a:off x="6812125" y="4424010"/>
+            <a:ext cx="4177430" cy="2133640"/>
+          </a:xfrm>
+          <a:prstGeom prst="rect">
+            <a:avLst/>
+          </a:prstGeom>
+        </p:spPr>
+      </p:pic>
     </p:spTree>
     <p:extLst>
       <p:ext uri="{BB962C8B-B14F-4D97-AF65-F5344CB8AC3E}">
@@ -11479,7 +14997,7 @@
         <p:spPr>
           <a:xfrm>
             <a:off x="707922" y="1401097"/>
-            <a:ext cx="10958052" cy="4524315"/>
+            <a:ext cx="10958052" cy="5078313"/>
           </a:xfrm>
           <a:prstGeom prst="rect">
             <a:avLst/>
@@ -11528,15 +15046,7 @@
             </a:pPr>
             <a:r>
               <a:rPr lang="es-PE" dirty="0"/>
-              <a:t>Sobre el </a:t>
-            </a:r>
-            <a:r>
-              <a:rPr lang="es-PE" dirty="0" err="1"/>
-              <a:t>rafico</a:t>
-            </a:r>
-            <a:r>
-              <a:rPr lang="es-PE" dirty="0"/>
-              <a:t> de precio según su memoria RAM podemos apreciar los más demandados y ello a causa a su rendimiento, siendo el que presenta mayor frecuencia de compra el de 32 </a:t>
+              <a:t>Sobre el Grafico de precio según su memoria RAM podemos apreciar los más demandados y ello a causa a su rendimiento, siendo el que presenta mayor frecuencia de compra el de 32 </a:t>
             </a:r>
             <a:r>
               <a:rPr lang="es-PE" dirty="0" err="1"/>
@@ -11573,6 +15083,34 @@
             <a:r>
               <a:rPr lang="es-PE" dirty="0"/>
               <a:t>En el caso de las pantallas de las laptops. Los usuarios prefieren que sea de marca Dell ya que estas les genera confianza.</a:t>
+            </a:r>
+          </a:p>
+          <a:p>
+            <a:pPr marL="400050" indent="-400050">
+              <a:buFont typeface="+mj-lt"/>
+              <a:buAutoNum type="romanUcPeriod"/>
+            </a:pPr>
+            <a:r>
+              <a:rPr lang="es-PE" dirty="0"/>
+              <a:t>En el mapa de calor se aprecia una mayor correlación</a:t>
+            </a:r>
+          </a:p>
+          <a:p>
+            <a:pPr marL="400050" indent="-400050">
+              <a:buFont typeface="+mj-lt"/>
+              <a:buAutoNum type="romanUcPeriod"/>
+            </a:pPr>
+            <a:r>
+              <a:rPr lang="es-PE" dirty="0"/>
+              <a:t> Se aprecia una dispersión en los </a:t>
+            </a:r>
+            <a:r>
+              <a:rPr lang="es-PE" dirty="0" err="1"/>
+              <a:t>cluster</a:t>
+            </a:r>
+            <a:r>
+              <a:rPr lang="es-PE"/>
+              <a:t>.</a:t>
             </a:r>
             <a:endParaRPr lang="es-ES" dirty="0"/>
           </a:p>
@@ -11594,6 +15132,14 @@
 <file path=ppt/slides/slide37.xml><?xml version="1.0" encoding="utf-8"?>
 <p:sld xmlns:a="http://schemas.openxmlformats.org/drawingml/2006/main" xmlns:r="http://schemas.openxmlformats.org/officeDocument/2006/relationships" xmlns:p="http://schemas.openxmlformats.org/presentationml/2006/main">
   <p:cSld>
+    <p:bg>
+      <p:bgPr>
+        <a:solidFill>
+          <a:schemeClr val="bg1"/>
+        </a:solidFill>
+        <a:effectLst/>
+      </p:bgPr>
+    </p:bg>
     <p:spTree>
       <p:nvGrpSpPr>
         <p:cNvPr id="1" name=""/>
@@ -11608,6 +15154,389 @@
           <a:chExt cx="0" cy="0"/>
         </a:xfrm>
       </p:grpSpPr>
+      <p:pic>
+        <p:nvPicPr>
+          <p:cNvPr id="9" name="Picture 8">
+            <a:extLst>
+              <a:ext uri="{FF2B5EF4-FFF2-40B4-BE49-F238E27FC236}">
+                <a16:creationId xmlns:a16="http://schemas.microsoft.com/office/drawing/2014/main" id="{F1B8F9CB-890B-4CB8-B503-188A763E2FC1}"/>
+              </a:ext>
+              <a:ext uri="{C183D7F6-B498-43B3-948B-1728B52AA6E4}">
+                <adec:decorative xmlns:adec="http://schemas.microsoft.com/office/drawing/2017/decorative" val="1"/>
+              </a:ext>
+            </a:extLst>
+          </p:cNvPr>
+          <p:cNvPicPr>
+            <a:picLocks noGrp="1" noRot="1" noChangeAspect="1" noMove="1" noResize="1" noEditPoints="1" noAdjustHandles="1" noChangeArrowheads="1" noChangeShapeType="1" noCrop="1"/>
+          </p:cNvPicPr>
+          <p:nvPr>
+            <p:extLst>
+              <p:ext uri="{386F3935-93C4-4BCD-93E2-E3B085C9AB24}">
+                <p16:designElem xmlns:p16="http://schemas.microsoft.com/office/powerpoint/2015/main" val="1"/>
+              </p:ext>
+            </p:extLst>
+          </p:nvPr>
+        </p:nvPicPr>
+        <p:blipFill rotWithShape="1">
+          <a:blip r:embed="rId2">
+            <a:extLst>
+              <a:ext uri="{28A0092B-C50C-407E-A947-70E740481C1C}">
+                <a14:useLocalDpi xmlns:a14="http://schemas.microsoft.com/office/drawing/2010/main" val="0"/>
+              </a:ext>
+            </a:extLst>
+          </a:blip>
+          <a:srcRect l="3613"/>
+          <a:stretch/>
+        </p:blipFill>
+        <p:spPr>
+          <a:xfrm>
+            <a:off x="0" y="2669685"/>
+            <a:ext cx="4037012" cy="4188315"/>
+          </a:xfrm>
+          <a:prstGeom prst="rect">
+            <a:avLst/>
+          </a:prstGeom>
+        </p:spPr>
+      </p:pic>
+      <p:pic>
+        <p:nvPicPr>
+          <p:cNvPr id="11" name="Picture 10">
+            <a:extLst>
+              <a:ext uri="{FF2B5EF4-FFF2-40B4-BE49-F238E27FC236}">
+                <a16:creationId xmlns:a16="http://schemas.microsoft.com/office/drawing/2014/main" id="{AA632AB4-3837-4FD0-8B62-0A18B573F46D}"/>
+              </a:ext>
+              <a:ext uri="{C183D7F6-B498-43B3-948B-1728B52AA6E4}">
+                <adec:decorative xmlns:adec="http://schemas.microsoft.com/office/drawing/2017/decorative" val="1"/>
+              </a:ext>
+            </a:extLst>
+          </p:cNvPr>
+          <p:cNvPicPr>
+            <a:picLocks noGrp="1" noRot="1" noChangeAspect="1" noMove="1" noResize="1" noEditPoints="1" noAdjustHandles="1" noChangeArrowheads="1" noChangeShapeType="1" noCrop="1"/>
+          </p:cNvPicPr>
+          <p:nvPr>
+            <p:extLst>
+              <p:ext uri="{386F3935-93C4-4BCD-93E2-E3B085C9AB24}">
+                <p16:designElem xmlns:p16="http://schemas.microsoft.com/office/powerpoint/2015/main" val="1"/>
+              </p:ext>
+            </p:extLst>
+          </p:nvPr>
+        </p:nvPicPr>
+        <p:blipFill rotWithShape="1">
+          <a:blip r:embed="rId3">
+            <a:extLst>
+              <a:ext uri="{28A0092B-C50C-407E-A947-70E740481C1C}">
+                <a14:useLocalDpi xmlns:a14="http://schemas.microsoft.com/office/drawing/2010/main" val="0"/>
+              </a:ext>
+            </a:extLst>
+          </a:blip>
+          <a:srcRect l="35640"/>
+          <a:stretch/>
+        </p:blipFill>
+        <p:spPr>
+          <a:xfrm>
+            <a:off x="0" y="2892347"/>
+            <a:ext cx="1522412" cy="2365453"/>
+          </a:xfrm>
+          <a:prstGeom prst="rect">
+            <a:avLst/>
+          </a:prstGeom>
+        </p:spPr>
+      </p:pic>
+      <p:sp>
+        <p:nvSpPr>
+          <p:cNvPr id="13" name="Oval 12">
+            <a:extLst>
+              <a:ext uri="{FF2B5EF4-FFF2-40B4-BE49-F238E27FC236}">
+                <a16:creationId xmlns:a16="http://schemas.microsoft.com/office/drawing/2014/main" id="{C393B4A7-6ABF-423D-A762-3CDB4897A833}"/>
+              </a:ext>
+              <a:ext uri="{C183D7F6-B498-43B3-948B-1728B52AA6E4}">
+                <adec:decorative xmlns:adec="http://schemas.microsoft.com/office/drawing/2017/decorative" val="1"/>
+              </a:ext>
+            </a:extLst>
+          </p:cNvPr>
+          <p:cNvSpPr>
+            <a:spLocks noGrp="1" noRot="1" noChangeAspect="1" noMove="1" noResize="1" noEditPoints="1" noAdjustHandles="1" noChangeArrowheads="1" noChangeShapeType="1" noTextEdit="1"/>
+          </p:cNvSpPr>
+          <p:nvPr>
+            <p:extLst>
+              <p:ext uri="{386F3935-93C4-4BCD-93E2-E3B085C9AB24}">
+                <p16:designElem xmlns:p16="http://schemas.microsoft.com/office/powerpoint/2015/main" val="1"/>
+              </p:ext>
+            </p:extLst>
+          </p:nvPr>
+        </p:nvSpPr>
+        <p:spPr>
+          <a:xfrm>
+            <a:off x="8609012" y="1676400"/>
+            <a:ext cx="2819400" cy="2819400"/>
+          </a:xfrm>
+          <a:prstGeom prst="ellipse">
+            <a:avLst/>
+          </a:prstGeom>
+          <a:gradFill flip="none" rotWithShape="1">
+            <a:gsLst>
+              <a:gs pos="0">
+                <a:schemeClr val="bg2">
+                  <a:lumMod val="60000"/>
+                  <a:lumOff val="40000"/>
+                  <a:alpha val="7000"/>
+                </a:schemeClr>
+              </a:gs>
+              <a:gs pos="69000">
+                <a:schemeClr val="bg2">
+                  <a:lumMod val="60000"/>
+                  <a:lumOff val="40000"/>
+                  <a:alpha val="0"/>
+                </a:schemeClr>
+              </a:gs>
+              <a:gs pos="36000">
+                <a:schemeClr val="bg2">
+                  <a:lumMod val="60000"/>
+                  <a:lumOff val="40000"/>
+                  <a:alpha val="6000"/>
+                </a:schemeClr>
+              </a:gs>
+            </a:gsLst>
+            <a:path path="circle">
+              <a:fillToRect l="50000" t="50000" r="50000" b="50000"/>
+            </a:path>
+            <a:tileRect/>
+          </a:gradFill>
+          <a:ln>
+            <a:noFill/>
+          </a:ln>
+          <a:effectLst/>
+        </p:spPr>
+        <p:style>
+          <a:lnRef idx="1">
+            <a:schemeClr val="accent1"/>
+          </a:lnRef>
+          <a:fillRef idx="3">
+            <a:schemeClr val="accent1"/>
+          </a:fillRef>
+          <a:effectRef idx="2">
+            <a:schemeClr val="accent1"/>
+          </a:effectRef>
+          <a:fontRef idx="minor">
+            <a:schemeClr val="lt1"/>
+          </a:fontRef>
+        </p:style>
+        <p:txBody>
+          <a:bodyPr/>
+          <a:lstStyle/>
+          <a:p>
+            <a:endParaRPr lang="es-PE"/>
+          </a:p>
+        </p:txBody>
+      </p:sp>
+      <p:pic>
+        <p:nvPicPr>
+          <p:cNvPr id="15" name="Picture 14">
+            <a:extLst>
+              <a:ext uri="{FF2B5EF4-FFF2-40B4-BE49-F238E27FC236}">
+                <a16:creationId xmlns:a16="http://schemas.microsoft.com/office/drawing/2014/main" id="{9CD2319A-6FA9-4EFB-9EDF-7304467425E8}"/>
+              </a:ext>
+              <a:ext uri="{C183D7F6-B498-43B3-948B-1728B52AA6E4}">
+                <adec:decorative xmlns:adec="http://schemas.microsoft.com/office/drawing/2017/decorative" val="1"/>
+              </a:ext>
+            </a:extLst>
+          </p:cNvPr>
+          <p:cNvPicPr>
+            <a:picLocks noGrp="1" noRot="1" noChangeAspect="1" noMove="1" noResize="1" noEditPoints="1" noAdjustHandles="1" noChangeArrowheads="1" noChangeShapeType="1" noCrop="1"/>
+          </p:cNvPicPr>
+          <p:nvPr>
+            <p:extLst>
+              <p:ext uri="{386F3935-93C4-4BCD-93E2-E3B085C9AB24}">
+                <p16:designElem xmlns:p16="http://schemas.microsoft.com/office/powerpoint/2015/main" val="1"/>
+              </p:ext>
+            </p:extLst>
+          </p:nvPr>
+        </p:nvPicPr>
+        <p:blipFill rotWithShape="1">
+          <a:blip r:embed="rId4">
+            <a:extLst>
+              <a:ext uri="{28A0092B-C50C-407E-A947-70E740481C1C}">
+                <a14:useLocalDpi xmlns:a14="http://schemas.microsoft.com/office/drawing/2010/main" val="0"/>
+              </a:ext>
+            </a:extLst>
+          </a:blip>
+          <a:srcRect t="28813"/>
+          <a:stretch/>
+        </p:blipFill>
+        <p:spPr>
+          <a:xfrm>
+            <a:off x="7999412" y="0"/>
+            <a:ext cx="1603387" cy="1141407"/>
+          </a:xfrm>
+          <a:prstGeom prst="rect">
+            <a:avLst/>
+          </a:prstGeom>
+        </p:spPr>
+      </p:pic>
+      <p:pic>
+        <p:nvPicPr>
+          <p:cNvPr id="17" name="Picture 16">
+            <a:extLst>
+              <a:ext uri="{FF2B5EF4-FFF2-40B4-BE49-F238E27FC236}">
+                <a16:creationId xmlns:a16="http://schemas.microsoft.com/office/drawing/2014/main" id="{D1692A93-3514-4486-8B67-CCA4E0259BCB}"/>
+              </a:ext>
+              <a:ext uri="{C183D7F6-B498-43B3-948B-1728B52AA6E4}">
+                <adec:decorative xmlns:adec="http://schemas.microsoft.com/office/drawing/2017/decorative" val="1"/>
+              </a:ext>
+            </a:extLst>
+          </p:cNvPr>
+          <p:cNvPicPr>
+            <a:picLocks noGrp="1" noRot="1" noChangeAspect="1" noMove="1" noResize="1" noEditPoints="1" noAdjustHandles="1" noChangeArrowheads="1" noChangeShapeType="1" noCrop="1"/>
+          </p:cNvPicPr>
+          <p:nvPr>
+            <p:extLst>
+              <p:ext uri="{386F3935-93C4-4BCD-93E2-E3B085C9AB24}">
+                <p16:designElem xmlns:p16="http://schemas.microsoft.com/office/powerpoint/2015/main" val="1"/>
+              </p:ext>
+            </p:extLst>
+          </p:nvPr>
+        </p:nvPicPr>
+        <p:blipFill rotWithShape="1">
+          <a:blip r:embed="rId5">
+            <a:extLst>
+              <a:ext uri="{28A0092B-C50C-407E-A947-70E740481C1C}">
+                <a14:useLocalDpi xmlns:a14="http://schemas.microsoft.com/office/drawing/2010/main" val="0"/>
+              </a:ext>
+            </a:extLst>
+          </a:blip>
+          <a:srcRect b="23320"/>
+          <a:stretch/>
+        </p:blipFill>
+        <p:spPr>
+          <a:xfrm>
+            <a:off x="8605878" y="6096000"/>
+            <a:ext cx="993734" cy="762000"/>
+          </a:xfrm>
+          <a:prstGeom prst="rect">
+            <a:avLst/>
+          </a:prstGeom>
+        </p:spPr>
+      </p:pic>
+      <p:sp>
+        <p:nvSpPr>
+          <p:cNvPr id="19" name="Rectangle 18">
+            <a:extLst>
+              <a:ext uri="{FF2B5EF4-FFF2-40B4-BE49-F238E27FC236}">
+                <a16:creationId xmlns:a16="http://schemas.microsoft.com/office/drawing/2014/main" id="{01AD250C-F2EA-449F-9B14-DF5BB674C500}"/>
+              </a:ext>
+              <a:ext uri="{C183D7F6-B498-43B3-948B-1728B52AA6E4}">
+                <adec:decorative xmlns:adec="http://schemas.microsoft.com/office/drawing/2017/decorative" val="1"/>
+              </a:ext>
+            </a:extLst>
+          </p:cNvPr>
+          <p:cNvSpPr>
+            <a:spLocks noGrp="1" noRot="1" noChangeAspect="1" noMove="1" noResize="1" noEditPoints="1" noAdjustHandles="1" noChangeArrowheads="1" noChangeShapeType="1" noTextEdit="1"/>
+          </p:cNvSpPr>
+          <p:nvPr>
+            <p:extLst>
+              <p:ext uri="{386F3935-93C4-4BCD-93E2-E3B085C9AB24}">
+                <p16:designElem xmlns:p16="http://schemas.microsoft.com/office/powerpoint/2015/main" val="1"/>
+              </p:ext>
+            </p:extLst>
+          </p:nvPr>
+        </p:nvSpPr>
+        <p:spPr>
+          <a:xfrm>
+            <a:off x="10437812" y="0"/>
+            <a:ext cx="685800" cy="1143000"/>
+          </a:xfrm>
+          <a:prstGeom prst="rect">
+            <a:avLst/>
+          </a:prstGeom>
+          <a:solidFill>
+            <a:schemeClr val="accent1"/>
+          </a:solidFill>
+          <a:ln>
+            <a:noFill/>
+          </a:ln>
+        </p:spPr>
+        <p:style>
+          <a:lnRef idx="1">
+            <a:schemeClr val="accent1"/>
+          </a:lnRef>
+          <a:fillRef idx="3">
+            <a:schemeClr val="accent1"/>
+          </a:fillRef>
+          <a:effectRef idx="2">
+            <a:schemeClr val="accent1"/>
+          </a:effectRef>
+          <a:fontRef idx="minor">
+            <a:schemeClr val="lt1"/>
+          </a:fontRef>
+        </p:style>
+        <p:txBody>
+          <a:bodyPr/>
+          <a:lstStyle/>
+          <a:p>
+            <a:endParaRPr lang="es-PE"/>
+          </a:p>
+        </p:txBody>
+      </p:sp>
+      <p:sp>
+        <p:nvSpPr>
+          <p:cNvPr id="21" name="Rectangle 20">
+            <a:extLst>
+              <a:ext uri="{FF2B5EF4-FFF2-40B4-BE49-F238E27FC236}">
+                <a16:creationId xmlns:a16="http://schemas.microsoft.com/office/drawing/2014/main" id="{4E78424C-6FD0-41F8-9CAA-5DC19C42359F}"/>
+              </a:ext>
+              <a:ext uri="{C183D7F6-B498-43B3-948B-1728B52AA6E4}">
+                <adec:decorative xmlns:adec="http://schemas.microsoft.com/office/drawing/2017/decorative" val="1"/>
+              </a:ext>
+            </a:extLst>
+          </p:cNvPr>
+          <p:cNvSpPr>
+            <a:spLocks noGrp="1" noRot="1" noChangeAspect="1" noMove="1" noResize="1" noEditPoints="1" noAdjustHandles="1" noChangeArrowheads="1" noChangeShapeType="1" noTextEdit="1"/>
+          </p:cNvSpPr>
+          <p:nvPr>
+            <p:extLst>
+              <p:ext uri="{386F3935-93C4-4BCD-93E2-E3B085C9AB24}">
+                <p16:designElem xmlns:p16="http://schemas.microsoft.com/office/powerpoint/2015/main" val="1"/>
+              </p:ext>
+            </p:extLst>
+          </p:nvPr>
+        </p:nvSpPr>
+        <p:spPr>
+          <a:xfrm>
+            <a:off x="0" y="-1"/>
+            <a:ext cx="12192000" cy="6858001"/>
+          </a:xfrm>
+          <a:prstGeom prst="rect">
+            <a:avLst/>
+          </a:prstGeom>
+          <a:ln>
+            <a:noFill/>
+          </a:ln>
+        </p:spPr>
+        <p:style>
+          <a:lnRef idx="2">
+            <a:schemeClr val="accent1">
+              <a:shade val="50000"/>
+            </a:schemeClr>
+          </a:lnRef>
+          <a:fillRef idx="1003">
+            <a:schemeClr val="dk2"/>
+          </a:fillRef>
+          <a:effectRef idx="0">
+            <a:schemeClr val="accent1"/>
+          </a:effectRef>
+          <a:fontRef idx="minor">
+            <a:schemeClr val="lt1"/>
+          </a:fontRef>
+        </p:style>
+        <p:txBody>
+          <a:bodyPr rtlCol="0" anchor="ctr"/>
+          <a:lstStyle/>
+          <a:p>
+            <a:pPr algn="ctr"/>
+            <a:endParaRPr lang="en-US"/>
+          </a:p>
+        </p:txBody>
+      </p:sp>
       <p:sp>
         <p:nvSpPr>
           <p:cNvPr id="2" name="Rectángulo 1">
@@ -11622,8 +15551,8 @@
         </p:nvSpPr>
         <p:spPr>
           <a:xfrm>
-            <a:off x="4335957" y="402444"/>
-            <a:ext cx="3244714" cy="646331"/>
+            <a:off x="643855" y="1447800"/>
+            <a:ext cx="3108626" cy="4572000"/>
           </a:xfrm>
           <a:prstGeom prst="rect">
             <a:avLst/>
@@ -11644,11 +15573,28 @@
           </a:fontRef>
         </p:style>
         <p:txBody>
-          <a:bodyPr rtlCol="0" anchor="ctr"/>
+          <a:bodyPr vert="horz" lIns="91440" tIns="45720" rIns="91440" bIns="45720" rtlCol="0" anchor="ctr">
+            <a:normAutofit/>
+          </a:bodyPr>
           <a:lstStyle/>
           <a:p>
-            <a:r>
-              <a:rPr lang="es-PE" sz="3600" b="1" dirty="0"/>
+            <a:pPr>
+              <a:spcBef>
+                <a:spcPct val="0"/>
+              </a:spcBef>
+              <a:spcAft>
+                <a:spcPts val="600"/>
+              </a:spcAft>
+            </a:pPr>
+            <a:r>
+              <a:rPr lang="en-US" sz="3200">
+                <a:solidFill>
+                  <a:srgbClr val="F2F2F2"/>
+                </a:solidFill>
+                <a:latin typeface="+mj-lt"/>
+                <a:ea typeface="+mj-ea"/>
+                <a:cs typeface="+mj-cs"/>
+              </a:rPr>
               <a:t>REFERENCIAS</a:t>
             </a:r>
           </a:p>
@@ -11656,68 +15602,936 @@
       </p:sp>
       <p:sp>
         <p:nvSpPr>
-          <p:cNvPr id="3" name="CuadroTexto 2">
+          <p:cNvPr id="23" name="Freeform: Shape 22">
             <a:extLst>
               <a:ext uri="{FF2B5EF4-FFF2-40B4-BE49-F238E27FC236}">
-                <a16:creationId xmlns:a16="http://schemas.microsoft.com/office/drawing/2014/main" id="{DB451F27-448E-A169-5BB5-A0C77AAFA8AD}"/>
+                <a16:creationId xmlns:a16="http://schemas.microsoft.com/office/drawing/2014/main" id="{DD136760-57DC-4301-8BEA-B71AD2D13905}"/>
+              </a:ext>
+              <a:ext uri="{C183D7F6-B498-43B3-948B-1728B52AA6E4}">
+                <adec:decorative xmlns:adec="http://schemas.microsoft.com/office/drawing/2017/decorative" val="1"/>
               </a:ext>
             </a:extLst>
           </p:cNvPr>
-          <p:cNvSpPr txBox="1"/>
-          <p:nvPr/>
+          <p:cNvSpPr>
+            <a:spLocks noGrp="1" noRot="1" noChangeAspect="1" noMove="1" noResize="1" noEditPoints="1" noAdjustHandles="1" noChangeArrowheads="1" noChangeShapeType="1" noTextEdit="1"/>
+          </p:cNvSpPr>
+          <p:nvPr>
+            <p:extLst>
+              <p:ext uri="{386F3935-93C4-4BCD-93E2-E3B085C9AB24}">
+                <p16:designElem xmlns:p16="http://schemas.microsoft.com/office/powerpoint/2015/main" val="1"/>
+              </p:ext>
+            </p:extLst>
+          </p:nvPr>
         </p:nvSpPr>
         <p:spPr>
           <a:xfrm>
-            <a:off x="559273" y="1501543"/>
-            <a:ext cx="4260184" cy="923330"/>
+            <a:off x="4161310" y="0"/>
+            <a:ext cx="8030690" cy="6858000"/>
+          </a:xfrm>
+          <a:custGeom>
+            <a:avLst/>
+            <a:gdLst>
+              <a:gd name="connsiteX0" fmla="*/ 1176 w 8030690"/>
+              <a:gd name="connsiteY0" fmla="*/ 0 h 6858000"/>
+              <a:gd name="connsiteX1" fmla="*/ 1344715 w 8030690"/>
+              <a:gd name="connsiteY1" fmla="*/ 0 h 6858000"/>
+              <a:gd name="connsiteX2" fmla="*/ 1344715 w 8030690"/>
+              <a:gd name="connsiteY2" fmla="*/ 0 h 6858000"/>
+              <a:gd name="connsiteX3" fmla="*/ 8030690 w 8030690"/>
+              <a:gd name="connsiteY3" fmla="*/ 0 h 6858000"/>
+              <a:gd name="connsiteX4" fmla="*/ 8030690 w 8030690"/>
+              <a:gd name="connsiteY4" fmla="*/ 6858000 h 6858000"/>
+              <a:gd name="connsiteX5" fmla="*/ 477746 w 8030690"/>
+              <a:gd name="connsiteY5" fmla="*/ 6858000 h 6858000"/>
+              <a:gd name="connsiteX6" fmla="*/ 477746 w 8030690"/>
+              <a:gd name="connsiteY6" fmla="*/ 6858000 h 6858000"/>
+              <a:gd name="connsiteX7" fmla="*/ 0 w 8030690"/>
+              <a:gd name="connsiteY7" fmla="*/ 6858000 h 6858000"/>
+              <a:gd name="connsiteX8" fmla="*/ 5883 w 8030690"/>
+              <a:gd name="connsiteY8" fmla="*/ 6817538 h 6858000"/>
+              <a:gd name="connsiteX9" fmla="*/ 23196 w 8030690"/>
+              <a:gd name="connsiteY9" fmla="*/ 6698894 h 6858000"/>
+              <a:gd name="connsiteX10" fmla="*/ 35298 w 8030690"/>
+              <a:gd name="connsiteY10" fmla="*/ 6612483 h 6858000"/>
+              <a:gd name="connsiteX11" fmla="*/ 48073 w 8030690"/>
+              <a:gd name="connsiteY11" fmla="*/ 6509613 h 6858000"/>
+              <a:gd name="connsiteX12" fmla="*/ 63369 w 8030690"/>
+              <a:gd name="connsiteY12" fmla="*/ 6387541 h 6858000"/>
+              <a:gd name="connsiteX13" fmla="*/ 79506 w 8030690"/>
+              <a:gd name="connsiteY13" fmla="*/ 6252438 h 6858000"/>
+              <a:gd name="connsiteX14" fmla="*/ 96483 w 8030690"/>
+              <a:gd name="connsiteY14" fmla="*/ 6100191 h 6858000"/>
+              <a:gd name="connsiteX15" fmla="*/ 114468 w 8030690"/>
+              <a:gd name="connsiteY15" fmla="*/ 5934227 h 6858000"/>
+              <a:gd name="connsiteX16" fmla="*/ 132454 w 8030690"/>
+              <a:gd name="connsiteY16" fmla="*/ 5753862 h 6858000"/>
+              <a:gd name="connsiteX17" fmla="*/ 150775 w 8030690"/>
+              <a:gd name="connsiteY17" fmla="*/ 5561838 h 6858000"/>
+              <a:gd name="connsiteX18" fmla="*/ 167752 w 8030690"/>
+              <a:gd name="connsiteY18" fmla="*/ 5354726 h 6858000"/>
+              <a:gd name="connsiteX19" fmla="*/ 184057 w 8030690"/>
+              <a:gd name="connsiteY19" fmla="*/ 5138013 h 6858000"/>
+              <a:gd name="connsiteX20" fmla="*/ 198849 w 8030690"/>
+              <a:gd name="connsiteY20" fmla="*/ 4908956 h 6858000"/>
+              <a:gd name="connsiteX21" fmla="*/ 212968 w 8030690"/>
+              <a:gd name="connsiteY21" fmla="*/ 4670298 h 6858000"/>
+              <a:gd name="connsiteX22" fmla="*/ 226248 w 8030690"/>
+              <a:gd name="connsiteY22" fmla="*/ 4421352 h 6858000"/>
+              <a:gd name="connsiteX23" fmla="*/ 230954 w 8030690"/>
+              <a:gd name="connsiteY23" fmla="*/ 4293793 h 6858000"/>
+              <a:gd name="connsiteX24" fmla="*/ 236165 w 8030690"/>
+              <a:gd name="connsiteY24" fmla="*/ 4163491 h 6858000"/>
+              <a:gd name="connsiteX25" fmla="*/ 241039 w 8030690"/>
+              <a:gd name="connsiteY25" fmla="*/ 4031132 h 6858000"/>
+              <a:gd name="connsiteX26" fmla="*/ 244233 w 8030690"/>
+              <a:gd name="connsiteY26" fmla="*/ 3898087 h 6858000"/>
+              <a:gd name="connsiteX27" fmla="*/ 247091 w 8030690"/>
+              <a:gd name="connsiteY27" fmla="*/ 3762298 h 6858000"/>
+              <a:gd name="connsiteX28" fmla="*/ 250116 w 8030690"/>
+              <a:gd name="connsiteY28" fmla="*/ 3625138 h 6858000"/>
+              <a:gd name="connsiteX29" fmla="*/ 252133 w 8030690"/>
+              <a:gd name="connsiteY29" fmla="*/ 3485235 h 6858000"/>
+              <a:gd name="connsiteX30" fmla="*/ 252133 w 8030690"/>
+              <a:gd name="connsiteY30" fmla="*/ 3343960 h 6858000"/>
+              <a:gd name="connsiteX31" fmla="*/ 253142 w 8030690"/>
+              <a:gd name="connsiteY31" fmla="*/ 3201314 h 6858000"/>
+              <a:gd name="connsiteX32" fmla="*/ 252133 w 8030690"/>
+              <a:gd name="connsiteY32" fmla="*/ 3057296 h 6858000"/>
+              <a:gd name="connsiteX33" fmla="*/ 250116 w 8030690"/>
+              <a:gd name="connsiteY33" fmla="*/ 2911221 h 6858000"/>
+              <a:gd name="connsiteX34" fmla="*/ 248267 w 8030690"/>
+              <a:gd name="connsiteY34" fmla="*/ 2765145 h 6858000"/>
+              <a:gd name="connsiteX35" fmla="*/ 244233 w 8030690"/>
+              <a:gd name="connsiteY35" fmla="*/ 2617013 h 6858000"/>
+              <a:gd name="connsiteX36" fmla="*/ 240031 w 8030690"/>
+              <a:gd name="connsiteY36" fmla="*/ 2467508 h 6858000"/>
+              <a:gd name="connsiteX37" fmla="*/ 235156 w 8030690"/>
+              <a:gd name="connsiteY37" fmla="*/ 2318004 h 6858000"/>
+              <a:gd name="connsiteX38" fmla="*/ 228265 w 8030690"/>
+              <a:gd name="connsiteY38" fmla="*/ 2167128 h 6858000"/>
+              <a:gd name="connsiteX39" fmla="*/ 220028 w 8030690"/>
+              <a:gd name="connsiteY39" fmla="*/ 2014880 h 6858000"/>
+              <a:gd name="connsiteX40" fmla="*/ 212128 w 8030690"/>
+              <a:gd name="connsiteY40" fmla="*/ 1861947 h 6858000"/>
+              <a:gd name="connsiteX41" fmla="*/ 202043 w 8030690"/>
+              <a:gd name="connsiteY41" fmla="*/ 1709013 h 6858000"/>
+              <a:gd name="connsiteX42" fmla="*/ 189940 w 8030690"/>
+              <a:gd name="connsiteY42" fmla="*/ 1554023 h 6858000"/>
+              <a:gd name="connsiteX43" fmla="*/ 177838 w 8030690"/>
+              <a:gd name="connsiteY43" fmla="*/ 1401089 h 6858000"/>
+              <a:gd name="connsiteX44" fmla="*/ 163886 w 8030690"/>
+              <a:gd name="connsiteY44" fmla="*/ 1245413 h 6858000"/>
+              <a:gd name="connsiteX45" fmla="*/ 148590 w 8030690"/>
+              <a:gd name="connsiteY45" fmla="*/ 1089050 h 6858000"/>
+              <a:gd name="connsiteX46" fmla="*/ 132454 w 8030690"/>
+              <a:gd name="connsiteY46" fmla="*/ 934745 h 6858000"/>
+              <a:gd name="connsiteX47" fmla="*/ 113628 w 8030690"/>
+              <a:gd name="connsiteY47" fmla="*/ 778383 h 6858000"/>
+              <a:gd name="connsiteX48" fmla="*/ 93457 w 8030690"/>
+              <a:gd name="connsiteY48" fmla="*/ 622706 h 6858000"/>
+              <a:gd name="connsiteX49" fmla="*/ 73454 w 8030690"/>
+              <a:gd name="connsiteY49" fmla="*/ 466344 h 6858000"/>
+              <a:gd name="connsiteX50" fmla="*/ 50090 w 8030690"/>
+              <a:gd name="connsiteY50" fmla="*/ 310667 h 6858000"/>
+              <a:gd name="connsiteX51" fmla="*/ 26222 w 8030690"/>
+              <a:gd name="connsiteY51" fmla="*/ 155676 h 6858000"/>
+            </a:gdLst>
+            <a:ahLst/>
+            <a:cxnLst>
+              <a:cxn ang="0">
+                <a:pos x="connsiteX0" y="connsiteY0"/>
+              </a:cxn>
+              <a:cxn ang="0">
+                <a:pos x="connsiteX1" y="connsiteY1"/>
+              </a:cxn>
+              <a:cxn ang="0">
+                <a:pos x="connsiteX2" y="connsiteY2"/>
+              </a:cxn>
+              <a:cxn ang="0">
+                <a:pos x="connsiteX3" y="connsiteY3"/>
+              </a:cxn>
+              <a:cxn ang="0">
+                <a:pos x="connsiteX4" y="connsiteY4"/>
+              </a:cxn>
+              <a:cxn ang="0">
+                <a:pos x="connsiteX5" y="connsiteY5"/>
+              </a:cxn>
+              <a:cxn ang="0">
+                <a:pos x="connsiteX6" y="connsiteY6"/>
+              </a:cxn>
+              <a:cxn ang="0">
+                <a:pos x="connsiteX7" y="connsiteY7"/>
+              </a:cxn>
+              <a:cxn ang="0">
+                <a:pos x="connsiteX8" y="connsiteY8"/>
+              </a:cxn>
+              <a:cxn ang="0">
+                <a:pos x="connsiteX9" y="connsiteY9"/>
+              </a:cxn>
+              <a:cxn ang="0">
+                <a:pos x="connsiteX10" y="connsiteY10"/>
+              </a:cxn>
+              <a:cxn ang="0">
+                <a:pos x="connsiteX11" y="connsiteY11"/>
+              </a:cxn>
+              <a:cxn ang="0">
+                <a:pos x="connsiteX12" y="connsiteY12"/>
+              </a:cxn>
+              <a:cxn ang="0">
+                <a:pos x="connsiteX13" y="connsiteY13"/>
+              </a:cxn>
+              <a:cxn ang="0">
+                <a:pos x="connsiteX14" y="connsiteY14"/>
+              </a:cxn>
+              <a:cxn ang="0">
+                <a:pos x="connsiteX15" y="connsiteY15"/>
+              </a:cxn>
+              <a:cxn ang="0">
+                <a:pos x="connsiteX16" y="connsiteY16"/>
+              </a:cxn>
+              <a:cxn ang="0">
+                <a:pos x="connsiteX17" y="connsiteY17"/>
+              </a:cxn>
+              <a:cxn ang="0">
+                <a:pos x="connsiteX18" y="connsiteY18"/>
+              </a:cxn>
+              <a:cxn ang="0">
+                <a:pos x="connsiteX19" y="connsiteY19"/>
+              </a:cxn>
+              <a:cxn ang="0">
+                <a:pos x="connsiteX20" y="connsiteY20"/>
+              </a:cxn>
+              <a:cxn ang="0">
+                <a:pos x="connsiteX21" y="connsiteY21"/>
+              </a:cxn>
+              <a:cxn ang="0">
+                <a:pos x="connsiteX22" y="connsiteY22"/>
+              </a:cxn>
+              <a:cxn ang="0">
+                <a:pos x="connsiteX23" y="connsiteY23"/>
+              </a:cxn>
+              <a:cxn ang="0">
+                <a:pos x="connsiteX24" y="connsiteY24"/>
+              </a:cxn>
+              <a:cxn ang="0">
+                <a:pos x="connsiteX25" y="connsiteY25"/>
+              </a:cxn>
+              <a:cxn ang="0">
+                <a:pos x="connsiteX26" y="connsiteY26"/>
+              </a:cxn>
+              <a:cxn ang="0">
+                <a:pos x="connsiteX27" y="connsiteY27"/>
+              </a:cxn>
+              <a:cxn ang="0">
+                <a:pos x="connsiteX28" y="connsiteY28"/>
+              </a:cxn>
+              <a:cxn ang="0">
+                <a:pos x="connsiteX29" y="connsiteY29"/>
+              </a:cxn>
+              <a:cxn ang="0">
+                <a:pos x="connsiteX30" y="connsiteY30"/>
+              </a:cxn>
+              <a:cxn ang="0">
+                <a:pos x="connsiteX31" y="connsiteY31"/>
+              </a:cxn>
+              <a:cxn ang="0">
+                <a:pos x="connsiteX32" y="connsiteY32"/>
+              </a:cxn>
+              <a:cxn ang="0">
+                <a:pos x="connsiteX33" y="connsiteY33"/>
+              </a:cxn>
+              <a:cxn ang="0">
+                <a:pos x="connsiteX34" y="connsiteY34"/>
+              </a:cxn>
+              <a:cxn ang="0">
+                <a:pos x="connsiteX35" y="connsiteY35"/>
+              </a:cxn>
+              <a:cxn ang="0">
+                <a:pos x="connsiteX36" y="connsiteY36"/>
+              </a:cxn>
+              <a:cxn ang="0">
+                <a:pos x="connsiteX37" y="connsiteY37"/>
+              </a:cxn>
+              <a:cxn ang="0">
+                <a:pos x="connsiteX38" y="connsiteY38"/>
+              </a:cxn>
+              <a:cxn ang="0">
+                <a:pos x="connsiteX39" y="connsiteY39"/>
+              </a:cxn>
+              <a:cxn ang="0">
+                <a:pos x="connsiteX40" y="connsiteY40"/>
+              </a:cxn>
+              <a:cxn ang="0">
+                <a:pos x="connsiteX41" y="connsiteY41"/>
+              </a:cxn>
+              <a:cxn ang="0">
+                <a:pos x="connsiteX42" y="connsiteY42"/>
+              </a:cxn>
+              <a:cxn ang="0">
+                <a:pos x="connsiteX43" y="connsiteY43"/>
+              </a:cxn>
+              <a:cxn ang="0">
+                <a:pos x="connsiteX44" y="connsiteY44"/>
+              </a:cxn>
+              <a:cxn ang="0">
+                <a:pos x="connsiteX45" y="connsiteY45"/>
+              </a:cxn>
+              <a:cxn ang="0">
+                <a:pos x="connsiteX46" y="connsiteY46"/>
+              </a:cxn>
+              <a:cxn ang="0">
+                <a:pos x="connsiteX47" y="connsiteY47"/>
+              </a:cxn>
+              <a:cxn ang="0">
+                <a:pos x="connsiteX48" y="connsiteY48"/>
+              </a:cxn>
+              <a:cxn ang="0">
+                <a:pos x="connsiteX49" y="connsiteY49"/>
+              </a:cxn>
+              <a:cxn ang="0">
+                <a:pos x="connsiteX50" y="connsiteY50"/>
+              </a:cxn>
+              <a:cxn ang="0">
+                <a:pos x="connsiteX51" y="connsiteY51"/>
+              </a:cxn>
+            </a:cxnLst>
+            <a:rect l="l" t="t" r="r" b="b"/>
+            <a:pathLst>
+              <a:path w="8030690" h="6858000">
+                <a:moveTo>
+                  <a:pt x="1176" y="0"/>
+                </a:moveTo>
+                <a:lnTo>
+                  <a:pt x="1344715" y="0"/>
+                </a:lnTo>
+                <a:lnTo>
+                  <a:pt x="1344715" y="0"/>
+                </a:lnTo>
+                <a:lnTo>
+                  <a:pt x="8030690" y="0"/>
+                </a:lnTo>
+                <a:lnTo>
+                  <a:pt x="8030690" y="6858000"/>
+                </a:lnTo>
+                <a:lnTo>
+                  <a:pt x="477746" y="6858000"/>
+                </a:lnTo>
+                <a:lnTo>
+                  <a:pt x="477746" y="6858000"/>
+                </a:lnTo>
+                <a:lnTo>
+                  <a:pt x="0" y="6858000"/>
+                </a:lnTo>
+                <a:lnTo>
+                  <a:pt x="5883" y="6817538"/>
+                </a:lnTo>
+                <a:lnTo>
+                  <a:pt x="23196" y="6698894"/>
+                </a:lnTo>
+                <a:lnTo>
+                  <a:pt x="35298" y="6612483"/>
+                </a:lnTo>
+                <a:lnTo>
+                  <a:pt x="48073" y="6509613"/>
+                </a:lnTo>
+                <a:lnTo>
+                  <a:pt x="63369" y="6387541"/>
+                </a:lnTo>
+                <a:lnTo>
+                  <a:pt x="79506" y="6252438"/>
+                </a:lnTo>
+                <a:lnTo>
+                  <a:pt x="96483" y="6100191"/>
+                </a:lnTo>
+                <a:lnTo>
+                  <a:pt x="114468" y="5934227"/>
+                </a:lnTo>
+                <a:lnTo>
+                  <a:pt x="132454" y="5753862"/>
+                </a:lnTo>
+                <a:lnTo>
+                  <a:pt x="150775" y="5561838"/>
+                </a:lnTo>
+                <a:lnTo>
+                  <a:pt x="167752" y="5354726"/>
+                </a:lnTo>
+                <a:lnTo>
+                  <a:pt x="184057" y="5138013"/>
+                </a:lnTo>
+                <a:lnTo>
+                  <a:pt x="198849" y="4908956"/>
+                </a:lnTo>
+                <a:lnTo>
+                  <a:pt x="212968" y="4670298"/>
+                </a:lnTo>
+                <a:lnTo>
+                  <a:pt x="226248" y="4421352"/>
+                </a:lnTo>
+                <a:lnTo>
+                  <a:pt x="230954" y="4293793"/>
+                </a:lnTo>
+                <a:lnTo>
+                  <a:pt x="236165" y="4163491"/>
+                </a:lnTo>
+                <a:lnTo>
+                  <a:pt x="241039" y="4031132"/>
+                </a:lnTo>
+                <a:lnTo>
+                  <a:pt x="244233" y="3898087"/>
+                </a:lnTo>
+                <a:lnTo>
+                  <a:pt x="247091" y="3762298"/>
+                </a:lnTo>
+                <a:lnTo>
+                  <a:pt x="250116" y="3625138"/>
+                </a:lnTo>
+                <a:lnTo>
+                  <a:pt x="252133" y="3485235"/>
+                </a:lnTo>
+                <a:lnTo>
+                  <a:pt x="252133" y="3343960"/>
+                </a:lnTo>
+                <a:lnTo>
+                  <a:pt x="253142" y="3201314"/>
+                </a:lnTo>
+                <a:lnTo>
+                  <a:pt x="252133" y="3057296"/>
+                </a:lnTo>
+                <a:lnTo>
+                  <a:pt x="250116" y="2911221"/>
+                </a:lnTo>
+                <a:lnTo>
+                  <a:pt x="248267" y="2765145"/>
+                </a:lnTo>
+                <a:lnTo>
+                  <a:pt x="244233" y="2617013"/>
+                </a:lnTo>
+                <a:lnTo>
+                  <a:pt x="240031" y="2467508"/>
+                </a:lnTo>
+                <a:lnTo>
+                  <a:pt x="235156" y="2318004"/>
+                </a:lnTo>
+                <a:lnTo>
+                  <a:pt x="228265" y="2167128"/>
+                </a:lnTo>
+                <a:lnTo>
+                  <a:pt x="220028" y="2014880"/>
+                </a:lnTo>
+                <a:lnTo>
+                  <a:pt x="212128" y="1861947"/>
+                </a:lnTo>
+                <a:lnTo>
+                  <a:pt x="202043" y="1709013"/>
+                </a:lnTo>
+                <a:lnTo>
+                  <a:pt x="189940" y="1554023"/>
+                </a:lnTo>
+                <a:lnTo>
+                  <a:pt x="177838" y="1401089"/>
+                </a:lnTo>
+                <a:lnTo>
+                  <a:pt x="163886" y="1245413"/>
+                </a:lnTo>
+                <a:lnTo>
+                  <a:pt x="148590" y="1089050"/>
+                </a:lnTo>
+                <a:lnTo>
+                  <a:pt x="132454" y="934745"/>
+                </a:lnTo>
+                <a:lnTo>
+                  <a:pt x="113628" y="778383"/>
+                </a:lnTo>
+                <a:lnTo>
+                  <a:pt x="93457" y="622706"/>
+                </a:lnTo>
+                <a:lnTo>
+                  <a:pt x="73454" y="466344"/>
+                </a:lnTo>
+                <a:lnTo>
+                  <a:pt x="50090" y="310667"/>
+                </a:lnTo>
+                <a:lnTo>
+                  <a:pt x="26222" y="155676"/>
+                </a:lnTo>
+                <a:close/>
+              </a:path>
+            </a:pathLst>
+          </a:custGeom>
+          <a:solidFill>
+            <a:schemeClr val="bg1"/>
+          </a:solidFill>
+          <a:ln>
+            <a:noFill/>
+          </a:ln>
+        </p:spPr>
+        <p:style>
+          <a:lnRef idx="2">
+            <a:schemeClr val="accent1">
+              <a:shade val="50000"/>
+            </a:schemeClr>
+          </a:lnRef>
+          <a:fillRef idx="1">
+            <a:schemeClr val="accent1"/>
+          </a:fillRef>
+          <a:effectRef idx="0">
+            <a:schemeClr val="accent1"/>
+          </a:effectRef>
+          <a:fontRef idx="minor">
+            <a:schemeClr val="lt1"/>
+          </a:fontRef>
+        </p:style>
+        <p:txBody>
+          <a:bodyPr wrap="square" rtlCol="0" anchor="ctr">
+            <a:noAutofit/>
+          </a:bodyPr>
+          <a:lstStyle/>
+          <a:p>
+            <a:pPr algn="ctr"/>
+            <a:endParaRPr lang="en-US"/>
+          </a:p>
+        </p:txBody>
+      </p:sp>
+      <p:sp>
+        <p:nvSpPr>
+          <p:cNvPr id="25" name="Freeform 11">
+            <a:extLst>
+              <a:ext uri="{FF2B5EF4-FFF2-40B4-BE49-F238E27FC236}">
+                <a16:creationId xmlns:a16="http://schemas.microsoft.com/office/drawing/2014/main" id="{BDC58DEA-1307-4F44-AD47-E613D8B76A89}"/>
+              </a:ext>
+              <a:ext uri="{C183D7F6-B498-43B3-948B-1728B52AA6E4}">
+                <adec:decorative xmlns:adec="http://schemas.microsoft.com/office/drawing/2017/decorative" val="1"/>
+              </a:ext>
+            </a:extLst>
+          </p:cNvPr>
+          <p:cNvSpPr>
+            <a:spLocks noGrp="1" noRot="1" noChangeAspect="1" noMove="1" noResize="1" noEditPoints="1" noAdjustHandles="1" noChangeArrowheads="1" noChangeShapeType="1" noTextEdit="1"/>
+          </p:cNvSpPr>
+          <p:nvPr>
+            <p:extLst>
+              <p:ext uri="{386F3935-93C4-4BCD-93E2-E3B085C9AB24}">
+                <p16:designElem xmlns:p16="http://schemas.microsoft.com/office/powerpoint/2015/main" val="1"/>
+              </p:ext>
+            </p:extLst>
+          </p:nvPr>
+        </p:nvSpPr>
+        <p:spPr>
+          <a:xfrm>
+            <a:off x="3948110" y="-1"/>
+            <a:ext cx="559472" cy="3709642"/>
+          </a:xfrm>
+          <a:custGeom>
+            <a:avLst/>
+            <a:gdLst>
+              <a:gd name="connsiteX0" fmla="*/ 0 w 559472"/>
+              <a:gd name="connsiteY0" fmla="*/ 0 h 3709642"/>
+              <a:gd name="connsiteX1" fmla="*/ 473952 w 559472"/>
+              <a:gd name="connsiteY1" fmla="*/ 0 h 3709642"/>
+              <a:gd name="connsiteX2" fmla="*/ 485840 w 559472"/>
+              <a:gd name="connsiteY2" fmla="*/ 161194 h 3709642"/>
+              <a:gd name="connsiteX3" fmla="*/ 523949 w 559472"/>
+              <a:gd name="connsiteY3" fmla="*/ 3672197 h 3709642"/>
+              <a:gd name="connsiteX4" fmla="*/ 454748 w 559472"/>
+              <a:gd name="connsiteY4" fmla="*/ 3709642 h 3709642"/>
+              <a:gd name="connsiteX5" fmla="*/ 448224 w 559472"/>
+              <a:gd name="connsiteY5" fmla="*/ 3510471 h 3709642"/>
+              <a:gd name="connsiteX6" fmla="*/ 443564 w 559472"/>
+              <a:gd name="connsiteY6" fmla="*/ 3408563 h 3709642"/>
+              <a:gd name="connsiteX7" fmla="*/ 438902 w 559472"/>
+              <a:gd name="connsiteY7" fmla="*/ 3304407 h 3709642"/>
+              <a:gd name="connsiteX8" fmla="*/ 433941 w 559472"/>
+              <a:gd name="connsiteY8" fmla="*/ 3198777 h 3709642"/>
+              <a:gd name="connsiteX9" fmla="*/ 427584 w 559472"/>
+              <a:gd name="connsiteY9" fmla="*/ 3092510 h 3709642"/>
+              <a:gd name="connsiteX10" fmla="*/ 420988 w 559472"/>
+              <a:gd name="connsiteY10" fmla="*/ 2984390 h 3709642"/>
+              <a:gd name="connsiteX11" fmla="*/ 414330 w 559472"/>
+              <a:gd name="connsiteY11" fmla="*/ 2874401 h 3709642"/>
+              <a:gd name="connsiteX12" fmla="*/ 406840 w 559472"/>
+              <a:gd name="connsiteY12" fmla="*/ 2762980 h 3709642"/>
+              <a:gd name="connsiteX13" fmla="*/ 397745 w 559472"/>
+              <a:gd name="connsiteY13" fmla="*/ 2650566 h 3709642"/>
+              <a:gd name="connsiteX14" fmla="*/ 389154 w 559472"/>
+              <a:gd name="connsiteY14" fmla="*/ 2536612 h 3709642"/>
+              <a:gd name="connsiteX15" fmla="*/ 379225 w 559472"/>
+              <a:gd name="connsiteY15" fmla="*/ 2421642 h 3709642"/>
+              <a:gd name="connsiteX16" fmla="*/ 368316 w 559472"/>
+              <a:gd name="connsiteY16" fmla="*/ 2305627 h 3709642"/>
+              <a:gd name="connsiteX17" fmla="*/ 357466 w 559472"/>
+              <a:gd name="connsiteY17" fmla="*/ 2189233 h 3709642"/>
+              <a:gd name="connsiteX18" fmla="*/ 344982 w 559472"/>
+              <a:gd name="connsiteY18" fmla="*/ 2071473 h 3709642"/>
+              <a:gd name="connsiteX19" fmla="*/ 332466 w 559472"/>
+              <a:gd name="connsiteY19" fmla="*/ 1952216 h 3709642"/>
+              <a:gd name="connsiteX20" fmla="*/ 319121 w 559472"/>
+              <a:gd name="connsiteY20" fmla="*/ 1833776 h 3709642"/>
+              <a:gd name="connsiteX21" fmla="*/ 304408 w 559472"/>
+              <a:gd name="connsiteY21" fmla="*/ 1713948 h 3709642"/>
+              <a:gd name="connsiteX22" fmla="*/ 288685 w 559472"/>
+              <a:gd name="connsiteY22" fmla="*/ 1592703 h 3709642"/>
+              <a:gd name="connsiteX23" fmla="*/ 273050 w 559472"/>
+              <a:gd name="connsiteY23" fmla="*/ 1471451 h 3709642"/>
+              <a:gd name="connsiteX24" fmla="*/ 255813 w 559472"/>
+              <a:gd name="connsiteY24" fmla="*/ 1350328 h 3709642"/>
+              <a:gd name="connsiteX25" fmla="*/ 237060 w 559472"/>
+              <a:gd name="connsiteY25" fmla="*/ 1227080 h 3709642"/>
+              <a:gd name="connsiteX26" fmla="*/ 218488 w 559472"/>
+              <a:gd name="connsiteY26" fmla="*/ 1106065 h 3709642"/>
+              <a:gd name="connsiteX27" fmla="*/ 198221 w 559472"/>
+              <a:gd name="connsiteY27" fmla="*/ 982940 h 3709642"/>
+              <a:gd name="connsiteX28" fmla="*/ 177152 w 559472"/>
+              <a:gd name="connsiteY28" fmla="*/ 858755 h 3709642"/>
+              <a:gd name="connsiteX29" fmla="*/ 155551 w 559472"/>
+              <a:gd name="connsiteY29" fmla="*/ 736861 h 3709642"/>
+              <a:gd name="connsiteX30" fmla="*/ 131782 w 559472"/>
+              <a:gd name="connsiteY30" fmla="*/ 613645 h 3709642"/>
+              <a:gd name="connsiteX31" fmla="*/ 107123 w 559472"/>
+              <a:gd name="connsiteY31" fmla="*/ 490500 h 3709642"/>
+              <a:gd name="connsiteX32" fmla="*/ 82552 w 559472"/>
+              <a:gd name="connsiteY32" fmla="*/ 367348 h 3709642"/>
+              <a:gd name="connsiteX33" fmla="*/ 55608 w 559472"/>
+              <a:gd name="connsiteY33" fmla="*/ 244762 h 3709642"/>
+              <a:gd name="connsiteX34" fmla="*/ 28130 w 559472"/>
+              <a:gd name="connsiteY34" fmla="*/ 122220 h 3709642"/>
+              <a:gd name="connsiteX35" fmla="*/ 0 w 559472"/>
+              <a:gd name="connsiteY35" fmla="*/ 0 h 3709642"/>
+            </a:gdLst>
+            <a:ahLst/>
+            <a:cxnLst>
+              <a:cxn ang="0">
+                <a:pos x="connsiteX0" y="connsiteY0"/>
+              </a:cxn>
+              <a:cxn ang="0">
+                <a:pos x="connsiteX1" y="connsiteY1"/>
+              </a:cxn>
+              <a:cxn ang="0">
+                <a:pos x="connsiteX2" y="connsiteY2"/>
+              </a:cxn>
+              <a:cxn ang="0">
+                <a:pos x="connsiteX3" y="connsiteY3"/>
+              </a:cxn>
+              <a:cxn ang="0">
+                <a:pos x="connsiteX4" y="connsiteY4"/>
+              </a:cxn>
+              <a:cxn ang="0">
+                <a:pos x="connsiteX5" y="connsiteY5"/>
+              </a:cxn>
+              <a:cxn ang="0">
+                <a:pos x="connsiteX6" y="connsiteY6"/>
+              </a:cxn>
+              <a:cxn ang="0">
+                <a:pos x="connsiteX7" y="connsiteY7"/>
+              </a:cxn>
+              <a:cxn ang="0">
+                <a:pos x="connsiteX8" y="connsiteY8"/>
+              </a:cxn>
+              <a:cxn ang="0">
+                <a:pos x="connsiteX9" y="connsiteY9"/>
+              </a:cxn>
+              <a:cxn ang="0">
+                <a:pos x="connsiteX10" y="connsiteY10"/>
+              </a:cxn>
+              <a:cxn ang="0">
+                <a:pos x="connsiteX11" y="connsiteY11"/>
+              </a:cxn>
+              <a:cxn ang="0">
+                <a:pos x="connsiteX12" y="connsiteY12"/>
+              </a:cxn>
+              <a:cxn ang="0">
+                <a:pos x="connsiteX13" y="connsiteY13"/>
+              </a:cxn>
+              <a:cxn ang="0">
+                <a:pos x="connsiteX14" y="connsiteY14"/>
+              </a:cxn>
+              <a:cxn ang="0">
+                <a:pos x="connsiteX15" y="connsiteY15"/>
+              </a:cxn>
+              <a:cxn ang="0">
+                <a:pos x="connsiteX16" y="connsiteY16"/>
+              </a:cxn>
+              <a:cxn ang="0">
+                <a:pos x="connsiteX17" y="connsiteY17"/>
+              </a:cxn>
+              <a:cxn ang="0">
+                <a:pos x="connsiteX18" y="connsiteY18"/>
+              </a:cxn>
+              <a:cxn ang="0">
+                <a:pos x="connsiteX19" y="connsiteY19"/>
+              </a:cxn>
+              <a:cxn ang="0">
+                <a:pos x="connsiteX20" y="connsiteY20"/>
+              </a:cxn>
+              <a:cxn ang="0">
+                <a:pos x="connsiteX21" y="connsiteY21"/>
+              </a:cxn>
+              <a:cxn ang="0">
+                <a:pos x="connsiteX22" y="connsiteY22"/>
+              </a:cxn>
+              <a:cxn ang="0">
+                <a:pos x="connsiteX23" y="connsiteY23"/>
+              </a:cxn>
+              <a:cxn ang="0">
+                <a:pos x="connsiteX24" y="connsiteY24"/>
+              </a:cxn>
+              <a:cxn ang="0">
+                <a:pos x="connsiteX25" y="connsiteY25"/>
+              </a:cxn>
+              <a:cxn ang="0">
+                <a:pos x="connsiteX26" y="connsiteY26"/>
+              </a:cxn>
+              <a:cxn ang="0">
+                <a:pos x="connsiteX27" y="connsiteY27"/>
+              </a:cxn>
+              <a:cxn ang="0">
+                <a:pos x="connsiteX28" y="connsiteY28"/>
+              </a:cxn>
+              <a:cxn ang="0">
+                <a:pos x="connsiteX29" y="connsiteY29"/>
+              </a:cxn>
+              <a:cxn ang="0">
+                <a:pos x="connsiteX30" y="connsiteY30"/>
+              </a:cxn>
+              <a:cxn ang="0">
+                <a:pos x="connsiteX31" y="connsiteY31"/>
+              </a:cxn>
+              <a:cxn ang="0">
+                <a:pos x="connsiteX32" y="connsiteY32"/>
+              </a:cxn>
+              <a:cxn ang="0">
+                <a:pos x="connsiteX33" y="connsiteY33"/>
+              </a:cxn>
+              <a:cxn ang="0">
+                <a:pos x="connsiteX34" y="connsiteY34"/>
+              </a:cxn>
+              <a:cxn ang="0">
+                <a:pos x="connsiteX35" y="connsiteY35"/>
+              </a:cxn>
+            </a:cxnLst>
+            <a:rect l="l" t="t" r="r" b="b"/>
+            <a:pathLst>
+              <a:path w="559472" h="3709642">
+                <a:moveTo>
+                  <a:pt x="0" y="0"/>
+                </a:moveTo>
+                <a:lnTo>
+                  <a:pt x="473952" y="0"/>
+                </a:lnTo>
+                <a:lnTo>
+                  <a:pt x="485840" y="161194"/>
+                </a:lnTo>
+                <a:cubicBezTo>
+                  <a:pt x="552063" y="1147770"/>
+                  <a:pt x="592441" y="3086737"/>
+                  <a:pt x="523949" y="3672197"/>
+                </a:cubicBezTo>
+                <a:cubicBezTo>
+                  <a:pt x="500842" y="3684557"/>
+                  <a:pt x="477855" y="3697282"/>
+                  <a:pt x="454748" y="3709642"/>
+                </a:cubicBezTo>
+                <a:lnTo>
+                  <a:pt x="448224" y="3510471"/>
+                </a:lnTo>
+                <a:lnTo>
+                  <a:pt x="443564" y="3408563"/>
+                </a:lnTo>
+                <a:lnTo>
+                  <a:pt x="438902" y="3304407"/>
+                </a:lnTo>
+                <a:lnTo>
+                  <a:pt x="433941" y="3198777"/>
+                </a:lnTo>
+                <a:lnTo>
+                  <a:pt x="427584" y="3092510"/>
+                </a:lnTo>
+                <a:lnTo>
+                  <a:pt x="420988" y="2984390"/>
+                </a:lnTo>
+                <a:lnTo>
+                  <a:pt x="414330" y="2874401"/>
+                </a:lnTo>
+                <a:lnTo>
+                  <a:pt x="406840" y="2762980"/>
+                </a:lnTo>
+                <a:lnTo>
+                  <a:pt x="397745" y="2650566"/>
+                </a:lnTo>
+                <a:lnTo>
+                  <a:pt x="389154" y="2536612"/>
+                </a:lnTo>
+                <a:lnTo>
+                  <a:pt x="379225" y="2421642"/>
+                </a:lnTo>
+                <a:lnTo>
+                  <a:pt x="368316" y="2305627"/>
+                </a:lnTo>
+                <a:lnTo>
+                  <a:pt x="357466" y="2189233"/>
+                </a:lnTo>
+                <a:lnTo>
+                  <a:pt x="344982" y="2071473"/>
+                </a:lnTo>
+                <a:lnTo>
+                  <a:pt x="332466" y="1952216"/>
+                </a:lnTo>
+                <a:lnTo>
+                  <a:pt x="319121" y="1833776"/>
+                </a:lnTo>
+                <a:lnTo>
+                  <a:pt x="304408" y="1713948"/>
+                </a:lnTo>
+                <a:lnTo>
+                  <a:pt x="288685" y="1592703"/>
+                </a:lnTo>
+                <a:lnTo>
+                  <a:pt x="273050" y="1471451"/>
+                </a:lnTo>
+                <a:lnTo>
+                  <a:pt x="255813" y="1350328"/>
+                </a:lnTo>
+                <a:lnTo>
+                  <a:pt x="237060" y="1227080"/>
+                </a:lnTo>
+                <a:lnTo>
+                  <a:pt x="218488" y="1106065"/>
+                </a:lnTo>
+                <a:lnTo>
+                  <a:pt x="198221" y="982940"/>
+                </a:lnTo>
+                <a:lnTo>
+                  <a:pt x="177152" y="858755"/>
+                </a:lnTo>
+                <a:lnTo>
+                  <a:pt x="155551" y="736861"/>
+                </a:lnTo>
+                <a:lnTo>
+                  <a:pt x="131782" y="613645"/>
+                </a:lnTo>
+                <a:lnTo>
+                  <a:pt x="107123" y="490500"/>
+                </a:lnTo>
+                <a:lnTo>
+                  <a:pt x="82552" y="367348"/>
+                </a:lnTo>
+                <a:lnTo>
+                  <a:pt x="55608" y="244762"/>
+                </a:lnTo>
+                <a:lnTo>
+                  <a:pt x="28130" y="122220"/>
+                </a:lnTo>
+                <a:lnTo>
+                  <a:pt x="0" y="0"/>
+                </a:lnTo>
+                <a:close/>
+              </a:path>
+            </a:pathLst>
+          </a:custGeom>
+          <a:solidFill>
+            <a:schemeClr val="bg1">
+              <a:alpha val="20000"/>
+            </a:schemeClr>
+          </a:solidFill>
+          <a:ln>
+            <a:noFill/>
+          </a:ln>
+        </p:spPr>
+        <p:txBody>
+          <a:bodyPr rtlCol="0" anchor="ctr"/>
+          <a:lstStyle/>
+          <a:p>
+            <a:pPr algn="ctr"/>
+            <a:endParaRPr lang="en-US"/>
+          </a:p>
+        </p:txBody>
+      </p:sp>
+      <p:sp>
+        <p:nvSpPr>
+          <p:cNvPr id="27" name="Rectangle 26">
+            <a:extLst>
+              <a:ext uri="{FF2B5EF4-FFF2-40B4-BE49-F238E27FC236}">
+                <a16:creationId xmlns:a16="http://schemas.microsoft.com/office/drawing/2014/main" id="{C99B912D-1E4B-42AF-A2BE-CFEFEC916EE7}"/>
+              </a:ext>
+              <a:ext uri="{C183D7F6-B498-43B3-948B-1728B52AA6E4}">
+                <adec:decorative xmlns:adec="http://schemas.microsoft.com/office/drawing/2017/decorative" val="1"/>
+              </a:ext>
+            </a:extLst>
+          </p:cNvPr>
+          <p:cNvSpPr>
+            <a:spLocks noGrp="1" noRot="1" noChangeAspect="1" noMove="1" noResize="1" noEditPoints="1" noAdjustHandles="1" noChangeArrowheads="1" noChangeShapeType="1" noTextEdit="1"/>
+          </p:cNvSpPr>
+          <p:nvPr>
+            <p:extLst>
+              <p:ext uri="{386F3935-93C4-4BCD-93E2-E3B085C9AB24}">
+                <p16:designElem xmlns:p16="http://schemas.microsoft.com/office/powerpoint/2015/main" val="1"/>
+              </p:ext>
+            </p:extLst>
+          </p:nvPr>
+        </p:nvSpPr>
+        <p:spPr>
+          <a:xfrm>
+            <a:off x="10437812" y="0"/>
+            <a:ext cx="685800" cy="1143000"/>
           </a:xfrm>
           <a:prstGeom prst="rect">
             <a:avLst/>
           </a:prstGeom>
-          <a:noFill/>
+          <a:solidFill>
+            <a:schemeClr val="accent1"/>
+          </a:solidFill>
+          <a:ln>
+            <a:noFill/>
+          </a:ln>
         </p:spPr>
+        <p:style>
+          <a:lnRef idx="1">
+            <a:schemeClr val="accent1"/>
+          </a:lnRef>
+          <a:fillRef idx="3">
+            <a:schemeClr val="accent1"/>
+          </a:fillRef>
+          <a:effectRef idx="2">
+            <a:schemeClr val="accent1"/>
+          </a:effectRef>
+          <a:fontRef idx="minor">
+            <a:schemeClr val="lt1"/>
+          </a:fontRef>
+        </p:style>
         <p:txBody>
-          <a:bodyPr wrap="square" rtlCol="0">
-            <a:spAutoFit/>
-          </a:bodyPr>
+          <a:bodyPr/>
           <a:lstStyle/>
           <a:p>
-            <a:r>
-              <a:rPr lang="es-PE" dirty="0"/>
-              <a:t>Librería pandas versión 2.1.4</a:t>
-            </a:r>
-          </a:p>
-          <a:p>
-            <a:r>
-              <a:rPr lang="es-PE" dirty="0"/>
-              <a:t>Librería </a:t>
-            </a:r>
-            <a:r>
-              <a:rPr lang="es-PE" dirty="0" err="1"/>
-              <a:t>seaborn</a:t>
-            </a:r>
-            <a:r>
-              <a:rPr lang="es-PE" dirty="0"/>
-              <a:t> versión 0.13.2</a:t>
-            </a:r>
-          </a:p>
-          <a:p>
-            <a:r>
-              <a:rPr lang="es-PE" dirty="0"/>
-              <a:t>Librería </a:t>
-            </a:r>
-            <a:r>
-              <a:rPr lang="es-PE" dirty="0" err="1"/>
-              <a:t>scikit-learn</a:t>
-            </a:r>
-            <a:r>
-              <a:rPr lang="es-PE" dirty="0"/>
-              <a:t> versión 1.4.0</a:t>
-            </a:r>
-            <a:endParaRPr lang="es-ES" dirty="0"/>
+            <a:endParaRPr lang="es-PE"/>
           </a:p>
         </p:txBody>
       </p:sp>
+      <p:graphicFrame>
+        <p:nvGraphicFramePr>
+          <p:cNvPr id="5" name="CuadroTexto 2">
+            <a:extLst>
+              <a:ext uri="{FF2B5EF4-FFF2-40B4-BE49-F238E27FC236}">
+                <a16:creationId xmlns:a16="http://schemas.microsoft.com/office/drawing/2014/main" id="{AD986743-D4BB-A7F7-6E94-E0BF1D495BFA}"/>
+              </a:ext>
+            </a:extLst>
+          </p:cNvPr>
+          <p:cNvGraphicFramePr/>
+          <p:nvPr>
+            <p:extLst>
+              <p:ext uri="{D42A27DB-BD31-4B8C-83A1-F6EECF244321}">
+                <p14:modId xmlns:p14="http://schemas.microsoft.com/office/powerpoint/2010/main" val="4170688629"/>
+              </p:ext>
+            </p:extLst>
+          </p:nvPr>
+        </p:nvGraphicFramePr>
+        <p:xfrm>
+          <a:off x="5048250" y="1447800"/>
+          <a:ext cx="6496050" cy="4572000"/>
+        </p:xfrm>
+        <a:graphic>
+          <a:graphicData uri="http://schemas.openxmlformats.org/drawingml/2006/diagram">
+            <dgm:relIds xmlns:dgm="http://schemas.openxmlformats.org/drawingml/2006/diagram" xmlns:r="http://schemas.openxmlformats.org/officeDocument/2006/relationships" r:dm="rId6" r:lo="rId7" r:qs="rId8" r:cs="rId9"/>
+          </a:graphicData>
+        </a:graphic>
+      </p:graphicFrame>
     </p:spTree>
     <p:extLst>
       <p:ext uri="{BB962C8B-B14F-4D97-AF65-F5344CB8AC3E}">
@@ -11726,7 +16540,7 @@
     </p:extLst>
   </p:cSld>
   <p:clrMapOvr>
-    <a:masterClrMapping/>
+    <a:overrideClrMapping bg1="lt1" tx1="dk1" bg2="lt2" tx2="dk2" accent1="accent1" accent2="accent2" accent3="accent3" accent4="accent4" accent5="accent5" accent6="accent6" hlink="hlink" folHlink="folHlink"/>
   </p:clrMapOvr>
 </p:sld>
 </file>
